--- a/Documents/ProjectPresentation.pptx
+++ b/Documents/ProjectPresentation.pptx
@@ -5,19 +5,22 @@
     <p:sldMasterId id="2147483648" r:id="rId4"/>
   </p:sldMasterIdLst>
   <p:notesMasterIdLst>
-    <p:notesMasterId r:id="rId7"/>
+    <p:notesMasterId r:id="rId10"/>
   </p:notesMasterIdLst>
   <p:handoutMasterIdLst>
-    <p:handoutMasterId r:id="rId8"/>
+    <p:handoutMasterId r:id="rId11"/>
   </p:handoutMasterIdLst>
   <p:sldIdLst>
     <p:sldId id="265" r:id="rId5"/>
     <p:sldId id="266" r:id="rId6"/>
+    <p:sldId id="267" r:id="rId7"/>
+    <p:sldId id="268" r:id="rId8"/>
+    <p:sldId id="269" r:id="rId9"/>
   </p:sldIdLst>
   <p:sldSz cx="12188825" cy="6858000"/>
   <p:notesSz cx="6858000" cy="9144000"/>
   <p:custDataLst>
-    <p:tags r:id="rId9"/>
+    <p:tags r:id="rId12"/>
   </p:custDataLst>
   <p:defaultTextStyle>
     <a:defPPr>
@@ -4069,7 +4072,10 @@
           <a:bodyPr/>
           <a:lstStyle/>
           <a:p>
-            <a:endParaRPr lang="en-US"/>
+            <a:r>
+              <a:rPr lang="en-US" dirty="0"/>
+              <a:t>Objective</a:t>
+            </a:r>
           </a:p>
         </p:txBody>
       </p:sp>
@@ -4088,7 +4094,15 @@
           <a:bodyPr/>
           <a:lstStyle/>
           <a:p>
-            <a:endParaRPr lang="en-US"/>
+            <a:r>
+              <a:rPr lang="en-US" dirty="0"/>
+              <a:t>Provide a training partner to </a:t>
+            </a:r>
+            <a:r>
+              <a:rPr lang="en-US"/>
+              <a:t>SSBM players</a:t>
+            </a:r>
+            <a:endParaRPr lang="en-US" dirty="0"/>
           </a:p>
         </p:txBody>
       </p:sp>
@@ -4096,6 +4110,246 @@
     <p:extLst>
       <p:ext uri="{BB962C8B-B14F-4D97-AF65-F5344CB8AC3E}">
         <p14:creationId xmlns:p14="http://schemas.microsoft.com/office/powerpoint/2010/main" val="2617607715"/>
+      </p:ext>
+    </p:extLst>
+  </p:cSld>
+  <p:clrMapOvr>
+    <a:masterClrMapping/>
+  </p:clrMapOvr>
+  <mc:AlternateContent xmlns:mc="http://schemas.openxmlformats.org/markup-compatibility/2006" xmlns:p14="http://schemas.microsoft.com/office/powerpoint/2010/main">
+    <mc:Choice Requires="p14">
+      <p:transition spd="med" p14:dur="700">
+        <p:fade/>
+      </p:transition>
+    </mc:Choice>
+    <mc:Fallback xmlns="">
+      <p:transition spd="med">
+        <p:fade/>
+      </p:transition>
+    </mc:Fallback>
+  </mc:AlternateContent>
+</p:sld>
+</file>
+
+<file path=ppt/slides/slide3.xml><?xml version="1.0" encoding="utf-8"?>
+<p:sld xmlns:a="http://schemas.openxmlformats.org/drawingml/2006/main" xmlns:r="http://schemas.openxmlformats.org/officeDocument/2006/relationships" xmlns:p="http://schemas.openxmlformats.org/presentationml/2006/main">
+  <p:cSld>
+    <p:spTree>
+      <p:nvGrpSpPr>
+        <p:cNvPr id="1" name=""/>
+        <p:cNvGrpSpPr/>
+        <p:nvPr/>
+      </p:nvGrpSpPr>
+      <p:grpSpPr>
+        <a:xfrm>
+          <a:off x="0" y="0"/>
+          <a:ext cx="0" cy="0"/>
+          <a:chOff x="0" y="0"/>
+          <a:chExt cx="0" cy="0"/>
+        </a:xfrm>
+      </p:grpSpPr>
+      <p:sp>
+        <p:nvSpPr>
+          <p:cNvPr id="2" name="Title 1"/>
+          <p:cNvSpPr>
+            <a:spLocks noGrp="1"/>
+          </p:cNvSpPr>
+          <p:nvPr>
+            <p:ph type="title"/>
+          </p:nvPr>
+        </p:nvSpPr>
+        <p:spPr/>
+        <p:txBody>
+          <a:bodyPr/>
+          <a:lstStyle/>
+          <a:p>
+            <a:endParaRPr lang="en-US"/>
+          </a:p>
+        </p:txBody>
+      </p:sp>
+      <p:sp>
+        <p:nvSpPr>
+          <p:cNvPr id="3" name="Content Placeholder 2"/>
+          <p:cNvSpPr>
+            <a:spLocks noGrp="1"/>
+          </p:cNvSpPr>
+          <p:nvPr>
+            <p:ph idx="1"/>
+          </p:nvPr>
+        </p:nvSpPr>
+        <p:spPr/>
+        <p:txBody>
+          <a:bodyPr/>
+          <a:lstStyle/>
+          <a:p>
+            <a:endParaRPr lang="en-US"/>
+          </a:p>
+        </p:txBody>
+      </p:sp>
+    </p:spTree>
+    <p:extLst>
+      <p:ext uri="{BB962C8B-B14F-4D97-AF65-F5344CB8AC3E}">
+        <p14:creationId xmlns:p14="http://schemas.microsoft.com/office/powerpoint/2010/main" val="1603812502"/>
+      </p:ext>
+    </p:extLst>
+  </p:cSld>
+  <p:clrMapOvr>
+    <a:masterClrMapping/>
+  </p:clrMapOvr>
+  <mc:AlternateContent xmlns:mc="http://schemas.openxmlformats.org/markup-compatibility/2006" xmlns:p14="http://schemas.microsoft.com/office/powerpoint/2010/main">
+    <mc:Choice Requires="p14">
+      <p:transition spd="med" p14:dur="700">
+        <p:fade/>
+      </p:transition>
+    </mc:Choice>
+    <mc:Fallback xmlns="">
+      <p:transition spd="med">
+        <p:fade/>
+      </p:transition>
+    </mc:Fallback>
+  </mc:AlternateContent>
+</p:sld>
+</file>
+
+<file path=ppt/slides/slide4.xml><?xml version="1.0" encoding="utf-8"?>
+<p:sld xmlns:a="http://schemas.openxmlformats.org/drawingml/2006/main" xmlns:r="http://schemas.openxmlformats.org/officeDocument/2006/relationships" xmlns:p="http://schemas.openxmlformats.org/presentationml/2006/main">
+  <p:cSld>
+    <p:spTree>
+      <p:nvGrpSpPr>
+        <p:cNvPr id="1" name=""/>
+        <p:cNvGrpSpPr/>
+        <p:nvPr/>
+      </p:nvGrpSpPr>
+      <p:grpSpPr>
+        <a:xfrm>
+          <a:off x="0" y="0"/>
+          <a:ext cx="0" cy="0"/>
+          <a:chOff x="0" y="0"/>
+          <a:chExt cx="0" cy="0"/>
+        </a:xfrm>
+      </p:grpSpPr>
+      <p:sp>
+        <p:nvSpPr>
+          <p:cNvPr id="2" name="Title 1"/>
+          <p:cNvSpPr>
+            <a:spLocks noGrp="1"/>
+          </p:cNvSpPr>
+          <p:nvPr>
+            <p:ph type="title"/>
+          </p:nvPr>
+        </p:nvSpPr>
+        <p:spPr/>
+        <p:txBody>
+          <a:bodyPr/>
+          <a:lstStyle/>
+          <a:p>
+            <a:endParaRPr lang="en-US"/>
+          </a:p>
+        </p:txBody>
+      </p:sp>
+      <p:sp>
+        <p:nvSpPr>
+          <p:cNvPr id="3" name="Content Placeholder 2"/>
+          <p:cNvSpPr>
+            <a:spLocks noGrp="1"/>
+          </p:cNvSpPr>
+          <p:nvPr>
+            <p:ph idx="1"/>
+          </p:nvPr>
+        </p:nvSpPr>
+        <p:spPr/>
+        <p:txBody>
+          <a:bodyPr/>
+          <a:lstStyle/>
+          <a:p>
+            <a:endParaRPr lang="en-US"/>
+          </a:p>
+        </p:txBody>
+      </p:sp>
+    </p:spTree>
+    <p:extLst>
+      <p:ext uri="{BB962C8B-B14F-4D97-AF65-F5344CB8AC3E}">
+        <p14:creationId xmlns:p14="http://schemas.microsoft.com/office/powerpoint/2010/main" val="2854175971"/>
+      </p:ext>
+    </p:extLst>
+  </p:cSld>
+  <p:clrMapOvr>
+    <a:masterClrMapping/>
+  </p:clrMapOvr>
+  <mc:AlternateContent xmlns:mc="http://schemas.openxmlformats.org/markup-compatibility/2006" xmlns:p14="http://schemas.microsoft.com/office/powerpoint/2010/main">
+    <mc:Choice Requires="p14">
+      <p:transition spd="med" p14:dur="700">
+        <p:fade/>
+      </p:transition>
+    </mc:Choice>
+    <mc:Fallback xmlns="">
+      <p:transition spd="med">
+        <p:fade/>
+      </p:transition>
+    </mc:Fallback>
+  </mc:AlternateContent>
+</p:sld>
+</file>
+
+<file path=ppt/slides/slide5.xml><?xml version="1.0" encoding="utf-8"?>
+<p:sld xmlns:a="http://schemas.openxmlformats.org/drawingml/2006/main" xmlns:r="http://schemas.openxmlformats.org/officeDocument/2006/relationships" xmlns:p="http://schemas.openxmlformats.org/presentationml/2006/main">
+  <p:cSld>
+    <p:spTree>
+      <p:nvGrpSpPr>
+        <p:cNvPr id="1" name=""/>
+        <p:cNvGrpSpPr/>
+        <p:nvPr/>
+      </p:nvGrpSpPr>
+      <p:grpSpPr>
+        <a:xfrm>
+          <a:off x="0" y="0"/>
+          <a:ext cx="0" cy="0"/>
+          <a:chOff x="0" y="0"/>
+          <a:chExt cx="0" cy="0"/>
+        </a:xfrm>
+      </p:grpSpPr>
+      <p:sp>
+        <p:nvSpPr>
+          <p:cNvPr id="2" name="Title 1"/>
+          <p:cNvSpPr>
+            <a:spLocks noGrp="1"/>
+          </p:cNvSpPr>
+          <p:nvPr>
+            <p:ph type="title"/>
+          </p:nvPr>
+        </p:nvSpPr>
+        <p:spPr/>
+        <p:txBody>
+          <a:bodyPr/>
+          <a:lstStyle/>
+          <a:p>
+            <a:endParaRPr lang="en-US"/>
+          </a:p>
+        </p:txBody>
+      </p:sp>
+      <p:sp>
+        <p:nvSpPr>
+          <p:cNvPr id="3" name="Content Placeholder 2"/>
+          <p:cNvSpPr>
+            <a:spLocks noGrp="1"/>
+          </p:cNvSpPr>
+          <p:nvPr>
+            <p:ph idx="1"/>
+          </p:nvPr>
+        </p:nvSpPr>
+        <p:spPr/>
+        <p:txBody>
+          <a:bodyPr/>
+          <a:lstStyle/>
+          <a:p>
+            <a:endParaRPr lang="en-US"/>
+          </a:p>
+        </p:txBody>
+      </p:sp>
+    </p:spTree>
+    <p:extLst>
+      <p:ext uri="{BB962C8B-B14F-4D97-AF65-F5344CB8AC3E}">
+        <p14:creationId xmlns:p14="http://schemas.microsoft.com/office/powerpoint/2010/main" val="229318570"/>
       </p:ext>
     </p:extLst>
   </p:cSld>
@@ -4897,142 +5151,6 @@
 </file>
 
 <file path=customXml/item1.xml><?xml version="1.0" encoding="utf-8"?>
-<?mso-contentType ?>
-<FormTemplates xmlns="http://schemas.microsoft.com/sharepoint/v3/contenttype/forms">
-  <Display>DocumentLibraryForm</Display>
-  <Edit>AssetEditForm</Edit>
-  <New>DocumentLibraryForm</New>
-</FormTemplates>
-</file>
-
-<file path=customXml/item2.xml><?xml version="1.0" encoding="utf-8"?>
-<p:properties xmlns:p="http://schemas.microsoft.com/office/2006/metadata/properties" xmlns:xsi="http://www.w3.org/2001/XMLSchema-instance" xmlns:pc="http://schemas.microsoft.com/office/infopath/2007/PartnerControls">
-  <documentManagement>
-    <DirectSourceMarket xmlns="4873beb7-5857-4685-be1f-d57550cc96cc" xsi:nil="true"/>
-    <ApprovalStatus xmlns="4873beb7-5857-4685-be1f-d57550cc96cc">InProgress</ApprovalStatus>
-    <MarketSpecific xmlns="4873beb7-5857-4685-be1f-d57550cc96cc">false</MarketSpecific>
-    <LocComments xmlns="4873beb7-5857-4685-be1f-d57550cc96cc" xsi:nil="true"/>
-    <ThumbnailAssetId xmlns="4873beb7-5857-4685-be1f-d57550cc96cc" xsi:nil="true"/>
-    <PrimaryImageGen xmlns="4873beb7-5857-4685-be1f-d57550cc96cc">true</PrimaryImageGen>
-    <LegacyData xmlns="4873beb7-5857-4685-be1f-d57550cc96cc" xsi:nil="true"/>
-    <LocRecommendedHandoff xmlns="4873beb7-5857-4685-be1f-d57550cc96cc" xsi:nil="true"/>
-    <BusinessGroup xmlns="4873beb7-5857-4685-be1f-d57550cc96cc" xsi:nil="true"/>
-    <BlockPublish xmlns="4873beb7-5857-4685-be1f-d57550cc96cc">false</BlockPublish>
-    <TPFriendlyName xmlns="4873beb7-5857-4685-be1f-d57550cc96cc" xsi:nil="true"/>
-    <NumericId xmlns="4873beb7-5857-4685-be1f-d57550cc96cc" xsi:nil="true"/>
-    <APEditor xmlns="4873beb7-5857-4685-be1f-d57550cc96cc">
-      <UserInfo>
-        <DisplayName/>
-        <AccountId xsi:nil="true"/>
-        <AccountType/>
-      </UserInfo>
-    </APEditor>
-    <SourceTitle xmlns="4873beb7-5857-4685-be1f-d57550cc96cc" xsi:nil="true"/>
-    <OpenTemplate xmlns="4873beb7-5857-4685-be1f-d57550cc96cc">true</OpenTemplate>
-    <UALocComments xmlns="4873beb7-5857-4685-be1f-d57550cc96cc" xsi:nil="true"/>
-    <ParentAssetId xmlns="4873beb7-5857-4685-be1f-d57550cc96cc" xsi:nil="true"/>
-    <IntlLangReviewDate xmlns="4873beb7-5857-4685-be1f-d57550cc96cc" xsi:nil="true"/>
-    <FeatureTagsTaxHTField0 xmlns="4873beb7-5857-4685-be1f-d57550cc96cc">
-      <Terms xmlns="http://schemas.microsoft.com/office/infopath/2007/PartnerControls"/>
-    </FeatureTagsTaxHTField0>
-    <PublishStatusLookup xmlns="4873beb7-5857-4685-be1f-d57550cc96cc">
-      <Value>1564227</Value>
-    </PublishStatusLookup>
-    <Providers xmlns="4873beb7-5857-4685-be1f-d57550cc96cc" xsi:nil="true"/>
-    <MachineTranslated xmlns="4873beb7-5857-4685-be1f-d57550cc96cc">false</MachineTranslated>
-    <OriginalSourceMarket xmlns="4873beb7-5857-4685-be1f-d57550cc96cc" xsi:nil="true"/>
-    <APDescription xmlns="4873beb7-5857-4685-be1f-d57550cc96cc">Take your audience through a digital tunnel where they'll  burst through to the other side and see the information you want to present. Show them lists, charts, tables, SmartArt,  and pictures using a variety of layouts in widescreen (16X9) format. This design works well for subjects on science and technology, computers, communication, and more.   
-</APDescription>
-    <ClipArtFilename xmlns="4873beb7-5857-4685-be1f-d57550cc96cc" xsi:nil="true"/>
-    <ContentItem xmlns="4873beb7-5857-4685-be1f-d57550cc96cc" xsi:nil="true"/>
-    <TPInstallLocation xmlns="4873beb7-5857-4685-be1f-d57550cc96cc" xsi:nil="true"/>
-    <PublishTargets xmlns="4873beb7-5857-4685-be1f-d57550cc96cc">OfficeOnlineVNext</PublishTargets>
-    <TimesCloned xmlns="4873beb7-5857-4685-be1f-d57550cc96cc" xsi:nil="true"/>
-    <AssetStart xmlns="4873beb7-5857-4685-be1f-d57550cc96cc">2012-05-11T02:04:00+00:00</AssetStart>
-    <Provider xmlns="4873beb7-5857-4685-be1f-d57550cc96cc" xsi:nil="true"/>
-    <AcquiredFrom xmlns="4873beb7-5857-4685-be1f-d57550cc96cc">Internal MS</AcquiredFrom>
-    <FriendlyTitle xmlns="4873beb7-5857-4685-be1f-d57550cc96cc" xsi:nil="true"/>
-    <LastHandOff xmlns="4873beb7-5857-4685-be1f-d57550cc96cc" xsi:nil="true"/>
-    <TPClientViewer xmlns="4873beb7-5857-4685-be1f-d57550cc96cc" xsi:nil="true"/>
-    <UACurrentWords xmlns="4873beb7-5857-4685-be1f-d57550cc96cc" xsi:nil="true"/>
-    <ArtSampleDocs xmlns="4873beb7-5857-4685-be1f-d57550cc96cc" xsi:nil="true"/>
-    <UALocRecommendation xmlns="4873beb7-5857-4685-be1f-d57550cc96cc">Localize</UALocRecommendation>
-    <Manager xmlns="4873beb7-5857-4685-be1f-d57550cc96cc" xsi:nil="true"/>
-    <ShowIn xmlns="4873beb7-5857-4685-be1f-d57550cc96cc">Show everywhere</ShowIn>
-    <UANotes xmlns="4873beb7-5857-4685-be1f-d57550cc96cc" xsi:nil="true"/>
-    <TemplateStatus xmlns="4873beb7-5857-4685-be1f-d57550cc96cc">Complete</TemplateStatus>
-    <InternalTagsTaxHTField0 xmlns="4873beb7-5857-4685-be1f-d57550cc96cc">
-      <Terms xmlns="http://schemas.microsoft.com/office/infopath/2007/PartnerControls"/>
-    </InternalTagsTaxHTField0>
-    <CSXHash xmlns="4873beb7-5857-4685-be1f-d57550cc96cc" xsi:nil="true"/>
-    <Downloads xmlns="4873beb7-5857-4685-be1f-d57550cc96cc">0</Downloads>
-    <VoteCount xmlns="4873beb7-5857-4685-be1f-d57550cc96cc" xsi:nil="true"/>
-    <OOCacheId xmlns="4873beb7-5857-4685-be1f-d57550cc96cc" xsi:nil="true"/>
-    <IsDeleted xmlns="4873beb7-5857-4685-be1f-d57550cc96cc">false</IsDeleted>
-    <AssetExpire xmlns="4873beb7-5857-4685-be1f-d57550cc96cc">2029-01-01T08:00:00+00:00</AssetExpire>
-    <DSATActionTaken xmlns="4873beb7-5857-4685-be1f-d57550cc96cc" xsi:nil="true"/>
-    <CSXSubmissionMarket xmlns="4873beb7-5857-4685-be1f-d57550cc96cc" xsi:nil="true"/>
-    <TPExecutable xmlns="4873beb7-5857-4685-be1f-d57550cc96cc" xsi:nil="true"/>
-    <SubmitterId xmlns="4873beb7-5857-4685-be1f-d57550cc96cc" xsi:nil="true"/>
-    <EditorialTags xmlns="4873beb7-5857-4685-be1f-d57550cc96cc" xsi:nil="true"/>
-    <ApprovalLog xmlns="4873beb7-5857-4685-be1f-d57550cc96cc" xsi:nil="true"/>
-    <AssetType xmlns="4873beb7-5857-4685-be1f-d57550cc96cc">TP</AssetType>
-    <BugNumber xmlns="4873beb7-5857-4685-be1f-d57550cc96cc" xsi:nil="true"/>
-    <CSXSubmissionDate xmlns="4873beb7-5857-4685-be1f-d57550cc96cc" xsi:nil="true"/>
-    <CSXUpdate xmlns="4873beb7-5857-4685-be1f-d57550cc96cc">false</CSXUpdate>
-    <Milestone xmlns="4873beb7-5857-4685-be1f-d57550cc96cc" xsi:nil="true"/>
-    <RecommendationsModifier xmlns="4873beb7-5857-4685-be1f-d57550cc96cc" xsi:nil="true"/>
-    <OriginAsset xmlns="4873beb7-5857-4685-be1f-d57550cc96cc" xsi:nil="true"/>
-    <TPComponent xmlns="4873beb7-5857-4685-be1f-d57550cc96cc" xsi:nil="true"/>
-    <AssetId xmlns="4873beb7-5857-4685-be1f-d57550cc96cc">TP102895246</AssetId>
-    <IntlLocPriority xmlns="4873beb7-5857-4685-be1f-d57550cc96cc" xsi:nil="true"/>
-    <PolicheckWords xmlns="4873beb7-5857-4685-be1f-d57550cc96cc" xsi:nil="true"/>
-    <TPLaunchHelpLink xmlns="4873beb7-5857-4685-be1f-d57550cc96cc" xsi:nil="true"/>
-    <TPApplication xmlns="4873beb7-5857-4685-be1f-d57550cc96cc" xsi:nil="true"/>
-    <CrawlForDependencies xmlns="4873beb7-5857-4685-be1f-d57550cc96cc">false</CrawlForDependencies>
-    <HandoffToMSDN xmlns="4873beb7-5857-4685-be1f-d57550cc96cc" xsi:nil="true"/>
-    <PlannedPubDate xmlns="4873beb7-5857-4685-be1f-d57550cc96cc" xsi:nil="true"/>
-    <IntlLangReviewer xmlns="4873beb7-5857-4685-be1f-d57550cc96cc" xsi:nil="true"/>
-    <TrustLevel xmlns="4873beb7-5857-4685-be1f-d57550cc96cc">1 Microsoft Managed Content</TrustLevel>
-    <LocLastLocAttemptVersionLookup xmlns="4873beb7-5857-4685-be1f-d57550cc96cc">835483</LocLastLocAttemptVersionLookup>
-    <IsSearchable xmlns="4873beb7-5857-4685-be1f-d57550cc96cc">true</IsSearchable>
-    <TemplateTemplateType xmlns="4873beb7-5857-4685-be1f-d57550cc96cc">PowerPoint Presentation Template</TemplateTemplateType>
-    <CampaignTagsTaxHTField0 xmlns="4873beb7-5857-4685-be1f-d57550cc96cc">
-      <Terms xmlns="http://schemas.microsoft.com/office/infopath/2007/PartnerControls"/>
-    </CampaignTagsTaxHTField0>
-    <TPNamespace xmlns="4873beb7-5857-4685-be1f-d57550cc96cc" xsi:nil="true"/>
-    <TaxCatchAll xmlns="4873beb7-5857-4685-be1f-d57550cc96cc"/>
-    <Markets xmlns="4873beb7-5857-4685-be1f-d57550cc96cc"/>
-    <UAProjectedTotalWords xmlns="4873beb7-5857-4685-be1f-d57550cc96cc" xsi:nil="true"/>
-    <IntlLangReview xmlns="4873beb7-5857-4685-be1f-d57550cc96cc">false</IntlLangReview>
-    <OutputCachingOn xmlns="4873beb7-5857-4685-be1f-d57550cc96cc">false</OutputCachingOn>
-    <AverageRating xmlns="4873beb7-5857-4685-be1f-d57550cc96cc" xsi:nil="true"/>
-    <APAuthor xmlns="4873beb7-5857-4685-be1f-d57550cc96cc">
-      <UserInfo>
-        <DisplayName>REDMOND\v-vaddu</DisplayName>
-        <AccountId>2567</AccountId>
-        <AccountType/>
-      </UserInfo>
-    </APAuthor>
-    <LocManualTestRequired xmlns="4873beb7-5857-4685-be1f-d57550cc96cc">false</LocManualTestRequired>
-    <TPCommandLine xmlns="4873beb7-5857-4685-be1f-d57550cc96cc" xsi:nil="true"/>
-    <TPAppVersion xmlns="4873beb7-5857-4685-be1f-d57550cc96cc" xsi:nil="true"/>
-    <EditorialStatus xmlns="4873beb7-5857-4685-be1f-d57550cc96cc">Complete</EditorialStatus>
-    <LastModifiedDateTime xmlns="4873beb7-5857-4685-be1f-d57550cc96cc" xsi:nil="true"/>
-    <ScenarioTagsTaxHTField0 xmlns="4873beb7-5857-4685-be1f-d57550cc96cc">
-      <Terms xmlns="http://schemas.microsoft.com/office/infopath/2007/PartnerControls"/>
-    </ScenarioTagsTaxHTField0>
-    <OriginalRelease xmlns="4873beb7-5857-4685-be1f-d57550cc96cc">15</OriginalRelease>
-    <TPLaunchHelpLinkType xmlns="4873beb7-5857-4685-be1f-d57550cc96cc">Template</TPLaunchHelpLinkType>
-    <LocalizationTagsTaxHTField0 xmlns="4873beb7-5857-4685-be1f-d57550cc96cc">
-      <Terms xmlns="http://schemas.microsoft.com/office/infopath/2007/PartnerControls"/>
-    </LocalizationTagsTaxHTField0>
-    <LocMarketGroupTiers2 xmlns="4873beb7-5857-4685-be1f-d57550cc96cc" xsi:nil="true"/>
-  </documentManagement>
-</p:properties>
-</file>
-
-<file path=customXml/item3.xml><?xml version="1.0" encoding="utf-8"?>
 <ct:contentTypeSchema xmlns:ct="http://schemas.microsoft.com/office/2006/metadata/contentType" xmlns:ma="http://schemas.microsoft.com/office/2006/metadata/properties/metaAttributes" ct:_="" ma:_="" ma:contentTypeName="TemplateFile" ma:contentTypeID="0x0101006EDDDB5EE6D98C44930B742096920B300400F5B6D36B3EF94B4E9A635CDF2A18F5B8" ma:contentTypeVersion="72" ma:contentTypeDescription="Create a new document." ma:contentTypeScope="" ma:versionID="a23e56308344d904b51738559c3d67c9">
   <xsd:schema xmlns:xsd="http://www.w3.org/2001/XMLSchema" xmlns:xs="http://www.w3.org/2001/XMLSchema" xmlns:p="http://schemas.microsoft.com/office/2006/metadata/properties" xmlns:ns2="4873beb7-5857-4685-be1f-d57550cc96cc" targetNamespace="http://schemas.microsoft.com/office/2006/metadata/properties" ma:root="true" ma:fieldsID="cd0908cc4600e77bf5da051303e00c8d" ns2:_="">
     <xsd:import namespace="4873beb7-5857-4685-be1f-d57550cc96cc"/>
@@ -6072,10 +6190,156 @@
 </ct:contentTypeSchema>
 </file>
 
+<file path=customXml/item2.xml><?xml version="1.0" encoding="utf-8"?>
+<p:properties xmlns:p="http://schemas.microsoft.com/office/2006/metadata/properties" xmlns:xsi="http://www.w3.org/2001/XMLSchema-instance" xmlns:pc="http://schemas.microsoft.com/office/infopath/2007/PartnerControls">
+  <documentManagement>
+    <DirectSourceMarket xmlns="4873beb7-5857-4685-be1f-d57550cc96cc" xsi:nil="true"/>
+    <ApprovalStatus xmlns="4873beb7-5857-4685-be1f-d57550cc96cc">InProgress</ApprovalStatus>
+    <MarketSpecific xmlns="4873beb7-5857-4685-be1f-d57550cc96cc">false</MarketSpecific>
+    <LocComments xmlns="4873beb7-5857-4685-be1f-d57550cc96cc" xsi:nil="true"/>
+    <ThumbnailAssetId xmlns="4873beb7-5857-4685-be1f-d57550cc96cc" xsi:nil="true"/>
+    <PrimaryImageGen xmlns="4873beb7-5857-4685-be1f-d57550cc96cc">true</PrimaryImageGen>
+    <LegacyData xmlns="4873beb7-5857-4685-be1f-d57550cc96cc" xsi:nil="true"/>
+    <LocRecommendedHandoff xmlns="4873beb7-5857-4685-be1f-d57550cc96cc" xsi:nil="true"/>
+    <BusinessGroup xmlns="4873beb7-5857-4685-be1f-d57550cc96cc" xsi:nil="true"/>
+    <BlockPublish xmlns="4873beb7-5857-4685-be1f-d57550cc96cc">false</BlockPublish>
+    <TPFriendlyName xmlns="4873beb7-5857-4685-be1f-d57550cc96cc" xsi:nil="true"/>
+    <NumericId xmlns="4873beb7-5857-4685-be1f-d57550cc96cc" xsi:nil="true"/>
+    <APEditor xmlns="4873beb7-5857-4685-be1f-d57550cc96cc">
+      <UserInfo>
+        <DisplayName/>
+        <AccountId xsi:nil="true"/>
+        <AccountType/>
+      </UserInfo>
+    </APEditor>
+    <SourceTitle xmlns="4873beb7-5857-4685-be1f-d57550cc96cc" xsi:nil="true"/>
+    <OpenTemplate xmlns="4873beb7-5857-4685-be1f-d57550cc96cc">true</OpenTemplate>
+    <UALocComments xmlns="4873beb7-5857-4685-be1f-d57550cc96cc" xsi:nil="true"/>
+    <ParentAssetId xmlns="4873beb7-5857-4685-be1f-d57550cc96cc" xsi:nil="true"/>
+    <IntlLangReviewDate xmlns="4873beb7-5857-4685-be1f-d57550cc96cc" xsi:nil="true"/>
+    <FeatureTagsTaxHTField0 xmlns="4873beb7-5857-4685-be1f-d57550cc96cc">
+      <Terms xmlns="http://schemas.microsoft.com/office/infopath/2007/PartnerControls"/>
+    </FeatureTagsTaxHTField0>
+    <PublishStatusLookup xmlns="4873beb7-5857-4685-be1f-d57550cc96cc">
+      <Value>1564227</Value>
+    </PublishStatusLookup>
+    <Providers xmlns="4873beb7-5857-4685-be1f-d57550cc96cc" xsi:nil="true"/>
+    <MachineTranslated xmlns="4873beb7-5857-4685-be1f-d57550cc96cc">false</MachineTranslated>
+    <OriginalSourceMarket xmlns="4873beb7-5857-4685-be1f-d57550cc96cc" xsi:nil="true"/>
+    <APDescription xmlns="4873beb7-5857-4685-be1f-d57550cc96cc">Take your audience through a digital tunnel where they'll  burst through to the other side and see the information you want to present. Show them lists, charts, tables, SmartArt,  and pictures using a variety of layouts in widescreen (16X9) format. This design works well for subjects on science and technology, computers, communication, and more.   
+</APDescription>
+    <ClipArtFilename xmlns="4873beb7-5857-4685-be1f-d57550cc96cc" xsi:nil="true"/>
+    <ContentItem xmlns="4873beb7-5857-4685-be1f-d57550cc96cc" xsi:nil="true"/>
+    <TPInstallLocation xmlns="4873beb7-5857-4685-be1f-d57550cc96cc" xsi:nil="true"/>
+    <PublishTargets xmlns="4873beb7-5857-4685-be1f-d57550cc96cc">OfficeOnlineVNext</PublishTargets>
+    <TimesCloned xmlns="4873beb7-5857-4685-be1f-d57550cc96cc" xsi:nil="true"/>
+    <AssetStart xmlns="4873beb7-5857-4685-be1f-d57550cc96cc">2012-05-11T02:04:00+00:00</AssetStart>
+    <Provider xmlns="4873beb7-5857-4685-be1f-d57550cc96cc" xsi:nil="true"/>
+    <AcquiredFrom xmlns="4873beb7-5857-4685-be1f-d57550cc96cc">Internal MS</AcquiredFrom>
+    <FriendlyTitle xmlns="4873beb7-5857-4685-be1f-d57550cc96cc" xsi:nil="true"/>
+    <LastHandOff xmlns="4873beb7-5857-4685-be1f-d57550cc96cc" xsi:nil="true"/>
+    <TPClientViewer xmlns="4873beb7-5857-4685-be1f-d57550cc96cc" xsi:nil="true"/>
+    <UACurrentWords xmlns="4873beb7-5857-4685-be1f-d57550cc96cc" xsi:nil="true"/>
+    <ArtSampleDocs xmlns="4873beb7-5857-4685-be1f-d57550cc96cc" xsi:nil="true"/>
+    <UALocRecommendation xmlns="4873beb7-5857-4685-be1f-d57550cc96cc">Localize</UALocRecommendation>
+    <Manager xmlns="4873beb7-5857-4685-be1f-d57550cc96cc" xsi:nil="true"/>
+    <ShowIn xmlns="4873beb7-5857-4685-be1f-d57550cc96cc">Show everywhere</ShowIn>
+    <UANotes xmlns="4873beb7-5857-4685-be1f-d57550cc96cc" xsi:nil="true"/>
+    <TemplateStatus xmlns="4873beb7-5857-4685-be1f-d57550cc96cc">Complete</TemplateStatus>
+    <InternalTagsTaxHTField0 xmlns="4873beb7-5857-4685-be1f-d57550cc96cc">
+      <Terms xmlns="http://schemas.microsoft.com/office/infopath/2007/PartnerControls"/>
+    </InternalTagsTaxHTField0>
+    <CSXHash xmlns="4873beb7-5857-4685-be1f-d57550cc96cc" xsi:nil="true"/>
+    <Downloads xmlns="4873beb7-5857-4685-be1f-d57550cc96cc">0</Downloads>
+    <VoteCount xmlns="4873beb7-5857-4685-be1f-d57550cc96cc" xsi:nil="true"/>
+    <OOCacheId xmlns="4873beb7-5857-4685-be1f-d57550cc96cc" xsi:nil="true"/>
+    <IsDeleted xmlns="4873beb7-5857-4685-be1f-d57550cc96cc">false</IsDeleted>
+    <AssetExpire xmlns="4873beb7-5857-4685-be1f-d57550cc96cc">2029-01-01T08:00:00+00:00</AssetExpire>
+    <DSATActionTaken xmlns="4873beb7-5857-4685-be1f-d57550cc96cc" xsi:nil="true"/>
+    <CSXSubmissionMarket xmlns="4873beb7-5857-4685-be1f-d57550cc96cc" xsi:nil="true"/>
+    <TPExecutable xmlns="4873beb7-5857-4685-be1f-d57550cc96cc" xsi:nil="true"/>
+    <SubmitterId xmlns="4873beb7-5857-4685-be1f-d57550cc96cc" xsi:nil="true"/>
+    <EditorialTags xmlns="4873beb7-5857-4685-be1f-d57550cc96cc" xsi:nil="true"/>
+    <ApprovalLog xmlns="4873beb7-5857-4685-be1f-d57550cc96cc" xsi:nil="true"/>
+    <AssetType xmlns="4873beb7-5857-4685-be1f-d57550cc96cc">TP</AssetType>
+    <BugNumber xmlns="4873beb7-5857-4685-be1f-d57550cc96cc" xsi:nil="true"/>
+    <CSXSubmissionDate xmlns="4873beb7-5857-4685-be1f-d57550cc96cc" xsi:nil="true"/>
+    <CSXUpdate xmlns="4873beb7-5857-4685-be1f-d57550cc96cc">false</CSXUpdate>
+    <Milestone xmlns="4873beb7-5857-4685-be1f-d57550cc96cc" xsi:nil="true"/>
+    <RecommendationsModifier xmlns="4873beb7-5857-4685-be1f-d57550cc96cc" xsi:nil="true"/>
+    <OriginAsset xmlns="4873beb7-5857-4685-be1f-d57550cc96cc" xsi:nil="true"/>
+    <TPComponent xmlns="4873beb7-5857-4685-be1f-d57550cc96cc" xsi:nil="true"/>
+    <AssetId xmlns="4873beb7-5857-4685-be1f-d57550cc96cc">TP102895246</AssetId>
+    <IntlLocPriority xmlns="4873beb7-5857-4685-be1f-d57550cc96cc" xsi:nil="true"/>
+    <PolicheckWords xmlns="4873beb7-5857-4685-be1f-d57550cc96cc" xsi:nil="true"/>
+    <TPLaunchHelpLink xmlns="4873beb7-5857-4685-be1f-d57550cc96cc" xsi:nil="true"/>
+    <TPApplication xmlns="4873beb7-5857-4685-be1f-d57550cc96cc" xsi:nil="true"/>
+    <CrawlForDependencies xmlns="4873beb7-5857-4685-be1f-d57550cc96cc">false</CrawlForDependencies>
+    <HandoffToMSDN xmlns="4873beb7-5857-4685-be1f-d57550cc96cc" xsi:nil="true"/>
+    <PlannedPubDate xmlns="4873beb7-5857-4685-be1f-d57550cc96cc" xsi:nil="true"/>
+    <IntlLangReviewer xmlns="4873beb7-5857-4685-be1f-d57550cc96cc" xsi:nil="true"/>
+    <TrustLevel xmlns="4873beb7-5857-4685-be1f-d57550cc96cc">1 Microsoft Managed Content</TrustLevel>
+    <LocLastLocAttemptVersionLookup xmlns="4873beb7-5857-4685-be1f-d57550cc96cc">835483</LocLastLocAttemptVersionLookup>
+    <IsSearchable xmlns="4873beb7-5857-4685-be1f-d57550cc96cc">true</IsSearchable>
+    <TemplateTemplateType xmlns="4873beb7-5857-4685-be1f-d57550cc96cc">PowerPoint Presentation Template</TemplateTemplateType>
+    <CampaignTagsTaxHTField0 xmlns="4873beb7-5857-4685-be1f-d57550cc96cc">
+      <Terms xmlns="http://schemas.microsoft.com/office/infopath/2007/PartnerControls"/>
+    </CampaignTagsTaxHTField0>
+    <TPNamespace xmlns="4873beb7-5857-4685-be1f-d57550cc96cc" xsi:nil="true"/>
+    <TaxCatchAll xmlns="4873beb7-5857-4685-be1f-d57550cc96cc"/>
+    <Markets xmlns="4873beb7-5857-4685-be1f-d57550cc96cc"/>
+    <UAProjectedTotalWords xmlns="4873beb7-5857-4685-be1f-d57550cc96cc" xsi:nil="true"/>
+    <IntlLangReview xmlns="4873beb7-5857-4685-be1f-d57550cc96cc">false</IntlLangReview>
+    <OutputCachingOn xmlns="4873beb7-5857-4685-be1f-d57550cc96cc">false</OutputCachingOn>
+    <AverageRating xmlns="4873beb7-5857-4685-be1f-d57550cc96cc" xsi:nil="true"/>
+    <APAuthor xmlns="4873beb7-5857-4685-be1f-d57550cc96cc">
+      <UserInfo>
+        <DisplayName>REDMOND\v-vaddu</DisplayName>
+        <AccountId>2567</AccountId>
+        <AccountType/>
+      </UserInfo>
+    </APAuthor>
+    <LocManualTestRequired xmlns="4873beb7-5857-4685-be1f-d57550cc96cc">false</LocManualTestRequired>
+    <TPCommandLine xmlns="4873beb7-5857-4685-be1f-d57550cc96cc" xsi:nil="true"/>
+    <TPAppVersion xmlns="4873beb7-5857-4685-be1f-d57550cc96cc" xsi:nil="true"/>
+    <EditorialStatus xmlns="4873beb7-5857-4685-be1f-d57550cc96cc">Complete</EditorialStatus>
+    <LastModifiedDateTime xmlns="4873beb7-5857-4685-be1f-d57550cc96cc" xsi:nil="true"/>
+    <ScenarioTagsTaxHTField0 xmlns="4873beb7-5857-4685-be1f-d57550cc96cc">
+      <Terms xmlns="http://schemas.microsoft.com/office/infopath/2007/PartnerControls"/>
+    </ScenarioTagsTaxHTField0>
+    <OriginalRelease xmlns="4873beb7-5857-4685-be1f-d57550cc96cc">15</OriginalRelease>
+    <TPLaunchHelpLinkType xmlns="4873beb7-5857-4685-be1f-d57550cc96cc">Template</TPLaunchHelpLinkType>
+    <LocalizationTagsTaxHTField0 xmlns="4873beb7-5857-4685-be1f-d57550cc96cc">
+      <Terms xmlns="http://schemas.microsoft.com/office/infopath/2007/PartnerControls"/>
+    </LocalizationTagsTaxHTField0>
+    <LocMarketGroupTiers2 xmlns="4873beb7-5857-4685-be1f-d57550cc96cc" xsi:nil="true"/>
+  </documentManagement>
+</p:properties>
+</file>
+
+<file path=customXml/item3.xml><?xml version="1.0" encoding="utf-8"?>
+<?mso-contentType ?>
+<FormTemplates xmlns="http://schemas.microsoft.com/sharepoint/v3/contenttype/forms">
+  <Display>DocumentLibraryForm</Display>
+  <Edit>AssetEditForm</Edit>
+  <New>DocumentLibraryForm</New>
+</FormTemplates>
+</file>
+
 <file path=customXml/itemProps1.xml><?xml version="1.0" encoding="utf-8"?>
-<ds:datastoreItem xmlns:ds="http://schemas.openxmlformats.org/officeDocument/2006/customXml" ds:itemID="{74228E6B-D70C-44BB-A81F-A245495F612B}">
+<ds:datastoreItem xmlns:ds="http://schemas.openxmlformats.org/officeDocument/2006/customXml" ds:itemID="{22CCB507-0646-4A50-A4F7-7F385079D589}">
   <ds:schemaRefs>
-    <ds:schemaRef ds:uri="http://schemas.microsoft.com/sharepoint/v3/contenttype/forms"/>
+    <ds:schemaRef ds:uri="http://schemas.microsoft.com/office/2006/metadata/contentType"/>
+    <ds:schemaRef ds:uri="http://schemas.microsoft.com/office/2006/metadata/properties/metaAttributes"/>
+    <ds:schemaRef ds:uri="http://www.w3.org/2001/XMLSchema"/>
+    <ds:schemaRef ds:uri="http://schemas.microsoft.com/office/2006/metadata/properties"/>
+    <ds:schemaRef ds:uri="4873beb7-5857-4685-be1f-d57550cc96cc"/>
+    <ds:schemaRef ds:uri="http://schemas.microsoft.com/office/2006/documentManagement/types"/>
+    <ds:schemaRef ds:uri="http://schemas.microsoft.com/office/infopath/2007/PartnerControls"/>
+    <ds:schemaRef ds:uri="http://schemas.openxmlformats.org/package/2006/metadata/core-properties"/>
+    <ds:schemaRef ds:uri="http://purl.org/dc/elements/1.1/"/>
+    <ds:schemaRef ds:uri="http://purl.org/dc/terms/"/>
+    <ds:schemaRef ds:uri="http://schemas.microsoft.com/internal/obd"/>
   </ds:schemaRefs>
 </ds:datastoreItem>
 </file>
@@ -6097,19 +6361,9 @@
 </file>
 
 <file path=customXml/itemProps3.xml><?xml version="1.0" encoding="utf-8"?>
-<ds:datastoreItem xmlns:ds="http://schemas.openxmlformats.org/officeDocument/2006/customXml" ds:itemID="{22CCB507-0646-4A50-A4F7-7F385079D589}">
+<ds:datastoreItem xmlns:ds="http://schemas.openxmlformats.org/officeDocument/2006/customXml" ds:itemID="{74228E6B-D70C-44BB-A81F-A245495F612B}">
   <ds:schemaRefs>
-    <ds:schemaRef ds:uri="http://schemas.microsoft.com/office/2006/metadata/contentType"/>
-    <ds:schemaRef ds:uri="http://schemas.microsoft.com/office/2006/metadata/properties/metaAttributes"/>
-    <ds:schemaRef ds:uri="http://www.w3.org/2001/XMLSchema"/>
-    <ds:schemaRef ds:uri="http://schemas.microsoft.com/office/2006/metadata/properties"/>
-    <ds:schemaRef ds:uri="4873beb7-5857-4685-be1f-d57550cc96cc"/>
-    <ds:schemaRef ds:uri="http://schemas.microsoft.com/office/2006/documentManagement/types"/>
-    <ds:schemaRef ds:uri="http://schemas.microsoft.com/office/infopath/2007/PartnerControls"/>
-    <ds:schemaRef ds:uri="http://schemas.openxmlformats.org/package/2006/metadata/core-properties"/>
-    <ds:schemaRef ds:uri="http://purl.org/dc/elements/1.1/"/>
-    <ds:schemaRef ds:uri="http://purl.org/dc/terms/"/>
-    <ds:schemaRef ds:uri="http://schemas.microsoft.com/internal/obd"/>
+    <ds:schemaRef ds:uri="http://schemas.microsoft.com/sharepoint/v3/contenttype/forms"/>
   </ds:schemaRefs>
 </ds:datastoreItem>
 </file>
--- a/Documents/ProjectPresentation.pptx
+++ b/Documents/ProjectPresentation.pptx
@@ -2,31 +2,32 @@
 <file path=ppt/presentation.xml><?xml version="1.0" encoding="utf-8"?>
 <p:presentation xmlns:a="http://schemas.openxmlformats.org/drawingml/2006/main" xmlns:r="http://schemas.openxmlformats.org/officeDocument/2006/relationships" xmlns:p="http://schemas.openxmlformats.org/presentationml/2006/main" saveSubsetFonts="1">
   <p:sldMasterIdLst>
-    <p:sldMasterId id="2147483648" r:id="rId4"/>
+    <p:sldMasterId id="2147483660" r:id="rId4"/>
   </p:sldMasterIdLst>
   <p:notesMasterIdLst>
-    <p:notesMasterId r:id="rId10"/>
+    <p:notesMasterId r:id="rId11"/>
   </p:notesMasterIdLst>
   <p:handoutMasterIdLst>
-    <p:handoutMasterId r:id="rId11"/>
+    <p:handoutMasterId r:id="rId12"/>
   </p:handoutMasterIdLst>
   <p:sldIdLst>
     <p:sldId id="265" r:id="rId5"/>
-    <p:sldId id="266" r:id="rId6"/>
+    <p:sldId id="270" r:id="rId6"/>
     <p:sldId id="267" r:id="rId7"/>
-    <p:sldId id="268" r:id="rId8"/>
-    <p:sldId id="269" r:id="rId9"/>
+    <p:sldId id="266" r:id="rId8"/>
+    <p:sldId id="268" r:id="rId9"/>
+    <p:sldId id="269" r:id="rId10"/>
   </p:sldIdLst>
   <p:sldSz cx="12188825" cy="6858000"/>
   <p:notesSz cx="6858000" cy="9144000"/>
   <p:custDataLst>
-    <p:tags r:id="rId12"/>
+    <p:tags r:id="rId13"/>
   </p:custDataLst>
   <p:defaultTextStyle>
     <a:defPPr>
       <a:defRPr lang="en-US"/>
     </a:defPPr>
-    <a:lvl1pPr marL="0" algn="l" defTabSz="914400" rtl="0" eaLnBrk="1" latinLnBrk="0" hangingPunct="1">
+    <a:lvl1pPr marL="0" algn="l" defTabSz="457200" rtl="0" eaLnBrk="1" latinLnBrk="0" hangingPunct="1">
       <a:defRPr sz="1800" kern="1200">
         <a:solidFill>
           <a:schemeClr val="tx1"/>
@@ -36,7 +37,7 @@
         <a:cs typeface="+mn-cs"/>
       </a:defRPr>
     </a:lvl1pPr>
-    <a:lvl2pPr marL="457200" algn="l" defTabSz="914400" rtl="0" eaLnBrk="1" latinLnBrk="0" hangingPunct="1">
+    <a:lvl2pPr marL="457200" algn="l" defTabSz="457200" rtl="0" eaLnBrk="1" latinLnBrk="0" hangingPunct="1">
       <a:defRPr sz="1800" kern="1200">
         <a:solidFill>
           <a:schemeClr val="tx1"/>
@@ -46,7 +47,7 @@
         <a:cs typeface="+mn-cs"/>
       </a:defRPr>
     </a:lvl2pPr>
-    <a:lvl3pPr marL="914400" algn="l" defTabSz="914400" rtl="0" eaLnBrk="1" latinLnBrk="0" hangingPunct="1">
+    <a:lvl3pPr marL="914400" algn="l" defTabSz="457200" rtl="0" eaLnBrk="1" latinLnBrk="0" hangingPunct="1">
       <a:defRPr sz="1800" kern="1200">
         <a:solidFill>
           <a:schemeClr val="tx1"/>
@@ -56,7 +57,7 @@
         <a:cs typeface="+mn-cs"/>
       </a:defRPr>
     </a:lvl3pPr>
-    <a:lvl4pPr marL="1371600" algn="l" defTabSz="914400" rtl="0" eaLnBrk="1" latinLnBrk="0" hangingPunct="1">
+    <a:lvl4pPr marL="1371600" algn="l" defTabSz="457200" rtl="0" eaLnBrk="1" latinLnBrk="0" hangingPunct="1">
       <a:defRPr sz="1800" kern="1200">
         <a:solidFill>
           <a:schemeClr val="tx1"/>
@@ -66,7 +67,7 @@
         <a:cs typeface="+mn-cs"/>
       </a:defRPr>
     </a:lvl4pPr>
-    <a:lvl5pPr marL="1828800" algn="l" defTabSz="914400" rtl="0" eaLnBrk="1" latinLnBrk="0" hangingPunct="1">
+    <a:lvl5pPr marL="1828800" algn="l" defTabSz="457200" rtl="0" eaLnBrk="1" latinLnBrk="0" hangingPunct="1">
       <a:defRPr sz="1800" kern="1200">
         <a:solidFill>
           <a:schemeClr val="tx1"/>
@@ -76,7 +77,7 @@
         <a:cs typeface="+mn-cs"/>
       </a:defRPr>
     </a:lvl5pPr>
-    <a:lvl6pPr marL="2286000" algn="l" defTabSz="914400" rtl="0" eaLnBrk="1" latinLnBrk="0" hangingPunct="1">
+    <a:lvl6pPr marL="2286000" algn="l" defTabSz="457200" rtl="0" eaLnBrk="1" latinLnBrk="0" hangingPunct="1">
       <a:defRPr sz="1800" kern="1200">
         <a:solidFill>
           <a:schemeClr val="tx1"/>
@@ -86,7 +87,7 @@
         <a:cs typeface="+mn-cs"/>
       </a:defRPr>
     </a:lvl6pPr>
-    <a:lvl7pPr marL="2743200" algn="l" defTabSz="914400" rtl="0" eaLnBrk="1" latinLnBrk="0" hangingPunct="1">
+    <a:lvl7pPr marL="2743200" algn="l" defTabSz="457200" rtl="0" eaLnBrk="1" latinLnBrk="0" hangingPunct="1">
       <a:defRPr sz="1800" kern="1200">
         <a:solidFill>
           <a:schemeClr val="tx1"/>
@@ -96,7 +97,7 @@
         <a:cs typeface="+mn-cs"/>
       </a:defRPr>
     </a:lvl7pPr>
-    <a:lvl8pPr marL="3200400" algn="l" defTabSz="914400" rtl="0" eaLnBrk="1" latinLnBrk="0" hangingPunct="1">
+    <a:lvl8pPr marL="3200400" algn="l" defTabSz="457200" rtl="0" eaLnBrk="1" latinLnBrk="0" hangingPunct="1">
       <a:defRPr sz="1800" kern="1200">
         <a:solidFill>
           <a:schemeClr val="tx1"/>
@@ -106,7 +107,7 @@
         <a:cs typeface="+mn-cs"/>
       </a:defRPr>
     </a:lvl8pPr>
-    <a:lvl9pPr marL="3657600" algn="l" defTabSz="914400" rtl="0" eaLnBrk="1" latinLnBrk="0" hangingPunct="1">
+    <a:lvl9pPr marL="3657600" algn="l" defTabSz="457200" rtl="0" eaLnBrk="1" latinLnBrk="0" hangingPunct="1">
       <a:defRPr sz="1800" kern="1200">
         <a:solidFill>
           <a:schemeClr val="tx1"/>
@@ -221,7 +222,7 @@
           <a:p>
             <a:fld id="{59088EAF-6ECA-4616-85EF-35AA19C641F3}" type="datetimeFigureOut">
               <a:rPr lang="en-US"/>
-              <a:t>3/9/2017</a:t>
+              <a:t>3/10/2017</a:t>
             </a:fld>
             <a:endParaRPr/>
           </a:p>
@@ -386,7 +387,7 @@
           <a:p>
             <a:fld id="{3ABD2D7A-D230-4F91-BD59-0A39C2703BA8}" type="datetimeFigureOut">
               <a:rPr lang="en-US"/>
-              <a:t>3/9/2017</a:t>
+              <a:t>3/10/2017</a:t>
             </a:fld>
             <a:endParaRPr/>
           </a:p>
@@ -656,20 +657,6 @@
 <file path=ppt/slideLayouts/slideLayout1.xml><?xml version="1.0" encoding="utf-8"?>
 <p:sldLayout xmlns:a="http://schemas.openxmlformats.org/drawingml/2006/main" xmlns:r="http://schemas.openxmlformats.org/officeDocument/2006/relationships" xmlns:p="http://schemas.openxmlformats.org/presentationml/2006/main" type="title" preserve="1">
   <p:cSld name="Title Slide">
-    <p:bg>
-      <p:bgPr>
-        <a:blipFill dpi="0" rotWithShape="1">
-          <a:blip r:embed="rId2">
-            <a:lum/>
-          </a:blip>
-          <a:srcRect/>
-          <a:stretch>
-            <a:fillRect/>
-          </a:stretch>
-        </a:blipFill>
-        <a:effectLst/>
-      </p:bgPr>
-    </p:bg>
     <p:spTree>
       <p:nvGrpSpPr>
         <p:cNvPr id="1" name=""/>
@@ -684,20 +671,50 @@
           <a:chExt cx="0" cy="0"/>
         </a:xfrm>
       </p:grpSpPr>
-      <p:sp>
-        <p:nvSpPr>
-          <p:cNvPr id="2" name="Title 1"/>
-          <p:cNvSpPr>
-            <a:spLocks noGrp="1"/>
-          </p:cNvSpPr>
-          <p:nvPr>
-            <p:ph type="ctrTitle"/>
-          </p:nvPr>
-        </p:nvSpPr>
+      <p:pic>
+        <p:nvPicPr>
+          <p:cNvPr id="7" name="Picture 6" descr="C0-HD-BTM.png"/>
+          <p:cNvPicPr>
+            <a:picLocks noChangeAspect="1"/>
+          </p:cNvPicPr>
+          <p:nvPr/>
+        </p:nvPicPr>
+        <p:blipFill>
+          <a:blip r:embed="rId2">
+            <a:extLst>
+              <a:ext uri="{28A0092B-C50C-407E-A947-70E740481C1C}">
+                <a14:useLocalDpi xmlns:a14="http://schemas.microsoft.com/office/drawing/2010/main" val="0"/>
+              </a:ext>
+            </a:extLst>
+          </a:blip>
+          <a:stretch>
+            <a:fillRect/>
+          </a:stretch>
+        </p:blipFill>
         <p:spPr>
           <a:xfrm>
-            <a:off x="1065214" y="1828800"/>
-            <a:ext cx="8229600" cy="2895600"/>
+            <a:off x="0" y="4375150"/>
+            <a:ext cx="12188825" cy="2482850"/>
+          </a:xfrm>
+          <a:prstGeom prst="rect">
+            <a:avLst/>
+          </a:prstGeom>
+        </p:spPr>
+      </p:pic>
+      <p:sp>
+        <p:nvSpPr>
+          <p:cNvPr id="2" name="Title 1"/>
+          <p:cNvSpPr>
+            <a:spLocks noGrp="1"/>
+          </p:cNvSpPr>
+          <p:nvPr>
+            <p:ph type="ctrTitle"/>
+          </p:nvPr>
+        </p:nvSpPr>
+        <p:spPr>
+          <a:xfrm>
+            <a:off x="1371243" y="1803405"/>
+            <a:ext cx="9446339" cy="1825096"/>
           </a:xfrm>
         </p:spPr>
         <p:txBody>
@@ -705,15 +722,8 @@
             <a:normAutofit/>
           </a:bodyPr>
           <a:lstStyle>
-            <a:lvl1pPr>
-              <a:lnSpc>
-                <a:spcPct val="80000"/>
-              </a:lnSpc>
-              <a:defRPr sz="6600">
-                <a:solidFill>
-                  <a:schemeClr val="tx1"/>
-                </a:solidFill>
-              </a:defRPr>
+            <a:lvl1pPr algn="l">
+              <a:defRPr sz="5998"/>
             </a:lvl1pPr>
           </a:lstStyle>
           <a:p>
@@ -721,7 +731,7 @@
               <a:rPr lang="en-US"/>
               <a:t>Click to edit Master title style</a:t>
             </a:r>
-            <a:endParaRPr/>
+            <a:endParaRPr lang="en-US" dirty="0"/>
           </a:p>
         </p:txBody>
       </p:sp>
@@ -737,8 +747,8 @@
         </p:nvSpPr>
         <p:spPr>
           <a:xfrm>
-            <a:off x="1065213" y="4800600"/>
-            <a:ext cx="8229600" cy="1219200"/>
+            <a:off x="1371243" y="3632201"/>
+            <a:ext cx="9446339" cy="685800"/>
           </a:xfrm>
         </p:spPr>
         <p:txBody>
@@ -747,95 +757,40 @@
           </a:bodyPr>
           <a:lstStyle>
             <a:lvl1pPr marL="0" indent="0" algn="l">
-              <a:spcBef>
-                <a:spcPts val="0"/>
-              </a:spcBef>
-              <a:buNone/>
-              <a:defRPr sz="2000" cap="all" spc="200" baseline="0">
-                <a:solidFill>
-                  <a:schemeClr val="accent1"/>
-                </a:solidFill>
-              </a:defRPr>
+              <a:buNone/>
+              <a:defRPr sz="1999"/>
             </a:lvl1pPr>
-            <a:lvl2pPr marL="457200" indent="0" algn="ctr">
-              <a:buNone/>
-              <a:defRPr>
-                <a:solidFill>
-                  <a:schemeClr val="tx1">
-                    <a:tint val="75000"/>
-                  </a:schemeClr>
-                </a:solidFill>
-              </a:defRPr>
+            <a:lvl2pPr marL="457063" indent="0" algn="ctr">
+              <a:buNone/>
+              <a:defRPr sz="1999"/>
             </a:lvl2pPr>
-            <a:lvl3pPr marL="914400" indent="0" algn="ctr">
-              <a:buNone/>
-              <a:defRPr>
-                <a:solidFill>
-                  <a:schemeClr val="tx1">
-                    <a:tint val="75000"/>
-                  </a:schemeClr>
-                </a:solidFill>
-              </a:defRPr>
+            <a:lvl3pPr marL="914126" indent="0" algn="ctr">
+              <a:buNone/>
+              <a:defRPr sz="1799"/>
             </a:lvl3pPr>
-            <a:lvl4pPr marL="1371600" indent="0" algn="ctr">
-              <a:buNone/>
-              <a:defRPr>
-                <a:solidFill>
-                  <a:schemeClr val="tx1">
-                    <a:tint val="75000"/>
-                  </a:schemeClr>
-                </a:solidFill>
-              </a:defRPr>
+            <a:lvl4pPr marL="1371189" indent="0" algn="ctr">
+              <a:buNone/>
+              <a:defRPr sz="1600"/>
             </a:lvl4pPr>
-            <a:lvl5pPr marL="1828800" indent="0" algn="ctr">
-              <a:buNone/>
-              <a:defRPr>
-                <a:solidFill>
-                  <a:schemeClr val="tx1">
-                    <a:tint val="75000"/>
-                  </a:schemeClr>
-                </a:solidFill>
-              </a:defRPr>
+            <a:lvl5pPr marL="1828251" indent="0" algn="ctr">
+              <a:buNone/>
+              <a:defRPr sz="1600"/>
             </a:lvl5pPr>
-            <a:lvl6pPr marL="2286000" indent="0" algn="ctr">
-              <a:buNone/>
-              <a:defRPr>
-                <a:solidFill>
-                  <a:schemeClr val="tx1">
-                    <a:tint val="75000"/>
-                  </a:schemeClr>
-                </a:solidFill>
-              </a:defRPr>
+            <a:lvl6pPr marL="2285314" indent="0" algn="ctr">
+              <a:buNone/>
+              <a:defRPr sz="1600"/>
             </a:lvl6pPr>
-            <a:lvl7pPr marL="2743200" indent="0" algn="ctr">
-              <a:buNone/>
-              <a:defRPr>
-                <a:solidFill>
-                  <a:schemeClr val="tx1">
-                    <a:tint val="75000"/>
-                  </a:schemeClr>
-                </a:solidFill>
-              </a:defRPr>
+            <a:lvl7pPr marL="2742377" indent="0" algn="ctr">
+              <a:buNone/>
+              <a:defRPr sz="1600"/>
             </a:lvl7pPr>
-            <a:lvl8pPr marL="3200400" indent="0" algn="ctr">
-              <a:buNone/>
-              <a:defRPr>
-                <a:solidFill>
-                  <a:schemeClr val="tx1">
-                    <a:tint val="75000"/>
-                  </a:schemeClr>
-                </a:solidFill>
-              </a:defRPr>
+            <a:lvl8pPr marL="3199440" indent="0" algn="ctr">
+              <a:buNone/>
+              <a:defRPr sz="1600"/>
             </a:lvl8pPr>
-            <a:lvl9pPr marL="3657600" indent="0" algn="ctr">
-              <a:buNone/>
-              <a:defRPr>
-                <a:solidFill>
-                  <a:schemeClr val="tx1">
-                    <a:tint val="75000"/>
-                  </a:schemeClr>
-                </a:solidFill>
-              </a:defRPr>
+            <a:lvl9pPr marL="3656503" indent="0" algn="ctr">
+              <a:buNone/>
+              <a:defRPr sz="1600"/>
             </a:lvl9pPr>
           </a:lstStyle>
           <a:p>
@@ -843,14 +798,94 @@
               <a:rPr lang="en-US"/>
               <a:t>Click to edit Master subtitle style</a:t>
             </a:r>
-            <a:endParaRPr/>
+            <a:endParaRPr lang="en-US" dirty="0"/>
+          </a:p>
+        </p:txBody>
+      </p:sp>
+      <p:sp>
+        <p:nvSpPr>
+          <p:cNvPr id="4" name="Date Placeholder 3"/>
+          <p:cNvSpPr>
+            <a:spLocks noGrp="1"/>
+          </p:cNvSpPr>
+          <p:nvPr>
+            <p:ph type="dt" sz="half" idx="10"/>
+          </p:nvPr>
+        </p:nvSpPr>
+        <p:spPr>
+          <a:xfrm>
+            <a:off x="7907501" y="4314328"/>
+            <a:ext cx="2910082" cy="374642"/>
+          </a:xfrm>
+        </p:spPr>
+        <p:txBody>
+          <a:bodyPr/>
+          <a:lstStyle/>
+          <a:p>
+            <a:fld id="{48A87A34-81AB-432B-8DAE-1953F412C126}" type="datetimeFigureOut">
+              <a:rPr lang="en-US" dirty="0"/>
+              <a:t>3/10/2017</a:t>
+            </a:fld>
+            <a:endParaRPr lang="en-US" dirty="0"/>
+          </a:p>
+        </p:txBody>
+      </p:sp>
+      <p:sp>
+        <p:nvSpPr>
+          <p:cNvPr id="5" name="Footer Placeholder 4"/>
+          <p:cNvSpPr>
+            <a:spLocks noGrp="1"/>
+          </p:cNvSpPr>
+          <p:nvPr>
+            <p:ph type="ftr" sz="quarter" idx="11"/>
+          </p:nvPr>
+        </p:nvSpPr>
+        <p:spPr>
+          <a:xfrm>
+            <a:off x="1371243" y="4323846"/>
+            <a:ext cx="6399133" cy="365125"/>
+          </a:xfrm>
+        </p:spPr>
+        <p:txBody>
+          <a:bodyPr/>
+          <a:lstStyle/>
+          <a:p>
+            <a:endParaRPr lang="en-US" dirty="0"/>
+          </a:p>
+        </p:txBody>
+      </p:sp>
+      <p:sp>
+        <p:nvSpPr>
+          <p:cNvPr id="6" name="Slide Number Placeholder 5"/>
+          <p:cNvSpPr>
+            <a:spLocks noGrp="1"/>
+          </p:cNvSpPr>
+          <p:nvPr>
+            <p:ph type="sldNum" sz="quarter" idx="12"/>
+          </p:nvPr>
+        </p:nvSpPr>
+        <p:spPr>
+          <a:xfrm>
+            <a:off x="8075096" y="1430867"/>
+            <a:ext cx="2742486" cy="365125"/>
+          </a:xfrm>
+        </p:spPr>
+        <p:txBody>
+          <a:bodyPr/>
+          <a:lstStyle/>
+          <a:p>
+            <a:fld id="{6D22F896-40B5-4ADD-8801-0D06FADFA095}" type="slidenum">
+              <a:rPr lang="en-US" dirty="0"/>
+              <a:t>‹#›</a:t>
+            </a:fld>
+            <a:endParaRPr lang="en-US" dirty="0"/>
           </a:p>
         </p:txBody>
       </p:sp>
     </p:spTree>
     <p:extLst>
       <p:ext uri="{BB962C8B-B14F-4D97-AF65-F5344CB8AC3E}">
-        <p14:creationId xmlns:p14="http://schemas.microsoft.com/office/powerpoint/2010/main" val="94999051"/>
+        <p14:creationId xmlns:p14="http://schemas.microsoft.com/office/powerpoint/2010/main" val="1058753896"/>
       </p:ext>
     </p:extLst>
   </p:cSld>
@@ -873,6 +908,2610 @@
 </file>
 
 <file path=ppt/slideLayouts/slideLayout10.xml><?xml version="1.0" encoding="utf-8"?>
+<p:sldLayout xmlns:a="http://schemas.openxmlformats.org/drawingml/2006/main" xmlns:r="http://schemas.openxmlformats.org/officeDocument/2006/relationships" xmlns:p="http://schemas.openxmlformats.org/presentationml/2006/main" preserve="1">
+  <p:cSld name="Panoramic Picture with Caption">
+    <p:spTree>
+      <p:nvGrpSpPr>
+        <p:cNvPr id="1" name=""/>
+        <p:cNvGrpSpPr/>
+        <p:nvPr/>
+      </p:nvGrpSpPr>
+      <p:grpSpPr>
+        <a:xfrm>
+          <a:off x="0" y="0"/>
+          <a:ext cx="0" cy="0"/>
+          <a:chOff x="0" y="0"/>
+          <a:chExt cx="0" cy="0"/>
+        </a:xfrm>
+      </p:grpSpPr>
+      <p:sp>
+        <p:nvSpPr>
+          <p:cNvPr id="2" name="Title 1"/>
+          <p:cNvSpPr>
+            <a:spLocks noGrp="1"/>
+          </p:cNvSpPr>
+          <p:nvPr>
+            <p:ph type="title"/>
+          </p:nvPr>
+        </p:nvSpPr>
+        <p:spPr>
+          <a:xfrm>
+            <a:off x="685598" y="4697361"/>
+            <a:ext cx="10819216" cy="819355"/>
+          </a:xfrm>
+        </p:spPr>
+        <p:txBody>
+          <a:bodyPr anchor="b"/>
+          <a:lstStyle>
+            <a:lvl1pPr algn="l">
+              <a:defRPr sz="3199"/>
+            </a:lvl1pPr>
+          </a:lstStyle>
+          <a:p>
+            <a:r>
+              <a:rPr lang="en-US"/>
+              <a:t>Click to edit Master title style</a:t>
+            </a:r>
+            <a:endParaRPr lang="en-US" dirty="0"/>
+          </a:p>
+        </p:txBody>
+      </p:sp>
+      <p:sp>
+        <p:nvSpPr>
+          <p:cNvPr id="3" name="Picture Placeholder 2"/>
+          <p:cNvSpPr>
+            <a:spLocks noGrp="1" noChangeAspect="1"/>
+          </p:cNvSpPr>
+          <p:nvPr>
+            <p:ph type="pic" idx="1"/>
+          </p:nvPr>
+        </p:nvSpPr>
+        <p:spPr>
+          <a:xfrm>
+            <a:off x="681549" y="941440"/>
+            <a:ext cx="10819022" cy="3478161"/>
+          </a:xfrm>
+        </p:spPr>
+        <p:txBody>
+          <a:bodyPr anchor="t"/>
+          <a:lstStyle>
+            <a:lvl1pPr marL="0" indent="0">
+              <a:buNone/>
+              <a:defRPr sz="3199"/>
+            </a:lvl1pPr>
+            <a:lvl2pPr marL="457063" indent="0">
+              <a:buNone/>
+              <a:defRPr sz="2799"/>
+            </a:lvl2pPr>
+            <a:lvl3pPr marL="914126" indent="0">
+              <a:buNone/>
+              <a:defRPr sz="2399"/>
+            </a:lvl3pPr>
+            <a:lvl4pPr marL="1371189" indent="0">
+              <a:buNone/>
+              <a:defRPr sz="1999"/>
+            </a:lvl4pPr>
+            <a:lvl5pPr marL="1828251" indent="0">
+              <a:buNone/>
+              <a:defRPr sz="1999"/>
+            </a:lvl5pPr>
+            <a:lvl6pPr marL="2285314" indent="0">
+              <a:buNone/>
+              <a:defRPr sz="1999"/>
+            </a:lvl6pPr>
+            <a:lvl7pPr marL="2742377" indent="0">
+              <a:buNone/>
+              <a:defRPr sz="1999"/>
+            </a:lvl7pPr>
+            <a:lvl8pPr marL="3199440" indent="0">
+              <a:buNone/>
+              <a:defRPr sz="1999"/>
+            </a:lvl8pPr>
+            <a:lvl9pPr marL="3656503" indent="0">
+              <a:buNone/>
+              <a:defRPr sz="1999"/>
+            </a:lvl9pPr>
+          </a:lstStyle>
+          <a:p>
+            <a:r>
+              <a:rPr lang="en-US"/>
+              <a:t>Click icon to add picture</a:t>
+            </a:r>
+            <a:endParaRPr lang="en-US" dirty="0"/>
+          </a:p>
+        </p:txBody>
+      </p:sp>
+      <p:sp>
+        <p:nvSpPr>
+          <p:cNvPr id="4" name="Text Placeholder 3"/>
+          <p:cNvSpPr>
+            <a:spLocks noGrp="1"/>
+          </p:cNvSpPr>
+          <p:nvPr>
+            <p:ph type="body" sz="half" idx="2"/>
+          </p:nvPr>
+        </p:nvSpPr>
+        <p:spPr>
+          <a:xfrm>
+            <a:off x="685622" y="5516716"/>
+            <a:ext cx="10817582" cy="701969"/>
+          </a:xfrm>
+        </p:spPr>
+        <p:txBody>
+          <a:bodyPr/>
+          <a:lstStyle>
+            <a:lvl1pPr marL="0" indent="0" algn="l">
+              <a:buNone/>
+              <a:defRPr sz="1600"/>
+            </a:lvl1pPr>
+            <a:lvl2pPr marL="457063" indent="0">
+              <a:buNone/>
+              <a:defRPr sz="1400"/>
+            </a:lvl2pPr>
+            <a:lvl3pPr marL="914126" indent="0">
+              <a:buNone/>
+              <a:defRPr sz="1200"/>
+            </a:lvl3pPr>
+            <a:lvl4pPr marL="1371189" indent="0">
+              <a:buNone/>
+              <a:defRPr sz="1000"/>
+            </a:lvl4pPr>
+            <a:lvl5pPr marL="1828251" indent="0">
+              <a:buNone/>
+              <a:defRPr sz="1000"/>
+            </a:lvl5pPr>
+            <a:lvl6pPr marL="2285314" indent="0">
+              <a:buNone/>
+              <a:defRPr sz="1000"/>
+            </a:lvl6pPr>
+            <a:lvl7pPr marL="2742377" indent="0">
+              <a:buNone/>
+              <a:defRPr sz="1000"/>
+            </a:lvl7pPr>
+            <a:lvl8pPr marL="3199440" indent="0">
+              <a:buNone/>
+              <a:defRPr sz="1000"/>
+            </a:lvl8pPr>
+            <a:lvl9pPr marL="3656503" indent="0">
+              <a:buNone/>
+              <a:defRPr sz="1000"/>
+            </a:lvl9pPr>
+          </a:lstStyle>
+          <a:p>
+            <a:pPr lvl="0"/>
+            <a:r>
+              <a:rPr lang="en-US"/>
+              <a:t>Edit Master text styles</a:t>
+            </a:r>
+          </a:p>
+        </p:txBody>
+      </p:sp>
+      <p:sp>
+        <p:nvSpPr>
+          <p:cNvPr id="5" name="Date Placeholder 4"/>
+          <p:cNvSpPr>
+            <a:spLocks noGrp="1"/>
+          </p:cNvSpPr>
+          <p:nvPr>
+            <p:ph type="dt" sz="half" idx="10"/>
+          </p:nvPr>
+        </p:nvSpPr>
+        <p:spPr/>
+        <p:txBody>
+          <a:bodyPr/>
+          <a:lstStyle/>
+          <a:p>
+            <a:fld id="{03F41C87-7AD9-4845-A077-840E4A0F3F06}" type="datetimeFigureOut">
+              <a:rPr lang="en-US" smtClean="0"/>
+              <a:pPr/>
+              <a:t>3/10/2017</a:t>
+            </a:fld>
+            <a:endParaRPr lang="en-US"/>
+          </a:p>
+        </p:txBody>
+      </p:sp>
+      <p:sp>
+        <p:nvSpPr>
+          <p:cNvPr id="6" name="Footer Placeholder 5"/>
+          <p:cNvSpPr>
+            <a:spLocks noGrp="1"/>
+          </p:cNvSpPr>
+          <p:nvPr>
+            <p:ph type="ftr" sz="quarter" idx="11"/>
+          </p:nvPr>
+        </p:nvSpPr>
+        <p:spPr/>
+        <p:txBody>
+          <a:bodyPr/>
+          <a:lstStyle/>
+          <a:p>
+            <a:endParaRPr lang="en-US" dirty="0"/>
+          </a:p>
+        </p:txBody>
+      </p:sp>
+      <p:sp>
+        <p:nvSpPr>
+          <p:cNvPr id="7" name="Slide Number Placeholder 6"/>
+          <p:cNvSpPr>
+            <a:spLocks noGrp="1"/>
+          </p:cNvSpPr>
+          <p:nvPr>
+            <p:ph type="sldNum" sz="quarter" idx="12"/>
+          </p:nvPr>
+        </p:nvSpPr>
+        <p:spPr/>
+        <p:txBody>
+          <a:bodyPr/>
+          <a:lstStyle/>
+          <a:p>
+            <a:fld id="{2A013F82-EE5E-44EE-A61D-E31C6657F26F}" type="slidenum">
+              <a:rPr lang="en-US" smtClean="0"/>
+              <a:pPr/>
+              <a:t>‹#›</a:t>
+            </a:fld>
+            <a:endParaRPr lang="en-US"/>
+          </a:p>
+        </p:txBody>
+      </p:sp>
+    </p:spTree>
+    <p:extLst>
+      <p:ext uri="{BB962C8B-B14F-4D97-AF65-F5344CB8AC3E}">
+        <p14:creationId xmlns:p14="http://schemas.microsoft.com/office/powerpoint/2010/main" val="3567718122"/>
+      </p:ext>
+    </p:extLst>
+  </p:cSld>
+  <p:clrMapOvr>
+    <a:masterClrMapping/>
+  </p:clrMapOvr>
+</p:sldLayout>
+</file>
+
+<file path=ppt/slideLayouts/slideLayout11.xml><?xml version="1.0" encoding="utf-8"?>
+<p:sldLayout xmlns:a="http://schemas.openxmlformats.org/drawingml/2006/main" xmlns:r="http://schemas.openxmlformats.org/officeDocument/2006/relationships" xmlns:p="http://schemas.openxmlformats.org/presentationml/2006/main" showMasterSp="0" preserve="1">
+  <p:cSld name="Title and Caption">
+    <p:spTree>
+      <p:nvGrpSpPr>
+        <p:cNvPr id="1" name=""/>
+        <p:cNvGrpSpPr/>
+        <p:nvPr/>
+      </p:nvGrpSpPr>
+      <p:grpSpPr>
+        <a:xfrm>
+          <a:off x="0" y="0"/>
+          <a:ext cx="0" cy="0"/>
+          <a:chOff x="0" y="0"/>
+          <a:chExt cx="0" cy="0"/>
+        </a:xfrm>
+      </p:grpSpPr>
+      <p:pic>
+        <p:nvPicPr>
+          <p:cNvPr id="8" name="Picture 7" descr="C0-HD-BTM.png"/>
+          <p:cNvPicPr>
+            <a:picLocks noChangeAspect="1"/>
+          </p:cNvPicPr>
+          <p:nvPr/>
+        </p:nvPicPr>
+        <p:blipFill>
+          <a:blip r:embed="rId2">
+            <a:extLst>
+              <a:ext uri="{28A0092B-C50C-407E-A947-70E740481C1C}">
+                <a14:useLocalDpi xmlns:a14="http://schemas.microsoft.com/office/drawing/2010/main" val="0"/>
+              </a:ext>
+            </a:extLst>
+          </a:blip>
+          <a:stretch>
+            <a:fillRect/>
+          </a:stretch>
+        </p:blipFill>
+        <p:spPr>
+          <a:xfrm>
+            <a:off x="0" y="4375150"/>
+            <a:ext cx="12188825" cy="2482850"/>
+          </a:xfrm>
+          <a:prstGeom prst="rect">
+            <a:avLst/>
+          </a:prstGeom>
+        </p:spPr>
+      </p:pic>
+      <p:sp>
+        <p:nvSpPr>
+          <p:cNvPr id="2" name="Title 1"/>
+          <p:cNvSpPr>
+            <a:spLocks noGrp="1"/>
+          </p:cNvSpPr>
+          <p:nvPr>
+            <p:ph type="title"/>
+          </p:nvPr>
+        </p:nvSpPr>
+        <p:spPr>
+          <a:xfrm>
+            <a:off x="685622" y="753533"/>
+            <a:ext cx="10817582" cy="2802467"/>
+          </a:xfrm>
+        </p:spPr>
+        <p:txBody>
+          <a:bodyPr anchor="ctr"/>
+          <a:lstStyle>
+            <a:lvl1pPr algn="l">
+              <a:defRPr sz="3199"/>
+            </a:lvl1pPr>
+          </a:lstStyle>
+          <a:p>
+            <a:r>
+              <a:rPr lang="en-US"/>
+              <a:t>Click to edit Master title style</a:t>
+            </a:r>
+            <a:endParaRPr lang="en-US" dirty="0"/>
+          </a:p>
+        </p:txBody>
+      </p:sp>
+      <p:sp>
+        <p:nvSpPr>
+          <p:cNvPr id="4" name="Text Placeholder 3"/>
+          <p:cNvSpPr>
+            <a:spLocks noGrp="1"/>
+          </p:cNvSpPr>
+          <p:nvPr>
+            <p:ph type="body" sz="half" idx="2"/>
+          </p:nvPr>
+        </p:nvSpPr>
+        <p:spPr>
+          <a:xfrm>
+            <a:off x="1024200" y="3649134"/>
+            <a:ext cx="10127878" cy="999067"/>
+          </a:xfrm>
+        </p:spPr>
+        <p:txBody>
+          <a:bodyPr anchor="ctr"/>
+          <a:lstStyle>
+            <a:lvl1pPr marL="0" indent="0">
+              <a:buNone/>
+              <a:defRPr sz="1600"/>
+            </a:lvl1pPr>
+            <a:lvl2pPr marL="457063" indent="0">
+              <a:buNone/>
+              <a:defRPr sz="1400"/>
+            </a:lvl2pPr>
+            <a:lvl3pPr marL="914126" indent="0">
+              <a:buNone/>
+              <a:defRPr sz="1200"/>
+            </a:lvl3pPr>
+            <a:lvl4pPr marL="1371189" indent="0">
+              <a:buNone/>
+              <a:defRPr sz="1000"/>
+            </a:lvl4pPr>
+            <a:lvl5pPr marL="1828251" indent="0">
+              <a:buNone/>
+              <a:defRPr sz="1000"/>
+            </a:lvl5pPr>
+            <a:lvl6pPr marL="2285314" indent="0">
+              <a:buNone/>
+              <a:defRPr sz="1000"/>
+            </a:lvl6pPr>
+            <a:lvl7pPr marL="2742377" indent="0">
+              <a:buNone/>
+              <a:defRPr sz="1000"/>
+            </a:lvl7pPr>
+            <a:lvl8pPr marL="3199440" indent="0">
+              <a:buNone/>
+              <a:defRPr sz="1000"/>
+            </a:lvl8pPr>
+            <a:lvl9pPr marL="3656503" indent="0">
+              <a:buNone/>
+              <a:defRPr sz="1000"/>
+            </a:lvl9pPr>
+          </a:lstStyle>
+          <a:p>
+            <a:pPr lvl="0"/>
+            <a:r>
+              <a:rPr lang="en-US"/>
+              <a:t>Edit Master text styles</a:t>
+            </a:r>
+          </a:p>
+        </p:txBody>
+      </p:sp>
+      <p:sp>
+        <p:nvSpPr>
+          <p:cNvPr id="5" name="Date Placeholder 4"/>
+          <p:cNvSpPr>
+            <a:spLocks noGrp="1"/>
+          </p:cNvSpPr>
+          <p:nvPr>
+            <p:ph type="dt" sz="half" idx="10"/>
+          </p:nvPr>
+        </p:nvSpPr>
+        <p:spPr>
+          <a:xfrm>
+            <a:off x="7812417" y="381001"/>
+            <a:ext cx="2910082" cy="365125"/>
+          </a:xfrm>
+        </p:spPr>
+        <p:txBody>
+          <a:bodyPr/>
+          <a:lstStyle>
+            <a:lvl1pPr algn="r">
+              <a:defRPr/>
+            </a:lvl1pPr>
+          </a:lstStyle>
+          <a:p>
+            <a:fld id="{03F41C87-7AD9-4845-A077-840E4A0F3F06}" type="datetimeFigureOut">
+              <a:rPr lang="en-US" smtClean="0"/>
+              <a:pPr/>
+              <a:t>3/10/2017</a:t>
+            </a:fld>
+            <a:endParaRPr lang="en-US"/>
+          </a:p>
+        </p:txBody>
+      </p:sp>
+      <p:sp>
+        <p:nvSpPr>
+          <p:cNvPr id="6" name="Footer Placeholder 5"/>
+          <p:cNvSpPr>
+            <a:spLocks noGrp="1"/>
+          </p:cNvSpPr>
+          <p:nvPr>
+            <p:ph type="ftr" sz="quarter" idx="11"/>
+          </p:nvPr>
+        </p:nvSpPr>
+        <p:spPr>
+          <a:xfrm>
+            <a:off x="685622" y="379942"/>
+            <a:ext cx="6989671" cy="365125"/>
+          </a:xfrm>
+        </p:spPr>
+        <p:txBody>
+          <a:bodyPr/>
+          <a:lstStyle/>
+          <a:p>
+            <a:endParaRPr lang="en-US" dirty="0"/>
+          </a:p>
+        </p:txBody>
+      </p:sp>
+      <p:sp>
+        <p:nvSpPr>
+          <p:cNvPr id="7" name="Slide Number Placeholder 6"/>
+          <p:cNvSpPr>
+            <a:spLocks noGrp="1"/>
+          </p:cNvSpPr>
+          <p:nvPr>
+            <p:ph type="sldNum" sz="quarter" idx="12"/>
+          </p:nvPr>
+        </p:nvSpPr>
+        <p:spPr>
+          <a:xfrm>
+            <a:off x="10859623" y="381001"/>
+            <a:ext cx="643580" cy="365125"/>
+          </a:xfrm>
+        </p:spPr>
+        <p:txBody>
+          <a:bodyPr/>
+          <a:lstStyle/>
+          <a:p>
+            <a:fld id="{2A013F82-EE5E-44EE-A61D-E31C6657F26F}" type="slidenum">
+              <a:rPr lang="en-US" smtClean="0"/>
+              <a:pPr/>
+              <a:t>‹#›</a:t>
+            </a:fld>
+            <a:endParaRPr lang="en-US"/>
+          </a:p>
+        </p:txBody>
+      </p:sp>
+    </p:spTree>
+    <p:extLst>
+      <p:ext uri="{BB962C8B-B14F-4D97-AF65-F5344CB8AC3E}">
+        <p14:creationId xmlns:p14="http://schemas.microsoft.com/office/powerpoint/2010/main" val="2128320580"/>
+      </p:ext>
+    </p:extLst>
+  </p:cSld>
+  <p:clrMapOvr>
+    <a:masterClrMapping/>
+  </p:clrMapOvr>
+</p:sldLayout>
+</file>
+
+<file path=ppt/slideLayouts/slideLayout12.xml><?xml version="1.0" encoding="utf-8"?>
+<p:sldLayout xmlns:a="http://schemas.openxmlformats.org/drawingml/2006/main" xmlns:r="http://schemas.openxmlformats.org/officeDocument/2006/relationships" xmlns:p="http://schemas.openxmlformats.org/presentationml/2006/main" showMasterSp="0" preserve="1">
+  <p:cSld name="Quote with Caption">
+    <p:spTree>
+      <p:nvGrpSpPr>
+        <p:cNvPr id="1" name=""/>
+        <p:cNvGrpSpPr/>
+        <p:nvPr/>
+      </p:nvGrpSpPr>
+      <p:grpSpPr>
+        <a:xfrm>
+          <a:off x="0" y="0"/>
+          <a:ext cx="0" cy="0"/>
+          <a:chOff x="0" y="0"/>
+          <a:chExt cx="0" cy="0"/>
+        </a:xfrm>
+      </p:grpSpPr>
+      <p:pic>
+        <p:nvPicPr>
+          <p:cNvPr id="13" name="Picture 12" descr="C0-HD-BTM.png"/>
+          <p:cNvPicPr>
+            <a:picLocks noChangeAspect="1"/>
+          </p:cNvPicPr>
+          <p:nvPr/>
+        </p:nvPicPr>
+        <p:blipFill>
+          <a:blip r:embed="rId2">
+            <a:extLst>
+              <a:ext uri="{28A0092B-C50C-407E-A947-70E740481C1C}">
+                <a14:useLocalDpi xmlns:a14="http://schemas.microsoft.com/office/drawing/2010/main" val="0"/>
+              </a:ext>
+            </a:extLst>
+          </a:blip>
+          <a:stretch>
+            <a:fillRect/>
+          </a:stretch>
+        </p:blipFill>
+        <p:spPr>
+          <a:xfrm>
+            <a:off x="0" y="4375150"/>
+            <a:ext cx="12188825" cy="2482850"/>
+          </a:xfrm>
+          <a:prstGeom prst="rect">
+            <a:avLst/>
+          </a:prstGeom>
+        </p:spPr>
+      </p:pic>
+      <p:sp>
+        <p:nvSpPr>
+          <p:cNvPr id="2" name="Title 1"/>
+          <p:cNvSpPr>
+            <a:spLocks noGrp="1"/>
+          </p:cNvSpPr>
+          <p:nvPr>
+            <p:ph type="title"/>
+          </p:nvPr>
+        </p:nvSpPr>
+        <p:spPr>
+          <a:xfrm>
+            <a:off x="1024201" y="753534"/>
+            <a:ext cx="10148889" cy="2604495"/>
+          </a:xfrm>
+        </p:spPr>
+        <p:txBody>
+          <a:bodyPr anchor="ctr"/>
+          <a:lstStyle>
+            <a:lvl1pPr algn="l">
+              <a:defRPr sz="3199"/>
+            </a:lvl1pPr>
+          </a:lstStyle>
+          <a:p>
+            <a:r>
+              <a:rPr lang="en-US"/>
+              <a:t>Click to edit Master title style</a:t>
+            </a:r>
+            <a:endParaRPr lang="en-US" dirty="0"/>
+          </a:p>
+        </p:txBody>
+      </p:sp>
+      <p:sp>
+        <p:nvSpPr>
+          <p:cNvPr id="12" name="Text Placeholder 3"/>
+          <p:cNvSpPr>
+            <a:spLocks noGrp="1"/>
+          </p:cNvSpPr>
+          <p:nvPr>
+            <p:ph type="body" sz="half" idx="13"/>
+          </p:nvPr>
+        </p:nvSpPr>
+        <p:spPr>
+          <a:xfrm>
+            <a:off x="1303525" y="3365557"/>
+            <a:ext cx="9590238" cy="444443"/>
+          </a:xfrm>
+        </p:spPr>
+        <p:txBody>
+          <a:bodyPr anchor="t">
+            <a:normAutofit/>
+          </a:bodyPr>
+          <a:lstStyle>
+            <a:lvl1pPr marL="0" indent="0">
+              <a:buNone/>
+              <a:defRPr sz="1400"/>
+            </a:lvl1pPr>
+            <a:lvl2pPr marL="457063" indent="0">
+              <a:buNone/>
+              <a:defRPr sz="1400"/>
+            </a:lvl2pPr>
+            <a:lvl3pPr marL="914126" indent="0">
+              <a:buNone/>
+              <a:defRPr sz="1200"/>
+            </a:lvl3pPr>
+            <a:lvl4pPr marL="1371189" indent="0">
+              <a:buNone/>
+              <a:defRPr sz="1000"/>
+            </a:lvl4pPr>
+            <a:lvl5pPr marL="1828251" indent="0">
+              <a:buNone/>
+              <a:defRPr sz="1000"/>
+            </a:lvl5pPr>
+            <a:lvl6pPr marL="2285314" indent="0">
+              <a:buNone/>
+              <a:defRPr sz="1000"/>
+            </a:lvl6pPr>
+            <a:lvl7pPr marL="2742377" indent="0">
+              <a:buNone/>
+              <a:defRPr sz="1000"/>
+            </a:lvl7pPr>
+            <a:lvl8pPr marL="3199440" indent="0">
+              <a:buNone/>
+              <a:defRPr sz="1000"/>
+            </a:lvl8pPr>
+            <a:lvl9pPr marL="3656503" indent="0">
+              <a:buNone/>
+              <a:defRPr sz="1000"/>
+            </a:lvl9pPr>
+          </a:lstStyle>
+          <a:p>
+            <a:pPr lvl="0"/>
+            <a:r>
+              <a:rPr lang="en-US"/>
+              <a:t>Edit Master text styles</a:t>
+            </a:r>
+          </a:p>
+        </p:txBody>
+      </p:sp>
+      <p:sp>
+        <p:nvSpPr>
+          <p:cNvPr id="4" name="Text Placeholder 3"/>
+          <p:cNvSpPr>
+            <a:spLocks noGrp="1"/>
+          </p:cNvSpPr>
+          <p:nvPr>
+            <p:ph type="body" sz="half" idx="2"/>
+          </p:nvPr>
+        </p:nvSpPr>
+        <p:spPr>
+          <a:xfrm>
+            <a:off x="1024201" y="3959863"/>
+            <a:ext cx="10148889" cy="679871"/>
+          </a:xfrm>
+        </p:spPr>
+        <p:txBody>
+          <a:bodyPr anchor="ctr">
+            <a:normAutofit/>
+          </a:bodyPr>
+          <a:lstStyle>
+            <a:lvl1pPr marL="0" indent="0">
+              <a:buNone/>
+              <a:defRPr sz="1600"/>
+            </a:lvl1pPr>
+            <a:lvl2pPr marL="457063" indent="0">
+              <a:buNone/>
+              <a:defRPr sz="1400"/>
+            </a:lvl2pPr>
+            <a:lvl3pPr marL="914126" indent="0">
+              <a:buNone/>
+              <a:defRPr sz="1200"/>
+            </a:lvl3pPr>
+            <a:lvl4pPr marL="1371189" indent="0">
+              <a:buNone/>
+              <a:defRPr sz="1000"/>
+            </a:lvl4pPr>
+            <a:lvl5pPr marL="1828251" indent="0">
+              <a:buNone/>
+              <a:defRPr sz="1000"/>
+            </a:lvl5pPr>
+            <a:lvl6pPr marL="2285314" indent="0">
+              <a:buNone/>
+              <a:defRPr sz="1000"/>
+            </a:lvl6pPr>
+            <a:lvl7pPr marL="2742377" indent="0">
+              <a:buNone/>
+              <a:defRPr sz="1000"/>
+            </a:lvl7pPr>
+            <a:lvl8pPr marL="3199440" indent="0">
+              <a:buNone/>
+              <a:defRPr sz="1000"/>
+            </a:lvl8pPr>
+            <a:lvl9pPr marL="3656503" indent="0">
+              <a:buNone/>
+              <a:defRPr sz="1000"/>
+            </a:lvl9pPr>
+          </a:lstStyle>
+          <a:p>
+            <a:pPr lvl="0"/>
+            <a:r>
+              <a:rPr lang="en-US"/>
+              <a:t>Edit Master text styles</a:t>
+            </a:r>
+          </a:p>
+        </p:txBody>
+      </p:sp>
+      <p:sp>
+        <p:nvSpPr>
+          <p:cNvPr id="5" name="Date Placeholder 4"/>
+          <p:cNvSpPr>
+            <a:spLocks noGrp="1"/>
+          </p:cNvSpPr>
+          <p:nvPr>
+            <p:ph type="dt" sz="half" idx="10"/>
+          </p:nvPr>
+        </p:nvSpPr>
+        <p:spPr>
+          <a:xfrm>
+            <a:off x="7812417" y="381001"/>
+            <a:ext cx="2910082" cy="365125"/>
+          </a:xfrm>
+        </p:spPr>
+        <p:txBody>
+          <a:bodyPr/>
+          <a:lstStyle>
+            <a:lvl1pPr algn="r">
+              <a:defRPr/>
+            </a:lvl1pPr>
+          </a:lstStyle>
+          <a:p>
+            <a:fld id="{03F41C87-7AD9-4845-A077-840E4A0F3F06}" type="datetimeFigureOut">
+              <a:rPr lang="en-US" smtClean="0"/>
+              <a:pPr/>
+              <a:t>3/10/2017</a:t>
+            </a:fld>
+            <a:endParaRPr lang="en-US"/>
+          </a:p>
+        </p:txBody>
+      </p:sp>
+      <p:sp>
+        <p:nvSpPr>
+          <p:cNvPr id="6" name="Footer Placeholder 5"/>
+          <p:cNvSpPr>
+            <a:spLocks noGrp="1"/>
+          </p:cNvSpPr>
+          <p:nvPr>
+            <p:ph type="ftr" sz="quarter" idx="11"/>
+          </p:nvPr>
+        </p:nvSpPr>
+        <p:spPr>
+          <a:xfrm>
+            <a:off x="685622" y="379942"/>
+            <a:ext cx="6989671" cy="365125"/>
+          </a:xfrm>
+        </p:spPr>
+        <p:txBody>
+          <a:bodyPr/>
+          <a:lstStyle/>
+          <a:p>
+            <a:endParaRPr lang="en-US" dirty="0"/>
+          </a:p>
+        </p:txBody>
+      </p:sp>
+      <p:sp>
+        <p:nvSpPr>
+          <p:cNvPr id="7" name="Slide Number Placeholder 6"/>
+          <p:cNvSpPr>
+            <a:spLocks noGrp="1"/>
+          </p:cNvSpPr>
+          <p:nvPr>
+            <p:ph type="sldNum" sz="quarter" idx="12"/>
+          </p:nvPr>
+        </p:nvSpPr>
+        <p:spPr>
+          <a:xfrm>
+            <a:off x="10859623" y="381001"/>
+            <a:ext cx="643580" cy="365125"/>
+          </a:xfrm>
+        </p:spPr>
+        <p:txBody>
+          <a:bodyPr/>
+          <a:lstStyle/>
+          <a:p>
+            <a:fld id="{2A013F82-EE5E-44EE-A61D-E31C6657F26F}" type="slidenum">
+              <a:rPr lang="en-US" smtClean="0"/>
+              <a:pPr/>
+              <a:t>‹#›</a:t>
+            </a:fld>
+            <a:endParaRPr lang="en-US"/>
+          </a:p>
+        </p:txBody>
+      </p:sp>
+      <p:sp>
+        <p:nvSpPr>
+          <p:cNvPr id="9" name="TextBox 8"/>
+          <p:cNvSpPr txBox="1"/>
+          <p:nvPr/>
+        </p:nvSpPr>
+        <p:spPr>
+          <a:xfrm>
+            <a:off x="476126" y="933450"/>
+            <a:ext cx="609441" cy="584776"/>
+          </a:xfrm>
+          <a:prstGeom prst="rect">
+            <a:avLst/>
+          </a:prstGeom>
+        </p:spPr>
+        <p:txBody>
+          <a:bodyPr vert="horz" lIns="91416" tIns="45708" rIns="91416" bIns="45708" rtlCol="0" anchor="ctr">
+            <a:noAutofit/>
+          </a:bodyPr>
+          <a:lstStyle>
+            <a:lvl1pPr>
+              <a:spcBef>
+                <a:spcPct val="0"/>
+              </a:spcBef>
+              <a:buNone/>
+              <a:defRPr sz="3200" b="0" cap="all">
+                <a:ln w="3175" cmpd="sng">
+                  <a:noFill/>
+                </a:ln>
+                <a:effectLst>
+                  <a:glow rad="38100">
+                    <a:schemeClr val="bg1">
+                      <a:lumMod val="65000"/>
+                      <a:lumOff val="35000"/>
+                      <a:alpha val="40000"/>
+                    </a:schemeClr>
+                  </a:glow>
+                  <a:outerShdw blurRad="28575" dist="38100" dir="14040000" algn="tl" rotWithShape="0">
+                    <a:srgbClr val="000000">
+                      <a:alpha val="25000"/>
+                    </a:srgbClr>
+                  </a:outerShdw>
+                </a:effectLst>
+              </a:defRPr>
+            </a:lvl1pPr>
+            <a:lvl2pPr>
+              <a:defRPr>
+                <a:solidFill>
+                  <a:schemeClr val="tx2"/>
+                </a:solidFill>
+              </a:defRPr>
+            </a:lvl2pPr>
+            <a:lvl3pPr>
+              <a:defRPr>
+                <a:solidFill>
+                  <a:schemeClr val="tx2"/>
+                </a:solidFill>
+              </a:defRPr>
+            </a:lvl3pPr>
+            <a:lvl4pPr>
+              <a:defRPr>
+                <a:solidFill>
+                  <a:schemeClr val="tx2"/>
+                </a:solidFill>
+              </a:defRPr>
+            </a:lvl4pPr>
+            <a:lvl5pPr>
+              <a:defRPr>
+                <a:solidFill>
+                  <a:schemeClr val="tx2"/>
+                </a:solidFill>
+              </a:defRPr>
+            </a:lvl5pPr>
+            <a:lvl6pPr>
+              <a:defRPr>
+                <a:solidFill>
+                  <a:schemeClr val="tx2"/>
+                </a:solidFill>
+              </a:defRPr>
+            </a:lvl6pPr>
+            <a:lvl7pPr>
+              <a:defRPr>
+                <a:solidFill>
+                  <a:schemeClr val="tx2"/>
+                </a:solidFill>
+              </a:defRPr>
+            </a:lvl7pPr>
+            <a:lvl8pPr>
+              <a:defRPr>
+                <a:solidFill>
+                  <a:schemeClr val="tx2"/>
+                </a:solidFill>
+              </a:defRPr>
+            </a:lvl8pPr>
+            <a:lvl9pPr>
+              <a:defRPr>
+                <a:solidFill>
+                  <a:schemeClr val="tx2"/>
+                </a:solidFill>
+              </a:defRPr>
+            </a:lvl9pPr>
+          </a:lstStyle>
+          <a:p>
+            <a:pPr lvl="0"/>
+            <a:r>
+              <a:rPr lang="en-US" sz="7998" dirty="0">
+                <a:solidFill>
+                  <a:schemeClr val="tx1"/>
+                </a:solidFill>
+                <a:effectLst/>
+              </a:rPr>
+              <a:t>“</a:t>
+            </a:r>
+          </a:p>
+        </p:txBody>
+      </p:sp>
+      <p:sp>
+        <p:nvSpPr>
+          <p:cNvPr id="10" name="TextBox 9"/>
+          <p:cNvSpPr txBox="1"/>
+          <p:nvPr/>
+        </p:nvSpPr>
+        <p:spPr>
+          <a:xfrm>
+            <a:off x="10981370" y="2701290"/>
+            <a:ext cx="609441" cy="584776"/>
+          </a:xfrm>
+          <a:prstGeom prst="rect">
+            <a:avLst/>
+          </a:prstGeom>
+        </p:spPr>
+        <p:txBody>
+          <a:bodyPr vert="horz" lIns="91416" tIns="45708" rIns="91416" bIns="45708" rtlCol="0" anchor="ctr">
+            <a:noAutofit/>
+          </a:bodyPr>
+          <a:lstStyle>
+            <a:lvl1pPr>
+              <a:spcBef>
+                <a:spcPct val="0"/>
+              </a:spcBef>
+              <a:buNone/>
+              <a:defRPr sz="3200" b="0" cap="all">
+                <a:ln w="3175" cmpd="sng">
+                  <a:noFill/>
+                </a:ln>
+                <a:effectLst>
+                  <a:glow rad="38100">
+                    <a:schemeClr val="bg1">
+                      <a:lumMod val="65000"/>
+                      <a:lumOff val="35000"/>
+                      <a:alpha val="40000"/>
+                    </a:schemeClr>
+                  </a:glow>
+                  <a:outerShdw blurRad="28575" dist="38100" dir="14040000" algn="tl" rotWithShape="0">
+                    <a:srgbClr val="000000">
+                      <a:alpha val="25000"/>
+                    </a:srgbClr>
+                  </a:outerShdw>
+                </a:effectLst>
+              </a:defRPr>
+            </a:lvl1pPr>
+            <a:lvl2pPr>
+              <a:defRPr>
+                <a:solidFill>
+                  <a:schemeClr val="tx2"/>
+                </a:solidFill>
+              </a:defRPr>
+            </a:lvl2pPr>
+            <a:lvl3pPr>
+              <a:defRPr>
+                <a:solidFill>
+                  <a:schemeClr val="tx2"/>
+                </a:solidFill>
+              </a:defRPr>
+            </a:lvl3pPr>
+            <a:lvl4pPr>
+              <a:defRPr>
+                <a:solidFill>
+                  <a:schemeClr val="tx2"/>
+                </a:solidFill>
+              </a:defRPr>
+            </a:lvl4pPr>
+            <a:lvl5pPr>
+              <a:defRPr>
+                <a:solidFill>
+                  <a:schemeClr val="tx2"/>
+                </a:solidFill>
+              </a:defRPr>
+            </a:lvl5pPr>
+            <a:lvl6pPr>
+              <a:defRPr>
+                <a:solidFill>
+                  <a:schemeClr val="tx2"/>
+                </a:solidFill>
+              </a:defRPr>
+            </a:lvl6pPr>
+            <a:lvl7pPr>
+              <a:defRPr>
+                <a:solidFill>
+                  <a:schemeClr val="tx2"/>
+                </a:solidFill>
+              </a:defRPr>
+            </a:lvl7pPr>
+            <a:lvl8pPr>
+              <a:defRPr>
+                <a:solidFill>
+                  <a:schemeClr val="tx2"/>
+                </a:solidFill>
+              </a:defRPr>
+            </a:lvl8pPr>
+            <a:lvl9pPr>
+              <a:defRPr>
+                <a:solidFill>
+                  <a:schemeClr val="tx2"/>
+                </a:solidFill>
+              </a:defRPr>
+            </a:lvl9pPr>
+          </a:lstStyle>
+          <a:p>
+            <a:pPr lvl="0" algn="r"/>
+            <a:r>
+              <a:rPr lang="en-US" sz="7998" dirty="0">
+                <a:solidFill>
+                  <a:schemeClr val="tx1"/>
+                </a:solidFill>
+                <a:effectLst/>
+              </a:rPr>
+              <a:t>”</a:t>
+            </a:r>
+          </a:p>
+        </p:txBody>
+      </p:sp>
+    </p:spTree>
+    <p:extLst>
+      <p:ext uri="{BB962C8B-B14F-4D97-AF65-F5344CB8AC3E}">
+        <p14:creationId xmlns:p14="http://schemas.microsoft.com/office/powerpoint/2010/main" val="3769091610"/>
+      </p:ext>
+    </p:extLst>
+  </p:cSld>
+  <p:clrMapOvr>
+    <a:masterClrMapping/>
+  </p:clrMapOvr>
+</p:sldLayout>
+</file>
+
+<file path=ppt/slideLayouts/slideLayout13.xml><?xml version="1.0" encoding="utf-8"?>
+<p:sldLayout xmlns:a="http://schemas.openxmlformats.org/drawingml/2006/main" xmlns:r="http://schemas.openxmlformats.org/officeDocument/2006/relationships" xmlns:p="http://schemas.openxmlformats.org/presentationml/2006/main" showMasterSp="0" preserve="1">
+  <p:cSld name="Name Card">
+    <p:spTree>
+      <p:nvGrpSpPr>
+        <p:cNvPr id="1" name=""/>
+        <p:cNvGrpSpPr/>
+        <p:nvPr/>
+      </p:nvGrpSpPr>
+      <p:grpSpPr>
+        <a:xfrm>
+          <a:off x="0" y="0"/>
+          <a:ext cx="0" cy="0"/>
+          <a:chOff x="0" y="0"/>
+          <a:chExt cx="0" cy="0"/>
+        </a:xfrm>
+      </p:grpSpPr>
+      <p:pic>
+        <p:nvPicPr>
+          <p:cNvPr id="9" name="Picture 8" descr="C0-HD-BTM.png"/>
+          <p:cNvPicPr>
+            <a:picLocks noChangeAspect="1"/>
+          </p:cNvPicPr>
+          <p:nvPr/>
+        </p:nvPicPr>
+        <p:blipFill>
+          <a:blip r:embed="rId2">
+            <a:extLst>
+              <a:ext uri="{28A0092B-C50C-407E-A947-70E740481C1C}">
+                <a14:useLocalDpi xmlns:a14="http://schemas.microsoft.com/office/drawing/2010/main" val="0"/>
+              </a:ext>
+            </a:extLst>
+          </a:blip>
+          <a:stretch>
+            <a:fillRect/>
+          </a:stretch>
+        </p:blipFill>
+        <p:spPr>
+          <a:xfrm>
+            <a:off x="0" y="4375150"/>
+            <a:ext cx="12188825" cy="2482850"/>
+          </a:xfrm>
+          <a:prstGeom prst="rect">
+            <a:avLst/>
+          </a:prstGeom>
+        </p:spPr>
+      </p:pic>
+      <p:sp>
+        <p:nvSpPr>
+          <p:cNvPr id="2" name="Title 1"/>
+          <p:cNvSpPr>
+            <a:spLocks noGrp="1"/>
+          </p:cNvSpPr>
+          <p:nvPr>
+            <p:ph type="title"/>
+          </p:nvPr>
+        </p:nvSpPr>
+        <p:spPr>
+          <a:xfrm>
+            <a:off x="1024228" y="1124702"/>
+            <a:ext cx="10143544" cy="2511835"/>
+          </a:xfrm>
+        </p:spPr>
+        <p:txBody>
+          <a:bodyPr anchor="b"/>
+          <a:lstStyle>
+            <a:lvl1pPr algn="l">
+              <a:defRPr sz="3199"/>
+            </a:lvl1pPr>
+          </a:lstStyle>
+          <a:p>
+            <a:r>
+              <a:rPr lang="en-US"/>
+              <a:t>Click to edit Master title style</a:t>
+            </a:r>
+            <a:endParaRPr lang="en-US" dirty="0"/>
+          </a:p>
+        </p:txBody>
+      </p:sp>
+      <p:sp>
+        <p:nvSpPr>
+          <p:cNvPr id="4" name="Text Placeholder 3"/>
+          <p:cNvSpPr>
+            <a:spLocks noGrp="1"/>
+          </p:cNvSpPr>
+          <p:nvPr>
+            <p:ph type="body" sz="half" idx="2"/>
+          </p:nvPr>
+        </p:nvSpPr>
+        <p:spPr>
+          <a:xfrm>
+            <a:off x="1024200" y="3648316"/>
+            <a:ext cx="10142012" cy="999885"/>
+          </a:xfrm>
+        </p:spPr>
+        <p:txBody>
+          <a:bodyPr anchor="t"/>
+          <a:lstStyle>
+            <a:lvl1pPr marL="0" indent="0">
+              <a:buNone/>
+              <a:defRPr sz="1600"/>
+            </a:lvl1pPr>
+            <a:lvl2pPr marL="457063" indent="0">
+              <a:buNone/>
+              <a:defRPr sz="1400"/>
+            </a:lvl2pPr>
+            <a:lvl3pPr marL="914126" indent="0">
+              <a:buNone/>
+              <a:defRPr sz="1200"/>
+            </a:lvl3pPr>
+            <a:lvl4pPr marL="1371189" indent="0">
+              <a:buNone/>
+              <a:defRPr sz="1000"/>
+            </a:lvl4pPr>
+            <a:lvl5pPr marL="1828251" indent="0">
+              <a:buNone/>
+              <a:defRPr sz="1000"/>
+            </a:lvl5pPr>
+            <a:lvl6pPr marL="2285314" indent="0">
+              <a:buNone/>
+              <a:defRPr sz="1000"/>
+            </a:lvl6pPr>
+            <a:lvl7pPr marL="2742377" indent="0">
+              <a:buNone/>
+              <a:defRPr sz="1000"/>
+            </a:lvl7pPr>
+            <a:lvl8pPr marL="3199440" indent="0">
+              <a:buNone/>
+              <a:defRPr sz="1000"/>
+            </a:lvl8pPr>
+            <a:lvl9pPr marL="3656503" indent="0">
+              <a:buNone/>
+              <a:defRPr sz="1000"/>
+            </a:lvl9pPr>
+          </a:lstStyle>
+          <a:p>
+            <a:pPr lvl="0"/>
+            <a:r>
+              <a:rPr lang="en-US"/>
+              <a:t>Edit Master text styles</a:t>
+            </a:r>
+          </a:p>
+        </p:txBody>
+      </p:sp>
+      <p:sp>
+        <p:nvSpPr>
+          <p:cNvPr id="5" name="Date Placeholder 4"/>
+          <p:cNvSpPr>
+            <a:spLocks noGrp="1"/>
+          </p:cNvSpPr>
+          <p:nvPr>
+            <p:ph type="dt" sz="half" idx="10"/>
+          </p:nvPr>
+        </p:nvSpPr>
+        <p:spPr>
+          <a:xfrm>
+            <a:off x="7812417" y="378884"/>
+            <a:ext cx="2910082" cy="365125"/>
+          </a:xfrm>
+        </p:spPr>
+        <p:txBody>
+          <a:bodyPr/>
+          <a:lstStyle>
+            <a:lvl1pPr algn="r">
+              <a:defRPr/>
+            </a:lvl1pPr>
+          </a:lstStyle>
+          <a:p>
+            <a:fld id="{03F41C87-7AD9-4845-A077-840E4A0F3F06}" type="datetimeFigureOut">
+              <a:rPr lang="en-US" smtClean="0"/>
+              <a:pPr/>
+              <a:t>3/10/2017</a:t>
+            </a:fld>
+            <a:endParaRPr lang="en-US"/>
+          </a:p>
+        </p:txBody>
+      </p:sp>
+      <p:sp>
+        <p:nvSpPr>
+          <p:cNvPr id="6" name="Footer Placeholder 5"/>
+          <p:cNvSpPr>
+            <a:spLocks noGrp="1"/>
+          </p:cNvSpPr>
+          <p:nvPr>
+            <p:ph type="ftr" sz="quarter" idx="11"/>
+          </p:nvPr>
+        </p:nvSpPr>
+        <p:spPr>
+          <a:xfrm>
+            <a:off x="685622" y="378884"/>
+            <a:ext cx="6989671" cy="365125"/>
+          </a:xfrm>
+        </p:spPr>
+        <p:txBody>
+          <a:bodyPr/>
+          <a:lstStyle/>
+          <a:p>
+            <a:endParaRPr lang="en-US" dirty="0"/>
+          </a:p>
+        </p:txBody>
+      </p:sp>
+      <p:sp>
+        <p:nvSpPr>
+          <p:cNvPr id="7" name="Slide Number Placeholder 6"/>
+          <p:cNvSpPr>
+            <a:spLocks noGrp="1"/>
+          </p:cNvSpPr>
+          <p:nvPr>
+            <p:ph type="sldNum" sz="quarter" idx="12"/>
+          </p:nvPr>
+        </p:nvSpPr>
+        <p:spPr>
+          <a:xfrm>
+            <a:off x="10859623" y="381001"/>
+            <a:ext cx="643580" cy="365125"/>
+          </a:xfrm>
+        </p:spPr>
+        <p:txBody>
+          <a:bodyPr/>
+          <a:lstStyle/>
+          <a:p>
+            <a:fld id="{2A013F82-EE5E-44EE-A61D-E31C6657F26F}" type="slidenum">
+              <a:rPr lang="en-US" smtClean="0"/>
+              <a:pPr/>
+              <a:t>‹#›</a:t>
+            </a:fld>
+            <a:endParaRPr lang="en-US"/>
+          </a:p>
+        </p:txBody>
+      </p:sp>
+    </p:spTree>
+    <p:extLst>
+      <p:ext uri="{BB962C8B-B14F-4D97-AF65-F5344CB8AC3E}">
+        <p14:creationId xmlns:p14="http://schemas.microsoft.com/office/powerpoint/2010/main" val="1863987919"/>
+      </p:ext>
+    </p:extLst>
+  </p:cSld>
+  <p:clrMapOvr>
+    <a:masterClrMapping/>
+  </p:clrMapOvr>
+</p:sldLayout>
+</file>
+
+<file path=ppt/slideLayouts/slideLayout14.xml><?xml version="1.0" encoding="utf-8"?>
+<p:sldLayout xmlns:a="http://schemas.openxmlformats.org/drawingml/2006/main" xmlns:r="http://schemas.openxmlformats.org/officeDocument/2006/relationships" xmlns:p="http://schemas.openxmlformats.org/presentationml/2006/main" preserve="1">
+  <p:cSld name="3 Column">
+    <p:spTree>
+      <p:nvGrpSpPr>
+        <p:cNvPr id="1" name=""/>
+        <p:cNvGrpSpPr/>
+        <p:nvPr/>
+      </p:nvGrpSpPr>
+      <p:grpSpPr>
+        <a:xfrm>
+          <a:off x="0" y="0"/>
+          <a:ext cx="0" cy="0"/>
+          <a:chOff x="0" y="0"/>
+          <a:chExt cx="0" cy="0"/>
+        </a:xfrm>
+      </p:grpSpPr>
+      <p:sp>
+        <p:nvSpPr>
+          <p:cNvPr id="15" name="Title 1"/>
+          <p:cNvSpPr>
+            <a:spLocks noGrp="1"/>
+          </p:cNvSpPr>
+          <p:nvPr>
+            <p:ph type="title"/>
+          </p:nvPr>
+        </p:nvSpPr>
+        <p:spPr>
+          <a:xfrm>
+            <a:off x="2894846" y="762000"/>
+            <a:ext cx="8608357" cy="1303867"/>
+          </a:xfrm>
+        </p:spPr>
+        <p:txBody>
+          <a:bodyPr/>
+          <a:lstStyle/>
+          <a:p>
+            <a:r>
+              <a:rPr lang="en-US"/>
+              <a:t>Click to edit Master title style</a:t>
+            </a:r>
+            <a:endParaRPr lang="en-US" dirty="0"/>
+          </a:p>
+        </p:txBody>
+      </p:sp>
+      <p:sp>
+        <p:nvSpPr>
+          <p:cNvPr id="7" name="Text Placeholder 2"/>
+          <p:cNvSpPr>
+            <a:spLocks noGrp="1"/>
+          </p:cNvSpPr>
+          <p:nvPr>
+            <p:ph type="body" idx="1"/>
+          </p:nvPr>
+        </p:nvSpPr>
+        <p:spPr>
+          <a:xfrm>
+            <a:off x="685621" y="2202080"/>
+            <a:ext cx="3455532" cy="617320"/>
+          </a:xfrm>
+        </p:spPr>
+        <p:txBody>
+          <a:bodyPr anchor="b">
+            <a:noAutofit/>
+          </a:bodyPr>
+          <a:lstStyle>
+            <a:lvl1pPr marL="0" indent="0">
+              <a:buNone/>
+              <a:defRPr sz="2399" b="0">
+                <a:solidFill>
+                  <a:schemeClr val="tx1"/>
+                </a:solidFill>
+              </a:defRPr>
+            </a:lvl1pPr>
+            <a:lvl2pPr marL="457063" indent="0">
+              <a:buNone/>
+              <a:defRPr sz="1999" b="1"/>
+            </a:lvl2pPr>
+            <a:lvl3pPr marL="914126" indent="0">
+              <a:buNone/>
+              <a:defRPr sz="1799" b="1"/>
+            </a:lvl3pPr>
+            <a:lvl4pPr marL="1371189" indent="0">
+              <a:buNone/>
+              <a:defRPr sz="1600" b="1"/>
+            </a:lvl4pPr>
+            <a:lvl5pPr marL="1828251" indent="0">
+              <a:buNone/>
+              <a:defRPr sz="1600" b="1"/>
+            </a:lvl5pPr>
+            <a:lvl6pPr marL="2285314" indent="0">
+              <a:buNone/>
+              <a:defRPr sz="1600" b="1"/>
+            </a:lvl6pPr>
+            <a:lvl7pPr marL="2742377" indent="0">
+              <a:buNone/>
+              <a:defRPr sz="1600" b="1"/>
+            </a:lvl7pPr>
+            <a:lvl8pPr marL="3199440" indent="0">
+              <a:buNone/>
+              <a:defRPr sz="1600" b="1"/>
+            </a:lvl8pPr>
+            <a:lvl9pPr marL="3656503" indent="0">
+              <a:buNone/>
+              <a:defRPr sz="1600" b="1"/>
+            </a:lvl9pPr>
+          </a:lstStyle>
+          <a:p>
+            <a:pPr lvl="0"/>
+            <a:r>
+              <a:rPr lang="en-US"/>
+              <a:t>Edit Master text styles</a:t>
+            </a:r>
+          </a:p>
+        </p:txBody>
+      </p:sp>
+      <p:sp>
+        <p:nvSpPr>
+          <p:cNvPr id="8" name="Text Placeholder 3"/>
+          <p:cNvSpPr>
+            <a:spLocks noGrp="1"/>
+          </p:cNvSpPr>
+          <p:nvPr>
+            <p:ph type="body" sz="half" idx="15"/>
+          </p:nvPr>
+        </p:nvSpPr>
+        <p:spPr>
+          <a:xfrm>
+            <a:off x="685620" y="2904565"/>
+            <a:ext cx="3455532" cy="3314132"/>
+          </a:xfrm>
+        </p:spPr>
+        <p:txBody>
+          <a:bodyPr anchor="t">
+            <a:normAutofit/>
+          </a:bodyPr>
+          <a:lstStyle>
+            <a:lvl1pPr marL="0" indent="0">
+              <a:buNone/>
+              <a:defRPr sz="1400"/>
+            </a:lvl1pPr>
+            <a:lvl2pPr marL="457063" indent="0">
+              <a:buNone/>
+              <a:defRPr sz="1200"/>
+            </a:lvl2pPr>
+            <a:lvl3pPr marL="914126" indent="0">
+              <a:buNone/>
+              <a:defRPr sz="1000"/>
+            </a:lvl3pPr>
+            <a:lvl4pPr marL="1371189" indent="0">
+              <a:buNone/>
+              <a:defRPr sz="900"/>
+            </a:lvl4pPr>
+            <a:lvl5pPr marL="1828251" indent="0">
+              <a:buNone/>
+              <a:defRPr sz="900"/>
+            </a:lvl5pPr>
+            <a:lvl6pPr marL="2285314" indent="0">
+              <a:buNone/>
+              <a:defRPr sz="900"/>
+            </a:lvl6pPr>
+            <a:lvl7pPr marL="2742377" indent="0">
+              <a:buNone/>
+              <a:defRPr sz="900"/>
+            </a:lvl7pPr>
+            <a:lvl8pPr marL="3199440" indent="0">
+              <a:buNone/>
+              <a:defRPr sz="900"/>
+            </a:lvl8pPr>
+            <a:lvl9pPr marL="3656503" indent="0">
+              <a:buNone/>
+              <a:defRPr sz="900"/>
+            </a:lvl9pPr>
+          </a:lstStyle>
+          <a:p>
+            <a:pPr lvl="0"/>
+            <a:r>
+              <a:rPr lang="en-US"/>
+              <a:t>Edit Master text styles</a:t>
+            </a:r>
+          </a:p>
+        </p:txBody>
+      </p:sp>
+      <p:sp>
+        <p:nvSpPr>
+          <p:cNvPr id="9" name="Text Placeholder 4"/>
+          <p:cNvSpPr>
+            <a:spLocks noGrp="1"/>
+          </p:cNvSpPr>
+          <p:nvPr>
+            <p:ph type="body" sz="quarter" idx="3"/>
+          </p:nvPr>
+        </p:nvSpPr>
+        <p:spPr>
+          <a:xfrm>
+            <a:off x="4367662" y="2201333"/>
+            <a:ext cx="3455532" cy="626534"/>
+          </a:xfrm>
+        </p:spPr>
+        <p:txBody>
+          <a:bodyPr anchor="b">
+            <a:noAutofit/>
+          </a:bodyPr>
+          <a:lstStyle>
+            <a:lvl1pPr marL="0" indent="0">
+              <a:buNone/>
+              <a:defRPr sz="2399" b="0">
+                <a:solidFill>
+                  <a:schemeClr val="tx1"/>
+                </a:solidFill>
+              </a:defRPr>
+            </a:lvl1pPr>
+            <a:lvl2pPr marL="457063" indent="0">
+              <a:buNone/>
+              <a:defRPr sz="1999" b="1"/>
+            </a:lvl2pPr>
+            <a:lvl3pPr marL="914126" indent="0">
+              <a:buNone/>
+              <a:defRPr sz="1799" b="1"/>
+            </a:lvl3pPr>
+            <a:lvl4pPr marL="1371189" indent="0">
+              <a:buNone/>
+              <a:defRPr sz="1600" b="1"/>
+            </a:lvl4pPr>
+            <a:lvl5pPr marL="1828251" indent="0">
+              <a:buNone/>
+              <a:defRPr sz="1600" b="1"/>
+            </a:lvl5pPr>
+            <a:lvl6pPr marL="2285314" indent="0">
+              <a:buNone/>
+              <a:defRPr sz="1600" b="1"/>
+            </a:lvl6pPr>
+            <a:lvl7pPr marL="2742377" indent="0">
+              <a:buNone/>
+              <a:defRPr sz="1600" b="1"/>
+            </a:lvl7pPr>
+            <a:lvl8pPr marL="3199440" indent="0">
+              <a:buNone/>
+              <a:defRPr sz="1600" b="1"/>
+            </a:lvl8pPr>
+            <a:lvl9pPr marL="3656503" indent="0">
+              <a:buNone/>
+              <a:defRPr sz="1600" b="1"/>
+            </a:lvl9pPr>
+          </a:lstStyle>
+          <a:p>
+            <a:pPr lvl="0"/>
+            <a:r>
+              <a:rPr lang="en-US"/>
+              <a:t>Edit Master text styles</a:t>
+            </a:r>
+          </a:p>
+        </p:txBody>
+      </p:sp>
+      <p:sp>
+        <p:nvSpPr>
+          <p:cNvPr id="10" name="Text Placeholder 3"/>
+          <p:cNvSpPr>
+            <a:spLocks noGrp="1"/>
+          </p:cNvSpPr>
+          <p:nvPr>
+            <p:ph type="body" sz="half" idx="16"/>
+          </p:nvPr>
+        </p:nvSpPr>
+        <p:spPr>
+          <a:xfrm>
+            <a:off x="4365721" y="2904067"/>
+            <a:ext cx="3455532" cy="3314618"/>
+          </a:xfrm>
+        </p:spPr>
+        <p:txBody>
+          <a:bodyPr anchor="t">
+            <a:normAutofit/>
+          </a:bodyPr>
+          <a:lstStyle>
+            <a:lvl1pPr marL="0" indent="0">
+              <a:buNone/>
+              <a:defRPr sz="1400"/>
+            </a:lvl1pPr>
+            <a:lvl2pPr marL="457063" indent="0">
+              <a:buNone/>
+              <a:defRPr sz="1200"/>
+            </a:lvl2pPr>
+            <a:lvl3pPr marL="914126" indent="0">
+              <a:buNone/>
+              <a:defRPr sz="1000"/>
+            </a:lvl3pPr>
+            <a:lvl4pPr marL="1371189" indent="0">
+              <a:buNone/>
+              <a:defRPr sz="900"/>
+            </a:lvl4pPr>
+            <a:lvl5pPr marL="1828251" indent="0">
+              <a:buNone/>
+              <a:defRPr sz="900"/>
+            </a:lvl5pPr>
+            <a:lvl6pPr marL="2285314" indent="0">
+              <a:buNone/>
+              <a:defRPr sz="900"/>
+            </a:lvl6pPr>
+            <a:lvl7pPr marL="2742377" indent="0">
+              <a:buNone/>
+              <a:defRPr sz="900"/>
+            </a:lvl7pPr>
+            <a:lvl8pPr marL="3199440" indent="0">
+              <a:buNone/>
+              <a:defRPr sz="900"/>
+            </a:lvl8pPr>
+            <a:lvl9pPr marL="3656503" indent="0">
+              <a:buNone/>
+              <a:defRPr sz="900"/>
+            </a:lvl9pPr>
+          </a:lstStyle>
+          <a:p>
+            <a:pPr lvl="0"/>
+            <a:r>
+              <a:rPr lang="en-US"/>
+              <a:t>Edit Master text styles</a:t>
+            </a:r>
+          </a:p>
+        </p:txBody>
+      </p:sp>
+      <p:sp>
+        <p:nvSpPr>
+          <p:cNvPr id="11" name="Text Placeholder 4"/>
+          <p:cNvSpPr>
+            <a:spLocks noGrp="1"/>
+          </p:cNvSpPr>
+          <p:nvPr>
+            <p:ph type="body" sz="quarter" idx="13"/>
+          </p:nvPr>
+        </p:nvSpPr>
+        <p:spPr>
+          <a:xfrm>
+            <a:off x="8049703" y="2192866"/>
+            <a:ext cx="3455532" cy="626534"/>
+          </a:xfrm>
+        </p:spPr>
+        <p:txBody>
+          <a:bodyPr anchor="b">
+            <a:noAutofit/>
+          </a:bodyPr>
+          <a:lstStyle>
+            <a:lvl1pPr marL="0" indent="0">
+              <a:buNone/>
+              <a:defRPr sz="2399" b="0">
+                <a:solidFill>
+                  <a:schemeClr val="tx1"/>
+                </a:solidFill>
+              </a:defRPr>
+            </a:lvl1pPr>
+            <a:lvl2pPr marL="457063" indent="0">
+              <a:buNone/>
+              <a:defRPr sz="1999" b="1"/>
+            </a:lvl2pPr>
+            <a:lvl3pPr marL="914126" indent="0">
+              <a:buNone/>
+              <a:defRPr sz="1799" b="1"/>
+            </a:lvl3pPr>
+            <a:lvl4pPr marL="1371189" indent="0">
+              <a:buNone/>
+              <a:defRPr sz="1600" b="1"/>
+            </a:lvl4pPr>
+            <a:lvl5pPr marL="1828251" indent="0">
+              <a:buNone/>
+              <a:defRPr sz="1600" b="1"/>
+            </a:lvl5pPr>
+            <a:lvl6pPr marL="2285314" indent="0">
+              <a:buNone/>
+              <a:defRPr sz="1600" b="1"/>
+            </a:lvl6pPr>
+            <a:lvl7pPr marL="2742377" indent="0">
+              <a:buNone/>
+              <a:defRPr sz="1600" b="1"/>
+            </a:lvl7pPr>
+            <a:lvl8pPr marL="3199440" indent="0">
+              <a:buNone/>
+              <a:defRPr sz="1600" b="1"/>
+            </a:lvl8pPr>
+            <a:lvl9pPr marL="3656503" indent="0">
+              <a:buNone/>
+              <a:defRPr sz="1600" b="1"/>
+            </a:lvl9pPr>
+          </a:lstStyle>
+          <a:p>
+            <a:pPr lvl="0"/>
+            <a:r>
+              <a:rPr lang="en-US"/>
+              <a:t>Edit Master text styles</a:t>
+            </a:r>
+          </a:p>
+        </p:txBody>
+      </p:sp>
+      <p:sp>
+        <p:nvSpPr>
+          <p:cNvPr id="12" name="Text Placeholder 3"/>
+          <p:cNvSpPr>
+            <a:spLocks noGrp="1"/>
+          </p:cNvSpPr>
+          <p:nvPr>
+            <p:ph type="body" sz="half" idx="17"/>
+          </p:nvPr>
+        </p:nvSpPr>
+        <p:spPr>
+          <a:xfrm>
+            <a:off x="8049704" y="2904565"/>
+            <a:ext cx="3455532" cy="3314132"/>
+          </a:xfrm>
+        </p:spPr>
+        <p:txBody>
+          <a:bodyPr anchor="t">
+            <a:normAutofit/>
+          </a:bodyPr>
+          <a:lstStyle>
+            <a:lvl1pPr marL="0" indent="0">
+              <a:buNone/>
+              <a:defRPr sz="1400"/>
+            </a:lvl1pPr>
+            <a:lvl2pPr marL="457063" indent="0">
+              <a:buNone/>
+              <a:defRPr sz="1200"/>
+            </a:lvl2pPr>
+            <a:lvl3pPr marL="914126" indent="0">
+              <a:buNone/>
+              <a:defRPr sz="1000"/>
+            </a:lvl3pPr>
+            <a:lvl4pPr marL="1371189" indent="0">
+              <a:buNone/>
+              <a:defRPr sz="900"/>
+            </a:lvl4pPr>
+            <a:lvl5pPr marL="1828251" indent="0">
+              <a:buNone/>
+              <a:defRPr sz="900"/>
+            </a:lvl5pPr>
+            <a:lvl6pPr marL="2285314" indent="0">
+              <a:buNone/>
+              <a:defRPr sz="900"/>
+            </a:lvl6pPr>
+            <a:lvl7pPr marL="2742377" indent="0">
+              <a:buNone/>
+              <a:defRPr sz="900"/>
+            </a:lvl7pPr>
+            <a:lvl8pPr marL="3199440" indent="0">
+              <a:buNone/>
+              <a:defRPr sz="900"/>
+            </a:lvl8pPr>
+            <a:lvl9pPr marL="3656503" indent="0">
+              <a:buNone/>
+              <a:defRPr sz="900"/>
+            </a:lvl9pPr>
+          </a:lstStyle>
+          <a:p>
+            <a:pPr lvl="0"/>
+            <a:r>
+              <a:rPr lang="en-US"/>
+              <a:t>Edit Master text styles</a:t>
+            </a:r>
+          </a:p>
+        </p:txBody>
+      </p:sp>
+      <p:sp>
+        <p:nvSpPr>
+          <p:cNvPr id="3" name="Date Placeholder 2"/>
+          <p:cNvSpPr>
+            <a:spLocks noGrp="1"/>
+          </p:cNvSpPr>
+          <p:nvPr>
+            <p:ph type="dt" sz="half" idx="10"/>
+          </p:nvPr>
+        </p:nvSpPr>
+        <p:spPr/>
+        <p:txBody>
+          <a:bodyPr/>
+          <a:lstStyle/>
+          <a:p>
+            <a:fld id="{03F41C87-7AD9-4845-A077-840E4A0F3F06}" type="datetimeFigureOut">
+              <a:rPr lang="en-US" smtClean="0"/>
+              <a:pPr/>
+              <a:t>3/10/2017</a:t>
+            </a:fld>
+            <a:endParaRPr lang="en-US"/>
+          </a:p>
+        </p:txBody>
+      </p:sp>
+      <p:sp>
+        <p:nvSpPr>
+          <p:cNvPr id="4" name="Footer Placeholder 3"/>
+          <p:cNvSpPr>
+            <a:spLocks noGrp="1"/>
+          </p:cNvSpPr>
+          <p:nvPr>
+            <p:ph type="ftr" sz="quarter" idx="11"/>
+          </p:nvPr>
+        </p:nvSpPr>
+        <p:spPr/>
+        <p:txBody>
+          <a:bodyPr/>
+          <a:lstStyle/>
+          <a:p>
+            <a:endParaRPr lang="en-US" dirty="0"/>
+          </a:p>
+        </p:txBody>
+      </p:sp>
+      <p:sp>
+        <p:nvSpPr>
+          <p:cNvPr id="5" name="Slide Number Placeholder 4"/>
+          <p:cNvSpPr>
+            <a:spLocks noGrp="1"/>
+          </p:cNvSpPr>
+          <p:nvPr>
+            <p:ph type="sldNum" sz="quarter" idx="12"/>
+          </p:nvPr>
+        </p:nvSpPr>
+        <p:spPr/>
+        <p:txBody>
+          <a:bodyPr/>
+          <a:lstStyle/>
+          <a:p>
+            <a:fld id="{2A013F82-EE5E-44EE-A61D-E31C6657F26F}" type="slidenum">
+              <a:rPr lang="en-US" smtClean="0"/>
+              <a:pPr/>
+              <a:t>‹#›</a:t>
+            </a:fld>
+            <a:endParaRPr lang="en-US"/>
+          </a:p>
+        </p:txBody>
+      </p:sp>
+    </p:spTree>
+    <p:extLst>
+      <p:ext uri="{BB962C8B-B14F-4D97-AF65-F5344CB8AC3E}">
+        <p14:creationId xmlns:p14="http://schemas.microsoft.com/office/powerpoint/2010/main" val="1171015086"/>
+      </p:ext>
+    </p:extLst>
+  </p:cSld>
+  <p:clrMapOvr>
+    <a:masterClrMapping/>
+  </p:clrMapOvr>
+</p:sldLayout>
+</file>
+
+<file path=ppt/slideLayouts/slideLayout15.xml><?xml version="1.0" encoding="utf-8"?>
+<p:sldLayout xmlns:a="http://schemas.openxmlformats.org/drawingml/2006/main" xmlns:r="http://schemas.openxmlformats.org/officeDocument/2006/relationships" xmlns:p="http://schemas.openxmlformats.org/presentationml/2006/main" preserve="1">
+  <p:cSld name="3 Picture Column">
+    <p:spTree>
+      <p:nvGrpSpPr>
+        <p:cNvPr id="1" name=""/>
+        <p:cNvGrpSpPr/>
+        <p:nvPr/>
+      </p:nvGrpSpPr>
+      <p:grpSpPr>
+        <a:xfrm>
+          <a:off x="0" y="0"/>
+          <a:ext cx="0" cy="0"/>
+          <a:chOff x="0" y="0"/>
+          <a:chExt cx="0" cy="0"/>
+        </a:xfrm>
+      </p:grpSpPr>
+      <p:sp>
+        <p:nvSpPr>
+          <p:cNvPr id="30" name="Title 1"/>
+          <p:cNvSpPr>
+            <a:spLocks noGrp="1"/>
+          </p:cNvSpPr>
+          <p:nvPr>
+            <p:ph type="title"/>
+          </p:nvPr>
+        </p:nvSpPr>
+        <p:spPr>
+          <a:xfrm>
+            <a:off x="2894846" y="762000"/>
+            <a:ext cx="8608357" cy="1295400"/>
+          </a:xfrm>
+        </p:spPr>
+        <p:txBody>
+          <a:bodyPr/>
+          <a:lstStyle/>
+          <a:p>
+            <a:r>
+              <a:rPr lang="en-US"/>
+              <a:t>Click to edit Master title style</a:t>
+            </a:r>
+            <a:endParaRPr lang="en-US" dirty="0"/>
+          </a:p>
+        </p:txBody>
+      </p:sp>
+      <p:sp>
+        <p:nvSpPr>
+          <p:cNvPr id="19" name="Text Placeholder 2"/>
+          <p:cNvSpPr>
+            <a:spLocks noGrp="1"/>
+          </p:cNvSpPr>
+          <p:nvPr>
+            <p:ph type="body" idx="1"/>
+          </p:nvPr>
+        </p:nvSpPr>
+        <p:spPr>
+          <a:xfrm>
+            <a:off x="688439" y="4191001"/>
+            <a:ext cx="3450683" cy="682765"/>
+          </a:xfrm>
+        </p:spPr>
+        <p:txBody>
+          <a:bodyPr anchor="b">
+            <a:noAutofit/>
+          </a:bodyPr>
+          <a:lstStyle>
+            <a:lvl1pPr marL="0" indent="0">
+              <a:buNone/>
+              <a:defRPr sz="2399" b="0">
+                <a:solidFill>
+                  <a:schemeClr val="tx1"/>
+                </a:solidFill>
+              </a:defRPr>
+            </a:lvl1pPr>
+            <a:lvl2pPr marL="457063" indent="0">
+              <a:buNone/>
+              <a:defRPr sz="1999" b="1"/>
+            </a:lvl2pPr>
+            <a:lvl3pPr marL="914126" indent="0">
+              <a:buNone/>
+              <a:defRPr sz="1799" b="1"/>
+            </a:lvl3pPr>
+            <a:lvl4pPr marL="1371189" indent="0">
+              <a:buNone/>
+              <a:defRPr sz="1600" b="1"/>
+            </a:lvl4pPr>
+            <a:lvl5pPr marL="1828251" indent="0">
+              <a:buNone/>
+              <a:defRPr sz="1600" b="1"/>
+            </a:lvl5pPr>
+            <a:lvl6pPr marL="2285314" indent="0">
+              <a:buNone/>
+              <a:defRPr sz="1600" b="1"/>
+            </a:lvl6pPr>
+            <a:lvl7pPr marL="2742377" indent="0">
+              <a:buNone/>
+              <a:defRPr sz="1600" b="1"/>
+            </a:lvl7pPr>
+            <a:lvl8pPr marL="3199440" indent="0">
+              <a:buNone/>
+              <a:defRPr sz="1600" b="1"/>
+            </a:lvl8pPr>
+            <a:lvl9pPr marL="3656503" indent="0">
+              <a:buNone/>
+              <a:defRPr sz="1600" b="1"/>
+            </a:lvl9pPr>
+          </a:lstStyle>
+          <a:p>
+            <a:pPr lvl="0"/>
+            <a:r>
+              <a:rPr lang="en-US"/>
+              <a:t>Edit Master text styles</a:t>
+            </a:r>
+          </a:p>
+        </p:txBody>
+      </p:sp>
+      <p:sp>
+        <p:nvSpPr>
+          <p:cNvPr id="20" name="Picture Placeholder 2"/>
+          <p:cNvSpPr>
+            <a:spLocks noGrp="1" noChangeAspect="1"/>
+          </p:cNvSpPr>
+          <p:nvPr>
+            <p:ph type="pic" idx="15"/>
+          </p:nvPr>
+        </p:nvSpPr>
+        <p:spPr>
+          <a:xfrm>
+            <a:off x="688439" y="2362200"/>
+            <a:ext cx="3450683" cy="1524000"/>
+          </a:xfrm>
+          <a:prstGeom prst="roundRect">
+            <a:avLst>
+              <a:gd name="adj" fmla="val 0"/>
+            </a:avLst>
+          </a:prstGeom>
+          <a:effectLst>
+            <a:outerShdw blurRad="50800" dist="50800" dir="5400000" algn="tl" rotWithShape="0">
+              <a:srgbClr val="000000">
+                <a:alpha val="43000"/>
+              </a:srgbClr>
+            </a:outerShdw>
+          </a:effectLst>
+        </p:spPr>
+        <p:txBody>
+          <a:bodyPr anchor="t">
+            <a:normAutofit/>
+          </a:bodyPr>
+          <a:lstStyle>
+            <a:lvl1pPr marL="0" indent="0" algn="ctr">
+              <a:buNone/>
+              <a:defRPr sz="1600"/>
+            </a:lvl1pPr>
+            <a:lvl2pPr marL="457063" indent="0">
+              <a:buNone/>
+              <a:defRPr sz="1600"/>
+            </a:lvl2pPr>
+            <a:lvl3pPr marL="914126" indent="0">
+              <a:buNone/>
+              <a:defRPr sz="1600"/>
+            </a:lvl3pPr>
+            <a:lvl4pPr marL="1371189" indent="0">
+              <a:buNone/>
+              <a:defRPr sz="1600"/>
+            </a:lvl4pPr>
+            <a:lvl5pPr marL="1828251" indent="0">
+              <a:buNone/>
+              <a:defRPr sz="1600"/>
+            </a:lvl5pPr>
+            <a:lvl6pPr marL="2285314" indent="0">
+              <a:buNone/>
+              <a:defRPr sz="1600"/>
+            </a:lvl6pPr>
+            <a:lvl7pPr marL="2742377" indent="0">
+              <a:buNone/>
+              <a:defRPr sz="1600"/>
+            </a:lvl7pPr>
+            <a:lvl8pPr marL="3199440" indent="0">
+              <a:buNone/>
+              <a:defRPr sz="1600"/>
+            </a:lvl8pPr>
+            <a:lvl9pPr marL="3656503" indent="0">
+              <a:buNone/>
+              <a:defRPr sz="1600"/>
+            </a:lvl9pPr>
+          </a:lstStyle>
+          <a:p>
+            <a:r>
+              <a:rPr lang="en-US"/>
+              <a:t>Click icon to add picture</a:t>
+            </a:r>
+            <a:endParaRPr lang="en-US" dirty="0"/>
+          </a:p>
+        </p:txBody>
+      </p:sp>
+      <p:sp>
+        <p:nvSpPr>
+          <p:cNvPr id="21" name="Text Placeholder 3"/>
+          <p:cNvSpPr>
+            <a:spLocks noGrp="1"/>
+          </p:cNvSpPr>
+          <p:nvPr>
+            <p:ph type="body" sz="half" idx="18"/>
+          </p:nvPr>
+        </p:nvSpPr>
+        <p:spPr>
+          <a:xfrm>
+            <a:off x="688439" y="4873765"/>
+            <a:ext cx="3450683" cy="1344921"/>
+          </a:xfrm>
+        </p:spPr>
+        <p:txBody>
+          <a:bodyPr anchor="t">
+            <a:normAutofit/>
+          </a:bodyPr>
+          <a:lstStyle>
+            <a:lvl1pPr marL="0" indent="0">
+              <a:buNone/>
+              <a:defRPr sz="1400"/>
+            </a:lvl1pPr>
+            <a:lvl2pPr marL="457063" indent="0">
+              <a:buNone/>
+              <a:defRPr sz="1200"/>
+            </a:lvl2pPr>
+            <a:lvl3pPr marL="914126" indent="0">
+              <a:buNone/>
+              <a:defRPr sz="1000"/>
+            </a:lvl3pPr>
+            <a:lvl4pPr marL="1371189" indent="0">
+              <a:buNone/>
+              <a:defRPr sz="900"/>
+            </a:lvl4pPr>
+            <a:lvl5pPr marL="1828251" indent="0">
+              <a:buNone/>
+              <a:defRPr sz="900"/>
+            </a:lvl5pPr>
+            <a:lvl6pPr marL="2285314" indent="0">
+              <a:buNone/>
+              <a:defRPr sz="900"/>
+            </a:lvl6pPr>
+            <a:lvl7pPr marL="2742377" indent="0">
+              <a:buNone/>
+              <a:defRPr sz="900"/>
+            </a:lvl7pPr>
+            <a:lvl8pPr marL="3199440" indent="0">
+              <a:buNone/>
+              <a:defRPr sz="900"/>
+            </a:lvl8pPr>
+            <a:lvl9pPr marL="3656503" indent="0">
+              <a:buNone/>
+              <a:defRPr sz="900"/>
+            </a:lvl9pPr>
+          </a:lstStyle>
+          <a:p>
+            <a:pPr lvl="0"/>
+            <a:r>
+              <a:rPr lang="en-US"/>
+              <a:t>Edit Master text styles</a:t>
+            </a:r>
+          </a:p>
+        </p:txBody>
+      </p:sp>
+      <p:sp>
+        <p:nvSpPr>
+          <p:cNvPr id="22" name="Text Placeholder 4"/>
+          <p:cNvSpPr>
+            <a:spLocks noGrp="1"/>
+          </p:cNvSpPr>
+          <p:nvPr>
+            <p:ph type="body" sz="quarter" idx="3"/>
+          </p:nvPr>
+        </p:nvSpPr>
+        <p:spPr>
+          <a:xfrm>
+            <a:off x="4373124" y="4191001"/>
+            <a:ext cx="3448037" cy="682765"/>
+          </a:xfrm>
+        </p:spPr>
+        <p:txBody>
+          <a:bodyPr anchor="b">
+            <a:noAutofit/>
+          </a:bodyPr>
+          <a:lstStyle>
+            <a:lvl1pPr marL="0" indent="0">
+              <a:buNone/>
+              <a:defRPr sz="2399" b="0">
+                <a:solidFill>
+                  <a:schemeClr val="tx1"/>
+                </a:solidFill>
+              </a:defRPr>
+            </a:lvl1pPr>
+            <a:lvl2pPr marL="457063" indent="0">
+              <a:buNone/>
+              <a:defRPr sz="1999" b="1"/>
+            </a:lvl2pPr>
+            <a:lvl3pPr marL="914126" indent="0">
+              <a:buNone/>
+              <a:defRPr sz="1799" b="1"/>
+            </a:lvl3pPr>
+            <a:lvl4pPr marL="1371189" indent="0">
+              <a:buNone/>
+              <a:defRPr sz="1600" b="1"/>
+            </a:lvl4pPr>
+            <a:lvl5pPr marL="1828251" indent="0">
+              <a:buNone/>
+              <a:defRPr sz="1600" b="1"/>
+            </a:lvl5pPr>
+            <a:lvl6pPr marL="2285314" indent="0">
+              <a:buNone/>
+              <a:defRPr sz="1600" b="1"/>
+            </a:lvl6pPr>
+            <a:lvl7pPr marL="2742377" indent="0">
+              <a:buNone/>
+              <a:defRPr sz="1600" b="1"/>
+            </a:lvl7pPr>
+            <a:lvl8pPr marL="3199440" indent="0">
+              <a:buNone/>
+              <a:defRPr sz="1600" b="1"/>
+            </a:lvl8pPr>
+            <a:lvl9pPr marL="3656503" indent="0">
+              <a:buNone/>
+              <a:defRPr sz="1600" b="1"/>
+            </a:lvl9pPr>
+          </a:lstStyle>
+          <a:p>
+            <a:pPr lvl="0"/>
+            <a:r>
+              <a:rPr lang="en-US"/>
+              <a:t>Edit Master text styles</a:t>
+            </a:r>
+          </a:p>
+        </p:txBody>
+      </p:sp>
+      <p:sp>
+        <p:nvSpPr>
+          <p:cNvPr id="23" name="Picture Placeholder 2"/>
+          <p:cNvSpPr>
+            <a:spLocks noGrp="1" noChangeAspect="1"/>
+          </p:cNvSpPr>
+          <p:nvPr>
+            <p:ph type="pic" idx="21"/>
+          </p:nvPr>
+        </p:nvSpPr>
+        <p:spPr>
+          <a:xfrm>
+            <a:off x="4373124" y="2362200"/>
+            <a:ext cx="3448038" cy="1524000"/>
+          </a:xfrm>
+          <a:prstGeom prst="roundRect">
+            <a:avLst>
+              <a:gd name="adj" fmla="val 0"/>
+            </a:avLst>
+          </a:prstGeom>
+          <a:effectLst>
+            <a:outerShdw blurRad="50800" dist="50800" dir="5400000" algn="tl" rotWithShape="0">
+              <a:srgbClr val="000000">
+                <a:alpha val="43000"/>
+              </a:srgbClr>
+            </a:outerShdw>
+          </a:effectLst>
+        </p:spPr>
+        <p:txBody>
+          <a:bodyPr anchor="t">
+            <a:normAutofit/>
+          </a:bodyPr>
+          <a:lstStyle>
+            <a:lvl1pPr marL="0" indent="0" algn="ctr">
+              <a:buNone/>
+              <a:defRPr sz="1600"/>
+            </a:lvl1pPr>
+            <a:lvl2pPr marL="457063" indent="0">
+              <a:buNone/>
+              <a:defRPr sz="1600"/>
+            </a:lvl2pPr>
+            <a:lvl3pPr marL="914126" indent="0">
+              <a:buNone/>
+              <a:defRPr sz="1600"/>
+            </a:lvl3pPr>
+            <a:lvl4pPr marL="1371189" indent="0">
+              <a:buNone/>
+              <a:defRPr sz="1600"/>
+            </a:lvl4pPr>
+            <a:lvl5pPr marL="1828251" indent="0">
+              <a:buNone/>
+              <a:defRPr sz="1600"/>
+            </a:lvl5pPr>
+            <a:lvl6pPr marL="2285314" indent="0">
+              <a:buNone/>
+              <a:defRPr sz="1600"/>
+            </a:lvl6pPr>
+            <a:lvl7pPr marL="2742377" indent="0">
+              <a:buNone/>
+              <a:defRPr sz="1600"/>
+            </a:lvl7pPr>
+            <a:lvl8pPr marL="3199440" indent="0">
+              <a:buNone/>
+              <a:defRPr sz="1600"/>
+            </a:lvl8pPr>
+            <a:lvl9pPr marL="3656503" indent="0">
+              <a:buNone/>
+              <a:defRPr sz="1600"/>
+            </a:lvl9pPr>
+          </a:lstStyle>
+          <a:p>
+            <a:r>
+              <a:rPr lang="en-US"/>
+              <a:t>Click icon to add picture</a:t>
+            </a:r>
+            <a:endParaRPr lang="en-US" dirty="0"/>
+          </a:p>
+        </p:txBody>
+      </p:sp>
+      <p:sp>
+        <p:nvSpPr>
+          <p:cNvPr id="24" name="Text Placeholder 3"/>
+          <p:cNvSpPr>
+            <a:spLocks noGrp="1"/>
+          </p:cNvSpPr>
+          <p:nvPr>
+            <p:ph type="body" sz="half" idx="19"/>
+          </p:nvPr>
+        </p:nvSpPr>
+        <p:spPr>
+          <a:xfrm>
+            <a:off x="4373125" y="4873764"/>
+            <a:ext cx="3448037" cy="1344921"/>
+          </a:xfrm>
+        </p:spPr>
+        <p:txBody>
+          <a:bodyPr anchor="t">
+            <a:normAutofit/>
+          </a:bodyPr>
+          <a:lstStyle>
+            <a:lvl1pPr marL="0" indent="0">
+              <a:buNone/>
+              <a:defRPr sz="1400"/>
+            </a:lvl1pPr>
+            <a:lvl2pPr marL="457063" indent="0">
+              <a:buNone/>
+              <a:defRPr sz="1200"/>
+            </a:lvl2pPr>
+            <a:lvl3pPr marL="914126" indent="0">
+              <a:buNone/>
+              <a:defRPr sz="1000"/>
+            </a:lvl3pPr>
+            <a:lvl4pPr marL="1371189" indent="0">
+              <a:buNone/>
+              <a:defRPr sz="900"/>
+            </a:lvl4pPr>
+            <a:lvl5pPr marL="1828251" indent="0">
+              <a:buNone/>
+              <a:defRPr sz="900"/>
+            </a:lvl5pPr>
+            <a:lvl6pPr marL="2285314" indent="0">
+              <a:buNone/>
+              <a:defRPr sz="900"/>
+            </a:lvl6pPr>
+            <a:lvl7pPr marL="2742377" indent="0">
+              <a:buNone/>
+              <a:defRPr sz="900"/>
+            </a:lvl7pPr>
+            <a:lvl8pPr marL="3199440" indent="0">
+              <a:buNone/>
+              <a:defRPr sz="900"/>
+            </a:lvl8pPr>
+            <a:lvl9pPr marL="3656503" indent="0">
+              <a:buNone/>
+              <a:defRPr sz="900"/>
+            </a:lvl9pPr>
+          </a:lstStyle>
+          <a:p>
+            <a:pPr lvl="0"/>
+            <a:r>
+              <a:rPr lang="en-US"/>
+              <a:t>Edit Master text styles</a:t>
+            </a:r>
+          </a:p>
+        </p:txBody>
+      </p:sp>
+      <p:sp>
+        <p:nvSpPr>
+          <p:cNvPr id="25" name="Text Placeholder 4"/>
+          <p:cNvSpPr>
+            <a:spLocks noGrp="1"/>
+          </p:cNvSpPr>
+          <p:nvPr>
+            <p:ph type="body" sz="quarter" idx="13"/>
+          </p:nvPr>
+        </p:nvSpPr>
+        <p:spPr>
+          <a:xfrm>
+            <a:off x="8047635" y="4191001"/>
+            <a:ext cx="3455569" cy="682765"/>
+          </a:xfrm>
+        </p:spPr>
+        <p:txBody>
+          <a:bodyPr anchor="b">
+            <a:noAutofit/>
+          </a:bodyPr>
+          <a:lstStyle>
+            <a:lvl1pPr marL="0" indent="0">
+              <a:buNone/>
+              <a:defRPr sz="2399" b="0">
+                <a:solidFill>
+                  <a:schemeClr val="tx1"/>
+                </a:solidFill>
+              </a:defRPr>
+            </a:lvl1pPr>
+            <a:lvl2pPr marL="457063" indent="0">
+              <a:buNone/>
+              <a:defRPr sz="1999" b="1"/>
+            </a:lvl2pPr>
+            <a:lvl3pPr marL="914126" indent="0">
+              <a:buNone/>
+              <a:defRPr sz="1799" b="1"/>
+            </a:lvl3pPr>
+            <a:lvl4pPr marL="1371189" indent="0">
+              <a:buNone/>
+              <a:defRPr sz="1600" b="1"/>
+            </a:lvl4pPr>
+            <a:lvl5pPr marL="1828251" indent="0">
+              <a:buNone/>
+              <a:defRPr sz="1600" b="1"/>
+            </a:lvl5pPr>
+            <a:lvl6pPr marL="2285314" indent="0">
+              <a:buNone/>
+              <a:defRPr sz="1600" b="1"/>
+            </a:lvl6pPr>
+            <a:lvl7pPr marL="2742377" indent="0">
+              <a:buNone/>
+              <a:defRPr sz="1600" b="1"/>
+            </a:lvl7pPr>
+            <a:lvl8pPr marL="3199440" indent="0">
+              <a:buNone/>
+              <a:defRPr sz="1600" b="1"/>
+            </a:lvl8pPr>
+            <a:lvl9pPr marL="3656503" indent="0">
+              <a:buNone/>
+              <a:defRPr sz="1600" b="1"/>
+            </a:lvl9pPr>
+          </a:lstStyle>
+          <a:p>
+            <a:pPr lvl="0"/>
+            <a:r>
+              <a:rPr lang="en-US"/>
+              <a:t>Edit Master text styles</a:t>
+            </a:r>
+          </a:p>
+        </p:txBody>
+      </p:sp>
+      <p:sp>
+        <p:nvSpPr>
+          <p:cNvPr id="26" name="Picture Placeholder 2"/>
+          <p:cNvSpPr>
+            <a:spLocks noGrp="1" noChangeAspect="1"/>
+          </p:cNvSpPr>
+          <p:nvPr>
+            <p:ph type="pic" idx="22"/>
+          </p:nvPr>
+        </p:nvSpPr>
+        <p:spPr>
+          <a:xfrm>
+            <a:off x="8047759" y="2362200"/>
+            <a:ext cx="3446980" cy="1524000"/>
+          </a:xfrm>
+          <a:prstGeom prst="roundRect">
+            <a:avLst>
+              <a:gd name="adj" fmla="val 0"/>
+            </a:avLst>
+          </a:prstGeom>
+          <a:effectLst>
+            <a:outerShdw blurRad="50800" dist="50800" dir="5400000" algn="tl" rotWithShape="0">
+              <a:srgbClr val="000000">
+                <a:alpha val="43000"/>
+              </a:srgbClr>
+            </a:outerShdw>
+          </a:effectLst>
+        </p:spPr>
+        <p:txBody>
+          <a:bodyPr anchor="t">
+            <a:normAutofit/>
+          </a:bodyPr>
+          <a:lstStyle>
+            <a:lvl1pPr marL="0" indent="0" algn="ctr">
+              <a:buNone/>
+              <a:defRPr sz="1600"/>
+            </a:lvl1pPr>
+            <a:lvl2pPr marL="457063" indent="0">
+              <a:buNone/>
+              <a:defRPr sz="1600"/>
+            </a:lvl2pPr>
+            <a:lvl3pPr marL="914126" indent="0">
+              <a:buNone/>
+              <a:defRPr sz="1600"/>
+            </a:lvl3pPr>
+            <a:lvl4pPr marL="1371189" indent="0">
+              <a:buNone/>
+              <a:defRPr sz="1600"/>
+            </a:lvl4pPr>
+            <a:lvl5pPr marL="1828251" indent="0">
+              <a:buNone/>
+              <a:defRPr sz="1600"/>
+            </a:lvl5pPr>
+            <a:lvl6pPr marL="2285314" indent="0">
+              <a:buNone/>
+              <a:defRPr sz="1600"/>
+            </a:lvl6pPr>
+            <a:lvl7pPr marL="2742377" indent="0">
+              <a:buNone/>
+              <a:defRPr sz="1600"/>
+            </a:lvl7pPr>
+            <a:lvl8pPr marL="3199440" indent="0">
+              <a:buNone/>
+              <a:defRPr sz="1600"/>
+            </a:lvl8pPr>
+            <a:lvl9pPr marL="3656503" indent="0">
+              <a:buNone/>
+              <a:defRPr sz="1600"/>
+            </a:lvl9pPr>
+          </a:lstStyle>
+          <a:p>
+            <a:r>
+              <a:rPr lang="en-US"/>
+              <a:t>Click icon to add picture</a:t>
+            </a:r>
+            <a:endParaRPr lang="en-US" dirty="0"/>
+          </a:p>
+        </p:txBody>
+      </p:sp>
+      <p:sp>
+        <p:nvSpPr>
+          <p:cNvPr id="27" name="Text Placeholder 3"/>
+          <p:cNvSpPr>
+            <a:spLocks noGrp="1"/>
+          </p:cNvSpPr>
+          <p:nvPr>
+            <p:ph type="body" sz="half" idx="20"/>
+          </p:nvPr>
+        </p:nvSpPr>
+        <p:spPr>
+          <a:xfrm>
+            <a:off x="8047635" y="4873762"/>
+            <a:ext cx="3451546" cy="1344921"/>
+          </a:xfrm>
+        </p:spPr>
+        <p:txBody>
+          <a:bodyPr anchor="t">
+            <a:normAutofit/>
+          </a:bodyPr>
+          <a:lstStyle>
+            <a:lvl1pPr marL="0" indent="0">
+              <a:buNone/>
+              <a:defRPr sz="1400"/>
+            </a:lvl1pPr>
+            <a:lvl2pPr marL="457063" indent="0">
+              <a:buNone/>
+              <a:defRPr sz="1200"/>
+            </a:lvl2pPr>
+            <a:lvl3pPr marL="914126" indent="0">
+              <a:buNone/>
+              <a:defRPr sz="1000"/>
+            </a:lvl3pPr>
+            <a:lvl4pPr marL="1371189" indent="0">
+              <a:buNone/>
+              <a:defRPr sz="900"/>
+            </a:lvl4pPr>
+            <a:lvl5pPr marL="1828251" indent="0">
+              <a:buNone/>
+              <a:defRPr sz="900"/>
+            </a:lvl5pPr>
+            <a:lvl6pPr marL="2285314" indent="0">
+              <a:buNone/>
+              <a:defRPr sz="900"/>
+            </a:lvl6pPr>
+            <a:lvl7pPr marL="2742377" indent="0">
+              <a:buNone/>
+              <a:defRPr sz="900"/>
+            </a:lvl7pPr>
+            <a:lvl8pPr marL="3199440" indent="0">
+              <a:buNone/>
+              <a:defRPr sz="900"/>
+            </a:lvl8pPr>
+            <a:lvl9pPr marL="3656503" indent="0">
+              <a:buNone/>
+              <a:defRPr sz="900"/>
+            </a:lvl9pPr>
+          </a:lstStyle>
+          <a:p>
+            <a:pPr lvl="0"/>
+            <a:r>
+              <a:rPr lang="en-US"/>
+              <a:t>Edit Master text styles</a:t>
+            </a:r>
+          </a:p>
+        </p:txBody>
+      </p:sp>
+      <p:sp>
+        <p:nvSpPr>
+          <p:cNvPr id="3" name="Date Placeholder 2"/>
+          <p:cNvSpPr>
+            <a:spLocks noGrp="1"/>
+          </p:cNvSpPr>
+          <p:nvPr>
+            <p:ph type="dt" sz="half" idx="10"/>
+          </p:nvPr>
+        </p:nvSpPr>
+        <p:spPr/>
+        <p:txBody>
+          <a:bodyPr/>
+          <a:lstStyle/>
+          <a:p>
+            <a:fld id="{03F41C87-7AD9-4845-A077-840E4A0F3F06}" type="datetimeFigureOut">
+              <a:rPr lang="en-US" smtClean="0"/>
+              <a:pPr/>
+              <a:t>3/10/2017</a:t>
+            </a:fld>
+            <a:endParaRPr lang="en-US"/>
+          </a:p>
+        </p:txBody>
+      </p:sp>
+      <p:sp>
+        <p:nvSpPr>
+          <p:cNvPr id="4" name="Footer Placeholder 3"/>
+          <p:cNvSpPr>
+            <a:spLocks noGrp="1"/>
+          </p:cNvSpPr>
+          <p:nvPr>
+            <p:ph type="ftr" sz="quarter" idx="11"/>
+          </p:nvPr>
+        </p:nvSpPr>
+        <p:spPr/>
+        <p:txBody>
+          <a:bodyPr/>
+          <a:lstStyle/>
+          <a:p>
+            <a:endParaRPr lang="en-US" dirty="0"/>
+          </a:p>
+        </p:txBody>
+      </p:sp>
+      <p:sp>
+        <p:nvSpPr>
+          <p:cNvPr id="5" name="Slide Number Placeholder 4"/>
+          <p:cNvSpPr>
+            <a:spLocks noGrp="1"/>
+          </p:cNvSpPr>
+          <p:nvPr>
+            <p:ph type="sldNum" sz="quarter" idx="12"/>
+          </p:nvPr>
+        </p:nvSpPr>
+        <p:spPr/>
+        <p:txBody>
+          <a:bodyPr/>
+          <a:lstStyle/>
+          <a:p>
+            <a:fld id="{2A013F82-EE5E-44EE-A61D-E31C6657F26F}" type="slidenum">
+              <a:rPr lang="en-US" smtClean="0"/>
+              <a:pPr/>
+              <a:t>‹#›</a:t>
+            </a:fld>
+            <a:endParaRPr lang="en-US"/>
+          </a:p>
+        </p:txBody>
+      </p:sp>
+    </p:spTree>
+    <p:extLst>
+      <p:ext uri="{BB962C8B-B14F-4D97-AF65-F5344CB8AC3E}">
+        <p14:creationId xmlns:p14="http://schemas.microsoft.com/office/powerpoint/2010/main" val="2452077453"/>
+      </p:ext>
+    </p:extLst>
+  </p:cSld>
+  <p:clrMapOvr>
+    <a:masterClrMapping/>
+  </p:clrMapOvr>
+</p:sldLayout>
+</file>
+
+<file path=ppt/slideLayouts/slideLayout16.xml><?xml version="1.0" encoding="utf-8"?>
 <p:sldLayout xmlns:a="http://schemas.openxmlformats.org/drawingml/2006/main" xmlns:r="http://schemas.openxmlformats.org/officeDocument/2006/relationships" xmlns:p="http://schemas.openxmlformats.org/presentationml/2006/main" type="vertTx" preserve="1">
   <p:cSld name="Title and Vertical Text">
     <p:spTree>
@@ -908,7 +3547,7 @@
               <a:rPr lang="en-US"/>
               <a:t>Click to edit Master title style</a:t>
             </a:r>
-            <a:endParaRPr/>
+            <a:endParaRPr lang="en-US" dirty="0"/>
           </a:p>
         </p:txBody>
       </p:sp>
@@ -922,7 +3561,12 @@
             <p:ph type="body" orient="vert" idx="1"/>
           </p:nvPr>
         </p:nvSpPr>
-        <p:spPr/>
+        <p:spPr>
+          <a:xfrm>
+            <a:off x="685622" y="2194560"/>
+            <a:ext cx="10817582" cy="4024125"/>
+          </a:xfrm>
+        </p:spPr>
         <p:txBody>
           <a:bodyPr vert="eaVert"/>
           <a:lstStyle/>
@@ -960,18 +3604,18 @@
               <a:rPr lang="en-US"/>
               <a:t>Fifth level</a:t>
             </a:r>
-            <a:endParaRPr/>
-          </a:p>
-        </p:txBody>
-      </p:sp>
-      <p:sp>
-        <p:nvSpPr>
-          <p:cNvPr id="5" name="Footer Placeholder 4"/>
-          <p:cNvSpPr>
-            <a:spLocks noGrp="1"/>
-          </p:cNvSpPr>
-          <p:nvPr>
-            <p:ph type="ftr" sz="quarter" idx="11"/>
+            <a:endParaRPr lang="en-US" dirty="0"/>
+          </a:p>
+        </p:txBody>
+      </p:sp>
+      <p:sp>
+        <p:nvSpPr>
+          <p:cNvPr id="4" name="Date Placeholder 3"/>
+          <p:cNvSpPr>
+            <a:spLocks noGrp="1"/>
+          </p:cNvSpPr>
+          <p:nvPr>
+            <p:ph type="dt" sz="half" idx="10"/>
           </p:nvPr>
         </p:nvSpPr>
         <p:spPr/>
@@ -979,18 +3623,22 @@
           <a:bodyPr/>
           <a:lstStyle/>
           <a:p>
-            <a:endParaRPr/>
-          </a:p>
-        </p:txBody>
-      </p:sp>
-      <p:sp>
-        <p:nvSpPr>
-          <p:cNvPr id="4" name="Date Placeholder 3"/>
-          <p:cNvSpPr>
-            <a:spLocks noGrp="1"/>
-          </p:cNvSpPr>
-          <p:nvPr>
-            <p:ph type="dt" sz="half" idx="10"/>
+            <a:fld id="{03F41C87-7AD9-4845-A077-840E4A0F3F06}" type="datetimeFigureOut">
+              <a:rPr lang="en-US" smtClean="0"/>
+              <a:t>3/10/2017</a:t>
+            </a:fld>
+            <a:endParaRPr lang="en-US"/>
+          </a:p>
+        </p:txBody>
+      </p:sp>
+      <p:sp>
+        <p:nvSpPr>
+          <p:cNvPr id="5" name="Footer Placeholder 4"/>
+          <p:cNvSpPr>
+            <a:spLocks noGrp="1"/>
+          </p:cNvSpPr>
+          <p:nvPr>
+            <p:ph type="ftr" sz="quarter" idx="11"/>
           </p:nvPr>
         </p:nvSpPr>
         <p:spPr/>
@@ -998,11 +3646,7 @@
           <a:bodyPr/>
           <a:lstStyle/>
           <a:p>
-            <a:fld id="{03F41C87-7AD9-4845-A077-840E4A0F3F06}" type="datetimeFigureOut">
-              <a:rPr lang="en-US"/>
-              <a:t>3/9/2017</a:t>
-            </a:fld>
-            <a:endParaRPr/>
+            <a:endParaRPr lang="en-US"/>
           </a:p>
         </p:txBody>
       </p:sp>
@@ -1022,17 +3666,17 @@
           <a:lstStyle/>
           <a:p>
             <a:fld id="{2A013F82-EE5E-44EE-A61D-E31C6657F26F}" type="slidenum">
-              <a:rPr/>
+              <a:rPr lang="en-US" smtClean="0"/>
               <a:t>‹#›</a:t>
             </a:fld>
-            <a:endParaRPr/>
+            <a:endParaRPr lang="en-US"/>
           </a:p>
         </p:txBody>
       </p:sp>
     </p:spTree>
     <p:extLst>
       <p:ext uri="{BB962C8B-B14F-4D97-AF65-F5344CB8AC3E}">
-        <p14:creationId xmlns:p14="http://schemas.microsoft.com/office/powerpoint/2010/main" val="460095310"/>
+        <p14:creationId xmlns:p14="http://schemas.microsoft.com/office/powerpoint/2010/main" val="3015097499"/>
       </p:ext>
     </p:extLst>
   </p:cSld>
@@ -1054,8 +3698,8 @@
 </p:sldLayout>
 </file>
 
-<file path=ppt/slideLayouts/slideLayout11.xml><?xml version="1.0" encoding="utf-8"?>
-<p:sldLayout xmlns:a="http://schemas.openxmlformats.org/drawingml/2006/main" xmlns:r="http://schemas.openxmlformats.org/officeDocument/2006/relationships" xmlns:p="http://schemas.openxmlformats.org/presentationml/2006/main" type="vertTitleAndTx" preserve="1">
+<file path=ppt/slideLayouts/slideLayout17.xml><?xml version="1.0" encoding="utf-8"?>
+<p:sldLayout xmlns:a="http://schemas.openxmlformats.org/drawingml/2006/main" xmlns:r="http://schemas.openxmlformats.org/officeDocument/2006/relationships" xmlns:p="http://schemas.openxmlformats.org/presentationml/2006/main" showMasterSp="0" type="vertTitleAndTx" preserve="1">
   <p:cSld name="Vertical Title and Text">
     <p:spTree>
       <p:nvGrpSpPr>
@@ -1071,31 +3715,65 @@
           <a:chExt cx="0" cy="0"/>
         </a:xfrm>
       </p:grpSpPr>
-      <p:sp>
-        <p:nvSpPr>
-          <p:cNvPr id="2" name="Vertical Title 1"/>
-          <p:cNvSpPr>
-            <a:spLocks noGrp="1"/>
-          </p:cNvSpPr>
-          <p:nvPr>
-            <p:ph type="title" orient="vert"/>
-          </p:nvPr>
-        </p:nvSpPr>
+      <p:pic>
+        <p:nvPicPr>
+          <p:cNvPr id="8" name="Picture 7" descr="C0-HD-BTM.png"/>
+          <p:cNvPicPr>
+            <a:picLocks noChangeAspect="1"/>
+          </p:cNvPicPr>
+          <p:nvPr/>
+        </p:nvPicPr>
+        <p:blipFill>
+          <a:blip r:embed="rId2">
+            <a:extLst>
+              <a:ext uri="{28A0092B-C50C-407E-A947-70E740481C1C}">
+                <a14:useLocalDpi xmlns:a14="http://schemas.microsoft.com/office/drawing/2010/main" val="0"/>
+              </a:ext>
+            </a:extLst>
+          </a:blip>
+          <a:stretch>
+            <a:fillRect/>
+          </a:stretch>
+        </p:blipFill>
         <p:spPr>
           <a:xfrm>
-            <a:off x="9142412" y="381001"/>
-            <a:ext cx="1524001" cy="5638800"/>
+            <a:off x="0" y="4375150"/>
+            <a:ext cx="12188825" cy="2482850"/>
+          </a:xfrm>
+          <a:prstGeom prst="rect">
+            <a:avLst/>
+          </a:prstGeom>
+        </p:spPr>
+      </p:pic>
+      <p:sp>
+        <p:nvSpPr>
+          <p:cNvPr id="2" name="Vertical Title 1"/>
+          <p:cNvSpPr>
+            <a:spLocks noGrp="1"/>
+          </p:cNvSpPr>
+          <p:nvPr>
+            <p:ph type="title" orient="vert"/>
+          </p:nvPr>
+        </p:nvSpPr>
+        <p:spPr>
+          <a:xfrm>
+            <a:off x="9446339" y="745067"/>
+            <a:ext cx="2056864" cy="3903133"/>
           </a:xfrm>
         </p:spPr>
         <p:txBody>
           <a:bodyPr vert="eaVert"/>
-          <a:lstStyle/>
+          <a:lstStyle>
+            <a:lvl1pPr algn="l">
+              <a:defRPr/>
+            </a:lvl1pPr>
+          </a:lstStyle>
           <a:p>
             <a:r>
               <a:rPr lang="en-US"/>
               <a:t>Click to edit Master title style</a:t>
             </a:r>
-            <a:endParaRPr/>
+            <a:endParaRPr lang="en-US" dirty="0"/>
           </a:p>
         </p:txBody>
       </p:sp>
@@ -1111,8 +3789,8 @@
         </p:nvSpPr>
         <p:spPr>
           <a:xfrm>
-            <a:off x="1522412" y="381001"/>
-            <a:ext cx="7391399" cy="5638800"/>
+            <a:off x="1024200" y="745068"/>
+            <a:ext cx="8202064" cy="3903133"/>
           </a:xfrm>
         </p:spPr>
         <p:txBody>
@@ -1152,7 +3830,39 @@
               <a:rPr lang="en-US"/>
               <a:t>Fifth level</a:t>
             </a:r>
-            <a:endParaRPr/>
+            <a:endParaRPr lang="en-US" dirty="0"/>
+          </a:p>
+        </p:txBody>
+      </p:sp>
+      <p:sp>
+        <p:nvSpPr>
+          <p:cNvPr id="4" name="Date Placeholder 3"/>
+          <p:cNvSpPr>
+            <a:spLocks noGrp="1"/>
+          </p:cNvSpPr>
+          <p:nvPr>
+            <p:ph type="dt" sz="half" idx="10"/>
+          </p:nvPr>
+        </p:nvSpPr>
+        <p:spPr>
+          <a:xfrm>
+            <a:off x="7812417" y="379942"/>
+            <a:ext cx="2910082" cy="365125"/>
+          </a:xfrm>
+        </p:spPr>
+        <p:txBody>
+          <a:bodyPr/>
+          <a:lstStyle>
+            <a:lvl1pPr algn="r">
+              <a:defRPr/>
+            </a:lvl1pPr>
+          </a:lstStyle>
+          <a:p>
+            <a:fld id="{03F41C87-7AD9-4845-A077-840E4A0F3F06}" type="datetimeFigureOut">
+              <a:rPr lang="en-US" smtClean="0"/>
+              <a:t>3/10/2017</a:t>
+            </a:fld>
+            <a:endParaRPr lang="en-US"/>
           </a:p>
         </p:txBody>
       </p:sp>
@@ -1166,65 +3876,52 @@
             <p:ph type="ftr" sz="quarter" idx="11"/>
           </p:nvPr>
         </p:nvSpPr>
-        <p:spPr/>
+        <p:spPr>
+          <a:xfrm>
+            <a:off x="685622" y="381001"/>
+            <a:ext cx="6989671" cy="365125"/>
+          </a:xfrm>
+        </p:spPr>
         <p:txBody>
           <a:bodyPr/>
           <a:lstStyle/>
           <a:p>
-            <a:endParaRPr/>
-          </a:p>
-        </p:txBody>
-      </p:sp>
-      <p:sp>
-        <p:nvSpPr>
-          <p:cNvPr id="4" name="Date Placeholder 3"/>
-          <p:cNvSpPr>
-            <a:spLocks noGrp="1"/>
-          </p:cNvSpPr>
-          <p:nvPr>
-            <p:ph type="dt" sz="half" idx="10"/>
-          </p:nvPr>
-        </p:nvSpPr>
-        <p:spPr/>
+            <a:endParaRPr lang="en-US"/>
+          </a:p>
+        </p:txBody>
+      </p:sp>
+      <p:sp>
+        <p:nvSpPr>
+          <p:cNvPr id="6" name="Slide Number Placeholder 5"/>
+          <p:cNvSpPr>
+            <a:spLocks noGrp="1"/>
+          </p:cNvSpPr>
+          <p:nvPr>
+            <p:ph type="sldNum" sz="quarter" idx="12"/>
+          </p:nvPr>
+        </p:nvSpPr>
+        <p:spPr>
+          <a:xfrm>
+            <a:off x="10859623" y="381001"/>
+            <a:ext cx="643580" cy="365125"/>
+          </a:xfrm>
+        </p:spPr>
         <p:txBody>
           <a:bodyPr/>
           <a:lstStyle/>
           <a:p>
-            <a:fld id="{03F41C87-7AD9-4845-A077-840E4A0F3F06}" type="datetimeFigureOut">
-              <a:rPr lang="en-US"/>
-              <a:t>3/9/2017</a:t>
-            </a:fld>
-            <a:endParaRPr/>
-          </a:p>
-        </p:txBody>
-      </p:sp>
-      <p:sp>
-        <p:nvSpPr>
-          <p:cNvPr id="6" name="Slide Number Placeholder 5"/>
-          <p:cNvSpPr>
-            <a:spLocks noGrp="1"/>
-          </p:cNvSpPr>
-          <p:nvPr>
-            <p:ph type="sldNum" sz="quarter" idx="12"/>
-          </p:nvPr>
-        </p:nvSpPr>
-        <p:spPr/>
-        <p:txBody>
-          <a:bodyPr/>
-          <a:lstStyle/>
-          <a:p>
             <a:fld id="{2A013F82-EE5E-44EE-A61D-E31C6657F26F}" type="slidenum">
-              <a:rPr/>
+              <a:rPr lang="en-US" smtClean="0"/>
               <a:t>‹#›</a:t>
             </a:fld>
-            <a:endParaRPr/>
+            <a:endParaRPr lang="en-US"/>
           </a:p>
         </p:txBody>
       </p:sp>
     </p:spTree>
     <p:extLst>
       <p:ext uri="{BB962C8B-B14F-4D97-AF65-F5344CB8AC3E}">
-        <p14:creationId xmlns:p14="http://schemas.microsoft.com/office/powerpoint/2010/main" val="4079035419"/>
+        <p14:creationId xmlns:p14="http://schemas.microsoft.com/office/powerpoint/2010/main" val="781274635"/>
       </p:ext>
     </p:extLst>
   </p:cSld>
@@ -1282,7 +3979,7 @@
               <a:rPr lang="en-US"/>
               <a:t>Click to edit Master title style</a:t>
             </a:r>
-            <a:endParaRPr/>
+            <a:endParaRPr lang="en-US" dirty="0"/>
           </a:p>
         </p:txBody>
       </p:sp>
@@ -1294,65 +3991,6 @@
           </p:cNvSpPr>
           <p:nvPr>
             <p:ph idx="1"/>
-          </p:nvPr>
-        </p:nvSpPr>
-        <p:spPr/>
-        <p:txBody>
-          <a:bodyPr/>
-          <a:lstStyle>
-            <a:lvl5pPr>
-              <a:defRPr/>
-            </a:lvl5pPr>
-            <a:lvl6pPr>
-              <a:defRPr/>
-            </a:lvl6pPr>
-          </a:lstStyle>
-          <a:p>
-            <a:pPr lvl="0"/>
-            <a:r>
-              <a:rPr lang="en-US"/>
-              <a:t>Edit Master text styles</a:t>
-            </a:r>
-          </a:p>
-          <a:p>
-            <a:pPr lvl="1"/>
-            <a:r>
-              <a:rPr lang="en-US"/>
-              <a:t>Second level</a:t>
-            </a:r>
-          </a:p>
-          <a:p>
-            <a:pPr lvl="2"/>
-            <a:r>
-              <a:rPr lang="en-US"/>
-              <a:t>Third level</a:t>
-            </a:r>
-          </a:p>
-          <a:p>
-            <a:pPr lvl="3"/>
-            <a:r>
-              <a:rPr lang="en-US"/>
-              <a:t>Fourth level</a:t>
-            </a:r>
-          </a:p>
-          <a:p>
-            <a:pPr lvl="4"/>
-            <a:r>
-              <a:rPr lang="en-US"/>
-              <a:t>Fifth level</a:t>
-            </a:r>
-            <a:endParaRPr/>
-          </a:p>
-        </p:txBody>
-      </p:sp>
-      <p:sp>
-        <p:nvSpPr>
-          <p:cNvPr id="5" name="Footer Placeholder 4"/>
-          <p:cNvSpPr>
-            <a:spLocks noGrp="1"/>
-          </p:cNvSpPr>
-          <p:nvPr>
-            <p:ph type="ftr" sz="quarter" idx="11"/>
           </p:nvPr>
         </p:nvSpPr>
         <p:spPr/>
@@ -1360,7 +3998,40 @@
           <a:bodyPr/>
           <a:lstStyle/>
           <a:p>
-            <a:endParaRPr dirty="0"/>
+            <a:pPr lvl="0"/>
+            <a:r>
+              <a:rPr lang="en-US"/>
+              <a:t>Edit Master text styles</a:t>
+            </a:r>
+          </a:p>
+          <a:p>
+            <a:pPr lvl="1"/>
+            <a:r>
+              <a:rPr lang="en-US"/>
+              <a:t>Second level</a:t>
+            </a:r>
+          </a:p>
+          <a:p>
+            <a:pPr lvl="2"/>
+            <a:r>
+              <a:rPr lang="en-US"/>
+              <a:t>Third level</a:t>
+            </a:r>
+          </a:p>
+          <a:p>
+            <a:pPr lvl="3"/>
+            <a:r>
+              <a:rPr lang="en-US"/>
+              <a:t>Fourth level</a:t>
+            </a:r>
+          </a:p>
+          <a:p>
+            <a:pPr lvl="4"/>
+            <a:r>
+              <a:rPr lang="en-US"/>
+              <a:t>Fifth level</a:t>
+            </a:r>
+            <a:endParaRPr lang="en-US" dirty="0"/>
           </a:p>
         </p:txBody>
       </p:sp>
@@ -1380,21 +4051,21 @@
           <a:lstStyle/>
           <a:p>
             <a:fld id="{03F41C87-7AD9-4845-A077-840E4A0F3F06}" type="datetimeFigureOut">
-              <a:rPr lang="en-US"/>
-              <a:t>3/9/2017</a:t>
+              <a:rPr lang="en-US" smtClean="0"/>
+              <a:t>3/10/2017</a:t>
             </a:fld>
-            <a:endParaRPr/>
-          </a:p>
-        </p:txBody>
-      </p:sp>
-      <p:sp>
-        <p:nvSpPr>
-          <p:cNvPr id="6" name="Slide Number Placeholder 5"/>
-          <p:cNvSpPr>
-            <a:spLocks noGrp="1"/>
-          </p:cNvSpPr>
-          <p:nvPr>
-            <p:ph type="sldNum" sz="quarter" idx="12"/>
+            <a:endParaRPr lang="en-US"/>
+          </a:p>
+        </p:txBody>
+      </p:sp>
+      <p:sp>
+        <p:nvSpPr>
+          <p:cNvPr id="5" name="Footer Placeholder 4"/>
+          <p:cNvSpPr>
+            <a:spLocks noGrp="1"/>
+          </p:cNvSpPr>
+          <p:nvPr>
+            <p:ph type="ftr" sz="quarter" idx="11"/>
           </p:nvPr>
         </p:nvSpPr>
         <p:spPr/>
@@ -1402,18 +4073,37 @@
           <a:bodyPr/>
           <a:lstStyle/>
           <a:p>
+            <a:endParaRPr lang="en-US" dirty="0"/>
+          </a:p>
+        </p:txBody>
+      </p:sp>
+      <p:sp>
+        <p:nvSpPr>
+          <p:cNvPr id="6" name="Slide Number Placeholder 5"/>
+          <p:cNvSpPr>
+            <a:spLocks noGrp="1"/>
+          </p:cNvSpPr>
+          <p:nvPr>
+            <p:ph type="sldNum" sz="quarter" idx="12"/>
+          </p:nvPr>
+        </p:nvSpPr>
+        <p:spPr/>
+        <p:txBody>
+          <a:bodyPr/>
+          <a:lstStyle/>
+          <a:p>
             <a:fld id="{2A013F82-EE5E-44EE-A61D-E31C6657F26F}" type="slidenum">
-              <a:rPr/>
+              <a:rPr lang="en-US" smtClean="0"/>
               <a:t>‹#›</a:t>
             </a:fld>
-            <a:endParaRPr/>
+            <a:endParaRPr lang="en-US"/>
           </a:p>
         </p:txBody>
       </p:sp>
     </p:spTree>
     <p:extLst>
       <p:ext uri="{BB962C8B-B14F-4D97-AF65-F5344CB8AC3E}">
-        <p14:creationId xmlns:p14="http://schemas.microsoft.com/office/powerpoint/2010/main" val="2738254095"/>
+        <p14:creationId xmlns:p14="http://schemas.microsoft.com/office/powerpoint/2010/main" val="4008900434"/>
       </p:ext>
     </p:extLst>
   </p:cSld>
@@ -1436,22 +4126,8 @@
 </file>
 
 <file path=ppt/slideLayouts/slideLayout3.xml><?xml version="1.0" encoding="utf-8"?>
-<p:sldLayout xmlns:a="http://schemas.openxmlformats.org/drawingml/2006/main" xmlns:r="http://schemas.openxmlformats.org/officeDocument/2006/relationships" xmlns:p="http://schemas.openxmlformats.org/presentationml/2006/main" type="secHead" preserve="1">
+<p:sldLayout xmlns:a="http://schemas.openxmlformats.org/drawingml/2006/main" xmlns:r="http://schemas.openxmlformats.org/officeDocument/2006/relationships" xmlns:p="http://schemas.openxmlformats.org/presentationml/2006/main" showMasterSp="0" type="secHead" preserve="1">
   <p:cSld name="Section Header">
-    <p:bg>
-      <p:bgPr>
-        <a:blipFill dpi="0" rotWithShape="1">
-          <a:blip r:embed="rId2">
-            <a:lum/>
-          </a:blip>
-          <a:srcRect/>
-          <a:stretch>
-            <a:fillRect/>
-          </a:stretch>
-        </a:blipFill>
-        <a:effectLst/>
-      </p:bgPr>
-    </p:bg>
     <p:spTree>
       <p:nvGrpSpPr>
         <p:cNvPr id="1" name=""/>
@@ -1466,20 +4142,50 @@
           <a:chExt cx="0" cy="0"/>
         </a:xfrm>
       </p:grpSpPr>
-      <p:sp>
-        <p:nvSpPr>
-          <p:cNvPr id="2" name="Title 1"/>
-          <p:cNvSpPr>
-            <a:spLocks noGrp="1"/>
-          </p:cNvSpPr>
-          <p:nvPr>
-            <p:ph type="title"/>
-          </p:nvPr>
-        </p:nvSpPr>
+      <p:pic>
+        <p:nvPicPr>
+          <p:cNvPr id="9" name="Picture 8" descr="C0-HD-BTM.png"/>
+          <p:cNvPicPr>
+            <a:picLocks noChangeAspect="1"/>
+          </p:cNvPicPr>
+          <p:nvPr/>
+        </p:nvPicPr>
+        <p:blipFill>
+          <a:blip r:embed="rId2">
+            <a:extLst>
+              <a:ext uri="{28A0092B-C50C-407E-A947-70E740481C1C}">
+                <a14:useLocalDpi xmlns:a14="http://schemas.microsoft.com/office/drawing/2010/main" val="0"/>
+              </a:ext>
+            </a:extLst>
+          </a:blip>
+          <a:stretch>
+            <a:fillRect/>
+          </a:stretch>
+        </p:blipFill>
         <p:spPr>
           <a:xfrm>
-            <a:off x="1059614" y="2514600"/>
-            <a:ext cx="8692399" cy="2819400"/>
+            <a:off x="0" y="4375150"/>
+            <a:ext cx="12188825" cy="2482850"/>
+          </a:xfrm>
+          <a:prstGeom prst="rect">
+            <a:avLst/>
+          </a:prstGeom>
+        </p:spPr>
+      </p:pic>
+      <p:sp>
+        <p:nvSpPr>
+          <p:cNvPr id="2" name="Title 1"/>
+          <p:cNvSpPr>
+            <a:spLocks noGrp="1"/>
+          </p:cNvSpPr>
+          <p:nvPr>
+            <p:ph type="title"/>
+          </p:nvPr>
+        </p:nvSpPr>
+        <p:spPr>
+          <a:xfrm>
+            <a:off x="685622" y="753534"/>
+            <a:ext cx="10817581" cy="2801935"/>
           </a:xfrm>
         </p:spPr>
         <p:txBody>
@@ -1487,11 +4193,8 @@
             <a:normAutofit/>
           </a:bodyPr>
           <a:lstStyle>
-            <a:lvl1pPr algn="l">
-              <a:lnSpc>
-                <a:spcPct val="80000"/>
-              </a:lnSpc>
-              <a:defRPr sz="4800" b="0" cap="none" baseline="0"/>
+            <a:lvl1pPr algn="r">
+              <a:defRPr sz="3999"/>
             </a:lvl1pPr>
           </a:lstStyle>
           <a:p>
@@ -1499,7 +4202,7 @@
               <a:rPr lang="en-US"/>
               <a:t>Click to edit Master title style</a:t>
             </a:r>
-            <a:endParaRPr/>
+            <a:endParaRPr lang="en-US" dirty="0"/>
           </a:p>
         </p:txBody>
       </p:sp>
@@ -1515,29 +4218,28 @@
         </p:nvSpPr>
         <p:spPr>
           <a:xfrm>
-            <a:off x="1065213" y="5410200"/>
-            <a:ext cx="8687333" cy="609601"/>
+            <a:off x="1024200" y="3641726"/>
+            <a:ext cx="10487468" cy="955675"/>
           </a:xfrm>
         </p:spPr>
         <p:txBody>
-          <a:bodyPr anchor="t">
+          <a:bodyPr>
             <a:normAutofit/>
           </a:bodyPr>
           <a:lstStyle>
-            <a:lvl1pPr marL="0" indent="0">
-              <a:spcBef>
-                <a:spcPts val="0"/>
-              </a:spcBef>
-              <a:buNone/>
-              <a:defRPr sz="2000" cap="all" spc="200" baseline="0">
+            <a:lvl1pPr marL="0" indent="0" algn="r">
+              <a:buNone/>
+              <a:defRPr sz="2199">
                 <a:solidFill>
-                  <a:schemeClr val="accent1"/>
+                  <a:schemeClr val="tx1">
+                    <a:tint val="75000"/>
+                  </a:schemeClr>
                 </a:solidFill>
               </a:defRPr>
             </a:lvl1pPr>
-            <a:lvl2pPr marL="457200" indent="0">
-              <a:buNone/>
-              <a:defRPr sz="1800">
+            <a:lvl2pPr marL="457063" indent="0">
+              <a:buNone/>
+              <a:defRPr sz="1999">
                 <a:solidFill>
                   <a:schemeClr val="tx1">
                     <a:tint val="75000"/>
@@ -1545,7 +4247,17 @@
                 </a:solidFill>
               </a:defRPr>
             </a:lvl2pPr>
-            <a:lvl3pPr marL="914400" indent="0">
+            <a:lvl3pPr marL="914126" indent="0">
+              <a:buNone/>
+              <a:defRPr sz="1799">
+                <a:solidFill>
+                  <a:schemeClr val="tx1">
+                    <a:tint val="75000"/>
+                  </a:schemeClr>
+                </a:solidFill>
+              </a:defRPr>
+            </a:lvl3pPr>
+            <a:lvl4pPr marL="1371189" indent="0">
               <a:buNone/>
               <a:defRPr sz="1600">
                 <a:solidFill>
@@ -1554,20 +4266,10 @@
                   </a:schemeClr>
                 </a:solidFill>
               </a:defRPr>
-            </a:lvl3pPr>
-            <a:lvl4pPr marL="1371600" indent="0">
-              <a:buNone/>
-              <a:defRPr sz="1400">
-                <a:solidFill>
-                  <a:schemeClr val="tx1">
-                    <a:tint val="75000"/>
-                  </a:schemeClr>
-                </a:solidFill>
-              </a:defRPr>
             </a:lvl4pPr>
-            <a:lvl5pPr marL="1828800" indent="0">
-              <a:buNone/>
-              <a:defRPr sz="1400">
+            <a:lvl5pPr marL="1828251" indent="0">
+              <a:buNone/>
+              <a:defRPr sz="1600">
                 <a:solidFill>
                   <a:schemeClr val="tx1">
                     <a:tint val="75000"/>
@@ -1575,9 +4277,9 @@
                 </a:solidFill>
               </a:defRPr>
             </a:lvl5pPr>
-            <a:lvl6pPr marL="2286000" indent="0">
-              <a:buNone/>
-              <a:defRPr sz="1400">
+            <a:lvl6pPr marL="2285314" indent="0">
+              <a:buNone/>
+              <a:defRPr sz="1600">
                 <a:solidFill>
                   <a:schemeClr val="tx1">
                     <a:tint val="75000"/>
@@ -1585,9 +4287,9 @@
                 </a:solidFill>
               </a:defRPr>
             </a:lvl6pPr>
-            <a:lvl7pPr marL="2743200" indent="0">
-              <a:buNone/>
-              <a:defRPr sz="1400">
+            <a:lvl7pPr marL="2742377" indent="0">
+              <a:buNone/>
+              <a:defRPr sz="1600">
                 <a:solidFill>
                   <a:schemeClr val="tx1">
                     <a:tint val="75000"/>
@@ -1595,9 +4297,9 @@
                 </a:solidFill>
               </a:defRPr>
             </a:lvl7pPr>
-            <a:lvl8pPr marL="3200400" indent="0">
-              <a:buNone/>
-              <a:defRPr sz="1400">
+            <a:lvl8pPr marL="3199440" indent="0">
+              <a:buNone/>
+              <a:defRPr sz="1600">
                 <a:solidFill>
                   <a:schemeClr val="tx1">
                     <a:tint val="75000"/>
@@ -1605,9 +4307,9 @@
                 </a:solidFill>
               </a:defRPr>
             </a:lvl8pPr>
-            <a:lvl9pPr marL="3657600" indent="0">
-              <a:buNone/>
-              <a:defRPr sz="1400">
+            <a:lvl9pPr marL="3656503" indent="0">
+              <a:buNone/>
+              <a:defRPr sz="1600">
                 <a:solidFill>
                   <a:schemeClr val="tx1">
                     <a:tint val="75000"/>
@@ -1627,6 +4329,38 @@
       </p:sp>
       <p:sp>
         <p:nvSpPr>
+          <p:cNvPr id="4" name="Date Placeholder 3"/>
+          <p:cNvSpPr>
+            <a:spLocks noGrp="1"/>
+          </p:cNvSpPr>
+          <p:nvPr>
+            <p:ph type="dt" sz="half" idx="10"/>
+          </p:nvPr>
+        </p:nvSpPr>
+        <p:spPr>
+          <a:xfrm>
+            <a:off x="7812417" y="381001"/>
+            <a:ext cx="2910082" cy="365125"/>
+          </a:xfrm>
+        </p:spPr>
+        <p:txBody>
+          <a:bodyPr/>
+          <a:lstStyle>
+            <a:lvl1pPr algn="r">
+              <a:defRPr/>
+            </a:lvl1pPr>
+          </a:lstStyle>
+          <a:p>
+            <a:fld id="{03F41C87-7AD9-4845-A077-840E4A0F3F06}" type="datetimeFigureOut">
+              <a:rPr lang="en-US" smtClean="0"/>
+              <a:t>3/10/2017</a:t>
+            </a:fld>
+            <a:endParaRPr lang="en-US"/>
+          </a:p>
+        </p:txBody>
+      </p:sp>
+      <p:sp>
+        <p:nvSpPr>
           <p:cNvPr id="5" name="Footer Placeholder 4"/>
           <p:cNvSpPr>
             <a:spLocks noGrp="1"/>
@@ -1635,65 +4369,52 @@
             <p:ph type="ftr" sz="quarter" idx="11"/>
           </p:nvPr>
         </p:nvSpPr>
-        <p:spPr/>
+        <p:spPr>
+          <a:xfrm>
+            <a:off x="685622" y="381002"/>
+            <a:ext cx="6989671" cy="364065"/>
+          </a:xfrm>
+        </p:spPr>
         <p:txBody>
           <a:bodyPr/>
           <a:lstStyle/>
           <a:p>
-            <a:endParaRPr dirty="0"/>
-          </a:p>
-        </p:txBody>
-      </p:sp>
-      <p:sp>
-        <p:nvSpPr>
-          <p:cNvPr id="4" name="Date Placeholder 3"/>
-          <p:cNvSpPr>
-            <a:spLocks noGrp="1"/>
-          </p:cNvSpPr>
-          <p:nvPr>
-            <p:ph type="dt" sz="half" idx="10"/>
-          </p:nvPr>
-        </p:nvSpPr>
-        <p:spPr/>
+            <a:endParaRPr lang="en-US" dirty="0"/>
+          </a:p>
+        </p:txBody>
+      </p:sp>
+      <p:sp>
+        <p:nvSpPr>
+          <p:cNvPr id="6" name="Slide Number Placeholder 5"/>
+          <p:cNvSpPr>
+            <a:spLocks noGrp="1"/>
+          </p:cNvSpPr>
+          <p:nvPr>
+            <p:ph type="sldNum" sz="quarter" idx="12"/>
+          </p:nvPr>
+        </p:nvSpPr>
+        <p:spPr>
+          <a:xfrm>
+            <a:off x="10859623" y="381001"/>
+            <a:ext cx="643580" cy="365125"/>
+          </a:xfrm>
+        </p:spPr>
         <p:txBody>
           <a:bodyPr/>
           <a:lstStyle/>
           <a:p>
-            <a:fld id="{03F41C87-7AD9-4845-A077-840E4A0F3F06}" type="datetimeFigureOut">
-              <a:rPr lang="en-US"/>
-              <a:t>3/9/2017</a:t>
-            </a:fld>
-            <a:endParaRPr/>
-          </a:p>
-        </p:txBody>
-      </p:sp>
-      <p:sp>
-        <p:nvSpPr>
-          <p:cNvPr id="6" name="Slide Number Placeholder 5"/>
-          <p:cNvSpPr>
-            <a:spLocks noGrp="1"/>
-          </p:cNvSpPr>
-          <p:nvPr>
-            <p:ph type="sldNum" sz="quarter" idx="12"/>
-          </p:nvPr>
-        </p:nvSpPr>
-        <p:spPr/>
-        <p:txBody>
-          <a:bodyPr/>
-          <a:lstStyle/>
-          <a:p>
             <a:fld id="{2A013F82-EE5E-44EE-A61D-E31C6657F26F}" type="slidenum">
-              <a:rPr/>
+              <a:rPr lang="en-US" smtClean="0"/>
               <a:t>‹#›</a:t>
             </a:fld>
-            <a:endParaRPr/>
+            <a:endParaRPr lang="en-US"/>
           </a:p>
         </p:txBody>
       </p:sp>
     </p:spTree>
     <p:extLst>
       <p:ext uri="{BB962C8B-B14F-4D97-AF65-F5344CB8AC3E}">
-        <p14:creationId xmlns:p14="http://schemas.microsoft.com/office/powerpoint/2010/main" val="1761813311"/>
+        <p14:creationId xmlns:p14="http://schemas.microsoft.com/office/powerpoint/2010/main" val="4111218688"/>
       </p:ext>
     </p:extLst>
   </p:cSld>
@@ -1751,7 +4472,7 @@
               <a:rPr lang="en-US"/>
               <a:t>Click to edit Master title style</a:t>
             </a:r>
-            <a:endParaRPr/>
+            <a:endParaRPr lang="en-US" dirty="0"/>
           </a:p>
         </p:txBody>
       </p:sp>
@@ -1767,43 +4488,13 @@
         </p:nvSpPr>
         <p:spPr>
           <a:xfrm>
-            <a:off x="1504781" y="1905001"/>
-            <a:ext cx="4419599" cy="4114800"/>
+            <a:off x="685621" y="2194560"/>
+            <a:ext cx="5332611" cy="4024125"/>
           </a:xfrm>
         </p:spPr>
         <p:txBody>
-          <a:bodyPr>
-            <a:normAutofit/>
-          </a:bodyPr>
-          <a:lstStyle>
-            <a:lvl1pPr>
-              <a:defRPr sz="2400"/>
-            </a:lvl1pPr>
-            <a:lvl2pPr>
-              <a:defRPr sz="2000"/>
-            </a:lvl2pPr>
-            <a:lvl3pPr>
-              <a:defRPr sz="1800"/>
-            </a:lvl3pPr>
-            <a:lvl4pPr>
-              <a:defRPr sz="1600"/>
-            </a:lvl4pPr>
-            <a:lvl5pPr>
-              <a:defRPr sz="1600"/>
-            </a:lvl5pPr>
-            <a:lvl6pPr>
-              <a:defRPr sz="1600"/>
-            </a:lvl6pPr>
-            <a:lvl7pPr>
-              <a:defRPr sz="1600"/>
-            </a:lvl7pPr>
-            <a:lvl8pPr>
-              <a:defRPr sz="1600"/>
-            </a:lvl8pPr>
-            <a:lvl9pPr>
-              <a:defRPr sz="1600"/>
-            </a:lvl9pPr>
-          </a:lstStyle>
+          <a:bodyPr/>
+          <a:lstStyle/>
           <a:p>
             <a:pPr lvl="0"/>
             <a:r>
@@ -1838,7 +4529,7 @@
               <a:rPr lang="en-US"/>
               <a:t>Fifth level</a:t>
             </a:r>
-            <a:endParaRPr/>
+            <a:endParaRPr lang="en-US" dirty="0"/>
           </a:p>
         </p:txBody>
       </p:sp>
@@ -1854,97 +4545,48 @@
         </p:nvSpPr>
         <p:spPr>
           <a:xfrm>
-            <a:off x="6229183" y="1905001"/>
-            <a:ext cx="4419600" cy="4114800"/>
+            <a:off x="6170593" y="2194560"/>
+            <a:ext cx="5332611" cy="4024125"/>
           </a:xfrm>
         </p:spPr>
         <p:txBody>
-          <a:bodyPr>
-            <a:normAutofit/>
-          </a:bodyPr>
-          <a:lstStyle>
-            <a:lvl1pPr>
-              <a:defRPr sz="2400"/>
-            </a:lvl1pPr>
-            <a:lvl2pPr>
-              <a:defRPr sz="2000"/>
-            </a:lvl2pPr>
-            <a:lvl3pPr>
-              <a:defRPr sz="1800"/>
-            </a:lvl3pPr>
-            <a:lvl4pPr>
-              <a:defRPr sz="1600"/>
-            </a:lvl4pPr>
-            <a:lvl5pPr>
-              <a:defRPr sz="1600"/>
-            </a:lvl5pPr>
-            <a:lvl6pPr>
-              <a:defRPr sz="1600"/>
-            </a:lvl6pPr>
-            <a:lvl7pPr>
-              <a:defRPr sz="1600"/>
-            </a:lvl7pPr>
-            <a:lvl8pPr>
-              <a:defRPr sz="1600"/>
-            </a:lvl8pPr>
-            <a:lvl9pPr>
-              <a:defRPr sz="1600"/>
-            </a:lvl9pPr>
-          </a:lstStyle>
-          <a:p>
-            <a:pPr lvl="0"/>
-            <a:r>
-              <a:rPr lang="en-US"/>
-              <a:t>Edit Master text styles</a:t>
-            </a:r>
-          </a:p>
-          <a:p>
-            <a:pPr lvl="1"/>
-            <a:r>
-              <a:rPr lang="en-US"/>
-              <a:t>Second level</a:t>
-            </a:r>
-          </a:p>
-          <a:p>
-            <a:pPr lvl="2"/>
-            <a:r>
-              <a:rPr lang="en-US"/>
-              <a:t>Third level</a:t>
-            </a:r>
-          </a:p>
-          <a:p>
-            <a:pPr lvl="3"/>
-            <a:r>
-              <a:rPr lang="en-US"/>
-              <a:t>Fourth level</a:t>
-            </a:r>
-          </a:p>
-          <a:p>
-            <a:pPr lvl="4"/>
-            <a:r>
-              <a:rPr lang="en-US"/>
-              <a:t>Fifth level</a:t>
-            </a:r>
-            <a:endParaRPr/>
-          </a:p>
-        </p:txBody>
-      </p:sp>
-      <p:sp>
-        <p:nvSpPr>
-          <p:cNvPr id="6" name="Footer Placeholder 5"/>
-          <p:cNvSpPr>
-            <a:spLocks noGrp="1"/>
-          </p:cNvSpPr>
-          <p:nvPr>
-            <p:ph type="ftr" sz="quarter" idx="11"/>
-          </p:nvPr>
-        </p:nvSpPr>
-        <p:spPr/>
-        <p:txBody>
           <a:bodyPr/>
           <a:lstStyle/>
           <a:p>
-            <a:endParaRPr dirty="0"/>
+            <a:pPr lvl="0"/>
+            <a:r>
+              <a:rPr lang="en-US"/>
+              <a:t>Edit Master text styles</a:t>
+            </a:r>
+          </a:p>
+          <a:p>
+            <a:pPr lvl="1"/>
+            <a:r>
+              <a:rPr lang="en-US"/>
+              <a:t>Second level</a:t>
+            </a:r>
+          </a:p>
+          <a:p>
+            <a:pPr lvl="2"/>
+            <a:r>
+              <a:rPr lang="en-US"/>
+              <a:t>Third level</a:t>
+            </a:r>
+          </a:p>
+          <a:p>
+            <a:pPr lvl="3"/>
+            <a:r>
+              <a:rPr lang="en-US"/>
+              <a:t>Fourth level</a:t>
+            </a:r>
+          </a:p>
+          <a:p>
+            <a:pPr lvl="4"/>
+            <a:r>
+              <a:rPr lang="en-US"/>
+              <a:t>Fifth level</a:t>
+            </a:r>
+            <a:endParaRPr lang="en-US" dirty="0"/>
           </a:p>
         </p:txBody>
       </p:sp>
@@ -1964,21 +4606,21 @@
           <a:lstStyle/>
           <a:p>
             <a:fld id="{03F41C87-7AD9-4845-A077-840E4A0F3F06}" type="datetimeFigureOut">
-              <a:rPr lang="en-US"/>
-              <a:t>3/9/2017</a:t>
+              <a:rPr lang="en-US" smtClean="0"/>
+              <a:t>3/10/2017</a:t>
             </a:fld>
-            <a:endParaRPr/>
-          </a:p>
-        </p:txBody>
-      </p:sp>
-      <p:sp>
-        <p:nvSpPr>
-          <p:cNvPr id="7" name="Slide Number Placeholder 6"/>
-          <p:cNvSpPr>
-            <a:spLocks noGrp="1"/>
-          </p:cNvSpPr>
-          <p:nvPr>
-            <p:ph type="sldNum" sz="quarter" idx="12"/>
+            <a:endParaRPr lang="en-US"/>
+          </a:p>
+        </p:txBody>
+      </p:sp>
+      <p:sp>
+        <p:nvSpPr>
+          <p:cNvPr id="6" name="Footer Placeholder 5"/>
+          <p:cNvSpPr>
+            <a:spLocks noGrp="1"/>
+          </p:cNvSpPr>
+          <p:nvPr>
+            <p:ph type="ftr" sz="quarter" idx="11"/>
           </p:nvPr>
         </p:nvSpPr>
         <p:spPr/>
@@ -1986,18 +4628,37 @@
           <a:bodyPr/>
           <a:lstStyle/>
           <a:p>
+            <a:endParaRPr lang="en-US" dirty="0"/>
+          </a:p>
+        </p:txBody>
+      </p:sp>
+      <p:sp>
+        <p:nvSpPr>
+          <p:cNvPr id="7" name="Slide Number Placeholder 6"/>
+          <p:cNvSpPr>
+            <a:spLocks noGrp="1"/>
+          </p:cNvSpPr>
+          <p:nvPr>
+            <p:ph type="sldNum" sz="quarter" idx="12"/>
+          </p:nvPr>
+        </p:nvSpPr>
+        <p:spPr/>
+        <p:txBody>
+          <a:bodyPr/>
+          <a:lstStyle/>
+          <a:p>
             <a:fld id="{2A013F82-EE5E-44EE-A61D-E31C6657F26F}" type="slidenum">
-              <a:rPr/>
+              <a:rPr lang="en-US" smtClean="0"/>
               <a:t>‹#›</a:t>
             </a:fld>
-            <a:endParaRPr/>
+            <a:endParaRPr lang="en-US"/>
           </a:p>
         </p:txBody>
       </p:sp>
     </p:spTree>
     <p:extLst>
       <p:ext uri="{BB962C8B-B14F-4D97-AF65-F5344CB8AC3E}">
-        <p14:creationId xmlns:p14="http://schemas.microsoft.com/office/powerpoint/2010/main" val="2825340762"/>
+        <p14:creationId xmlns:p14="http://schemas.microsoft.com/office/powerpoint/2010/main" val="1358697895"/>
       </p:ext>
     </p:extLst>
   </p:cSld>
@@ -2046,84 +4707,82 @@
             <p:ph type="title"/>
           </p:nvPr>
         </p:nvSpPr>
-        <p:spPr/>
-        <p:txBody>
-          <a:bodyPr/>
-          <a:lstStyle>
-            <a:lvl1pPr>
-              <a:defRPr/>
-            </a:lvl1pPr>
-          </a:lstStyle>
-          <a:p>
-            <a:r>
-              <a:rPr lang="en-US"/>
-              <a:t>Click to edit Master title style</a:t>
-            </a:r>
-            <a:endParaRPr/>
-          </a:p>
-        </p:txBody>
-      </p:sp>
-      <p:sp>
-        <p:nvSpPr>
-          <p:cNvPr id="3" name="Text Placeholder 2"/>
-          <p:cNvSpPr>
-            <a:spLocks noGrp="1"/>
-          </p:cNvSpPr>
-          <p:nvPr>
-            <p:ph type="body" idx="1"/>
-          </p:nvPr>
-        </p:nvSpPr>
         <p:spPr>
           <a:xfrm>
-            <a:off x="1522411" y="1905000"/>
-            <a:ext cx="4416552" cy="762000"/>
+            <a:off x="2894846" y="762000"/>
+            <a:ext cx="8608358" cy="1295400"/>
           </a:xfrm>
         </p:spPr>
         <p:txBody>
-          <a:bodyPr anchor="ctr">
-            <a:noAutofit/>
+          <a:bodyPr/>
+          <a:lstStyle/>
+          <a:p>
+            <a:r>
+              <a:rPr lang="en-US"/>
+              <a:t>Click to edit Master title style</a:t>
+            </a:r>
+            <a:endParaRPr lang="en-US" dirty="0"/>
+          </a:p>
+        </p:txBody>
+      </p:sp>
+      <p:sp>
+        <p:nvSpPr>
+          <p:cNvPr id="3" name="Text Placeholder 2"/>
+          <p:cNvSpPr>
+            <a:spLocks noGrp="1"/>
+          </p:cNvSpPr>
+          <p:nvPr>
+            <p:ph type="body" idx="1"/>
+          </p:nvPr>
+        </p:nvSpPr>
+        <p:spPr>
+          <a:xfrm>
+            <a:off x="914171" y="2183802"/>
+            <a:ext cx="5078668" cy="823912"/>
+          </a:xfrm>
+        </p:spPr>
+        <p:txBody>
+          <a:bodyPr anchor="b">
+            <a:normAutofit/>
           </a:bodyPr>
           <a:lstStyle>
             <a:lvl1pPr marL="0" indent="0">
-              <a:spcBef>
-                <a:spcPts val="0"/>
-              </a:spcBef>
-              <a:buNone/>
-              <a:defRPr sz="2000" b="0" cap="all" spc="200" baseline="0">
+              <a:buNone/>
+              <a:defRPr sz="2799" b="0">
                 <a:solidFill>
-                  <a:schemeClr val="accent1"/>
+                  <a:schemeClr val="tx1"/>
                 </a:solidFill>
               </a:defRPr>
             </a:lvl1pPr>
-            <a:lvl2pPr marL="457200" indent="0">
-              <a:buNone/>
-              <a:defRPr sz="2000" b="1"/>
+            <a:lvl2pPr marL="457063" indent="0">
+              <a:buNone/>
+              <a:defRPr sz="1999" b="1"/>
             </a:lvl2pPr>
-            <a:lvl3pPr marL="914400" indent="0">
-              <a:buNone/>
-              <a:defRPr sz="1800" b="1"/>
+            <a:lvl3pPr marL="914126" indent="0">
+              <a:buNone/>
+              <a:defRPr sz="1799" b="1"/>
             </a:lvl3pPr>
-            <a:lvl4pPr marL="1371600" indent="0">
+            <a:lvl4pPr marL="1371189" indent="0">
               <a:buNone/>
               <a:defRPr sz="1600" b="1"/>
             </a:lvl4pPr>
-            <a:lvl5pPr marL="1828800" indent="0">
+            <a:lvl5pPr marL="1828251" indent="0">
               <a:buNone/>
               <a:defRPr sz="1600" b="1"/>
             </a:lvl5pPr>
-            <a:lvl6pPr marL="2286000" indent="0">
+            <a:lvl6pPr marL="2285314" indent="0">
               <a:buNone/>
               <a:defRPr sz="1600" b="1"/>
             </a:lvl6pPr>
-            <a:lvl7pPr marL="2743200" indent="0">
+            <a:lvl7pPr marL="2742377" indent="0">
               <a:buNone/>
               <a:defRPr sz="1600" b="1"/>
             </a:lvl7pPr>
-            <a:lvl8pPr marL="3200400" indent="0">
+            <a:lvl8pPr marL="3199440" indent="0">
               <a:buNone/>
               <a:defRPr sz="1600" b="1"/>
             </a:lvl8pPr>
-            <a:lvl9pPr marL="3657600" indent="0">
+            <a:lvl9pPr marL="3656503" indent="0">
               <a:buNone/>
               <a:defRPr sz="1600" b="1"/>
             </a:lvl9pPr>
@@ -2149,142 +4808,109 @@
         </p:nvSpPr>
         <p:spPr>
           <a:xfrm>
-            <a:off x="1522411" y="2743201"/>
-            <a:ext cx="4416552" cy="3276600"/>
+            <a:off x="685622" y="3132667"/>
+            <a:ext cx="5310392" cy="3086019"/>
           </a:xfrm>
         </p:spPr>
         <p:txBody>
-          <a:bodyPr>
+          <a:bodyPr/>
+          <a:lstStyle/>
+          <a:p>
+            <a:pPr lvl="0"/>
+            <a:r>
+              <a:rPr lang="en-US"/>
+              <a:t>Edit Master text styles</a:t>
+            </a:r>
+          </a:p>
+          <a:p>
+            <a:pPr lvl="1"/>
+            <a:r>
+              <a:rPr lang="en-US"/>
+              <a:t>Second level</a:t>
+            </a:r>
+          </a:p>
+          <a:p>
+            <a:pPr lvl="2"/>
+            <a:r>
+              <a:rPr lang="en-US"/>
+              <a:t>Third level</a:t>
+            </a:r>
+          </a:p>
+          <a:p>
+            <a:pPr lvl="3"/>
+            <a:r>
+              <a:rPr lang="en-US"/>
+              <a:t>Fourth level</a:t>
+            </a:r>
+          </a:p>
+          <a:p>
+            <a:pPr lvl="4"/>
+            <a:r>
+              <a:rPr lang="en-US"/>
+              <a:t>Fifth level</a:t>
+            </a:r>
+            <a:endParaRPr lang="en-US" dirty="0"/>
+          </a:p>
+        </p:txBody>
+      </p:sp>
+      <p:sp>
+        <p:nvSpPr>
+          <p:cNvPr id="5" name="Text Placeholder 4"/>
+          <p:cNvSpPr>
+            <a:spLocks noGrp="1"/>
+          </p:cNvSpPr>
+          <p:nvPr>
+            <p:ph type="body" sz="quarter" idx="3"/>
+          </p:nvPr>
+        </p:nvSpPr>
+        <p:spPr>
+          <a:xfrm>
+            <a:off x="6399133" y="2183802"/>
+            <a:ext cx="5104070" cy="823912"/>
+          </a:xfrm>
+        </p:spPr>
+        <p:txBody>
+          <a:bodyPr anchor="b">
             <a:normAutofit/>
           </a:bodyPr>
           <a:lstStyle>
-            <a:lvl1pPr>
-              <a:defRPr sz="2400"/>
-            </a:lvl1pPr>
-            <a:lvl2pPr>
-              <a:defRPr sz="2000"/>
-            </a:lvl2pPr>
-            <a:lvl3pPr>
-              <a:defRPr sz="1800"/>
-            </a:lvl3pPr>
-            <a:lvl4pPr>
-              <a:defRPr sz="1600"/>
-            </a:lvl4pPr>
-            <a:lvl5pPr>
-              <a:defRPr sz="1600"/>
-            </a:lvl5pPr>
-            <a:lvl6pPr>
-              <a:defRPr sz="1600"/>
-            </a:lvl6pPr>
-            <a:lvl7pPr>
-              <a:defRPr sz="1600"/>
-            </a:lvl7pPr>
-            <a:lvl8pPr>
-              <a:defRPr sz="1600"/>
-            </a:lvl8pPr>
-            <a:lvl9pPr>
-              <a:defRPr sz="1600"/>
-            </a:lvl9pPr>
-          </a:lstStyle>
-          <a:p>
-            <a:pPr lvl="0"/>
-            <a:r>
-              <a:rPr lang="en-US"/>
-              <a:t>Edit Master text styles</a:t>
-            </a:r>
-          </a:p>
-          <a:p>
-            <a:pPr lvl="1"/>
-            <a:r>
-              <a:rPr lang="en-US"/>
-              <a:t>Second level</a:t>
-            </a:r>
-          </a:p>
-          <a:p>
-            <a:pPr lvl="2"/>
-            <a:r>
-              <a:rPr lang="en-US"/>
-              <a:t>Third level</a:t>
-            </a:r>
-          </a:p>
-          <a:p>
-            <a:pPr lvl="3"/>
-            <a:r>
-              <a:rPr lang="en-US"/>
-              <a:t>Fourth level</a:t>
-            </a:r>
-          </a:p>
-          <a:p>
-            <a:pPr lvl="4"/>
-            <a:r>
-              <a:rPr lang="en-US"/>
-              <a:t>Fifth level</a:t>
-            </a:r>
-            <a:endParaRPr/>
-          </a:p>
-        </p:txBody>
-      </p:sp>
-      <p:sp>
-        <p:nvSpPr>
-          <p:cNvPr id="5" name="Text Placeholder 4"/>
-          <p:cNvSpPr>
-            <a:spLocks noGrp="1"/>
-          </p:cNvSpPr>
-          <p:nvPr>
-            <p:ph type="body" sz="quarter" idx="3"/>
-          </p:nvPr>
-        </p:nvSpPr>
-        <p:spPr>
-          <a:xfrm>
-            <a:off x="6249861" y="1905000"/>
-            <a:ext cx="4416552" cy="762000"/>
-          </a:xfrm>
-        </p:spPr>
-        <p:txBody>
-          <a:bodyPr anchor="ctr">
-            <a:noAutofit/>
-          </a:bodyPr>
-          <a:lstStyle>
             <a:lvl1pPr marL="0" indent="0">
-              <a:spcBef>
-                <a:spcPts val="0"/>
-              </a:spcBef>
-              <a:buNone/>
-              <a:defRPr sz="2000" b="0" cap="all" spc="200" baseline="0">
+              <a:buNone/>
+              <a:defRPr sz="2799" b="0">
                 <a:solidFill>
-                  <a:schemeClr val="accent1"/>
+                  <a:schemeClr val="tx1"/>
                 </a:solidFill>
               </a:defRPr>
             </a:lvl1pPr>
-            <a:lvl2pPr marL="457200" indent="0">
-              <a:buNone/>
-              <a:defRPr sz="2000" b="1"/>
+            <a:lvl2pPr marL="457063" indent="0">
+              <a:buNone/>
+              <a:defRPr sz="1999" b="1"/>
             </a:lvl2pPr>
-            <a:lvl3pPr marL="914400" indent="0">
-              <a:buNone/>
-              <a:defRPr sz="1800" b="1"/>
+            <a:lvl3pPr marL="914126" indent="0">
+              <a:buNone/>
+              <a:defRPr sz="1799" b="1"/>
             </a:lvl3pPr>
-            <a:lvl4pPr marL="1371600" indent="0">
+            <a:lvl4pPr marL="1371189" indent="0">
               <a:buNone/>
               <a:defRPr sz="1600" b="1"/>
             </a:lvl4pPr>
-            <a:lvl5pPr marL="1828800" indent="0">
+            <a:lvl5pPr marL="1828251" indent="0">
               <a:buNone/>
               <a:defRPr sz="1600" b="1"/>
             </a:lvl5pPr>
-            <a:lvl6pPr marL="2286000" indent="0">
+            <a:lvl6pPr marL="2285314" indent="0">
               <a:buNone/>
               <a:defRPr sz="1600" b="1"/>
             </a:lvl6pPr>
-            <a:lvl7pPr marL="2743200" indent="0">
+            <a:lvl7pPr marL="2742377" indent="0">
               <a:buNone/>
               <a:defRPr sz="1600" b="1"/>
             </a:lvl7pPr>
-            <a:lvl8pPr marL="3200400" indent="0">
+            <a:lvl8pPr marL="3199440" indent="0">
               <a:buNone/>
               <a:defRPr sz="1600" b="1"/>
             </a:lvl8pPr>
-            <a:lvl9pPr marL="3657600" indent="0">
+            <a:lvl9pPr marL="3656503" indent="0">
               <a:buNone/>
               <a:defRPr sz="1600" b="1"/>
             </a:lvl9pPr>
@@ -2310,97 +4936,48 @@
         </p:nvSpPr>
         <p:spPr>
           <a:xfrm>
-            <a:off x="6249861" y="2743201"/>
-            <a:ext cx="4416552" cy="3276600"/>
+            <a:off x="6170593" y="3132667"/>
+            <a:ext cx="5332611" cy="3086019"/>
           </a:xfrm>
         </p:spPr>
         <p:txBody>
-          <a:bodyPr>
-            <a:normAutofit/>
-          </a:bodyPr>
-          <a:lstStyle>
-            <a:lvl1pPr>
-              <a:defRPr sz="2400"/>
-            </a:lvl1pPr>
-            <a:lvl2pPr>
-              <a:defRPr sz="2000"/>
-            </a:lvl2pPr>
-            <a:lvl3pPr>
-              <a:defRPr sz="1800"/>
-            </a:lvl3pPr>
-            <a:lvl4pPr>
-              <a:defRPr sz="1600"/>
-            </a:lvl4pPr>
-            <a:lvl5pPr>
-              <a:defRPr sz="1600"/>
-            </a:lvl5pPr>
-            <a:lvl6pPr>
-              <a:defRPr sz="1600"/>
-            </a:lvl6pPr>
-            <a:lvl7pPr>
-              <a:defRPr sz="1600"/>
-            </a:lvl7pPr>
-            <a:lvl8pPr>
-              <a:defRPr sz="1600"/>
-            </a:lvl8pPr>
-            <a:lvl9pPr>
-              <a:defRPr sz="1600"/>
-            </a:lvl9pPr>
-          </a:lstStyle>
-          <a:p>
-            <a:pPr lvl="0"/>
-            <a:r>
-              <a:rPr lang="en-US"/>
-              <a:t>Edit Master text styles</a:t>
-            </a:r>
-          </a:p>
-          <a:p>
-            <a:pPr lvl="1"/>
-            <a:r>
-              <a:rPr lang="en-US"/>
-              <a:t>Second level</a:t>
-            </a:r>
-          </a:p>
-          <a:p>
-            <a:pPr lvl="2"/>
-            <a:r>
-              <a:rPr lang="en-US"/>
-              <a:t>Third level</a:t>
-            </a:r>
-          </a:p>
-          <a:p>
-            <a:pPr lvl="3"/>
-            <a:r>
-              <a:rPr lang="en-US"/>
-              <a:t>Fourth level</a:t>
-            </a:r>
-          </a:p>
-          <a:p>
-            <a:pPr lvl="4"/>
-            <a:r>
-              <a:rPr lang="en-US"/>
-              <a:t>Fifth level</a:t>
-            </a:r>
-            <a:endParaRPr/>
-          </a:p>
-        </p:txBody>
-      </p:sp>
-      <p:sp>
-        <p:nvSpPr>
-          <p:cNvPr id="8" name="Footer Placeholder 7"/>
-          <p:cNvSpPr>
-            <a:spLocks noGrp="1"/>
-          </p:cNvSpPr>
-          <p:nvPr>
-            <p:ph type="ftr" sz="quarter" idx="11"/>
-          </p:nvPr>
-        </p:nvSpPr>
-        <p:spPr/>
-        <p:txBody>
           <a:bodyPr/>
           <a:lstStyle/>
           <a:p>
-            <a:endParaRPr dirty="0"/>
+            <a:pPr lvl="0"/>
+            <a:r>
+              <a:rPr lang="en-US"/>
+              <a:t>Edit Master text styles</a:t>
+            </a:r>
+          </a:p>
+          <a:p>
+            <a:pPr lvl="1"/>
+            <a:r>
+              <a:rPr lang="en-US"/>
+              <a:t>Second level</a:t>
+            </a:r>
+          </a:p>
+          <a:p>
+            <a:pPr lvl="2"/>
+            <a:r>
+              <a:rPr lang="en-US"/>
+              <a:t>Third level</a:t>
+            </a:r>
+          </a:p>
+          <a:p>
+            <a:pPr lvl="3"/>
+            <a:r>
+              <a:rPr lang="en-US"/>
+              <a:t>Fourth level</a:t>
+            </a:r>
+          </a:p>
+          <a:p>
+            <a:pPr lvl="4"/>
+            <a:r>
+              <a:rPr lang="en-US"/>
+              <a:t>Fifth level</a:t>
+            </a:r>
+            <a:endParaRPr lang="en-US" dirty="0"/>
           </a:p>
         </p:txBody>
       </p:sp>
@@ -2420,21 +4997,21 @@
           <a:lstStyle/>
           <a:p>
             <a:fld id="{03F41C87-7AD9-4845-A077-840E4A0F3F06}" type="datetimeFigureOut">
-              <a:rPr lang="en-US"/>
-              <a:t>3/9/2017</a:t>
+              <a:rPr lang="en-US" smtClean="0"/>
+              <a:t>3/10/2017</a:t>
             </a:fld>
-            <a:endParaRPr/>
-          </a:p>
-        </p:txBody>
-      </p:sp>
-      <p:sp>
-        <p:nvSpPr>
-          <p:cNvPr id="9" name="Slide Number Placeholder 8"/>
-          <p:cNvSpPr>
-            <a:spLocks noGrp="1"/>
-          </p:cNvSpPr>
-          <p:nvPr>
-            <p:ph type="sldNum" sz="quarter" idx="12"/>
+            <a:endParaRPr lang="en-US"/>
+          </a:p>
+        </p:txBody>
+      </p:sp>
+      <p:sp>
+        <p:nvSpPr>
+          <p:cNvPr id="8" name="Footer Placeholder 7"/>
+          <p:cNvSpPr>
+            <a:spLocks noGrp="1"/>
+          </p:cNvSpPr>
+          <p:nvPr>
+            <p:ph type="ftr" sz="quarter" idx="11"/>
           </p:nvPr>
         </p:nvSpPr>
         <p:spPr/>
@@ -2442,18 +5019,37 @@
           <a:bodyPr/>
           <a:lstStyle/>
           <a:p>
+            <a:endParaRPr lang="en-US" dirty="0"/>
+          </a:p>
+        </p:txBody>
+      </p:sp>
+      <p:sp>
+        <p:nvSpPr>
+          <p:cNvPr id="9" name="Slide Number Placeholder 8"/>
+          <p:cNvSpPr>
+            <a:spLocks noGrp="1"/>
+          </p:cNvSpPr>
+          <p:nvPr>
+            <p:ph type="sldNum" sz="quarter" idx="12"/>
+          </p:nvPr>
+        </p:nvSpPr>
+        <p:spPr/>
+        <p:txBody>
+          <a:bodyPr/>
+          <a:lstStyle/>
+          <a:p>
             <a:fld id="{2A013F82-EE5E-44EE-A61D-E31C6657F26F}" type="slidenum">
-              <a:rPr/>
+              <a:rPr lang="en-US" smtClean="0"/>
               <a:t>‹#›</a:t>
             </a:fld>
-            <a:endParaRPr/>
+            <a:endParaRPr lang="en-US"/>
           </a:p>
         </p:txBody>
       </p:sp>
     </p:spTree>
     <p:extLst>
       <p:ext uri="{BB962C8B-B14F-4D97-AF65-F5344CB8AC3E}">
-        <p14:creationId xmlns:p14="http://schemas.microsoft.com/office/powerpoint/2010/main" val="4208419506"/>
+        <p14:creationId xmlns:p14="http://schemas.microsoft.com/office/powerpoint/2010/main" val="923874236"/>
       </p:ext>
     </p:extLst>
   </p:cSld>
@@ -2511,18 +5107,18 @@
               <a:rPr lang="en-US"/>
               <a:t>Click to edit Master title style</a:t>
             </a:r>
-            <a:endParaRPr/>
-          </a:p>
-        </p:txBody>
-      </p:sp>
-      <p:sp>
-        <p:nvSpPr>
-          <p:cNvPr id="4" name="Footer Placeholder 3"/>
-          <p:cNvSpPr>
-            <a:spLocks noGrp="1"/>
-          </p:cNvSpPr>
-          <p:nvPr>
-            <p:ph type="ftr" sz="quarter" idx="11"/>
+            <a:endParaRPr lang="en-US" dirty="0"/>
+          </a:p>
+        </p:txBody>
+      </p:sp>
+      <p:sp>
+        <p:nvSpPr>
+          <p:cNvPr id="3" name="Date Placeholder 2"/>
+          <p:cNvSpPr>
+            <a:spLocks noGrp="1"/>
+          </p:cNvSpPr>
+          <p:nvPr>
+            <p:ph type="dt" sz="half" idx="10"/>
           </p:nvPr>
         </p:nvSpPr>
         <p:spPr/>
@@ -2530,18 +5126,22 @@
           <a:bodyPr/>
           <a:lstStyle/>
           <a:p>
-            <a:endParaRPr/>
-          </a:p>
-        </p:txBody>
-      </p:sp>
-      <p:sp>
-        <p:nvSpPr>
-          <p:cNvPr id="3" name="Date Placeholder 2"/>
-          <p:cNvSpPr>
-            <a:spLocks noGrp="1"/>
-          </p:cNvSpPr>
-          <p:nvPr>
-            <p:ph type="dt" sz="half" idx="10"/>
+            <a:fld id="{03F41C87-7AD9-4845-A077-840E4A0F3F06}" type="datetimeFigureOut">
+              <a:rPr lang="en-US" smtClean="0"/>
+              <a:t>3/10/2017</a:t>
+            </a:fld>
+            <a:endParaRPr lang="en-US"/>
+          </a:p>
+        </p:txBody>
+      </p:sp>
+      <p:sp>
+        <p:nvSpPr>
+          <p:cNvPr id="4" name="Footer Placeholder 3"/>
+          <p:cNvSpPr>
+            <a:spLocks noGrp="1"/>
+          </p:cNvSpPr>
+          <p:nvPr>
+            <p:ph type="ftr" sz="quarter" idx="11"/>
           </p:nvPr>
         </p:nvSpPr>
         <p:spPr/>
@@ -2549,11 +5149,7 @@
           <a:bodyPr/>
           <a:lstStyle/>
           <a:p>
-            <a:fld id="{03F41C87-7AD9-4845-A077-840E4A0F3F06}" type="datetimeFigureOut">
-              <a:rPr lang="en-US"/>
-              <a:t>3/9/2017</a:t>
-            </a:fld>
-            <a:endParaRPr/>
+            <a:endParaRPr lang="en-US"/>
           </a:p>
         </p:txBody>
       </p:sp>
@@ -2573,17 +5169,17 @@
           <a:lstStyle/>
           <a:p>
             <a:fld id="{2A013F82-EE5E-44EE-A61D-E31C6657F26F}" type="slidenum">
-              <a:rPr/>
+              <a:rPr lang="en-US" smtClean="0"/>
               <a:t>‹#›</a:t>
             </a:fld>
-            <a:endParaRPr/>
+            <a:endParaRPr lang="en-US"/>
           </a:p>
         </p:txBody>
       </p:sp>
     </p:spTree>
     <p:extLst>
       <p:ext uri="{BB962C8B-B14F-4D97-AF65-F5344CB8AC3E}">
-        <p14:creationId xmlns:p14="http://schemas.microsoft.com/office/powerpoint/2010/main" val="1626631400"/>
+        <p14:creationId xmlns:p14="http://schemas.microsoft.com/office/powerpoint/2010/main" val="3797832709"/>
       </p:ext>
     </p:extLst>
   </p:cSld>
@@ -2608,14 +5204,6 @@
 <file path=ppt/slideLayouts/slideLayout7.xml><?xml version="1.0" encoding="utf-8"?>
 <p:sldLayout xmlns:a="http://schemas.openxmlformats.org/drawingml/2006/main" xmlns:r="http://schemas.openxmlformats.org/officeDocument/2006/relationships" xmlns:p="http://schemas.openxmlformats.org/presentationml/2006/main" type="blank" preserve="1">
   <p:cSld name="Blank">
-    <p:bg>
-      <p:bgPr>
-        <a:solidFill>
-          <a:schemeClr val="bg2"/>
-        </a:solidFill>
-        <a:effectLst/>
-      </p:bgPr>
-    </p:bg>
     <p:spTree>
       <p:nvGrpSpPr>
         <p:cNvPr id="1" name=""/>
@@ -2632,12 +5220,12 @@
       </p:grpSpPr>
       <p:sp>
         <p:nvSpPr>
-          <p:cNvPr id="3" name="Footer Placeholder 2"/>
-          <p:cNvSpPr>
-            <a:spLocks noGrp="1"/>
-          </p:cNvSpPr>
-          <p:nvPr>
-            <p:ph type="ftr" sz="quarter" idx="11"/>
+          <p:cNvPr id="2" name="Date Placeholder 1"/>
+          <p:cNvSpPr>
+            <a:spLocks noGrp="1"/>
+          </p:cNvSpPr>
+          <p:nvPr>
+            <p:ph type="dt" sz="half" idx="10"/>
           </p:nvPr>
         </p:nvSpPr>
         <p:spPr/>
@@ -2645,18 +5233,22 @@
           <a:bodyPr/>
           <a:lstStyle/>
           <a:p>
-            <a:endParaRPr/>
-          </a:p>
-        </p:txBody>
-      </p:sp>
-      <p:sp>
-        <p:nvSpPr>
-          <p:cNvPr id="2" name="Date Placeholder 1"/>
-          <p:cNvSpPr>
-            <a:spLocks noGrp="1"/>
-          </p:cNvSpPr>
-          <p:nvPr>
-            <p:ph type="dt" sz="half" idx="10"/>
+            <a:fld id="{03F41C87-7AD9-4845-A077-840E4A0F3F06}" type="datetimeFigureOut">
+              <a:rPr lang="en-US" smtClean="0"/>
+              <a:t>3/10/2017</a:t>
+            </a:fld>
+            <a:endParaRPr lang="en-US"/>
+          </a:p>
+        </p:txBody>
+      </p:sp>
+      <p:sp>
+        <p:nvSpPr>
+          <p:cNvPr id="3" name="Footer Placeholder 2"/>
+          <p:cNvSpPr>
+            <a:spLocks noGrp="1"/>
+          </p:cNvSpPr>
+          <p:nvPr>
+            <p:ph type="ftr" sz="quarter" idx="11"/>
           </p:nvPr>
         </p:nvSpPr>
         <p:spPr/>
@@ -2664,11 +5256,7 @@
           <a:bodyPr/>
           <a:lstStyle/>
           <a:p>
-            <a:fld id="{03F41C87-7AD9-4845-A077-840E4A0F3F06}" type="datetimeFigureOut">
-              <a:rPr lang="en-US"/>
-              <a:t>3/9/2017</a:t>
-            </a:fld>
-            <a:endParaRPr/>
+            <a:endParaRPr lang="en-US"/>
           </a:p>
         </p:txBody>
       </p:sp>
@@ -2688,17 +5276,17 @@
           <a:lstStyle/>
           <a:p>
             <a:fld id="{2A013F82-EE5E-44EE-A61D-E31C6657F26F}" type="slidenum">
-              <a:rPr/>
+              <a:rPr lang="en-US" smtClean="0"/>
               <a:t>‹#›</a:t>
             </a:fld>
-            <a:endParaRPr/>
+            <a:endParaRPr lang="en-US"/>
           </a:p>
         </p:txBody>
       </p:sp>
     </p:spTree>
     <p:extLst>
       <p:ext uri="{BB962C8B-B14F-4D97-AF65-F5344CB8AC3E}">
-        <p14:creationId xmlns:p14="http://schemas.microsoft.com/office/powerpoint/2010/main" val="3607540120"/>
+        <p14:creationId xmlns:p14="http://schemas.microsoft.com/office/powerpoint/2010/main" val="3519351688"/>
       </p:ext>
     </p:extLst>
   </p:cSld>
@@ -2723,20 +5311,6 @@
 <file path=ppt/slideLayouts/slideLayout8.xml><?xml version="1.0" encoding="utf-8"?>
 <p:sldLayout xmlns:a="http://schemas.openxmlformats.org/drawingml/2006/main" xmlns:r="http://schemas.openxmlformats.org/officeDocument/2006/relationships" xmlns:p="http://schemas.openxmlformats.org/presentationml/2006/main" type="objTx" preserve="1">
   <p:cSld name="Content with Caption">
-    <p:bg>
-      <p:bgPr>
-        <a:blipFill dpi="0" rotWithShape="1">
-          <a:blip r:embed="rId2">
-            <a:lum/>
-          </a:blip>
-          <a:srcRect/>
-          <a:stretch>
-            <a:fillRect/>
-          </a:stretch>
-        </a:blipFill>
-        <a:effectLst/>
-      </p:bgPr>
-    </p:bg>
     <p:spTree>
       <p:nvGrpSpPr>
         <p:cNvPr id="1" name=""/>
@@ -2763,24 +5337,15 @@
         </p:nvSpPr>
         <p:spPr>
           <a:xfrm>
-            <a:off x="1055604" y="1905000"/>
-            <a:ext cx="3596607" cy="2667000"/>
+            <a:off x="685622" y="1524000"/>
+            <a:ext cx="4113728" cy="1600200"/>
           </a:xfrm>
         </p:spPr>
         <p:txBody>
-          <a:bodyPr anchor="b">
-            <a:noAutofit/>
-          </a:bodyPr>
+          <a:bodyPr anchor="b"/>
           <a:lstStyle>
             <a:lvl1pPr algn="l">
-              <a:lnSpc>
-                <a:spcPct val="90000"/>
-              </a:lnSpc>
-              <a:defRPr sz="3600" b="0" baseline="0">
-                <a:solidFill>
-                  <a:schemeClr val="tx1"/>
-                </a:solidFill>
-              </a:defRPr>
+              <a:defRPr sz="3199"/>
             </a:lvl1pPr>
           </a:lstStyle>
           <a:p>
@@ -2788,72 +5353,121 @@
               <a:rPr lang="en-US"/>
               <a:t>Click to edit Master title style</a:t>
             </a:r>
-            <a:endParaRPr/>
-          </a:p>
-        </p:txBody>
-      </p:sp>
-      <p:sp>
-        <p:nvSpPr>
-          <p:cNvPr id="4" name="Text Placeholder 3"/>
-          <p:cNvSpPr>
-            <a:spLocks noGrp="1"/>
-          </p:cNvSpPr>
-          <p:nvPr>
-            <p:ph type="body" sz="half" idx="2"/>
+            <a:endParaRPr lang="en-US" dirty="0"/>
+          </a:p>
+        </p:txBody>
+      </p:sp>
+      <p:sp>
+        <p:nvSpPr>
+          <p:cNvPr id="3" name="Content Placeholder 2"/>
+          <p:cNvSpPr>
+            <a:spLocks noGrp="1"/>
+          </p:cNvSpPr>
+          <p:nvPr>
+            <p:ph idx="1"/>
           </p:nvPr>
         </p:nvSpPr>
         <p:spPr>
           <a:xfrm>
-            <a:off x="1065213" y="4648200"/>
-            <a:ext cx="3581399" cy="1371600"/>
+            <a:off x="4994281" y="746760"/>
+            <a:ext cx="6508923" cy="5471925"/>
           </a:xfrm>
         </p:spPr>
         <p:txBody>
-          <a:bodyPr>
-            <a:normAutofit/>
-          </a:bodyPr>
+          <a:bodyPr anchor="ctr"/>
+          <a:lstStyle/>
+          <a:p>
+            <a:pPr lvl="0"/>
+            <a:r>
+              <a:rPr lang="en-US"/>
+              <a:t>Edit Master text styles</a:t>
+            </a:r>
+          </a:p>
+          <a:p>
+            <a:pPr lvl="1"/>
+            <a:r>
+              <a:rPr lang="en-US"/>
+              <a:t>Second level</a:t>
+            </a:r>
+          </a:p>
+          <a:p>
+            <a:pPr lvl="2"/>
+            <a:r>
+              <a:rPr lang="en-US"/>
+              <a:t>Third level</a:t>
+            </a:r>
+          </a:p>
+          <a:p>
+            <a:pPr lvl="3"/>
+            <a:r>
+              <a:rPr lang="en-US"/>
+              <a:t>Fourth level</a:t>
+            </a:r>
+          </a:p>
+          <a:p>
+            <a:pPr lvl="4"/>
+            <a:r>
+              <a:rPr lang="en-US"/>
+              <a:t>Fifth level</a:t>
+            </a:r>
+            <a:endParaRPr lang="en-US" dirty="0"/>
+          </a:p>
+        </p:txBody>
+      </p:sp>
+      <p:sp>
+        <p:nvSpPr>
+          <p:cNvPr id="4" name="Text Placeholder 3"/>
+          <p:cNvSpPr>
+            <a:spLocks noGrp="1"/>
+          </p:cNvSpPr>
+          <p:nvPr>
+            <p:ph type="body" sz="half" idx="2"/>
+          </p:nvPr>
+        </p:nvSpPr>
+        <p:spPr>
+          <a:xfrm>
+            <a:off x="685622" y="3124200"/>
+            <a:ext cx="4113728" cy="3094485"/>
+          </a:xfrm>
+        </p:spPr>
+        <p:txBody>
+          <a:bodyPr/>
           <a:lstStyle>
             <a:lvl1pPr marL="0" indent="0">
-              <a:lnSpc>
-                <a:spcPct val="90000"/>
-              </a:lnSpc>
-              <a:spcBef>
-                <a:spcPts val="1200"/>
-              </a:spcBef>
-              <a:buNone/>
-              <a:defRPr sz="1800"/>
+              <a:buNone/>
+              <a:defRPr sz="1600"/>
             </a:lvl1pPr>
-            <a:lvl2pPr marL="457200" indent="0">
+            <a:lvl2pPr marL="457063" indent="0">
+              <a:buNone/>
+              <a:defRPr sz="1400"/>
+            </a:lvl2pPr>
+            <a:lvl3pPr marL="914126" indent="0">
               <a:buNone/>
               <a:defRPr sz="1200"/>
-            </a:lvl2pPr>
-            <a:lvl3pPr marL="914400" indent="0">
+            </a:lvl3pPr>
+            <a:lvl4pPr marL="1371189" indent="0">
               <a:buNone/>
               <a:defRPr sz="1000"/>
-            </a:lvl3pPr>
-            <a:lvl4pPr marL="1371600" indent="0">
-              <a:buNone/>
-              <a:defRPr sz="900"/>
             </a:lvl4pPr>
-            <a:lvl5pPr marL="1828800" indent="0">
-              <a:buNone/>
-              <a:defRPr sz="900"/>
+            <a:lvl5pPr marL="1828251" indent="0">
+              <a:buNone/>
+              <a:defRPr sz="1000"/>
             </a:lvl5pPr>
-            <a:lvl6pPr marL="2286000" indent="0">
-              <a:buNone/>
-              <a:defRPr sz="900"/>
+            <a:lvl6pPr marL="2285314" indent="0">
+              <a:buNone/>
+              <a:defRPr sz="1000"/>
             </a:lvl6pPr>
-            <a:lvl7pPr marL="2743200" indent="0">
-              <a:buNone/>
-              <a:defRPr sz="900"/>
+            <a:lvl7pPr marL="2742377" indent="0">
+              <a:buNone/>
+              <a:defRPr sz="1000"/>
             </a:lvl7pPr>
-            <a:lvl8pPr marL="3200400" indent="0">
-              <a:buNone/>
-              <a:defRPr sz="900"/>
+            <a:lvl8pPr marL="3199440" indent="0">
+              <a:buNone/>
+              <a:defRPr sz="1000"/>
             </a:lvl8pPr>
-            <a:lvl9pPr marL="3657600" indent="0">
-              <a:buNone/>
-              <a:defRPr sz="900"/>
+            <a:lvl9pPr marL="3656503" indent="0">
+              <a:buNone/>
+              <a:defRPr sz="1000"/>
             </a:lvl9pPr>
           </a:lstStyle>
           <a:p>
@@ -2867,99 +5481,12 @@
       </p:sp>
       <p:sp>
         <p:nvSpPr>
-          <p:cNvPr id="3" name="Content Placeholder 2"/>
-          <p:cNvSpPr>
-            <a:spLocks noGrp="1"/>
-          </p:cNvSpPr>
-          <p:nvPr>
-            <p:ph idx="1"/>
-          </p:nvPr>
-        </p:nvSpPr>
-        <p:spPr>
-          <a:xfrm>
-            <a:off x="4951414" y="685800"/>
-            <a:ext cx="6400800" cy="5334000"/>
-          </a:xfrm>
-        </p:spPr>
-        <p:txBody>
-          <a:bodyPr>
-            <a:normAutofit/>
-          </a:bodyPr>
-          <a:lstStyle>
-            <a:lvl1pPr>
-              <a:defRPr sz="2400"/>
-            </a:lvl1pPr>
-            <a:lvl2pPr>
-              <a:defRPr sz="2000"/>
-            </a:lvl2pPr>
-            <a:lvl3pPr>
-              <a:defRPr sz="1800"/>
-            </a:lvl3pPr>
-            <a:lvl4pPr>
-              <a:defRPr sz="1600"/>
-            </a:lvl4pPr>
-            <a:lvl5pPr>
-              <a:defRPr sz="1600"/>
-            </a:lvl5pPr>
-            <a:lvl6pPr>
-              <a:defRPr sz="1600"/>
-            </a:lvl6pPr>
-            <a:lvl7pPr>
-              <a:defRPr sz="1600"/>
-            </a:lvl7pPr>
-            <a:lvl8pPr>
-              <a:defRPr sz="1600"/>
-            </a:lvl8pPr>
-            <a:lvl9pPr>
-              <a:defRPr sz="1600"/>
-            </a:lvl9pPr>
-          </a:lstStyle>
-          <a:p>
-            <a:pPr lvl="0"/>
-            <a:r>
-              <a:rPr lang="en-US"/>
-              <a:t>Edit Master text styles</a:t>
-            </a:r>
-          </a:p>
-          <a:p>
-            <a:pPr lvl="1"/>
-            <a:r>
-              <a:rPr lang="en-US"/>
-              <a:t>Second level</a:t>
-            </a:r>
-          </a:p>
-          <a:p>
-            <a:pPr lvl="2"/>
-            <a:r>
-              <a:rPr lang="en-US"/>
-              <a:t>Third level</a:t>
-            </a:r>
-          </a:p>
-          <a:p>
-            <a:pPr lvl="3"/>
-            <a:r>
-              <a:rPr lang="en-US"/>
-              <a:t>Fourth level</a:t>
-            </a:r>
-          </a:p>
-          <a:p>
-            <a:pPr lvl="4"/>
-            <a:r>
-              <a:rPr lang="en-US"/>
-              <a:t>Fifth level</a:t>
-            </a:r>
-            <a:endParaRPr/>
-          </a:p>
-        </p:txBody>
-      </p:sp>
-      <p:sp>
-        <p:nvSpPr>
-          <p:cNvPr id="6" name="Footer Placeholder 5"/>
-          <p:cNvSpPr>
-            <a:spLocks noGrp="1"/>
-          </p:cNvSpPr>
-          <p:nvPr>
-            <p:ph type="ftr" sz="quarter" idx="11"/>
+          <p:cNvPr id="5" name="Date Placeholder 4"/>
+          <p:cNvSpPr>
+            <a:spLocks noGrp="1"/>
+          </p:cNvSpPr>
+          <p:nvPr>
+            <p:ph type="dt" sz="half" idx="10"/>
           </p:nvPr>
         </p:nvSpPr>
         <p:spPr/>
@@ -2967,18 +5494,22 @@
           <a:bodyPr/>
           <a:lstStyle/>
           <a:p>
-            <a:endParaRPr/>
-          </a:p>
-        </p:txBody>
-      </p:sp>
-      <p:sp>
-        <p:nvSpPr>
-          <p:cNvPr id="5" name="Date Placeholder 4"/>
-          <p:cNvSpPr>
-            <a:spLocks noGrp="1"/>
-          </p:cNvSpPr>
-          <p:nvPr>
-            <p:ph type="dt" sz="half" idx="10"/>
+            <a:fld id="{03F41C87-7AD9-4845-A077-840E4A0F3F06}" type="datetimeFigureOut">
+              <a:rPr lang="en-US" smtClean="0"/>
+              <a:t>3/10/2017</a:t>
+            </a:fld>
+            <a:endParaRPr lang="en-US"/>
+          </a:p>
+        </p:txBody>
+      </p:sp>
+      <p:sp>
+        <p:nvSpPr>
+          <p:cNvPr id="6" name="Footer Placeholder 5"/>
+          <p:cNvSpPr>
+            <a:spLocks noGrp="1"/>
+          </p:cNvSpPr>
+          <p:nvPr>
+            <p:ph type="ftr" sz="quarter" idx="11"/>
           </p:nvPr>
         </p:nvSpPr>
         <p:spPr/>
@@ -2986,11 +5517,7 @@
           <a:bodyPr/>
           <a:lstStyle/>
           <a:p>
-            <a:fld id="{03F41C87-7AD9-4845-A077-840E4A0F3F06}" type="datetimeFigureOut">
-              <a:rPr lang="en-US"/>
-              <a:t>3/9/2017</a:t>
-            </a:fld>
-            <a:endParaRPr/>
+            <a:endParaRPr lang="en-US"/>
           </a:p>
         </p:txBody>
       </p:sp>
@@ -3010,17 +5537,17 @@
           <a:lstStyle/>
           <a:p>
             <a:fld id="{2A013F82-EE5E-44EE-A61D-E31C6657F26F}" type="slidenum">
-              <a:rPr/>
+              <a:rPr lang="en-US" smtClean="0"/>
               <a:t>‹#›</a:t>
             </a:fld>
-            <a:endParaRPr/>
+            <a:endParaRPr lang="en-US"/>
           </a:p>
         </p:txBody>
       </p:sp>
     </p:spTree>
     <p:extLst>
       <p:ext uri="{BB962C8B-B14F-4D97-AF65-F5344CB8AC3E}">
-        <p14:creationId xmlns:p14="http://schemas.microsoft.com/office/powerpoint/2010/main" val="2544981540"/>
+        <p14:creationId xmlns:p14="http://schemas.microsoft.com/office/powerpoint/2010/main" val="264916095"/>
       </p:ext>
     </p:extLst>
   </p:cSld>
@@ -3045,20 +5572,6 @@
 <file path=ppt/slideLayouts/slideLayout9.xml><?xml version="1.0" encoding="utf-8"?>
 <p:sldLayout xmlns:a="http://schemas.openxmlformats.org/drawingml/2006/main" xmlns:r="http://schemas.openxmlformats.org/officeDocument/2006/relationships" xmlns:p="http://schemas.openxmlformats.org/presentationml/2006/main" type="picTx" preserve="1">
   <p:cSld name="Picture with Caption">
-    <p:bg>
-      <p:bgPr>
-        <a:blipFill dpi="0" rotWithShape="1">
-          <a:blip r:embed="rId2">
-            <a:lum/>
-          </a:blip>
-          <a:srcRect/>
-          <a:stretch>
-            <a:fillRect/>
-          </a:stretch>
-        </a:blipFill>
-        <a:effectLst/>
-      </p:bgPr>
-    </p:bg>
     <p:spTree>
       <p:nvGrpSpPr>
         <p:cNvPr id="1" name=""/>
@@ -3085,24 +5598,15 @@
         </p:nvSpPr>
         <p:spPr>
           <a:xfrm>
-            <a:off x="1055604" y="1905000"/>
-            <a:ext cx="3596607" cy="2667000"/>
+            <a:off x="685621" y="1524000"/>
+            <a:ext cx="6871450" cy="1600200"/>
           </a:xfrm>
         </p:spPr>
         <p:txBody>
-          <a:bodyPr anchor="b">
-            <a:normAutofit/>
-          </a:bodyPr>
+          <a:bodyPr anchor="b"/>
           <a:lstStyle>
             <a:lvl1pPr algn="l">
-              <a:lnSpc>
-                <a:spcPct val="90000"/>
-              </a:lnSpc>
-              <a:defRPr sz="3600" b="0" i="0" baseline="0">
-                <a:solidFill>
-                  <a:schemeClr val="tx1"/>
-                </a:solidFill>
-              </a:defRPr>
+              <a:defRPr sz="3199"/>
             </a:lvl1pPr>
           </a:lstStyle>
           <a:p>
@@ -3110,167 +5614,148 @@
               <a:rPr lang="en-US"/>
               <a:t>Click to edit Master title style</a:t>
             </a:r>
-            <a:endParaRPr/>
-          </a:p>
-        </p:txBody>
-      </p:sp>
-      <p:sp>
-        <p:nvSpPr>
-          <p:cNvPr id="4" name="Text Placeholder 3"/>
-          <p:cNvSpPr>
-            <a:spLocks noGrp="1"/>
-          </p:cNvSpPr>
-          <p:nvPr>
-            <p:ph type="body" sz="half" idx="2"/>
+            <a:endParaRPr lang="en-US" dirty="0"/>
+          </a:p>
+        </p:txBody>
+      </p:sp>
+      <p:sp>
+        <p:nvSpPr>
+          <p:cNvPr id="3" name="Picture Placeholder 2"/>
+          <p:cNvSpPr>
+            <a:spLocks noGrp="1" noChangeAspect="1"/>
+          </p:cNvSpPr>
+          <p:nvPr>
+            <p:ph type="pic" idx="1"/>
           </p:nvPr>
         </p:nvSpPr>
         <p:spPr>
           <a:xfrm>
-            <a:off x="1065213" y="4648200"/>
-            <a:ext cx="3581399" cy="1371600"/>
+            <a:off x="7859191" y="751242"/>
+            <a:ext cx="3644013" cy="5467443"/>
           </a:xfrm>
         </p:spPr>
         <p:txBody>
-          <a:bodyPr>
-            <a:normAutofit/>
-          </a:bodyPr>
+          <a:bodyPr anchor="t"/>
           <a:lstStyle>
             <a:lvl1pPr marL="0" indent="0">
-              <a:lnSpc>
-                <a:spcPct val="90000"/>
-              </a:lnSpc>
-              <a:spcBef>
-                <a:spcPts val="1200"/>
-              </a:spcBef>
-              <a:buNone/>
-              <a:defRPr sz="1800"/>
+              <a:buNone/>
+              <a:defRPr sz="3199"/>
             </a:lvl1pPr>
-            <a:lvl2pPr marL="457200" indent="0">
-              <a:buNone/>
-              <a:defRPr sz="1200"/>
+            <a:lvl2pPr marL="457063" indent="0">
+              <a:buNone/>
+              <a:defRPr sz="2799"/>
             </a:lvl2pPr>
-            <a:lvl3pPr marL="914400" indent="0">
-              <a:buNone/>
-              <a:defRPr sz="1000"/>
+            <a:lvl3pPr marL="914126" indent="0">
+              <a:buNone/>
+              <a:defRPr sz="2399"/>
             </a:lvl3pPr>
-            <a:lvl4pPr marL="1371600" indent="0">
-              <a:buNone/>
-              <a:defRPr sz="900"/>
+            <a:lvl4pPr marL="1371189" indent="0">
+              <a:buNone/>
+              <a:defRPr sz="1999"/>
             </a:lvl4pPr>
-            <a:lvl5pPr marL="1828800" indent="0">
-              <a:buNone/>
-              <a:defRPr sz="900"/>
+            <a:lvl5pPr marL="1828251" indent="0">
+              <a:buNone/>
+              <a:defRPr sz="1999"/>
             </a:lvl5pPr>
-            <a:lvl6pPr marL="2286000" indent="0">
-              <a:buNone/>
-              <a:defRPr sz="900"/>
+            <a:lvl6pPr marL="2285314" indent="0">
+              <a:buNone/>
+              <a:defRPr sz="1999"/>
             </a:lvl6pPr>
-            <a:lvl7pPr marL="2743200" indent="0">
-              <a:buNone/>
-              <a:defRPr sz="900"/>
+            <a:lvl7pPr marL="2742377" indent="0">
+              <a:buNone/>
+              <a:defRPr sz="1999"/>
             </a:lvl7pPr>
-            <a:lvl8pPr marL="3200400" indent="0">
-              <a:buNone/>
-              <a:defRPr sz="900"/>
+            <a:lvl8pPr marL="3199440" indent="0">
+              <a:buNone/>
+              <a:defRPr sz="1999"/>
             </a:lvl8pPr>
-            <a:lvl9pPr marL="3657600" indent="0">
-              <a:buNone/>
-              <a:defRPr sz="900"/>
+            <a:lvl9pPr marL="3656503" indent="0">
+              <a:buNone/>
+              <a:defRPr sz="1999"/>
             </a:lvl9pPr>
           </a:lstStyle>
           <a:p>
-            <a:pPr lvl="0"/>
-            <a:r>
-              <a:rPr lang="en-US"/>
-              <a:t>Edit Master text styles</a:t>
-            </a:r>
-          </a:p>
-        </p:txBody>
-      </p:sp>
-      <p:sp>
-        <p:nvSpPr>
-          <p:cNvPr id="3" name="Picture Placeholder 2" descr="An empty placeholder to add an image. Click on the placeholder and select the image that you wish to add."/>
-          <p:cNvSpPr>
-            <a:spLocks noGrp="1"/>
-          </p:cNvSpPr>
-          <p:nvPr>
-            <p:ph type="pic" idx="1"/>
+            <a:r>
+              <a:rPr lang="en-US"/>
+              <a:t>Click icon to add picture</a:t>
+            </a:r>
+            <a:endParaRPr lang="en-US" dirty="0"/>
+          </a:p>
+        </p:txBody>
+      </p:sp>
+      <p:sp>
+        <p:nvSpPr>
+          <p:cNvPr id="4" name="Text Placeholder 3"/>
+          <p:cNvSpPr>
+            <a:spLocks noGrp="1"/>
+          </p:cNvSpPr>
+          <p:nvPr>
+            <p:ph type="body" sz="half" idx="2"/>
           </p:nvPr>
         </p:nvSpPr>
         <p:spPr>
           <a:xfrm>
-            <a:off x="4951414" y="685800"/>
-            <a:ext cx="6400799" cy="5334000"/>
+            <a:off x="685621" y="3124200"/>
+            <a:ext cx="6871450" cy="3094485"/>
           </a:xfrm>
-          <a:solidFill>
-            <a:schemeClr val="bg2"/>
-          </a:solidFill>
-          <a:ln w="76200">
-            <a:solidFill>
-              <a:schemeClr val="tx1"/>
-            </a:solidFill>
-            <a:miter lim="800000"/>
-          </a:ln>
         </p:spPr>
         <p:txBody>
-          <a:bodyPr>
-            <a:normAutofit/>
-          </a:bodyPr>
+          <a:bodyPr/>
           <a:lstStyle>
-            <a:lvl1pPr marL="0" indent="0" algn="ctr">
-              <a:buNone/>
-              <a:defRPr sz="2400"/>
+            <a:lvl1pPr marL="0" indent="0">
+              <a:buNone/>
+              <a:defRPr sz="1600"/>
             </a:lvl1pPr>
-            <a:lvl2pPr marL="457200" indent="0">
-              <a:buNone/>
-              <a:defRPr sz="2800"/>
+            <a:lvl2pPr marL="457063" indent="0">
+              <a:buNone/>
+              <a:defRPr sz="1400"/>
             </a:lvl2pPr>
-            <a:lvl3pPr marL="914400" indent="0">
-              <a:buNone/>
-              <a:defRPr sz="2400"/>
+            <a:lvl3pPr marL="914126" indent="0">
+              <a:buNone/>
+              <a:defRPr sz="1200"/>
             </a:lvl3pPr>
-            <a:lvl4pPr marL="1371600" indent="0">
-              <a:buNone/>
-              <a:defRPr sz="2000"/>
+            <a:lvl4pPr marL="1371189" indent="0">
+              <a:buNone/>
+              <a:defRPr sz="1000"/>
             </a:lvl4pPr>
-            <a:lvl5pPr marL="1828800" indent="0">
-              <a:buNone/>
-              <a:defRPr sz="2000"/>
+            <a:lvl5pPr marL="1828251" indent="0">
+              <a:buNone/>
+              <a:defRPr sz="1000"/>
             </a:lvl5pPr>
-            <a:lvl6pPr marL="2286000" indent="0">
-              <a:buNone/>
-              <a:defRPr sz="2000"/>
+            <a:lvl6pPr marL="2285314" indent="0">
+              <a:buNone/>
+              <a:defRPr sz="1000"/>
             </a:lvl6pPr>
-            <a:lvl7pPr marL="2743200" indent="0">
-              <a:buNone/>
-              <a:defRPr sz="2000"/>
+            <a:lvl7pPr marL="2742377" indent="0">
+              <a:buNone/>
+              <a:defRPr sz="1000"/>
             </a:lvl7pPr>
-            <a:lvl8pPr marL="3200400" indent="0">
-              <a:buNone/>
-              <a:defRPr sz="2000"/>
+            <a:lvl8pPr marL="3199440" indent="0">
+              <a:buNone/>
+              <a:defRPr sz="1000"/>
             </a:lvl8pPr>
-            <a:lvl9pPr marL="3657600" indent="0">
-              <a:buNone/>
-              <a:defRPr sz="2000"/>
+            <a:lvl9pPr marL="3656503" indent="0">
+              <a:buNone/>
+              <a:defRPr sz="1000"/>
             </a:lvl9pPr>
           </a:lstStyle>
           <a:p>
-            <a:r>
-              <a:rPr lang="en-US"/>
-              <a:t>Click icon to add picture</a:t>
-            </a:r>
-            <a:endParaRPr/>
-          </a:p>
-        </p:txBody>
-      </p:sp>
-      <p:sp>
-        <p:nvSpPr>
-          <p:cNvPr id="6" name="Footer Placeholder 5"/>
-          <p:cNvSpPr>
-            <a:spLocks noGrp="1"/>
-          </p:cNvSpPr>
-          <p:nvPr>
-            <p:ph type="ftr" sz="quarter" idx="11"/>
+            <a:pPr lvl="0"/>
+            <a:r>
+              <a:rPr lang="en-US"/>
+              <a:t>Edit Master text styles</a:t>
+            </a:r>
+          </a:p>
+        </p:txBody>
+      </p:sp>
+      <p:sp>
+        <p:nvSpPr>
+          <p:cNvPr id="5" name="Date Placeholder 4"/>
+          <p:cNvSpPr>
+            <a:spLocks noGrp="1"/>
+          </p:cNvSpPr>
+          <p:nvPr>
+            <p:ph type="dt" sz="half" idx="10"/>
           </p:nvPr>
         </p:nvSpPr>
         <p:spPr/>
@@ -3278,18 +5763,23 @@
           <a:bodyPr/>
           <a:lstStyle/>
           <a:p>
-            <a:endParaRPr dirty="0"/>
-          </a:p>
-        </p:txBody>
-      </p:sp>
-      <p:sp>
-        <p:nvSpPr>
-          <p:cNvPr id="5" name="Date Placeholder 4"/>
-          <p:cNvSpPr>
-            <a:spLocks noGrp="1"/>
-          </p:cNvSpPr>
-          <p:nvPr>
-            <p:ph type="dt" sz="half" idx="10"/>
+            <a:fld id="{03F41C87-7AD9-4845-A077-840E4A0F3F06}" type="datetimeFigureOut">
+              <a:rPr lang="en-US" smtClean="0"/>
+              <a:pPr/>
+              <a:t>3/10/2017</a:t>
+            </a:fld>
+            <a:endParaRPr lang="en-US"/>
+          </a:p>
+        </p:txBody>
+      </p:sp>
+      <p:sp>
+        <p:nvSpPr>
+          <p:cNvPr id="6" name="Footer Placeholder 5"/>
+          <p:cNvSpPr>
+            <a:spLocks noGrp="1"/>
+          </p:cNvSpPr>
+          <p:nvPr>
+            <p:ph type="ftr" sz="quarter" idx="11"/>
           </p:nvPr>
         </p:nvSpPr>
         <p:spPr/>
@@ -3297,12 +5787,7 @@
           <a:bodyPr/>
           <a:lstStyle/>
           <a:p>
-            <a:fld id="{03F41C87-7AD9-4845-A077-840E4A0F3F06}" type="datetimeFigureOut">
-              <a:rPr lang="en-US"/>
-              <a:pPr/>
-              <a:t>3/9/2017</a:t>
-            </a:fld>
-            <a:endParaRPr/>
+            <a:endParaRPr lang="en-US" dirty="0"/>
           </a:p>
         </p:txBody>
       </p:sp>
@@ -3322,18 +5807,18 @@
           <a:lstStyle/>
           <a:p>
             <a:fld id="{2A013F82-EE5E-44EE-A61D-E31C6657F26F}" type="slidenum">
-              <a:rPr/>
+              <a:rPr lang="en-US" smtClean="0"/>
               <a:pPr/>
               <a:t>‹#›</a:t>
             </a:fld>
-            <a:endParaRPr/>
+            <a:endParaRPr lang="en-US"/>
           </a:p>
         </p:txBody>
       </p:sp>
     </p:spTree>
     <p:extLst>
       <p:ext uri="{BB962C8B-B14F-4D97-AF65-F5344CB8AC3E}">
-        <p14:creationId xmlns:p14="http://schemas.microsoft.com/office/powerpoint/2010/main" val="2249172152"/>
+        <p14:creationId xmlns:p14="http://schemas.microsoft.com/office/powerpoint/2010/main" val="729422033"/>
       </p:ext>
     </p:extLst>
   </p:cSld>
@@ -3359,18 +5844,9 @@
 <p:sldMaster xmlns:a="http://schemas.openxmlformats.org/drawingml/2006/main" xmlns:r="http://schemas.openxmlformats.org/officeDocument/2006/relationships" xmlns:p="http://schemas.openxmlformats.org/presentationml/2006/main">
   <p:cSld>
     <p:bg>
-      <p:bgPr>
-        <a:blipFill dpi="0" rotWithShape="1">
-          <a:blip r:embed="rId13">
-            <a:lum/>
-          </a:blip>
-          <a:srcRect/>
-          <a:stretch>
-            <a:fillRect/>
-          </a:stretch>
-        </a:blipFill>
-        <a:effectLst/>
-      </p:bgPr>
+      <p:bgRef idx="1001">
+        <a:schemeClr val="bg1"/>
+      </p:bgRef>
     </p:bg>
     <p:spTree>
       <p:nvGrpSpPr>
@@ -3386,125 +5862,155 @@
           <a:chExt cx="0" cy="0"/>
         </a:xfrm>
       </p:grpSpPr>
-      <p:sp>
-        <p:nvSpPr>
-          <p:cNvPr id="2" name="Title Placeholder 1"/>
-          <p:cNvSpPr>
-            <a:spLocks noGrp="1"/>
-          </p:cNvSpPr>
-          <p:nvPr>
-            <p:ph type="title"/>
-          </p:nvPr>
-        </p:nvSpPr>
+      <p:pic>
+        <p:nvPicPr>
+          <p:cNvPr id="7" name="Picture 6" descr="C0-HD-TOP.png"/>
+          <p:cNvPicPr>
+            <a:picLocks noChangeAspect="1"/>
+          </p:cNvPicPr>
+          <p:nvPr/>
+        </p:nvPicPr>
+        <p:blipFill>
+          <a:blip r:embed="rId19">
+            <a:extLst>
+              <a:ext uri="{28A0092B-C50C-407E-A947-70E740481C1C}">
+                <a14:useLocalDpi xmlns:a14="http://schemas.microsoft.com/office/drawing/2010/main" val="0"/>
+              </a:ext>
+            </a:extLst>
+          </a:blip>
+          <a:stretch>
+            <a:fillRect/>
+          </a:stretch>
+        </p:blipFill>
         <p:spPr>
           <a:xfrm>
-            <a:off x="1522413" y="381000"/>
-            <a:ext cx="9144001" cy="1371600"/>
+            <a:off x="0" y="0"/>
+            <a:ext cx="12188825" cy="1441450"/>
           </a:xfrm>
           <a:prstGeom prst="rect">
             <a:avLst/>
           </a:prstGeom>
         </p:spPr>
-        <p:txBody>
-          <a:bodyPr vert="horz" lIns="91440" tIns="45720" rIns="91440" bIns="45720" rtlCol="0" anchor="b">
-            <a:normAutofit/>
-          </a:bodyPr>
-          <a:lstStyle/>
-          <a:p>
-            <a:r>
-              <a:rPr lang="en-US"/>
-              <a:t>Click to edit Master title style</a:t>
-            </a:r>
-            <a:endParaRPr/>
-          </a:p>
-        </p:txBody>
-      </p:sp>
-      <p:sp>
-        <p:nvSpPr>
-          <p:cNvPr id="3" name="Text Placeholder 2"/>
-          <p:cNvSpPr>
-            <a:spLocks noGrp="1"/>
-          </p:cNvSpPr>
-          <p:nvPr>
-            <p:ph type="body" idx="1"/>
+      </p:pic>
+      <p:sp>
+        <p:nvSpPr>
+          <p:cNvPr id="2" name="Title Placeholder 1"/>
+          <p:cNvSpPr>
+            <a:spLocks noGrp="1"/>
+          </p:cNvSpPr>
+          <p:nvPr>
+            <p:ph type="title"/>
           </p:nvPr>
         </p:nvSpPr>
         <p:spPr>
           <a:xfrm>
-            <a:off x="1522413" y="1904999"/>
-            <a:ext cx="9134391" cy="4114801"/>
+            <a:off x="2894846" y="764373"/>
+            <a:ext cx="8608358" cy="1293028"/>
           </a:xfrm>
           <a:prstGeom prst="rect">
             <a:avLst/>
           </a:prstGeom>
         </p:spPr>
         <p:txBody>
-          <a:bodyPr vert="horz" lIns="91440" tIns="45720" rIns="91440" bIns="45720" rtlCol="0">
+          <a:bodyPr vert="horz" lIns="91440" tIns="45720" rIns="91440" bIns="45720" rtlCol="0" anchor="ctr">
             <a:normAutofit/>
           </a:bodyPr>
           <a:lstStyle/>
           <a:p>
-            <a:pPr lvl="0"/>
-            <a:r>
-              <a:rPr lang="en-US"/>
-              <a:t>Edit Master text styles</a:t>
-            </a:r>
-          </a:p>
-          <a:p>
-            <a:pPr lvl="1"/>
-            <a:r>
-              <a:rPr lang="en-US"/>
-              <a:t>Second level</a:t>
-            </a:r>
-          </a:p>
-          <a:p>
-            <a:pPr lvl="2"/>
-            <a:r>
-              <a:rPr lang="en-US"/>
-              <a:t>Third level</a:t>
-            </a:r>
-          </a:p>
-          <a:p>
-            <a:pPr lvl="3"/>
-            <a:r>
-              <a:rPr lang="en-US"/>
-              <a:t>Fourth level</a:t>
-            </a:r>
-          </a:p>
-          <a:p>
-            <a:pPr lvl="4"/>
-            <a:r>
-              <a:rPr lang="en-US"/>
-              <a:t>Fifth level</a:t>
-            </a:r>
-            <a:endParaRPr dirty="0"/>
-          </a:p>
-        </p:txBody>
-      </p:sp>
-      <p:sp>
-        <p:nvSpPr>
-          <p:cNvPr id="5" name="Footer Placeholder 4"/>
-          <p:cNvSpPr>
-            <a:spLocks noGrp="1"/>
-          </p:cNvSpPr>
-          <p:nvPr>
-            <p:ph type="ftr" sz="quarter" idx="3"/>
+            <a:r>
+              <a:rPr lang="en-US"/>
+              <a:t>Click to edit Master title style</a:t>
+            </a:r>
+            <a:endParaRPr lang="en-US" dirty="0"/>
+          </a:p>
+        </p:txBody>
+      </p:sp>
+      <p:sp>
+        <p:nvSpPr>
+          <p:cNvPr id="3" name="Text Placeholder 2"/>
+          <p:cNvSpPr>
+            <a:spLocks noGrp="1"/>
+          </p:cNvSpPr>
+          <p:nvPr>
+            <p:ph type="body" idx="1"/>
           </p:nvPr>
         </p:nvSpPr>
         <p:spPr>
           <a:xfrm>
-            <a:off x="1522413" y="6400800"/>
-            <a:ext cx="6553199" cy="276228"/>
+            <a:off x="685622" y="2194561"/>
+            <a:ext cx="10817582" cy="4024125"/>
           </a:xfrm>
           <a:prstGeom prst="rect">
             <a:avLst/>
           </a:prstGeom>
         </p:spPr>
         <p:txBody>
+          <a:bodyPr vert="horz" lIns="91440" tIns="45720" rIns="91440" bIns="45720" rtlCol="0">
+            <a:normAutofit/>
+          </a:bodyPr>
+          <a:lstStyle/>
+          <a:p>
+            <a:pPr lvl="0"/>
+            <a:r>
+              <a:rPr lang="en-US"/>
+              <a:t>Edit Master text styles</a:t>
+            </a:r>
+          </a:p>
+          <a:p>
+            <a:pPr lvl="1"/>
+            <a:r>
+              <a:rPr lang="en-US"/>
+              <a:t>Second level</a:t>
+            </a:r>
+          </a:p>
+          <a:p>
+            <a:pPr lvl="2"/>
+            <a:r>
+              <a:rPr lang="en-US"/>
+              <a:t>Third level</a:t>
+            </a:r>
+          </a:p>
+          <a:p>
+            <a:pPr lvl="3"/>
+            <a:r>
+              <a:rPr lang="en-US"/>
+              <a:t>Fourth level</a:t>
+            </a:r>
+          </a:p>
+          <a:p>
+            <a:pPr lvl="4"/>
+            <a:r>
+              <a:rPr lang="en-US"/>
+              <a:t>Fifth level</a:t>
+            </a:r>
+            <a:endParaRPr lang="en-US" dirty="0"/>
+          </a:p>
+        </p:txBody>
+      </p:sp>
+      <p:sp>
+        <p:nvSpPr>
+          <p:cNvPr id="4" name="Date Placeholder 3"/>
+          <p:cNvSpPr>
+            <a:spLocks noGrp="1"/>
+          </p:cNvSpPr>
+          <p:nvPr>
+            <p:ph type="dt" sz="half" idx="2"/>
+          </p:nvPr>
+        </p:nvSpPr>
+        <p:spPr>
+          <a:xfrm>
+            <a:off x="8593122" y="6356351"/>
+            <a:ext cx="2910082" cy="365125"/>
+          </a:xfrm>
+          <a:prstGeom prst="rect">
+            <a:avLst/>
+          </a:prstGeom>
+        </p:spPr>
+        <p:txBody>
           <a:bodyPr vert="horz" lIns="91440" tIns="45720" rIns="91440" bIns="45720" rtlCol="0" anchor="ctr"/>
           <a:lstStyle>
-            <a:lvl1pPr algn="l">
-              <a:defRPr sz="1100">
+            <a:lvl1pPr algn="r">
+              <a:defRPr sz="1050">
                 <a:solidFill>
                   <a:schemeClr val="tx1">
                     <a:tint val="75000"/>
@@ -3514,24 +6020,29 @@
             </a:lvl1pPr>
           </a:lstStyle>
           <a:p>
-            <a:endParaRPr lang="en-US" dirty="0"/>
-          </a:p>
-        </p:txBody>
-      </p:sp>
-      <p:sp>
-        <p:nvSpPr>
-          <p:cNvPr id="4" name="Date Placeholder 3"/>
-          <p:cNvSpPr>
-            <a:spLocks noGrp="1"/>
-          </p:cNvSpPr>
-          <p:nvPr>
-            <p:ph type="dt" sz="half" idx="2"/>
+            <a:fld id="{03F41C87-7AD9-4845-A077-840E4A0F3F06}" type="datetimeFigureOut">
+              <a:rPr lang="en-US" smtClean="0"/>
+              <a:pPr/>
+              <a:t>3/10/2017</a:t>
+            </a:fld>
+            <a:endParaRPr lang="en-US"/>
+          </a:p>
+        </p:txBody>
+      </p:sp>
+      <p:sp>
+        <p:nvSpPr>
+          <p:cNvPr id="5" name="Footer Placeholder 4"/>
+          <p:cNvSpPr>
+            <a:spLocks noGrp="1"/>
+          </p:cNvSpPr>
+          <p:nvPr>
+            <p:ph type="ftr" sz="quarter" idx="3"/>
           </p:nvPr>
         </p:nvSpPr>
         <p:spPr>
           <a:xfrm>
-            <a:off x="8226422" y="6400800"/>
-            <a:ext cx="1449389" cy="276228"/>
+            <a:off x="685621" y="6355846"/>
+            <a:ext cx="7770376" cy="365125"/>
           </a:xfrm>
           <a:prstGeom prst="rect">
             <a:avLst/>
@@ -3540,8 +6051,8 @@
         <p:txBody>
           <a:bodyPr vert="horz" lIns="91440" tIns="45720" rIns="91440" bIns="45720" rtlCol="0" anchor="ctr"/>
           <a:lstStyle>
-            <a:lvl1pPr algn="r">
-              <a:defRPr sz="1100">
+            <a:lvl1pPr algn="l">
+              <a:defRPr sz="1050">
                 <a:solidFill>
                   <a:schemeClr val="tx1">
                     <a:tint val="75000"/>
@@ -3551,12 +6062,7 @@
             </a:lvl1pPr>
           </a:lstStyle>
           <a:p>
-            <a:fld id="{03F41C87-7AD9-4845-A077-840E4A0F3F06}" type="datetimeFigureOut">
-              <a:rPr lang="en-US" smtClean="0"/>
-              <a:pPr/>
-              <a:t>3/9/2017</a:t>
-            </a:fld>
-            <a:endParaRPr lang="en-US"/>
+            <a:endParaRPr lang="en-US" dirty="0"/>
           </a:p>
         </p:txBody>
       </p:sp>
@@ -3572,8 +6078,8 @@
         </p:nvSpPr>
         <p:spPr>
           <a:xfrm>
-            <a:off x="9828211" y="6400800"/>
-            <a:ext cx="838201" cy="276228"/>
+            <a:off x="8760718" y="381001"/>
+            <a:ext cx="2742486" cy="365125"/>
           </a:xfrm>
           <a:prstGeom prst="rect">
             <a:avLst/>
@@ -3583,7 +6089,7 @@
           <a:bodyPr vert="horz" lIns="91440" tIns="45720" rIns="91440" bIns="45720" rtlCol="0" anchor="ctr"/>
           <a:lstStyle>
             <a:lvl1pPr algn="r">
-              <a:defRPr sz="1100">
+              <a:defRPr sz="1050">
                 <a:solidFill>
                   <a:schemeClr val="tx1">
                     <a:tint val="75000"/>
@@ -3605,23 +6111,29 @@
     </p:spTree>
     <p:extLst>
       <p:ext uri="{BB962C8B-B14F-4D97-AF65-F5344CB8AC3E}">
-        <p14:creationId xmlns:p14="http://schemas.microsoft.com/office/powerpoint/2010/main" val="1403059996"/>
+        <p14:creationId xmlns:p14="http://schemas.microsoft.com/office/powerpoint/2010/main" val="349812843"/>
       </p:ext>
     </p:extLst>
   </p:cSld>
   <p:clrMap bg1="dk1" tx1="lt1" bg2="dk2" tx2="lt2" accent1="accent1" accent2="accent2" accent3="accent3" accent4="accent4" accent5="accent5" accent6="accent6" hlink="hlink" folHlink="folHlink"/>
   <p:sldLayoutIdLst>
-    <p:sldLayoutId id="2147483649" r:id="rId1"/>
-    <p:sldLayoutId id="2147483650" r:id="rId2"/>
-    <p:sldLayoutId id="2147483651" r:id="rId3"/>
-    <p:sldLayoutId id="2147483652" r:id="rId4"/>
-    <p:sldLayoutId id="2147483653" r:id="rId5"/>
-    <p:sldLayoutId id="2147483654" r:id="rId6"/>
-    <p:sldLayoutId id="2147483655" r:id="rId7"/>
-    <p:sldLayoutId id="2147483656" r:id="rId8"/>
-    <p:sldLayoutId id="2147483657" r:id="rId9"/>
-    <p:sldLayoutId id="2147483658" r:id="rId10"/>
-    <p:sldLayoutId id="2147483659" r:id="rId11"/>
+    <p:sldLayoutId id="2147483661" r:id="rId1"/>
+    <p:sldLayoutId id="2147483662" r:id="rId2"/>
+    <p:sldLayoutId id="2147483663" r:id="rId3"/>
+    <p:sldLayoutId id="2147483664" r:id="rId4"/>
+    <p:sldLayoutId id="2147483665" r:id="rId5"/>
+    <p:sldLayoutId id="2147483666" r:id="rId6"/>
+    <p:sldLayoutId id="2147483667" r:id="rId7"/>
+    <p:sldLayoutId id="2147483668" r:id="rId8"/>
+    <p:sldLayoutId id="2147483669" r:id="rId9"/>
+    <p:sldLayoutId id="2147483670" r:id="rId10"/>
+    <p:sldLayoutId id="2147483671" r:id="rId11"/>
+    <p:sldLayoutId id="2147483672" r:id="rId12"/>
+    <p:sldLayoutId id="2147483673" r:id="rId13"/>
+    <p:sldLayoutId id="2147483674" r:id="rId14"/>
+    <p:sldLayoutId id="2147483675" r:id="rId15"/>
+    <p:sldLayoutId id="2147483676" r:id="rId16"/>
+    <p:sldLayoutId id="2147483677" r:id="rId17"/>
   </p:sldLayoutIdLst>
   <mc:AlternateContent xmlns:mc="http://schemas.openxmlformats.org/markup-compatibility/2006" xmlns:p14="http://schemas.microsoft.com/office/powerpoint/2010/main">
     <mc:Choice Requires="p14">
@@ -3637,7 +6149,7 @@
   </mc:AlternateContent>
   <p:txStyles>
     <p:titleStyle>
-      <a:lvl1pPr algn="l" defTabSz="914400" rtl="0" eaLnBrk="1" latinLnBrk="0" hangingPunct="1">
+      <a:lvl1pPr algn="r" defTabSz="914126" rtl="0" eaLnBrk="1" latinLnBrk="0" hangingPunct="1">
         <a:lnSpc>
           <a:spcPct val="90000"/>
         </a:lnSpc>
@@ -3645,7 +6157,7 @@
           <a:spcPct val="0"/>
         </a:spcBef>
         <a:buNone/>
-        <a:defRPr sz="3600" kern="1200" spc="100" baseline="0">
+        <a:defRPr sz="3999" kern="1200" cap="all" baseline="0">
           <a:solidFill>
             <a:schemeClr val="tx1"/>
           </a:solidFill>
@@ -3656,20 +6168,16 @@
       </a:lvl1pPr>
     </p:titleStyle>
     <p:bodyStyle>
-      <a:lvl1pPr marL="223838" indent="-223838" algn="l" defTabSz="914400" rtl="0" eaLnBrk="1" latinLnBrk="0" hangingPunct="1">
+      <a:lvl1pPr marL="228531" indent="-228531" algn="l" defTabSz="914126" rtl="0" eaLnBrk="1" latinLnBrk="0" hangingPunct="1">
         <a:lnSpc>
           <a:spcPct val="90000"/>
         </a:lnSpc>
         <a:spcBef>
-          <a:spcPts val="1800"/>
+          <a:spcPts val="1000"/>
         </a:spcBef>
-        <a:buClr>
-          <a:schemeClr val="accent1"/>
-        </a:buClr>
-        <a:buSzPct val="100000"/>
-        <a:buFont typeface="Arial" pitchFamily="34" charset="0"/>
+        <a:buFont typeface="Arial" panose="020B0604020202020204" pitchFamily="34" charset="0"/>
         <a:buChar char="•"/>
-        <a:defRPr sz="2400" kern="1200">
+        <a:defRPr sz="2199" kern="1200">
           <a:solidFill>
             <a:schemeClr val="tx1"/>
           </a:solidFill>
@@ -3678,20 +6186,16 @@
           <a:cs typeface="+mn-cs"/>
         </a:defRPr>
       </a:lvl1pPr>
-      <a:lvl2pPr marL="463550" indent="-231775" algn="l" defTabSz="914400" rtl="0" eaLnBrk="1" latinLnBrk="0" hangingPunct="1">
+      <a:lvl2pPr marL="685594" indent="-228531" algn="l" defTabSz="914126" rtl="0" eaLnBrk="1" latinLnBrk="0" hangingPunct="1">
         <a:lnSpc>
           <a:spcPct val="90000"/>
         </a:lnSpc>
         <a:spcBef>
-          <a:spcPts val="1200"/>
+          <a:spcPts val="500"/>
         </a:spcBef>
-        <a:buClr>
-          <a:schemeClr val="accent1"/>
-        </a:buClr>
-        <a:buSzPct val="100000"/>
-        <a:buFont typeface="Arial" pitchFamily="34" charset="0"/>
+        <a:buFont typeface="Arial" panose="020B0604020202020204" pitchFamily="34" charset="0"/>
         <a:buChar char="•"/>
-        <a:defRPr sz="2000" kern="1200">
+        <a:defRPr sz="1999" kern="1200">
           <a:solidFill>
             <a:schemeClr val="tx1"/>
           </a:solidFill>
@@ -3700,20 +6204,16 @@
           <a:cs typeface="+mn-cs"/>
         </a:defRPr>
       </a:lvl2pPr>
-      <a:lvl3pPr marL="682625" indent="-219075" algn="l" defTabSz="914400" rtl="0" eaLnBrk="1" latinLnBrk="0" hangingPunct="1">
+      <a:lvl3pPr marL="1142657" indent="-228531" algn="l" defTabSz="914126" rtl="0" eaLnBrk="1" latinLnBrk="0" hangingPunct="1">
         <a:lnSpc>
           <a:spcPct val="90000"/>
         </a:lnSpc>
         <a:spcBef>
-          <a:spcPts val="600"/>
+          <a:spcPts val="500"/>
         </a:spcBef>
-        <a:buClr>
-          <a:schemeClr val="accent1"/>
-        </a:buClr>
-        <a:buSzPct val="100000"/>
-        <a:buFont typeface="Arial" pitchFamily="34" charset="0"/>
+        <a:buFont typeface="Arial" panose="020B0604020202020204" pitchFamily="34" charset="0"/>
         <a:buChar char="•"/>
-        <a:defRPr sz="1800" kern="1200">
+        <a:defRPr sz="1799" kern="1200">
           <a:solidFill>
             <a:schemeClr val="tx1"/>
           </a:solidFill>
@@ -3722,18 +6222,14 @@
           <a:cs typeface="+mn-cs"/>
         </a:defRPr>
       </a:lvl3pPr>
-      <a:lvl4pPr marL="857250" indent="-174625" algn="l" defTabSz="914400" rtl="0" eaLnBrk="1" latinLnBrk="0" hangingPunct="1">
+      <a:lvl4pPr marL="1599720" indent="-228531" algn="l" defTabSz="914126" rtl="0" eaLnBrk="1" latinLnBrk="0" hangingPunct="1">
         <a:lnSpc>
           <a:spcPct val="90000"/>
         </a:lnSpc>
         <a:spcBef>
-          <a:spcPts val="600"/>
+          <a:spcPts val="500"/>
         </a:spcBef>
-        <a:buClr>
-          <a:schemeClr val="accent1"/>
-        </a:buClr>
-        <a:buSzPct val="100000"/>
-        <a:buFont typeface="Arial" pitchFamily="34" charset="0"/>
+        <a:buFont typeface="Arial" panose="020B0604020202020204" pitchFamily="34" charset="0"/>
         <a:buChar char="•"/>
         <a:defRPr sz="1600" kern="1200">
           <a:solidFill>
@@ -3744,18 +6240,14 @@
           <a:cs typeface="+mn-cs"/>
         </a:defRPr>
       </a:lvl4pPr>
-      <a:lvl5pPr marL="1030288" indent="-173038" algn="l" defTabSz="914400" rtl="0" eaLnBrk="1" latinLnBrk="0" hangingPunct="1">
+      <a:lvl5pPr marL="2056783" indent="-228531" algn="l" defTabSz="914126" rtl="0" eaLnBrk="1" latinLnBrk="0" hangingPunct="1">
         <a:lnSpc>
           <a:spcPct val="90000"/>
         </a:lnSpc>
         <a:spcBef>
-          <a:spcPts val="600"/>
+          <a:spcPts val="500"/>
         </a:spcBef>
-        <a:buClr>
-          <a:schemeClr val="accent1"/>
-        </a:buClr>
-        <a:buSzPct val="100000"/>
-        <a:buFont typeface="Arial" pitchFamily="34" charset="0"/>
+        <a:buFont typeface="Arial" panose="020B0604020202020204" pitchFamily="34" charset="0"/>
         <a:buChar char="•"/>
         <a:defRPr sz="1600" kern="1200">
           <a:solidFill>
@@ -3766,14 +6258,14 @@
           <a:cs typeface="+mn-cs"/>
         </a:defRPr>
       </a:lvl5pPr>
-      <a:lvl6pPr marL="1207008" indent="-173736" algn="l" defTabSz="914400" rtl="0" eaLnBrk="1" latinLnBrk="0" hangingPunct="1">
+      <a:lvl6pPr marL="2513846" indent="-228531" algn="l" defTabSz="914126" rtl="0" eaLnBrk="1" latinLnBrk="0" hangingPunct="1">
+        <a:lnSpc>
+          <a:spcPct val="90000"/>
+        </a:lnSpc>
         <a:spcBef>
-          <a:spcPts val="600"/>
+          <a:spcPts val="500"/>
         </a:spcBef>
-        <a:buClr>
-          <a:schemeClr val="accent1"/>
-        </a:buClr>
-        <a:buFont typeface="Arial" pitchFamily="34" charset="0"/>
+        <a:buFont typeface="Arial" panose="020B0604020202020204" pitchFamily="34" charset="0"/>
         <a:buChar char="•"/>
         <a:defRPr sz="1600" kern="1200">
           <a:solidFill>
@@ -3784,14 +6276,14 @@
           <a:cs typeface="+mn-cs"/>
         </a:defRPr>
       </a:lvl6pPr>
-      <a:lvl7pPr marL="1380744" indent="-173736" algn="l" defTabSz="914400" rtl="0" eaLnBrk="1" latinLnBrk="0" hangingPunct="1">
+      <a:lvl7pPr marL="2970908" indent="-228531" algn="l" defTabSz="914126" rtl="0" eaLnBrk="1" latinLnBrk="0" hangingPunct="1">
+        <a:lnSpc>
+          <a:spcPct val="90000"/>
+        </a:lnSpc>
         <a:spcBef>
-          <a:spcPts val="600"/>
+          <a:spcPts val="500"/>
         </a:spcBef>
-        <a:buClr>
-          <a:schemeClr val="accent1"/>
-        </a:buClr>
-        <a:buFont typeface="Arial" pitchFamily="34" charset="0"/>
+        <a:buFont typeface="Arial" panose="020B0604020202020204" pitchFamily="34" charset="0"/>
         <a:buChar char="•"/>
         <a:defRPr sz="1600" kern="1200">
           <a:solidFill>
@@ -3802,14 +6294,14 @@
           <a:cs typeface="+mn-cs"/>
         </a:defRPr>
       </a:lvl7pPr>
-      <a:lvl8pPr marL="1554480" indent="-173736" algn="l" defTabSz="914400" rtl="0" eaLnBrk="1" latinLnBrk="0" hangingPunct="1">
+      <a:lvl8pPr marL="3427971" indent="-228531" algn="l" defTabSz="914126" rtl="0" eaLnBrk="1" latinLnBrk="0" hangingPunct="1">
+        <a:lnSpc>
+          <a:spcPct val="90000"/>
+        </a:lnSpc>
         <a:spcBef>
-          <a:spcPts val="600"/>
+          <a:spcPts val="500"/>
         </a:spcBef>
-        <a:buClr>
-          <a:schemeClr val="accent1"/>
-        </a:buClr>
-        <a:buFont typeface="Arial" pitchFamily="34" charset="0"/>
+        <a:buFont typeface="Arial" panose="020B0604020202020204" pitchFamily="34" charset="0"/>
         <a:buChar char="•"/>
         <a:defRPr sz="1600" kern="1200">
           <a:solidFill>
@@ -3820,14 +6312,14 @@
           <a:cs typeface="+mn-cs"/>
         </a:defRPr>
       </a:lvl8pPr>
-      <a:lvl9pPr marL="1728216" indent="-173736" algn="l" defTabSz="914400" rtl="0" eaLnBrk="1" latinLnBrk="0" hangingPunct="1">
+      <a:lvl9pPr marL="3885034" indent="-228531" algn="l" defTabSz="914126" rtl="0" eaLnBrk="1" latinLnBrk="0" hangingPunct="1">
+        <a:lnSpc>
+          <a:spcPct val="90000"/>
+        </a:lnSpc>
         <a:spcBef>
-          <a:spcPts val="600"/>
+          <a:spcPts val="500"/>
         </a:spcBef>
-        <a:buClr>
-          <a:schemeClr val="accent1"/>
-        </a:buClr>
-        <a:buFont typeface="Arial" pitchFamily="34" charset="0"/>
+        <a:buFont typeface="Arial" panose="020B0604020202020204" pitchFamily="34" charset="0"/>
         <a:buChar char="•"/>
         <a:defRPr sz="1600" kern="1200">
           <a:solidFill>
@@ -3841,10 +6333,10 @@
     </p:bodyStyle>
     <p:otherStyle>
       <a:defPPr>
-        <a:defRPr/>
+        <a:defRPr lang="en-US"/>
       </a:defPPr>
-      <a:lvl1pPr marL="0" algn="l" defTabSz="914400" rtl="0" eaLnBrk="1" latinLnBrk="0" hangingPunct="1">
-        <a:defRPr sz="1800" kern="1200">
+      <a:lvl1pPr marL="0" algn="l" defTabSz="914126" rtl="0" eaLnBrk="1" latinLnBrk="0" hangingPunct="1">
+        <a:defRPr sz="1799" kern="1200">
           <a:solidFill>
             <a:schemeClr val="tx1"/>
           </a:solidFill>
@@ -3853,8 +6345,8 @@
           <a:cs typeface="+mn-cs"/>
         </a:defRPr>
       </a:lvl1pPr>
-      <a:lvl2pPr marL="457200" algn="l" defTabSz="914400" rtl="0" eaLnBrk="1" latinLnBrk="0" hangingPunct="1">
-        <a:defRPr sz="1800" kern="1200">
+      <a:lvl2pPr marL="457063" algn="l" defTabSz="914126" rtl="0" eaLnBrk="1" latinLnBrk="0" hangingPunct="1">
+        <a:defRPr sz="1799" kern="1200">
           <a:solidFill>
             <a:schemeClr val="tx1"/>
           </a:solidFill>
@@ -3863,8 +6355,8 @@
           <a:cs typeface="+mn-cs"/>
         </a:defRPr>
       </a:lvl2pPr>
-      <a:lvl3pPr marL="914400" algn="l" defTabSz="914400" rtl="0" eaLnBrk="1" latinLnBrk="0" hangingPunct="1">
-        <a:defRPr sz="1800" kern="1200">
+      <a:lvl3pPr marL="914126" algn="l" defTabSz="914126" rtl="0" eaLnBrk="1" latinLnBrk="0" hangingPunct="1">
+        <a:defRPr sz="1799" kern="1200">
           <a:solidFill>
             <a:schemeClr val="tx1"/>
           </a:solidFill>
@@ -3873,8 +6365,8 @@
           <a:cs typeface="+mn-cs"/>
         </a:defRPr>
       </a:lvl3pPr>
-      <a:lvl4pPr marL="1371600" algn="l" defTabSz="914400" rtl="0" eaLnBrk="1" latinLnBrk="0" hangingPunct="1">
-        <a:defRPr sz="1800" kern="1200">
+      <a:lvl4pPr marL="1371189" algn="l" defTabSz="914126" rtl="0" eaLnBrk="1" latinLnBrk="0" hangingPunct="1">
+        <a:defRPr sz="1799" kern="1200">
           <a:solidFill>
             <a:schemeClr val="tx1"/>
           </a:solidFill>
@@ -3883,8 +6375,8 @@
           <a:cs typeface="+mn-cs"/>
         </a:defRPr>
       </a:lvl4pPr>
-      <a:lvl5pPr marL="1828800" algn="l" defTabSz="914400" rtl="0" eaLnBrk="1" latinLnBrk="0" hangingPunct="1">
-        <a:defRPr sz="1800" kern="1200">
+      <a:lvl5pPr marL="1828251" algn="l" defTabSz="914126" rtl="0" eaLnBrk="1" latinLnBrk="0" hangingPunct="1">
+        <a:defRPr sz="1799" kern="1200">
           <a:solidFill>
             <a:schemeClr val="tx1"/>
           </a:solidFill>
@@ -3893,8 +6385,8 @@
           <a:cs typeface="+mn-cs"/>
         </a:defRPr>
       </a:lvl5pPr>
-      <a:lvl6pPr marL="2286000" algn="l" defTabSz="914400" rtl="0" eaLnBrk="1" latinLnBrk="0" hangingPunct="1">
-        <a:defRPr sz="1800" kern="1200">
+      <a:lvl6pPr marL="2285314" algn="l" defTabSz="914126" rtl="0" eaLnBrk="1" latinLnBrk="0" hangingPunct="1">
+        <a:defRPr sz="1799" kern="1200">
           <a:solidFill>
             <a:schemeClr val="tx1"/>
           </a:solidFill>
@@ -3903,8 +6395,8 @@
           <a:cs typeface="+mn-cs"/>
         </a:defRPr>
       </a:lvl6pPr>
-      <a:lvl7pPr marL="2743200" algn="l" defTabSz="914400" rtl="0" eaLnBrk="1" latinLnBrk="0" hangingPunct="1">
-        <a:defRPr sz="1800" kern="1200">
+      <a:lvl7pPr marL="2742377" algn="l" defTabSz="914126" rtl="0" eaLnBrk="1" latinLnBrk="0" hangingPunct="1">
+        <a:defRPr sz="1799" kern="1200">
           <a:solidFill>
             <a:schemeClr val="tx1"/>
           </a:solidFill>
@@ -3913,8 +6405,8 @@
           <a:cs typeface="+mn-cs"/>
         </a:defRPr>
       </a:lvl7pPr>
-      <a:lvl8pPr marL="3200400" algn="l" defTabSz="914400" rtl="0" eaLnBrk="1" latinLnBrk="0" hangingPunct="1">
-        <a:defRPr sz="1800" kern="1200">
+      <a:lvl8pPr marL="3199440" algn="l" defTabSz="914126" rtl="0" eaLnBrk="1" latinLnBrk="0" hangingPunct="1">
+        <a:defRPr sz="1799" kern="1200">
           <a:solidFill>
             <a:schemeClr val="tx1"/>
           </a:solidFill>
@@ -3923,8 +6415,8 @@
           <a:cs typeface="+mn-cs"/>
         </a:defRPr>
       </a:lvl8pPr>
-      <a:lvl9pPr marL="3657600" algn="l" defTabSz="914400" rtl="0" eaLnBrk="1" latinLnBrk="0" hangingPunct="1">
-        <a:defRPr sz="1800" kern="1200">
+      <a:lvl9pPr marL="3656503" algn="l" defTabSz="914126" rtl="0" eaLnBrk="1" latinLnBrk="0" hangingPunct="1">
+        <a:defRPr sz="1799" kern="1200">
           <a:solidFill>
             <a:schemeClr val="tx1"/>
           </a:solidFill>
@@ -3935,15 +6427,15 @@
       </a:lvl9pPr>
     </p:otherStyle>
   </p:txStyles>
-  <p:extLst mod="1">
+  <p:extLst>
     <p:ext uri="{27BBF7A9-308A-43DC-89C8-2F10F3537804}">
       <p15:sldGuideLst xmlns:p15="http://schemas.microsoft.com/office/powerpoint/2012/main">
-        <p15:guide id="1" pos="3839" userDrawn="1">
+        <p15:guide id="1" pos="3839">
           <p15:clr>
             <a:srgbClr val="F26B43"/>
           </p15:clr>
         </p15:guide>
-        <p15:guide id="2" orient="horz" pos="2160" userDrawn="1">
+        <p15:guide id="2" orient="horz" pos="2160">
           <p15:clr>
             <a:srgbClr val="F26B43"/>
           </p15:clr>
@@ -4074,7 +6566,7 @@
           <a:p>
             <a:r>
               <a:rPr lang="en-US" dirty="0"/>
-              <a:t>Objective</a:t>
+              <a:t>Super Smash Brothers Melee</a:t>
             </a:r>
           </a:p>
         </p:txBody>
@@ -4096,20 +6588,61 @@
           <a:p>
             <a:r>
               <a:rPr lang="en-US" dirty="0"/>
-              <a:t>Provide a training partner to </a:t>
-            </a:r>
-            <a:r>
-              <a:rPr lang="en-US"/>
-              <a:t>SSBM players</a:t>
+              <a:t>Fighting game for the Nintendo </a:t>
+            </a:r>
+            <a:r>
+              <a:rPr lang="en-US" dirty="0" err="1"/>
+              <a:t>Gamecube</a:t>
             </a:r>
             <a:endParaRPr lang="en-US" dirty="0"/>
           </a:p>
         </p:txBody>
       </p:sp>
+      <p:pic>
+        <p:nvPicPr>
+          <p:cNvPr id="1026" name="Picture 2" descr="300px-SSBM_MP_Debug_no_life_icons.png (300×225)"/>
+          <p:cNvPicPr>
+            <a:picLocks noChangeAspect="1" noChangeArrowheads="1"/>
+          </p:cNvPicPr>
+          <p:nvPr/>
+        </p:nvPicPr>
+        <p:blipFill>
+          <a:blip r:embed="rId2">
+            <a:extLst>
+              <a:ext uri="{28A0092B-C50C-407E-A947-70E740481C1C}">
+                <a14:useLocalDpi xmlns:a14="http://schemas.microsoft.com/office/drawing/2010/main" val="0"/>
+              </a:ext>
+            </a:extLst>
+          </a:blip>
+          <a:srcRect/>
+          <a:stretch>
+            <a:fillRect/>
+          </a:stretch>
+        </p:blipFill>
+        <p:spPr bwMode="auto">
+          <a:xfrm>
+            <a:off x="7939447" y="2057401"/>
+            <a:ext cx="3563757" cy="2672818"/>
+          </a:xfrm>
+          <a:prstGeom prst="rect">
+            <a:avLst/>
+          </a:prstGeom>
+          <a:noFill/>
+          <a:extLst>
+            <a:ext uri="{909E8E84-426E-40DD-AFC4-6F175D3DCCD1}">
+              <a14:hiddenFill xmlns:a14="http://schemas.microsoft.com/office/drawing/2010/main">
+                <a:solidFill>
+                  <a:srgbClr val="FFFFFF"/>
+                </a:solidFill>
+              </a14:hiddenFill>
+            </a:ext>
+          </a:extLst>
+        </p:spPr>
+      </p:pic>
     </p:spTree>
     <p:extLst>
       <p:ext uri="{BB962C8B-B14F-4D97-AF65-F5344CB8AC3E}">
-        <p14:creationId xmlns:p14="http://schemas.microsoft.com/office/powerpoint/2010/main" val="2617607715"/>
+        <p14:creationId xmlns:p14="http://schemas.microsoft.com/office/powerpoint/2010/main" val="1101511178"/>
       </p:ext>
     </p:extLst>
   </p:cSld>
@@ -4163,7 +6696,10 @@
           <a:bodyPr/>
           <a:lstStyle/>
           <a:p>
-            <a:endParaRPr lang="en-US"/>
+            <a:r>
+              <a:rPr lang="en-US" dirty="0"/>
+              <a:t>Problem</a:t>
+            </a:r>
           </a:p>
         </p:txBody>
       </p:sp>
@@ -4182,7 +6718,7 @@
           <a:bodyPr/>
           <a:lstStyle/>
           <a:p>
-            <a:endParaRPr lang="en-US"/>
+            <a:endParaRPr lang="en-US" dirty="0"/>
           </a:p>
         </p:txBody>
       </p:sp>
@@ -4243,7 +6779,10 @@
           <a:bodyPr/>
           <a:lstStyle/>
           <a:p>
-            <a:endParaRPr lang="en-US"/>
+            <a:r>
+              <a:rPr lang="en-US" dirty="0"/>
+              <a:t>Fixing the problem</a:t>
+            </a:r>
           </a:p>
         </p:txBody>
       </p:sp>
@@ -4262,14 +6801,17 @@
           <a:bodyPr/>
           <a:lstStyle/>
           <a:p>
-            <a:endParaRPr lang="en-US"/>
+            <a:r>
+              <a:rPr lang="en-US" dirty="0"/>
+              <a:t>Machine Learning</a:t>
+            </a:r>
           </a:p>
         </p:txBody>
       </p:sp>
     </p:spTree>
     <p:extLst>
       <p:ext uri="{BB962C8B-B14F-4D97-AF65-F5344CB8AC3E}">
-        <p14:creationId xmlns:p14="http://schemas.microsoft.com/office/powerpoint/2010/main" val="2854175971"/>
+        <p14:creationId xmlns:p14="http://schemas.microsoft.com/office/powerpoint/2010/main" val="2617607715"/>
       </p:ext>
     </p:extLst>
   </p:cSld>
@@ -4349,6 +6891,86 @@
     </p:spTree>
     <p:extLst>
       <p:ext uri="{BB962C8B-B14F-4D97-AF65-F5344CB8AC3E}">
+        <p14:creationId xmlns:p14="http://schemas.microsoft.com/office/powerpoint/2010/main" val="2854175971"/>
+      </p:ext>
+    </p:extLst>
+  </p:cSld>
+  <p:clrMapOvr>
+    <a:masterClrMapping/>
+  </p:clrMapOvr>
+  <mc:AlternateContent xmlns:mc="http://schemas.openxmlformats.org/markup-compatibility/2006" xmlns:p14="http://schemas.microsoft.com/office/powerpoint/2010/main">
+    <mc:Choice Requires="p14">
+      <p:transition spd="med" p14:dur="700">
+        <p:fade/>
+      </p:transition>
+    </mc:Choice>
+    <mc:Fallback xmlns="">
+      <p:transition spd="med">
+        <p:fade/>
+      </p:transition>
+    </mc:Fallback>
+  </mc:AlternateContent>
+</p:sld>
+</file>
+
+<file path=ppt/slides/slide6.xml><?xml version="1.0" encoding="utf-8"?>
+<p:sld xmlns:a="http://schemas.openxmlformats.org/drawingml/2006/main" xmlns:r="http://schemas.openxmlformats.org/officeDocument/2006/relationships" xmlns:p="http://schemas.openxmlformats.org/presentationml/2006/main">
+  <p:cSld>
+    <p:spTree>
+      <p:nvGrpSpPr>
+        <p:cNvPr id="1" name=""/>
+        <p:cNvGrpSpPr/>
+        <p:nvPr/>
+      </p:nvGrpSpPr>
+      <p:grpSpPr>
+        <a:xfrm>
+          <a:off x="0" y="0"/>
+          <a:ext cx="0" cy="0"/>
+          <a:chOff x="0" y="0"/>
+          <a:chExt cx="0" cy="0"/>
+        </a:xfrm>
+      </p:grpSpPr>
+      <p:sp>
+        <p:nvSpPr>
+          <p:cNvPr id="2" name="Title 1"/>
+          <p:cNvSpPr>
+            <a:spLocks noGrp="1"/>
+          </p:cNvSpPr>
+          <p:nvPr>
+            <p:ph type="title"/>
+          </p:nvPr>
+        </p:nvSpPr>
+        <p:spPr/>
+        <p:txBody>
+          <a:bodyPr/>
+          <a:lstStyle/>
+          <a:p>
+            <a:endParaRPr lang="en-US"/>
+          </a:p>
+        </p:txBody>
+      </p:sp>
+      <p:sp>
+        <p:nvSpPr>
+          <p:cNvPr id="3" name="Content Placeholder 2"/>
+          <p:cNvSpPr>
+            <a:spLocks noGrp="1"/>
+          </p:cNvSpPr>
+          <p:nvPr>
+            <p:ph idx="1"/>
+          </p:nvPr>
+        </p:nvSpPr>
+        <p:spPr/>
+        <p:txBody>
+          <a:bodyPr/>
+          <a:lstStyle/>
+          <a:p>
+            <a:endParaRPr lang="en-US"/>
+          </a:p>
+        </p:txBody>
+      </p:sp>
+    </p:spTree>
+    <p:extLst>
+      <p:ext uri="{BB962C8B-B14F-4D97-AF65-F5344CB8AC3E}">
         <p14:creationId xmlns:p14="http://schemas.microsoft.com/office/powerpoint/2010/main" val="229318570"/>
       </p:ext>
     </p:extLst>
@@ -4378,58 +7000,93 @@
 </file>
 
 <file path=ppt/theme/theme1.xml><?xml version="1.0" encoding="utf-8"?>
-<a:theme xmlns:a="http://schemas.openxmlformats.org/drawingml/2006/main" name="Digital Blue Tunnel 16x9">
+<a:theme xmlns:a="http://schemas.openxmlformats.org/drawingml/2006/main" name="Vapor Trail">
   <a:themeElements>
-    <a:clrScheme name="Digital Blue Tunnel">
+    <a:clrScheme name="Vapor Trail">
       <a:dk1>
-        <a:srgbClr val="000000"/>
+        <a:sysClr val="windowText" lastClr="000000"/>
       </a:dk1>
       <a:lt1>
         <a:sysClr val="window" lastClr="FFFFFF"/>
       </a:lt1>
       <a:dk2>
-        <a:srgbClr val="001027"/>
+        <a:srgbClr val="454545"/>
       </a:dk2>
       <a:lt2>
-        <a:srgbClr val="C1EBF7"/>
+        <a:srgbClr val="DADADA"/>
       </a:lt2>
       <a:accent1>
-        <a:srgbClr val="56C5FF"/>
+        <a:srgbClr val="DF2E28"/>
       </a:accent1>
       <a:accent2>
-        <a:srgbClr val="4BB836"/>
+        <a:srgbClr val="FE801A"/>
       </a:accent2>
       <a:accent3>
-        <a:srgbClr val="F8B004"/>
+        <a:srgbClr val="E9BF35"/>
       </a:accent3>
       <a:accent4>
-        <a:srgbClr val="972ACD"/>
+        <a:srgbClr val="81BB42"/>
       </a:accent4>
       <a:accent5>
-        <a:srgbClr val="F86E24"/>
+        <a:srgbClr val="32C7A9"/>
       </a:accent5>
       <a:accent6>
-        <a:srgbClr val="DB30C7"/>
+        <a:srgbClr val="4A9BDC"/>
       </a:accent6>
       <a:hlink>
-        <a:srgbClr val="F8B004"/>
+        <a:srgbClr val="F0532B"/>
       </a:hlink>
       <a:folHlink>
-        <a:srgbClr val="969696"/>
+        <a:srgbClr val="F38B53"/>
       </a:folHlink>
     </a:clrScheme>
-    <a:fontScheme name="Corbel">
+    <a:fontScheme name="Vapor Trail">
       <a:majorFont>
-        <a:latin typeface="Corbel"/>
+        <a:latin typeface="Century Gothic" panose="020B0502020202020204"/>
         <a:ea typeface=""/>
         <a:cs typeface=""/>
-        <a:font script="Jpan" typeface="ＭＳ ゴシック"/>
-        <a:font script="Hang" typeface="HY중고딕"/>
-        <a:font script="Hans" typeface="幼圆"/>
-        <a:font script="Hant" typeface="微軟正黑體"/>
-        <a:font script="Arab" typeface="Tahoma"/>
-        <a:font script="Hebr" typeface="Gisha"/>
-        <a:font script="Thai" typeface="DilleniaUPC"/>
+        <a:font script="Jpan" typeface="ＭＳ Ｐゴシック"/>
+        <a:font script="Hang" typeface="맑은 고딕"/>
+        <a:font script="Hans" typeface="宋体"/>
+        <a:font script="Hant" typeface="新細明體"/>
+        <a:font script="Arab" typeface="Times New Roman"/>
+        <a:font script="Hebr" typeface="Times New Roman"/>
+        <a:font script="Thai" typeface="Angsana New"/>
+        <a:font script="Ethi" typeface="Nyala"/>
+        <a:font script="Beng" typeface="Vrinda"/>
+        <a:font script="Gujr" typeface="Shruti"/>
+        <a:font script="Khmr" typeface="MoolBoran"/>
+        <a:font script="Knda" typeface="Tunga"/>
+        <a:font script="Guru" typeface="Raavi"/>
+        <a:font script="Cans" typeface="Euphemia"/>
+        <a:font script="Cher" typeface="Plantagenet Cherokee"/>
+        <a:font script="Yiii" typeface="Microsoft Yi Baiti"/>
+        <a:font script="Tibt" typeface="Microsoft Himalaya"/>
+        <a:font script="Thaa" typeface="MV Boli"/>
+        <a:font script="Deva" typeface="Mangal"/>
+        <a:font script="Telu" typeface="Gautami"/>
+        <a:font script="Taml" typeface="Latha"/>
+        <a:font script="Syrc" typeface="Estrangelo Edessa"/>
+        <a:font script="Orya" typeface="Kalinga"/>
+        <a:font script="Mlym" typeface="Kartika"/>
+        <a:font script="Laoo" typeface="DokChampa"/>
+        <a:font script="Sinh" typeface="Iskoola Pota"/>
+        <a:font script="Mong" typeface="Mongolian Baiti"/>
+        <a:font script="Viet" typeface="Times New Roman"/>
+        <a:font script="Uigh" typeface="Microsoft Uighur"/>
+        <a:font script="Geor" typeface="Sylfaen"/>
+      </a:majorFont>
+      <a:minorFont>
+        <a:latin typeface="Century Gothic" panose="020B0502020202020204"/>
+        <a:ea typeface=""/>
+        <a:cs typeface=""/>
+        <a:font script="Jpan" typeface="ＭＳ Ｐゴシック"/>
+        <a:font script="Hang" typeface="맑은 고딕"/>
+        <a:font script="Hans" typeface="宋体"/>
+        <a:font script="Hant" typeface="新細明體"/>
+        <a:font script="Arab" typeface="Arial"/>
+        <a:font script="Hebr" typeface="Arial"/>
+        <a:font script="Thai" typeface="Cordia New"/>
         <a:font script="Ethi" typeface="Nyala"/>
         <a:font script="Beng" typeface="Vrinda"/>
         <a:font script="Gujr" typeface="Shruti"/>
@@ -4450,47 +7107,12 @@
         <a:font script="Laoo" typeface="DokChampa"/>
         <a:font script="Sinh" typeface="Iskoola Pota"/>
         <a:font script="Mong" typeface="Mongolian Baiti"/>
-        <a:font script="Viet" typeface="Tahoma"/>
-        <a:font script="Uigh" typeface="Microsoft Uighur"/>
-        <a:font script="Geor" typeface="Sylfaen"/>
-      </a:majorFont>
-      <a:minorFont>
-        <a:latin typeface="Corbel"/>
-        <a:ea typeface=""/>
-        <a:cs typeface=""/>
-        <a:font script="Jpan" typeface="ＭＳ ゴシック"/>
-        <a:font script="Hang" typeface="HY중고딕"/>
-        <a:font script="Hans" typeface="幼圆"/>
-        <a:font script="Hant" typeface="微軟正黑體"/>
-        <a:font script="Arab" typeface="Tahoma"/>
-        <a:font script="Hebr" typeface="Gisha"/>
-        <a:font script="Thai" typeface="DilleniaUPC"/>
-        <a:font script="Ethi" typeface="Nyala"/>
-        <a:font script="Beng" typeface="Vrinda"/>
-        <a:font script="Gujr" typeface="Shruti"/>
-        <a:font script="Khmr" typeface="DaunPenh"/>
-        <a:font script="Knda" typeface="Tunga"/>
-        <a:font script="Guru" typeface="Raavi"/>
-        <a:font script="Cans" typeface="Euphemia"/>
-        <a:font script="Cher" typeface="Plantagenet Cherokee"/>
-        <a:font script="Yiii" typeface="Microsoft Yi Baiti"/>
-        <a:font script="Tibt" typeface="Microsoft Himalaya"/>
-        <a:font script="Thaa" typeface="MV Boli"/>
-        <a:font script="Deva" typeface="Mangal"/>
-        <a:font script="Telu" typeface="Gautami"/>
-        <a:font script="Taml" typeface="Latha"/>
-        <a:font script="Syrc" typeface="Estrangelo Edessa"/>
-        <a:font script="Orya" typeface="Kalinga"/>
-        <a:font script="Mlym" typeface="Kartika"/>
-        <a:font script="Laoo" typeface="DokChampa"/>
-        <a:font script="Sinh" typeface="Iskoola Pota"/>
-        <a:font script="Mong" typeface="Mongolian Baiti"/>
-        <a:font script="Viet" typeface="Verdana"/>
+        <a:font script="Viet" typeface="Arial"/>
         <a:font script="Uigh" typeface="Microsoft Uighur"/>
         <a:font script="Geor" typeface="Sylfaen"/>
       </a:minorFont>
     </a:fontScheme>
-    <a:fmtScheme name="Office">
+    <a:fmtScheme name="Vapor Trail">
       <a:fillStyleLst>
         <a:solidFill>
           <a:schemeClr val="phClr"/>
@@ -4499,23 +7121,24 @@
           <a:gsLst>
             <a:gs pos="0">
               <a:schemeClr val="phClr">
+                <a:tint val="69000"/>
+                <a:alpha val="100000"/>
+                <a:satMod val="109000"/>
                 <a:lumMod val="110000"/>
-                <a:satMod val="105000"/>
-                <a:tint val="67000"/>
               </a:schemeClr>
             </a:gs>
-            <a:gs pos="50000">
+            <a:gs pos="52000">
               <a:schemeClr val="phClr">
-                <a:lumMod val="105000"/>
-                <a:satMod val="103000"/>
-                <a:tint val="73000"/>
+                <a:tint val="74000"/>
+                <a:satMod val="100000"/>
+                <a:lumMod val="104000"/>
               </a:schemeClr>
             </a:gs>
             <a:gs pos="100000">
               <a:schemeClr val="phClr">
-                <a:lumMod val="105000"/>
-                <a:satMod val="109000"/>
-                <a:tint val="81000"/>
+                <a:tint val="78000"/>
+                <a:satMod val="100000"/>
+                <a:lumMod val="100000"/>
               </a:schemeClr>
             </a:gs>
           </a:gsLst>
@@ -4525,23 +7148,16 @@
           <a:gsLst>
             <a:gs pos="0">
               <a:schemeClr val="phClr">
-                <a:satMod val="103000"/>
-                <a:lumMod val="102000"/>
-                <a:tint val="94000"/>
+                <a:tint val="96000"/>
+                <a:satMod val="100000"/>
+                <a:lumMod val="104000"/>
               </a:schemeClr>
             </a:gs>
-            <a:gs pos="50000">
+            <a:gs pos="78000">
               <a:schemeClr val="phClr">
+                <a:shade val="100000"/>
                 <a:satMod val="110000"/>
                 <a:lumMod val="100000"/>
-                <a:shade val="100000"/>
-              </a:schemeClr>
-            </a:gs>
-            <a:gs pos="100000">
-              <a:schemeClr val="phClr">
-                <a:lumMod val="99000"/>
-                <a:satMod val="120000"/>
-                <a:shade val="78000"/>
               </a:schemeClr>
             </a:gs>
           </a:gsLst>
@@ -4549,26 +7165,23 @@
         </a:gradFill>
       </a:fillStyleLst>
       <a:lnStyleLst>
-        <a:ln w="6350" cap="flat" cmpd="sng" algn="ctr">
+        <a:ln w="9525" cap="flat" cmpd="sng" algn="ctr">
           <a:solidFill>
             <a:schemeClr val="phClr"/>
           </a:solidFill>
           <a:prstDash val="solid"/>
-          <a:miter lim="800000"/>
         </a:ln>
         <a:ln w="12700" cap="flat" cmpd="sng" algn="ctr">
           <a:solidFill>
             <a:schemeClr val="phClr"/>
           </a:solidFill>
           <a:prstDash val="solid"/>
-          <a:miter lim="800000"/>
         </a:ln>
         <a:ln w="19050" cap="flat" cmpd="sng" algn="ctr">
           <a:solidFill>
             <a:schemeClr val="phClr"/>
           </a:solidFill>
           <a:prstDash val="solid"/>
-          <a:miter lim="800000"/>
         </a:ln>
       </a:lnStyleLst>
       <a:effectStyleLst>
@@ -4577,15 +7190,33 @@
         </a:effectStyle>
         <a:effectStyle>
           <a:effectLst/>
+          <a:scene3d>
+            <a:camera prst="orthographicFront">
+              <a:rot lat="0" lon="0" rev="0"/>
+            </a:camera>
+            <a:lightRig rig="threePt" dir="t"/>
+          </a:scene3d>
+          <a:sp3d>
+            <a:bevelT w="25400" h="12700"/>
+          </a:sp3d>
         </a:effectStyle>
         <a:effectStyle>
           <a:effectLst>
             <a:outerShdw blurRad="57150" dist="19050" dir="5400000" algn="ctr" rotWithShape="0">
               <a:srgbClr val="000000">
-                <a:alpha val="63000"/>
+                <a:alpha val="48000"/>
               </a:srgbClr>
             </a:outerShdw>
           </a:effectLst>
+          <a:scene3d>
+            <a:camera prst="orthographicFront">
+              <a:rot lat="0" lon="0" rev="0"/>
+            </a:camera>
+            <a:lightRig rig="threePt" dir="t"/>
+          </a:scene3d>
+          <a:sp3d>
+            <a:bevelT w="50800" h="25400"/>
+          </a:sp3d>
         </a:effectStyle>
       </a:effectStyleLst>
       <a:bgFillStyleLst>
@@ -4632,7 +7263,7 @@
   <a:extraClrSchemeLst/>
   <a:extLst>
     <a:ext uri="{05A4C25C-085E-4340-85A3-A5531E510DB2}">
-      <thm15:themeFamily xmlns:thm15="http://schemas.microsoft.com/office/thememl/2012/main" name="TF02895261.potx" id="{03C5CF44-0C62-41B4-B3EA-416B4807878A}" vid="{EC3ACB92-700E-4167-B3A6-412DE40A64C2}"/>
+      <thm15:themeFamily xmlns:thm15="http://schemas.microsoft.com/office/thememl/2012/main" name="Vapor Trail" id="{4FDF2955-7D9C-493C-B9F9-C205151B46CD}" vid="{8F31A783-2159-4870-BC29-2BA7D038EA44}"/>
     </a:ext>
   </a:extLst>
 </a:theme>
@@ -5151,6 +7782,142 @@
 </file>
 
 <file path=customXml/item1.xml><?xml version="1.0" encoding="utf-8"?>
+<?mso-contentType ?>
+<FormTemplates xmlns="http://schemas.microsoft.com/sharepoint/v3/contenttype/forms">
+  <Display>DocumentLibraryForm</Display>
+  <Edit>AssetEditForm</Edit>
+  <New>DocumentLibraryForm</New>
+</FormTemplates>
+</file>
+
+<file path=customXml/item2.xml><?xml version="1.0" encoding="utf-8"?>
+<p:properties xmlns:p="http://schemas.microsoft.com/office/2006/metadata/properties" xmlns:xsi="http://www.w3.org/2001/XMLSchema-instance" xmlns:pc="http://schemas.microsoft.com/office/infopath/2007/PartnerControls">
+  <documentManagement>
+    <DirectSourceMarket xmlns="4873beb7-5857-4685-be1f-d57550cc96cc" xsi:nil="true"/>
+    <ApprovalStatus xmlns="4873beb7-5857-4685-be1f-d57550cc96cc">InProgress</ApprovalStatus>
+    <MarketSpecific xmlns="4873beb7-5857-4685-be1f-d57550cc96cc">false</MarketSpecific>
+    <LocComments xmlns="4873beb7-5857-4685-be1f-d57550cc96cc" xsi:nil="true"/>
+    <ThumbnailAssetId xmlns="4873beb7-5857-4685-be1f-d57550cc96cc" xsi:nil="true"/>
+    <PrimaryImageGen xmlns="4873beb7-5857-4685-be1f-d57550cc96cc">true</PrimaryImageGen>
+    <LegacyData xmlns="4873beb7-5857-4685-be1f-d57550cc96cc" xsi:nil="true"/>
+    <LocRecommendedHandoff xmlns="4873beb7-5857-4685-be1f-d57550cc96cc" xsi:nil="true"/>
+    <BusinessGroup xmlns="4873beb7-5857-4685-be1f-d57550cc96cc" xsi:nil="true"/>
+    <BlockPublish xmlns="4873beb7-5857-4685-be1f-d57550cc96cc">false</BlockPublish>
+    <TPFriendlyName xmlns="4873beb7-5857-4685-be1f-d57550cc96cc" xsi:nil="true"/>
+    <NumericId xmlns="4873beb7-5857-4685-be1f-d57550cc96cc" xsi:nil="true"/>
+    <APEditor xmlns="4873beb7-5857-4685-be1f-d57550cc96cc">
+      <UserInfo>
+        <DisplayName/>
+        <AccountId xsi:nil="true"/>
+        <AccountType/>
+      </UserInfo>
+    </APEditor>
+    <SourceTitle xmlns="4873beb7-5857-4685-be1f-d57550cc96cc" xsi:nil="true"/>
+    <OpenTemplate xmlns="4873beb7-5857-4685-be1f-d57550cc96cc">true</OpenTemplate>
+    <UALocComments xmlns="4873beb7-5857-4685-be1f-d57550cc96cc" xsi:nil="true"/>
+    <ParentAssetId xmlns="4873beb7-5857-4685-be1f-d57550cc96cc" xsi:nil="true"/>
+    <IntlLangReviewDate xmlns="4873beb7-5857-4685-be1f-d57550cc96cc" xsi:nil="true"/>
+    <FeatureTagsTaxHTField0 xmlns="4873beb7-5857-4685-be1f-d57550cc96cc">
+      <Terms xmlns="http://schemas.microsoft.com/office/infopath/2007/PartnerControls"/>
+    </FeatureTagsTaxHTField0>
+    <PublishStatusLookup xmlns="4873beb7-5857-4685-be1f-d57550cc96cc">
+      <Value>1564227</Value>
+    </PublishStatusLookup>
+    <Providers xmlns="4873beb7-5857-4685-be1f-d57550cc96cc" xsi:nil="true"/>
+    <MachineTranslated xmlns="4873beb7-5857-4685-be1f-d57550cc96cc">false</MachineTranslated>
+    <OriginalSourceMarket xmlns="4873beb7-5857-4685-be1f-d57550cc96cc" xsi:nil="true"/>
+    <APDescription xmlns="4873beb7-5857-4685-be1f-d57550cc96cc">Take your audience through a digital tunnel where they'll  burst through to the other side and see the information you want to present. Show them lists, charts, tables, SmartArt,  and pictures using a variety of layouts in widescreen (16X9) format. This design works well for subjects on science and technology, computers, communication, and more.   
+</APDescription>
+    <ClipArtFilename xmlns="4873beb7-5857-4685-be1f-d57550cc96cc" xsi:nil="true"/>
+    <ContentItem xmlns="4873beb7-5857-4685-be1f-d57550cc96cc" xsi:nil="true"/>
+    <TPInstallLocation xmlns="4873beb7-5857-4685-be1f-d57550cc96cc" xsi:nil="true"/>
+    <PublishTargets xmlns="4873beb7-5857-4685-be1f-d57550cc96cc">OfficeOnlineVNext</PublishTargets>
+    <TimesCloned xmlns="4873beb7-5857-4685-be1f-d57550cc96cc" xsi:nil="true"/>
+    <AssetStart xmlns="4873beb7-5857-4685-be1f-d57550cc96cc">2012-05-11T02:04:00+00:00</AssetStart>
+    <Provider xmlns="4873beb7-5857-4685-be1f-d57550cc96cc" xsi:nil="true"/>
+    <AcquiredFrom xmlns="4873beb7-5857-4685-be1f-d57550cc96cc">Internal MS</AcquiredFrom>
+    <FriendlyTitle xmlns="4873beb7-5857-4685-be1f-d57550cc96cc" xsi:nil="true"/>
+    <LastHandOff xmlns="4873beb7-5857-4685-be1f-d57550cc96cc" xsi:nil="true"/>
+    <TPClientViewer xmlns="4873beb7-5857-4685-be1f-d57550cc96cc" xsi:nil="true"/>
+    <UACurrentWords xmlns="4873beb7-5857-4685-be1f-d57550cc96cc" xsi:nil="true"/>
+    <ArtSampleDocs xmlns="4873beb7-5857-4685-be1f-d57550cc96cc" xsi:nil="true"/>
+    <UALocRecommendation xmlns="4873beb7-5857-4685-be1f-d57550cc96cc">Localize</UALocRecommendation>
+    <Manager xmlns="4873beb7-5857-4685-be1f-d57550cc96cc" xsi:nil="true"/>
+    <ShowIn xmlns="4873beb7-5857-4685-be1f-d57550cc96cc">Show everywhere</ShowIn>
+    <UANotes xmlns="4873beb7-5857-4685-be1f-d57550cc96cc" xsi:nil="true"/>
+    <TemplateStatus xmlns="4873beb7-5857-4685-be1f-d57550cc96cc">Complete</TemplateStatus>
+    <InternalTagsTaxHTField0 xmlns="4873beb7-5857-4685-be1f-d57550cc96cc">
+      <Terms xmlns="http://schemas.microsoft.com/office/infopath/2007/PartnerControls"/>
+    </InternalTagsTaxHTField0>
+    <CSXHash xmlns="4873beb7-5857-4685-be1f-d57550cc96cc" xsi:nil="true"/>
+    <Downloads xmlns="4873beb7-5857-4685-be1f-d57550cc96cc">0</Downloads>
+    <VoteCount xmlns="4873beb7-5857-4685-be1f-d57550cc96cc" xsi:nil="true"/>
+    <OOCacheId xmlns="4873beb7-5857-4685-be1f-d57550cc96cc" xsi:nil="true"/>
+    <IsDeleted xmlns="4873beb7-5857-4685-be1f-d57550cc96cc">false</IsDeleted>
+    <AssetExpire xmlns="4873beb7-5857-4685-be1f-d57550cc96cc">2029-01-01T08:00:00+00:00</AssetExpire>
+    <DSATActionTaken xmlns="4873beb7-5857-4685-be1f-d57550cc96cc" xsi:nil="true"/>
+    <CSXSubmissionMarket xmlns="4873beb7-5857-4685-be1f-d57550cc96cc" xsi:nil="true"/>
+    <TPExecutable xmlns="4873beb7-5857-4685-be1f-d57550cc96cc" xsi:nil="true"/>
+    <SubmitterId xmlns="4873beb7-5857-4685-be1f-d57550cc96cc" xsi:nil="true"/>
+    <EditorialTags xmlns="4873beb7-5857-4685-be1f-d57550cc96cc" xsi:nil="true"/>
+    <ApprovalLog xmlns="4873beb7-5857-4685-be1f-d57550cc96cc" xsi:nil="true"/>
+    <AssetType xmlns="4873beb7-5857-4685-be1f-d57550cc96cc">TP</AssetType>
+    <BugNumber xmlns="4873beb7-5857-4685-be1f-d57550cc96cc" xsi:nil="true"/>
+    <CSXSubmissionDate xmlns="4873beb7-5857-4685-be1f-d57550cc96cc" xsi:nil="true"/>
+    <CSXUpdate xmlns="4873beb7-5857-4685-be1f-d57550cc96cc">false</CSXUpdate>
+    <Milestone xmlns="4873beb7-5857-4685-be1f-d57550cc96cc" xsi:nil="true"/>
+    <RecommendationsModifier xmlns="4873beb7-5857-4685-be1f-d57550cc96cc" xsi:nil="true"/>
+    <OriginAsset xmlns="4873beb7-5857-4685-be1f-d57550cc96cc" xsi:nil="true"/>
+    <TPComponent xmlns="4873beb7-5857-4685-be1f-d57550cc96cc" xsi:nil="true"/>
+    <AssetId xmlns="4873beb7-5857-4685-be1f-d57550cc96cc">TP102895246</AssetId>
+    <IntlLocPriority xmlns="4873beb7-5857-4685-be1f-d57550cc96cc" xsi:nil="true"/>
+    <PolicheckWords xmlns="4873beb7-5857-4685-be1f-d57550cc96cc" xsi:nil="true"/>
+    <TPLaunchHelpLink xmlns="4873beb7-5857-4685-be1f-d57550cc96cc" xsi:nil="true"/>
+    <TPApplication xmlns="4873beb7-5857-4685-be1f-d57550cc96cc" xsi:nil="true"/>
+    <CrawlForDependencies xmlns="4873beb7-5857-4685-be1f-d57550cc96cc">false</CrawlForDependencies>
+    <HandoffToMSDN xmlns="4873beb7-5857-4685-be1f-d57550cc96cc" xsi:nil="true"/>
+    <PlannedPubDate xmlns="4873beb7-5857-4685-be1f-d57550cc96cc" xsi:nil="true"/>
+    <IntlLangReviewer xmlns="4873beb7-5857-4685-be1f-d57550cc96cc" xsi:nil="true"/>
+    <TrustLevel xmlns="4873beb7-5857-4685-be1f-d57550cc96cc">1 Microsoft Managed Content</TrustLevel>
+    <LocLastLocAttemptVersionLookup xmlns="4873beb7-5857-4685-be1f-d57550cc96cc">835483</LocLastLocAttemptVersionLookup>
+    <IsSearchable xmlns="4873beb7-5857-4685-be1f-d57550cc96cc">true</IsSearchable>
+    <TemplateTemplateType xmlns="4873beb7-5857-4685-be1f-d57550cc96cc">PowerPoint Presentation Template</TemplateTemplateType>
+    <CampaignTagsTaxHTField0 xmlns="4873beb7-5857-4685-be1f-d57550cc96cc">
+      <Terms xmlns="http://schemas.microsoft.com/office/infopath/2007/PartnerControls"/>
+    </CampaignTagsTaxHTField0>
+    <TPNamespace xmlns="4873beb7-5857-4685-be1f-d57550cc96cc" xsi:nil="true"/>
+    <TaxCatchAll xmlns="4873beb7-5857-4685-be1f-d57550cc96cc"/>
+    <Markets xmlns="4873beb7-5857-4685-be1f-d57550cc96cc"/>
+    <UAProjectedTotalWords xmlns="4873beb7-5857-4685-be1f-d57550cc96cc" xsi:nil="true"/>
+    <IntlLangReview xmlns="4873beb7-5857-4685-be1f-d57550cc96cc">false</IntlLangReview>
+    <OutputCachingOn xmlns="4873beb7-5857-4685-be1f-d57550cc96cc">false</OutputCachingOn>
+    <AverageRating xmlns="4873beb7-5857-4685-be1f-d57550cc96cc" xsi:nil="true"/>
+    <APAuthor xmlns="4873beb7-5857-4685-be1f-d57550cc96cc">
+      <UserInfo>
+        <DisplayName>REDMOND\v-vaddu</DisplayName>
+        <AccountId>2567</AccountId>
+        <AccountType/>
+      </UserInfo>
+    </APAuthor>
+    <LocManualTestRequired xmlns="4873beb7-5857-4685-be1f-d57550cc96cc">false</LocManualTestRequired>
+    <TPCommandLine xmlns="4873beb7-5857-4685-be1f-d57550cc96cc" xsi:nil="true"/>
+    <TPAppVersion xmlns="4873beb7-5857-4685-be1f-d57550cc96cc" xsi:nil="true"/>
+    <EditorialStatus xmlns="4873beb7-5857-4685-be1f-d57550cc96cc">Complete</EditorialStatus>
+    <LastModifiedDateTime xmlns="4873beb7-5857-4685-be1f-d57550cc96cc" xsi:nil="true"/>
+    <ScenarioTagsTaxHTField0 xmlns="4873beb7-5857-4685-be1f-d57550cc96cc">
+      <Terms xmlns="http://schemas.microsoft.com/office/infopath/2007/PartnerControls"/>
+    </ScenarioTagsTaxHTField0>
+    <OriginalRelease xmlns="4873beb7-5857-4685-be1f-d57550cc96cc">15</OriginalRelease>
+    <TPLaunchHelpLinkType xmlns="4873beb7-5857-4685-be1f-d57550cc96cc">Template</TPLaunchHelpLinkType>
+    <LocalizationTagsTaxHTField0 xmlns="4873beb7-5857-4685-be1f-d57550cc96cc">
+      <Terms xmlns="http://schemas.microsoft.com/office/infopath/2007/PartnerControls"/>
+    </LocalizationTagsTaxHTField0>
+    <LocMarketGroupTiers2 xmlns="4873beb7-5857-4685-be1f-d57550cc96cc" xsi:nil="true"/>
+  </documentManagement>
+</p:properties>
+</file>
+
+<file path=customXml/item3.xml><?xml version="1.0" encoding="utf-8"?>
 <ct:contentTypeSchema xmlns:ct="http://schemas.microsoft.com/office/2006/metadata/contentType" xmlns:ma="http://schemas.microsoft.com/office/2006/metadata/properties/metaAttributes" ct:_="" ma:_="" ma:contentTypeName="TemplateFile" ma:contentTypeID="0x0101006EDDDB5EE6D98C44930B742096920B300400F5B6D36B3EF94B4E9A635CDF2A18F5B8" ma:contentTypeVersion="72" ma:contentTypeDescription="Create a new document." ma:contentTypeScope="" ma:versionID="a23e56308344d904b51738559c3d67c9">
   <xsd:schema xmlns:xsd="http://www.w3.org/2001/XMLSchema" xmlns:xs="http://www.w3.org/2001/XMLSchema" xmlns:p="http://schemas.microsoft.com/office/2006/metadata/properties" xmlns:ns2="4873beb7-5857-4685-be1f-d57550cc96cc" targetNamespace="http://schemas.microsoft.com/office/2006/metadata/properties" ma:root="true" ma:fieldsID="cd0908cc4600e77bf5da051303e00c8d" ns2:_="">
     <xsd:import namespace="4873beb7-5857-4685-be1f-d57550cc96cc"/>
@@ -6190,156 +8957,10 @@
 </ct:contentTypeSchema>
 </file>
 
-<file path=customXml/item2.xml><?xml version="1.0" encoding="utf-8"?>
-<p:properties xmlns:p="http://schemas.microsoft.com/office/2006/metadata/properties" xmlns:xsi="http://www.w3.org/2001/XMLSchema-instance" xmlns:pc="http://schemas.microsoft.com/office/infopath/2007/PartnerControls">
-  <documentManagement>
-    <DirectSourceMarket xmlns="4873beb7-5857-4685-be1f-d57550cc96cc" xsi:nil="true"/>
-    <ApprovalStatus xmlns="4873beb7-5857-4685-be1f-d57550cc96cc">InProgress</ApprovalStatus>
-    <MarketSpecific xmlns="4873beb7-5857-4685-be1f-d57550cc96cc">false</MarketSpecific>
-    <LocComments xmlns="4873beb7-5857-4685-be1f-d57550cc96cc" xsi:nil="true"/>
-    <ThumbnailAssetId xmlns="4873beb7-5857-4685-be1f-d57550cc96cc" xsi:nil="true"/>
-    <PrimaryImageGen xmlns="4873beb7-5857-4685-be1f-d57550cc96cc">true</PrimaryImageGen>
-    <LegacyData xmlns="4873beb7-5857-4685-be1f-d57550cc96cc" xsi:nil="true"/>
-    <LocRecommendedHandoff xmlns="4873beb7-5857-4685-be1f-d57550cc96cc" xsi:nil="true"/>
-    <BusinessGroup xmlns="4873beb7-5857-4685-be1f-d57550cc96cc" xsi:nil="true"/>
-    <BlockPublish xmlns="4873beb7-5857-4685-be1f-d57550cc96cc">false</BlockPublish>
-    <TPFriendlyName xmlns="4873beb7-5857-4685-be1f-d57550cc96cc" xsi:nil="true"/>
-    <NumericId xmlns="4873beb7-5857-4685-be1f-d57550cc96cc" xsi:nil="true"/>
-    <APEditor xmlns="4873beb7-5857-4685-be1f-d57550cc96cc">
-      <UserInfo>
-        <DisplayName/>
-        <AccountId xsi:nil="true"/>
-        <AccountType/>
-      </UserInfo>
-    </APEditor>
-    <SourceTitle xmlns="4873beb7-5857-4685-be1f-d57550cc96cc" xsi:nil="true"/>
-    <OpenTemplate xmlns="4873beb7-5857-4685-be1f-d57550cc96cc">true</OpenTemplate>
-    <UALocComments xmlns="4873beb7-5857-4685-be1f-d57550cc96cc" xsi:nil="true"/>
-    <ParentAssetId xmlns="4873beb7-5857-4685-be1f-d57550cc96cc" xsi:nil="true"/>
-    <IntlLangReviewDate xmlns="4873beb7-5857-4685-be1f-d57550cc96cc" xsi:nil="true"/>
-    <FeatureTagsTaxHTField0 xmlns="4873beb7-5857-4685-be1f-d57550cc96cc">
-      <Terms xmlns="http://schemas.microsoft.com/office/infopath/2007/PartnerControls"/>
-    </FeatureTagsTaxHTField0>
-    <PublishStatusLookup xmlns="4873beb7-5857-4685-be1f-d57550cc96cc">
-      <Value>1564227</Value>
-    </PublishStatusLookup>
-    <Providers xmlns="4873beb7-5857-4685-be1f-d57550cc96cc" xsi:nil="true"/>
-    <MachineTranslated xmlns="4873beb7-5857-4685-be1f-d57550cc96cc">false</MachineTranslated>
-    <OriginalSourceMarket xmlns="4873beb7-5857-4685-be1f-d57550cc96cc" xsi:nil="true"/>
-    <APDescription xmlns="4873beb7-5857-4685-be1f-d57550cc96cc">Take your audience through a digital tunnel where they'll  burst through to the other side and see the information you want to present. Show them lists, charts, tables, SmartArt,  and pictures using a variety of layouts in widescreen (16X9) format. This design works well for subjects on science and technology, computers, communication, and more.   
-</APDescription>
-    <ClipArtFilename xmlns="4873beb7-5857-4685-be1f-d57550cc96cc" xsi:nil="true"/>
-    <ContentItem xmlns="4873beb7-5857-4685-be1f-d57550cc96cc" xsi:nil="true"/>
-    <TPInstallLocation xmlns="4873beb7-5857-4685-be1f-d57550cc96cc" xsi:nil="true"/>
-    <PublishTargets xmlns="4873beb7-5857-4685-be1f-d57550cc96cc">OfficeOnlineVNext</PublishTargets>
-    <TimesCloned xmlns="4873beb7-5857-4685-be1f-d57550cc96cc" xsi:nil="true"/>
-    <AssetStart xmlns="4873beb7-5857-4685-be1f-d57550cc96cc">2012-05-11T02:04:00+00:00</AssetStart>
-    <Provider xmlns="4873beb7-5857-4685-be1f-d57550cc96cc" xsi:nil="true"/>
-    <AcquiredFrom xmlns="4873beb7-5857-4685-be1f-d57550cc96cc">Internal MS</AcquiredFrom>
-    <FriendlyTitle xmlns="4873beb7-5857-4685-be1f-d57550cc96cc" xsi:nil="true"/>
-    <LastHandOff xmlns="4873beb7-5857-4685-be1f-d57550cc96cc" xsi:nil="true"/>
-    <TPClientViewer xmlns="4873beb7-5857-4685-be1f-d57550cc96cc" xsi:nil="true"/>
-    <UACurrentWords xmlns="4873beb7-5857-4685-be1f-d57550cc96cc" xsi:nil="true"/>
-    <ArtSampleDocs xmlns="4873beb7-5857-4685-be1f-d57550cc96cc" xsi:nil="true"/>
-    <UALocRecommendation xmlns="4873beb7-5857-4685-be1f-d57550cc96cc">Localize</UALocRecommendation>
-    <Manager xmlns="4873beb7-5857-4685-be1f-d57550cc96cc" xsi:nil="true"/>
-    <ShowIn xmlns="4873beb7-5857-4685-be1f-d57550cc96cc">Show everywhere</ShowIn>
-    <UANotes xmlns="4873beb7-5857-4685-be1f-d57550cc96cc" xsi:nil="true"/>
-    <TemplateStatus xmlns="4873beb7-5857-4685-be1f-d57550cc96cc">Complete</TemplateStatus>
-    <InternalTagsTaxHTField0 xmlns="4873beb7-5857-4685-be1f-d57550cc96cc">
-      <Terms xmlns="http://schemas.microsoft.com/office/infopath/2007/PartnerControls"/>
-    </InternalTagsTaxHTField0>
-    <CSXHash xmlns="4873beb7-5857-4685-be1f-d57550cc96cc" xsi:nil="true"/>
-    <Downloads xmlns="4873beb7-5857-4685-be1f-d57550cc96cc">0</Downloads>
-    <VoteCount xmlns="4873beb7-5857-4685-be1f-d57550cc96cc" xsi:nil="true"/>
-    <OOCacheId xmlns="4873beb7-5857-4685-be1f-d57550cc96cc" xsi:nil="true"/>
-    <IsDeleted xmlns="4873beb7-5857-4685-be1f-d57550cc96cc">false</IsDeleted>
-    <AssetExpire xmlns="4873beb7-5857-4685-be1f-d57550cc96cc">2029-01-01T08:00:00+00:00</AssetExpire>
-    <DSATActionTaken xmlns="4873beb7-5857-4685-be1f-d57550cc96cc" xsi:nil="true"/>
-    <CSXSubmissionMarket xmlns="4873beb7-5857-4685-be1f-d57550cc96cc" xsi:nil="true"/>
-    <TPExecutable xmlns="4873beb7-5857-4685-be1f-d57550cc96cc" xsi:nil="true"/>
-    <SubmitterId xmlns="4873beb7-5857-4685-be1f-d57550cc96cc" xsi:nil="true"/>
-    <EditorialTags xmlns="4873beb7-5857-4685-be1f-d57550cc96cc" xsi:nil="true"/>
-    <ApprovalLog xmlns="4873beb7-5857-4685-be1f-d57550cc96cc" xsi:nil="true"/>
-    <AssetType xmlns="4873beb7-5857-4685-be1f-d57550cc96cc">TP</AssetType>
-    <BugNumber xmlns="4873beb7-5857-4685-be1f-d57550cc96cc" xsi:nil="true"/>
-    <CSXSubmissionDate xmlns="4873beb7-5857-4685-be1f-d57550cc96cc" xsi:nil="true"/>
-    <CSXUpdate xmlns="4873beb7-5857-4685-be1f-d57550cc96cc">false</CSXUpdate>
-    <Milestone xmlns="4873beb7-5857-4685-be1f-d57550cc96cc" xsi:nil="true"/>
-    <RecommendationsModifier xmlns="4873beb7-5857-4685-be1f-d57550cc96cc" xsi:nil="true"/>
-    <OriginAsset xmlns="4873beb7-5857-4685-be1f-d57550cc96cc" xsi:nil="true"/>
-    <TPComponent xmlns="4873beb7-5857-4685-be1f-d57550cc96cc" xsi:nil="true"/>
-    <AssetId xmlns="4873beb7-5857-4685-be1f-d57550cc96cc">TP102895246</AssetId>
-    <IntlLocPriority xmlns="4873beb7-5857-4685-be1f-d57550cc96cc" xsi:nil="true"/>
-    <PolicheckWords xmlns="4873beb7-5857-4685-be1f-d57550cc96cc" xsi:nil="true"/>
-    <TPLaunchHelpLink xmlns="4873beb7-5857-4685-be1f-d57550cc96cc" xsi:nil="true"/>
-    <TPApplication xmlns="4873beb7-5857-4685-be1f-d57550cc96cc" xsi:nil="true"/>
-    <CrawlForDependencies xmlns="4873beb7-5857-4685-be1f-d57550cc96cc">false</CrawlForDependencies>
-    <HandoffToMSDN xmlns="4873beb7-5857-4685-be1f-d57550cc96cc" xsi:nil="true"/>
-    <PlannedPubDate xmlns="4873beb7-5857-4685-be1f-d57550cc96cc" xsi:nil="true"/>
-    <IntlLangReviewer xmlns="4873beb7-5857-4685-be1f-d57550cc96cc" xsi:nil="true"/>
-    <TrustLevel xmlns="4873beb7-5857-4685-be1f-d57550cc96cc">1 Microsoft Managed Content</TrustLevel>
-    <LocLastLocAttemptVersionLookup xmlns="4873beb7-5857-4685-be1f-d57550cc96cc">835483</LocLastLocAttemptVersionLookup>
-    <IsSearchable xmlns="4873beb7-5857-4685-be1f-d57550cc96cc">true</IsSearchable>
-    <TemplateTemplateType xmlns="4873beb7-5857-4685-be1f-d57550cc96cc">PowerPoint Presentation Template</TemplateTemplateType>
-    <CampaignTagsTaxHTField0 xmlns="4873beb7-5857-4685-be1f-d57550cc96cc">
-      <Terms xmlns="http://schemas.microsoft.com/office/infopath/2007/PartnerControls"/>
-    </CampaignTagsTaxHTField0>
-    <TPNamespace xmlns="4873beb7-5857-4685-be1f-d57550cc96cc" xsi:nil="true"/>
-    <TaxCatchAll xmlns="4873beb7-5857-4685-be1f-d57550cc96cc"/>
-    <Markets xmlns="4873beb7-5857-4685-be1f-d57550cc96cc"/>
-    <UAProjectedTotalWords xmlns="4873beb7-5857-4685-be1f-d57550cc96cc" xsi:nil="true"/>
-    <IntlLangReview xmlns="4873beb7-5857-4685-be1f-d57550cc96cc">false</IntlLangReview>
-    <OutputCachingOn xmlns="4873beb7-5857-4685-be1f-d57550cc96cc">false</OutputCachingOn>
-    <AverageRating xmlns="4873beb7-5857-4685-be1f-d57550cc96cc" xsi:nil="true"/>
-    <APAuthor xmlns="4873beb7-5857-4685-be1f-d57550cc96cc">
-      <UserInfo>
-        <DisplayName>REDMOND\v-vaddu</DisplayName>
-        <AccountId>2567</AccountId>
-        <AccountType/>
-      </UserInfo>
-    </APAuthor>
-    <LocManualTestRequired xmlns="4873beb7-5857-4685-be1f-d57550cc96cc">false</LocManualTestRequired>
-    <TPCommandLine xmlns="4873beb7-5857-4685-be1f-d57550cc96cc" xsi:nil="true"/>
-    <TPAppVersion xmlns="4873beb7-5857-4685-be1f-d57550cc96cc" xsi:nil="true"/>
-    <EditorialStatus xmlns="4873beb7-5857-4685-be1f-d57550cc96cc">Complete</EditorialStatus>
-    <LastModifiedDateTime xmlns="4873beb7-5857-4685-be1f-d57550cc96cc" xsi:nil="true"/>
-    <ScenarioTagsTaxHTField0 xmlns="4873beb7-5857-4685-be1f-d57550cc96cc">
-      <Terms xmlns="http://schemas.microsoft.com/office/infopath/2007/PartnerControls"/>
-    </ScenarioTagsTaxHTField0>
-    <OriginalRelease xmlns="4873beb7-5857-4685-be1f-d57550cc96cc">15</OriginalRelease>
-    <TPLaunchHelpLinkType xmlns="4873beb7-5857-4685-be1f-d57550cc96cc">Template</TPLaunchHelpLinkType>
-    <LocalizationTagsTaxHTField0 xmlns="4873beb7-5857-4685-be1f-d57550cc96cc">
-      <Terms xmlns="http://schemas.microsoft.com/office/infopath/2007/PartnerControls"/>
-    </LocalizationTagsTaxHTField0>
-    <LocMarketGroupTiers2 xmlns="4873beb7-5857-4685-be1f-d57550cc96cc" xsi:nil="true"/>
-  </documentManagement>
-</p:properties>
-</file>
-
-<file path=customXml/item3.xml><?xml version="1.0" encoding="utf-8"?>
-<?mso-contentType ?>
-<FormTemplates xmlns="http://schemas.microsoft.com/sharepoint/v3/contenttype/forms">
-  <Display>DocumentLibraryForm</Display>
-  <Edit>AssetEditForm</Edit>
-  <New>DocumentLibraryForm</New>
-</FormTemplates>
-</file>
-
 <file path=customXml/itemProps1.xml><?xml version="1.0" encoding="utf-8"?>
-<ds:datastoreItem xmlns:ds="http://schemas.openxmlformats.org/officeDocument/2006/customXml" ds:itemID="{22CCB507-0646-4A50-A4F7-7F385079D589}">
+<ds:datastoreItem xmlns:ds="http://schemas.openxmlformats.org/officeDocument/2006/customXml" ds:itemID="{74228E6B-D70C-44BB-A81F-A245495F612B}">
   <ds:schemaRefs>
-    <ds:schemaRef ds:uri="http://schemas.microsoft.com/office/2006/metadata/contentType"/>
-    <ds:schemaRef ds:uri="http://schemas.microsoft.com/office/2006/metadata/properties/metaAttributes"/>
-    <ds:schemaRef ds:uri="http://www.w3.org/2001/XMLSchema"/>
-    <ds:schemaRef ds:uri="http://schemas.microsoft.com/office/2006/metadata/properties"/>
-    <ds:schemaRef ds:uri="4873beb7-5857-4685-be1f-d57550cc96cc"/>
-    <ds:schemaRef ds:uri="http://schemas.microsoft.com/office/2006/documentManagement/types"/>
-    <ds:schemaRef ds:uri="http://schemas.microsoft.com/office/infopath/2007/PartnerControls"/>
-    <ds:schemaRef ds:uri="http://schemas.openxmlformats.org/package/2006/metadata/core-properties"/>
-    <ds:schemaRef ds:uri="http://purl.org/dc/elements/1.1/"/>
-    <ds:schemaRef ds:uri="http://purl.org/dc/terms/"/>
-    <ds:schemaRef ds:uri="http://schemas.microsoft.com/internal/obd"/>
+    <ds:schemaRef ds:uri="http://schemas.microsoft.com/sharepoint/v3/contenttype/forms"/>
   </ds:schemaRefs>
 </ds:datastoreItem>
 </file>
@@ -6361,9 +8982,19 @@
 </file>
 
 <file path=customXml/itemProps3.xml><?xml version="1.0" encoding="utf-8"?>
-<ds:datastoreItem xmlns:ds="http://schemas.openxmlformats.org/officeDocument/2006/customXml" ds:itemID="{74228E6B-D70C-44BB-A81F-A245495F612B}">
+<ds:datastoreItem xmlns:ds="http://schemas.openxmlformats.org/officeDocument/2006/customXml" ds:itemID="{22CCB507-0646-4A50-A4F7-7F385079D589}">
   <ds:schemaRefs>
-    <ds:schemaRef ds:uri="http://schemas.microsoft.com/sharepoint/v3/contenttype/forms"/>
+    <ds:schemaRef ds:uri="http://schemas.microsoft.com/office/2006/metadata/contentType"/>
+    <ds:schemaRef ds:uri="http://schemas.microsoft.com/office/2006/metadata/properties/metaAttributes"/>
+    <ds:schemaRef ds:uri="http://www.w3.org/2001/XMLSchema"/>
+    <ds:schemaRef ds:uri="http://schemas.microsoft.com/office/2006/metadata/properties"/>
+    <ds:schemaRef ds:uri="4873beb7-5857-4685-be1f-d57550cc96cc"/>
+    <ds:schemaRef ds:uri="http://schemas.microsoft.com/office/2006/documentManagement/types"/>
+    <ds:schemaRef ds:uri="http://schemas.microsoft.com/office/infopath/2007/PartnerControls"/>
+    <ds:schemaRef ds:uri="http://schemas.openxmlformats.org/package/2006/metadata/core-properties"/>
+    <ds:schemaRef ds:uri="http://purl.org/dc/elements/1.1/"/>
+    <ds:schemaRef ds:uri="http://purl.org/dc/terms/"/>
+    <ds:schemaRef ds:uri="http://schemas.microsoft.com/internal/obd"/>
   </ds:schemaRefs>
 </ds:datastoreItem>
 </file>
--- a/Documents/ProjectPresentation.pptx
+++ b/Documents/ProjectPresentation.pptx
@@ -2,13 +2,13 @@
 <file path=ppt/presentation.xml><?xml version="1.0" encoding="utf-8"?>
 <p:presentation xmlns:a="http://schemas.openxmlformats.org/drawingml/2006/main" xmlns:r="http://schemas.openxmlformats.org/officeDocument/2006/relationships" xmlns:p="http://schemas.openxmlformats.org/presentationml/2006/main" saveSubsetFonts="1">
   <p:sldMasterIdLst>
-    <p:sldMasterId id="2147483660" r:id="rId4"/>
+    <p:sldMasterId id="2147483876" r:id="rId4"/>
   </p:sldMasterIdLst>
   <p:notesMasterIdLst>
-    <p:notesMasterId r:id="rId11"/>
+    <p:notesMasterId r:id="rId12"/>
   </p:notesMasterIdLst>
   <p:handoutMasterIdLst>
-    <p:handoutMasterId r:id="rId12"/>
+    <p:handoutMasterId r:id="rId13"/>
   </p:handoutMasterIdLst>
   <p:sldIdLst>
     <p:sldId id="265" r:id="rId5"/>
@@ -17,11 +17,12 @@
     <p:sldId id="266" r:id="rId8"/>
     <p:sldId id="268" r:id="rId9"/>
     <p:sldId id="269" r:id="rId10"/>
+    <p:sldId id="271" r:id="rId11"/>
   </p:sldIdLst>
   <p:sldSz cx="12188825" cy="6858000"/>
   <p:notesSz cx="6858000" cy="9144000"/>
   <p:custDataLst>
-    <p:tags r:id="rId13"/>
+    <p:tags r:id="rId14"/>
   </p:custDataLst>
   <p:defaultTextStyle>
     <a:defPPr>
@@ -655,7 +656,7 @@
 </file>
 
 <file path=ppt/slideLayouts/slideLayout1.xml><?xml version="1.0" encoding="utf-8"?>
-<p:sldLayout xmlns:a="http://schemas.openxmlformats.org/drawingml/2006/main" xmlns:r="http://schemas.openxmlformats.org/officeDocument/2006/relationships" xmlns:p="http://schemas.openxmlformats.org/presentationml/2006/main" type="title" preserve="1">
+<p:sldLayout xmlns:a="http://schemas.openxmlformats.org/drawingml/2006/main" xmlns:r="http://schemas.openxmlformats.org/officeDocument/2006/relationships" xmlns:p="http://schemas.openxmlformats.org/presentationml/2006/main" showMasterSp="0" type="title" preserve="1">
   <p:cSld name="Title Slide">
     <p:spTree>
       <p:nvGrpSpPr>
@@ -671,50 +672,333 @@
           <a:chExt cx="0" cy="0"/>
         </a:xfrm>
       </p:grpSpPr>
-      <p:pic>
-        <p:nvPicPr>
-          <p:cNvPr id="7" name="Picture 6" descr="C0-HD-BTM.png"/>
-          <p:cNvPicPr>
-            <a:picLocks noChangeAspect="1"/>
-          </p:cNvPicPr>
+      <p:grpSp>
+        <p:nvGrpSpPr>
+          <p:cNvPr id="19" name="Group 18"/>
+          <p:cNvGrpSpPr/>
           <p:nvPr/>
-        </p:nvPicPr>
-        <p:blipFill>
-          <a:blip r:embed="rId2">
-            <a:extLst>
-              <a:ext uri="{28A0092B-C50C-407E-A947-70E740481C1C}">
-                <a14:useLocalDpi xmlns:a14="http://schemas.microsoft.com/office/drawing/2010/main" val="0"/>
-              </a:ext>
-            </a:extLst>
-          </a:blip>
-          <a:stretch>
-            <a:fillRect/>
-          </a:stretch>
-        </p:blipFill>
+        </p:nvGrpSpPr>
+        <p:grpSpPr>
+          <a:xfrm>
+            <a:off x="545958" y="-4763"/>
+            <a:ext cx="5013606" cy="6862763"/>
+            <a:chOff x="2928938" y="-4763"/>
+            <a:chExt cx="5014912" cy="6862763"/>
+          </a:xfrm>
+        </p:grpSpPr>
+        <p:sp>
+          <p:nvSpPr>
+            <p:cNvPr id="22" name="Freeform 6"/>
+            <p:cNvSpPr/>
+            <p:nvPr/>
+          </p:nvSpPr>
+          <p:spPr bwMode="auto">
+            <a:xfrm>
+              <a:off x="3367088" y="-4763"/>
+              <a:ext cx="1063625" cy="2782888"/>
+            </a:xfrm>
+            <a:custGeom>
+              <a:avLst/>
+              <a:gdLst/>
+              <a:ahLst/>
+              <a:cxnLst/>
+              <a:rect l="0" t="0" r="r" b="b"/>
+              <a:pathLst>
+                <a:path w="670" h="1753">
+                  <a:moveTo>
+                    <a:pt x="0" y="1696"/>
+                  </a:moveTo>
+                  <a:lnTo>
+                    <a:pt x="225" y="1753"/>
+                  </a:lnTo>
+                  <a:lnTo>
+                    <a:pt x="670" y="0"/>
+                  </a:lnTo>
+                  <a:lnTo>
+                    <a:pt x="430" y="0"/>
+                  </a:lnTo>
+                  <a:lnTo>
+                    <a:pt x="0" y="1696"/>
+                  </a:lnTo>
+                  <a:close/>
+                </a:path>
+              </a:pathLst>
+            </a:custGeom>
+            <a:solidFill>
+              <a:schemeClr val="accent1"/>
+            </a:solidFill>
+            <a:ln>
+              <a:noFill/>
+            </a:ln>
+          </p:spPr>
+        </p:sp>
+        <p:sp>
+          <p:nvSpPr>
+            <p:cNvPr id="23" name="Freeform 7"/>
+            <p:cNvSpPr/>
+            <p:nvPr/>
+          </p:nvSpPr>
+          <p:spPr bwMode="auto">
+            <a:xfrm>
+              <a:off x="2928938" y="-4763"/>
+              <a:ext cx="1035050" cy="2673350"/>
+            </a:xfrm>
+            <a:custGeom>
+              <a:avLst/>
+              <a:gdLst/>
+              <a:ahLst/>
+              <a:cxnLst/>
+              <a:rect l="0" t="0" r="r" b="b"/>
+              <a:pathLst>
+                <a:path w="652" h="1684">
+                  <a:moveTo>
+                    <a:pt x="225" y="1684"/>
+                  </a:moveTo>
+                  <a:lnTo>
+                    <a:pt x="652" y="0"/>
+                  </a:lnTo>
+                  <a:lnTo>
+                    <a:pt x="411" y="0"/>
+                  </a:lnTo>
+                  <a:lnTo>
+                    <a:pt x="0" y="1627"/>
+                  </a:lnTo>
+                  <a:lnTo>
+                    <a:pt x="219" y="1681"/>
+                  </a:lnTo>
+                  <a:lnTo>
+                    <a:pt x="225" y="1684"/>
+                  </a:lnTo>
+                  <a:close/>
+                </a:path>
+              </a:pathLst>
+            </a:custGeom>
+            <a:solidFill>
+              <a:schemeClr val="tx1">
+                <a:lumMod val="65000"/>
+                <a:lumOff val="35000"/>
+              </a:schemeClr>
+            </a:solidFill>
+            <a:ln>
+              <a:noFill/>
+            </a:ln>
+          </p:spPr>
+        </p:sp>
+        <p:sp>
+          <p:nvSpPr>
+            <p:cNvPr id="24" name="Freeform 9"/>
+            <p:cNvSpPr/>
+            <p:nvPr/>
+          </p:nvSpPr>
+          <p:spPr bwMode="auto">
+            <a:xfrm>
+              <a:off x="2928938" y="2582862"/>
+              <a:ext cx="2693987" cy="4275138"/>
+            </a:xfrm>
+            <a:custGeom>
+              <a:avLst/>
+              <a:gdLst/>
+              <a:ahLst/>
+              <a:cxnLst/>
+              <a:rect l="0" t="0" r="r" b="b"/>
+              <a:pathLst>
+                <a:path w="1697" h="2693">
+                  <a:moveTo>
+                    <a:pt x="0" y="0"/>
+                  </a:moveTo>
+                  <a:lnTo>
+                    <a:pt x="1622" y="2693"/>
+                  </a:lnTo>
+                  <a:lnTo>
+                    <a:pt x="1697" y="2693"/>
+                  </a:lnTo>
+                  <a:lnTo>
+                    <a:pt x="0" y="0"/>
+                  </a:lnTo>
+                  <a:close/>
+                </a:path>
+              </a:pathLst>
+            </a:custGeom>
+            <a:solidFill>
+              <a:schemeClr val="tx1">
+                <a:lumMod val="85000"/>
+                <a:lumOff val="15000"/>
+              </a:schemeClr>
+            </a:solidFill>
+            <a:ln>
+              <a:noFill/>
+            </a:ln>
+          </p:spPr>
+        </p:sp>
+        <p:sp>
+          <p:nvSpPr>
+            <p:cNvPr id="25" name="Freeform 10"/>
+            <p:cNvSpPr/>
+            <p:nvPr/>
+          </p:nvSpPr>
+          <p:spPr bwMode="auto">
+            <a:xfrm>
+              <a:off x="3371850" y="2692400"/>
+              <a:ext cx="3332162" cy="4165600"/>
+            </a:xfrm>
+            <a:custGeom>
+              <a:avLst/>
+              <a:gdLst/>
+              <a:ahLst/>
+              <a:cxnLst/>
+              <a:rect l="0" t="0" r="r" b="b"/>
+              <a:pathLst>
+                <a:path w="2099" h="2624">
+                  <a:moveTo>
+                    <a:pt x="2099" y="2624"/>
+                  </a:moveTo>
+                  <a:lnTo>
+                    <a:pt x="0" y="0"/>
+                  </a:lnTo>
+                  <a:lnTo>
+                    <a:pt x="2021" y="2624"/>
+                  </a:lnTo>
+                  <a:lnTo>
+                    <a:pt x="2099" y="2624"/>
+                  </a:lnTo>
+                  <a:close/>
+                </a:path>
+              </a:pathLst>
+            </a:custGeom>
+            <a:solidFill>
+              <a:schemeClr val="accent1">
+                <a:lumMod val="50000"/>
+              </a:schemeClr>
+            </a:solidFill>
+            <a:ln>
+              <a:noFill/>
+            </a:ln>
+          </p:spPr>
+        </p:sp>
+        <p:sp>
+          <p:nvSpPr>
+            <p:cNvPr id="26" name="Freeform 11"/>
+            <p:cNvSpPr/>
+            <p:nvPr/>
+          </p:nvSpPr>
+          <p:spPr bwMode="auto">
+            <a:xfrm>
+              <a:off x="3367088" y="2687637"/>
+              <a:ext cx="4576762" cy="4170363"/>
+            </a:xfrm>
+            <a:custGeom>
+              <a:avLst/>
+              <a:gdLst/>
+              <a:ahLst/>
+              <a:cxnLst/>
+              <a:rect l="0" t="0" r="r" b="b"/>
+              <a:pathLst>
+                <a:path w="2883" h="2627">
+                  <a:moveTo>
+                    <a:pt x="0" y="0"/>
+                  </a:moveTo>
+                  <a:lnTo>
+                    <a:pt x="3" y="3"/>
+                  </a:lnTo>
+                  <a:lnTo>
+                    <a:pt x="2102" y="2627"/>
+                  </a:lnTo>
+                  <a:lnTo>
+                    <a:pt x="2883" y="2627"/>
+                  </a:lnTo>
+                  <a:lnTo>
+                    <a:pt x="225" y="57"/>
+                  </a:lnTo>
+                  <a:lnTo>
+                    <a:pt x="0" y="0"/>
+                  </a:lnTo>
+                  <a:close/>
+                </a:path>
+              </a:pathLst>
+            </a:custGeom>
+            <a:solidFill>
+              <a:schemeClr val="accent1">
+                <a:lumMod val="75000"/>
+              </a:schemeClr>
+            </a:solidFill>
+            <a:ln>
+              <a:noFill/>
+            </a:ln>
+          </p:spPr>
+        </p:sp>
+        <p:sp>
+          <p:nvSpPr>
+            <p:cNvPr id="27" name="Freeform 12"/>
+            <p:cNvSpPr/>
+            <p:nvPr/>
+          </p:nvSpPr>
+          <p:spPr bwMode="auto">
+            <a:xfrm>
+              <a:off x="2928938" y="2578100"/>
+              <a:ext cx="3584575" cy="4279900"/>
+            </a:xfrm>
+            <a:custGeom>
+              <a:avLst/>
+              <a:gdLst/>
+              <a:ahLst/>
+              <a:cxnLst/>
+              <a:rect l="0" t="0" r="r" b="b"/>
+              <a:pathLst>
+                <a:path w="2258" h="2696">
+                  <a:moveTo>
+                    <a:pt x="2258" y="2696"/>
+                  </a:moveTo>
+                  <a:lnTo>
+                    <a:pt x="264" y="111"/>
+                  </a:lnTo>
+                  <a:lnTo>
+                    <a:pt x="228" y="60"/>
+                  </a:lnTo>
+                  <a:lnTo>
+                    <a:pt x="225" y="57"/>
+                  </a:lnTo>
+                  <a:lnTo>
+                    <a:pt x="0" y="0"/>
+                  </a:lnTo>
+                  <a:lnTo>
+                    <a:pt x="0" y="3"/>
+                  </a:lnTo>
+                  <a:lnTo>
+                    <a:pt x="1697" y="2696"/>
+                  </a:lnTo>
+                  <a:lnTo>
+                    <a:pt x="2258" y="2696"/>
+                  </a:lnTo>
+                  <a:close/>
+                </a:path>
+              </a:pathLst>
+            </a:custGeom>
+            <a:solidFill>
+              <a:schemeClr val="tx1">
+                <a:lumMod val="75000"/>
+                <a:lumOff val="25000"/>
+              </a:schemeClr>
+            </a:solidFill>
+            <a:ln>
+              <a:noFill/>
+            </a:ln>
+          </p:spPr>
+        </p:sp>
+      </p:grpSp>
+      <p:sp>
+        <p:nvSpPr>
+          <p:cNvPr id="2" name="Title 1"/>
+          <p:cNvSpPr>
+            <a:spLocks noGrp="1"/>
+          </p:cNvSpPr>
+          <p:nvPr>
+            <p:ph type="ctrTitle"/>
+          </p:nvPr>
+        </p:nvSpPr>
         <p:spPr>
           <a:xfrm>
-            <a:off x="0" y="4375150"/>
-            <a:ext cx="12188825" cy="2482850"/>
-          </a:xfrm>
-          <a:prstGeom prst="rect">
-            <a:avLst/>
-          </a:prstGeom>
-        </p:spPr>
-      </p:pic>
-      <p:sp>
-        <p:nvSpPr>
-          <p:cNvPr id="2" name="Title 1"/>
-          <p:cNvSpPr>
-            <a:spLocks noGrp="1"/>
-          </p:cNvSpPr>
-          <p:nvPr>
-            <p:ph type="ctrTitle"/>
-          </p:nvPr>
-        </p:nvSpPr>
-        <p:spPr>
-          <a:xfrm>
-            <a:off x="1371243" y="1803405"/>
-            <a:ext cx="9446339" cy="1825096"/>
+            <a:off x="2927638" y="1380069"/>
+            <a:ext cx="8572389" cy="2616199"/>
           </a:xfrm>
         </p:spPr>
         <p:txBody>
@@ -722,8 +1006,10 @@
             <a:normAutofit/>
           </a:bodyPr>
           <a:lstStyle>
-            <a:lvl1pPr algn="l">
-              <a:defRPr sz="5998"/>
+            <a:lvl1pPr algn="r">
+              <a:defRPr sz="5998">
+                <a:effectLst/>
+              </a:defRPr>
             </a:lvl1pPr>
           </a:lstStyle>
           <a:p>
@@ -747,50 +1033,102 @@
         </p:nvSpPr>
         <p:spPr>
           <a:xfrm>
-            <a:off x="1371243" y="3632201"/>
-            <a:ext cx="9446339" cy="685800"/>
+            <a:off x="4514202" y="3996267"/>
+            <a:ext cx="6985825" cy="1388534"/>
           </a:xfrm>
         </p:spPr>
         <p:txBody>
-          <a:bodyPr>
+          <a:bodyPr anchor="t">
             <a:normAutofit/>
           </a:bodyPr>
           <a:lstStyle>
-            <a:lvl1pPr marL="0" indent="0" algn="l">
-              <a:buNone/>
-              <a:defRPr sz="1999"/>
+            <a:lvl1pPr marL="0" indent="0" algn="r">
+              <a:buNone/>
+              <a:defRPr sz="2099">
+                <a:solidFill>
+                  <a:schemeClr val="tx1"/>
+                </a:solidFill>
+              </a:defRPr>
             </a:lvl1pPr>
             <a:lvl2pPr marL="457063" indent="0" algn="ctr">
               <a:buNone/>
-              <a:defRPr sz="1999"/>
+              <a:defRPr>
+                <a:solidFill>
+                  <a:schemeClr val="tx1">
+                    <a:tint val="75000"/>
+                  </a:schemeClr>
+                </a:solidFill>
+              </a:defRPr>
             </a:lvl2pPr>
             <a:lvl3pPr marL="914126" indent="0" algn="ctr">
               <a:buNone/>
-              <a:defRPr sz="1799"/>
+              <a:defRPr>
+                <a:solidFill>
+                  <a:schemeClr val="tx1">
+                    <a:tint val="75000"/>
+                  </a:schemeClr>
+                </a:solidFill>
+              </a:defRPr>
             </a:lvl3pPr>
             <a:lvl4pPr marL="1371189" indent="0" algn="ctr">
               <a:buNone/>
-              <a:defRPr sz="1600"/>
+              <a:defRPr>
+                <a:solidFill>
+                  <a:schemeClr val="tx1">
+                    <a:tint val="75000"/>
+                  </a:schemeClr>
+                </a:solidFill>
+              </a:defRPr>
             </a:lvl4pPr>
             <a:lvl5pPr marL="1828251" indent="0" algn="ctr">
               <a:buNone/>
-              <a:defRPr sz="1600"/>
+              <a:defRPr>
+                <a:solidFill>
+                  <a:schemeClr val="tx1">
+                    <a:tint val="75000"/>
+                  </a:schemeClr>
+                </a:solidFill>
+              </a:defRPr>
             </a:lvl5pPr>
             <a:lvl6pPr marL="2285314" indent="0" algn="ctr">
               <a:buNone/>
-              <a:defRPr sz="1600"/>
+              <a:defRPr>
+                <a:solidFill>
+                  <a:schemeClr val="tx1">
+                    <a:tint val="75000"/>
+                  </a:schemeClr>
+                </a:solidFill>
+              </a:defRPr>
             </a:lvl6pPr>
             <a:lvl7pPr marL="2742377" indent="0" algn="ctr">
               <a:buNone/>
-              <a:defRPr sz="1600"/>
+              <a:defRPr>
+                <a:solidFill>
+                  <a:schemeClr val="tx1">
+                    <a:tint val="75000"/>
+                  </a:schemeClr>
+                </a:solidFill>
+              </a:defRPr>
             </a:lvl7pPr>
             <a:lvl8pPr marL="3199440" indent="0" algn="ctr">
               <a:buNone/>
-              <a:defRPr sz="1600"/>
+              <a:defRPr>
+                <a:solidFill>
+                  <a:schemeClr val="tx1">
+                    <a:tint val="75000"/>
+                  </a:schemeClr>
+                </a:solidFill>
+              </a:defRPr>
             </a:lvl8pPr>
             <a:lvl9pPr marL="3656503" indent="0" algn="ctr">
               <a:buNone/>
-              <a:defRPr sz="1600"/>
+              <a:defRPr>
+                <a:solidFill>
+                  <a:schemeClr val="tx1">
+                    <a:tint val="75000"/>
+                  </a:schemeClr>
+                </a:solidFill>
+              </a:defRPr>
             </a:lvl9pPr>
           </a:lstStyle>
           <a:p>
@@ -812,18 +1150,13 @@
             <p:ph type="dt" sz="half" idx="10"/>
           </p:nvPr>
         </p:nvSpPr>
-        <p:spPr>
-          <a:xfrm>
-            <a:off x="7907501" y="4314328"/>
-            <a:ext cx="2910082" cy="374642"/>
-          </a:xfrm>
-        </p:spPr>
+        <p:spPr/>
         <p:txBody>
           <a:bodyPr/>
           <a:lstStyle/>
           <a:p>
             <a:fld id="{48A87A34-81AB-432B-8DAE-1953F412C126}" type="datetimeFigureOut">
-              <a:rPr lang="en-US" dirty="0"/>
+              <a:rPr lang="en-US" smtClean="0"/>
               <a:t>3/10/2017</a:t>
             </a:fld>
             <a:endParaRPr lang="en-US" dirty="0"/>
@@ -842,8 +1175,8 @@
         </p:nvSpPr>
         <p:spPr>
           <a:xfrm>
-            <a:off x="1371243" y="4323846"/>
-            <a:ext cx="6399133" cy="365125"/>
+            <a:off x="5331023" y="5883276"/>
+            <a:ext cx="4322918" cy="365125"/>
           </a:xfrm>
         </p:spPr>
         <p:txBody>
@@ -864,18 +1197,13 @@
             <p:ph type="sldNum" sz="quarter" idx="12"/>
           </p:nvPr>
         </p:nvSpPr>
-        <p:spPr>
-          <a:xfrm>
-            <a:off x="8075096" y="1430867"/>
-            <a:ext cx="2742486" cy="365125"/>
-          </a:xfrm>
-        </p:spPr>
+        <p:spPr/>
         <p:txBody>
           <a:bodyPr/>
           <a:lstStyle/>
           <a:p>
             <a:fld id="{6D22F896-40B5-4ADD-8801-0D06FADFA095}" type="slidenum">
-              <a:rPr lang="en-US" dirty="0"/>
+              <a:rPr lang="en-US" smtClean="0"/>
               <a:t>‹#›</a:t>
             </a:fld>
             <a:endParaRPr lang="en-US" dirty="0"/>
@@ -885,7 +1213,7 @@
     </p:spTree>
     <p:extLst>
       <p:ext uri="{BB962C8B-B14F-4D97-AF65-F5344CB8AC3E}">
-        <p14:creationId xmlns:p14="http://schemas.microsoft.com/office/powerpoint/2010/main" val="1058753896"/>
+        <p14:creationId xmlns:p14="http://schemas.microsoft.com/office/powerpoint/2010/main" val="1079488856"/>
       </p:ext>
     </p:extLst>
   </p:cSld>
@@ -936,15 +1264,17 @@
         </p:nvSpPr>
         <p:spPr>
           <a:xfrm>
-            <a:off x="685598" y="4697361"/>
-            <a:ext cx="10819216" cy="819355"/>
+            <a:off x="1483925" y="4732865"/>
+            <a:ext cx="10016102" cy="566738"/>
           </a:xfrm>
         </p:spPr>
         <p:txBody>
-          <a:bodyPr anchor="b"/>
+          <a:bodyPr anchor="b">
+            <a:normAutofit/>
+          </a:bodyPr>
           <a:lstStyle>
-            <a:lvl1pPr algn="l">
-              <a:defRPr sz="3199"/>
+            <a:lvl1pPr algn="ctr">
+              <a:defRPr sz="2399" b="0"/>
             </a:lvl1pPr>
           </a:lstStyle>
           <a:p>
@@ -968,113 +1298,145 @@
         </p:nvSpPr>
         <p:spPr>
           <a:xfrm>
-            <a:off x="681549" y="941440"/>
-            <a:ext cx="10819022" cy="3478161"/>
+            <a:off x="2385391" y="932112"/>
+            <a:ext cx="8223802" cy="3164976"/>
           </a:xfrm>
+          <a:prstGeom prst="roundRect">
+            <a:avLst>
+              <a:gd name="adj" fmla="val 4380"/>
+            </a:avLst>
+          </a:prstGeom>
+          <a:ln w="38100">
+            <a:gradFill flip="none" rotWithShape="1">
+              <a:gsLst>
+                <a:gs pos="0">
+                  <a:schemeClr val="bg2"/>
+                </a:gs>
+                <a:gs pos="100000">
+                  <a:schemeClr val="bg2">
+                    <a:lumMod val="75000"/>
+                  </a:schemeClr>
+                </a:gs>
+              </a:gsLst>
+              <a:lin ang="5400000" scaled="0"/>
+              <a:tileRect/>
+            </a:gradFill>
+          </a:ln>
+          <a:effectLst>
+            <a:innerShdw blurRad="57150" dist="38100" dir="14460000">
+              <a:srgbClr val="000000">
+                <a:alpha val="70000"/>
+              </a:srgbClr>
+            </a:innerShdw>
+          </a:effectLst>
         </p:spPr>
         <p:txBody>
-          <a:bodyPr anchor="t"/>
+          <a:bodyPr anchor="t">
+            <a:normAutofit/>
+          </a:bodyPr>
           <a:lstStyle>
-            <a:lvl1pPr marL="0" indent="0">
-              <a:buNone/>
-              <a:defRPr sz="3199"/>
-            </a:lvl1pPr>
-            <a:lvl2pPr marL="457063" indent="0">
-              <a:buNone/>
-              <a:defRPr sz="2799"/>
-            </a:lvl2pPr>
-            <a:lvl3pPr marL="914126" indent="0">
-              <a:buNone/>
-              <a:defRPr sz="2399"/>
-            </a:lvl3pPr>
-            <a:lvl4pPr marL="1371189" indent="0">
-              <a:buNone/>
-              <a:defRPr sz="1999"/>
-            </a:lvl4pPr>
-            <a:lvl5pPr marL="1828251" indent="0">
-              <a:buNone/>
-              <a:defRPr sz="1999"/>
-            </a:lvl5pPr>
-            <a:lvl6pPr marL="2285314" indent="0">
-              <a:buNone/>
-              <a:defRPr sz="1999"/>
-            </a:lvl6pPr>
-            <a:lvl7pPr marL="2742377" indent="0">
-              <a:buNone/>
-              <a:defRPr sz="1999"/>
-            </a:lvl7pPr>
-            <a:lvl8pPr marL="3199440" indent="0">
-              <a:buNone/>
-              <a:defRPr sz="1999"/>
-            </a:lvl8pPr>
-            <a:lvl9pPr marL="3656503" indent="0">
-              <a:buNone/>
-              <a:defRPr sz="1999"/>
-            </a:lvl9pPr>
-          </a:lstStyle>
-          <a:p>
-            <a:r>
-              <a:rPr lang="en-US"/>
-              <a:t>Click icon to add picture</a:t>
-            </a:r>
-            <a:endParaRPr lang="en-US" dirty="0"/>
-          </a:p>
-        </p:txBody>
-      </p:sp>
-      <p:sp>
-        <p:nvSpPr>
-          <p:cNvPr id="4" name="Text Placeholder 3"/>
-          <p:cNvSpPr>
-            <a:spLocks noGrp="1"/>
-          </p:cNvSpPr>
-          <p:nvPr>
-            <p:ph type="body" sz="half" idx="2"/>
-          </p:nvPr>
-        </p:nvSpPr>
-        <p:spPr>
-          <a:xfrm>
-            <a:off x="685622" y="5516716"/>
-            <a:ext cx="10817582" cy="701969"/>
-          </a:xfrm>
-        </p:spPr>
-        <p:txBody>
-          <a:bodyPr/>
-          <a:lstStyle>
-            <a:lvl1pPr marL="0" indent="0" algn="l">
+            <a:lvl1pPr marL="0" indent="0" algn="ctr">
               <a:buNone/>
               <a:defRPr sz="1600"/>
             </a:lvl1pPr>
             <a:lvl2pPr marL="457063" indent="0">
               <a:buNone/>
-              <a:defRPr sz="1400"/>
+              <a:defRPr sz="1600"/>
             </a:lvl2pPr>
             <a:lvl3pPr marL="914126" indent="0">
               <a:buNone/>
-              <a:defRPr sz="1200"/>
+              <a:defRPr sz="1600"/>
             </a:lvl3pPr>
             <a:lvl4pPr marL="1371189" indent="0">
               <a:buNone/>
-              <a:defRPr sz="1000"/>
+              <a:defRPr sz="1600"/>
             </a:lvl4pPr>
             <a:lvl5pPr marL="1828251" indent="0">
               <a:buNone/>
-              <a:defRPr sz="1000"/>
+              <a:defRPr sz="1600"/>
             </a:lvl5pPr>
             <a:lvl6pPr marL="2285314" indent="0">
               <a:buNone/>
-              <a:defRPr sz="1000"/>
+              <a:defRPr sz="1600"/>
             </a:lvl6pPr>
             <a:lvl7pPr marL="2742377" indent="0">
               <a:buNone/>
-              <a:defRPr sz="1000"/>
+              <a:defRPr sz="1600"/>
             </a:lvl7pPr>
             <a:lvl8pPr marL="3199440" indent="0">
               <a:buNone/>
-              <a:defRPr sz="1000"/>
+              <a:defRPr sz="1600"/>
             </a:lvl8pPr>
             <a:lvl9pPr marL="3656503" indent="0">
               <a:buNone/>
+              <a:defRPr sz="1600"/>
+            </a:lvl9pPr>
+          </a:lstStyle>
+          <a:p>
+            <a:r>
+              <a:rPr lang="en-US"/>
+              <a:t>Click icon to add picture</a:t>
+            </a:r>
+            <a:endParaRPr lang="en-US" dirty="0"/>
+          </a:p>
+        </p:txBody>
+      </p:sp>
+      <p:sp>
+        <p:nvSpPr>
+          <p:cNvPr id="4" name="Text Placeholder 3"/>
+          <p:cNvSpPr>
+            <a:spLocks noGrp="1"/>
+          </p:cNvSpPr>
+          <p:nvPr>
+            <p:ph type="body" sz="half" idx="2"/>
+          </p:nvPr>
+        </p:nvSpPr>
+        <p:spPr>
+          <a:xfrm>
+            <a:off x="1483925" y="5299603"/>
+            <a:ext cx="10016102" cy="493712"/>
+          </a:xfrm>
+        </p:spPr>
+        <p:txBody>
+          <a:bodyPr>
+            <a:normAutofit/>
+          </a:bodyPr>
+          <a:lstStyle>
+            <a:lvl1pPr marL="0" indent="0" algn="ctr">
+              <a:buNone/>
+              <a:defRPr sz="1400"/>
+            </a:lvl1pPr>
+            <a:lvl2pPr marL="457063" indent="0">
+              <a:buNone/>
+              <a:defRPr sz="1200"/>
+            </a:lvl2pPr>
+            <a:lvl3pPr marL="914126" indent="0">
+              <a:buNone/>
               <a:defRPr sz="1000"/>
+            </a:lvl3pPr>
+            <a:lvl4pPr marL="1371189" indent="0">
+              <a:buNone/>
+              <a:defRPr sz="900"/>
+            </a:lvl4pPr>
+            <a:lvl5pPr marL="1828251" indent="0">
+              <a:buNone/>
+              <a:defRPr sz="900"/>
+            </a:lvl5pPr>
+            <a:lvl6pPr marL="2285314" indent="0">
+              <a:buNone/>
+              <a:defRPr sz="900"/>
+            </a:lvl6pPr>
+            <a:lvl7pPr marL="2742377" indent="0">
+              <a:buNone/>
+              <a:defRPr sz="900"/>
+            </a:lvl7pPr>
+            <a:lvl8pPr marL="3199440" indent="0">
+              <a:buNone/>
+              <a:defRPr sz="900"/>
+            </a:lvl8pPr>
+            <a:lvl9pPr marL="3656503" indent="0">
+              <a:buNone/>
+              <a:defRPr sz="900"/>
             </a:lvl9pPr>
           </a:lstStyle>
           <a:p>
@@ -1156,7 +1518,7 @@
     </p:spTree>
     <p:extLst>
       <p:ext uri="{BB962C8B-B14F-4D97-AF65-F5344CB8AC3E}">
-        <p14:creationId xmlns:p14="http://schemas.microsoft.com/office/powerpoint/2010/main" val="3567718122"/>
+        <p14:creationId xmlns:p14="http://schemas.microsoft.com/office/powerpoint/2010/main" val="911564600"/>
       </p:ext>
     </p:extLst>
   </p:cSld>
@@ -1167,7 +1529,7 @@
 </file>
 
 <file path=ppt/slideLayouts/slideLayout11.xml><?xml version="1.0" encoding="utf-8"?>
-<p:sldLayout xmlns:a="http://schemas.openxmlformats.org/drawingml/2006/main" xmlns:r="http://schemas.openxmlformats.org/officeDocument/2006/relationships" xmlns:p="http://schemas.openxmlformats.org/presentationml/2006/main" showMasterSp="0" preserve="1">
+<p:sldLayout xmlns:a="http://schemas.openxmlformats.org/drawingml/2006/main" xmlns:r="http://schemas.openxmlformats.org/officeDocument/2006/relationships" xmlns:p="http://schemas.openxmlformats.org/presentationml/2006/main" preserve="1">
   <p:cSld name="Title and Caption">
     <p:spTree>
       <p:nvGrpSpPr>
@@ -1183,122 +1545,148 @@
           <a:chExt cx="0" cy="0"/>
         </a:xfrm>
       </p:grpSpPr>
-      <p:pic>
-        <p:nvPicPr>
-          <p:cNvPr id="8" name="Picture 7" descr="C0-HD-BTM.png"/>
-          <p:cNvPicPr>
-            <a:picLocks noChangeAspect="1"/>
-          </p:cNvPicPr>
-          <p:nvPr/>
-        </p:nvPicPr>
-        <p:blipFill>
-          <a:blip r:embed="rId2">
-            <a:extLst>
-              <a:ext uri="{28A0092B-C50C-407E-A947-70E740481C1C}">
-                <a14:useLocalDpi xmlns:a14="http://schemas.microsoft.com/office/drawing/2010/main" val="0"/>
-              </a:ext>
-            </a:extLst>
-          </a:blip>
-          <a:stretch>
-            <a:fillRect/>
-          </a:stretch>
-        </p:blipFill>
+      <p:sp>
+        <p:nvSpPr>
+          <p:cNvPr id="2" name="Title 1"/>
+          <p:cNvSpPr>
+            <a:spLocks noGrp="1"/>
+          </p:cNvSpPr>
+          <p:nvPr>
+            <p:ph type="title"/>
+          </p:nvPr>
+        </p:nvSpPr>
         <p:spPr>
           <a:xfrm>
-            <a:off x="0" y="4375150"/>
-            <a:ext cx="12188825" cy="2482850"/>
+            <a:off x="1483926" y="685800"/>
+            <a:ext cx="10016102" cy="3048000"/>
           </a:xfrm>
-          <a:prstGeom prst="rect">
-            <a:avLst/>
-          </a:prstGeom>
         </p:spPr>
-      </p:pic>
-      <p:sp>
-        <p:nvSpPr>
-          <p:cNvPr id="2" name="Title 1"/>
-          <p:cNvSpPr>
-            <a:spLocks noGrp="1"/>
-          </p:cNvSpPr>
-          <p:nvPr>
-            <p:ph type="title"/>
+        <p:txBody>
+          <a:bodyPr anchor="ctr">
+            <a:normAutofit/>
+          </a:bodyPr>
+          <a:lstStyle>
+            <a:lvl1pPr algn="ctr">
+              <a:defRPr sz="3199" b="0" cap="none"/>
+            </a:lvl1pPr>
+          </a:lstStyle>
+          <a:p>
+            <a:r>
+              <a:rPr lang="en-US"/>
+              <a:t>Click to edit Master title style</a:t>
+            </a:r>
+            <a:endParaRPr lang="en-US" dirty="0"/>
+          </a:p>
+        </p:txBody>
+      </p:sp>
+      <p:sp>
+        <p:nvSpPr>
+          <p:cNvPr id="3" name="Text Placeholder 2"/>
+          <p:cNvSpPr>
+            <a:spLocks noGrp="1"/>
+          </p:cNvSpPr>
+          <p:nvPr>
+            <p:ph type="body" idx="1"/>
           </p:nvPr>
         </p:nvSpPr>
         <p:spPr>
           <a:xfrm>
-            <a:off x="685622" y="753533"/>
-            <a:ext cx="10817582" cy="2802467"/>
+            <a:off x="1483926" y="4343400"/>
+            <a:ext cx="10016104" cy="1447800"/>
           </a:xfrm>
         </p:spPr>
         <p:txBody>
-          <a:bodyPr anchor="ctr"/>
+          <a:bodyPr anchor="ctr">
+            <a:normAutofit/>
+          </a:bodyPr>
           <a:lstStyle>
-            <a:lvl1pPr algn="l">
-              <a:defRPr sz="3199"/>
-            </a:lvl1pPr>
-          </a:lstStyle>
-          <a:p>
-            <a:r>
-              <a:rPr lang="en-US"/>
-              <a:t>Click to edit Master title style</a:t>
-            </a:r>
-            <a:endParaRPr lang="en-US" dirty="0"/>
-          </a:p>
-        </p:txBody>
-      </p:sp>
-      <p:sp>
-        <p:nvSpPr>
-          <p:cNvPr id="4" name="Text Placeholder 3"/>
-          <p:cNvSpPr>
-            <a:spLocks noGrp="1"/>
-          </p:cNvSpPr>
-          <p:nvPr>
-            <p:ph type="body" sz="half" idx="2"/>
-          </p:nvPr>
-        </p:nvSpPr>
-        <p:spPr>
-          <a:xfrm>
-            <a:off x="1024200" y="3649134"/>
-            <a:ext cx="10127878" cy="999067"/>
-          </a:xfrm>
-        </p:spPr>
-        <p:txBody>
-          <a:bodyPr anchor="ctr"/>
-          <a:lstStyle>
-            <a:lvl1pPr marL="0" indent="0">
-              <a:buNone/>
-              <a:defRPr sz="1600"/>
+            <a:lvl1pPr marL="0" indent="0" algn="ctr">
+              <a:buNone/>
+              <a:defRPr sz="1999">
+                <a:solidFill>
+                  <a:schemeClr val="tx1"/>
+                </a:solidFill>
+              </a:defRPr>
             </a:lvl1pPr>
             <a:lvl2pPr marL="457063" indent="0">
               <a:buNone/>
-              <a:defRPr sz="1400"/>
+              <a:defRPr sz="1799">
+                <a:solidFill>
+                  <a:schemeClr val="tx1">
+                    <a:tint val="75000"/>
+                  </a:schemeClr>
+                </a:solidFill>
+              </a:defRPr>
             </a:lvl2pPr>
             <a:lvl3pPr marL="914126" indent="0">
               <a:buNone/>
-              <a:defRPr sz="1200"/>
+              <a:defRPr sz="1600">
+                <a:solidFill>
+                  <a:schemeClr val="tx1">
+                    <a:tint val="75000"/>
+                  </a:schemeClr>
+                </a:solidFill>
+              </a:defRPr>
             </a:lvl3pPr>
             <a:lvl4pPr marL="1371189" indent="0">
               <a:buNone/>
-              <a:defRPr sz="1000"/>
+              <a:defRPr sz="1400">
+                <a:solidFill>
+                  <a:schemeClr val="tx1">
+                    <a:tint val="75000"/>
+                  </a:schemeClr>
+                </a:solidFill>
+              </a:defRPr>
             </a:lvl4pPr>
             <a:lvl5pPr marL="1828251" indent="0">
               <a:buNone/>
-              <a:defRPr sz="1000"/>
+              <a:defRPr sz="1400">
+                <a:solidFill>
+                  <a:schemeClr val="tx1">
+                    <a:tint val="75000"/>
+                  </a:schemeClr>
+                </a:solidFill>
+              </a:defRPr>
             </a:lvl5pPr>
             <a:lvl6pPr marL="2285314" indent="0">
               <a:buNone/>
-              <a:defRPr sz="1000"/>
+              <a:defRPr sz="1400">
+                <a:solidFill>
+                  <a:schemeClr val="tx1">
+                    <a:tint val="75000"/>
+                  </a:schemeClr>
+                </a:solidFill>
+              </a:defRPr>
             </a:lvl6pPr>
             <a:lvl7pPr marL="2742377" indent="0">
               <a:buNone/>
-              <a:defRPr sz="1000"/>
+              <a:defRPr sz="1400">
+                <a:solidFill>
+                  <a:schemeClr val="tx1">
+                    <a:tint val="75000"/>
+                  </a:schemeClr>
+                </a:solidFill>
+              </a:defRPr>
             </a:lvl7pPr>
             <a:lvl8pPr marL="3199440" indent="0">
               <a:buNone/>
-              <a:defRPr sz="1000"/>
+              <a:defRPr sz="1400">
+                <a:solidFill>
+                  <a:schemeClr val="tx1">
+                    <a:tint val="75000"/>
+                  </a:schemeClr>
+                </a:solidFill>
+              </a:defRPr>
             </a:lvl8pPr>
             <a:lvl9pPr marL="3656503" indent="0">
               <a:buNone/>
-              <a:defRPr sz="1000"/>
+              <a:defRPr sz="1400">
+                <a:solidFill>
+                  <a:schemeClr val="tx1">
+                    <a:tint val="75000"/>
+                  </a:schemeClr>
+                </a:solidFill>
+              </a:defRPr>
             </a:lvl9pPr>
           </a:lstStyle>
           <a:p>
@@ -1312,7 +1700,7 @@
       </p:sp>
       <p:sp>
         <p:nvSpPr>
-          <p:cNvPr id="5" name="Date Placeholder 4"/>
+          <p:cNvPr id="4" name="Date Placeholder 3"/>
           <p:cNvSpPr>
             <a:spLocks noGrp="1"/>
           </p:cNvSpPr>
@@ -1320,19 +1708,10 @@
             <p:ph type="dt" sz="half" idx="10"/>
           </p:nvPr>
         </p:nvSpPr>
-        <p:spPr>
-          <a:xfrm>
-            <a:off x="7812417" y="381001"/>
-            <a:ext cx="2910082" cy="365125"/>
-          </a:xfrm>
-        </p:spPr>
+        <p:spPr/>
         <p:txBody>
           <a:bodyPr/>
-          <a:lstStyle>
-            <a:lvl1pPr algn="r">
-              <a:defRPr/>
-            </a:lvl1pPr>
-          </a:lstStyle>
+          <a:lstStyle/>
           <a:p>
             <a:fld id="{03F41C87-7AD9-4845-A077-840E4A0F3F06}" type="datetimeFigureOut">
               <a:rPr lang="en-US" smtClean="0"/>
@@ -1345,7 +1724,7 @@
       </p:sp>
       <p:sp>
         <p:nvSpPr>
-          <p:cNvPr id="6" name="Footer Placeholder 5"/>
+          <p:cNvPr id="5" name="Footer Placeholder 4"/>
           <p:cNvSpPr>
             <a:spLocks noGrp="1"/>
           </p:cNvSpPr>
@@ -1353,12 +1732,7 @@
             <p:ph type="ftr" sz="quarter" idx="11"/>
           </p:nvPr>
         </p:nvSpPr>
-        <p:spPr>
-          <a:xfrm>
-            <a:off x="685622" y="379942"/>
-            <a:ext cx="6989671" cy="365125"/>
-          </a:xfrm>
-        </p:spPr>
+        <p:spPr/>
         <p:txBody>
           <a:bodyPr/>
           <a:lstStyle/>
@@ -1369,7 +1743,7 @@
       </p:sp>
       <p:sp>
         <p:nvSpPr>
-          <p:cNvPr id="7" name="Slide Number Placeholder 6"/>
+          <p:cNvPr id="6" name="Slide Number Placeholder 5"/>
           <p:cNvSpPr>
             <a:spLocks noGrp="1"/>
           </p:cNvSpPr>
@@ -1377,12 +1751,7 @@
             <p:ph type="sldNum" sz="quarter" idx="12"/>
           </p:nvPr>
         </p:nvSpPr>
-        <p:spPr>
-          <a:xfrm>
-            <a:off x="10859623" y="381001"/>
-            <a:ext cx="643580" cy="365125"/>
-          </a:xfrm>
-        </p:spPr>
+        <p:spPr/>
         <p:txBody>
           <a:bodyPr/>
           <a:lstStyle/>
@@ -1399,7 +1768,7 @@
     </p:spTree>
     <p:extLst>
       <p:ext uri="{BB962C8B-B14F-4D97-AF65-F5344CB8AC3E}">
-        <p14:creationId xmlns:p14="http://schemas.microsoft.com/office/powerpoint/2010/main" val="2128320580"/>
+        <p14:creationId xmlns:p14="http://schemas.microsoft.com/office/powerpoint/2010/main" val="2536554629"/>
       </p:ext>
     </p:extLst>
   </p:cSld>
@@ -1410,7 +1779,7 @@
 </file>
 
 <file path=ppt/slideLayouts/slideLayout12.xml><?xml version="1.0" encoding="utf-8"?>
-<p:sldLayout xmlns:a="http://schemas.openxmlformats.org/drawingml/2006/main" xmlns:r="http://schemas.openxmlformats.org/officeDocument/2006/relationships" xmlns:p="http://schemas.openxmlformats.org/presentationml/2006/main" showMasterSp="0" preserve="1">
+<p:sldLayout xmlns:a="http://schemas.openxmlformats.org/drawingml/2006/main" xmlns:r="http://schemas.openxmlformats.org/officeDocument/2006/relationships" xmlns:p="http://schemas.openxmlformats.org/presentationml/2006/main" preserve="1">
   <p:cSld name="Quote with Caption">
     <p:spTree>
       <p:nvGrpSpPr>
@@ -1426,297 +1795,15 @@
           <a:chExt cx="0" cy="0"/>
         </a:xfrm>
       </p:grpSpPr>
-      <p:pic>
-        <p:nvPicPr>
-          <p:cNvPr id="13" name="Picture 12" descr="C0-HD-BTM.png"/>
-          <p:cNvPicPr>
-            <a:picLocks noChangeAspect="1"/>
-          </p:cNvPicPr>
+      <p:sp>
+        <p:nvSpPr>
+          <p:cNvPr id="14" name="TextBox 13"/>
+          <p:cNvSpPr txBox="1"/>
           <p:nvPr/>
-        </p:nvPicPr>
-        <p:blipFill>
-          <a:blip r:embed="rId2">
-            <a:extLst>
-              <a:ext uri="{28A0092B-C50C-407E-A947-70E740481C1C}">
-                <a14:useLocalDpi xmlns:a14="http://schemas.microsoft.com/office/drawing/2010/main" val="0"/>
-              </a:ext>
-            </a:extLst>
-          </a:blip>
-          <a:stretch>
-            <a:fillRect/>
-          </a:stretch>
-        </p:blipFill>
+        </p:nvSpPr>
         <p:spPr>
           <a:xfrm>
-            <a:off x="0" y="4375150"/>
-            <a:ext cx="12188825" cy="2482850"/>
-          </a:xfrm>
-          <a:prstGeom prst="rect">
-            <a:avLst/>
-          </a:prstGeom>
-        </p:spPr>
-      </p:pic>
-      <p:sp>
-        <p:nvSpPr>
-          <p:cNvPr id="2" name="Title 1"/>
-          <p:cNvSpPr>
-            <a:spLocks noGrp="1"/>
-          </p:cNvSpPr>
-          <p:nvPr>
-            <p:ph type="title"/>
-          </p:nvPr>
-        </p:nvSpPr>
-        <p:spPr>
-          <a:xfrm>
-            <a:off x="1024201" y="753534"/>
-            <a:ext cx="10148889" cy="2604495"/>
-          </a:xfrm>
-        </p:spPr>
-        <p:txBody>
-          <a:bodyPr anchor="ctr"/>
-          <a:lstStyle>
-            <a:lvl1pPr algn="l">
-              <a:defRPr sz="3199"/>
-            </a:lvl1pPr>
-          </a:lstStyle>
-          <a:p>
-            <a:r>
-              <a:rPr lang="en-US"/>
-              <a:t>Click to edit Master title style</a:t>
-            </a:r>
-            <a:endParaRPr lang="en-US" dirty="0"/>
-          </a:p>
-        </p:txBody>
-      </p:sp>
-      <p:sp>
-        <p:nvSpPr>
-          <p:cNvPr id="12" name="Text Placeholder 3"/>
-          <p:cNvSpPr>
-            <a:spLocks noGrp="1"/>
-          </p:cNvSpPr>
-          <p:nvPr>
-            <p:ph type="body" sz="half" idx="13"/>
-          </p:nvPr>
-        </p:nvSpPr>
-        <p:spPr>
-          <a:xfrm>
-            <a:off x="1303525" y="3365557"/>
-            <a:ext cx="9590238" cy="444443"/>
-          </a:xfrm>
-        </p:spPr>
-        <p:txBody>
-          <a:bodyPr anchor="t">
-            <a:normAutofit/>
-          </a:bodyPr>
-          <a:lstStyle>
-            <a:lvl1pPr marL="0" indent="0">
-              <a:buNone/>
-              <a:defRPr sz="1400"/>
-            </a:lvl1pPr>
-            <a:lvl2pPr marL="457063" indent="0">
-              <a:buNone/>
-              <a:defRPr sz="1400"/>
-            </a:lvl2pPr>
-            <a:lvl3pPr marL="914126" indent="0">
-              <a:buNone/>
-              <a:defRPr sz="1200"/>
-            </a:lvl3pPr>
-            <a:lvl4pPr marL="1371189" indent="0">
-              <a:buNone/>
-              <a:defRPr sz="1000"/>
-            </a:lvl4pPr>
-            <a:lvl5pPr marL="1828251" indent="0">
-              <a:buNone/>
-              <a:defRPr sz="1000"/>
-            </a:lvl5pPr>
-            <a:lvl6pPr marL="2285314" indent="0">
-              <a:buNone/>
-              <a:defRPr sz="1000"/>
-            </a:lvl6pPr>
-            <a:lvl7pPr marL="2742377" indent="0">
-              <a:buNone/>
-              <a:defRPr sz="1000"/>
-            </a:lvl7pPr>
-            <a:lvl8pPr marL="3199440" indent="0">
-              <a:buNone/>
-              <a:defRPr sz="1000"/>
-            </a:lvl8pPr>
-            <a:lvl9pPr marL="3656503" indent="0">
-              <a:buNone/>
-              <a:defRPr sz="1000"/>
-            </a:lvl9pPr>
-          </a:lstStyle>
-          <a:p>
-            <a:pPr lvl="0"/>
-            <a:r>
-              <a:rPr lang="en-US"/>
-              <a:t>Edit Master text styles</a:t>
-            </a:r>
-          </a:p>
-        </p:txBody>
-      </p:sp>
-      <p:sp>
-        <p:nvSpPr>
-          <p:cNvPr id="4" name="Text Placeholder 3"/>
-          <p:cNvSpPr>
-            <a:spLocks noGrp="1"/>
-          </p:cNvSpPr>
-          <p:nvPr>
-            <p:ph type="body" sz="half" idx="2"/>
-          </p:nvPr>
-        </p:nvSpPr>
-        <p:spPr>
-          <a:xfrm>
-            <a:off x="1024201" y="3959863"/>
-            <a:ext cx="10148889" cy="679871"/>
-          </a:xfrm>
-        </p:spPr>
-        <p:txBody>
-          <a:bodyPr anchor="ctr">
-            <a:normAutofit/>
-          </a:bodyPr>
-          <a:lstStyle>
-            <a:lvl1pPr marL="0" indent="0">
-              <a:buNone/>
-              <a:defRPr sz="1600"/>
-            </a:lvl1pPr>
-            <a:lvl2pPr marL="457063" indent="0">
-              <a:buNone/>
-              <a:defRPr sz="1400"/>
-            </a:lvl2pPr>
-            <a:lvl3pPr marL="914126" indent="0">
-              <a:buNone/>
-              <a:defRPr sz="1200"/>
-            </a:lvl3pPr>
-            <a:lvl4pPr marL="1371189" indent="0">
-              <a:buNone/>
-              <a:defRPr sz="1000"/>
-            </a:lvl4pPr>
-            <a:lvl5pPr marL="1828251" indent="0">
-              <a:buNone/>
-              <a:defRPr sz="1000"/>
-            </a:lvl5pPr>
-            <a:lvl6pPr marL="2285314" indent="0">
-              <a:buNone/>
-              <a:defRPr sz="1000"/>
-            </a:lvl6pPr>
-            <a:lvl7pPr marL="2742377" indent="0">
-              <a:buNone/>
-              <a:defRPr sz="1000"/>
-            </a:lvl7pPr>
-            <a:lvl8pPr marL="3199440" indent="0">
-              <a:buNone/>
-              <a:defRPr sz="1000"/>
-            </a:lvl8pPr>
-            <a:lvl9pPr marL="3656503" indent="0">
-              <a:buNone/>
-              <a:defRPr sz="1000"/>
-            </a:lvl9pPr>
-          </a:lstStyle>
-          <a:p>
-            <a:pPr lvl="0"/>
-            <a:r>
-              <a:rPr lang="en-US"/>
-              <a:t>Edit Master text styles</a:t>
-            </a:r>
-          </a:p>
-        </p:txBody>
-      </p:sp>
-      <p:sp>
-        <p:nvSpPr>
-          <p:cNvPr id="5" name="Date Placeholder 4"/>
-          <p:cNvSpPr>
-            <a:spLocks noGrp="1"/>
-          </p:cNvSpPr>
-          <p:nvPr>
-            <p:ph type="dt" sz="half" idx="10"/>
-          </p:nvPr>
-        </p:nvSpPr>
-        <p:spPr>
-          <a:xfrm>
-            <a:off x="7812417" y="381001"/>
-            <a:ext cx="2910082" cy="365125"/>
-          </a:xfrm>
-        </p:spPr>
-        <p:txBody>
-          <a:bodyPr/>
-          <a:lstStyle>
-            <a:lvl1pPr algn="r">
-              <a:defRPr/>
-            </a:lvl1pPr>
-          </a:lstStyle>
-          <a:p>
-            <a:fld id="{03F41C87-7AD9-4845-A077-840E4A0F3F06}" type="datetimeFigureOut">
-              <a:rPr lang="en-US" smtClean="0"/>
-              <a:pPr/>
-              <a:t>3/10/2017</a:t>
-            </a:fld>
-            <a:endParaRPr lang="en-US"/>
-          </a:p>
-        </p:txBody>
-      </p:sp>
-      <p:sp>
-        <p:nvSpPr>
-          <p:cNvPr id="6" name="Footer Placeholder 5"/>
-          <p:cNvSpPr>
-            <a:spLocks noGrp="1"/>
-          </p:cNvSpPr>
-          <p:nvPr>
-            <p:ph type="ftr" sz="quarter" idx="11"/>
-          </p:nvPr>
-        </p:nvSpPr>
-        <p:spPr>
-          <a:xfrm>
-            <a:off x="685622" y="379942"/>
-            <a:ext cx="6989671" cy="365125"/>
-          </a:xfrm>
-        </p:spPr>
-        <p:txBody>
-          <a:bodyPr/>
-          <a:lstStyle/>
-          <a:p>
-            <a:endParaRPr lang="en-US" dirty="0"/>
-          </a:p>
-        </p:txBody>
-      </p:sp>
-      <p:sp>
-        <p:nvSpPr>
-          <p:cNvPr id="7" name="Slide Number Placeholder 6"/>
-          <p:cNvSpPr>
-            <a:spLocks noGrp="1"/>
-          </p:cNvSpPr>
-          <p:nvPr>
-            <p:ph type="sldNum" sz="quarter" idx="12"/>
-          </p:nvPr>
-        </p:nvSpPr>
-        <p:spPr>
-          <a:xfrm>
-            <a:off x="10859623" y="381001"/>
-            <a:ext cx="643580" cy="365125"/>
-          </a:xfrm>
-        </p:spPr>
-        <p:txBody>
-          <a:bodyPr/>
-          <a:lstStyle/>
-          <a:p>
-            <a:fld id="{2A013F82-EE5E-44EE-A61D-E31C6657F26F}" type="slidenum">
-              <a:rPr lang="en-US" smtClean="0"/>
-              <a:pPr/>
-              <a:t>‹#›</a:t>
-            </a:fld>
-            <a:endParaRPr lang="en-US"/>
-          </a:p>
-        </p:txBody>
-      </p:sp>
-      <p:sp>
-        <p:nvSpPr>
-          <p:cNvPr id="9" name="TextBox 8"/>
-          <p:cNvSpPr txBox="1"/>
-          <p:nvPr/>
-        </p:nvSpPr>
-        <p:spPr>
-          <a:xfrm>
-            <a:off x="476126" y="933450"/>
+            <a:off x="1598196" y="863023"/>
             <a:ext cx="609441" cy="584776"/>
           </a:xfrm>
           <a:prstGeom prst="rect">
@@ -1826,13 +1913,13 @@
       </p:sp>
       <p:sp>
         <p:nvSpPr>
-          <p:cNvPr id="10" name="TextBox 9"/>
+          <p:cNvPr id="15" name="TextBox 14"/>
           <p:cNvSpPr txBox="1"/>
           <p:nvPr/>
         </p:nvSpPr>
         <p:spPr>
           <a:xfrm>
-            <a:off x="10981370" y="2701290"/>
+            <a:off x="10890588" y="2819399"/>
             <a:ext cx="609441" cy="584776"/>
           </a:xfrm>
           <a:prstGeom prst="rect">
@@ -1940,10 +2027,290 @@
           </a:p>
         </p:txBody>
       </p:sp>
+      <p:sp>
+        <p:nvSpPr>
+          <p:cNvPr id="2" name="Title 1"/>
+          <p:cNvSpPr>
+            <a:spLocks noGrp="1"/>
+          </p:cNvSpPr>
+          <p:nvPr>
+            <p:ph type="title"/>
+          </p:nvPr>
+        </p:nvSpPr>
+        <p:spPr>
+          <a:xfrm>
+            <a:off x="2207637" y="685801"/>
+            <a:ext cx="8987671" cy="2743199"/>
+          </a:xfrm>
+        </p:spPr>
+        <p:txBody>
+          <a:bodyPr anchor="ctr">
+            <a:normAutofit/>
+          </a:bodyPr>
+          <a:lstStyle>
+            <a:lvl1pPr algn="ctr">
+              <a:defRPr sz="3199" b="0" cap="none">
+                <a:solidFill>
+                  <a:schemeClr val="tx1"/>
+                </a:solidFill>
+              </a:defRPr>
+            </a:lvl1pPr>
+          </a:lstStyle>
+          <a:p>
+            <a:r>
+              <a:rPr lang="en-US"/>
+              <a:t>Click to edit Master title style</a:t>
+            </a:r>
+            <a:endParaRPr lang="en-US" dirty="0"/>
+          </a:p>
+        </p:txBody>
+      </p:sp>
+      <p:sp>
+        <p:nvSpPr>
+          <p:cNvPr id="10" name="Text Placeholder 9"/>
+          <p:cNvSpPr>
+            <a:spLocks noGrp="1"/>
+          </p:cNvSpPr>
+          <p:nvPr>
+            <p:ph type="body" sz="quarter" idx="13"/>
+          </p:nvPr>
+        </p:nvSpPr>
+        <p:spPr>
+          <a:xfrm>
+            <a:off x="2436177" y="3428999"/>
+            <a:ext cx="8530593" cy="381000"/>
+          </a:xfrm>
+        </p:spPr>
+        <p:txBody>
+          <a:bodyPr anchor="ctr">
+            <a:normAutofit/>
+          </a:bodyPr>
+          <a:lstStyle>
+            <a:lvl1pPr marL="0" indent="0">
+              <a:buFontTx/>
+              <a:buNone/>
+              <a:defRPr sz="1799"/>
+            </a:lvl1pPr>
+            <a:lvl2pPr marL="457063" indent="0">
+              <a:buFontTx/>
+              <a:buNone/>
+              <a:defRPr/>
+            </a:lvl2pPr>
+            <a:lvl3pPr marL="914126" indent="0">
+              <a:buFontTx/>
+              <a:buNone/>
+              <a:defRPr/>
+            </a:lvl3pPr>
+            <a:lvl4pPr marL="1371189" indent="0">
+              <a:buFontTx/>
+              <a:buNone/>
+              <a:defRPr/>
+            </a:lvl4pPr>
+            <a:lvl5pPr marL="1828251" indent="0">
+              <a:buFontTx/>
+              <a:buNone/>
+              <a:defRPr/>
+            </a:lvl5pPr>
+          </a:lstStyle>
+          <a:p>
+            <a:pPr lvl="0"/>
+            <a:r>
+              <a:rPr lang="en-US"/>
+              <a:t>Edit Master text styles</a:t>
+            </a:r>
+          </a:p>
+        </p:txBody>
+      </p:sp>
+      <p:sp>
+        <p:nvSpPr>
+          <p:cNvPr id="3" name="Text Placeholder 2"/>
+          <p:cNvSpPr>
+            <a:spLocks noGrp="1"/>
+          </p:cNvSpPr>
+          <p:nvPr>
+            <p:ph type="body" idx="1"/>
+          </p:nvPr>
+        </p:nvSpPr>
+        <p:spPr>
+          <a:xfrm>
+            <a:off x="1483925" y="4343400"/>
+            <a:ext cx="10016102" cy="1447800"/>
+          </a:xfrm>
+        </p:spPr>
+        <p:txBody>
+          <a:bodyPr anchor="ctr">
+            <a:normAutofit/>
+          </a:bodyPr>
+          <a:lstStyle>
+            <a:lvl1pPr marL="0" indent="0" algn="ctr">
+              <a:buNone/>
+              <a:defRPr sz="1999">
+                <a:solidFill>
+                  <a:schemeClr val="tx1"/>
+                </a:solidFill>
+              </a:defRPr>
+            </a:lvl1pPr>
+            <a:lvl2pPr marL="457063" indent="0">
+              <a:buNone/>
+              <a:defRPr sz="1799">
+                <a:solidFill>
+                  <a:schemeClr val="tx1">
+                    <a:tint val="75000"/>
+                  </a:schemeClr>
+                </a:solidFill>
+              </a:defRPr>
+            </a:lvl2pPr>
+            <a:lvl3pPr marL="914126" indent="0">
+              <a:buNone/>
+              <a:defRPr sz="1600">
+                <a:solidFill>
+                  <a:schemeClr val="tx1">
+                    <a:tint val="75000"/>
+                  </a:schemeClr>
+                </a:solidFill>
+              </a:defRPr>
+            </a:lvl3pPr>
+            <a:lvl4pPr marL="1371189" indent="0">
+              <a:buNone/>
+              <a:defRPr sz="1400">
+                <a:solidFill>
+                  <a:schemeClr val="tx1">
+                    <a:tint val="75000"/>
+                  </a:schemeClr>
+                </a:solidFill>
+              </a:defRPr>
+            </a:lvl4pPr>
+            <a:lvl5pPr marL="1828251" indent="0">
+              <a:buNone/>
+              <a:defRPr sz="1400">
+                <a:solidFill>
+                  <a:schemeClr val="tx1">
+                    <a:tint val="75000"/>
+                  </a:schemeClr>
+                </a:solidFill>
+              </a:defRPr>
+            </a:lvl5pPr>
+            <a:lvl6pPr marL="2285314" indent="0">
+              <a:buNone/>
+              <a:defRPr sz="1400">
+                <a:solidFill>
+                  <a:schemeClr val="tx1">
+                    <a:tint val="75000"/>
+                  </a:schemeClr>
+                </a:solidFill>
+              </a:defRPr>
+            </a:lvl6pPr>
+            <a:lvl7pPr marL="2742377" indent="0">
+              <a:buNone/>
+              <a:defRPr sz="1400">
+                <a:solidFill>
+                  <a:schemeClr val="tx1">
+                    <a:tint val="75000"/>
+                  </a:schemeClr>
+                </a:solidFill>
+              </a:defRPr>
+            </a:lvl7pPr>
+            <a:lvl8pPr marL="3199440" indent="0">
+              <a:buNone/>
+              <a:defRPr sz="1400">
+                <a:solidFill>
+                  <a:schemeClr val="tx1">
+                    <a:tint val="75000"/>
+                  </a:schemeClr>
+                </a:solidFill>
+              </a:defRPr>
+            </a:lvl8pPr>
+            <a:lvl9pPr marL="3656503" indent="0">
+              <a:buNone/>
+              <a:defRPr sz="1400">
+                <a:solidFill>
+                  <a:schemeClr val="tx1">
+                    <a:tint val="75000"/>
+                  </a:schemeClr>
+                </a:solidFill>
+              </a:defRPr>
+            </a:lvl9pPr>
+          </a:lstStyle>
+          <a:p>
+            <a:pPr lvl="0"/>
+            <a:r>
+              <a:rPr lang="en-US"/>
+              <a:t>Edit Master text styles</a:t>
+            </a:r>
+          </a:p>
+        </p:txBody>
+      </p:sp>
+      <p:sp>
+        <p:nvSpPr>
+          <p:cNvPr id="4" name="Date Placeholder 3"/>
+          <p:cNvSpPr>
+            <a:spLocks noGrp="1"/>
+          </p:cNvSpPr>
+          <p:nvPr>
+            <p:ph type="dt" sz="half" idx="10"/>
+          </p:nvPr>
+        </p:nvSpPr>
+        <p:spPr/>
+        <p:txBody>
+          <a:bodyPr/>
+          <a:lstStyle/>
+          <a:p>
+            <a:fld id="{03F41C87-7AD9-4845-A077-840E4A0F3F06}" type="datetimeFigureOut">
+              <a:rPr lang="en-US" smtClean="0"/>
+              <a:pPr/>
+              <a:t>3/10/2017</a:t>
+            </a:fld>
+            <a:endParaRPr lang="en-US"/>
+          </a:p>
+        </p:txBody>
+      </p:sp>
+      <p:sp>
+        <p:nvSpPr>
+          <p:cNvPr id="5" name="Footer Placeholder 4"/>
+          <p:cNvSpPr>
+            <a:spLocks noGrp="1"/>
+          </p:cNvSpPr>
+          <p:nvPr>
+            <p:ph type="ftr" sz="quarter" idx="11"/>
+          </p:nvPr>
+        </p:nvSpPr>
+        <p:spPr/>
+        <p:txBody>
+          <a:bodyPr/>
+          <a:lstStyle/>
+          <a:p>
+            <a:endParaRPr lang="en-US" dirty="0"/>
+          </a:p>
+        </p:txBody>
+      </p:sp>
+      <p:sp>
+        <p:nvSpPr>
+          <p:cNvPr id="6" name="Slide Number Placeholder 5"/>
+          <p:cNvSpPr>
+            <a:spLocks noGrp="1"/>
+          </p:cNvSpPr>
+          <p:nvPr>
+            <p:ph type="sldNum" sz="quarter" idx="12"/>
+          </p:nvPr>
+        </p:nvSpPr>
+        <p:spPr/>
+        <p:txBody>
+          <a:bodyPr/>
+          <a:lstStyle/>
+          <a:p>
+            <a:fld id="{2A013F82-EE5E-44EE-A61D-E31C6657F26F}" type="slidenum">
+              <a:rPr lang="en-US" smtClean="0"/>
+              <a:pPr/>
+              <a:t>‹#›</a:t>
+            </a:fld>
+            <a:endParaRPr lang="en-US"/>
+          </a:p>
+        </p:txBody>
+      </p:sp>
     </p:spTree>
     <p:extLst>
       <p:ext uri="{BB962C8B-B14F-4D97-AF65-F5344CB8AC3E}">
-        <p14:creationId xmlns:p14="http://schemas.microsoft.com/office/powerpoint/2010/main" val="3769091610"/>
+        <p14:creationId xmlns:p14="http://schemas.microsoft.com/office/powerpoint/2010/main" val="368417435"/>
       </p:ext>
     </p:extLst>
   </p:cSld>
@@ -1954,7 +2321,7 @@
 </file>
 
 <file path=ppt/slideLayouts/slideLayout13.xml><?xml version="1.0" encoding="utf-8"?>
-<p:sldLayout xmlns:a="http://schemas.openxmlformats.org/drawingml/2006/main" xmlns:r="http://schemas.openxmlformats.org/officeDocument/2006/relationships" xmlns:p="http://schemas.openxmlformats.org/presentationml/2006/main" showMasterSp="0" preserve="1">
+<p:sldLayout xmlns:a="http://schemas.openxmlformats.org/drawingml/2006/main" xmlns:r="http://schemas.openxmlformats.org/officeDocument/2006/relationships" xmlns:p="http://schemas.openxmlformats.org/presentationml/2006/main" preserve="1">
   <p:cSld name="Name Card">
     <p:spTree>
       <p:nvGrpSpPr>
@@ -1970,122 +2337,148 @@
           <a:chExt cx="0" cy="0"/>
         </a:xfrm>
       </p:grpSpPr>
-      <p:pic>
-        <p:nvPicPr>
-          <p:cNvPr id="9" name="Picture 8" descr="C0-HD-BTM.png"/>
-          <p:cNvPicPr>
-            <a:picLocks noChangeAspect="1"/>
-          </p:cNvPicPr>
-          <p:nvPr/>
-        </p:nvPicPr>
-        <p:blipFill>
-          <a:blip r:embed="rId2">
-            <a:extLst>
-              <a:ext uri="{28A0092B-C50C-407E-A947-70E740481C1C}">
-                <a14:useLocalDpi xmlns:a14="http://schemas.microsoft.com/office/drawing/2010/main" val="0"/>
-              </a:ext>
-            </a:extLst>
-          </a:blip>
-          <a:stretch>
-            <a:fillRect/>
-          </a:stretch>
-        </p:blipFill>
+      <p:sp>
+        <p:nvSpPr>
+          <p:cNvPr id="2" name="Title 1"/>
+          <p:cNvSpPr>
+            <a:spLocks noGrp="1"/>
+          </p:cNvSpPr>
+          <p:nvPr>
+            <p:ph type="title"/>
+          </p:nvPr>
+        </p:nvSpPr>
         <p:spPr>
           <a:xfrm>
-            <a:off x="0" y="4375150"/>
-            <a:ext cx="12188825" cy="2482850"/>
+            <a:off x="1483927" y="3308581"/>
+            <a:ext cx="10016100" cy="1468800"/>
           </a:xfrm>
-          <a:prstGeom prst="rect">
-            <a:avLst/>
-          </a:prstGeom>
         </p:spPr>
-      </p:pic>
-      <p:sp>
-        <p:nvSpPr>
-          <p:cNvPr id="2" name="Title 1"/>
-          <p:cNvSpPr>
-            <a:spLocks noGrp="1"/>
-          </p:cNvSpPr>
-          <p:nvPr>
-            <p:ph type="title"/>
+        <p:txBody>
+          <a:bodyPr anchor="b">
+            <a:normAutofit/>
+          </a:bodyPr>
+          <a:lstStyle>
+            <a:lvl1pPr algn="r">
+              <a:defRPr sz="3199" b="0" cap="none"/>
+            </a:lvl1pPr>
+          </a:lstStyle>
+          <a:p>
+            <a:r>
+              <a:rPr lang="en-US"/>
+              <a:t>Click to edit Master title style</a:t>
+            </a:r>
+            <a:endParaRPr lang="en-US" dirty="0"/>
+          </a:p>
+        </p:txBody>
+      </p:sp>
+      <p:sp>
+        <p:nvSpPr>
+          <p:cNvPr id="3" name="Text Placeholder 2"/>
+          <p:cNvSpPr>
+            <a:spLocks noGrp="1"/>
+          </p:cNvSpPr>
+          <p:nvPr>
+            <p:ph type="body" idx="1"/>
           </p:nvPr>
         </p:nvSpPr>
         <p:spPr>
           <a:xfrm>
-            <a:off x="1024228" y="1124702"/>
-            <a:ext cx="10143544" cy="2511835"/>
+            <a:off x="1483925" y="4777381"/>
+            <a:ext cx="10016101" cy="860400"/>
           </a:xfrm>
         </p:spPr>
         <p:txBody>
-          <a:bodyPr anchor="b"/>
+          <a:bodyPr anchor="t">
+            <a:normAutofit/>
+          </a:bodyPr>
           <a:lstStyle>
-            <a:lvl1pPr algn="l">
-              <a:defRPr sz="3199"/>
-            </a:lvl1pPr>
-          </a:lstStyle>
-          <a:p>
-            <a:r>
-              <a:rPr lang="en-US"/>
-              <a:t>Click to edit Master title style</a:t>
-            </a:r>
-            <a:endParaRPr lang="en-US" dirty="0"/>
-          </a:p>
-        </p:txBody>
-      </p:sp>
-      <p:sp>
-        <p:nvSpPr>
-          <p:cNvPr id="4" name="Text Placeholder 3"/>
-          <p:cNvSpPr>
-            <a:spLocks noGrp="1"/>
-          </p:cNvSpPr>
-          <p:nvPr>
-            <p:ph type="body" sz="half" idx="2"/>
-          </p:nvPr>
-        </p:nvSpPr>
-        <p:spPr>
-          <a:xfrm>
-            <a:off x="1024200" y="3648316"/>
-            <a:ext cx="10142012" cy="999885"/>
-          </a:xfrm>
-        </p:spPr>
-        <p:txBody>
-          <a:bodyPr anchor="t"/>
-          <a:lstStyle>
-            <a:lvl1pPr marL="0" indent="0">
-              <a:buNone/>
-              <a:defRPr sz="1600"/>
+            <a:lvl1pPr marL="0" indent="0" algn="r">
+              <a:buNone/>
+              <a:defRPr sz="1999">
+                <a:solidFill>
+                  <a:schemeClr val="tx1"/>
+                </a:solidFill>
+              </a:defRPr>
             </a:lvl1pPr>
             <a:lvl2pPr marL="457063" indent="0">
               <a:buNone/>
-              <a:defRPr sz="1400"/>
+              <a:defRPr sz="1799">
+                <a:solidFill>
+                  <a:schemeClr val="tx1">
+                    <a:tint val="75000"/>
+                  </a:schemeClr>
+                </a:solidFill>
+              </a:defRPr>
             </a:lvl2pPr>
             <a:lvl3pPr marL="914126" indent="0">
               <a:buNone/>
-              <a:defRPr sz="1200"/>
+              <a:defRPr sz="1600">
+                <a:solidFill>
+                  <a:schemeClr val="tx1">
+                    <a:tint val="75000"/>
+                  </a:schemeClr>
+                </a:solidFill>
+              </a:defRPr>
             </a:lvl3pPr>
             <a:lvl4pPr marL="1371189" indent="0">
               <a:buNone/>
-              <a:defRPr sz="1000"/>
+              <a:defRPr sz="1400">
+                <a:solidFill>
+                  <a:schemeClr val="tx1">
+                    <a:tint val="75000"/>
+                  </a:schemeClr>
+                </a:solidFill>
+              </a:defRPr>
             </a:lvl4pPr>
             <a:lvl5pPr marL="1828251" indent="0">
               <a:buNone/>
-              <a:defRPr sz="1000"/>
+              <a:defRPr sz="1400">
+                <a:solidFill>
+                  <a:schemeClr val="tx1">
+                    <a:tint val="75000"/>
+                  </a:schemeClr>
+                </a:solidFill>
+              </a:defRPr>
             </a:lvl5pPr>
             <a:lvl6pPr marL="2285314" indent="0">
               <a:buNone/>
-              <a:defRPr sz="1000"/>
+              <a:defRPr sz="1400">
+                <a:solidFill>
+                  <a:schemeClr val="tx1">
+                    <a:tint val="75000"/>
+                  </a:schemeClr>
+                </a:solidFill>
+              </a:defRPr>
             </a:lvl6pPr>
             <a:lvl7pPr marL="2742377" indent="0">
               <a:buNone/>
-              <a:defRPr sz="1000"/>
+              <a:defRPr sz="1400">
+                <a:solidFill>
+                  <a:schemeClr val="tx1">
+                    <a:tint val="75000"/>
+                  </a:schemeClr>
+                </a:solidFill>
+              </a:defRPr>
             </a:lvl7pPr>
             <a:lvl8pPr marL="3199440" indent="0">
               <a:buNone/>
-              <a:defRPr sz="1000"/>
+              <a:defRPr sz="1400">
+                <a:solidFill>
+                  <a:schemeClr val="tx1">
+                    <a:tint val="75000"/>
+                  </a:schemeClr>
+                </a:solidFill>
+              </a:defRPr>
             </a:lvl8pPr>
             <a:lvl9pPr marL="3656503" indent="0">
               <a:buNone/>
-              <a:defRPr sz="1000"/>
+              <a:defRPr sz="1400">
+                <a:solidFill>
+                  <a:schemeClr val="tx1">
+                    <a:tint val="75000"/>
+                  </a:schemeClr>
+                </a:solidFill>
+              </a:defRPr>
             </a:lvl9pPr>
           </a:lstStyle>
           <a:p>
@@ -2099,7 +2492,7 @@
       </p:sp>
       <p:sp>
         <p:nvSpPr>
-          <p:cNvPr id="5" name="Date Placeholder 4"/>
+          <p:cNvPr id="4" name="Date Placeholder 3"/>
           <p:cNvSpPr>
             <a:spLocks noGrp="1"/>
           </p:cNvSpPr>
@@ -2107,19 +2500,10 @@
             <p:ph type="dt" sz="half" idx="10"/>
           </p:nvPr>
         </p:nvSpPr>
-        <p:spPr>
-          <a:xfrm>
-            <a:off x="7812417" y="378884"/>
-            <a:ext cx="2910082" cy="365125"/>
-          </a:xfrm>
-        </p:spPr>
+        <p:spPr/>
         <p:txBody>
           <a:bodyPr/>
-          <a:lstStyle>
-            <a:lvl1pPr algn="r">
-              <a:defRPr/>
-            </a:lvl1pPr>
-          </a:lstStyle>
+          <a:lstStyle/>
           <a:p>
             <a:fld id="{03F41C87-7AD9-4845-A077-840E4A0F3F06}" type="datetimeFigureOut">
               <a:rPr lang="en-US" smtClean="0"/>
@@ -2132,7 +2516,7 @@
       </p:sp>
       <p:sp>
         <p:nvSpPr>
-          <p:cNvPr id="6" name="Footer Placeholder 5"/>
+          <p:cNvPr id="5" name="Footer Placeholder 4"/>
           <p:cNvSpPr>
             <a:spLocks noGrp="1"/>
           </p:cNvSpPr>
@@ -2140,12 +2524,7 @@
             <p:ph type="ftr" sz="quarter" idx="11"/>
           </p:nvPr>
         </p:nvSpPr>
-        <p:spPr>
-          <a:xfrm>
-            <a:off x="685622" y="378884"/>
-            <a:ext cx="6989671" cy="365125"/>
-          </a:xfrm>
-        </p:spPr>
+        <p:spPr/>
         <p:txBody>
           <a:bodyPr/>
           <a:lstStyle/>
@@ -2156,7 +2535,7 @@
       </p:sp>
       <p:sp>
         <p:nvSpPr>
-          <p:cNvPr id="7" name="Slide Number Placeholder 6"/>
+          <p:cNvPr id="6" name="Slide Number Placeholder 5"/>
           <p:cNvSpPr>
             <a:spLocks noGrp="1"/>
           </p:cNvSpPr>
@@ -2164,12 +2543,7 @@
             <p:ph type="sldNum" sz="quarter" idx="12"/>
           </p:nvPr>
         </p:nvSpPr>
-        <p:spPr>
-          <a:xfrm>
-            <a:off x="10859623" y="381001"/>
-            <a:ext cx="643580" cy="365125"/>
-          </a:xfrm>
-        </p:spPr>
+        <p:spPr/>
         <p:txBody>
           <a:bodyPr/>
           <a:lstStyle/>
@@ -2186,7 +2560,7 @@
     </p:spTree>
     <p:extLst>
       <p:ext uri="{BB962C8B-B14F-4D97-AF65-F5344CB8AC3E}">
-        <p14:creationId xmlns:p14="http://schemas.microsoft.com/office/powerpoint/2010/main" val="1863987919"/>
+        <p14:creationId xmlns:p14="http://schemas.microsoft.com/office/powerpoint/2010/main" val="2726126332"/>
       </p:ext>
     </p:extLst>
   </p:cSld>
@@ -2198,7 +2572,7 @@
 
 <file path=ppt/slideLayouts/slideLayout14.xml><?xml version="1.0" encoding="utf-8"?>
 <p:sldLayout xmlns:a="http://schemas.openxmlformats.org/drawingml/2006/main" xmlns:r="http://schemas.openxmlformats.org/officeDocument/2006/relationships" xmlns:p="http://schemas.openxmlformats.org/presentationml/2006/main" preserve="1">
-  <p:cSld name="3 Column">
+  <p:cSld name="Quote Name Card">
     <p:spTree>
       <p:nvGrpSpPr>
         <p:cNvPr id="1" name=""/>
@@ -2215,97 +2589,316 @@
       </p:grpSpPr>
       <p:sp>
         <p:nvSpPr>
-          <p:cNvPr id="15" name="Title 1"/>
-          <p:cNvSpPr>
-            <a:spLocks noGrp="1"/>
-          </p:cNvSpPr>
-          <p:nvPr>
-            <p:ph type="title"/>
-          </p:nvPr>
+          <p:cNvPr id="14" name="TextBox 13"/>
+          <p:cNvSpPr txBox="1"/>
+          <p:nvPr/>
         </p:nvSpPr>
         <p:spPr>
           <a:xfrm>
-            <a:off x="2894846" y="762000"/>
-            <a:ext cx="8608357" cy="1303867"/>
+            <a:off x="1598196" y="863023"/>
+            <a:ext cx="609441" cy="584776"/>
           </a:xfrm>
+          <a:prstGeom prst="rect">
+            <a:avLst/>
+          </a:prstGeom>
         </p:spPr>
         <p:txBody>
-          <a:bodyPr/>
-          <a:lstStyle/>
-          <a:p>
-            <a:r>
-              <a:rPr lang="en-US"/>
-              <a:t>Click to edit Master title style</a:t>
-            </a:r>
-            <a:endParaRPr lang="en-US" dirty="0"/>
-          </a:p>
-        </p:txBody>
-      </p:sp>
-      <p:sp>
-        <p:nvSpPr>
-          <p:cNvPr id="7" name="Text Placeholder 2"/>
-          <p:cNvSpPr>
-            <a:spLocks noGrp="1"/>
-          </p:cNvSpPr>
-          <p:nvPr>
-            <p:ph type="body" idx="1"/>
-          </p:nvPr>
-        </p:nvSpPr>
-        <p:spPr>
-          <a:xfrm>
-            <a:off x="685621" y="2202080"/>
-            <a:ext cx="3455532" cy="617320"/>
-          </a:xfrm>
-        </p:spPr>
-        <p:txBody>
-          <a:bodyPr anchor="b">
+          <a:bodyPr vert="horz" lIns="91416" tIns="45708" rIns="91416" bIns="45708" rtlCol="0" anchor="ctr">
             <a:noAutofit/>
           </a:bodyPr>
           <a:lstStyle>
-            <a:lvl1pPr marL="0" indent="0">
-              <a:buNone/>
-              <a:defRPr sz="2399" b="0">
-                <a:solidFill>
-                  <a:schemeClr val="tx1"/>
-                </a:solidFill>
+            <a:lvl1pPr>
+              <a:spcBef>
+                <a:spcPct val="0"/>
+              </a:spcBef>
+              <a:buNone/>
+              <a:defRPr sz="3200" b="0" cap="all">
+                <a:ln w="3175" cmpd="sng">
+                  <a:noFill/>
+                </a:ln>
+                <a:effectLst>
+                  <a:glow rad="38100">
+                    <a:schemeClr val="bg1">
+                      <a:lumMod val="65000"/>
+                      <a:lumOff val="35000"/>
+                      <a:alpha val="40000"/>
+                    </a:schemeClr>
+                  </a:glow>
+                  <a:outerShdw blurRad="28575" dist="38100" dir="14040000" algn="tl" rotWithShape="0">
+                    <a:srgbClr val="000000">
+                      <a:alpha val="25000"/>
+                    </a:srgbClr>
+                  </a:outerShdw>
+                </a:effectLst>
               </a:defRPr>
             </a:lvl1pPr>
-            <a:lvl2pPr marL="457063" indent="0">
-              <a:buNone/>
-              <a:defRPr sz="1999" b="1"/>
+            <a:lvl2pPr>
+              <a:defRPr>
+                <a:solidFill>
+                  <a:schemeClr val="tx2"/>
+                </a:solidFill>
+              </a:defRPr>
             </a:lvl2pPr>
-            <a:lvl3pPr marL="914126" indent="0">
-              <a:buNone/>
-              <a:defRPr sz="1799" b="1"/>
+            <a:lvl3pPr>
+              <a:defRPr>
+                <a:solidFill>
+                  <a:schemeClr val="tx2"/>
+                </a:solidFill>
+              </a:defRPr>
             </a:lvl3pPr>
-            <a:lvl4pPr marL="1371189" indent="0">
-              <a:buNone/>
-              <a:defRPr sz="1600" b="1"/>
+            <a:lvl4pPr>
+              <a:defRPr>
+                <a:solidFill>
+                  <a:schemeClr val="tx2"/>
+                </a:solidFill>
+              </a:defRPr>
             </a:lvl4pPr>
-            <a:lvl5pPr marL="1828251" indent="0">
-              <a:buNone/>
-              <a:defRPr sz="1600" b="1"/>
+            <a:lvl5pPr>
+              <a:defRPr>
+                <a:solidFill>
+                  <a:schemeClr val="tx2"/>
+                </a:solidFill>
+              </a:defRPr>
             </a:lvl5pPr>
-            <a:lvl6pPr marL="2285314" indent="0">
-              <a:buNone/>
-              <a:defRPr sz="1600" b="1"/>
+            <a:lvl6pPr>
+              <a:defRPr>
+                <a:solidFill>
+                  <a:schemeClr val="tx2"/>
+                </a:solidFill>
+              </a:defRPr>
             </a:lvl6pPr>
-            <a:lvl7pPr marL="2742377" indent="0">
-              <a:buNone/>
-              <a:defRPr sz="1600" b="1"/>
+            <a:lvl7pPr>
+              <a:defRPr>
+                <a:solidFill>
+                  <a:schemeClr val="tx2"/>
+                </a:solidFill>
+              </a:defRPr>
             </a:lvl7pPr>
-            <a:lvl8pPr marL="3199440" indent="0">
-              <a:buNone/>
-              <a:defRPr sz="1600" b="1"/>
+            <a:lvl8pPr>
+              <a:defRPr>
+                <a:solidFill>
+                  <a:schemeClr val="tx2"/>
+                </a:solidFill>
+              </a:defRPr>
             </a:lvl8pPr>
-            <a:lvl9pPr marL="3656503" indent="0">
-              <a:buNone/>
-              <a:defRPr sz="1600" b="1"/>
+            <a:lvl9pPr>
+              <a:defRPr>
+                <a:solidFill>
+                  <a:schemeClr val="tx2"/>
+                </a:solidFill>
+              </a:defRPr>
             </a:lvl9pPr>
           </a:lstStyle>
           <a:p>
             <a:pPr lvl="0"/>
             <a:r>
+              <a:rPr lang="en-US" sz="7998" dirty="0">
+                <a:solidFill>
+                  <a:schemeClr val="tx1"/>
+                </a:solidFill>
+                <a:effectLst/>
+              </a:rPr>
+              <a:t>“</a:t>
+            </a:r>
+          </a:p>
+        </p:txBody>
+      </p:sp>
+      <p:sp>
+        <p:nvSpPr>
+          <p:cNvPr id="15" name="TextBox 14"/>
+          <p:cNvSpPr txBox="1"/>
+          <p:nvPr/>
+        </p:nvSpPr>
+        <p:spPr>
+          <a:xfrm>
+            <a:off x="10890588" y="2819399"/>
+            <a:ext cx="609441" cy="584776"/>
+          </a:xfrm>
+          <a:prstGeom prst="rect">
+            <a:avLst/>
+          </a:prstGeom>
+        </p:spPr>
+        <p:txBody>
+          <a:bodyPr vert="horz" lIns="91416" tIns="45708" rIns="91416" bIns="45708" rtlCol="0" anchor="ctr">
+            <a:noAutofit/>
+          </a:bodyPr>
+          <a:lstStyle>
+            <a:lvl1pPr>
+              <a:spcBef>
+                <a:spcPct val="0"/>
+              </a:spcBef>
+              <a:buNone/>
+              <a:defRPr sz="3200" b="0" cap="all">
+                <a:ln w="3175" cmpd="sng">
+                  <a:noFill/>
+                </a:ln>
+                <a:effectLst>
+                  <a:glow rad="38100">
+                    <a:schemeClr val="bg1">
+                      <a:lumMod val="65000"/>
+                      <a:lumOff val="35000"/>
+                      <a:alpha val="40000"/>
+                    </a:schemeClr>
+                  </a:glow>
+                  <a:outerShdw blurRad="28575" dist="38100" dir="14040000" algn="tl" rotWithShape="0">
+                    <a:srgbClr val="000000">
+                      <a:alpha val="25000"/>
+                    </a:srgbClr>
+                  </a:outerShdw>
+                </a:effectLst>
+              </a:defRPr>
+            </a:lvl1pPr>
+            <a:lvl2pPr>
+              <a:defRPr>
+                <a:solidFill>
+                  <a:schemeClr val="tx2"/>
+                </a:solidFill>
+              </a:defRPr>
+            </a:lvl2pPr>
+            <a:lvl3pPr>
+              <a:defRPr>
+                <a:solidFill>
+                  <a:schemeClr val="tx2"/>
+                </a:solidFill>
+              </a:defRPr>
+            </a:lvl3pPr>
+            <a:lvl4pPr>
+              <a:defRPr>
+                <a:solidFill>
+                  <a:schemeClr val="tx2"/>
+                </a:solidFill>
+              </a:defRPr>
+            </a:lvl4pPr>
+            <a:lvl5pPr>
+              <a:defRPr>
+                <a:solidFill>
+                  <a:schemeClr val="tx2"/>
+                </a:solidFill>
+              </a:defRPr>
+            </a:lvl5pPr>
+            <a:lvl6pPr>
+              <a:defRPr>
+                <a:solidFill>
+                  <a:schemeClr val="tx2"/>
+                </a:solidFill>
+              </a:defRPr>
+            </a:lvl6pPr>
+            <a:lvl7pPr>
+              <a:defRPr>
+                <a:solidFill>
+                  <a:schemeClr val="tx2"/>
+                </a:solidFill>
+              </a:defRPr>
+            </a:lvl7pPr>
+            <a:lvl8pPr>
+              <a:defRPr>
+                <a:solidFill>
+                  <a:schemeClr val="tx2"/>
+                </a:solidFill>
+              </a:defRPr>
+            </a:lvl8pPr>
+            <a:lvl9pPr>
+              <a:defRPr>
+                <a:solidFill>
+                  <a:schemeClr val="tx2"/>
+                </a:solidFill>
+              </a:defRPr>
+            </a:lvl9pPr>
+          </a:lstStyle>
+          <a:p>
+            <a:pPr lvl="0" algn="r"/>
+            <a:r>
+              <a:rPr lang="en-US" sz="7998" dirty="0">
+                <a:solidFill>
+                  <a:schemeClr val="tx1"/>
+                </a:solidFill>
+                <a:effectLst/>
+              </a:rPr>
+              <a:t>”</a:t>
+            </a:r>
+          </a:p>
+        </p:txBody>
+      </p:sp>
+      <p:sp>
+        <p:nvSpPr>
+          <p:cNvPr id="2" name="Title 1"/>
+          <p:cNvSpPr>
+            <a:spLocks noGrp="1"/>
+          </p:cNvSpPr>
+          <p:nvPr>
+            <p:ph type="title"/>
+          </p:nvPr>
+        </p:nvSpPr>
+        <p:spPr>
+          <a:xfrm>
+            <a:off x="2207637" y="685801"/>
+            <a:ext cx="8987671" cy="2743199"/>
+          </a:xfrm>
+        </p:spPr>
+        <p:txBody>
+          <a:bodyPr anchor="ctr">
+            <a:normAutofit/>
+          </a:bodyPr>
+          <a:lstStyle>
+            <a:lvl1pPr algn="ctr">
+              <a:defRPr sz="3199" b="0" cap="none">
+                <a:solidFill>
+                  <a:schemeClr val="tx1"/>
+                </a:solidFill>
+              </a:defRPr>
+            </a:lvl1pPr>
+          </a:lstStyle>
+          <a:p>
+            <a:r>
+              <a:rPr lang="en-US"/>
+              <a:t>Click to edit Master title style</a:t>
+            </a:r>
+            <a:endParaRPr lang="en-US" dirty="0"/>
+          </a:p>
+        </p:txBody>
+      </p:sp>
+      <p:sp>
+        <p:nvSpPr>
+          <p:cNvPr id="10" name="Text Placeholder 9"/>
+          <p:cNvSpPr>
+            <a:spLocks noGrp="1"/>
+          </p:cNvSpPr>
+          <p:nvPr>
+            <p:ph type="body" sz="quarter" idx="13"/>
+          </p:nvPr>
+        </p:nvSpPr>
+        <p:spPr>
+          <a:xfrm>
+            <a:off x="1483926" y="3886200"/>
+            <a:ext cx="10016101" cy="889000"/>
+          </a:xfrm>
+        </p:spPr>
+        <p:txBody>
+          <a:bodyPr vert="horz" lIns="91440" tIns="45720" rIns="91440" bIns="45720" rtlCol="0" anchor="b">
+            <a:normAutofit/>
+          </a:bodyPr>
+          <a:lstStyle>
+            <a:lvl1pPr algn="r">
+              <a:buNone/>
+              <a:defRPr lang="en-US" sz="2399" b="0" cap="none" dirty="0">
+                <a:ln w="3175" cmpd="sng">
+                  <a:noFill/>
+                </a:ln>
+                <a:solidFill>
+                  <a:schemeClr val="tx1"/>
+                </a:solidFill>
+                <a:effectLst/>
+              </a:defRPr>
+            </a:lvl1pPr>
+          </a:lstStyle>
+          <a:p>
+            <a:pPr marL="0" lvl="0">
+              <a:spcBef>
+                <a:spcPct val="0"/>
+              </a:spcBef>
+              <a:buNone/>
+            </a:pPr>
+            <a:r>
               <a:rPr lang="en-US"/>
               <a:t>Edit Master text styles</a:t>
             </a:r>
@@ -2314,18 +2907,18 @@
       </p:sp>
       <p:sp>
         <p:nvSpPr>
-          <p:cNvPr id="8" name="Text Placeholder 3"/>
-          <p:cNvSpPr>
-            <a:spLocks noGrp="1"/>
-          </p:cNvSpPr>
-          <p:nvPr>
-            <p:ph type="body" sz="half" idx="15"/>
+          <p:cNvPr id="3" name="Text Placeholder 2"/>
+          <p:cNvSpPr>
+            <a:spLocks noGrp="1"/>
+          </p:cNvSpPr>
+          <p:nvPr>
+            <p:ph type="body" idx="1"/>
           </p:nvPr>
         </p:nvSpPr>
         <p:spPr>
           <a:xfrm>
-            <a:off x="685620" y="2904565"/>
-            <a:ext cx="3455532" cy="3314132"/>
+            <a:off x="1483925" y="4775200"/>
+            <a:ext cx="10016101" cy="1016000"/>
           </a:xfrm>
         </p:spPr>
         <p:txBody>
@@ -2333,41 +2926,93 @@
             <a:normAutofit/>
           </a:bodyPr>
           <a:lstStyle>
-            <a:lvl1pPr marL="0" indent="0">
-              <a:buNone/>
-              <a:defRPr sz="1400"/>
+            <a:lvl1pPr marL="0" indent="0" algn="r">
+              <a:buNone/>
+              <a:defRPr sz="1799">
+                <a:solidFill>
+                  <a:schemeClr val="tx1"/>
+                </a:solidFill>
+              </a:defRPr>
             </a:lvl1pPr>
             <a:lvl2pPr marL="457063" indent="0">
               <a:buNone/>
-              <a:defRPr sz="1200"/>
+              <a:defRPr sz="1799">
+                <a:solidFill>
+                  <a:schemeClr val="tx1">
+                    <a:tint val="75000"/>
+                  </a:schemeClr>
+                </a:solidFill>
+              </a:defRPr>
             </a:lvl2pPr>
             <a:lvl3pPr marL="914126" indent="0">
               <a:buNone/>
-              <a:defRPr sz="1000"/>
+              <a:defRPr sz="1600">
+                <a:solidFill>
+                  <a:schemeClr val="tx1">
+                    <a:tint val="75000"/>
+                  </a:schemeClr>
+                </a:solidFill>
+              </a:defRPr>
             </a:lvl3pPr>
             <a:lvl4pPr marL="1371189" indent="0">
               <a:buNone/>
-              <a:defRPr sz="900"/>
+              <a:defRPr sz="1400">
+                <a:solidFill>
+                  <a:schemeClr val="tx1">
+                    <a:tint val="75000"/>
+                  </a:schemeClr>
+                </a:solidFill>
+              </a:defRPr>
             </a:lvl4pPr>
             <a:lvl5pPr marL="1828251" indent="0">
               <a:buNone/>
-              <a:defRPr sz="900"/>
+              <a:defRPr sz="1400">
+                <a:solidFill>
+                  <a:schemeClr val="tx1">
+                    <a:tint val="75000"/>
+                  </a:schemeClr>
+                </a:solidFill>
+              </a:defRPr>
             </a:lvl5pPr>
             <a:lvl6pPr marL="2285314" indent="0">
               <a:buNone/>
-              <a:defRPr sz="900"/>
+              <a:defRPr sz="1400">
+                <a:solidFill>
+                  <a:schemeClr val="tx1">
+                    <a:tint val="75000"/>
+                  </a:schemeClr>
+                </a:solidFill>
+              </a:defRPr>
             </a:lvl6pPr>
             <a:lvl7pPr marL="2742377" indent="0">
               <a:buNone/>
-              <a:defRPr sz="900"/>
+              <a:defRPr sz="1400">
+                <a:solidFill>
+                  <a:schemeClr val="tx1">
+                    <a:tint val="75000"/>
+                  </a:schemeClr>
+                </a:solidFill>
+              </a:defRPr>
             </a:lvl7pPr>
             <a:lvl8pPr marL="3199440" indent="0">
               <a:buNone/>
-              <a:defRPr sz="900"/>
+              <a:defRPr sz="1400">
+                <a:solidFill>
+                  <a:schemeClr val="tx1">
+                    <a:tint val="75000"/>
+                  </a:schemeClr>
+                </a:solidFill>
+              </a:defRPr>
             </a:lvl8pPr>
             <a:lvl9pPr marL="3656503" indent="0">
               <a:buNone/>
-              <a:defRPr sz="900"/>
+              <a:defRPr sz="1400">
+                <a:solidFill>
+                  <a:schemeClr val="tx1">
+                    <a:tint val="75000"/>
+                  </a:schemeClr>
+                </a:solidFill>
+              </a:defRPr>
             </a:lvl9pPr>
           </a:lstStyle>
           <a:p>
@@ -2381,283 +3026,7 @@
       </p:sp>
       <p:sp>
         <p:nvSpPr>
-          <p:cNvPr id="9" name="Text Placeholder 4"/>
-          <p:cNvSpPr>
-            <a:spLocks noGrp="1"/>
-          </p:cNvSpPr>
-          <p:nvPr>
-            <p:ph type="body" sz="quarter" idx="3"/>
-          </p:nvPr>
-        </p:nvSpPr>
-        <p:spPr>
-          <a:xfrm>
-            <a:off x="4367662" y="2201333"/>
-            <a:ext cx="3455532" cy="626534"/>
-          </a:xfrm>
-        </p:spPr>
-        <p:txBody>
-          <a:bodyPr anchor="b">
-            <a:noAutofit/>
-          </a:bodyPr>
-          <a:lstStyle>
-            <a:lvl1pPr marL="0" indent="0">
-              <a:buNone/>
-              <a:defRPr sz="2399" b="0">
-                <a:solidFill>
-                  <a:schemeClr val="tx1"/>
-                </a:solidFill>
-              </a:defRPr>
-            </a:lvl1pPr>
-            <a:lvl2pPr marL="457063" indent="0">
-              <a:buNone/>
-              <a:defRPr sz="1999" b="1"/>
-            </a:lvl2pPr>
-            <a:lvl3pPr marL="914126" indent="0">
-              <a:buNone/>
-              <a:defRPr sz="1799" b="1"/>
-            </a:lvl3pPr>
-            <a:lvl4pPr marL="1371189" indent="0">
-              <a:buNone/>
-              <a:defRPr sz="1600" b="1"/>
-            </a:lvl4pPr>
-            <a:lvl5pPr marL="1828251" indent="0">
-              <a:buNone/>
-              <a:defRPr sz="1600" b="1"/>
-            </a:lvl5pPr>
-            <a:lvl6pPr marL="2285314" indent="0">
-              <a:buNone/>
-              <a:defRPr sz="1600" b="1"/>
-            </a:lvl6pPr>
-            <a:lvl7pPr marL="2742377" indent="0">
-              <a:buNone/>
-              <a:defRPr sz="1600" b="1"/>
-            </a:lvl7pPr>
-            <a:lvl8pPr marL="3199440" indent="0">
-              <a:buNone/>
-              <a:defRPr sz="1600" b="1"/>
-            </a:lvl8pPr>
-            <a:lvl9pPr marL="3656503" indent="0">
-              <a:buNone/>
-              <a:defRPr sz="1600" b="1"/>
-            </a:lvl9pPr>
-          </a:lstStyle>
-          <a:p>
-            <a:pPr lvl="0"/>
-            <a:r>
-              <a:rPr lang="en-US"/>
-              <a:t>Edit Master text styles</a:t>
-            </a:r>
-          </a:p>
-        </p:txBody>
-      </p:sp>
-      <p:sp>
-        <p:nvSpPr>
-          <p:cNvPr id="10" name="Text Placeholder 3"/>
-          <p:cNvSpPr>
-            <a:spLocks noGrp="1"/>
-          </p:cNvSpPr>
-          <p:nvPr>
-            <p:ph type="body" sz="half" idx="16"/>
-          </p:nvPr>
-        </p:nvSpPr>
-        <p:spPr>
-          <a:xfrm>
-            <a:off x="4365721" y="2904067"/>
-            <a:ext cx="3455532" cy="3314618"/>
-          </a:xfrm>
-        </p:spPr>
-        <p:txBody>
-          <a:bodyPr anchor="t">
-            <a:normAutofit/>
-          </a:bodyPr>
-          <a:lstStyle>
-            <a:lvl1pPr marL="0" indent="0">
-              <a:buNone/>
-              <a:defRPr sz="1400"/>
-            </a:lvl1pPr>
-            <a:lvl2pPr marL="457063" indent="0">
-              <a:buNone/>
-              <a:defRPr sz="1200"/>
-            </a:lvl2pPr>
-            <a:lvl3pPr marL="914126" indent="0">
-              <a:buNone/>
-              <a:defRPr sz="1000"/>
-            </a:lvl3pPr>
-            <a:lvl4pPr marL="1371189" indent="0">
-              <a:buNone/>
-              <a:defRPr sz="900"/>
-            </a:lvl4pPr>
-            <a:lvl5pPr marL="1828251" indent="0">
-              <a:buNone/>
-              <a:defRPr sz="900"/>
-            </a:lvl5pPr>
-            <a:lvl6pPr marL="2285314" indent="0">
-              <a:buNone/>
-              <a:defRPr sz="900"/>
-            </a:lvl6pPr>
-            <a:lvl7pPr marL="2742377" indent="0">
-              <a:buNone/>
-              <a:defRPr sz="900"/>
-            </a:lvl7pPr>
-            <a:lvl8pPr marL="3199440" indent="0">
-              <a:buNone/>
-              <a:defRPr sz="900"/>
-            </a:lvl8pPr>
-            <a:lvl9pPr marL="3656503" indent="0">
-              <a:buNone/>
-              <a:defRPr sz="900"/>
-            </a:lvl9pPr>
-          </a:lstStyle>
-          <a:p>
-            <a:pPr lvl="0"/>
-            <a:r>
-              <a:rPr lang="en-US"/>
-              <a:t>Edit Master text styles</a:t>
-            </a:r>
-          </a:p>
-        </p:txBody>
-      </p:sp>
-      <p:sp>
-        <p:nvSpPr>
-          <p:cNvPr id="11" name="Text Placeholder 4"/>
-          <p:cNvSpPr>
-            <a:spLocks noGrp="1"/>
-          </p:cNvSpPr>
-          <p:nvPr>
-            <p:ph type="body" sz="quarter" idx="13"/>
-          </p:nvPr>
-        </p:nvSpPr>
-        <p:spPr>
-          <a:xfrm>
-            <a:off x="8049703" y="2192866"/>
-            <a:ext cx="3455532" cy="626534"/>
-          </a:xfrm>
-        </p:spPr>
-        <p:txBody>
-          <a:bodyPr anchor="b">
-            <a:noAutofit/>
-          </a:bodyPr>
-          <a:lstStyle>
-            <a:lvl1pPr marL="0" indent="0">
-              <a:buNone/>
-              <a:defRPr sz="2399" b="0">
-                <a:solidFill>
-                  <a:schemeClr val="tx1"/>
-                </a:solidFill>
-              </a:defRPr>
-            </a:lvl1pPr>
-            <a:lvl2pPr marL="457063" indent="0">
-              <a:buNone/>
-              <a:defRPr sz="1999" b="1"/>
-            </a:lvl2pPr>
-            <a:lvl3pPr marL="914126" indent="0">
-              <a:buNone/>
-              <a:defRPr sz="1799" b="1"/>
-            </a:lvl3pPr>
-            <a:lvl4pPr marL="1371189" indent="0">
-              <a:buNone/>
-              <a:defRPr sz="1600" b="1"/>
-            </a:lvl4pPr>
-            <a:lvl5pPr marL="1828251" indent="0">
-              <a:buNone/>
-              <a:defRPr sz="1600" b="1"/>
-            </a:lvl5pPr>
-            <a:lvl6pPr marL="2285314" indent="0">
-              <a:buNone/>
-              <a:defRPr sz="1600" b="1"/>
-            </a:lvl6pPr>
-            <a:lvl7pPr marL="2742377" indent="0">
-              <a:buNone/>
-              <a:defRPr sz="1600" b="1"/>
-            </a:lvl7pPr>
-            <a:lvl8pPr marL="3199440" indent="0">
-              <a:buNone/>
-              <a:defRPr sz="1600" b="1"/>
-            </a:lvl8pPr>
-            <a:lvl9pPr marL="3656503" indent="0">
-              <a:buNone/>
-              <a:defRPr sz="1600" b="1"/>
-            </a:lvl9pPr>
-          </a:lstStyle>
-          <a:p>
-            <a:pPr lvl="0"/>
-            <a:r>
-              <a:rPr lang="en-US"/>
-              <a:t>Edit Master text styles</a:t>
-            </a:r>
-          </a:p>
-        </p:txBody>
-      </p:sp>
-      <p:sp>
-        <p:nvSpPr>
-          <p:cNvPr id="12" name="Text Placeholder 3"/>
-          <p:cNvSpPr>
-            <a:spLocks noGrp="1"/>
-          </p:cNvSpPr>
-          <p:nvPr>
-            <p:ph type="body" sz="half" idx="17"/>
-          </p:nvPr>
-        </p:nvSpPr>
-        <p:spPr>
-          <a:xfrm>
-            <a:off x="8049704" y="2904565"/>
-            <a:ext cx="3455532" cy="3314132"/>
-          </a:xfrm>
-        </p:spPr>
-        <p:txBody>
-          <a:bodyPr anchor="t">
-            <a:normAutofit/>
-          </a:bodyPr>
-          <a:lstStyle>
-            <a:lvl1pPr marL="0" indent="0">
-              <a:buNone/>
-              <a:defRPr sz="1400"/>
-            </a:lvl1pPr>
-            <a:lvl2pPr marL="457063" indent="0">
-              <a:buNone/>
-              <a:defRPr sz="1200"/>
-            </a:lvl2pPr>
-            <a:lvl3pPr marL="914126" indent="0">
-              <a:buNone/>
-              <a:defRPr sz="1000"/>
-            </a:lvl3pPr>
-            <a:lvl4pPr marL="1371189" indent="0">
-              <a:buNone/>
-              <a:defRPr sz="900"/>
-            </a:lvl4pPr>
-            <a:lvl5pPr marL="1828251" indent="0">
-              <a:buNone/>
-              <a:defRPr sz="900"/>
-            </a:lvl5pPr>
-            <a:lvl6pPr marL="2285314" indent="0">
-              <a:buNone/>
-              <a:defRPr sz="900"/>
-            </a:lvl6pPr>
-            <a:lvl7pPr marL="2742377" indent="0">
-              <a:buNone/>
-              <a:defRPr sz="900"/>
-            </a:lvl7pPr>
-            <a:lvl8pPr marL="3199440" indent="0">
-              <a:buNone/>
-              <a:defRPr sz="900"/>
-            </a:lvl8pPr>
-            <a:lvl9pPr marL="3656503" indent="0">
-              <a:buNone/>
-              <a:defRPr sz="900"/>
-            </a:lvl9pPr>
-          </a:lstStyle>
-          <a:p>
-            <a:pPr lvl="0"/>
-            <a:r>
-              <a:rPr lang="en-US"/>
-              <a:t>Edit Master text styles</a:t>
-            </a:r>
-          </a:p>
-        </p:txBody>
-      </p:sp>
-      <p:sp>
-        <p:nvSpPr>
-          <p:cNvPr id="3" name="Date Placeholder 2"/>
+          <p:cNvPr id="4" name="Date Placeholder 3"/>
           <p:cNvSpPr>
             <a:spLocks noGrp="1"/>
           </p:cNvSpPr>
@@ -2681,7 +3050,7 @@
       </p:sp>
       <p:sp>
         <p:nvSpPr>
-          <p:cNvPr id="4" name="Footer Placeholder 3"/>
+          <p:cNvPr id="5" name="Footer Placeholder 4"/>
           <p:cNvSpPr>
             <a:spLocks noGrp="1"/>
           </p:cNvSpPr>
@@ -2700,7 +3069,7 @@
       </p:sp>
       <p:sp>
         <p:nvSpPr>
-          <p:cNvPr id="5" name="Slide Number Placeholder 4"/>
+          <p:cNvPr id="6" name="Slide Number Placeholder 5"/>
           <p:cNvSpPr>
             <a:spLocks noGrp="1"/>
           </p:cNvSpPr>
@@ -2725,7 +3094,7 @@
     </p:spTree>
     <p:extLst>
       <p:ext uri="{BB962C8B-B14F-4D97-AF65-F5344CB8AC3E}">
-        <p14:creationId xmlns:p14="http://schemas.microsoft.com/office/powerpoint/2010/main" val="1171015086"/>
+        <p14:creationId xmlns:p14="http://schemas.microsoft.com/office/powerpoint/2010/main" val="3194523642"/>
       </p:ext>
     </p:extLst>
   </p:cSld>
@@ -2737,7 +3106,7 @@
 
 <file path=ppt/slideLayouts/slideLayout15.xml><?xml version="1.0" encoding="utf-8"?>
 <p:sldLayout xmlns:a="http://schemas.openxmlformats.org/drawingml/2006/main" xmlns:r="http://schemas.openxmlformats.org/officeDocument/2006/relationships" xmlns:p="http://schemas.openxmlformats.org/presentationml/2006/main" preserve="1">
-  <p:cSld name="3 Picture Column">
+  <p:cSld name="True or False">
     <p:spTree>
       <p:nvGrpSpPr>
         <p:cNvPr id="1" name=""/>
@@ -2754,7 +3123,7 @@
       </p:grpSpPr>
       <p:sp>
         <p:nvSpPr>
-          <p:cNvPr id="30" name="Title 1"/>
+          <p:cNvPr id="2" name="Title 1"/>
           <p:cNvSpPr>
             <a:spLocks noGrp="1"/>
           </p:cNvSpPr>
@@ -2764,14 +3133,21 @@
         </p:nvSpPr>
         <p:spPr>
           <a:xfrm>
-            <a:off x="2894846" y="762000"/>
-            <a:ext cx="8608357" cy="1295400"/>
+            <a:off x="1483926" y="685801"/>
+            <a:ext cx="10016103" cy="2727325"/>
           </a:xfrm>
         </p:spPr>
         <p:txBody>
-          <a:bodyPr/>
-          <a:lstStyle/>
-          <a:p>
+          <a:bodyPr vert="horz" lIns="91440" tIns="45720" rIns="91440" bIns="45720" rtlCol="0" anchor="ctr">
+            <a:normAutofit/>
+          </a:bodyPr>
+          <a:lstStyle>
+            <a:lvl1pPr>
+              <a:defRPr lang="en-US" b="0" dirty="0"/>
+            </a:lvl1pPr>
+          </a:lstStyle>
+          <a:p>
+            <a:pPr marL="0" lvl="0"/>
             <a:r>
               <a:rPr lang="en-US"/>
               <a:t>Click to edit Master title style</a:t>
@@ -2782,68 +3158,45 @@
       </p:sp>
       <p:sp>
         <p:nvSpPr>
-          <p:cNvPr id="19" name="Text Placeholder 2"/>
-          <p:cNvSpPr>
-            <a:spLocks noGrp="1"/>
-          </p:cNvSpPr>
-          <p:nvPr>
-            <p:ph type="body" idx="1"/>
+          <p:cNvPr id="10" name="Text Placeholder 9"/>
+          <p:cNvSpPr>
+            <a:spLocks noGrp="1"/>
+          </p:cNvSpPr>
+          <p:nvPr>
+            <p:ph type="body" sz="quarter" idx="13"/>
           </p:nvPr>
         </p:nvSpPr>
         <p:spPr>
           <a:xfrm>
-            <a:off x="688439" y="4191001"/>
-            <a:ext cx="3450683" cy="682765"/>
+            <a:off x="1483926" y="3505200"/>
+            <a:ext cx="10016104" cy="838200"/>
           </a:xfrm>
         </p:spPr>
         <p:txBody>
-          <a:bodyPr anchor="b">
-            <a:noAutofit/>
+          <a:bodyPr vert="horz" lIns="91440" tIns="45720" rIns="91440" bIns="45720" rtlCol="0" anchor="b">
+            <a:normAutofit/>
           </a:bodyPr>
           <a:lstStyle>
-            <a:lvl1pPr marL="0" indent="0">
-              <a:buNone/>
-              <a:defRPr sz="2399" b="0">
+            <a:lvl1pPr>
+              <a:buNone/>
+              <a:defRPr lang="en-US" sz="2799" b="0" cap="none" dirty="0">
+                <a:ln w="3175" cmpd="sng">
+                  <a:noFill/>
+                </a:ln>
                 <a:solidFill>
                   <a:schemeClr val="tx1"/>
                 </a:solidFill>
+                <a:effectLst/>
               </a:defRPr>
             </a:lvl1pPr>
-            <a:lvl2pPr marL="457063" indent="0">
-              <a:buNone/>
-              <a:defRPr sz="1999" b="1"/>
-            </a:lvl2pPr>
-            <a:lvl3pPr marL="914126" indent="0">
-              <a:buNone/>
-              <a:defRPr sz="1799" b="1"/>
-            </a:lvl3pPr>
-            <a:lvl4pPr marL="1371189" indent="0">
-              <a:buNone/>
-              <a:defRPr sz="1600" b="1"/>
-            </a:lvl4pPr>
-            <a:lvl5pPr marL="1828251" indent="0">
-              <a:buNone/>
-              <a:defRPr sz="1600" b="1"/>
-            </a:lvl5pPr>
-            <a:lvl6pPr marL="2285314" indent="0">
-              <a:buNone/>
-              <a:defRPr sz="1600" b="1"/>
-            </a:lvl6pPr>
-            <a:lvl7pPr marL="2742377" indent="0">
-              <a:buNone/>
-              <a:defRPr sz="1600" b="1"/>
-            </a:lvl7pPr>
-            <a:lvl8pPr marL="3199440" indent="0">
-              <a:buNone/>
-              <a:defRPr sz="1600" b="1"/>
-            </a:lvl8pPr>
-            <a:lvl9pPr marL="3656503" indent="0">
-              <a:buNone/>
-              <a:defRPr sz="1600" b="1"/>
-            </a:lvl9pPr>
           </a:lstStyle>
           <a:p>
-            <a:pPr lvl="0"/>
+            <a:pPr marL="0" lvl="0">
+              <a:spcBef>
+                <a:spcPct val="0"/>
+              </a:spcBef>
+              <a:buNone/>
+            </a:pPr>
             <a:r>
               <a:rPr lang="en-US"/>
               <a:t>Edit Master text styles</a:t>
@@ -2853,142 +3206,115 @@
       </p:sp>
       <p:sp>
         <p:nvSpPr>
-          <p:cNvPr id="20" name="Picture Placeholder 2"/>
-          <p:cNvSpPr>
-            <a:spLocks noGrp="1" noChangeAspect="1"/>
-          </p:cNvSpPr>
-          <p:nvPr>
-            <p:ph type="pic" idx="15"/>
+          <p:cNvPr id="3" name="Text Placeholder 2"/>
+          <p:cNvSpPr>
+            <a:spLocks noGrp="1"/>
+          </p:cNvSpPr>
+          <p:nvPr>
+            <p:ph type="body" idx="1"/>
           </p:nvPr>
         </p:nvSpPr>
         <p:spPr>
           <a:xfrm>
-            <a:off x="688439" y="2362200"/>
-            <a:ext cx="3450683" cy="1524000"/>
+            <a:off x="1483925" y="4343400"/>
+            <a:ext cx="10016104" cy="1447800"/>
           </a:xfrm>
-          <a:prstGeom prst="roundRect">
-            <a:avLst>
-              <a:gd name="adj" fmla="val 0"/>
-            </a:avLst>
-          </a:prstGeom>
-          <a:effectLst>
-            <a:outerShdw blurRad="50800" dist="50800" dir="5400000" algn="tl" rotWithShape="0">
-              <a:srgbClr val="000000">
-                <a:alpha val="43000"/>
-              </a:srgbClr>
-            </a:outerShdw>
-          </a:effectLst>
         </p:spPr>
         <p:txBody>
           <a:bodyPr anchor="t">
             <a:normAutofit/>
           </a:bodyPr>
           <a:lstStyle>
-            <a:lvl1pPr marL="0" indent="0" algn="ctr">
-              <a:buNone/>
-              <a:defRPr sz="1600"/>
+            <a:lvl1pPr marL="0" indent="0" algn="l">
+              <a:buNone/>
+              <a:defRPr sz="1799">
+                <a:solidFill>
+                  <a:schemeClr val="tx1"/>
+                </a:solidFill>
+              </a:defRPr>
             </a:lvl1pPr>
             <a:lvl2pPr marL="457063" indent="0">
               <a:buNone/>
-              <a:defRPr sz="1600"/>
+              <a:defRPr sz="1799">
+                <a:solidFill>
+                  <a:schemeClr val="tx1">
+                    <a:tint val="75000"/>
+                  </a:schemeClr>
+                </a:solidFill>
+              </a:defRPr>
             </a:lvl2pPr>
             <a:lvl3pPr marL="914126" indent="0">
               <a:buNone/>
-              <a:defRPr sz="1600"/>
+              <a:defRPr sz="1600">
+                <a:solidFill>
+                  <a:schemeClr val="tx1">
+                    <a:tint val="75000"/>
+                  </a:schemeClr>
+                </a:solidFill>
+              </a:defRPr>
             </a:lvl3pPr>
             <a:lvl4pPr marL="1371189" indent="0">
               <a:buNone/>
-              <a:defRPr sz="1600"/>
+              <a:defRPr sz="1400">
+                <a:solidFill>
+                  <a:schemeClr val="tx1">
+                    <a:tint val="75000"/>
+                  </a:schemeClr>
+                </a:solidFill>
+              </a:defRPr>
             </a:lvl4pPr>
             <a:lvl5pPr marL="1828251" indent="0">
               <a:buNone/>
-              <a:defRPr sz="1600"/>
+              <a:defRPr sz="1400">
+                <a:solidFill>
+                  <a:schemeClr val="tx1">
+                    <a:tint val="75000"/>
+                  </a:schemeClr>
+                </a:solidFill>
+              </a:defRPr>
             </a:lvl5pPr>
             <a:lvl6pPr marL="2285314" indent="0">
               <a:buNone/>
-              <a:defRPr sz="1600"/>
+              <a:defRPr sz="1400">
+                <a:solidFill>
+                  <a:schemeClr val="tx1">
+                    <a:tint val="75000"/>
+                  </a:schemeClr>
+                </a:solidFill>
+              </a:defRPr>
             </a:lvl6pPr>
             <a:lvl7pPr marL="2742377" indent="0">
               <a:buNone/>
-              <a:defRPr sz="1600"/>
+              <a:defRPr sz="1400">
+                <a:solidFill>
+                  <a:schemeClr val="tx1">
+                    <a:tint val="75000"/>
+                  </a:schemeClr>
+                </a:solidFill>
+              </a:defRPr>
             </a:lvl7pPr>
             <a:lvl8pPr marL="3199440" indent="0">
               <a:buNone/>
-              <a:defRPr sz="1600"/>
+              <a:defRPr sz="1400">
+                <a:solidFill>
+                  <a:schemeClr val="tx1">
+                    <a:tint val="75000"/>
+                  </a:schemeClr>
+                </a:solidFill>
+              </a:defRPr>
             </a:lvl8pPr>
             <a:lvl9pPr marL="3656503" indent="0">
               <a:buNone/>
-              <a:defRPr sz="1600"/>
+              <a:defRPr sz="1400">
+                <a:solidFill>
+                  <a:schemeClr val="tx1">
+                    <a:tint val="75000"/>
+                  </a:schemeClr>
+                </a:solidFill>
+              </a:defRPr>
             </a:lvl9pPr>
           </a:lstStyle>
           <a:p>
-            <a:r>
-              <a:rPr lang="en-US"/>
-              <a:t>Click icon to add picture</a:t>
-            </a:r>
-            <a:endParaRPr lang="en-US" dirty="0"/>
-          </a:p>
-        </p:txBody>
-      </p:sp>
-      <p:sp>
-        <p:nvSpPr>
-          <p:cNvPr id="21" name="Text Placeholder 3"/>
-          <p:cNvSpPr>
-            <a:spLocks noGrp="1"/>
-          </p:cNvSpPr>
-          <p:nvPr>
-            <p:ph type="body" sz="half" idx="18"/>
-          </p:nvPr>
-        </p:nvSpPr>
-        <p:spPr>
-          <a:xfrm>
-            <a:off x="688439" y="4873765"/>
-            <a:ext cx="3450683" cy="1344921"/>
-          </a:xfrm>
-        </p:spPr>
-        <p:txBody>
-          <a:bodyPr anchor="t">
-            <a:normAutofit/>
-          </a:bodyPr>
-          <a:lstStyle>
-            <a:lvl1pPr marL="0" indent="0">
-              <a:buNone/>
-              <a:defRPr sz="1400"/>
-            </a:lvl1pPr>
-            <a:lvl2pPr marL="457063" indent="0">
-              <a:buNone/>
-              <a:defRPr sz="1200"/>
-            </a:lvl2pPr>
-            <a:lvl3pPr marL="914126" indent="0">
-              <a:buNone/>
-              <a:defRPr sz="1000"/>
-            </a:lvl3pPr>
-            <a:lvl4pPr marL="1371189" indent="0">
-              <a:buNone/>
-              <a:defRPr sz="900"/>
-            </a:lvl4pPr>
-            <a:lvl5pPr marL="1828251" indent="0">
-              <a:buNone/>
-              <a:defRPr sz="900"/>
-            </a:lvl5pPr>
-            <a:lvl6pPr marL="2285314" indent="0">
-              <a:buNone/>
-              <a:defRPr sz="900"/>
-            </a:lvl6pPr>
-            <a:lvl7pPr marL="2742377" indent="0">
-              <a:buNone/>
-              <a:defRPr sz="900"/>
-            </a:lvl7pPr>
-            <a:lvl8pPr marL="3199440" indent="0">
-              <a:buNone/>
-              <a:defRPr sz="900"/>
-            </a:lvl8pPr>
-            <a:lvl9pPr marL="3656503" indent="0">
-              <a:buNone/>
-              <a:defRPr sz="900"/>
-            </a:lvl9pPr>
-          </a:lstStyle>
-          <a:p>
             <a:pPr lvl="0"/>
             <a:r>
               <a:rPr lang="en-US"/>
@@ -2999,441 +3325,7 @@
       </p:sp>
       <p:sp>
         <p:nvSpPr>
-          <p:cNvPr id="22" name="Text Placeholder 4"/>
-          <p:cNvSpPr>
-            <a:spLocks noGrp="1"/>
-          </p:cNvSpPr>
-          <p:nvPr>
-            <p:ph type="body" sz="quarter" idx="3"/>
-          </p:nvPr>
-        </p:nvSpPr>
-        <p:spPr>
-          <a:xfrm>
-            <a:off x="4373124" y="4191001"/>
-            <a:ext cx="3448037" cy="682765"/>
-          </a:xfrm>
-        </p:spPr>
-        <p:txBody>
-          <a:bodyPr anchor="b">
-            <a:noAutofit/>
-          </a:bodyPr>
-          <a:lstStyle>
-            <a:lvl1pPr marL="0" indent="0">
-              <a:buNone/>
-              <a:defRPr sz="2399" b="0">
-                <a:solidFill>
-                  <a:schemeClr val="tx1"/>
-                </a:solidFill>
-              </a:defRPr>
-            </a:lvl1pPr>
-            <a:lvl2pPr marL="457063" indent="0">
-              <a:buNone/>
-              <a:defRPr sz="1999" b="1"/>
-            </a:lvl2pPr>
-            <a:lvl3pPr marL="914126" indent="0">
-              <a:buNone/>
-              <a:defRPr sz="1799" b="1"/>
-            </a:lvl3pPr>
-            <a:lvl4pPr marL="1371189" indent="0">
-              <a:buNone/>
-              <a:defRPr sz="1600" b="1"/>
-            </a:lvl4pPr>
-            <a:lvl5pPr marL="1828251" indent="0">
-              <a:buNone/>
-              <a:defRPr sz="1600" b="1"/>
-            </a:lvl5pPr>
-            <a:lvl6pPr marL="2285314" indent="0">
-              <a:buNone/>
-              <a:defRPr sz="1600" b="1"/>
-            </a:lvl6pPr>
-            <a:lvl7pPr marL="2742377" indent="0">
-              <a:buNone/>
-              <a:defRPr sz="1600" b="1"/>
-            </a:lvl7pPr>
-            <a:lvl8pPr marL="3199440" indent="0">
-              <a:buNone/>
-              <a:defRPr sz="1600" b="1"/>
-            </a:lvl8pPr>
-            <a:lvl9pPr marL="3656503" indent="0">
-              <a:buNone/>
-              <a:defRPr sz="1600" b="1"/>
-            </a:lvl9pPr>
-          </a:lstStyle>
-          <a:p>
-            <a:pPr lvl="0"/>
-            <a:r>
-              <a:rPr lang="en-US"/>
-              <a:t>Edit Master text styles</a:t>
-            </a:r>
-          </a:p>
-        </p:txBody>
-      </p:sp>
-      <p:sp>
-        <p:nvSpPr>
-          <p:cNvPr id="23" name="Picture Placeholder 2"/>
-          <p:cNvSpPr>
-            <a:spLocks noGrp="1" noChangeAspect="1"/>
-          </p:cNvSpPr>
-          <p:nvPr>
-            <p:ph type="pic" idx="21"/>
-          </p:nvPr>
-        </p:nvSpPr>
-        <p:spPr>
-          <a:xfrm>
-            <a:off x="4373124" y="2362200"/>
-            <a:ext cx="3448038" cy="1524000"/>
-          </a:xfrm>
-          <a:prstGeom prst="roundRect">
-            <a:avLst>
-              <a:gd name="adj" fmla="val 0"/>
-            </a:avLst>
-          </a:prstGeom>
-          <a:effectLst>
-            <a:outerShdw blurRad="50800" dist="50800" dir="5400000" algn="tl" rotWithShape="0">
-              <a:srgbClr val="000000">
-                <a:alpha val="43000"/>
-              </a:srgbClr>
-            </a:outerShdw>
-          </a:effectLst>
-        </p:spPr>
-        <p:txBody>
-          <a:bodyPr anchor="t">
-            <a:normAutofit/>
-          </a:bodyPr>
-          <a:lstStyle>
-            <a:lvl1pPr marL="0" indent="0" algn="ctr">
-              <a:buNone/>
-              <a:defRPr sz="1600"/>
-            </a:lvl1pPr>
-            <a:lvl2pPr marL="457063" indent="0">
-              <a:buNone/>
-              <a:defRPr sz="1600"/>
-            </a:lvl2pPr>
-            <a:lvl3pPr marL="914126" indent="0">
-              <a:buNone/>
-              <a:defRPr sz="1600"/>
-            </a:lvl3pPr>
-            <a:lvl4pPr marL="1371189" indent="0">
-              <a:buNone/>
-              <a:defRPr sz="1600"/>
-            </a:lvl4pPr>
-            <a:lvl5pPr marL="1828251" indent="0">
-              <a:buNone/>
-              <a:defRPr sz="1600"/>
-            </a:lvl5pPr>
-            <a:lvl6pPr marL="2285314" indent="0">
-              <a:buNone/>
-              <a:defRPr sz="1600"/>
-            </a:lvl6pPr>
-            <a:lvl7pPr marL="2742377" indent="0">
-              <a:buNone/>
-              <a:defRPr sz="1600"/>
-            </a:lvl7pPr>
-            <a:lvl8pPr marL="3199440" indent="0">
-              <a:buNone/>
-              <a:defRPr sz="1600"/>
-            </a:lvl8pPr>
-            <a:lvl9pPr marL="3656503" indent="0">
-              <a:buNone/>
-              <a:defRPr sz="1600"/>
-            </a:lvl9pPr>
-          </a:lstStyle>
-          <a:p>
-            <a:r>
-              <a:rPr lang="en-US"/>
-              <a:t>Click icon to add picture</a:t>
-            </a:r>
-            <a:endParaRPr lang="en-US" dirty="0"/>
-          </a:p>
-        </p:txBody>
-      </p:sp>
-      <p:sp>
-        <p:nvSpPr>
-          <p:cNvPr id="24" name="Text Placeholder 3"/>
-          <p:cNvSpPr>
-            <a:spLocks noGrp="1"/>
-          </p:cNvSpPr>
-          <p:nvPr>
-            <p:ph type="body" sz="half" idx="19"/>
-          </p:nvPr>
-        </p:nvSpPr>
-        <p:spPr>
-          <a:xfrm>
-            <a:off x="4373125" y="4873764"/>
-            <a:ext cx="3448037" cy="1344921"/>
-          </a:xfrm>
-        </p:spPr>
-        <p:txBody>
-          <a:bodyPr anchor="t">
-            <a:normAutofit/>
-          </a:bodyPr>
-          <a:lstStyle>
-            <a:lvl1pPr marL="0" indent="0">
-              <a:buNone/>
-              <a:defRPr sz="1400"/>
-            </a:lvl1pPr>
-            <a:lvl2pPr marL="457063" indent="0">
-              <a:buNone/>
-              <a:defRPr sz="1200"/>
-            </a:lvl2pPr>
-            <a:lvl3pPr marL="914126" indent="0">
-              <a:buNone/>
-              <a:defRPr sz="1000"/>
-            </a:lvl3pPr>
-            <a:lvl4pPr marL="1371189" indent="0">
-              <a:buNone/>
-              <a:defRPr sz="900"/>
-            </a:lvl4pPr>
-            <a:lvl5pPr marL="1828251" indent="0">
-              <a:buNone/>
-              <a:defRPr sz="900"/>
-            </a:lvl5pPr>
-            <a:lvl6pPr marL="2285314" indent="0">
-              <a:buNone/>
-              <a:defRPr sz="900"/>
-            </a:lvl6pPr>
-            <a:lvl7pPr marL="2742377" indent="0">
-              <a:buNone/>
-              <a:defRPr sz="900"/>
-            </a:lvl7pPr>
-            <a:lvl8pPr marL="3199440" indent="0">
-              <a:buNone/>
-              <a:defRPr sz="900"/>
-            </a:lvl8pPr>
-            <a:lvl9pPr marL="3656503" indent="0">
-              <a:buNone/>
-              <a:defRPr sz="900"/>
-            </a:lvl9pPr>
-          </a:lstStyle>
-          <a:p>
-            <a:pPr lvl="0"/>
-            <a:r>
-              <a:rPr lang="en-US"/>
-              <a:t>Edit Master text styles</a:t>
-            </a:r>
-          </a:p>
-        </p:txBody>
-      </p:sp>
-      <p:sp>
-        <p:nvSpPr>
-          <p:cNvPr id="25" name="Text Placeholder 4"/>
-          <p:cNvSpPr>
-            <a:spLocks noGrp="1"/>
-          </p:cNvSpPr>
-          <p:nvPr>
-            <p:ph type="body" sz="quarter" idx="13"/>
-          </p:nvPr>
-        </p:nvSpPr>
-        <p:spPr>
-          <a:xfrm>
-            <a:off x="8047635" y="4191001"/>
-            <a:ext cx="3455569" cy="682765"/>
-          </a:xfrm>
-        </p:spPr>
-        <p:txBody>
-          <a:bodyPr anchor="b">
-            <a:noAutofit/>
-          </a:bodyPr>
-          <a:lstStyle>
-            <a:lvl1pPr marL="0" indent="0">
-              <a:buNone/>
-              <a:defRPr sz="2399" b="0">
-                <a:solidFill>
-                  <a:schemeClr val="tx1"/>
-                </a:solidFill>
-              </a:defRPr>
-            </a:lvl1pPr>
-            <a:lvl2pPr marL="457063" indent="0">
-              <a:buNone/>
-              <a:defRPr sz="1999" b="1"/>
-            </a:lvl2pPr>
-            <a:lvl3pPr marL="914126" indent="0">
-              <a:buNone/>
-              <a:defRPr sz="1799" b="1"/>
-            </a:lvl3pPr>
-            <a:lvl4pPr marL="1371189" indent="0">
-              <a:buNone/>
-              <a:defRPr sz="1600" b="1"/>
-            </a:lvl4pPr>
-            <a:lvl5pPr marL="1828251" indent="0">
-              <a:buNone/>
-              <a:defRPr sz="1600" b="1"/>
-            </a:lvl5pPr>
-            <a:lvl6pPr marL="2285314" indent="0">
-              <a:buNone/>
-              <a:defRPr sz="1600" b="1"/>
-            </a:lvl6pPr>
-            <a:lvl7pPr marL="2742377" indent="0">
-              <a:buNone/>
-              <a:defRPr sz="1600" b="1"/>
-            </a:lvl7pPr>
-            <a:lvl8pPr marL="3199440" indent="0">
-              <a:buNone/>
-              <a:defRPr sz="1600" b="1"/>
-            </a:lvl8pPr>
-            <a:lvl9pPr marL="3656503" indent="0">
-              <a:buNone/>
-              <a:defRPr sz="1600" b="1"/>
-            </a:lvl9pPr>
-          </a:lstStyle>
-          <a:p>
-            <a:pPr lvl="0"/>
-            <a:r>
-              <a:rPr lang="en-US"/>
-              <a:t>Edit Master text styles</a:t>
-            </a:r>
-          </a:p>
-        </p:txBody>
-      </p:sp>
-      <p:sp>
-        <p:nvSpPr>
-          <p:cNvPr id="26" name="Picture Placeholder 2"/>
-          <p:cNvSpPr>
-            <a:spLocks noGrp="1" noChangeAspect="1"/>
-          </p:cNvSpPr>
-          <p:nvPr>
-            <p:ph type="pic" idx="22"/>
-          </p:nvPr>
-        </p:nvSpPr>
-        <p:spPr>
-          <a:xfrm>
-            <a:off x="8047759" y="2362200"/>
-            <a:ext cx="3446980" cy="1524000"/>
-          </a:xfrm>
-          <a:prstGeom prst="roundRect">
-            <a:avLst>
-              <a:gd name="adj" fmla="val 0"/>
-            </a:avLst>
-          </a:prstGeom>
-          <a:effectLst>
-            <a:outerShdw blurRad="50800" dist="50800" dir="5400000" algn="tl" rotWithShape="0">
-              <a:srgbClr val="000000">
-                <a:alpha val="43000"/>
-              </a:srgbClr>
-            </a:outerShdw>
-          </a:effectLst>
-        </p:spPr>
-        <p:txBody>
-          <a:bodyPr anchor="t">
-            <a:normAutofit/>
-          </a:bodyPr>
-          <a:lstStyle>
-            <a:lvl1pPr marL="0" indent="0" algn="ctr">
-              <a:buNone/>
-              <a:defRPr sz="1600"/>
-            </a:lvl1pPr>
-            <a:lvl2pPr marL="457063" indent="0">
-              <a:buNone/>
-              <a:defRPr sz="1600"/>
-            </a:lvl2pPr>
-            <a:lvl3pPr marL="914126" indent="0">
-              <a:buNone/>
-              <a:defRPr sz="1600"/>
-            </a:lvl3pPr>
-            <a:lvl4pPr marL="1371189" indent="0">
-              <a:buNone/>
-              <a:defRPr sz="1600"/>
-            </a:lvl4pPr>
-            <a:lvl5pPr marL="1828251" indent="0">
-              <a:buNone/>
-              <a:defRPr sz="1600"/>
-            </a:lvl5pPr>
-            <a:lvl6pPr marL="2285314" indent="0">
-              <a:buNone/>
-              <a:defRPr sz="1600"/>
-            </a:lvl6pPr>
-            <a:lvl7pPr marL="2742377" indent="0">
-              <a:buNone/>
-              <a:defRPr sz="1600"/>
-            </a:lvl7pPr>
-            <a:lvl8pPr marL="3199440" indent="0">
-              <a:buNone/>
-              <a:defRPr sz="1600"/>
-            </a:lvl8pPr>
-            <a:lvl9pPr marL="3656503" indent="0">
-              <a:buNone/>
-              <a:defRPr sz="1600"/>
-            </a:lvl9pPr>
-          </a:lstStyle>
-          <a:p>
-            <a:r>
-              <a:rPr lang="en-US"/>
-              <a:t>Click icon to add picture</a:t>
-            </a:r>
-            <a:endParaRPr lang="en-US" dirty="0"/>
-          </a:p>
-        </p:txBody>
-      </p:sp>
-      <p:sp>
-        <p:nvSpPr>
-          <p:cNvPr id="27" name="Text Placeholder 3"/>
-          <p:cNvSpPr>
-            <a:spLocks noGrp="1"/>
-          </p:cNvSpPr>
-          <p:nvPr>
-            <p:ph type="body" sz="half" idx="20"/>
-          </p:nvPr>
-        </p:nvSpPr>
-        <p:spPr>
-          <a:xfrm>
-            <a:off x="8047635" y="4873762"/>
-            <a:ext cx="3451546" cy="1344921"/>
-          </a:xfrm>
-        </p:spPr>
-        <p:txBody>
-          <a:bodyPr anchor="t">
-            <a:normAutofit/>
-          </a:bodyPr>
-          <a:lstStyle>
-            <a:lvl1pPr marL="0" indent="0">
-              <a:buNone/>
-              <a:defRPr sz="1400"/>
-            </a:lvl1pPr>
-            <a:lvl2pPr marL="457063" indent="0">
-              <a:buNone/>
-              <a:defRPr sz="1200"/>
-            </a:lvl2pPr>
-            <a:lvl3pPr marL="914126" indent="0">
-              <a:buNone/>
-              <a:defRPr sz="1000"/>
-            </a:lvl3pPr>
-            <a:lvl4pPr marL="1371189" indent="0">
-              <a:buNone/>
-              <a:defRPr sz="900"/>
-            </a:lvl4pPr>
-            <a:lvl5pPr marL="1828251" indent="0">
-              <a:buNone/>
-              <a:defRPr sz="900"/>
-            </a:lvl5pPr>
-            <a:lvl6pPr marL="2285314" indent="0">
-              <a:buNone/>
-              <a:defRPr sz="900"/>
-            </a:lvl6pPr>
-            <a:lvl7pPr marL="2742377" indent="0">
-              <a:buNone/>
-              <a:defRPr sz="900"/>
-            </a:lvl7pPr>
-            <a:lvl8pPr marL="3199440" indent="0">
-              <a:buNone/>
-              <a:defRPr sz="900"/>
-            </a:lvl8pPr>
-            <a:lvl9pPr marL="3656503" indent="0">
-              <a:buNone/>
-              <a:defRPr sz="900"/>
-            </a:lvl9pPr>
-          </a:lstStyle>
-          <a:p>
-            <a:pPr lvl="0"/>
-            <a:r>
-              <a:rPr lang="en-US"/>
-              <a:t>Edit Master text styles</a:t>
-            </a:r>
-          </a:p>
-        </p:txBody>
-      </p:sp>
-      <p:sp>
-        <p:nvSpPr>
-          <p:cNvPr id="3" name="Date Placeholder 2"/>
+          <p:cNvPr id="4" name="Date Placeholder 3"/>
           <p:cNvSpPr>
             <a:spLocks noGrp="1"/>
           </p:cNvSpPr>
@@ -3457,7 +3349,7 @@
       </p:sp>
       <p:sp>
         <p:nvSpPr>
-          <p:cNvPr id="4" name="Footer Placeholder 3"/>
+          <p:cNvPr id="5" name="Footer Placeholder 4"/>
           <p:cNvSpPr>
             <a:spLocks noGrp="1"/>
           </p:cNvSpPr>
@@ -3476,7 +3368,7 @@
       </p:sp>
       <p:sp>
         <p:nvSpPr>
-          <p:cNvPr id="5" name="Slide Number Placeholder 4"/>
+          <p:cNvPr id="6" name="Slide Number Placeholder 5"/>
           <p:cNvSpPr>
             <a:spLocks noGrp="1"/>
           </p:cNvSpPr>
@@ -3501,7 +3393,7 @@
     </p:spTree>
     <p:extLst>
       <p:ext uri="{BB962C8B-B14F-4D97-AF65-F5344CB8AC3E}">
-        <p14:creationId xmlns:p14="http://schemas.microsoft.com/office/powerpoint/2010/main" val="2452077453"/>
+        <p14:creationId xmlns:p14="http://schemas.microsoft.com/office/powerpoint/2010/main" val="886057265"/>
       </p:ext>
     </p:extLst>
   </p:cSld>
@@ -3541,7 +3433,11 @@
         <p:spPr/>
         <p:txBody>
           <a:bodyPr/>
-          <a:lstStyle/>
+          <a:lstStyle>
+            <a:lvl1pPr algn="ctr">
+              <a:defRPr/>
+            </a:lvl1pPr>
+          </a:lstStyle>
           <a:p>
             <a:r>
               <a:rPr lang="en-US"/>
@@ -3561,14 +3457,9 @@
             <p:ph type="body" orient="vert" idx="1"/>
           </p:nvPr>
         </p:nvSpPr>
-        <p:spPr>
-          <a:xfrm>
-            <a:off x="685622" y="2194560"/>
-            <a:ext cx="10817582" cy="4024125"/>
-          </a:xfrm>
-        </p:spPr>
-        <p:txBody>
-          <a:bodyPr vert="eaVert"/>
+        <p:spPr/>
+        <p:txBody>
+          <a:bodyPr vert="eaVert" anchor="t"/>
           <a:lstStyle/>
           <a:p>
             <a:pPr lvl="0"/>
@@ -3676,7 +3567,7 @@
     </p:spTree>
     <p:extLst>
       <p:ext uri="{BB962C8B-B14F-4D97-AF65-F5344CB8AC3E}">
-        <p14:creationId xmlns:p14="http://schemas.microsoft.com/office/powerpoint/2010/main" val="3015097499"/>
+        <p14:creationId xmlns:p14="http://schemas.microsoft.com/office/powerpoint/2010/main" val="899625254"/>
       </p:ext>
     </p:extLst>
   </p:cSld>
@@ -3699,7 +3590,7 @@
 </file>
 
 <file path=ppt/slideLayouts/slideLayout17.xml><?xml version="1.0" encoding="utf-8"?>
-<p:sldLayout xmlns:a="http://schemas.openxmlformats.org/drawingml/2006/main" xmlns:r="http://schemas.openxmlformats.org/officeDocument/2006/relationships" xmlns:p="http://schemas.openxmlformats.org/presentationml/2006/main" showMasterSp="0" type="vertTitleAndTx" preserve="1">
+<p:sldLayout xmlns:a="http://schemas.openxmlformats.org/drawingml/2006/main" xmlns:r="http://schemas.openxmlformats.org/officeDocument/2006/relationships" xmlns:p="http://schemas.openxmlformats.org/presentationml/2006/main" type="vertTitleAndTx" preserve="1">
   <p:cSld name="Vertical Title and Text">
     <p:spTree>
       <p:nvGrpSpPr>
@@ -3715,86 +3606,52 @@
           <a:chExt cx="0" cy="0"/>
         </a:xfrm>
       </p:grpSpPr>
-      <p:pic>
-        <p:nvPicPr>
-          <p:cNvPr id="8" name="Picture 7" descr="C0-HD-BTM.png"/>
-          <p:cNvPicPr>
-            <a:picLocks noChangeAspect="1"/>
-          </p:cNvPicPr>
-          <p:nvPr/>
-        </p:nvPicPr>
-        <p:blipFill>
-          <a:blip r:embed="rId2">
-            <a:extLst>
-              <a:ext uri="{28A0092B-C50C-407E-A947-70E740481C1C}">
-                <a14:useLocalDpi xmlns:a14="http://schemas.microsoft.com/office/drawing/2010/main" val="0"/>
-              </a:ext>
-            </a:extLst>
-          </a:blip>
-          <a:stretch>
-            <a:fillRect/>
-          </a:stretch>
-        </p:blipFill>
+      <p:sp>
+        <p:nvSpPr>
+          <p:cNvPr id="2" name="Vertical Title 1"/>
+          <p:cNvSpPr>
+            <a:spLocks noGrp="1"/>
+          </p:cNvSpPr>
+          <p:nvPr>
+            <p:ph type="title" orient="vert"/>
+          </p:nvPr>
+        </p:nvSpPr>
         <p:spPr>
           <a:xfrm>
-            <a:off x="0" y="4375150"/>
-            <a:ext cx="12188825" cy="2482850"/>
+            <a:off x="9730121" y="685800"/>
+            <a:ext cx="1769908" cy="5105400"/>
           </a:xfrm>
-          <a:prstGeom prst="rect">
-            <a:avLst/>
-          </a:prstGeom>
         </p:spPr>
-      </p:pic>
-      <p:sp>
-        <p:nvSpPr>
-          <p:cNvPr id="2" name="Vertical Title 1"/>
-          <p:cNvSpPr>
-            <a:spLocks noGrp="1"/>
-          </p:cNvSpPr>
-          <p:nvPr>
-            <p:ph type="title" orient="vert"/>
+        <p:txBody>
+          <a:bodyPr vert="eaVert"/>
+          <a:lstStyle/>
+          <a:p>
+            <a:r>
+              <a:rPr lang="en-US"/>
+              <a:t>Click to edit Master title style</a:t>
+            </a:r>
+            <a:endParaRPr lang="en-US" dirty="0"/>
+          </a:p>
+        </p:txBody>
+      </p:sp>
+      <p:sp>
+        <p:nvSpPr>
+          <p:cNvPr id="3" name="Vertical Text Placeholder 2"/>
+          <p:cNvSpPr>
+            <a:spLocks noGrp="1"/>
+          </p:cNvSpPr>
+          <p:nvPr>
+            <p:ph type="body" orient="vert" idx="1"/>
           </p:nvPr>
         </p:nvSpPr>
         <p:spPr>
           <a:xfrm>
-            <a:off x="9446339" y="745067"/>
-            <a:ext cx="2056864" cy="3903133"/>
+            <a:off x="1483925" y="685800"/>
+            <a:ext cx="8017654" cy="5105400"/>
           </a:xfrm>
         </p:spPr>
         <p:txBody>
-          <a:bodyPr vert="eaVert"/>
-          <a:lstStyle>
-            <a:lvl1pPr algn="l">
-              <a:defRPr/>
-            </a:lvl1pPr>
-          </a:lstStyle>
-          <a:p>
-            <a:r>
-              <a:rPr lang="en-US"/>
-              <a:t>Click to edit Master title style</a:t>
-            </a:r>
-            <a:endParaRPr lang="en-US" dirty="0"/>
-          </a:p>
-        </p:txBody>
-      </p:sp>
-      <p:sp>
-        <p:nvSpPr>
-          <p:cNvPr id="3" name="Vertical Text Placeholder 2"/>
-          <p:cNvSpPr>
-            <a:spLocks noGrp="1"/>
-          </p:cNvSpPr>
-          <p:nvPr>
-            <p:ph type="body" orient="vert" idx="1"/>
-          </p:nvPr>
-        </p:nvSpPr>
-        <p:spPr>
-          <a:xfrm>
-            <a:off x="1024200" y="745068"/>
-            <a:ext cx="8202064" cy="3903133"/>
-          </a:xfrm>
-        </p:spPr>
-        <p:txBody>
-          <a:bodyPr vert="eaVert"/>
+          <a:bodyPr vert="eaVert" anchor="t"/>
           <a:lstStyle/>
           <a:p>
             <a:pPr lvl="0"/>
@@ -3844,19 +3701,10 @@
             <p:ph type="dt" sz="half" idx="10"/>
           </p:nvPr>
         </p:nvSpPr>
-        <p:spPr>
-          <a:xfrm>
-            <a:off x="7812417" y="379942"/>
-            <a:ext cx="2910082" cy="365125"/>
-          </a:xfrm>
-        </p:spPr>
+        <p:spPr/>
         <p:txBody>
           <a:bodyPr/>
-          <a:lstStyle>
-            <a:lvl1pPr algn="r">
-              <a:defRPr/>
-            </a:lvl1pPr>
-          </a:lstStyle>
+          <a:lstStyle/>
           <a:p>
             <a:fld id="{03F41C87-7AD9-4845-A077-840E4A0F3F06}" type="datetimeFigureOut">
               <a:rPr lang="en-US" smtClean="0"/>
@@ -3876,12 +3724,7 @@
             <p:ph type="ftr" sz="quarter" idx="11"/>
           </p:nvPr>
         </p:nvSpPr>
-        <p:spPr>
-          <a:xfrm>
-            <a:off x="685622" y="381001"/>
-            <a:ext cx="6989671" cy="365125"/>
-          </a:xfrm>
-        </p:spPr>
+        <p:spPr/>
         <p:txBody>
           <a:bodyPr/>
           <a:lstStyle/>
@@ -3900,12 +3743,7 @@
             <p:ph type="sldNum" sz="quarter" idx="12"/>
           </p:nvPr>
         </p:nvSpPr>
-        <p:spPr>
-          <a:xfrm>
-            <a:off x="10859623" y="381001"/>
-            <a:ext cx="643580" cy="365125"/>
-          </a:xfrm>
-        </p:spPr>
+        <p:spPr/>
         <p:txBody>
           <a:bodyPr/>
           <a:lstStyle/>
@@ -3921,7 +3759,7 @@
     </p:spTree>
     <p:extLst>
       <p:ext uri="{BB962C8B-B14F-4D97-AF65-F5344CB8AC3E}">
-        <p14:creationId xmlns:p14="http://schemas.microsoft.com/office/powerpoint/2010/main" val="781274635"/>
+        <p14:creationId xmlns:p14="http://schemas.microsoft.com/office/powerpoint/2010/main" val="3110039758"/>
       </p:ext>
     </p:extLst>
   </p:cSld>
@@ -3995,7 +3833,7 @@
         </p:nvSpPr>
         <p:spPr/>
         <p:txBody>
-          <a:bodyPr/>
+          <a:bodyPr anchor="ctr"/>
           <a:lstStyle/>
           <a:p>
             <a:pPr lvl="0"/>
@@ -4087,7 +3925,12 @@
             <p:ph type="sldNum" sz="quarter" idx="12"/>
           </p:nvPr>
         </p:nvSpPr>
-        <p:spPr/>
+        <p:spPr>
+          <a:xfrm>
+            <a:off x="10949005" y="5867132"/>
+            <a:ext cx="551023" cy="365125"/>
+          </a:xfrm>
+        </p:spPr>
         <p:txBody>
           <a:bodyPr/>
           <a:lstStyle/>
@@ -4103,7 +3946,7 @@
     </p:spTree>
     <p:extLst>
       <p:ext uri="{BB962C8B-B14F-4D97-AF65-F5344CB8AC3E}">
-        <p14:creationId xmlns:p14="http://schemas.microsoft.com/office/powerpoint/2010/main" val="4008900434"/>
+        <p14:creationId xmlns:p14="http://schemas.microsoft.com/office/powerpoint/2010/main" val="2806367660"/>
       </p:ext>
     </p:extLst>
   </p:cSld>
@@ -4126,7 +3969,7 @@
 </file>
 
 <file path=ppt/slideLayouts/slideLayout3.xml><?xml version="1.0" encoding="utf-8"?>
-<p:sldLayout xmlns:a="http://schemas.openxmlformats.org/drawingml/2006/main" xmlns:r="http://schemas.openxmlformats.org/officeDocument/2006/relationships" xmlns:p="http://schemas.openxmlformats.org/presentationml/2006/main" showMasterSp="0" type="secHead" preserve="1">
+<p:sldLayout xmlns:a="http://schemas.openxmlformats.org/drawingml/2006/main" xmlns:r="http://schemas.openxmlformats.org/officeDocument/2006/relationships" xmlns:p="http://schemas.openxmlformats.org/presentationml/2006/main" type="secHead" preserve="1">
   <p:cSld name="Section Header">
     <p:spTree>
       <p:nvGrpSpPr>
@@ -4142,180 +3985,146 @@
           <a:chExt cx="0" cy="0"/>
         </a:xfrm>
       </p:grpSpPr>
-      <p:pic>
-        <p:nvPicPr>
-          <p:cNvPr id="9" name="Picture 8" descr="C0-HD-BTM.png"/>
-          <p:cNvPicPr>
-            <a:picLocks noChangeAspect="1"/>
-          </p:cNvPicPr>
-          <p:nvPr/>
-        </p:nvPicPr>
-        <p:blipFill>
-          <a:blip r:embed="rId2">
-            <a:extLst>
-              <a:ext uri="{28A0092B-C50C-407E-A947-70E740481C1C}">
-                <a14:useLocalDpi xmlns:a14="http://schemas.microsoft.com/office/drawing/2010/main" val="0"/>
-              </a:ext>
-            </a:extLst>
-          </a:blip>
-          <a:stretch>
-            <a:fillRect/>
-          </a:stretch>
-        </p:blipFill>
+      <p:sp>
+        <p:nvSpPr>
+          <p:cNvPr id="2" name="Title 1"/>
+          <p:cNvSpPr>
+            <a:spLocks noGrp="1"/>
+          </p:cNvSpPr>
+          <p:nvPr>
+            <p:ph type="title"/>
+          </p:nvPr>
+        </p:nvSpPr>
         <p:spPr>
           <a:xfrm>
-            <a:off x="0" y="4375150"/>
-            <a:ext cx="12188825" cy="2482850"/>
+            <a:off x="2571610" y="2666999"/>
+            <a:ext cx="8928421" cy="2110382"/>
           </a:xfrm>
-          <a:prstGeom prst="rect">
-            <a:avLst/>
-          </a:prstGeom>
         </p:spPr>
-      </p:pic>
-      <p:sp>
-        <p:nvSpPr>
-          <p:cNvPr id="2" name="Title 1"/>
-          <p:cNvSpPr>
-            <a:spLocks noGrp="1"/>
-          </p:cNvSpPr>
-          <p:nvPr>
-            <p:ph type="title"/>
+        <p:txBody>
+          <a:bodyPr anchor="b"/>
+          <a:lstStyle>
+            <a:lvl1pPr algn="r">
+              <a:defRPr sz="3999" b="0" cap="none"/>
+            </a:lvl1pPr>
+          </a:lstStyle>
+          <a:p>
+            <a:r>
+              <a:rPr lang="en-US"/>
+              <a:t>Click to edit Master title style</a:t>
+            </a:r>
+            <a:endParaRPr lang="en-US" dirty="0"/>
+          </a:p>
+        </p:txBody>
+      </p:sp>
+      <p:sp>
+        <p:nvSpPr>
+          <p:cNvPr id="3" name="Text Placeholder 2"/>
+          <p:cNvSpPr>
+            <a:spLocks noGrp="1"/>
+          </p:cNvSpPr>
+          <p:nvPr>
+            <p:ph type="body" idx="1"/>
           </p:nvPr>
         </p:nvSpPr>
         <p:spPr>
           <a:xfrm>
-            <a:off x="685622" y="753534"/>
-            <a:ext cx="10817581" cy="2801935"/>
+            <a:off x="2571608" y="4777381"/>
+            <a:ext cx="8928422" cy="860400"/>
           </a:xfrm>
         </p:spPr>
         <p:txBody>
-          <a:bodyPr anchor="b">
-            <a:normAutofit/>
-          </a:bodyPr>
-          <a:lstStyle>
-            <a:lvl1pPr algn="r">
-              <a:defRPr sz="3999"/>
-            </a:lvl1pPr>
-          </a:lstStyle>
-          <a:p>
-            <a:r>
-              <a:rPr lang="en-US"/>
-              <a:t>Click to edit Master title style</a:t>
-            </a:r>
-            <a:endParaRPr lang="en-US" dirty="0"/>
-          </a:p>
-        </p:txBody>
-      </p:sp>
-      <p:sp>
-        <p:nvSpPr>
-          <p:cNvPr id="3" name="Text Placeholder 2"/>
-          <p:cNvSpPr>
-            <a:spLocks noGrp="1"/>
-          </p:cNvSpPr>
-          <p:nvPr>
-            <p:ph type="body" idx="1"/>
-          </p:nvPr>
-        </p:nvSpPr>
-        <p:spPr>
-          <a:xfrm>
-            <a:off x="1024200" y="3641726"/>
-            <a:ext cx="10487468" cy="955675"/>
-          </a:xfrm>
-        </p:spPr>
-        <p:txBody>
-          <a:bodyPr>
+          <a:bodyPr anchor="t">
             <a:normAutofit/>
           </a:bodyPr>
           <a:lstStyle>
             <a:lvl1pPr marL="0" indent="0" algn="r">
               <a:buNone/>
-              <a:defRPr sz="2199">
+              <a:defRPr sz="1999">
+                <a:solidFill>
+                  <a:schemeClr val="tx1"/>
+                </a:solidFill>
+              </a:defRPr>
+            </a:lvl1pPr>
+            <a:lvl2pPr marL="457063" indent="0">
+              <a:buNone/>
+              <a:defRPr sz="1799">
                 <a:solidFill>
                   <a:schemeClr val="tx1">
                     <a:tint val="75000"/>
                   </a:schemeClr>
                 </a:solidFill>
               </a:defRPr>
-            </a:lvl1pPr>
-            <a:lvl2pPr marL="457063" indent="0">
-              <a:buNone/>
-              <a:defRPr sz="1999">
+            </a:lvl2pPr>
+            <a:lvl3pPr marL="914126" indent="0">
+              <a:buNone/>
+              <a:defRPr sz="1600">
                 <a:solidFill>
                   <a:schemeClr val="tx1">
                     <a:tint val="75000"/>
                   </a:schemeClr>
                 </a:solidFill>
               </a:defRPr>
-            </a:lvl2pPr>
-            <a:lvl3pPr marL="914126" indent="0">
-              <a:buNone/>
-              <a:defRPr sz="1799">
+            </a:lvl3pPr>
+            <a:lvl4pPr marL="1371189" indent="0">
+              <a:buNone/>
+              <a:defRPr sz="1400">
                 <a:solidFill>
                   <a:schemeClr val="tx1">
                     <a:tint val="75000"/>
                   </a:schemeClr>
                 </a:solidFill>
               </a:defRPr>
-            </a:lvl3pPr>
-            <a:lvl4pPr marL="1371189" indent="0">
-              <a:buNone/>
-              <a:defRPr sz="1600">
+            </a:lvl4pPr>
+            <a:lvl5pPr marL="1828251" indent="0">
+              <a:buNone/>
+              <a:defRPr sz="1400">
                 <a:solidFill>
                   <a:schemeClr val="tx1">
                     <a:tint val="75000"/>
                   </a:schemeClr>
                 </a:solidFill>
               </a:defRPr>
-            </a:lvl4pPr>
-            <a:lvl5pPr marL="1828251" indent="0">
-              <a:buNone/>
-              <a:defRPr sz="1600">
+            </a:lvl5pPr>
+            <a:lvl6pPr marL="2285314" indent="0">
+              <a:buNone/>
+              <a:defRPr sz="1400">
                 <a:solidFill>
                   <a:schemeClr val="tx1">
                     <a:tint val="75000"/>
                   </a:schemeClr>
                 </a:solidFill>
               </a:defRPr>
-            </a:lvl5pPr>
-            <a:lvl6pPr marL="2285314" indent="0">
-              <a:buNone/>
-              <a:defRPr sz="1600">
+            </a:lvl6pPr>
+            <a:lvl7pPr marL="2742377" indent="0">
+              <a:buNone/>
+              <a:defRPr sz="1400">
                 <a:solidFill>
                   <a:schemeClr val="tx1">
                     <a:tint val="75000"/>
                   </a:schemeClr>
                 </a:solidFill>
               </a:defRPr>
-            </a:lvl6pPr>
-            <a:lvl7pPr marL="2742377" indent="0">
-              <a:buNone/>
-              <a:defRPr sz="1600">
+            </a:lvl7pPr>
+            <a:lvl8pPr marL="3199440" indent="0">
+              <a:buNone/>
+              <a:defRPr sz="1400">
                 <a:solidFill>
                   <a:schemeClr val="tx1">
                     <a:tint val="75000"/>
                   </a:schemeClr>
                 </a:solidFill>
               </a:defRPr>
-            </a:lvl7pPr>
-            <a:lvl8pPr marL="3199440" indent="0">
-              <a:buNone/>
-              <a:defRPr sz="1600">
+            </a:lvl8pPr>
+            <a:lvl9pPr marL="3656503" indent="0">
+              <a:buNone/>
+              <a:defRPr sz="1400">
                 <a:solidFill>
                   <a:schemeClr val="tx1">
                     <a:tint val="75000"/>
                   </a:schemeClr>
                 </a:solidFill>
               </a:defRPr>
-            </a:lvl8pPr>
-            <a:lvl9pPr marL="3656503" indent="0">
-              <a:buNone/>
-              <a:defRPr sz="1600">
-                <a:solidFill>
-                  <a:schemeClr val="tx1">
-                    <a:tint val="75000"/>
-                  </a:schemeClr>
-                </a:solidFill>
-              </a:defRPr>
             </a:lvl9pPr>
           </a:lstStyle>
           <a:p>
@@ -4337,19 +4146,10 @@
             <p:ph type="dt" sz="half" idx="10"/>
           </p:nvPr>
         </p:nvSpPr>
-        <p:spPr>
-          <a:xfrm>
-            <a:off x="7812417" y="381001"/>
-            <a:ext cx="2910082" cy="365125"/>
-          </a:xfrm>
-        </p:spPr>
+        <p:spPr/>
         <p:txBody>
           <a:bodyPr/>
-          <a:lstStyle>
-            <a:lvl1pPr algn="r">
-              <a:defRPr/>
-            </a:lvl1pPr>
-          </a:lstStyle>
+          <a:lstStyle/>
           <a:p>
             <a:fld id="{03F41C87-7AD9-4845-A077-840E4A0F3F06}" type="datetimeFigureOut">
               <a:rPr lang="en-US" smtClean="0"/>
@@ -4369,12 +4169,7 @@
             <p:ph type="ftr" sz="quarter" idx="11"/>
           </p:nvPr>
         </p:nvSpPr>
-        <p:spPr>
-          <a:xfrm>
-            <a:off x="685622" y="381002"/>
-            <a:ext cx="6989671" cy="364065"/>
-          </a:xfrm>
-        </p:spPr>
+        <p:spPr/>
         <p:txBody>
           <a:bodyPr/>
           <a:lstStyle/>
@@ -4393,12 +4188,7 @@
             <p:ph type="sldNum" sz="quarter" idx="12"/>
           </p:nvPr>
         </p:nvSpPr>
-        <p:spPr>
-          <a:xfrm>
-            <a:off x="10859623" y="381001"/>
-            <a:ext cx="643580" cy="365125"/>
-          </a:xfrm>
-        </p:spPr>
+        <p:spPr/>
         <p:txBody>
           <a:bodyPr/>
           <a:lstStyle/>
@@ -4414,7 +4204,7 @@
     </p:spTree>
     <p:extLst>
       <p:ext uri="{BB962C8B-B14F-4D97-AF65-F5344CB8AC3E}">
-        <p14:creationId xmlns:p14="http://schemas.microsoft.com/office/powerpoint/2010/main" val="4111218688"/>
+        <p14:creationId xmlns:p14="http://schemas.microsoft.com/office/powerpoint/2010/main" val="1068593150"/>
       </p:ext>
     </p:extLst>
   </p:cSld>
@@ -4463,7 +4253,12 @@
             <p:ph type="title"/>
           </p:nvPr>
         </p:nvSpPr>
-        <p:spPr/>
+        <p:spPr>
+          <a:xfrm>
+            <a:off x="1483925" y="685801"/>
+            <a:ext cx="10016104" cy="1752599"/>
+          </a:xfrm>
+        </p:spPr>
         <p:txBody>
           <a:bodyPr/>
           <a:lstStyle/>
@@ -4488,13 +4283,43 @@
         </p:nvSpPr>
         <p:spPr>
           <a:xfrm>
-            <a:off x="685621" y="2194560"/>
-            <a:ext cx="5332611" cy="4024125"/>
+            <a:off x="1483926" y="2667000"/>
+            <a:ext cx="4893780" cy="3124201"/>
           </a:xfrm>
         </p:spPr>
         <p:txBody>
-          <a:bodyPr/>
-          <a:lstStyle/>
+          <a:bodyPr>
+            <a:normAutofit/>
+          </a:bodyPr>
+          <a:lstStyle>
+            <a:lvl1pPr>
+              <a:defRPr sz="1799"/>
+            </a:lvl1pPr>
+            <a:lvl2pPr>
+              <a:defRPr sz="1600"/>
+            </a:lvl2pPr>
+            <a:lvl3pPr>
+              <a:defRPr sz="1400"/>
+            </a:lvl3pPr>
+            <a:lvl4pPr>
+              <a:defRPr sz="1200"/>
+            </a:lvl4pPr>
+            <a:lvl5pPr>
+              <a:defRPr sz="1200"/>
+            </a:lvl5pPr>
+            <a:lvl6pPr>
+              <a:defRPr sz="1200"/>
+            </a:lvl6pPr>
+            <a:lvl7pPr>
+              <a:defRPr sz="1200"/>
+            </a:lvl7pPr>
+            <a:lvl8pPr>
+              <a:defRPr sz="1200"/>
+            </a:lvl8pPr>
+            <a:lvl9pPr>
+              <a:defRPr sz="1200"/>
+            </a:lvl9pPr>
+          </a:lstStyle>
           <a:p>
             <a:pPr lvl="0"/>
             <a:r>
@@ -4545,13 +4370,43 @@
         </p:nvSpPr>
         <p:spPr>
           <a:xfrm>
-            <a:off x="6170593" y="2194560"/>
-            <a:ext cx="5332611" cy="4024125"/>
+            <a:off x="6606246" y="2667000"/>
+            <a:ext cx="4893781" cy="3124200"/>
           </a:xfrm>
         </p:spPr>
         <p:txBody>
-          <a:bodyPr/>
-          <a:lstStyle/>
+          <a:bodyPr>
+            <a:normAutofit/>
+          </a:bodyPr>
+          <a:lstStyle>
+            <a:lvl1pPr>
+              <a:defRPr sz="1799"/>
+            </a:lvl1pPr>
+            <a:lvl2pPr>
+              <a:defRPr sz="1600"/>
+            </a:lvl2pPr>
+            <a:lvl3pPr>
+              <a:defRPr sz="1400"/>
+            </a:lvl3pPr>
+            <a:lvl4pPr>
+              <a:defRPr sz="1200"/>
+            </a:lvl4pPr>
+            <a:lvl5pPr>
+              <a:defRPr sz="1200"/>
+            </a:lvl5pPr>
+            <a:lvl6pPr>
+              <a:defRPr sz="1200"/>
+            </a:lvl6pPr>
+            <a:lvl7pPr>
+              <a:defRPr sz="1200"/>
+            </a:lvl7pPr>
+            <a:lvl8pPr>
+              <a:defRPr sz="1200"/>
+            </a:lvl8pPr>
+            <a:lvl9pPr>
+              <a:defRPr sz="1200"/>
+            </a:lvl9pPr>
+          </a:lstStyle>
           <a:p>
             <a:pPr lvl="0"/>
             <a:r>
@@ -4658,7 +4513,7 @@
     </p:spTree>
     <p:extLst>
       <p:ext uri="{BB962C8B-B14F-4D97-AF65-F5344CB8AC3E}">
-        <p14:creationId xmlns:p14="http://schemas.microsoft.com/office/powerpoint/2010/main" val="1358697895"/>
+        <p14:creationId xmlns:p14="http://schemas.microsoft.com/office/powerpoint/2010/main" val="4271437410"/>
       </p:ext>
     </p:extLst>
   </p:cSld>
@@ -4707,50 +4562,211 @@
             <p:ph type="title"/>
           </p:nvPr>
         </p:nvSpPr>
+        <p:spPr/>
+        <p:txBody>
+          <a:bodyPr/>
+          <a:lstStyle>
+            <a:lvl1pPr>
+              <a:defRPr/>
+            </a:lvl1pPr>
+          </a:lstStyle>
+          <a:p>
+            <a:r>
+              <a:rPr lang="en-US"/>
+              <a:t>Click to edit Master title style</a:t>
+            </a:r>
+            <a:endParaRPr lang="en-US" dirty="0"/>
+          </a:p>
+        </p:txBody>
+      </p:sp>
+      <p:sp>
+        <p:nvSpPr>
+          <p:cNvPr id="3" name="Text Placeholder 2"/>
+          <p:cNvSpPr>
+            <a:spLocks noGrp="1"/>
+          </p:cNvSpPr>
+          <p:nvPr>
+            <p:ph type="body" idx="1"/>
+          </p:nvPr>
+        </p:nvSpPr>
         <p:spPr>
           <a:xfrm>
-            <a:off x="2894846" y="762000"/>
-            <a:ext cx="8608358" cy="1295400"/>
+            <a:off x="1771718" y="2658533"/>
+            <a:ext cx="4605988" cy="576262"/>
           </a:xfrm>
         </p:spPr>
         <p:txBody>
-          <a:bodyPr/>
-          <a:lstStyle/>
-          <a:p>
+          <a:bodyPr anchor="b">
+            <a:noAutofit/>
+          </a:bodyPr>
+          <a:lstStyle>
+            <a:lvl1pPr marL="0" indent="0">
+              <a:buNone/>
+              <a:defRPr sz="2799" b="0">
+                <a:solidFill>
+                  <a:schemeClr val="accent1">
+                    <a:lumMod val="75000"/>
+                  </a:schemeClr>
+                </a:solidFill>
+              </a:defRPr>
+            </a:lvl1pPr>
+            <a:lvl2pPr marL="457063" indent="0">
+              <a:buNone/>
+              <a:defRPr sz="1999" b="1"/>
+            </a:lvl2pPr>
+            <a:lvl3pPr marL="914126" indent="0">
+              <a:buNone/>
+              <a:defRPr sz="1799" b="1"/>
+            </a:lvl3pPr>
+            <a:lvl4pPr marL="1371189" indent="0">
+              <a:buNone/>
+              <a:defRPr sz="1600" b="1"/>
+            </a:lvl4pPr>
+            <a:lvl5pPr marL="1828251" indent="0">
+              <a:buNone/>
+              <a:defRPr sz="1600" b="1"/>
+            </a:lvl5pPr>
+            <a:lvl6pPr marL="2285314" indent="0">
+              <a:buNone/>
+              <a:defRPr sz="1600" b="1"/>
+            </a:lvl6pPr>
+            <a:lvl7pPr marL="2742377" indent="0">
+              <a:buNone/>
+              <a:defRPr sz="1600" b="1"/>
+            </a:lvl7pPr>
+            <a:lvl8pPr marL="3199440" indent="0">
+              <a:buNone/>
+              <a:defRPr sz="1600" b="1"/>
+            </a:lvl8pPr>
+            <a:lvl9pPr marL="3656503" indent="0">
+              <a:buNone/>
+              <a:defRPr sz="1600" b="1"/>
+            </a:lvl9pPr>
+          </a:lstStyle>
+          <a:p>
+            <a:pPr lvl="0"/>
             <a:r>
               <a:rPr lang="en-US"/>
-              <a:t>Click to edit Master title style</a:t>
-            </a:r>
-            <a:endParaRPr lang="en-US" dirty="0"/>
-          </a:p>
-        </p:txBody>
-      </p:sp>
-      <p:sp>
-        <p:nvSpPr>
-          <p:cNvPr id="3" name="Text Placeholder 2"/>
-          <p:cNvSpPr>
-            <a:spLocks noGrp="1"/>
-          </p:cNvSpPr>
-          <p:nvPr>
-            <p:ph type="body" idx="1"/>
+              <a:t>Edit Master text styles</a:t>
+            </a:r>
+          </a:p>
+        </p:txBody>
+      </p:sp>
+      <p:sp>
+        <p:nvSpPr>
+          <p:cNvPr id="4" name="Content Placeholder 3"/>
+          <p:cNvSpPr>
+            <a:spLocks noGrp="1"/>
+          </p:cNvSpPr>
+          <p:nvPr>
+            <p:ph sz="half" idx="2"/>
           </p:nvPr>
         </p:nvSpPr>
         <p:spPr>
           <a:xfrm>
-            <a:off x="914171" y="2183802"/>
-            <a:ext cx="5078668" cy="823912"/>
+            <a:off x="1483925" y="3335337"/>
+            <a:ext cx="4893781" cy="2455862"/>
           </a:xfrm>
         </p:spPr>
         <p:txBody>
-          <a:bodyPr anchor="b">
+          <a:bodyPr anchor="t">
             <a:normAutofit/>
           </a:bodyPr>
           <a:lstStyle>
+            <a:lvl1pPr>
+              <a:defRPr sz="1799"/>
+            </a:lvl1pPr>
+            <a:lvl2pPr>
+              <a:defRPr sz="1600"/>
+            </a:lvl2pPr>
+            <a:lvl3pPr>
+              <a:defRPr sz="1400"/>
+            </a:lvl3pPr>
+            <a:lvl4pPr>
+              <a:defRPr sz="1200"/>
+            </a:lvl4pPr>
+            <a:lvl5pPr>
+              <a:defRPr sz="1200"/>
+            </a:lvl5pPr>
+            <a:lvl6pPr>
+              <a:defRPr sz="1200"/>
+            </a:lvl6pPr>
+            <a:lvl7pPr>
+              <a:defRPr sz="1200"/>
+            </a:lvl7pPr>
+            <a:lvl8pPr>
+              <a:defRPr sz="1200"/>
+            </a:lvl8pPr>
+            <a:lvl9pPr>
+              <a:defRPr sz="1200"/>
+            </a:lvl9pPr>
+          </a:lstStyle>
+          <a:p>
+            <a:pPr lvl="0"/>
+            <a:r>
+              <a:rPr lang="en-US"/>
+              <a:t>Edit Master text styles</a:t>
+            </a:r>
+          </a:p>
+          <a:p>
+            <a:pPr lvl="1"/>
+            <a:r>
+              <a:rPr lang="en-US"/>
+              <a:t>Second level</a:t>
+            </a:r>
+          </a:p>
+          <a:p>
+            <a:pPr lvl="2"/>
+            <a:r>
+              <a:rPr lang="en-US"/>
+              <a:t>Third level</a:t>
+            </a:r>
+          </a:p>
+          <a:p>
+            <a:pPr lvl="3"/>
+            <a:r>
+              <a:rPr lang="en-US"/>
+              <a:t>Fourth level</a:t>
+            </a:r>
+          </a:p>
+          <a:p>
+            <a:pPr lvl="4"/>
+            <a:r>
+              <a:rPr lang="en-US"/>
+              <a:t>Fifth level</a:t>
+            </a:r>
+            <a:endParaRPr lang="en-US" dirty="0"/>
+          </a:p>
+        </p:txBody>
+      </p:sp>
+      <p:sp>
+        <p:nvSpPr>
+          <p:cNvPr id="5" name="Text Placeholder 4"/>
+          <p:cNvSpPr>
+            <a:spLocks noGrp="1"/>
+          </p:cNvSpPr>
+          <p:nvPr>
+            <p:ph type="body" sz="quarter" idx="3"/>
+          </p:nvPr>
+        </p:nvSpPr>
+        <p:spPr>
+          <a:xfrm>
+            <a:off x="6878696" y="2667000"/>
+            <a:ext cx="4621333" cy="576262"/>
+          </a:xfrm>
+        </p:spPr>
+        <p:txBody>
+          <a:bodyPr anchor="b">
+            <a:noAutofit/>
+          </a:bodyPr>
+          <a:lstStyle>
             <a:lvl1pPr marL="0" indent="0">
               <a:buNone/>
               <a:defRPr sz="2799" b="0">
                 <a:solidFill>
-                  <a:schemeClr val="tx1"/>
+                  <a:schemeClr val="accent1">
+                    <a:lumMod val="75000"/>
+                  </a:schemeClr>
                 </a:solidFill>
               </a:defRPr>
             </a:lvl1pPr>
@@ -4798,151 +4814,53 @@
       </p:sp>
       <p:sp>
         <p:nvSpPr>
-          <p:cNvPr id="4" name="Content Placeholder 3"/>
-          <p:cNvSpPr>
-            <a:spLocks noGrp="1"/>
-          </p:cNvSpPr>
-          <p:nvPr>
-            <p:ph sz="half" idx="2"/>
+          <p:cNvPr id="6" name="Content Placeholder 5"/>
+          <p:cNvSpPr>
+            <a:spLocks noGrp="1"/>
+          </p:cNvSpPr>
+          <p:nvPr>
+            <p:ph sz="quarter" idx="4"/>
           </p:nvPr>
         </p:nvSpPr>
         <p:spPr>
           <a:xfrm>
-            <a:off x="685622" y="3132667"/>
-            <a:ext cx="5310392" cy="3086019"/>
+            <a:off x="6606246" y="3335337"/>
+            <a:ext cx="4893781" cy="2455862"/>
           </a:xfrm>
         </p:spPr>
         <p:txBody>
-          <a:bodyPr/>
-          <a:lstStyle/>
-          <a:p>
-            <a:pPr lvl="0"/>
-            <a:r>
-              <a:rPr lang="en-US"/>
-              <a:t>Edit Master text styles</a:t>
-            </a:r>
-          </a:p>
-          <a:p>
-            <a:pPr lvl="1"/>
-            <a:r>
-              <a:rPr lang="en-US"/>
-              <a:t>Second level</a:t>
-            </a:r>
-          </a:p>
-          <a:p>
-            <a:pPr lvl="2"/>
-            <a:r>
-              <a:rPr lang="en-US"/>
-              <a:t>Third level</a:t>
-            </a:r>
-          </a:p>
-          <a:p>
-            <a:pPr lvl="3"/>
-            <a:r>
-              <a:rPr lang="en-US"/>
-              <a:t>Fourth level</a:t>
-            </a:r>
-          </a:p>
-          <a:p>
-            <a:pPr lvl="4"/>
-            <a:r>
-              <a:rPr lang="en-US"/>
-              <a:t>Fifth level</a:t>
-            </a:r>
-            <a:endParaRPr lang="en-US" dirty="0"/>
-          </a:p>
-        </p:txBody>
-      </p:sp>
-      <p:sp>
-        <p:nvSpPr>
-          <p:cNvPr id="5" name="Text Placeholder 4"/>
-          <p:cNvSpPr>
-            <a:spLocks noGrp="1"/>
-          </p:cNvSpPr>
-          <p:nvPr>
-            <p:ph type="body" sz="quarter" idx="3"/>
-          </p:nvPr>
-        </p:nvSpPr>
-        <p:spPr>
-          <a:xfrm>
-            <a:off x="6399133" y="2183802"/>
-            <a:ext cx="5104070" cy="823912"/>
-          </a:xfrm>
-        </p:spPr>
-        <p:txBody>
-          <a:bodyPr anchor="b">
+          <a:bodyPr anchor="t">
             <a:normAutofit/>
           </a:bodyPr>
           <a:lstStyle>
-            <a:lvl1pPr marL="0" indent="0">
-              <a:buNone/>
-              <a:defRPr sz="2799" b="0">
-                <a:solidFill>
-                  <a:schemeClr val="tx1"/>
-                </a:solidFill>
-              </a:defRPr>
+            <a:lvl1pPr>
+              <a:defRPr sz="1799"/>
             </a:lvl1pPr>
-            <a:lvl2pPr marL="457063" indent="0">
-              <a:buNone/>
-              <a:defRPr sz="1999" b="1"/>
+            <a:lvl2pPr>
+              <a:defRPr sz="1600"/>
             </a:lvl2pPr>
-            <a:lvl3pPr marL="914126" indent="0">
-              <a:buNone/>
-              <a:defRPr sz="1799" b="1"/>
+            <a:lvl3pPr>
+              <a:defRPr sz="1400"/>
             </a:lvl3pPr>
-            <a:lvl4pPr marL="1371189" indent="0">
-              <a:buNone/>
-              <a:defRPr sz="1600" b="1"/>
+            <a:lvl4pPr>
+              <a:defRPr sz="1200"/>
             </a:lvl4pPr>
-            <a:lvl5pPr marL="1828251" indent="0">
-              <a:buNone/>
-              <a:defRPr sz="1600" b="1"/>
+            <a:lvl5pPr>
+              <a:defRPr sz="1200"/>
             </a:lvl5pPr>
-            <a:lvl6pPr marL="2285314" indent="0">
-              <a:buNone/>
-              <a:defRPr sz="1600" b="1"/>
+            <a:lvl6pPr>
+              <a:defRPr sz="1200"/>
             </a:lvl6pPr>
-            <a:lvl7pPr marL="2742377" indent="0">
-              <a:buNone/>
-              <a:defRPr sz="1600" b="1"/>
+            <a:lvl7pPr>
+              <a:defRPr sz="1200"/>
             </a:lvl7pPr>
-            <a:lvl8pPr marL="3199440" indent="0">
-              <a:buNone/>
-              <a:defRPr sz="1600" b="1"/>
+            <a:lvl8pPr>
+              <a:defRPr sz="1200"/>
             </a:lvl8pPr>
-            <a:lvl9pPr marL="3656503" indent="0">
-              <a:buNone/>
-              <a:defRPr sz="1600" b="1"/>
+            <a:lvl9pPr>
+              <a:defRPr sz="1200"/>
             </a:lvl9pPr>
           </a:lstStyle>
-          <a:p>
-            <a:pPr lvl="0"/>
-            <a:r>
-              <a:rPr lang="en-US"/>
-              <a:t>Edit Master text styles</a:t>
-            </a:r>
-          </a:p>
-        </p:txBody>
-      </p:sp>
-      <p:sp>
-        <p:nvSpPr>
-          <p:cNvPr id="6" name="Content Placeholder 5"/>
-          <p:cNvSpPr>
-            <a:spLocks noGrp="1"/>
-          </p:cNvSpPr>
-          <p:nvPr>
-            <p:ph sz="quarter" idx="4"/>
-          </p:nvPr>
-        </p:nvSpPr>
-        <p:spPr>
-          <a:xfrm>
-            <a:off x="6170593" y="3132667"/>
-            <a:ext cx="5332611" cy="3086019"/>
-          </a:xfrm>
-        </p:spPr>
-        <p:txBody>
-          <a:bodyPr/>
-          <a:lstStyle/>
           <a:p>
             <a:pPr lvl="0"/>
             <a:r>
@@ -5049,7 +4967,7 @@
     </p:spTree>
     <p:extLst>
       <p:ext uri="{BB962C8B-B14F-4D97-AF65-F5344CB8AC3E}">
-        <p14:creationId xmlns:p14="http://schemas.microsoft.com/office/powerpoint/2010/main" val="923874236"/>
+        <p14:creationId xmlns:p14="http://schemas.microsoft.com/office/powerpoint/2010/main" val="490829362"/>
       </p:ext>
     </p:extLst>
   </p:cSld>
@@ -5179,7 +5097,7 @@
     </p:spTree>
     <p:extLst>
       <p:ext uri="{BB962C8B-B14F-4D97-AF65-F5344CB8AC3E}">
-        <p14:creationId xmlns:p14="http://schemas.microsoft.com/office/powerpoint/2010/main" val="3797832709"/>
+        <p14:creationId xmlns:p14="http://schemas.microsoft.com/office/powerpoint/2010/main" val="1914322542"/>
       </p:ext>
     </p:extLst>
   </p:cSld>
@@ -5286,7 +5204,7 @@
     </p:spTree>
     <p:extLst>
       <p:ext uri="{BB962C8B-B14F-4D97-AF65-F5344CB8AC3E}">
-        <p14:creationId xmlns:p14="http://schemas.microsoft.com/office/powerpoint/2010/main" val="3519351688"/>
+        <p14:creationId xmlns:p14="http://schemas.microsoft.com/office/powerpoint/2010/main" val="3580296546"/>
       </p:ext>
     </p:extLst>
   </p:cSld>
@@ -5337,15 +5255,17 @@
         </p:nvSpPr>
         <p:spPr>
           <a:xfrm>
-            <a:off x="685622" y="1524000"/>
-            <a:ext cx="4113728" cy="1600200"/>
+            <a:off x="1483926" y="1600200"/>
+            <a:ext cx="3548197" cy="1371600"/>
           </a:xfrm>
         </p:spPr>
         <p:txBody>
-          <a:bodyPr anchor="b"/>
+          <a:bodyPr anchor="b">
+            <a:normAutofit/>
+          </a:bodyPr>
           <a:lstStyle>
-            <a:lvl1pPr algn="l">
-              <a:defRPr sz="3199"/>
+            <a:lvl1pPr algn="ctr">
+              <a:defRPr sz="2399" b="0"/>
             </a:lvl1pPr>
           </a:lstStyle>
           <a:p>
@@ -5369,13 +5289,43 @@
         </p:nvSpPr>
         <p:spPr>
           <a:xfrm>
-            <a:off x="4994281" y="746760"/>
-            <a:ext cx="6508923" cy="5471925"/>
+            <a:off x="5260663" y="685800"/>
+            <a:ext cx="6239365" cy="5105401"/>
           </a:xfrm>
         </p:spPr>
         <p:txBody>
-          <a:bodyPr anchor="ctr"/>
-          <a:lstStyle/>
+          <a:bodyPr anchor="ctr">
+            <a:normAutofit/>
+          </a:bodyPr>
+          <a:lstStyle>
+            <a:lvl1pPr>
+              <a:defRPr sz="1999"/>
+            </a:lvl1pPr>
+            <a:lvl2pPr>
+              <a:defRPr sz="1799"/>
+            </a:lvl2pPr>
+            <a:lvl3pPr>
+              <a:defRPr sz="1600"/>
+            </a:lvl3pPr>
+            <a:lvl4pPr>
+              <a:defRPr sz="1400"/>
+            </a:lvl4pPr>
+            <a:lvl5pPr>
+              <a:defRPr sz="1400"/>
+            </a:lvl5pPr>
+            <a:lvl6pPr>
+              <a:defRPr sz="1400"/>
+            </a:lvl6pPr>
+            <a:lvl7pPr>
+              <a:defRPr sz="1400"/>
+            </a:lvl7pPr>
+            <a:lvl8pPr>
+              <a:defRPr sz="1400"/>
+            </a:lvl8pPr>
+            <a:lvl9pPr>
+              <a:defRPr sz="1400"/>
+            </a:lvl9pPr>
+          </a:lstStyle>
           <a:p>
             <a:pPr lvl="0"/>
             <a:r>
@@ -5426,48 +5376,50 @@
         </p:nvSpPr>
         <p:spPr>
           <a:xfrm>
-            <a:off x="685622" y="3124200"/>
-            <a:ext cx="4113728" cy="3094485"/>
+            <a:off x="1483926" y="2971800"/>
+            <a:ext cx="3548197" cy="1828800"/>
           </a:xfrm>
         </p:spPr>
         <p:txBody>
-          <a:bodyPr/>
+          <a:bodyPr>
+            <a:normAutofit/>
+          </a:bodyPr>
           <a:lstStyle>
-            <a:lvl1pPr marL="0" indent="0">
+            <a:lvl1pPr marL="0" indent="0" algn="ctr">
               <a:buNone/>
               <a:defRPr sz="1600"/>
             </a:lvl1pPr>
             <a:lvl2pPr marL="457063" indent="0">
               <a:buNone/>
-              <a:defRPr sz="1400"/>
+              <a:defRPr sz="1200"/>
             </a:lvl2pPr>
             <a:lvl3pPr marL="914126" indent="0">
               <a:buNone/>
-              <a:defRPr sz="1200"/>
+              <a:defRPr sz="1000"/>
             </a:lvl3pPr>
             <a:lvl4pPr marL="1371189" indent="0">
               <a:buNone/>
-              <a:defRPr sz="1000"/>
+              <a:defRPr sz="900"/>
             </a:lvl4pPr>
             <a:lvl5pPr marL="1828251" indent="0">
               <a:buNone/>
-              <a:defRPr sz="1000"/>
+              <a:defRPr sz="900"/>
             </a:lvl5pPr>
             <a:lvl6pPr marL="2285314" indent="0">
               <a:buNone/>
-              <a:defRPr sz="1000"/>
+              <a:defRPr sz="900"/>
             </a:lvl6pPr>
             <a:lvl7pPr marL="2742377" indent="0">
               <a:buNone/>
-              <a:defRPr sz="1000"/>
+              <a:defRPr sz="900"/>
             </a:lvl7pPr>
             <a:lvl8pPr marL="3199440" indent="0">
               <a:buNone/>
-              <a:defRPr sz="1000"/>
+              <a:defRPr sz="900"/>
             </a:lvl8pPr>
             <a:lvl9pPr marL="3656503" indent="0">
               <a:buNone/>
-              <a:defRPr sz="1000"/>
+              <a:defRPr sz="900"/>
             </a:lvl9pPr>
           </a:lstStyle>
           <a:p>
@@ -5547,7 +5499,7 @@
     </p:spTree>
     <p:extLst>
       <p:ext uri="{BB962C8B-B14F-4D97-AF65-F5344CB8AC3E}">
-        <p14:creationId xmlns:p14="http://schemas.microsoft.com/office/powerpoint/2010/main" val="264916095"/>
+        <p14:creationId xmlns:p14="http://schemas.microsoft.com/office/powerpoint/2010/main" val="100934377"/>
       </p:ext>
     </p:extLst>
   </p:cSld>
@@ -5598,15 +5550,17 @@
         </p:nvSpPr>
         <p:spPr>
           <a:xfrm>
-            <a:off x="685621" y="1524000"/>
-            <a:ext cx="6871450" cy="1600200"/>
+            <a:off x="1482338" y="1752599"/>
+            <a:ext cx="5424745" cy="1371600"/>
           </a:xfrm>
         </p:spPr>
         <p:txBody>
-          <a:bodyPr anchor="b"/>
+          <a:bodyPr anchor="b">
+            <a:normAutofit/>
+          </a:bodyPr>
           <a:lstStyle>
-            <a:lvl1pPr algn="l">
-              <a:defRPr sz="3199"/>
+            <a:lvl1pPr algn="ctr">
+              <a:defRPr sz="2799" b="0"/>
             </a:lvl1pPr>
           </a:lstStyle>
           <a:p>
@@ -5620,7 +5574,7 @@
       </p:sp>
       <p:sp>
         <p:nvSpPr>
-          <p:cNvPr id="3" name="Picture Placeholder 2"/>
+          <p:cNvPr id="14" name="Picture Placeholder 2"/>
           <p:cNvSpPr>
             <a:spLocks noGrp="1" noChangeAspect="1"/>
           </p:cNvSpPr>
@@ -5630,113 +5584,145 @@
         </p:nvSpPr>
         <p:spPr>
           <a:xfrm>
-            <a:off x="7859191" y="751242"/>
-            <a:ext cx="3644013" cy="5467443"/>
+            <a:off x="7592704" y="914400"/>
+            <a:ext cx="3280120" cy="4572000"/>
           </a:xfrm>
+          <a:prstGeom prst="roundRect">
+            <a:avLst>
+              <a:gd name="adj" fmla="val 4280"/>
+            </a:avLst>
+          </a:prstGeom>
+          <a:ln w="38100">
+            <a:gradFill flip="none" rotWithShape="1">
+              <a:gsLst>
+                <a:gs pos="0">
+                  <a:schemeClr val="bg2"/>
+                </a:gs>
+                <a:gs pos="100000">
+                  <a:schemeClr val="bg2">
+                    <a:lumMod val="75000"/>
+                  </a:schemeClr>
+                </a:gs>
+              </a:gsLst>
+              <a:lin ang="5400000" scaled="0"/>
+              <a:tileRect/>
+            </a:gradFill>
+          </a:ln>
+          <a:effectLst>
+            <a:innerShdw blurRad="57150" dist="38100" dir="14460000">
+              <a:srgbClr val="000000">
+                <a:alpha val="70000"/>
+              </a:srgbClr>
+            </a:innerShdw>
+          </a:effectLst>
         </p:spPr>
         <p:txBody>
-          <a:bodyPr anchor="t"/>
+          <a:bodyPr anchor="t">
+            <a:normAutofit/>
+          </a:bodyPr>
           <a:lstStyle>
-            <a:lvl1pPr marL="0" indent="0">
-              <a:buNone/>
-              <a:defRPr sz="3199"/>
-            </a:lvl1pPr>
-            <a:lvl2pPr marL="457063" indent="0">
-              <a:buNone/>
-              <a:defRPr sz="2799"/>
-            </a:lvl2pPr>
-            <a:lvl3pPr marL="914126" indent="0">
-              <a:buNone/>
-              <a:defRPr sz="2399"/>
-            </a:lvl3pPr>
-            <a:lvl4pPr marL="1371189" indent="0">
-              <a:buNone/>
-              <a:defRPr sz="1999"/>
-            </a:lvl4pPr>
-            <a:lvl5pPr marL="1828251" indent="0">
-              <a:buNone/>
-              <a:defRPr sz="1999"/>
-            </a:lvl5pPr>
-            <a:lvl6pPr marL="2285314" indent="0">
-              <a:buNone/>
-              <a:defRPr sz="1999"/>
-            </a:lvl6pPr>
-            <a:lvl7pPr marL="2742377" indent="0">
-              <a:buNone/>
-              <a:defRPr sz="1999"/>
-            </a:lvl7pPr>
-            <a:lvl8pPr marL="3199440" indent="0">
-              <a:buNone/>
-              <a:defRPr sz="1999"/>
-            </a:lvl8pPr>
-            <a:lvl9pPr marL="3656503" indent="0">
-              <a:buNone/>
-              <a:defRPr sz="1999"/>
-            </a:lvl9pPr>
-          </a:lstStyle>
-          <a:p>
-            <a:r>
-              <a:rPr lang="en-US"/>
-              <a:t>Click icon to add picture</a:t>
-            </a:r>
-            <a:endParaRPr lang="en-US" dirty="0"/>
-          </a:p>
-        </p:txBody>
-      </p:sp>
-      <p:sp>
-        <p:nvSpPr>
-          <p:cNvPr id="4" name="Text Placeholder 3"/>
-          <p:cNvSpPr>
-            <a:spLocks noGrp="1"/>
-          </p:cNvSpPr>
-          <p:nvPr>
-            <p:ph type="body" sz="half" idx="2"/>
-          </p:nvPr>
-        </p:nvSpPr>
-        <p:spPr>
-          <a:xfrm>
-            <a:off x="685621" y="3124200"/>
-            <a:ext cx="6871450" cy="3094485"/>
-          </a:xfrm>
-        </p:spPr>
-        <p:txBody>
-          <a:bodyPr/>
-          <a:lstStyle>
-            <a:lvl1pPr marL="0" indent="0">
+            <a:lvl1pPr marL="0" indent="0" algn="ctr">
               <a:buNone/>
               <a:defRPr sz="1600"/>
             </a:lvl1pPr>
             <a:lvl2pPr marL="457063" indent="0">
               <a:buNone/>
-              <a:defRPr sz="1400"/>
+              <a:defRPr sz="1600"/>
             </a:lvl2pPr>
             <a:lvl3pPr marL="914126" indent="0">
               <a:buNone/>
-              <a:defRPr sz="1200"/>
+              <a:defRPr sz="1600"/>
             </a:lvl3pPr>
             <a:lvl4pPr marL="1371189" indent="0">
               <a:buNone/>
-              <a:defRPr sz="1000"/>
+              <a:defRPr sz="1600"/>
             </a:lvl4pPr>
             <a:lvl5pPr marL="1828251" indent="0">
               <a:buNone/>
-              <a:defRPr sz="1000"/>
+              <a:defRPr sz="1600"/>
             </a:lvl5pPr>
             <a:lvl6pPr marL="2285314" indent="0">
               <a:buNone/>
-              <a:defRPr sz="1000"/>
+              <a:defRPr sz="1600"/>
             </a:lvl6pPr>
             <a:lvl7pPr marL="2742377" indent="0">
               <a:buNone/>
-              <a:defRPr sz="1000"/>
+              <a:defRPr sz="1600"/>
             </a:lvl7pPr>
             <a:lvl8pPr marL="3199440" indent="0">
               <a:buNone/>
-              <a:defRPr sz="1000"/>
+              <a:defRPr sz="1600"/>
             </a:lvl8pPr>
             <a:lvl9pPr marL="3656503" indent="0">
               <a:buNone/>
+              <a:defRPr sz="1600"/>
+            </a:lvl9pPr>
+          </a:lstStyle>
+          <a:p>
+            <a:r>
+              <a:rPr lang="en-US"/>
+              <a:t>Click icon to add picture</a:t>
+            </a:r>
+            <a:endParaRPr lang="en-US" dirty="0"/>
+          </a:p>
+        </p:txBody>
+      </p:sp>
+      <p:sp>
+        <p:nvSpPr>
+          <p:cNvPr id="4" name="Text Placeholder 3"/>
+          <p:cNvSpPr>
+            <a:spLocks noGrp="1"/>
+          </p:cNvSpPr>
+          <p:nvPr>
+            <p:ph type="body" sz="half" idx="2"/>
+          </p:nvPr>
+        </p:nvSpPr>
+        <p:spPr>
+          <a:xfrm>
+            <a:off x="1482338" y="3124199"/>
+            <a:ext cx="5424745" cy="1828800"/>
+          </a:xfrm>
+        </p:spPr>
+        <p:txBody>
+          <a:bodyPr>
+            <a:normAutofit/>
+          </a:bodyPr>
+          <a:lstStyle>
+            <a:lvl1pPr marL="0" indent="0" algn="ctr">
+              <a:buNone/>
+              <a:defRPr sz="1799"/>
+            </a:lvl1pPr>
+            <a:lvl2pPr marL="457063" indent="0">
+              <a:buNone/>
+              <a:defRPr sz="1200"/>
+            </a:lvl2pPr>
+            <a:lvl3pPr marL="914126" indent="0">
+              <a:buNone/>
               <a:defRPr sz="1000"/>
+            </a:lvl3pPr>
+            <a:lvl4pPr marL="1371189" indent="0">
+              <a:buNone/>
+              <a:defRPr sz="900"/>
+            </a:lvl4pPr>
+            <a:lvl5pPr marL="1828251" indent="0">
+              <a:buNone/>
+              <a:defRPr sz="900"/>
+            </a:lvl5pPr>
+            <a:lvl6pPr marL="2285314" indent="0">
+              <a:buNone/>
+              <a:defRPr sz="900"/>
+            </a:lvl6pPr>
+            <a:lvl7pPr marL="2742377" indent="0">
+              <a:buNone/>
+              <a:defRPr sz="900"/>
+            </a:lvl7pPr>
+            <a:lvl8pPr marL="3199440" indent="0">
+              <a:buNone/>
+              <a:defRPr sz="900"/>
+            </a:lvl8pPr>
+            <a:lvl9pPr marL="3656503" indent="0">
+              <a:buNone/>
+              <a:defRPr sz="900"/>
             </a:lvl9pPr>
           </a:lstStyle>
           <a:p>
@@ -5818,7 +5804,7 @@
     </p:spTree>
     <p:extLst>
       <p:ext uri="{BB962C8B-B14F-4D97-AF65-F5344CB8AC3E}">
-        <p14:creationId xmlns:p14="http://schemas.microsoft.com/office/powerpoint/2010/main" val="729422033"/>
+        <p14:creationId xmlns:p14="http://schemas.microsoft.com/office/powerpoint/2010/main" val="3288691441"/>
       </p:ext>
     </p:extLst>
   </p:cSld>
@@ -5844,8 +5830,8 @@
 <p:sldMaster xmlns:a="http://schemas.openxmlformats.org/drawingml/2006/main" xmlns:r="http://schemas.openxmlformats.org/officeDocument/2006/relationships" xmlns:p="http://schemas.openxmlformats.org/presentationml/2006/main">
   <p:cSld>
     <p:bg>
-      <p:bgRef idx="1001">
-        <a:schemeClr val="bg1"/>
+      <p:bgRef idx="1003">
+        <a:schemeClr val="bg2"/>
       </p:bgRef>
     </p:bg>
     <p:spTree>
@@ -5862,160 +5848,447 @@
           <a:chExt cx="0" cy="0"/>
         </a:xfrm>
       </p:grpSpPr>
-      <p:pic>
-        <p:nvPicPr>
-          <p:cNvPr id="7" name="Picture 6" descr="C0-HD-TOP.png"/>
-          <p:cNvPicPr>
-            <a:picLocks noChangeAspect="1"/>
-          </p:cNvPicPr>
+      <p:grpSp>
+        <p:nvGrpSpPr>
+          <p:cNvPr id="7" name="Group 6"/>
+          <p:cNvGrpSpPr/>
           <p:nvPr/>
-        </p:nvPicPr>
-        <p:blipFill>
-          <a:blip r:embed="rId19">
-            <a:extLst>
-              <a:ext uri="{28A0092B-C50C-407E-A947-70E740481C1C}">
-                <a14:useLocalDpi xmlns:a14="http://schemas.microsoft.com/office/drawing/2010/main" val="0"/>
-              </a:ext>
-            </a:extLst>
-          </a:blip>
-          <a:stretch>
-            <a:fillRect/>
-          </a:stretch>
-        </p:blipFill>
+        </p:nvGrpSpPr>
+        <p:grpSpPr>
+          <a:xfrm>
+            <a:off x="150773" y="1"/>
+            <a:ext cx="2436178" cy="6858001"/>
+            <a:chOff x="1320800" y="0"/>
+            <a:chExt cx="2436813" cy="6858001"/>
+          </a:xfrm>
+        </p:grpSpPr>
+        <p:sp>
+          <p:nvSpPr>
+            <p:cNvPr id="8" name="Freeform 6"/>
+            <p:cNvSpPr/>
+            <p:nvPr/>
+          </p:nvSpPr>
+          <p:spPr bwMode="auto">
+            <a:xfrm>
+              <a:off x="1627188" y="0"/>
+              <a:ext cx="1122363" cy="5329238"/>
+            </a:xfrm>
+            <a:custGeom>
+              <a:avLst/>
+              <a:gdLst/>
+              <a:ahLst/>
+              <a:cxnLst/>
+              <a:rect l="0" t="0" r="r" b="b"/>
+              <a:pathLst>
+                <a:path w="707" h="3357">
+                  <a:moveTo>
+                    <a:pt x="0" y="3330"/>
+                  </a:moveTo>
+                  <a:lnTo>
+                    <a:pt x="156" y="3357"/>
+                  </a:lnTo>
+                  <a:lnTo>
+                    <a:pt x="707" y="0"/>
+                  </a:lnTo>
+                  <a:lnTo>
+                    <a:pt x="547" y="0"/>
+                  </a:lnTo>
+                  <a:lnTo>
+                    <a:pt x="0" y="3330"/>
+                  </a:lnTo>
+                  <a:close/>
+                </a:path>
+              </a:pathLst>
+            </a:custGeom>
+            <a:solidFill>
+              <a:schemeClr val="accent1"/>
+            </a:solidFill>
+            <a:ln>
+              <a:noFill/>
+            </a:ln>
+          </p:spPr>
+        </p:sp>
+        <p:sp>
+          <p:nvSpPr>
+            <p:cNvPr id="9" name="Freeform 7"/>
+            <p:cNvSpPr/>
+            <p:nvPr/>
+          </p:nvSpPr>
+          <p:spPr bwMode="auto">
+            <a:xfrm>
+              <a:off x="1320800" y="0"/>
+              <a:ext cx="1117600" cy="5276850"/>
+            </a:xfrm>
+            <a:custGeom>
+              <a:avLst/>
+              <a:gdLst/>
+              <a:ahLst/>
+              <a:cxnLst/>
+              <a:rect l="0" t="0" r="r" b="b"/>
+              <a:pathLst>
+                <a:path w="704" h="3324">
+                  <a:moveTo>
+                    <a:pt x="704" y="0"/>
+                  </a:moveTo>
+                  <a:lnTo>
+                    <a:pt x="545" y="0"/>
+                  </a:lnTo>
+                  <a:lnTo>
+                    <a:pt x="0" y="3300"/>
+                  </a:lnTo>
+                  <a:lnTo>
+                    <a:pt x="157" y="3324"/>
+                  </a:lnTo>
+                  <a:lnTo>
+                    <a:pt x="704" y="0"/>
+                  </a:lnTo>
+                  <a:close/>
+                </a:path>
+              </a:pathLst>
+            </a:custGeom>
+            <a:solidFill>
+              <a:schemeClr val="tx1">
+                <a:lumMod val="65000"/>
+                <a:lumOff val="35000"/>
+              </a:schemeClr>
+            </a:solidFill>
+            <a:ln>
+              <a:noFill/>
+            </a:ln>
+          </p:spPr>
+        </p:sp>
+        <p:sp>
+          <p:nvSpPr>
+            <p:cNvPr id="10" name="Freeform 8"/>
+            <p:cNvSpPr/>
+            <p:nvPr/>
+          </p:nvSpPr>
+          <p:spPr bwMode="auto">
+            <a:xfrm>
+              <a:off x="1320800" y="5238750"/>
+              <a:ext cx="1228725" cy="1619250"/>
+            </a:xfrm>
+            <a:custGeom>
+              <a:avLst/>
+              <a:gdLst/>
+              <a:ahLst/>
+              <a:cxnLst/>
+              <a:rect l="0" t="0" r="r" b="b"/>
+              <a:pathLst>
+                <a:path w="774" h="1020">
+                  <a:moveTo>
+                    <a:pt x="0" y="0"/>
+                  </a:moveTo>
+                  <a:lnTo>
+                    <a:pt x="740" y="1020"/>
+                  </a:lnTo>
+                  <a:lnTo>
+                    <a:pt x="774" y="1020"/>
+                  </a:lnTo>
+                  <a:lnTo>
+                    <a:pt x="0" y="0"/>
+                  </a:lnTo>
+                  <a:close/>
+                </a:path>
+              </a:pathLst>
+            </a:custGeom>
+            <a:solidFill>
+              <a:schemeClr val="tx1">
+                <a:lumMod val="85000"/>
+                <a:lumOff val="15000"/>
+              </a:schemeClr>
+            </a:solidFill>
+            <a:ln>
+              <a:noFill/>
+            </a:ln>
+          </p:spPr>
+        </p:sp>
+        <p:sp>
+          <p:nvSpPr>
+            <p:cNvPr id="11" name="Freeform 9"/>
+            <p:cNvSpPr/>
+            <p:nvPr/>
+          </p:nvSpPr>
+          <p:spPr bwMode="auto">
+            <a:xfrm>
+              <a:off x="1627188" y="5291138"/>
+              <a:ext cx="1495425" cy="1566863"/>
+            </a:xfrm>
+            <a:custGeom>
+              <a:avLst/>
+              <a:gdLst/>
+              <a:ahLst/>
+              <a:cxnLst/>
+              <a:rect l="0" t="0" r="r" b="b"/>
+              <a:pathLst>
+                <a:path w="942" h="987">
+                  <a:moveTo>
+                    <a:pt x="0" y="0"/>
+                  </a:moveTo>
+                  <a:lnTo>
+                    <a:pt x="909" y="987"/>
+                  </a:lnTo>
+                  <a:lnTo>
+                    <a:pt x="942" y="987"/>
+                  </a:lnTo>
+                  <a:lnTo>
+                    <a:pt x="0" y="0"/>
+                  </a:lnTo>
+                  <a:close/>
+                </a:path>
+              </a:pathLst>
+            </a:custGeom>
+            <a:solidFill>
+              <a:schemeClr val="accent1">
+                <a:lumMod val="50000"/>
+              </a:schemeClr>
+            </a:solidFill>
+            <a:ln>
+              <a:noFill/>
+            </a:ln>
+          </p:spPr>
+        </p:sp>
+        <p:sp>
+          <p:nvSpPr>
+            <p:cNvPr id="12" name="Freeform 10"/>
+            <p:cNvSpPr/>
+            <p:nvPr/>
+          </p:nvSpPr>
+          <p:spPr bwMode="auto">
+            <a:xfrm>
+              <a:off x="1627188" y="5286375"/>
+              <a:ext cx="2130425" cy="1571625"/>
+            </a:xfrm>
+            <a:custGeom>
+              <a:avLst/>
+              <a:gdLst/>
+              <a:ahLst/>
+              <a:cxnLst/>
+              <a:rect l="0" t="0" r="r" b="b"/>
+              <a:pathLst>
+                <a:path w="1342" h="990">
+                  <a:moveTo>
+                    <a:pt x="0" y="3"/>
+                  </a:moveTo>
+                  <a:lnTo>
+                    <a:pt x="942" y="990"/>
+                  </a:lnTo>
+                  <a:lnTo>
+                    <a:pt x="1342" y="990"/>
+                  </a:lnTo>
+                  <a:lnTo>
+                    <a:pt x="156" y="27"/>
+                  </a:lnTo>
+                  <a:lnTo>
+                    <a:pt x="0" y="0"/>
+                  </a:lnTo>
+                  <a:lnTo>
+                    <a:pt x="0" y="3"/>
+                  </a:lnTo>
+                  <a:close/>
+                </a:path>
+              </a:pathLst>
+            </a:custGeom>
+            <a:solidFill>
+              <a:schemeClr val="accent1">
+                <a:lumMod val="75000"/>
+              </a:schemeClr>
+            </a:solidFill>
+            <a:ln>
+              <a:noFill/>
+            </a:ln>
+          </p:spPr>
+        </p:sp>
+        <p:sp>
+          <p:nvSpPr>
+            <p:cNvPr id="13" name="Freeform 11"/>
+            <p:cNvSpPr/>
+            <p:nvPr/>
+          </p:nvSpPr>
+          <p:spPr bwMode="auto">
+            <a:xfrm>
+              <a:off x="1320800" y="5238750"/>
+              <a:ext cx="1695450" cy="1619250"/>
+            </a:xfrm>
+            <a:custGeom>
+              <a:avLst/>
+              <a:gdLst/>
+              <a:ahLst/>
+              <a:cxnLst/>
+              <a:rect l="0" t="0" r="r" b="b"/>
+              <a:pathLst>
+                <a:path w="1068" h="1020">
+                  <a:moveTo>
+                    <a:pt x="1068" y="1020"/>
+                  </a:moveTo>
+                  <a:lnTo>
+                    <a:pt x="184" y="60"/>
+                  </a:lnTo>
+                  <a:lnTo>
+                    <a:pt x="154" y="27"/>
+                  </a:lnTo>
+                  <a:lnTo>
+                    <a:pt x="157" y="27"/>
+                  </a:lnTo>
+                  <a:lnTo>
+                    <a:pt x="157" y="24"/>
+                  </a:lnTo>
+                  <a:lnTo>
+                    <a:pt x="154" y="24"/>
+                  </a:lnTo>
+                  <a:lnTo>
+                    <a:pt x="0" y="0"/>
+                  </a:lnTo>
+                  <a:lnTo>
+                    <a:pt x="0" y="0"/>
+                  </a:lnTo>
+                  <a:lnTo>
+                    <a:pt x="774" y="1020"/>
+                  </a:lnTo>
+                  <a:lnTo>
+                    <a:pt x="1068" y="1020"/>
+                  </a:lnTo>
+                  <a:close/>
+                </a:path>
+              </a:pathLst>
+            </a:custGeom>
+            <a:solidFill>
+              <a:schemeClr val="tx1">
+                <a:lumMod val="75000"/>
+                <a:lumOff val="25000"/>
+              </a:schemeClr>
+            </a:solidFill>
+            <a:ln>
+              <a:noFill/>
+            </a:ln>
+          </p:spPr>
+        </p:sp>
+      </p:grpSp>
+      <p:sp>
+        <p:nvSpPr>
+          <p:cNvPr id="2" name="Title Placeholder 1"/>
+          <p:cNvSpPr>
+            <a:spLocks noGrp="1"/>
+          </p:cNvSpPr>
+          <p:nvPr>
+            <p:ph type="title"/>
+          </p:nvPr>
+        </p:nvSpPr>
         <p:spPr>
           <a:xfrm>
-            <a:off x="0" y="0"/>
-            <a:ext cx="12188825" cy="1441450"/>
+            <a:off x="1483925" y="685801"/>
+            <a:ext cx="10016104" cy="1752599"/>
+          </a:xfrm>
+          <a:prstGeom prst="rect">
+            <a:avLst/>
+          </a:prstGeom>
+          <a:effectLst/>
+        </p:spPr>
+        <p:txBody>
+          <a:bodyPr vert="horz" lIns="91440" tIns="45720" rIns="91440" bIns="45720" rtlCol="0" anchor="ctr">
+            <a:normAutofit/>
+          </a:bodyPr>
+          <a:lstStyle/>
+          <a:p>
+            <a:r>
+              <a:rPr lang="en-US"/>
+              <a:t>Click to edit Master title style</a:t>
+            </a:r>
+            <a:endParaRPr lang="en-US" dirty="0"/>
+          </a:p>
+        </p:txBody>
+      </p:sp>
+      <p:sp>
+        <p:nvSpPr>
+          <p:cNvPr id="3" name="Text Placeholder 2"/>
+          <p:cNvSpPr>
+            <a:spLocks noGrp="1"/>
+          </p:cNvSpPr>
+          <p:nvPr>
+            <p:ph type="body" idx="1"/>
+          </p:nvPr>
+        </p:nvSpPr>
+        <p:spPr>
+          <a:xfrm>
+            <a:off x="1483924" y="2667000"/>
+            <a:ext cx="10016104" cy="3124201"/>
           </a:xfrm>
           <a:prstGeom prst="rect">
             <a:avLst/>
           </a:prstGeom>
         </p:spPr>
-      </p:pic>
-      <p:sp>
-        <p:nvSpPr>
-          <p:cNvPr id="2" name="Title Placeholder 1"/>
-          <p:cNvSpPr>
-            <a:spLocks noGrp="1"/>
-          </p:cNvSpPr>
-          <p:nvPr>
-            <p:ph type="title"/>
+        <p:txBody>
+          <a:bodyPr vert="horz" lIns="91440" tIns="45720" rIns="91440" bIns="45720" rtlCol="0" anchor="ctr">
+            <a:normAutofit/>
+          </a:bodyPr>
+          <a:lstStyle/>
+          <a:p>
+            <a:pPr lvl="0"/>
+            <a:r>
+              <a:rPr lang="en-US"/>
+              <a:t>Edit Master text styles</a:t>
+            </a:r>
+          </a:p>
+          <a:p>
+            <a:pPr lvl="1"/>
+            <a:r>
+              <a:rPr lang="en-US"/>
+              <a:t>Second level</a:t>
+            </a:r>
+          </a:p>
+          <a:p>
+            <a:pPr lvl="2"/>
+            <a:r>
+              <a:rPr lang="en-US"/>
+              <a:t>Third level</a:t>
+            </a:r>
+          </a:p>
+          <a:p>
+            <a:pPr lvl="3"/>
+            <a:r>
+              <a:rPr lang="en-US"/>
+              <a:t>Fourth level</a:t>
+            </a:r>
+          </a:p>
+          <a:p>
+            <a:pPr lvl="4"/>
+            <a:r>
+              <a:rPr lang="en-US"/>
+              <a:t>Fifth level</a:t>
+            </a:r>
+            <a:endParaRPr lang="en-US" dirty="0"/>
+          </a:p>
+        </p:txBody>
+      </p:sp>
+      <p:sp>
+        <p:nvSpPr>
+          <p:cNvPr id="4" name="Date Placeholder 3"/>
+          <p:cNvSpPr>
+            <a:spLocks noGrp="1"/>
+          </p:cNvSpPr>
+          <p:nvPr>
+            <p:ph type="dt" sz="half" idx="2"/>
           </p:nvPr>
         </p:nvSpPr>
         <p:spPr>
           <a:xfrm>
-            <a:off x="2894846" y="764373"/>
-            <a:ext cx="8608358" cy="1293028"/>
+            <a:off x="9730122" y="5883276"/>
+            <a:ext cx="1142702" cy="365125"/>
           </a:xfrm>
           <a:prstGeom prst="rect">
             <a:avLst/>
           </a:prstGeom>
         </p:spPr>
         <p:txBody>
-          <a:bodyPr vert="horz" lIns="91440" tIns="45720" rIns="91440" bIns="45720" rtlCol="0" anchor="ctr">
-            <a:normAutofit/>
-          </a:bodyPr>
-          <a:lstStyle/>
-          <a:p>
-            <a:r>
-              <a:rPr lang="en-US"/>
-              <a:t>Click to edit Master title style</a:t>
-            </a:r>
-            <a:endParaRPr lang="en-US" dirty="0"/>
-          </a:p>
-        </p:txBody>
-      </p:sp>
-      <p:sp>
-        <p:nvSpPr>
-          <p:cNvPr id="3" name="Text Placeholder 2"/>
-          <p:cNvSpPr>
-            <a:spLocks noGrp="1"/>
-          </p:cNvSpPr>
-          <p:nvPr>
-            <p:ph type="body" idx="1"/>
-          </p:nvPr>
-        </p:nvSpPr>
-        <p:spPr>
-          <a:xfrm>
-            <a:off x="685622" y="2194561"/>
-            <a:ext cx="10817582" cy="4024125"/>
-          </a:xfrm>
-          <a:prstGeom prst="rect">
-            <a:avLst/>
-          </a:prstGeom>
-        </p:spPr>
-        <p:txBody>
-          <a:bodyPr vert="horz" lIns="91440" tIns="45720" rIns="91440" bIns="45720" rtlCol="0">
-            <a:normAutofit/>
-          </a:bodyPr>
-          <a:lstStyle/>
-          <a:p>
-            <a:pPr lvl="0"/>
-            <a:r>
-              <a:rPr lang="en-US"/>
-              <a:t>Edit Master text styles</a:t>
-            </a:r>
-          </a:p>
-          <a:p>
-            <a:pPr lvl="1"/>
-            <a:r>
-              <a:rPr lang="en-US"/>
-              <a:t>Second level</a:t>
-            </a:r>
-          </a:p>
-          <a:p>
-            <a:pPr lvl="2"/>
-            <a:r>
-              <a:rPr lang="en-US"/>
-              <a:t>Third level</a:t>
-            </a:r>
-          </a:p>
-          <a:p>
-            <a:pPr lvl="3"/>
-            <a:r>
-              <a:rPr lang="en-US"/>
-              <a:t>Fourth level</a:t>
-            </a:r>
-          </a:p>
-          <a:p>
-            <a:pPr lvl="4"/>
-            <a:r>
-              <a:rPr lang="en-US"/>
-              <a:t>Fifth level</a:t>
-            </a:r>
-            <a:endParaRPr lang="en-US" dirty="0"/>
-          </a:p>
-        </p:txBody>
-      </p:sp>
-      <p:sp>
-        <p:nvSpPr>
-          <p:cNvPr id="4" name="Date Placeholder 3"/>
-          <p:cNvSpPr>
-            <a:spLocks noGrp="1"/>
-          </p:cNvSpPr>
-          <p:nvPr>
-            <p:ph type="dt" sz="half" idx="2"/>
-          </p:nvPr>
-        </p:nvSpPr>
-        <p:spPr>
-          <a:xfrm>
-            <a:off x="8593122" y="6356351"/>
-            <a:ext cx="2910082" cy="365125"/>
-          </a:xfrm>
-          <a:prstGeom prst="rect">
-            <a:avLst/>
-          </a:prstGeom>
-        </p:spPr>
-        <p:txBody>
           <a:bodyPr vert="horz" lIns="91440" tIns="45720" rIns="91440" bIns="45720" rtlCol="0" anchor="ctr"/>
           <a:lstStyle>
             <a:lvl1pPr algn="r">
-              <a:defRPr sz="1050">
-                <a:solidFill>
-                  <a:schemeClr val="tx1">
-                    <a:tint val="75000"/>
-                  </a:schemeClr>
-                </a:solidFill>
+              <a:defRPr sz="1000" b="0" i="0">
+                <a:solidFill>
+                  <a:schemeClr val="tx1"/>
+                </a:solidFill>
+                <a:effectLst/>
+                <a:latin typeface="+mn-lt"/>
               </a:defRPr>
             </a:lvl1pPr>
           </a:lstStyle>
@@ -6041,8 +6314,8 @@
         </p:nvSpPr>
         <p:spPr>
           <a:xfrm>
-            <a:off x="685621" y="6355846"/>
-            <a:ext cx="7770376" cy="365125"/>
+            <a:off x="2571610" y="5883276"/>
+            <a:ext cx="7082332" cy="365125"/>
           </a:xfrm>
           <a:prstGeom prst="rect">
             <a:avLst/>
@@ -6052,12 +6325,12 @@
           <a:bodyPr vert="horz" lIns="91440" tIns="45720" rIns="91440" bIns="45720" rtlCol="0" anchor="ctr"/>
           <a:lstStyle>
             <a:lvl1pPr algn="l">
-              <a:defRPr sz="1050">
-                <a:solidFill>
-                  <a:schemeClr val="tx1">
-                    <a:tint val="75000"/>
-                  </a:schemeClr>
-                </a:solidFill>
+              <a:defRPr sz="1000" b="0" i="0">
+                <a:solidFill>
+                  <a:schemeClr val="tx1"/>
+                </a:solidFill>
+                <a:effectLst/>
+                <a:latin typeface="+mn-lt"/>
               </a:defRPr>
             </a:lvl1pPr>
           </a:lstStyle>
@@ -6078,8 +6351,8 @@
         </p:nvSpPr>
         <p:spPr>
           <a:xfrm>
-            <a:off x="8760718" y="381001"/>
-            <a:ext cx="2742486" cy="365125"/>
+            <a:off x="10949005" y="5883276"/>
+            <a:ext cx="551023" cy="365125"/>
           </a:xfrm>
           <a:prstGeom prst="rect">
             <a:avLst/>
@@ -6089,12 +6362,12 @@
           <a:bodyPr vert="horz" lIns="91440" tIns="45720" rIns="91440" bIns="45720" rtlCol="0" anchor="ctr"/>
           <a:lstStyle>
             <a:lvl1pPr algn="r">
-              <a:defRPr sz="1050">
-                <a:solidFill>
-                  <a:schemeClr val="tx1">
-                    <a:tint val="75000"/>
-                  </a:schemeClr>
-                </a:solidFill>
+              <a:defRPr sz="1000" b="0" i="0">
+                <a:solidFill>
+                  <a:schemeClr val="tx1"/>
+                </a:solidFill>
+                <a:effectLst/>
+                <a:latin typeface="+mn-lt"/>
               </a:defRPr>
             </a:lvl1pPr>
           </a:lstStyle>
@@ -6111,29 +6384,29 @@
     </p:spTree>
     <p:extLst>
       <p:ext uri="{BB962C8B-B14F-4D97-AF65-F5344CB8AC3E}">
-        <p14:creationId xmlns:p14="http://schemas.microsoft.com/office/powerpoint/2010/main" val="349812843"/>
+        <p14:creationId xmlns:p14="http://schemas.microsoft.com/office/powerpoint/2010/main" val="3354183239"/>
       </p:ext>
     </p:extLst>
   </p:cSld>
-  <p:clrMap bg1="dk1" tx1="lt1" bg2="dk2" tx2="lt2" accent1="accent1" accent2="accent2" accent3="accent3" accent4="accent4" accent5="accent5" accent6="accent6" hlink="hlink" folHlink="folHlink"/>
+  <p:clrMap bg1="lt1" tx1="dk1" bg2="lt2" tx2="dk2" accent1="accent1" accent2="accent2" accent3="accent3" accent4="accent4" accent5="accent5" accent6="accent6" hlink="hlink" folHlink="folHlink"/>
   <p:sldLayoutIdLst>
-    <p:sldLayoutId id="2147483661" r:id="rId1"/>
-    <p:sldLayoutId id="2147483662" r:id="rId2"/>
-    <p:sldLayoutId id="2147483663" r:id="rId3"/>
-    <p:sldLayoutId id="2147483664" r:id="rId4"/>
-    <p:sldLayoutId id="2147483665" r:id="rId5"/>
-    <p:sldLayoutId id="2147483666" r:id="rId6"/>
-    <p:sldLayoutId id="2147483667" r:id="rId7"/>
-    <p:sldLayoutId id="2147483668" r:id="rId8"/>
-    <p:sldLayoutId id="2147483669" r:id="rId9"/>
-    <p:sldLayoutId id="2147483670" r:id="rId10"/>
-    <p:sldLayoutId id="2147483671" r:id="rId11"/>
-    <p:sldLayoutId id="2147483672" r:id="rId12"/>
-    <p:sldLayoutId id="2147483673" r:id="rId13"/>
-    <p:sldLayoutId id="2147483674" r:id="rId14"/>
-    <p:sldLayoutId id="2147483675" r:id="rId15"/>
-    <p:sldLayoutId id="2147483676" r:id="rId16"/>
-    <p:sldLayoutId id="2147483677" r:id="rId17"/>
+    <p:sldLayoutId id="2147483877" r:id="rId1"/>
+    <p:sldLayoutId id="2147483878" r:id="rId2"/>
+    <p:sldLayoutId id="2147483879" r:id="rId3"/>
+    <p:sldLayoutId id="2147483880" r:id="rId4"/>
+    <p:sldLayoutId id="2147483881" r:id="rId5"/>
+    <p:sldLayoutId id="2147483882" r:id="rId6"/>
+    <p:sldLayoutId id="2147483883" r:id="rId7"/>
+    <p:sldLayoutId id="2147483884" r:id="rId8"/>
+    <p:sldLayoutId id="2147483885" r:id="rId9"/>
+    <p:sldLayoutId id="2147483886" r:id="rId10"/>
+    <p:sldLayoutId id="2147483887" r:id="rId11"/>
+    <p:sldLayoutId id="2147483888" r:id="rId12"/>
+    <p:sldLayoutId id="2147483889" r:id="rId13"/>
+    <p:sldLayoutId id="2147483890" r:id="rId14"/>
+    <p:sldLayoutId id="2147483891" r:id="rId15"/>
+    <p:sldLayoutId id="2147483892" r:id="rId16"/>
+    <p:sldLayoutId id="2147483893" r:id="rId17"/>
   </p:sldLayoutIdLst>
   <mc:AlternateContent xmlns:mc="http://schemas.openxmlformats.org/markup-compatibility/2006" xmlns:p14="http://schemas.microsoft.com/office/powerpoint/2010/main">
     <mc:Choice Requires="p14">
@@ -6149,182 +6422,302 @@
   </mc:AlternateContent>
   <p:txStyles>
     <p:titleStyle>
-      <a:lvl1pPr algn="r" defTabSz="914126" rtl="0" eaLnBrk="1" latinLnBrk="0" hangingPunct="1">
-        <a:lnSpc>
-          <a:spcPct val="90000"/>
-        </a:lnSpc>
+      <a:lvl1pPr algn="ctr" defTabSz="457063" rtl="0" eaLnBrk="1" latinLnBrk="0" hangingPunct="1">
         <a:spcBef>
           <a:spcPct val="0"/>
         </a:spcBef>
         <a:buNone/>
-        <a:defRPr sz="3999" kern="1200" cap="all" baseline="0">
+        <a:defRPr sz="3999" kern="1200" cap="none">
+          <a:ln w="3175" cmpd="sng">
+            <a:noFill/>
+          </a:ln>
           <a:solidFill>
             <a:schemeClr val="tx1"/>
           </a:solidFill>
+          <a:effectLst/>
           <a:latin typeface="+mj-lt"/>
           <a:ea typeface="+mj-ea"/>
           <a:cs typeface="+mj-cs"/>
         </a:defRPr>
       </a:lvl1pPr>
+      <a:lvl2pPr eaLnBrk="1" hangingPunct="1">
+        <a:defRPr>
+          <a:solidFill>
+            <a:schemeClr val="tx2"/>
+          </a:solidFill>
+        </a:defRPr>
+      </a:lvl2pPr>
+      <a:lvl3pPr eaLnBrk="1" hangingPunct="1">
+        <a:defRPr>
+          <a:solidFill>
+            <a:schemeClr val="tx2"/>
+          </a:solidFill>
+        </a:defRPr>
+      </a:lvl3pPr>
+      <a:lvl4pPr eaLnBrk="1" hangingPunct="1">
+        <a:defRPr>
+          <a:solidFill>
+            <a:schemeClr val="tx2"/>
+          </a:solidFill>
+        </a:defRPr>
+      </a:lvl4pPr>
+      <a:lvl5pPr eaLnBrk="1" hangingPunct="1">
+        <a:defRPr>
+          <a:solidFill>
+            <a:schemeClr val="tx2"/>
+          </a:solidFill>
+        </a:defRPr>
+      </a:lvl5pPr>
+      <a:lvl6pPr eaLnBrk="1" hangingPunct="1">
+        <a:defRPr>
+          <a:solidFill>
+            <a:schemeClr val="tx2"/>
+          </a:solidFill>
+        </a:defRPr>
+      </a:lvl6pPr>
+      <a:lvl7pPr eaLnBrk="1" hangingPunct="1">
+        <a:defRPr>
+          <a:solidFill>
+            <a:schemeClr val="tx2"/>
+          </a:solidFill>
+        </a:defRPr>
+      </a:lvl7pPr>
+      <a:lvl8pPr eaLnBrk="1" hangingPunct="1">
+        <a:defRPr>
+          <a:solidFill>
+            <a:schemeClr val="tx2"/>
+          </a:solidFill>
+        </a:defRPr>
+      </a:lvl8pPr>
+      <a:lvl9pPr eaLnBrk="1" hangingPunct="1">
+        <a:defRPr>
+          <a:solidFill>
+            <a:schemeClr val="tx2"/>
+          </a:solidFill>
+        </a:defRPr>
+      </a:lvl9pPr>
     </p:titleStyle>
     <p:bodyStyle>
-      <a:lvl1pPr marL="228531" indent="-228531" algn="l" defTabSz="914126" rtl="0" eaLnBrk="1" latinLnBrk="0" hangingPunct="1">
-        <a:lnSpc>
-          <a:spcPct val="90000"/>
-        </a:lnSpc>
+      <a:lvl1pPr marL="285664" indent="-285664" algn="l" defTabSz="457063" rtl="0" eaLnBrk="1" latinLnBrk="0" hangingPunct="1">
         <a:spcBef>
-          <a:spcPts val="1000"/>
+          <a:spcPct val="20000"/>
         </a:spcBef>
-        <a:buFont typeface="Arial" panose="020B0604020202020204" pitchFamily="34" charset="0"/>
+        <a:spcAft>
+          <a:spcPts val="600"/>
+        </a:spcAft>
+        <a:buClr>
+          <a:schemeClr val="accent1">
+            <a:lumMod val="75000"/>
+          </a:schemeClr>
+        </a:buClr>
+        <a:buSzPct val="145000"/>
+        <a:buFont typeface="Arial"/>
         <a:buChar char="•"/>
-        <a:defRPr sz="2199" kern="1200">
+        <a:defRPr sz="2399" kern="1200" cap="none">
           <a:solidFill>
             <a:schemeClr val="tx1"/>
           </a:solidFill>
+          <a:effectLst/>
           <a:latin typeface="+mn-lt"/>
           <a:ea typeface="+mn-ea"/>
           <a:cs typeface="+mn-cs"/>
         </a:defRPr>
       </a:lvl1pPr>
-      <a:lvl2pPr marL="685594" indent="-228531" algn="l" defTabSz="914126" rtl="0" eaLnBrk="1" latinLnBrk="0" hangingPunct="1">
-        <a:lnSpc>
-          <a:spcPct val="90000"/>
-        </a:lnSpc>
+      <a:lvl2pPr marL="742727" indent="-285664" algn="l" defTabSz="457063" rtl="0" eaLnBrk="1" latinLnBrk="0" hangingPunct="1">
         <a:spcBef>
-          <a:spcPts val="500"/>
+          <a:spcPct val="20000"/>
         </a:spcBef>
-        <a:buFont typeface="Arial" panose="020B0604020202020204" pitchFamily="34" charset="0"/>
+        <a:spcAft>
+          <a:spcPts val="600"/>
+        </a:spcAft>
+        <a:buClr>
+          <a:schemeClr val="accent1">
+            <a:lumMod val="75000"/>
+          </a:schemeClr>
+        </a:buClr>
+        <a:buSzPct val="145000"/>
+        <a:buFont typeface="Arial"/>
         <a:buChar char="•"/>
-        <a:defRPr sz="1999" kern="1200">
+        <a:defRPr sz="1999" kern="1200" cap="none">
           <a:solidFill>
             <a:schemeClr val="tx1"/>
           </a:solidFill>
+          <a:effectLst/>
           <a:latin typeface="+mn-lt"/>
           <a:ea typeface="+mn-ea"/>
           <a:cs typeface="+mn-cs"/>
         </a:defRPr>
       </a:lvl2pPr>
-      <a:lvl3pPr marL="1142657" indent="-228531" algn="l" defTabSz="914126" rtl="0" eaLnBrk="1" latinLnBrk="0" hangingPunct="1">
-        <a:lnSpc>
-          <a:spcPct val="90000"/>
-        </a:lnSpc>
+      <a:lvl3pPr marL="1199790" indent="-285664" algn="l" defTabSz="457063" rtl="0" eaLnBrk="1" latinLnBrk="0" hangingPunct="1">
         <a:spcBef>
-          <a:spcPts val="500"/>
+          <a:spcPct val="20000"/>
         </a:spcBef>
-        <a:buFont typeface="Arial" panose="020B0604020202020204" pitchFamily="34" charset="0"/>
+        <a:spcAft>
+          <a:spcPts val="600"/>
+        </a:spcAft>
+        <a:buClr>
+          <a:schemeClr val="accent1">
+            <a:lumMod val="75000"/>
+          </a:schemeClr>
+        </a:buClr>
+        <a:buSzPct val="145000"/>
+        <a:buFont typeface="Arial"/>
         <a:buChar char="•"/>
-        <a:defRPr sz="1799" kern="1200">
+        <a:defRPr sz="1799" kern="1200" cap="none">
           <a:solidFill>
             <a:schemeClr val="tx1"/>
           </a:solidFill>
+          <a:effectLst/>
           <a:latin typeface="+mn-lt"/>
           <a:ea typeface="+mn-ea"/>
           <a:cs typeface="+mn-cs"/>
         </a:defRPr>
       </a:lvl3pPr>
-      <a:lvl4pPr marL="1599720" indent="-228531" algn="l" defTabSz="914126" rtl="0" eaLnBrk="1" latinLnBrk="0" hangingPunct="1">
-        <a:lnSpc>
-          <a:spcPct val="90000"/>
-        </a:lnSpc>
+      <a:lvl4pPr marL="1542587" indent="-171399" algn="l" defTabSz="457063" rtl="0" eaLnBrk="1" latinLnBrk="0" hangingPunct="1">
         <a:spcBef>
-          <a:spcPts val="500"/>
+          <a:spcPct val="20000"/>
         </a:spcBef>
-        <a:buFont typeface="Arial" panose="020B0604020202020204" pitchFamily="34" charset="0"/>
+        <a:spcAft>
+          <a:spcPts val="600"/>
+        </a:spcAft>
+        <a:buClr>
+          <a:schemeClr val="accent1">
+            <a:lumMod val="75000"/>
+          </a:schemeClr>
+        </a:buClr>
+        <a:buSzPct val="145000"/>
+        <a:buFont typeface="Arial"/>
         <a:buChar char="•"/>
-        <a:defRPr sz="1600" kern="1200">
+        <a:defRPr sz="1600" kern="1200" cap="none">
           <a:solidFill>
             <a:schemeClr val="tx1"/>
           </a:solidFill>
+          <a:effectLst/>
           <a:latin typeface="+mn-lt"/>
           <a:ea typeface="+mn-ea"/>
           <a:cs typeface="+mn-cs"/>
         </a:defRPr>
       </a:lvl4pPr>
-      <a:lvl5pPr marL="2056783" indent="-228531" algn="l" defTabSz="914126" rtl="0" eaLnBrk="1" latinLnBrk="0" hangingPunct="1">
-        <a:lnSpc>
-          <a:spcPct val="90000"/>
-        </a:lnSpc>
+      <a:lvl5pPr marL="1999650" indent="-171399" algn="l" defTabSz="457063" rtl="0" eaLnBrk="1" latinLnBrk="0" hangingPunct="1">
         <a:spcBef>
-          <a:spcPts val="500"/>
+          <a:spcPct val="20000"/>
         </a:spcBef>
-        <a:buFont typeface="Arial" panose="020B0604020202020204" pitchFamily="34" charset="0"/>
+        <a:spcAft>
+          <a:spcPts val="600"/>
+        </a:spcAft>
+        <a:buClr>
+          <a:schemeClr val="accent1">
+            <a:lumMod val="75000"/>
+          </a:schemeClr>
+        </a:buClr>
+        <a:buSzPct val="145000"/>
+        <a:buFont typeface="Arial"/>
         <a:buChar char="•"/>
-        <a:defRPr sz="1600" kern="1200">
+        <a:defRPr sz="1400" kern="1200" cap="none">
           <a:solidFill>
             <a:schemeClr val="tx1"/>
           </a:solidFill>
+          <a:effectLst/>
           <a:latin typeface="+mn-lt"/>
           <a:ea typeface="+mn-ea"/>
           <a:cs typeface="+mn-cs"/>
         </a:defRPr>
       </a:lvl5pPr>
-      <a:lvl6pPr marL="2513846" indent="-228531" algn="l" defTabSz="914126" rtl="0" eaLnBrk="1" latinLnBrk="0" hangingPunct="1">
-        <a:lnSpc>
-          <a:spcPct val="90000"/>
-        </a:lnSpc>
+      <a:lvl6pPr marL="2513846" indent="-228531" algn="l" defTabSz="457063" rtl="0" eaLnBrk="1" latinLnBrk="0" hangingPunct="1">
         <a:spcBef>
-          <a:spcPts val="500"/>
+          <a:spcPct val="20000"/>
         </a:spcBef>
-        <a:buFont typeface="Arial" panose="020B0604020202020204" pitchFamily="34" charset="0"/>
+        <a:spcAft>
+          <a:spcPts val="600"/>
+        </a:spcAft>
+        <a:buClr>
+          <a:schemeClr val="accent1">
+            <a:lumMod val="75000"/>
+          </a:schemeClr>
+        </a:buClr>
+        <a:buSzPct val="145000"/>
+        <a:buFont typeface="Arial"/>
         <a:buChar char="•"/>
-        <a:defRPr sz="1600" kern="1200">
+        <a:defRPr sz="1400" kern="1200" cap="none">
           <a:solidFill>
             <a:schemeClr val="tx1"/>
           </a:solidFill>
+          <a:effectLst/>
           <a:latin typeface="+mn-lt"/>
           <a:ea typeface="+mn-ea"/>
           <a:cs typeface="+mn-cs"/>
         </a:defRPr>
       </a:lvl6pPr>
-      <a:lvl7pPr marL="2970908" indent="-228531" algn="l" defTabSz="914126" rtl="0" eaLnBrk="1" latinLnBrk="0" hangingPunct="1">
-        <a:lnSpc>
-          <a:spcPct val="90000"/>
-        </a:lnSpc>
+      <a:lvl7pPr marL="2970908" indent="-228531" algn="l" defTabSz="457063" rtl="0" eaLnBrk="1" latinLnBrk="0" hangingPunct="1">
         <a:spcBef>
-          <a:spcPts val="500"/>
+          <a:spcPct val="20000"/>
         </a:spcBef>
-        <a:buFont typeface="Arial" panose="020B0604020202020204" pitchFamily="34" charset="0"/>
+        <a:spcAft>
+          <a:spcPts val="600"/>
+        </a:spcAft>
+        <a:buClr>
+          <a:schemeClr val="accent1">
+            <a:lumMod val="75000"/>
+          </a:schemeClr>
+        </a:buClr>
+        <a:buSzPct val="145000"/>
+        <a:buFont typeface="Arial"/>
         <a:buChar char="•"/>
-        <a:defRPr sz="1600" kern="1200">
+        <a:defRPr sz="1400" kern="1200" cap="none">
           <a:solidFill>
             <a:schemeClr val="tx1"/>
           </a:solidFill>
+          <a:effectLst/>
           <a:latin typeface="+mn-lt"/>
           <a:ea typeface="+mn-ea"/>
           <a:cs typeface="+mn-cs"/>
         </a:defRPr>
       </a:lvl7pPr>
-      <a:lvl8pPr marL="3427971" indent="-228531" algn="l" defTabSz="914126" rtl="0" eaLnBrk="1" latinLnBrk="0" hangingPunct="1">
-        <a:lnSpc>
-          <a:spcPct val="90000"/>
-        </a:lnSpc>
+      <a:lvl8pPr marL="3427971" indent="-228531" algn="l" defTabSz="457063" rtl="0" eaLnBrk="1" latinLnBrk="0" hangingPunct="1">
         <a:spcBef>
-          <a:spcPts val="500"/>
+          <a:spcPct val="20000"/>
         </a:spcBef>
-        <a:buFont typeface="Arial" panose="020B0604020202020204" pitchFamily="34" charset="0"/>
+        <a:spcAft>
+          <a:spcPts val="600"/>
+        </a:spcAft>
+        <a:buClr>
+          <a:schemeClr val="accent1">
+            <a:lumMod val="75000"/>
+          </a:schemeClr>
+        </a:buClr>
+        <a:buSzPct val="145000"/>
+        <a:buFont typeface="Arial"/>
         <a:buChar char="•"/>
-        <a:defRPr sz="1600" kern="1200">
+        <a:defRPr sz="1400" kern="1200" cap="none">
           <a:solidFill>
             <a:schemeClr val="tx1"/>
           </a:solidFill>
+          <a:effectLst/>
           <a:latin typeface="+mn-lt"/>
           <a:ea typeface="+mn-ea"/>
           <a:cs typeface="+mn-cs"/>
         </a:defRPr>
       </a:lvl8pPr>
-      <a:lvl9pPr marL="3885034" indent="-228531" algn="l" defTabSz="914126" rtl="0" eaLnBrk="1" latinLnBrk="0" hangingPunct="1">
-        <a:lnSpc>
-          <a:spcPct val="90000"/>
-        </a:lnSpc>
+      <a:lvl9pPr marL="3885034" indent="-228531" algn="l" defTabSz="457063" rtl="0" eaLnBrk="1" latinLnBrk="0" hangingPunct="1">
         <a:spcBef>
-          <a:spcPts val="500"/>
+          <a:spcPct val="20000"/>
         </a:spcBef>
-        <a:buFont typeface="Arial" panose="020B0604020202020204" pitchFamily="34" charset="0"/>
+        <a:spcAft>
+          <a:spcPts val="600"/>
+        </a:spcAft>
+        <a:buClr>
+          <a:schemeClr val="accent1">
+            <a:lumMod val="75000"/>
+          </a:schemeClr>
+        </a:buClr>
+        <a:buSzPct val="145000"/>
+        <a:buFont typeface="Arial"/>
         <a:buChar char="•"/>
-        <a:defRPr sz="1600" kern="1200">
+        <a:defRPr sz="1400" kern="1200" cap="none">
           <a:solidFill>
             <a:schemeClr val="tx1"/>
           </a:solidFill>
+          <a:effectLst/>
           <a:latin typeface="+mn-lt"/>
           <a:ea typeface="+mn-ea"/>
           <a:cs typeface="+mn-cs"/>
@@ -6335,7 +6728,7 @@
       <a:defPPr>
         <a:defRPr lang="en-US"/>
       </a:defPPr>
-      <a:lvl1pPr marL="0" algn="l" defTabSz="914126" rtl="0" eaLnBrk="1" latinLnBrk="0" hangingPunct="1">
+      <a:lvl1pPr marL="0" algn="l" defTabSz="457063" rtl="0" eaLnBrk="1" latinLnBrk="0" hangingPunct="1">
         <a:defRPr sz="1799" kern="1200">
           <a:solidFill>
             <a:schemeClr val="tx1"/>
@@ -6345,7 +6738,7 @@
           <a:cs typeface="+mn-cs"/>
         </a:defRPr>
       </a:lvl1pPr>
-      <a:lvl2pPr marL="457063" algn="l" defTabSz="914126" rtl="0" eaLnBrk="1" latinLnBrk="0" hangingPunct="1">
+      <a:lvl2pPr marL="457063" algn="l" defTabSz="457063" rtl="0" eaLnBrk="1" latinLnBrk="0" hangingPunct="1">
         <a:defRPr sz="1799" kern="1200">
           <a:solidFill>
             <a:schemeClr val="tx1"/>
@@ -6355,7 +6748,7 @@
           <a:cs typeface="+mn-cs"/>
         </a:defRPr>
       </a:lvl2pPr>
-      <a:lvl3pPr marL="914126" algn="l" defTabSz="914126" rtl="0" eaLnBrk="1" latinLnBrk="0" hangingPunct="1">
+      <a:lvl3pPr marL="914126" algn="l" defTabSz="457063" rtl="0" eaLnBrk="1" latinLnBrk="0" hangingPunct="1">
         <a:defRPr sz="1799" kern="1200">
           <a:solidFill>
             <a:schemeClr val="tx1"/>
@@ -6365,7 +6758,7 @@
           <a:cs typeface="+mn-cs"/>
         </a:defRPr>
       </a:lvl3pPr>
-      <a:lvl4pPr marL="1371189" algn="l" defTabSz="914126" rtl="0" eaLnBrk="1" latinLnBrk="0" hangingPunct="1">
+      <a:lvl4pPr marL="1371189" algn="l" defTabSz="457063" rtl="0" eaLnBrk="1" latinLnBrk="0" hangingPunct="1">
         <a:defRPr sz="1799" kern="1200">
           <a:solidFill>
             <a:schemeClr val="tx1"/>
@@ -6375,7 +6768,7 @@
           <a:cs typeface="+mn-cs"/>
         </a:defRPr>
       </a:lvl4pPr>
-      <a:lvl5pPr marL="1828251" algn="l" defTabSz="914126" rtl="0" eaLnBrk="1" latinLnBrk="0" hangingPunct="1">
+      <a:lvl5pPr marL="1828251" algn="l" defTabSz="457063" rtl="0" eaLnBrk="1" latinLnBrk="0" hangingPunct="1">
         <a:defRPr sz="1799" kern="1200">
           <a:solidFill>
             <a:schemeClr val="tx1"/>
@@ -6385,7 +6778,7 @@
           <a:cs typeface="+mn-cs"/>
         </a:defRPr>
       </a:lvl5pPr>
-      <a:lvl6pPr marL="2285314" algn="l" defTabSz="914126" rtl="0" eaLnBrk="1" latinLnBrk="0" hangingPunct="1">
+      <a:lvl6pPr marL="2285314" algn="l" defTabSz="457063" rtl="0" eaLnBrk="1" latinLnBrk="0" hangingPunct="1">
         <a:defRPr sz="1799" kern="1200">
           <a:solidFill>
             <a:schemeClr val="tx1"/>
@@ -6395,7 +6788,7 @@
           <a:cs typeface="+mn-cs"/>
         </a:defRPr>
       </a:lvl6pPr>
-      <a:lvl7pPr marL="2742377" algn="l" defTabSz="914126" rtl="0" eaLnBrk="1" latinLnBrk="0" hangingPunct="1">
+      <a:lvl7pPr marL="2742377" algn="l" defTabSz="457063" rtl="0" eaLnBrk="1" latinLnBrk="0" hangingPunct="1">
         <a:defRPr sz="1799" kern="1200">
           <a:solidFill>
             <a:schemeClr val="tx1"/>
@@ -6405,7 +6798,7 @@
           <a:cs typeface="+mn-cs"/>
         </a:defRPr>
       </a:lvl7pPr>
-      <a:lvl8pPr marL="3199440" algn="l" defTabSz="914126" rtl="0" eaLnBrk="1" latinLnBrk="0" hangingPunct="1">
+      <a:lvl8pPr marL="3199440" algn="l" defTabSz="457063" rtl="0" eaLnBrk="1" latinLnBrk="0" hangingPunct="1">
         <a:defRPr sz="1799" kern="1200">
           <a:solidFill>
             <a:schemeClr val="tx1"/>
@@ -6415,7 +6808,7 @@
           <a:cs typeface="+mn-cs"/>
         </a:defRPr>
       </a:lvl8pPr>
-      <a:lvl9pPr marL="3656503" algn="l" defTabSz="914126" rtl="0" eaLnBrk="1" latinLnBrk="0" hangingPunct="1">
+      <a:lvl9pPr marL="3656503" algn="l" defTabSz="457063" rtl="0" eaLnBrk="1" latinLnBrk="0" hangingPunct="1">
         <a:defRPr sz="1799" kern="1200">
           <a:solidFill>
             <a:schemeClr val="tx1"/>
@@ -6429,18 +6822,7 @@
   </p:txStyles>
   <p:extLst>
     <p:ext uri="{27BBF7A9-308A-43DC-89C8-2F10F3537804}">
-      <p15:sldGuideLst xmlns:p15="http://schemas.microsoft.com/office/powerpoint/2012/main">
-        <p15:guide id="1" pos="3839">
-          <p15:clr>
-            <a:srgbClr val="F26B43"/>
-          </p15:clr>
-        </p15:guide>
-        <p15:guide id="2" orient="horz" pos="2160">
-          <p15:clr>
-            <a:srgbClr val="F26B43"/>
-          </p15:clr>
-        </p15:guide>
-      </p15:sldGuideLst>
+      <p15:sldGuideLst xmlns:p15="http://schemas.microsoft.com/office/powerpoint/2012/main"/>
     </p:ext>
   </p:extLst>
 </p:sldMaster>
@@ -6480,7 +6862,7 @@
           <a:p>
             <a:r>
               <a:rPr lang="en-US" dirty="0"/>
-              <a:t>Title Layout</a:t>
+              <a:t>Deepest Learn!</a:t>
             </a:r>
           </a:p>
         </p:txBody>
@@ -6502,8 +6884,21 @@
           <a:p>
             <a:r>
               <a:rPr lang="it-IT" dirty="0"/>
-              <a:t>Subtitle</a:t>
-            </a:r>
+              <a:t>By: Jay Bishop, Jordan Cooper</a:t>
+            </a:r>
+            <a:r>
+              <a:rPr lang="it-IT"/>
+              <a:t>, Brant Chad </a:t>
+            </a:r>
+            <a:r>
+              <a:rPr lang="it-IT" dirty="0"/>
+              <a:t>Dolling, and </a:t>
+            </a:r>
+            <a:r>
+              <a:rPr lang="it-IT"/>
+              <a:t>Kegan McIlwaine</a:t>
+            </a:r>
+            <a:endParaRPr lang="it-IT" dirty="0"/>
           </a:p>
         </p:txBody>
       </p:sp>
@@ -6517,14 +6912,14 @@
   <p:clrMapOvr>
     <a:masterClrMapping/>
   </p:clrMapOvr>
-  <mc:AlternateContent xmlns:mc="http://schemas.openxmlformats.org/markup-compatibility/2006" xmlns:p14="http://schemas.microsoft.com/office/powerpoint/2010/main">
-    <mc:Choice Requires="p14">
-      <p:transition spd="med" p14:dur="700">
-        <p:fade/>
+  <mc:AlternateContent xmlns:mc="http://schemas.openxmlformats.org/markup-compatibility/2006">
+    <mc:Choice xmlns:p15="http://schemas.microsoft.com/office/powerpoint/2012/main" Requires="p15">
+      <p:transition xmlns:p14="http://schemas.microsoft.com/office/powerpoint/2010/main" spd="slow" p14:dur="2000">
+        <p15:prstTrans prst="crush"/>
       </p:transition>
     </mc:Choice>
-    <mc:Fallback xmlns="">
-      <p:transition spd="med">
+    <mc:Fallback>
+      <p:transition spd="slow">
         <p:fade/>
       </p:transition>
     </mc:Fallback>
@@ -6566,7 +6961,7 @@
           <a:p>
             <a:r>
               <a:rPr lang="en-US" dirty="0"/>
-              <a:t>Super Smash Brothers Melee</a:t>
+              <a:t>Super Smash Brothers Melee (SSBM)</a:t>
             </a:r>
           </a:p>
         </p:txBody>
@@ -6586,6 +6981,9 @@
           <a:bodyPr/>
           <a:lstStyle/>
           <a:p>
+            <a:pPr marL="0" indent="0">
+              <a:buNone/>
+            </a:pPr>
             <a:r>
               <a:rPr lang="en-US" dirty="0"/>
               <a:t>Fighting game for the Nintendo </a:t>
@@ -6801,6 +7199,9 @@
           <a:bodyPr/>
           <a:lstStyle/>
           <a:p>
+            <a:pPr marL="0" indent="0">
+              <a:buNone/>
+            </a:pPr>
             <a:r>
               <a:rPr lang="en-US" dirty="0"/>
               <a:t>Machine Learning</a:t>
@@ -6865,7 +7266,10 @@
           <a:bodyPr/>
           <a:lstStyle/>
           <a:p>
-            <a:endParaRPr lang="en-US"/>
+            <a:r>
+              <a:rPr lang="en-US" dirty="0"/>
+              <a:t>Reinforcement Learning</a:t>
+            </a:r>
           </a:p>
         </p:txBody>
       </p:sp>
@@ -6945,7 +7349,15 @@
           <a:bodyPr/>
           <a:lstStyle/>
           <a:p>
-            <a:endParaRPr lang="en-US"/>
+            <a:r>
+              <a:rPr lang="en-US" dirty="0"/>
+              <a:t>Asynchronous Advantage </a:t>
+            </a:r>
+            <a:r>
+              <a:rPr lang="en-US"/>
+              <a:t>Actor Critic (A3C)</a:t>
+            </a:r>
+            <a:endParaRPr lang="en-US" dirty="0"/>
           </a:p>
         </p:txBody>
       </p:sp>
@@ -6972,6 +7384,89 @@
     <p:extLst>
       <p:ext uri="{BB962C8B-B14F-4D97-AF65-F5344CB8AC3E}">
         <p14:creationId xmlns:p14="http://schemas.microsoft.com/office/powerpoint/2010/main" val="229318570"/>
+      </p:ext>
+    </p:extLst>
+  </p:cSld>
+  <p:clrMapOvr>
+    <a:masterClrMapping/>
+  </p:clrMapOvr>
+  <mc:AlternateContent xmlns:mc="http://schemas.openxmlformats.org/markup-compatibility/2006" xmlns:p14="http://schemas.microsoft.com/office/powerpoint/2010/main">
+    <mc:Choice Requires="p14">
+      <p:transition spd="med" p14:dur="700">
+        <p:fade/>
+      </p:transition>
+    </mc:Choice>
+    <mc:Fallback xmlns="">
+      <p:transition spd="med">
+        <p:fade/>
+      </p:transition>
+    </mc:Fallback>
+  </mc:AlternateContent>
+</p:sld>
+</file>
+
+<file path=ppt/slides/slide7.xml><?xml version="1.0" encoding="utf-8"?>
+<p:sld xmlns:a="http://schemas.openxmlformats.org/drawingml/2006/main" xmlns:r="http://schemas.openxmlformats.org/officeDocument/2006/relationships" xmlns:p="http://schemas.openxmlformats.org/presentationml/2006/main">
+  <p:cSld>
+    <p:spTree>
+      <p:nvGrpSpPr>
+        <p:cNvPr id="1" name=""/>
+        <p:cNvGrpSpPr/>
+        <p:nvPr/>
+      </p:nvGrpSpPr>
+      <p:grpSpPr>
+        <a:xfrm>
+          <a:off x="0" y="0"/>
+          <a:ext cx="0" cy="0"/>
+          <a:chOff x="0" y="0"/>
+          <a:chExt cx="0" cy="0"/>
+        </a:xfrm>
+      </p:grpSpPr>
+      <p:sp>
+        <p:nvSpPr>
+          <p:cNvPr id="2" name="Title 1"/>
+          <p:cNvSpPr>
+            <a:spLocks noGrp="1"/>
+          </p:cNvSpPr>
+          <p:nvPr>
+            <p:ph type="title"/>
+          </p:nvPr>
+        </p:nvSpPr>
+        <p:spPr/>
+        <p:txBody>
+          <a:bodyPr/>
+          <a:lstStyle/>
+          <a:p>
+            <a:r>
+              <a:rPr lang="en-US" dirty="0"/>
+              <a:t>Reward System</a:t>
+            </a:r>
+          </a:p>
+        </p:txBody>
+      </p:sp>
+      <p:sp>
+        <p:nvSpPr>
+          <p:cNvPr id="3" name="Content Placeholder 2"/>
+          <p:cNvSpPr>
+            <a:spLocks noGrp="1"/>
+          </p:cNvSpPr>
+          <p:nvPr>
+            <p:ph idx="1"/>
+          </p:nvPr>
+        </p:nvSpPr>
+        <p:spPr/>
+        <p:txBody>
+          <a:bodyPr/>
+          <a:lstStyle/>
+          <a:p>
+            <a:endParaRPr lang="en-US"/>
+          </a:p>
+        </p:txBody>
+      </p:sp>
+    </p:spTree>
+    <p:extLst>
+      <p:ext uri="{BB962C8B-B14F-4D97-AF65-F5344CB8AC3E}">
+        <p14:creationId xmlns:p14="http://schemas.microsoft.com/office/powerpoint/2010/main" val="198296853"/>
       </p:ext>
     </p:extLst>
   </p:cSld>
@@ -7000,9 +7495,9 @@
 </file>
 
 <file path=ppt/theme/theme1.xml><?xml version="1.0" encoding="utf-8"?>
-<a:theme xmlns:a="http://schemas.openxmlformats.org/drawingml/2006/main" name="Vapor Trail">
+<a:theme xmlns:a="http://schemas.openxmlformats.org/drawingml/2006/main" name="Parallax">
   <a:themeElements>
-    <a:clrScheme name="Vapor Trail">
+    <a:clrScheme name="Parallax">
       <a:dk1>
         <a:sysClr val="windowText" lastClr="000000"/>
       </a:dk1>
@@ -7010,52 +7505,52 @@
         <a:sysClr val="window" lastClr="FFFFFF"/>
       </a:lt1>
       <a:dk2>
-        <a:srgbClr val="454545"/>
+        <a:srgbClr val="212121"/>
       </a:dk2>
       <a:lt2>
-        <a:srgbClr val="DADADA"/>
+        <a:srgbClr val="CDD0D1"/>
       </a:lt2>
       <a:accent1>
-        <a:srgbClr val="DF2E28"/>
+        <a:srgbClr val="30ACEC"/>
       </a:accent1>
       <a:accent2>
-        <a:srgbClr val="FE801A"/>
+        <a:srgbClr val="80C34F"/>
       </a:accent2>
       <a:accent3>
-        <a:srgbClr val="E9BF35"/>
+        <a:srgbClr val="E29D3E"/>
       </a:accent3>
       <a:accent4>
-        <a:srgbClr val="81BB42"/>
+        <a:srgbClr val="D64A3B"/>
       </a:accent4>
       <a:accent5>
-        <a:srgbClr val="32C7A9"/>
+        <a:srgbClr val="D64787"/>
       </a:accent5>
       <a:accent6>
-        <a:srgbClr val="4A9BDC"/>
+        <a:srgbClr val="A666E1"/>
       </a:accent6>
       <a:hlink>
-        <a:srgbClr val="F0532B"/>
+        <a:srgbClr val="3085ED"/>
       </a:hlink>
       <a:folHlink>
-        <a:srgbClr val="F38B53"/>
+        <a:srgbClr val="82B6F4"/>
       </a:folHlink>
     </a:clrScheme>
-    <a:fontScheme name="Vapor Trail">
+    <a:fontScheme name="Parallax">
       <a:majorFont>
-        <a:latin typeface="Century Gothic" panose="020B0502020202020204"/>
+        <a:latin typeface="Corbel" panose="020B0503020204020204"/>
         <a:ea typeface=""/>
         <a:cs typeface=""/>
-        <a:font script="Jpan" typeface="ＭＳ Ｐゴシック"/>
-        <a:font script="Hang" typeface="맑은 고딕"/>
-        <a:font script="Hans" typeface="宋体"/>
+        <a:font script="Jpan" typeface="HGｺﾞｼｯｸM"/>
+        <a:font script="Hang" typeface="HY엽서L"/>
+        <a:font script="Hans" typeface="华文楷体"/>
         <a:font script="Hant" typeface="新細明體"/>
-        <a:font script="Arab" typeface="Times New Roman"/>
-        <a:font script="Hebr" typeface="Times New Roman"/>
-        <a:font script="Thai" typeface="Angsana New"/>
+        <a:font script="Arab" typeface="Tahoma"/>
+        <a:font script="Hebr" typeface="Miriam"/>
+        <a:font script="Thai" typeface="DilleniaUPC"/>
         <a:font script="Ethi" typeface="Nyala"/>
         <a:font script="Beng" typeface="Vrinda"/>
         <a:font script="Gujr" typeface="Shruti"/>
-        <a:font script="Khmr" typeface="MoolBoran"/>
+        <a:font script="Khmr" typeface="DaunPenh"/>
         <a:font script="Knda" typeface="Tunga"/>
         <a:font script="Guru" typeface="Raavi"/>
         <a:font script="Cans" typeface="Euphemia"/>
@@ -7072,21 +7567,21 @@
         <a:font script="Laoo" typeface="DokChampa"/>
         <a:font script="Sinh" typeface="Iskoola Pota"/>
         <a:font script="Mong" typeface="Mongolian Baiti"/>
-        <a:font script="Viet" typeface="Times New Roman"/>
+        <a:font script="Viet" typeface="Arial"/>
         <a:font script="Uigh" typeface="Microsoft Uighur"/>
         <a:font script="Geor" typeface="Sylfaen"/>
       </a:majorFont>
       <a:minorFont>
-        <a:latin typeface="Century Gothic" panose="020B0502020202020204"/>
+        <a:latin typeface="Corbel" panose="020B0503020204020204"/>
         <a:ea typeface=""/>
         <a:cs typeface=""/>
-        <a:font script="Jpan" typeface="ＭＳ Ｐゴシック"/>
-        <a:font script="Hang" typeface="맑은 고딕"/>
-        <a:font script="Hans" typeface="宋体"/>
+        <a:font script="Jpan" typeface="HGｺﾞｼｯｸM"/>
+        <a:font script="Hang" typeface="HY엽서L"/>
+        <a:font script="Hans" typeface="华文楷体"/>
         <a:font script="Hant" typeface="新細明體"/>
-        <a:font script="Arab" typeface="Arial"/>
-        <a:font script="Hebr" typeface="Arial"/>
-        <a:font script="Thai" typeface="Cordia New"/>
+        <a:font script="Arab" typeface="Tahoma"/>
+        <a:font script="Hebr" typeface="Miriam"/>
+        <a:font script="Thai" typeface="DilleniaUPC"/>
         <a:font script="Ethi" typeface="Nyala"/>
         <a:font script="Beng" typeface="Vrinda"/>
         <a:font script="Gujr" typeface="Shruti"/>
@@ -7112,7 +7607,7 @@
         <a:font script="Geor" typeface="Sylfaen"/>
       </a:minorFont>
     </a:fontScheme>
-    <a:fmtScheme name="Vapor Trail">
+    <a:fmtScheme name="Parallax">
       <a:fillStyleLst>
         <a:solidFill>
           <a:schemeClr val="phClr"/>
@@ -7121,24 +7616,13 @@
           <a:gsLst>
             <a:gs pos="0">
               <a:schemeClr val="phClr">
-                <a:tint val="69000"/>
-                <a:alpha val="100000"/>
-                <a:satMod val="109000"/>
-                <a:lumMod val="110000"/>
-              </a:schemeClr>
-            </a:gs>
-            <a:gs pos="52000">
-              <a:schemeClr val="phClr">
-                <a:tint val="74000"/>
-                <a:satMod val="100000"/>
+                <a:tint val="60000"/>
                 <a:lumMod val="104000"/>
               </a:schemeClr>
             </a:gs>
             <a:gs pos="100000">
               <a:schemeClr val="phClr">
-                <a:tint val="78000"/>
-                <a:satMod val="100000"/>
-                <a:lumMod val="100000"/>
+                <a:tint val="84000"/>
               </a:schemeClr>
             </a:gs>
           </a:gsLst>
@@ -7149,35 +7633,37 @@
             <a:gs pos="0">
               <a:schemeClr val="phClr">
                 <a:tint val="96000"/>
-                <a:satMod val="100000"/>
-                <a:lumMod val="104000"/>
+                <a:lumMod val="102000"/>
               </a:schemeClr>
             </a:gs>
-            <a:gs pos="78000">
+            <a:gs pos="100000">
               <a:schemeClr val="phClr">
-                <a:shade val="100000"/>
-                <a:satMod val="110000"/>
-                <a:lumMod val="100000"/>
+                <a:shade val="88000"/>
+                <a:lumMod val="94000"/>
               </a:schemeClr>
             </a:gs>
           </a:gsLst>
-          <a:lin ang="5400000" scaled="0"/>
+          <a:path path="circle">
+            <a:fillToRect l="50000" t="100000" r="100000" b="50000"/>
+          </a:path>
         </a:gradFill>
       </a:fillStyleLst>
       <a:lnStyleLst>
-        <a:ln w="9525" cap="flat" cmpd="sng" algn="ctr">
+        <a:ln w="9525" cap="rnd" cmpd="sng" algn="ctr">
+          <a:solidFill>
+            <a:schemeClr val="phClr">
+              <a:tint val="60000"/>
+            </a:schemeClr>
+          </a:solidFill>
+          <a:prstDash val="solid"/>
+        </a:ln>
+        <a:ln w="15875" cap="rnd" cmpd="sng" algn="ctr">
           <a:solidFill>
             <a:schemeClr val="phClr"/>
           </a:solidFill>
           <a:prstDash val="solid"/>
         </a:ln>
-        <a:ln w="12700" cap="flat" cmpd="sng" algn="ctr">
-          <a:solidFill>
-            <a:schemeClr val="phClr"/>
-          </a:solidFill>
-          <a:prstDash val="solid"/>
-        </a:ln>
-        <a:ln w="19050" cap="flat" cmpd="sng" algn="ctr">
+        <a:ln w="22225" cap="rnd" cmpd="sng" algn="ctr">
           <a:solidFill>
             <a:schemeClr val="phClr"/>
           </a:solidFill>
@@ -7189,22 +7675,15 @@
           <a:effectLst/>
         </a:effectStyle>
         <a:effectStyle>
-          <a:effectLst/>
-          <a:scene3d>
-            <a:camera prst="orthographicFront">
-              <a:rot lat="0" lon="0" rev="0"/>
-            </a:camera>
-            <a:lightRig rig="threePt" dir="t"/>
-          </a:scene3d>
-          <a:sp3d>
-            <a:bevelT w="25400" h="12700"/>
-          </a:sp3d>
+          <a:effectLst>
+            <a:reflection blurRad="12700" stA="26000" endPos="32000" dist="12700" dir="5400000" sy="-100000" rotWithShape="0"/>
+          </a:effectLst>
         </a:effectStyle>
         <a:effectStyle>
           <a:effectLst>
-            <a:outerShdw blurRad="57150" dist="19050" dir="5400000" algn="ctr" rotWithShape="0">
+            <a:outerShdw blurRad="38100" dist="25400" dir="5400000" rotWithShape="0">
               <a:srgbClr val="000000">
-                <a:alpha val="48000"/>
+                <a:alpha val="64000"/>
               </a:srgbClr>
             </a:outerShdw>
           </a:effectLst>
@@ -7212,10 +7691,12 @@
             <a:camera prst="orthographicFront">
               <a:rot lat="0" lon="0" rev="0"/>
             </a:camera>
-            <a:lightRig rig="threePt" dir="t"/>
+            <a:lightRig rig="threePt" dir="tl">
+              <a:rot lat="0" lon="0" rev="1200000"/>
+            </a:lightRig>
           </a:scene3d>
           <a:sp3d>
-            <a:bevelT w="50800" h="25400"/>
+            <a:bevelT w="25400" h="12700"/>
           </a:sp3d>
         </a:effectStyle>
       </a:effectStyleLst>
@@ -7223,39 +7704,39 @@
         <a:solidFill>
           <a:schemeClr val="phClr"/>
         </a:solidFill>
-        <a:solidFill>
-          <a:schemeClr val="phClr">
-            <a:tint val="95000"/>
-            <a:satMod val="170000"/>
-          </a:schemeClr>
-        </a:solidFill>
         <a:gradFill rotWithShape="1">
           <a:gsLst>
             <a:gs pos="0">
               <a:schemeClr val="phClr">
-                <a:tint val="93000"/>
-                <a:shade val="98000"/>
-                <a:satMod val="150000"/>
-                <a:lumMod val="102000"/>
-              </a:schemeClr>
-            </a:gs>
-            <a:gs pos="50000">
-              <a:schemeClr val="phClr">
-                <a:tint val="98000"/>
-                <a:shade val="90000"/>
-                <a:satMod val="130000"/>
-                <a:lumMod val="103000"/>
+                <a:tint val="90000"/>
+                <a:lumMod val="110000"/>
               </a:schemeClr>
             </a:gs>
             <a:gs pos="100000">
               <a:schemeClr val="phClr">
-                <a:shade val="63000"/>
-                <a:satMod val="120000"/>
+                <a:shade val="64000"/>
+                <a:lumMod val="98000"/>
               </a:schemeClr>
             </a:gs>
           </a:gsLst>
           <a:lin ang="5400000" scaled="0"/>
         </a:gradFill>
+        <a:blipFill rotWithShape="1">
+          <a:blip xmlns:r="http://schemas.openxmlformats.org/officeDocument/2006/relationships" r:embed="rId1">
+            <a:duotone>
+              <a:schemeClr val="phClr">
+                <a:shade val="76000"/>
+                <a:satMod val="180000"/>
+              </a:schemeClr>
+              <a:schemeClr val="phClr">
+                <a:tint val="80000"/>
+                <a:satMod val="120000"/>
+                <a:lumMod val="180000"/>
+              </a:schemeClr>
+            </a:duotone>
+          </a:blip>
+          <a:stretch/>
+        </a:blipFill>
       </a:bgFillStyleLst>
     </a:fmtScheme>
   </a:themeElements>
@@ -7263,7 +7744,7 @@
   <a:extraClrSchemeLst/>
   <a:extLst>
     <a:ext uri="{05A4C25C-085E-4340-85A3-A5531E510DB2}">
-      <thm15:themeFamily xmlns:thm15="http://schemas.microsoft.com/office/thememl/2012/main" name="Vapor Trail" id="{4FDF2955-7D9C-493C-B9F9-C205151B46CD}" vid="{8F31A783-2159-4870-BC29-2BA7D038EA44}"/>
+      <thm15:themeFamily xmlns:thm15="http://schemas.microsoft.com/office/thememl/2012/main" name="Parallax" id="{3388167B-A2EB-4685-9635-1831D9AEF8C4}" vid="{4F7A876A-7598-49CA-AFC8-8EDA2551E4A7}"/>
     </a:ext>
   </a:extLst>
 </a:theme>
@@ -7782,142 +8263,6 @@
 </file>
 
 <file path=customXml/item1.xml><?xml version="1.0" encoding="utf-8"?>
-<?mso-contentType ?>
-<FormTemplates xmlns="http://schemas.microsoft.com/sharepoint/v3/contenttype/forms">
-  <Display>DocumentLibraryForm</Display>
-  <Edit>AssetEditForm</Edit>
-  <New>DocumentLibraryForm</New>
-</FormTemplates>
-</file>
-
-<file path=customXml/item2.xml><?xml version="1.0" encoding="utf-8"?>
-<p:properties xmlns:p="http://schemas.microsoft.com/office/2006/metadata/properties" xmlns:xsi="http://www.w3.org/2001/XMLSchema-instance" xmlns:pc="http://schemas.microsoft.com/office/infopath/2007/PartnerControls">
-  <documentManagement>
-    <DirectSourceMarket xmlns="4873beb7-5857-4685-be1f-d57550cc96cc" xsi:nil="true"/>
-    <ApprovalStatus xmlns="4873beb7-5857-4685-be1f-d57550cc96cc">InProgress</ApprovalStatus>
-    <MarketSpecific xmlns="4873beb7-5857-4685-be1f-d57550cc96cc">false</MarketSpecific>
-    <LocComments xmlns="4873beb7-5857-4685-be1f-d57550cc96cc" xsi:nil="true"/>
-    <ThumbnailAssetId xmlns="4873beb7-5857-4685-be1f-d57550cc96cc" xsi:nil="true"/>
-    <PrimaryImageGen xmlns="4873beb7-5857-4685-be1f-d57550cc96cc">true</PrimaryImageGen>
-    <LegacyData xmlns="4873beb7-5857-4685-be1f-d57550cc96cc" xsi:nil="true"/>
-    <LocRecommendedHandoff xmlns="4873beb7-5857-4685-be1f-d57550cc96cc" xsi:nil="true"/>
-    <BusinessGroup xmlns="4873beb7-5857-4685-be1f-d57550cc96cc" xsi:nil="true"/>
-    <BlockPublish xmlns="4873beb7-5857-4685-be1f-d57550cc96cc">false</BlockPublish>
-    <TPFriendlyName xmlns="4873beb7-5857-4685-be1f-d57550cc96cc" xsi:nil="true"/>
-    <NumericId xmlns="4873beb7-5857-4685-be1f-d57550cc96cc" xsi:nil="true"/>
-    <APEditor xmlns="4873beb7-5857-4685-be1f-d57550cc96cc">
-      <UserInfo>
-        <DisplayName/>
-        <AccountId xsi:nil="true"/>
-        <AccountType/>
-      </UserInfo>
-    </APEditor>
-    <SourceTitle xmlns="4873beb7-5857-4685-be1f-d57550cc96cc" xsi:nil="true"/>
-    <OpenTemplate xmlns="4873beb7-5857-4685-be1f-d57550cc96cc">true</OpenTemplate>
-    <UALocComments xmlns="4873beb7-5857-4685-be1f-d57550cc96cc" xsi:nil="true"/>
-    <ParentAssetId xmlns="4873beb7-5857-4685-be1f-d57550cc96cc" xsi:nil="true"/>
-    <IntlLangReviewDate xmlns="4873beb7-5857-4685-be1f-d57550cc96cc" xsi:nil="true"/>
-    <FeatureTagsTaxHTField0 xmlns="4873beb7-5857-4685-be1f-d57550cc96cc">
-      <Terms xmlns="http://schemas.microsoft.com/office/infopath/2007/PartnerControls"/>
-    </FeatureTagsTaxHTField0>
-    <PublishStatusLookup xmlns="4873beb7-5857-4685-be1f-d57550cc96cc">
-      <Value>1564227</Value>
-    </PublishStatusLookup>
-    <Providers xmlns="4873beb7-5857-4685-be1f-d57550cc96cc" xsi:nil="true"/>
-    <MachineTranslated xmlns="4873beb7-5857-4685-be1f-d57550cc96cc">false</MachineTranslated>
-    <OriginalSourceMarket xmlns="4873beb7-5857-4685-be1f-d57550cc96cc" xsi:nil="true"/>
-    <APDescription xmlns="4873beb7-5857-4685-be1f-d57550cc96cc">Take your audience through a digital tunnel where they'll  burst through to the other side and see the information you want to present. Show them lists, charts, tables, SmartArt,  and pictures using a variety of layouts in widescreen (16X9) format. This design works well for subjects on science and technology, computers, communication, and more.   
-</APDescription>
-    <ClipArtFilename xmlns="4873beb7-5857-4685-be1f-d57550cc96cc" xsi:nil="true"/>
-    <ContentItem xmlns="4873beb7-5857-4685-be1f-d57550cc96cc" xsi:nil="true"/>
-    <TPInstallLocation xmlns="4873beb7-5857-4685-be1f-d57550cc96cc" xsi:nil="true"/>
-    <PublishTargets xmlns="4873beb7-5857-4685-be1f-d57550cc96cc">OfficeOnlineVNext</PublishTargets>
-    <TimesCloned xmlns="4873beb7-5857-4685-be1f-d57550cc96cc" xsi:nil="true"/>
-    <AssetStart xmlns="4873beb7-5857-4685-be1f-d57550cc96cc">2012-05-11T02:04:00+00:00</AssetStart>
-    <Provider xmlns="4873beb7-5857-4685-be1f-d57550cc96cc" xsi:nil="true"/>
-    <AcquiredFrom xmlns="4873beb7-5857-4685-be1f-d57550cc96cc">Internal MS</AcquiredFrom>
-    <FriendlyTitle xmlns="4873beb7-5857-4685-be1f-d57550cc96cc" xsi:nil="true"/>
-    <LastHandOff xmlns="4873beb7-5857-4685-be1f-d57550cc96cc" xsi:nil="true"/>
-    <TPClientViewer xmlns="4873beb7-5857-4685-be1f-d57550cc96cc" xsi:nil="true"/>
-    <UACurrentWords xmlns="4873beb7-5857-4685-be1f-d57550cc96cc" xsi:nil="true"/>
-    <ArtSampleDocs xmlns="4873beb7-5857-4685-be1f-d57550cc96cc" xsi:nil="true"/>
-    <UALocRecommendation xmlns="4873beb7-5857-4685-be1f-d57550cc96cc">Localize</UALocRecommendation>
-    <Manager xmlns="4873beb7-5857-4685-be1f-d57550cc96cc" xsi:nil="true"/>
-    <ShowIn xmlns="4873beb7-5857-4685-be1f-d57550cc96cc">Show everywhere</ShowIn>
-    <UANotes xmlns="4873beb7-5857-4685-be1f-d57550cc96cc" xsi:nil="true"/>
-    <TemplateStatus xmlns="4873beb7-5857-4685-be1f-d57550cc96cc">Complete</TemplateStatus>
-    <InternalTagsTaxHTField0 xmlns="4873beb7-5857-4685-be1f-d57550cc96cc">
-      <Terms xmlns="http://schemas.microsoft.com/office/infopath/2007/PartnerControls"/>
-    </InternalTagsTaxHTField0>
-    <CSXHash xmlns="4873beb7-5857-4685-be1f-d57550cc96cc" xsi:nil="true"/>
-    <Downloads xmlns="4873beb7-5857-4685-be1f-d57550cc96cc">0</Downloads>
-    <VoteCount xmlns="4873beb7-5857-4685-be1f-d57550cc96cc" xsi:nil="true"/>
-    <OOCacheId xmlns="4873beb7-5857-4685-be1f-d57550cc96cc" xsi:nil="true"/>
-    <IsDeleted xmlns="4873beb7-5857-4685-be1f-d57550cc96cc">false</IsDeleted>
-    <AssetExpire xmlns="4873beb7-5857-4685-be1f-d57550cc96cc">2029-01-01T08:00:00+00:00</AssetExpire>
-    <DSATActionTaken xmlns="4873beb7-5857-4685-be1f-d57550cc96cc" xsi:nil="true"/>
-    <CSXSubmissionMarket xmlns="4873beb7-5857-4685-be1f-d57550cc96cc" xsi:nil="true"/>
-    <TPExecutable xmlns="4873beb7-5857-4685-be1f-d57550cc96cc" xsi:nil="true"/>
-    <SubmitterId xmlns="4873beb7-5857-4685-be1f-d57550cc96cc" xsi:nil="true"/>
-    <EditorialTags xmlns="4873beb7-5857-4685-be1f-d57550cc96cc" xsi:nil="true"/>
-    <ApprovalLog xmlns="4873beb7-5857-4685-be1f-d57550cc96cc" xsi:nil="true"/>
-    <AssetType xmlns="4873beb7-5857-4685-be1f-d57550cc96cc">TP</AssetType>
-    <BugNumber xmlns="4873beb7-5857-4685-be1f-d57550cc96cc" xsi:nil="true"/>
-    <CSXSubmissionDate xmlns="4873beb7-5857-4685-be1f-d57550cc96cc" xsi:nil="true"/>
-    <CSXUpdate xmlns="4873beb7-5857-4685-be1f-d57550cc96cc">false</CSXUpdate>
-    <Milestone xmlns="4873beb7-5857-4685-be1f-d57550cc96cc" xsi:nil="true"/>
-    <RecommendationsModifier xmlns="4873beb7-5857-4685-be1f-d57550cc96cc" xsi:nil="true"/>
-    <OriginAsset xmlns="4873beb7-5857-4685-be1f-d57550cc96cc" xsi:nil="true"/>
-    <TPComponent xmlns="4873beb7-5857-4685-be1f-d57550cc96cc" xsi:nil="true"/>
-    <AssetId xmlns="4873beb7-5857-4685-be1f-d57550cc96cc">TP102895246</AssetId>
-    <IntlLocPriority xmlns="4873beb7-5857-4685-be1f-d57550cc96cc" xsi:nil="true"/>
-    <PolicheckWords xmlns="4873beb7-5857-4685-be1f-d57550cc96cc" xsi:nil="true"/>
-    <TPLaunchHelpLink xmlns="4873beb7-5857-4685-be1f-d57550cc96cc" xsi:nil="true"/>
-    <TPApplication xmlns="4873beb7-5857-4685-be1f-d57550cc96cc" xsi:nil="true"/>
-    <CrawlForDependencies xmlns="4873beb7-5857-4685-be1f-d57550cc96cc">false</CrawlForDependencies>
-    <HandoffToMSDN xmlns="4873beb7-5857-4685-be1f-d57550cc96cc" xsi:nil="true"/>
-    <PlannedPubDate xmlns="4873beb7-5857-4685-be1f-d57550cc96cc" xsi:nil="true"/>
-    <IntlLangReviewer xmlns="4873beb7-5857-4685-be1f-d57550cc96cc" xsi:nil="true"/>
-    <TrustLevel xmlns="4873beb7-5857-4685-be1f-d57550cc96cc">1 Microsoft Managed Content</TrustLevel>
-    <LocLastLocAttemptVersionLookup xmlns="4873beb7-5857-4685-be1f-d57550cc96cc">835483</LocLastLocAttemptVersionLookup>
-    <IsSearchable xmlns="4873beb7-5857-4685-be1f-d57550cc96cc">true</IsSearchable>
-    <TemplateTemplateType xmlns="4873beb7-5857-4685-be1f-d57550cc96cc">PowerPoint Presentation Template</TemplateTemplateType>
-    <CampaignTagsTaxHTField0 xmlns="4873beb7-5857-4685-be1f-d57550cc96cc">
-      <Terms xmlns="http://schemas.microsoft.com/office/infopath/2007/PartnerControls"/>
-    </CampaignTagsTaxHTField0>
-    <TPNamespace xmlns="4873beb7-5857-4685-be1f-d57550cc96cc" xsi:nil="true"/>
-    <TaxCatchAll xmlns="4873beb7-5857-4685-be1f-d57550cc96cc"/>
-    <Markets xmlns="4873beb7-5857-4685-be1f-d57550cc96cc"/>
-    <UAProjectedTotalWords xmlns="4873beb7-5857-4685-be1f-d57550cc96cc" xsi:nil="true"/>
-    <IntlLangReview xmlns="4873beb7-5857-4685-be1f-d57550cc96cc">false</IntlLangReview>
-    <OutputCachingOn xmlns="4873beb7-5857-4685-be1f-d57550cc96cc">false</OutputCachingOn>
-    <AverageRating xmlns="4873beb7-5857-4685-be1f-d57550cc96cc" xsi:nil="true"/>
-    <APAuthor xmlns="4873beb7-5857-4685-be1f-d57550cc96cc">
-      <UserInfo>
-        <DisplayName>REDMOND\v-vaddu</DisplayName>
-        <AccountId>2567</AccountId>
-        <AccountType/>
-      </UserInfo>
-    </APAuthor>
-    <LocManualTestRequired xmlns="4873beb7-5857-4685-be1f-d57550cc96cc">false</LocManualTestRequired>
-    <TPCommandLine xmlns="4873beb7-5857-4685-be1f-d57550cc96cc" xsi:nil="true"/>
-    <TPAppVersion xmlns="4873beb7-5857-4685-be1f-d57550cc96cc" xsi:nil="true"/>
-    <EditorialStatus xmlns="4873beb7-5857-4685-be1f-d57550cc96cc">Complete</EditorialStatus>
-    <LastModifiedDateTime xmlns="4873beb7-5857-4685-be1f-d57550cc96cc" xsi:nil="true"/>
-    <ScenarioTagsTaxHTField0 xmlns="4873beb7-5857-4685-be1f-d57550cc96cc">
-      <Terms xmlns="http://schemas.microsoft.com/office/infopath/2007/PartnerControls"/>
-    </ScenarioTagsTaxHTField0>
-    <OriginalRelease xmlns="4873beb7-5857-4685-be1f-d57550cc96cc">15</OriginalRelease>
-    <TPLaunchHelpLinkType xmlns="4873beb7-5857-4685-be1f-d57550cc96cc">Template</TPLaunchHelpLinkType>
-    <LocalizationTagsTaxHTField0 xmlns="4873beb7-5857-4685-be1f-d57550cc96cc">
-      <Terms xmlns="http://schemas.microsoft.com/office/infopath/2007/PartnerControls"/>
-    </LocalizationTagsTaxHTField0>
-    <LocMarketGroupTiers2 xmlns="4873beb7-5857-4685-be1f-d57550cc96cc" xsi:nil="true"/>
-  </documentManagement>
-</p:properties>
-</file>
-
-<file path=customXml/item3.xml><?xml version="1.0" encoding="utf-8"?>
 <ct:contentTypeSchema xmlns:ct="http://schemas.microsoft.com/office/2006/metadata/contentType" xmlns:ma="http://schemas.microsoft.com/office/2006/metadata/properties/metaAttributes" ct:_="" ma:_="" ma:contentTypeName="TemplateFile" ma:contentTypeID="0x0101006EDDDB5EE6D98C44930B742096920B300400F5B6D36B3EF94B4E9A635CDF2A18F5B8" ma:contentTypeVersion="72" ma:contentTypeDescription="Create a new document." ma:contentTypeScope="" ma:versionID="a23e56308344d904b51738559c3d67c9">
   <xsd:schema xmlns:xsd="http://www.w3.org/2001/XMLSchema" xmlns:xs="http://www.w3.org/2001/XMLSchema" xmlns:p="http://schemas.microsoft.com/office/2006/metadata/properties" xmlns:ns2="4873beb7-5857-4685-be1f-d57550cc96cc" targetNamespace="http://schemas.microsoft.com/office/2006/metadata/properties" ma:root="true" ma:fieldsID="cd0908cc4600e77bf5da051303e00c8d" ns2:_="">
     <xsd:import namespace="4873beb7-5857-4685-be1f-d57550cc96cc"/>
@@ -8957,10 +9302,156 @@
 </ct:contentTypeSchema>
 </file>
 
+<file path=customXml/item2.xml><?xml version="1.0" encoding="utf-8"?>
+<p:properties xmlns:p="http://schemas.microsoft.com/office/2006/metadata/properties" xmlns:xsi="http://www.w3.org/2001/XMLSchema-instance" xmlns:pc="http://schemas.microsoft.com/office/infopath/2007/PartnerControls">
+  <documentManagement>
+    <DirectSourceMarket xmlns="4873beb7-5857-4685-be1f-d57550cc96cc" xsi:nil="true"/>
+    <ApprovalStatus xmlns="4873beb7-5857-4685-be1f-d57550cc96cc">InProgress</ApprovalStatus>
+    <MarketSpecific xmlns="4873beb7-5857-4685-be1f-d57550cc96cc">false</MarketSpecific>
+    <LocComments xmlns="4873beb7-5857-4685-be1f-d57550cc96cc" xsi:nil="true"/>
+    <ThumbnailAssetId xmlns="4873beb7-5857-4685-be1f-d57550cc96cc" xsi:nil="true"/>
+    <PrimaryImageGen xmlns="4873beb7-5857-4685-be1f-d57550cc96cc">true</PrimaryImageGen>
+    <LegacyData xmlns="4873beb7-5857-4685-be1f-d57550cc96cc" xsi:nil="true"/>
+    <LocRecommendedHandoff xmlns="4873beb7-5857-4685-be1f-d57550cc96cc" xsi:nil="true"/>
+    <BusinessGroup xmlns="4873beb7-5857-4685-be1f-d57550cc96cc" xsi:nil="true"/>
+    <BlockPublish xmlns="4873beb7-5857-4685-be1f-d57550cc96cc">false</BlockPublish>
+    <TPFriendlyName xmlns="4873beb7-5857-4685-be1f-d57550cc96cc" xsi:nil="true"/>
+    <NumericId xmlns="4873beb7-5857-4685-be1f-d57550cc96cc" xsi:nil="true"/>
+    <APEditor xmlns="4873beb7-5857-4685-be1f-d57550cc96cc">
+      <UserInfo>
+        <DisplayName/>
+        <AccountId xsi:nil="true"/>
+        <AccountType/>
+      </UserInfo>
+    </APEditor>
+    <SourceTitle xmlns="4873beb7-5857-4685-be1f-d57550cc96cc" xsi:nil="true"/>
+    <OpenTemplate xmlns="4873beb7-5857-4685-be1f-d57550cc96cc">true</OpenTemplate>
+    <UALocComments xmlns="4873beb7-5857-4685-be1f-d57550cc96cc" xsi:nil="true"/>
+    <ParentAssetId xmlns="4873beb7-5857-4685-be1f-d57550cc96cc" xsi:nil="true"/>
+    <IntlLangReviewDate xmlns="4873beb7-5857-4685-be1f-d57550cc96cc" xsi:nil="true"/>
+    <FeatureTagsTaxHTField0 xmlns="4873beb7-5857-4685-be1f-d57550cc96cc">
+      <Terms xmlns="http://schemas.microsoft.com/office/infopath/2007/PartnerControls"/>
+    </FeatureTagsTaxHTField0>
+    <PublishStatusLookup xmlns="4873beb7-5857-4685-be1f-d57550cc96cc">
+      <Value>1564227</Value>
+    </PublishStatusLookup>
+    <Providers xmlns="4873beb7-5857-4685-be1f-d57550cc96cc" xsi:nil="true"/>
+    <MachineTranslated xmlns="4873beb7-5857-4685-be1f-d57550cc96cc">false</MachineTranslated>
+    <OriginalSourceMarket xmlns="4873beb7-5857-4685-be1f-d57550cc96cc" xsi:nil="true"/>
+    <APDescription xmlns="4873beb7-5857-4685-be1f-d57550cc96cc">Take your audience through a digital tunnel where they'll  burst through to the other side and see the information you want to present. Show them lists, charts, tables, SmartArt,  and pictures using a variety of layouts in widescreen (16X9) format. This design works well for subjects on science and technology, computers, communication, and more.   
+</APDescription>
+    <ClipArtFilename xmlns="4873beb7-5857-4685-be1f-d57550cc96cc" xsi:nil="true"/>
+    <ContentItem xmlns="4873beb7-5857-4685-be1f-d57550cc96cc" xsi:nil="true"/>
+    <TPInstallLocation xmlns="4873beb7-5857-4685-be1f-d57550cc96cc" xsi:nil="true"/>
+    <PublishTargets xmlns="4873beb7-5857-4685-be1f-d57550cc96cc">OfficeOnlineVNext</PublishTargets>
+    <TimesCloned xmlns="4873beb7-5857-4685-be1f-d57550cc96cc" xsi:nil="true"/>
+    <AssetStart xmlns="4873beb7-5857-4685-be1f-d57550cc96cc">2012-05-11T02:04:00+00:00</AssetStart>
+    <Provider xmlns="4873beb7-5857-4685-be1f-d57550cc96cc" xsi:nil="true"/>
+    <AcquiredFrom xmlns="4873beb7-5857-4685-be1f-d57550cc96cc">Internal MS</AcquiredFrom>
+    <FriendlyTitle xmlns="4873beb7-5857-4685-be1f-d57550cc96cc" xsi:nil="true"/>
+    <LastHandOff xmlns="4873beb7-5857-4685-be1f-d57550cc96cc" xsi:nil="true"/>
+    <TPClientViewer xmlns="4873beb7-5857-4685-be1f-d57550cc96cc" xsi:nil="true"/>
+    <UACurrentWords xmlns="4873beb7-5857-4685-be1f-d57550cc96cc" xsi:nil="true"/>
+    <ArtSampleDocs xmlns="4873beb7-5857-4685-be1f-d57550cc96cc" xsi:nil="true"/>
+    <UALocRecommendation xmlns="4873beb7-5857-4685-be1f-d57550cc96cc">Localize</UALocRecommendation>
+    <Manager xmlns="4873beb7-5857-4685-be1f-d57550cc96cc" xsi:nil="true"/>
+    <ShowIn xmlns="4873beb7-5857-4685-be1f-d57550cc96cc">Show everywhere</ShowIn>
+    <UANotes xmlns="4873beb7-5857-4685-be1f-d57550cc96cc" xsi:nil="true"/>
+    <TemplateStatus xmlns="4873beb7-5857-4685-be1f-d57550cc96cc">Complete</TemplateStatus>
+    <InternalTagsTaxHTField0 xmlns="4873beb7-5857-4685-be1f-d57550cc96cc">
+      <Terms xmlns="http://schemas.microsoft.com/office/infopath/2007/PartnerControls"/>
+    </InternalTagsTaxHTField0>
+    <CSXHash xmlns="4873beb7-5857-4685-be1f-d57550cc96cc" xsi:nil="true"/>
+    <Downloads xmlns="4873beb7-5857-4685-be1f-d57550cc96cc">0</Downloads>
+    <VoteCount xmlns="4873beb7-5857-4685-be1f-d57550cc96cc" xsi:nil="true"/>
+    <OOCacheId xmlns="4873beb7-5857-4685-be1f-d57550cc96cc" xsi:nil="true"/>
+    <IsDeleted xmlns="4873beb7-5857-4685-be1f-d57550cc96cc">false</IsDeleted>
+    <AssetExpire xmlns="4873beb7-5857-4685-be1f-d57550cc96cc">2029-01-01T08:00:00+00:00</AssetExpire>
+    <DSATActionTaken xmlns="4873beb7-5857-4685-be1f-d57550cc96cc" xsi:nil="true"/>
+    <CSXSubmissionMarket xmlns="4873beb7-5857-4685-be1f-d57550cc96cc" xsi:nil="true"/>
+    <TPExecutable xmlns="4873beb7-5857-4685-be1f-d57550cc96cc" xsi:nil="true"/>
+    <SubmitterId xmlns="4873beb7-5857-4685-be1f-d57550cc96cc" xsi:nil="true"/>
+    <EditorialTags xmlns="4873beb7-5857-4685-be1f-d57550cc96cc" xsi:nil="true"/>
+    <ApprovalLog xmlns="4873beb7-5857-4685-be1f-d57550cc96cc" xsi:nil="true"/>
+    <AssetType xmlns="4873beb7-5857-4685-be1f-d57550cc96cc">TP</AssetType>
+    <BugNumber xmlns="4873beb7-5857-4685-be1f-d57550cc96cc" xsi:nil="true"/>
+    <CSXSubmissionDate xmlns="4873beb7-5857-4685-be1f-d57550cc96cc" xsi:nil="true"/>
+    <CSXUpdate xmlns="4873beb7-5857-4685-be1f-d57550cc96cc">false</CSXUpdate>
+    <Milestone xmlns="4873beb7-5857-4685-be1f-d57550cc96cc" xsi:nil="true"/>
+    <RecommendationsModifier xmlns="4873beb7-5857-4685-be1f-d57550cc96cc" xsi:nil="true"/>
+    <OriginAsset xmlns="4873beb7-5857-4685-be1f-d57550cc96cc" xsi:nil="true"/>
+    <TPComponent xmlns="4873beb7-5857-4685-be1f-d57550cc96cc" xsi:nil="true"/>
+    <AssetId xmlns="4873beb7-5857-4685-be1f-d57550cc96cc">TP102895246</AssetId>
+    <IntlLocPriority xmlns="4873beb7-5857-4685-be1f-d57550cc96cc" xsi:nil="true"/>
+    <PolicheckWords xmlns="4873beb7-5857-4685-be1f-d57550cc96cc" xsi:nil="true"/>
+    <TPLaunchHelpLink xmlns="4873beb7-5857-4685-be1f-d57550cc96cc" xsi:nil="true"/>
+    <TPApplication xmlns="4873beb7-5857-4685-be1f-d57550cc96cc" xsi:nil="true"/>
+    <CrawlForDependencies xmlns="4873beb7-5857-4685-be1f-d57550cc96cc">false</CrawlForDependencies>
+    <HandoffToMSDN xmlns="4873beb7-5857-4685-be1f-d57550cc96cc" xsi:nil="true"/>
+    <PlannedPubDate xmlns="4873beb7-5857-4685-be1f-d57550cc96cc" xsi:nil="true"/>
+    <IntlLangReviewer xmlns="4873beb7-5857-4685-be1f-d57550cc96cc" xsi:nil="true"/>
+    <TrustLevel xmlns="4873beb7-5857-4685-be1f-d57550cc96cc">1 Microsoft Managed Content</TrustLevel>
+    <LocLastLocAttemptVersionLookup xmlns="4873beb7-5857-4685-be1f-d57550cc96cc">835483</LocLastLocAttemptVersionLookup>
+    <IsSearchable xmlns="4873beb7-5857-4685-be1f-d57550cc96cc">true</IsSearchable>
+    <TemplateTemplateType xmlns="4873beb7-5857-4685-be1f-d57550cc96cc">PowerPoint Presentation Template</TemplateTemplateType>
+    <CampaignTagsTaxHTField0 xmlns="4873beb7-5857-4685-be1f-d57550cc96cc">
+      <Terms xmlns="http://schemas.microsoft.com/office/infopath/2007/PartnerControls"/>
+    </CampaignTagsTaxHTField0>
+    <TPNamespace xmlns="4873beb7-5857-4685-be1f-d57550cc96cc" xsi:nil="true"/>
+    <TaxCatchAll xmlns="4873beb7-5857-4685-be1f-d57550cc96cc"/>
+    <Markets xmlns="4873beb7-5857-4685-be1f-d57550cc96cc"/>
+    <UAProjectedTotalWords xmlns="4873beb7-5857-4685-be1f-d57550cc96cc" xsi:nil="true"/>
+    <IntlLangReview xmlns="4873beb7-5857-4685-be1f-d57550cc96cc">false</IntlLangReview>
+    <OutputCachingOn xmlns="4873beb7-5857-4685-be1f-d57550cc96cc">false</OutputCachingOn>
+    <AverageRating xmlns="4873beb7-5857-4685-be1f-d57550cc96cc" xsi:nil="true"/>
+    <APAuthor xmlns="4873beb7-5857-4685-be1f-d57550cc96cc">
+      <UserInfo>
+        <DisplayName>REDMOND\v-vaddu</DisplayName>
+        <AccountId>2567</AccountId>
+        <AccountType/>
+      </UserInfo>
+    </APAuthor>
+    <LocManualTestRequired xmlns="4873beb7-5857-4685-be1f-d57550cc96cc">false</LocManualTestRequired>
+    <TPCommandLine xmlns="4873beb7-5857-4685-be1f-d57550cc96cc" xsi:nil="true"/>
+    <TPAppVersion xmlns="4873beb7-5857-4685-be1f-d57550cc96cc" xsi:nil="true"/>
+    <EditorialStatus xmlns="4873beb7-5857-4685-be1f-d57550cc96cc">Complete</EditorialStatus>
+    <LastModifiedDateTime xmlns="4873beb7-5857-4685-be1f-d57550cc96cc" xsi:nil="true"/>
+    <ScenarioTagsTaxHTField0 xmlns="4873beb7-5857-4685-be1f-d57550cc96cc">
+      <Terms xmlns="http://schemas.microsoft.com/office/infopath/2007/PartnerControls"/>
+    </ScenarioTagsTaxHTField0>
+    <OriginalRelease xmlns="4873beb7-5857-4685-be1f-d57550cc96cc">15</OriginalRelease>
+    <TPLaunchHelpLinkType xmlns="4873beb7-5857-4685-be1f-d57550cc96cc">Template</TPLaunchHelpLinkType>
+    <LocalizationTagsTaxHTField0 xmlns="4873beb7-5857-4685-be1f-d57550cc96cc">
+      <Terms xmlns="http://schemas.microsoft.com/office/infopath/2007/PartnerControls"/>
+    </LocalizationTagsTaxHTField0>
+    <LocMarketGroupTiers2 xmlns="4873beb7-5857-4685-be1f-d57550cc96cc" xsi:nil="true"/>
+  </documentManagement>
+</p:properties>
+</file>
+
+<file path=customXml/item3.xml><?xml version="1.0" encoding="utf-8"?>
+<?mso-contentType ?>
+<FormTemplates xmlns="http://schemas.microsoft.com/sharepoint/v3/contenttype/forms">
+  <Display>DocumentLibraryForm</Display>
+  <Edit>AssetEditForm</Edit>
+  <New>DocumentLibraryForm</New>
+</FormTemplates>
+</file>
+
 <file path=customXml/itemProps1.xml><?xml version="1.0" encoding="utf-8"?>
-<ds:datastoreItem xmlns:ds="http://schemas.openxmlformats.org/officeDocument/2006/customXml" ds:itemID="{74228E6B-D70C-44BB-A81F-A245495F612B}">
+<ds:datastoreItem xmlns:ds="http://schemas.openxmlformats.org/officeDocument/2006/customXml" ds:itemID="{22CCB507-0646-4A50-A4F7-7F385079D589}">
   <ds:schemaRefs>
-    <ds:schemaRef ds:uri="http://schemas.microsoft.com/sharepoint/v3/contenttype/forms"/>
+    <ds:schemaRef ds:uri="http://schemas.microsoft.com/office/2006/metadata/contentType"/>
+    <ds:schemaRef ds:uri="http://schemas.microsoft.com/office/2006/metadata/properties/metaAttributes"/>
+    <ds:schemaRef ds:uri="http://www.w3.org/2001/XMLSchema"/>
+    <ds:schemaRef ds:uri="http://schemas.microsoft.com/office/2006/metadata/properties"/>
+    <ds:schemaRef ds:uri="4873beb7-5857-4685-be1f-d57550cc96cc"/>
+    <ds:schemaRef ds:uri="http://schemas.microsoft.com/office/2006/documentManagement/types"/>
+    <ds:schemaRef ds:uri="http://schemas.microsoft.com/office/infopath/2007/PartnerControls"/>
+    <ds:schemaRef ds:uri="http://schemas.openxmlformats.org/package/2006/metadata/core-properties"/>
+    <ds:schemaRef ds:uri="http://purl.org/dc/elements/1.1/"/>
+    <ds:schemaRef ds:uri="http://purl.org/dc/terms/"/>
+    <ds:schemaRef ds:uri="http://schemas.microsoft.com/internal/obd"/>
   </ds:schemaRefs>
 </ds:datastoreItem>
 </file>
@@ -8982,19 +9473,9 @@
 </file>
 
 <file path=customXml/itemProps3.xml><?xml version="1.0" encoding="utf-8"?>
-<ds:datastoreItem xmlns:ds="http://schemas.openxmlformats.org/officeDocument/2006/customXml" ds:itemID="{22CCB507-0646-4A50-A4F7-7F385079D589}">
+<ds:datastoreItem xmlns:ds="http://schemas.openxmlformats.org/officeDocument/2006/customXml" ds:itemID="{74228E6B-D70C-44BB-A81F-A245495F612B}">
   <ds:schemaRefs>
-    <ds:schemaRef ds:uri="http://schemas.microsoft.com/office/2006/metadata/contentType"/>
-    <ds:schemaRef ds:uri="http://schemas.microsoft.com/office/2006/metadata/properties/metaAttributes"/>
-    <ds:schemaRef ds:uri="http://www.w3.org/2001/XMLSchema"/>
-    <ds:schemaRef ds:uri="http://schemas.microsoft.com/office/2006/metadata/properties"/>
-    <ds:schemaRef ds:uri="4873beb7-5857-4685-be1f-d57550cc96cc"/>
-    <ds:schemaRef ds:uri="http://schemas.microsoft.com/office/2006/documentManagement/types"/>
-    <ds:schemaRef ds:uri="http://schemas.microsoft.com/office/infopath/2007/PartnerControls"/>
-    <ds:schemaRef ds:uri="http://schemas.openxmlformats.org/package/2006/metadata/core-properties"/>
-    <ds:schemaRef ds:uri="http://purl.org/dc/elements/1.1/"/>
-    <ds:schemaRef ds:uri="http://purl.org/dc/terms/"/>
-    <ds:schemaRef ds:uri="http://schemas.microsoft.com/internal/obd"/>
+    <ds:schemaRef ds:uri="http://schemas.microsoft.com/sharepoint/v3/contenttype/forms"/>
   </ds:schemaRefs>
 </ds:datastoreItem>
 </file>
--- a/Documents/ProjectPresentation.pptx
+++ b/Documents/ProjectPresentation.pptx
@@ -5,10 +5,10 @@
     <p:sldMasterId id="2147483876" r:id="rId4"/>
   </p:sldMasterIdLst>
   <p:notesMasterIdLst>
-    <p:notesMasterId r:id="rId12"/>
+    <p:notesMasterId r:id="rId13"/>
   </p:notesMasterIdLst>
   <p:handoutMasterIdLst>
-    <p:handoutMasterId r:id="rId13"/>
+    <p:handoutMasterId r:id="rId14"/>
   </p:handoutMasterIdLst>
   <p:sldIdLst>
     <p:sldId id="265" r:id="rId5"/>
@@ -18,11 +18,12 @@
     <p:sldId id="268" r:id="rId9"/>
     <p:sldId id="269" r:id="rId10"/>
     <p:sldId id="271" r:id="rId11"/>
+    <p:sldId id="272" r:id="rId12"/>
   </p:sldIdLst>
   <p:sldSz cx="12188825" cy="6858000"/>
   <p:notesSz cx="6858000" cy="9144000"/>
   <p:custDataLst>
-    <p:tags r:id="rId14"/>
+    <p:tags r:id="rId15"/>
   </p:custDataLst>
   <p:defaultTextStyle>
     <a:defPPr>
@@ -223,7 +224,7 @@
           <a:p>
             <a:fld id="{59088EAF-6ECA-4616-85EF-35AA19C641F3}" type="datetimeFigureOut">
               <a:rPr lang="en-US"/>
-              <a:t>3/10/2017</a:t>
+              <a:t>3/15/2017</a:t>
             </a:fld>
             <a:endParaRPr/>
           </a:p>
@@ -388,7 +389,7 @@
           <a:p>
             <a:fld id="{3ABD2D7A-D230-4F91-BD59-0A39C2703BA8}" type="datetimeFigureOut">
               <a:rPr lang="en-US"/>
-              <a:t>3/10/2017</a:t>
+              <a:t>3/15/2017</a:t>
             </a:fld>
             <a:endParaRPr/>
           </a:p>
@@ -1157,7 +1158,7 @@
           <a:p>
             <a:fld id="{48A87A34-81AB-432B-8DAE-1953F412C126}" type="datetimeFigureOut">
               <a:rPr lang="en-US" smtClean="0"/>
-              <a:t>3/10/2017</a:t>
+              <a:t>3/15/2017</a:t>
             </a:fld>
             <a:endParaRPr lang="en-US" dirty="0"/>
           </a:p>
@@ -1466,7 +1467,7 @@
             <a:fld id="{03F41C87-7AD9-4845-A077-840E4A0F3F06}" type="datetimeFigureOut">
               <a:rPr lang="en-US" smtClean="0"/>
               <a:pPr/>
-              <a:t>3/10/2017</a:t>
+              <a:t>3/15/2017</a:t>
             </a:fld>
             <a:endParaRPr lang="en-US"/>
           </a:p>
@@ -1716,7 +1717,7 @@
             <a:fld id="{03F41C87-7AD9-4845-A077-840E4A0F3F06}" type="datetimeFigureOut">
               <a:rPr lang="en-US" smtClean="0"/>
               <a:pPr/>
-              <a:t>3/10/2017</a:t>
+              <a:t>3/15/2017</a:t>
             </a:fld>
             <a:endParaRPr lang="en-US"/>
           </a:p>
@@ -2258,7 +2259,7 @@
             <a:fld id="{03F41C87-7AD9-4845-A077-840E4A0F3F06}" type="datetimeFigureOut">
               <a:rPr lang="en-US" smtClean="0"/>
               <a:pPr/>
-              <a:t>3/10/2017</a:t>
+              <a:t>3/15/2017</a:t>
             </a:fld>
             <a:endParaRPr lang="en-US"/>
           </a:p>
@@ -2508,7 +2509,7 @@
             <a:fld id="{03F41C87-7AD9-4845-A077-840E4A0F3F06}" type="datetimeFigureOut">
               <a:rPr lang="en-US" smtClean="0"/>
               <a:pPr/>
-              <a:t>3/10/2017</a:t>
+              <a:t>3/15/2017</a:t>
             </a:fld>
             <a:endParaRPr lang="en-US"/>
           </a:p>
@@ -3042,7 +3043,7 @@
             <a:fld id="{03F41C87-7AD9-4845-A077-840E4A0F3F06}" type="datetimeFigureOut">
               <a:rPr lang="en-US" smtClean="0"/>
               <a:pPr/>
-              <a:t>3/10/2017</a:t>
+              <a:t>3/15/2017</a:t>
             </a:fld>
             <a:endParaRPr lang="en-US"/>
           </a:p>
@@ -3341,7 +3342,7 @@
             <a:fld id="{03F41C87-7AD9-4845-A077-840E4A0F3F06}" type="datetimeFigureOut">
               <a:rPr lang="en-US" smtClean="0"/>
               <a:pPr/>
-              <a:t>3/10/2017</a:t>
+              <a:t>3/15/2017</a:t>
             </a:fld>
             <a:endParaRPr lang="en-US"/>
           </a:p>
@@ -3516,7 +3517,7 @@
           <a:p>
             <a:fld id="{03F41C87-7AD9-4845-A077-840E4A0F3F06}" type="datetimeFigureOut">
               <a:rPr lang="en-US" smtClean="0"/>
-              <a:t>3/10/2017</a:t>
+              <a:t>3/15/2017</a:t>
             </a:fld>
             <a:endParaRPr lang="en-US"/>
           </a:p>
@@ -3708,7 +3709,7 @@
           <a:p>
             <a:fld id="{03F41C87-7AD9-4845-A077-840E4A0F3F06}" type="datetimeFigureOut">
               <a:rPr lang="en-US" smtClean="0"/>
-              <a:t>3/10/2017</a:t>
+              <a:t>3/15/2017</a:t>
             </a:fld>
             <a:endParaRPr lang="en-US"/>
           </a:p>
@@ -3890,7 +3891,7 @@
           <a:p>
             <a:fld id="{03F41C87-7AD9-4845-A077-840E4A0F3F06}" type="datetimeFigureOut">
               <a:rPr lang="en-US" smtClean="0"/>
-              <a:t>3/10/2017</a:t>
+              <a:t>3/15/2017</a:t>
             </a:fld>
             <a:endParaRPr lang="en-US"/>
           </a:p>
@@ -4153,7 +4154,7 @@
           <a:p>
             <a:fld id="{03F41C87-7AD9-4845-A077-840E4A0F3F06}" type="datetimeFigureOut">
               <a:rPr lang="en-US" smtClean="0"/>
-              <a:t>3/10/2017</a:t>
+              <a:t>3/15/2017</a:t>
             </a:fld>
             <a:endParaRPr lang="en-US"/>
           </a:p>
@@ -4462,7 +4463,7 @@
           <a:p>
             <a:fld id="{03F41C87-7AD9-4845-A077-840E4A0F3F06}" type="datetimeFigureOut">
               <a:rPr lang="en-US" smtClean="0"/>
-              <a:t>3/10/2017</a:t>
+              <a:t>3/15/2017</a:t>
             </a:fld>
             <a:endParaRPr lang="en-US"/>
           </a:p>
@@ -4916,7 +4917,7 @@
           <a:p>
             <a:fld id="{03F41C87-7AD9-4845-A077-840E4A0F3F06}" type="datetimeFigureOut">
               <a:rPr lang="en-US" smtClean="0"/>
-              <a:t>3/10/2017</a:t>
+              <a:t>3/15/2017</a:t>
             </a:fld>
             <a:endParaRPr lang="en-US"/>
           </a:p>
@@ -5046,7 +5047,7 @@
           <a:p>
             <a:fld id="{03F41C87-7AD9-4845-A077-840E4A0F3F06}" type="datetimeFigureOut">
               <a:rPr lang="en-US" smtClean="0"/>
-              <a:t>3/10/2017</a:t>
+              <a:t>3/15/2017</a:t>
             </a:fld>
             <a:endParaRPr lang="en-US"/>
           </a:p>
@@ -5153,7 +5154,7 @@
           <a:p>
             <a:fld id="{03F41C87-7AD9-4845-A077-840E4A0F3F06}" type="datetimeFigureOut">
               <a:rPr lang="en-US" smtClean="0"/>
-              <a:t>3/10/2017</a:t>
+              <a:t>3/15/2017</a:t>
             </a:fld>
             <a:endParaRPr lang="en-US"/>
           </a:p>
@@ -5448,7 +5449,7 @@
           <a:p>
             <a:fld id="{03F41C87-7AD9-4845-A077-840E4A0F3F06}" type="datetimeFigureOut">
               <a:rPr lang="en-US" smtClean="0"/>
-              <a:t>3/10/2017</a:t>
+              <a:t>3/15/2017</a:t>
             </a:fld>
             <a:endParaRPr lang="en-US"/>
           </a:p>
@@ -5752,7 +5753,7 @@
             <a:fld id="{03F41C87-7AD9-4845-A077-840E4A0F3F06}" type="datetimeFigureOut">
               <a:rPr lang="en-US" smtClean="0"/>
               <a:pPr/>
-              <a:t>3/10/2017</a:t>
+              <a:t>3/15/2017</a:t>
             </a:fld>
             <a:endParaRPr lang="en-US"/>
           </a:p>
@@ -6296,7 +6297,7 @@
             <a:fld id="{03F41C87-7AD9-4845-A077-840E4A0F3F06}" type="datetimeFigureOut">
               <a:rPr lang="en-US" smtClean="0"/>
               <a:pPr/>
-              <a:t>3/10/2017</a:t>
+              <a:t>3/15/2017</a:t>
             </a:fld>
             <a:endParaRPr lang="en-US"/>
           </a:p>
@@ -6912,13 +6913,13 @@
   <p:clrMapOvr>
     <a:masterClrMapping/>
   </p:clrMapOvr>
-  <mc:AlternateContent xmlns:mc="http://schemas.openxmlformats.org/markup-compatibility/2006">
-    <mc:Choice xmlns:p15="http://schemas.microsoft.com/office/powerpoint/2012/main" Requires="p15">
+  <mc:AlternateContent xmlns:mc="http://schemas.openxmlformats.org/markup-compatibility/2006" xmlns:p15="http://schemas.microsoft.com/office/powerpoint/2012/main">
+    <mc:Choice Requires="p15">
       <p:transition xmlns:p14="http://schemas.microsoft.com/office/powerpoint/2010/main" spd="slow" p14:dur="2000">
         <p15:prstTrans prst="crush"/>
       </p:transition>
     </mc:Choice>
-    <mc:Fallback>
+    <mc:Fallback xmlns="">
       <p:transition spd="slow">
         <p:fade/>
       </p:transition>
@@ -7113,9 +7114,53 @@
         </p:nvSpPr>
         <p:spPr/>
         <p:txBody>
-          <a:bodyPr/>
+          <a:bodyPr>
+            <a:normAutofit lnSpcReduction="10000"/>
+          </a:bodyPr>
           <a:lstStyle/>
           <a:p>
+            <a:r>
+              <a:rPr lang="en-US" dirty="0"/>
+              <a:t>Players of this game need to train to improve their skills</a:t>
+            </a:r>
+          </a:p>
+          <a:p>
+            <a:r>
+              <a:rPr lang="en-US" dirty="0"/>
+              <a:t>It is difficult to find a good training partner</a:t>
+            </a:r>
+          </a:p>
+          <a:p>
+            <a:r>
+              <a:rPr lang="en-US" dirty="0"/>
+              <a:t>Playing against the built in bots does not adequately prepare an individual for play against other humans</a:t>
+            </a:r>
+          </a:p>
+          <a:p>
+            <a:pPr lvl="1"/>
+            <a:r>
+              <a:rPr lang="en-US" dirty="0"/>
+              <a:t>The built in AI does not use any highly technical moves</a:t>
+            </a:r>
+          </a:p>
+          <a:p>
+            <a:pPr lvl="1"/>
+            <a:r>
+              <a:rPr lang="en-US" dirty="0"/>
+              <a:t>The built in AI acts in a very predictable manner</a:t>
+            </a:r>
+          </a:p>
+          <a:p>
+            <a:pPr lvl="1"/>
+            <a:r>
+              <a:rPr lang="en-US" dirty="0"/>
+              <a:t>The built in AI does not improve</a:t>
+            </a:r>
+          </a:p>
+          <a:p>
+            <a:pPr marL="0" indent="0">
+              <a:buNone/>
+            </a:pPr>
             <a:endParaRPr lang="en-US" dirty="0"/>
           </a:p>
         </p:txBody>
@@ -7351,13 +7396,8 @@
           <a:p>
             <a:r>
               <a:rPr lang="en-US" dirty="0"/>
-              <a:t>Asynchronous Advantage </a:t>
-            </a:r>
-            <a:r>
-              <a:rPr lang="en-US"/>
-              <a:t>Actor Critic (A3C)</a:t>
-            </a:r>
-            <a:endParaRPr lang="en-US" dirty="0"/>
+              <a:t>Asynchronous Advantage Actor Critic (A3C)</a:t>
+            </a:r>
           </a:p>
         </p:txBody>
       </p:sp>
@@ -7376,7 +7416,10 @@
           <a:bodyPr/>
           <a:lstStyle/>
           <a:p>
-            <a:endParaRPr lang="en-US"/>
+            <a:r>
+              <a:rPr lang="en-US" dirty="0"/>
+              <a:t>After this slide I think we should show videos of the bots progression while learning. One of it before learning, one after a day or two, and one after a few weeks. We should also put in two or three clips of the bot running with an ally bot to show off A3C’s use with multiple agents.</a:t>
+            </a:r>
           </a:p>
         </p:txBody>
       </p:sp>
@@ -7467,6 +7510,93 @@
     <p:extLst>
       <p:ext uri="{BB962C8B-B14F-4D97-AF65-F5344CB8AC3E}">
         <p14:creationId xmlns:p14="http://schemas.microsoft.com/office/powerpoint/2010/main" val="198296853"/>
+      </p:ext>
+    </p:extLst>
+  </p:cSld>
+  <p:clrMapOvr>
+    <a:masterClrMapping/>
+  </p:clrMapOvr>
+  <mc:AlternateContent xmlns:mc="http://schemas.openxmlformats.org/markup-compatibility/2006" xmlns:p14="http://schemas.microsoft.com/office/powerpoint/2010/main">
+    <mc:Choice Requires="p14">
+      <p:transition spd="med" p14:dur="700">
+        <p:fade/>
+      </p:transition>
+    </mc:Choice>
+    <mc:Fallback xmlns="">
+      <p:transition spd="med">
+        <p:fade/>
+      </p:transition>
+    </mc:Fallback>
+  </mc:AlternateContent>
+</p:sld>
+</file>
+
+<file path=ppt/slides/slide8.xml><?xml version="1.0" encoding="utf-8"?>
+<p:sld xmlns:a="http://schemas.openxmlformats.org/drawingml/2006/main" xmlns:r="http://schemas.openxmlformats.org/officeDocument/2006/relationships" xmlns:p="http://schemas.openxmlformats.org/presentationml/2006/main">
+  <p:cSld>
+    <p:spTree>
+      <p:nvGrpSpPr>
+        <p:cNvPr id="1" name=""/>
+        <p:cNvGrpSpPr/>
+        <p:nvPr/>
+      </p:nvGrpSpPr>
+      <p:grpSpPr>
+        <a:xfrm>
+          <a:off x="0" y="0"/>
+          <a:ext cx="0" cy="0"/>
+          <a:chOff x="0" y="0"/>
+          <a:chExt cx="0" cy="0"/>
+        </a:xfrm>
+      </p:grpSpPr>
+      <p:sp>
+        <p:nvSpPr>
+          <p:cNvPr id="2" name="Title 1"/>
+          <p:cNvSpPr>
+            <a:spLocks noGrp="1"/>
+          </p:cNvSpPr>
+          <p:nvPr>
+            <p:ph type="title"/>
+          </p:nvPr>
+        </p:nvSpPr>
+        <p:spPr/>
+        <p:txBody>
+          <a:bodyPr/>
+          <a:lstStyle/>
+          <a:p>
+            <a:r>
+              <a:rPr lang="en-US" dirty="0" err="1"/>
+              <a:t>PyQT</a:t>
+            </a:r>
+            <a:r>
+              <a:rPr lang="en-US" dirty="0"/>
+              <a:t> - GUI</a:t>
+            </a:r>
+          </a:p>
+        </p:txBody>
+      </p:sp>
+      <p:sp>
+        <p:nvSpPr>
+          <p:cNvPr id="3" name="Content Placeholder 2"/>
+          <p:cNvSpPr>
+            <a:spLocks noGrp="1"/>
+          </p:cNvSpPr>
+          <p:nvPr>
+            <p:ph idx="1"/>
+          </p:nvPr>
+        </p:nvSpPr>
+        <p:spPr/>
+        <p:txBody>
+          <a:bodyPr/>
+          <a:lstStyle/>
+          <a:p>
+            <a:endParaRPr lang="en-US" dirty="0"/>
+          </a:p>
+        </p:txBody>
+      </p:sp>
+    </p:spTree>
+    <p:extLst>
+      <p:ext uri="{BB962C8B-B14F-4D97-AF65-F5344CB8AC3E}">
+        <p14:creationId xmlns:p14="http://schemas.microsoft.com/office/powerpoint/2010/main" val="356333825"/>
       </p:ext>
     </p:extLst>
   </p:cSld>
@@ -9303,6 +9433,15 @@
 </file>
 
 <file path=customXml/item2.xml><?xml version="1.0" encoding="utf-8"?>
+<?mso-contentType ?>
+<FormTemplates xmlns="http://schemas.microsoft.com/sharepoint/v3/contenttype/forms">
+  <Display>DocumentLibraryForm</Display>
+  <Edit>AssetEditForm</Edit>
+  <New>DocumentLibraryForm</New>
+</FormTemplates>
+</file>
+
+<file path=customXml/item3.xml><?xml version="1.0" encoding="utf-8"?>
 <p:properties xmlns:p="http://schemas.microsoft.com/office/2006/metadata/properties" xmlns:xsi="http://www.w3.org/2001/XMLSchema-instance" xmlns:pc="http://schemas.microsoft.com/office/infopath/2007/PartnerControls">
   <documentManagement>
     <DirectSourceMarket xmlns="4873beb7-5857-4685-be1f-d57550cc96cc" xsi:nil="true"/>
@@ -9429,15 +9568,6 @@
 </p:properties>
 </file>
 
-<file path=customXml/item3.xml><?xml version="1.0" encoding="utf-8"?>
-<?mso-contentType ?>
-<FormTemplates xmlns="http://schemas.microsoft.com/sharepoint/v3/contenttype/forms">
-  <Display>DocumentLibraryForm</Display>
-  <Edit>AssetEditForm</Edit>
-  <New>DocumentLibraryForm</New>
-</FormTemplates>
-</file>
-
 <file path=customXml/itemProps1.xml><?xml version="1.0" encoding="utf-8"?>
 <ds:datastoreItem xmlns:ds="http://schemas.openxmlformats.org/officeDocument/2006/customXml" ds:itemID="{22CCB507-0646-4A50-A4F7-7F385079D589}">
   <ds:schemaRefs>
@@ -9457,6 +9587,14 @@
 </file>
 
 <file path=customXml/itemProps2.xml><?xml version="1.0" encoding="utf-8"?>
+<ds:datastoreItem xmlns:ds="http://schemas.openxmlformats.org/officeDocument/2006/customXml" ds:itemID="{74228E6B-D70C-44BB-A81F-A245495F612B}">
+  <ds:schemaRefs>
+    <ds:schemaRef ds:uri="http://schemas.microsoft.com/sharepoint/v3/contenttype/forms"/>
+  </ds:schemaRefs>
+</ds:datastoreItem>
+</file>
+
+<file path=customXml/itemProps3.xml><?xml version="1.0" encoding="utf-8"?>
 <ds:datastoreItem xmlns:ds="http://schemas.openxmlformats.org/officeDocument/2006/customXml" ds:itemID="{00E41224-0370-4595-877C-23316CD80004}">
   <ds:schemaRefs>
     <ds:schemaRef ds:uri="http://schemas.openxmlformats.org/package/2006/metadata/core-properties"/>
@@ -9470,12 +9608,4 @@
     <ds:schemaRef ds:uri="http://purl.org/dc/dcmitype/"/>
   </ds:schemaRefs>
 </ds:datastoreItem>
-</file>
-
-<file path=customXml/itemProps3.xml><?xml version="1.0" encoding="utf-8"?>
-<ds:datastoreItem xmlns:ds="http://schemas.openxmlformats.org/officeDocument/2006/customXml" ds:itemID="{74228E6B-D70C-44BB-A81F-A245495F612B}">
-  <ds:schemaRefs>
-    <ds:schemaRef ds:uri="http://schemas.microsoft.com/sharepoint/v3/contenttype/forms"/>
-  </ds:schemaRefs>
-</ds:datastoreItem>
 </file>
--- a/Documents/ProjectPresentation.pptx
+++ b/Documents/ProjectPresentation.pptx
@@ -224,7 +224,7 @@
           <a:p>
             <a:fld id="{59088EAF-6ECA-4616-85EF-35AA19C641F3}" type="datetimeFigureOut">
               <a:rPr lang="en-US"/>
-              <a:t>3/15/2017</a:t>
+              <a:t>3/22/2017</a:t>
             </a:fld>
             <a:endParaRPr/>
           </a:p>
@@ -389,7 +389,7 @@
           <a:p>
             <a:fld id="{3ABD2D7A-D230-4F91-BD59-0A39C2703BA8}" type="datetimeFigureOut">
               <a:rPr lang="en-US"/>
-              <a:t>3/15/2017</a:t>
+              <a:t>3/22/2017</a:t>
             </a:fld>
             <a:endParaRPr/>
           </a:p>
@@ -453,35 +453,30 @@
           <a:p>
             <a:pPr lvl="0"/>
             <a:r>
-              <a:rPr/>
               <a:t>Click to edit Master text styles</a:t>
             </a:r>
           </a:p>
           <a:p>
             <a:pPr lvl="1"/>
             <a:r>
-              <a:rPr/>
               <a:t>Second level</a:t>
             </a:r>
           </a:p>
           <a:p>
             <a:pPr lvl="2"/>
             <a:r>
-              <a:rPr/>
               <a:t>Third level</a:t>
             </a:r>
           </a:p>
           <a:p>
             <a:pPr lvl="3"/>
             <a:r>
-              <a:rPr/>
               <a:t>Fourth level</a:t>
             </a:r>
           </a:p>
           <a:p>
             <a:pPr lvl="4"/>
             <a:r>
-              <a:rPr/>
               <a:t>Fifth level</a:t>
             </a:r>
           </a:p>
@@ -1158,7 +1153,7 @@
           <a:p>
             <a:fld id="{48A87A34-81AB-432B-8DAE-1953F412C126}" type="datetimeFigureOut">
               <a:rPr lang="en-US" smtClean="0"/>
-              <a:t>3/15/2017</a:t>
+              <a:t>3/22/2017</a:t>
             </a:fld>
             <a:endParaRPr lang="en-US" dirty="0"/>
           </a:p>
@@ -1467,7 +1462,7 @@
             <a:fld id="{03F41C87-7AD9-4845-A077-840E4A0F3F06}" type="datetimeFigureOut">
               <a:rPr lang="en-US" smtClean="0"/>
               <a:pPr/>
-              <a:t>3/15/2017</a:t>
+              <a:t>3/22/2017</a:t>
             </a:fld>
             <a:endParaRPr lang="en-US"/>
           </a:p>
@@ -1717,7 +1712,7 @@
             <a:fld id="{03F41C87-7AD9-4845-A077-840E4A0F3F06}" type="datetimeFigureOut">
               <a:rPr lang="en-US" smtClean="0"/>
               <a:pPr/>
-              <a:t>3/15/2017</a:t>
+              <a:t>3/22/2017</a:t>
             </a:fld>
             <a:endParaRPr lang="en-US"/>
           </a:p>
@@ -2259,7 +2254,7 @@
             <a:fld id="{03F41C87-7AD9-4845-A077-840E4A0F3F06}" type="datetimeFigureOut">
               <a:rPr lang="en-US" smtClean="0"/>
               <a:pPr/>
-              <a:t>3/15/2017</a:t>
+              <a:t>3/22/2017</a:t>
             </a:fld>
             <a:endParaRPr lang="en-US"/>
           </a:p>
@@ -2509,7 +2504,7 @@
             <a:fld id="{03F41C87-7AD9-4845-A077-840E4A0F3F06}" type="datetimeFigureOut">
               <a:rPr lang="en-US" smtClean="0"/>
               <a:pPr/>
-              <a:t>3/15/2017</a:t>
+              <a:t>3/22/2017</a:t>
             </a:fld>
             <a:endParaRPr lang="en-US"/>
           </a:p>
@@ -3043,7 +3038,7 @@
             <a:fld id="{03F41C87-7AD9-4845-A077-840E4A0F3F06}" type="datetimeFigureOut">
               <a:rPr lang="en-US" smtClean="0"/>
               <a:pPr/>
-              <a:t>3/15/2017</a:t>
+              <a:t>3/22/2017</a:t>
             </a:fld>
             <a:endParaRPr lang="en-US"/>
           </a:p>
@@ -3342,7 +3337,7 @@
             <a:fld id="{03F41C87-7AD9-4845-A077-840E4A0F3F06}" type="datetimeFigureOut">
               <a:rPr lang="en-US" smtClean="0"/>
               <a:pPr/>
-              <a:t>3/15/2017</a:t>
+              <a:t>3/22/2017</a:t>
             </a:fld>
             <a:endParaRPr lang="en-US"/>
           </a:p>
@@ -3517,7 +3512,7 @@
           <a:p>
             <a:fld id="{03F41C87-7AD9-4845-A077-840E4A0F3F06}" type="datetimeFigureOut">
               <a:rPr lang="en-US" smtClean="0"/>
-              <a:t>3/15/2017</a:t>
+              <a:t>3/22/2017</a:t>
             </a:fld>
             <a:endParaRPr lang="en-US"/>
           </a:p>
@@ -3709,7 +3704,7 @@
           <a:p>
             <a:fld id="{03F41C87-7AD9-4845-A077-840E4A0F3F06}" type="datetimeFigureOut">
               <a:rPr lang="en-US" smtClean="0"/>
-              <a:t>3/15/2017</a:t>
+              <a:t>3/22/2017</a:t>
             </a:fld>
             <a:endParaRPr lang="en-US"/>
           </a:p>
@@ -3891,7 +3886,7 @@
           <a:p>
             <a:fld id="{03F41C87-7AD9-4845-A077-840E4A0F3F06}" type="datetimeFigureOut">
               <a:rPr lang="en-US" smtClean="0"/>
-              <a:t>3/15/2017</a:t>
+              <a:t>3/22/2017</a:t>
             </a:fld>
             <a:endParaRPr lang="en-US"/>
           </a:p>
@@ -4154,7 +4149,7 @@
           <a:p>
             <a:fld id="{03F41C87-7AD9-4845-A077-840E4A0F3F06}" type="datetimeFigureOut">
               <a:rPr lang="en-US" smtClean="0"/>
-              <a:t>3/15/2017</a:t>
+              <a:t>3/22/2017</a:t>
             </a:fld>
             <a:endParaRPr lang="en-US"/>
           </a:p>
@@ -4463,7 +4458,7 @@
           <a:p>
             <a:fld id="{03F41C87-7AD9-4845-A077-840E4A0F3F06}" type="datetimeFigureOut">
               <a:rPr lang="en-US" smtClean="0"/>
-              <a:t>3/15/2017</a:t>
+              <a:t>3/22/2017</a:t>
             </a:fld>
             <a:endParaRPr lang="en-US"/>
           </a:p>
@@ -4917,7 +4912,7 @@
           <a:p>
             <a:fld id="{03F41C87-7AD9-4845-A077-840E4A0F3F06}" type="datetimeFigureOut">
               <a:rPr lang="en-US" smtClean="0"/>
-              <a:t>3/15/2017</a:t>
+              <a:t>3/22/2017</a:t>
             </a:fld>
             <a:endParaRPr lang="en-US"/>
           </a:p>
@@ -5047,7 +5042,7 @@
           <a:p>
             <a:fld id="{03F41C87-7AD9-4845-A077-840E4A0F3F06}" type="datetimeFigureOut">
               <a:rPr lang="en-US" smtClean="0"/>
-              <a:t>3/15/2017</a:t>
+              <a:t>3/22/2017</a:t>
             </a:fld>
             <a:endParaRPr lang="en-US"/>
           </a:p>
@@ -5154,7 +5149,7 @@
           <a:p>
             <a:fld id="{03F41C87-7AD9-4845-A077-840E4A0F3F06}" type="datetimeFigureOut">
               <a:rPr lang="en-US" smtClean="0"/>
-              <a:t>3/15/2017</a:t>
+              <a:t>3/22/2017</a:t>
             </a:fld>
             <a:endParaRPr lang="en-US"/>
           </a:p>
@@ -5449,7 +5444,7 @@
           <a:p>
             <a:fld id="{03F41C87-7AD9-4845-A077-840E4A0F3F06}" type="datetimeFigureOut">
               <a:rPr lang="en-US" smtClean="0"/>
-              <a:t>3/15/2017</a:t>
+              <a:t>3/22/2017</a:t>
             </a:fld>
             <a:endParaRPr lang="en-US"/>
           </a:p>
@@ -5753,7 +5748,7 @@
             <a:fld id="{03F41C87-7AD9-4845-A077-840E4A0F3F06}" type="datetimeFigureOut">
               <a:rPr lang="en-US" smtClean="0"/>
               <a:pPr/>
-              <a:t>3/15/2017</a:t>
+              <a:t>3/22/2017</a:t>
             </a:fld>
             <a:endParaRPr lang="en-US"/>
           </a:p>
@@ -6297,7 +6292,7 @@
             <a:fld id="{03F41C87-7AD9-4845-A077-840E4A0F3F06}" type="datetimeFigureOut">
               <a:rPr lang="en-US" smtClean="0"/>
               <a:pPr/>
-              <a:t>3/15/2017</a:t>
+              <a:t>3/22/2017</a:t>
             </a:fld>
             <a:endParaRPr lang="en-US"/>
           </a:p>
@@ -6863,7 +6858,7 @@
           <a:p>
             <a:r>
               <a:rPr lang="en-US" dirty="0"/>
-              <a:t>Deepest Learn!</a:t>
+              <a:t>Machine Learning in Fighting Games</a:t>
             </a:r>
           </a:p>
         </p:txBody>
@@ -6982,9 +6977,6 @@
           <a:bodyPr/>
           <a:lstStyle/>
           <a:p>
-            <a:pPr marL="0" indent="0">
-              <a:buNone/>
-            </a:pPr>
             <a:r>
               <a:rPr lang="en-US" dirty="0"/>
               <a:t>Fighting game for the Nintendo </a:t>
@@ -6994,6 +6986,24 @@
               <a:t>Gamecube</a:t>
             </a:r>
             <a:endParaRPr lang="en-US" dirty="0"/>
+          </a:p>
+          <a:p>
+            <a:r>
+              <a:rPr lang="en-US" dirty="0"/>
+              <a:t>Players try to eliminate each other by knocking                                                    opponents off the stage</a:t>
+            </a:r>
+          </a:p>
+          <a:p>
+            <a:r>
+              <a:rPr lang="en-US" dirty="0"/>
+              <a:t>Damage to players is measured in a percentage                                                                          that increases as damage is sustained</a:t>
+            </a:r>
+          </a:p>
+          <a:p>
+            <a:r>
+              <a:rPr lang="en-US" dirty="0"/>
+              <a:t>The higher a player’s percentage, the further an                                                             attack against them will propel them</a:t>
+            </a:r>
           </a:p>
         </p:txBody>
       </p:sp>
@@ -7020,8 +7030,8 @@
         </p:blipFill>
         <p:spPr bwMode="auto">
           <a:xfrm>
-            <a:off x="7939447" y="2057401"/>
-            <a:ext cx="3563757" cy="2672818"/>
+            <a:off x="7916453" y="2438400"/>
+            <a:ext cx="4267198" cy="3200399"/>
           </a:xfrm>
           <a:prstGeom prst="rect">
             <a:avLst/>
@@ -7333,7 +7343,10 @@
           <a:bodyPr/>
           <a:lstStyle/>
           <a:p>
-            <a:endParaRPr lang="en-US"/>
+            <a:r>
+              <a:rPr lang="en-US" dirty="0"/>
+              <a:t>Talk about what Reinforcement learning is and why we chose it over supervised and unsupervised.</a:t>
+            </a:r>
           </a:p>
         </p:txBody>
       </p:sp>
@@ -9433,15 +9446,6 @@
 </file>
 
 <file path=customXml/item2.xml><?xml version="1.0" encoding="utf-8"?>
-<?mso-contentType ?>
-<FormTemplates xmlns="http://schemas.microsoft.com/sharepoint/v3/contenttype/forms">
-  <Display>DocumentLibraryForm</Display>
-  <Edit>AssetEditForm</Edit>
-  <New>DocumentLibraryForm</New>
-</FormTemplates>
-</file>
-
-<file path=customXml/item3.xml><?xml version="1.0" encoding="utf-8"?>
 <p:properties xmlns:p="http://schemas.microsoft.com/office/2006/metadata/properties" xmlns:xsi="http://www.w3.org/2001/XMLSchema-instance" xmlns:pc="http://schemas.microsoft.com/office/infopath/2007/PartnerControls">
   <documentManagement>
     <DirectSourceMarket xmlns="4873beb7-5857-4685-be1f-d57550cc96cc" xsi:nil="true"/>
@@ -9568,6 +9572,15 @@
 </p:properties>
 </file>
 
+<file path=customXml/item3.xml><?xml version="1.0" encoding="utf-8"?>
+<?mso-contentType ?>
+<FormTemplates xmlns="http://schemas.microsoft.com/sharepoint/v3/contenttype/forms">
+  <Display>DocumentLibraryForm</Display>
+  <Edit>AssetEditForm</Edit>
+  <New>DocumentLibraryForm</New>
+</FormTemplates>
+</file>
+
 <file path=customXml/itemProps1.xml><?xml version="1.0" encoding="utf-8"?>
 <ds:datastoreItem xmlns:ds="http://schemas.openxmlformats.org/officeDocument/2006/customXml" ds:itemID="{22CCB507-0646-4A50-A4F7-7F385079D589}">
   <ds:schemaRefs>
@@ -9587,14 +9600,6 @@
 </file>
 
 <file path=customXml/itemProps2.xml><?xml version="1.0" encoding="utf-8"?>
-<ds:datastoreItem xmlns:ds="http://schemas.openxmlformats.org/officeDocument/2006/customXml" ds:itemID="{74228E6B-D70C-44BB-A81F-A245495F612B}">
-  <ds:schemaRefs>
-    <ds:schemaRef ds:uri="http://schemas.microsoft.com/sharepoint/v3/contenttype/forms"/>
-  </ds:schemaRefs>
-</ds:datastoreItem>
-</file>
-
-<file path=customXml/itemProps3.xml><?xml version="1.0" encoding="utf-8"?>
 <ds:datastoreItem xmlns:ds="http://schemas.openxmlformats.org/officeDocument/2006/customXml" ds:itemID="{00E41224-0370-4595-877C-23316CD80004}">
   <ds:schemaRefs>
     <ds:schemaRef ds:uri="http://schemas.openxmlformats.org/package/2006/metadata/core-properties"/>
@@ -9608,4 +9613,12 @@
     <ds:schemaRef ds:uri="http://purl.org/dc/dcmitype/"/>
   </ds:schemaRefs>
 </ds:datastoreItem>
+</file>
+
+<file path=customXml/itemProps3.xml><?xml version="1.0" encoding="utf-8"?>
+<ds:datastoreItem xmlns:ds="http://schemas.openxmlformats.org/officeDocument/2006/customXml" ds:itemID="{74228E6B-D70C-44BB-A81F-A245495F612B}">
+  <ds:schemaRefs>
+    <ds:schemaRef ds:uri="http://schemas.microsoft.com/sharepoint/v3/contenttype/forms"/>
+  </ds:schemaRefs>
+</ds:datastoreItem>
 </file>
--- a/Documents/ProjectPresentation.pptx
+++ b/Documents/ProjectPresentation.pptx
@@ -5,25 +5,27 @@
     <p:sldMasterId id="2147483876" r:id="rId4"/>
   </p:sldMasterIdLst>
   <p:notesMasterIdLst>
-    <p:notesMasterId r:id="rId13"/>
+    <p:notesMasterId r:id="rId15"/>
   </p:notesMasterIdLst>
   <p:handoutMasterIdLst>
-    <p:handoutMasterId r:id="rId14"/>
+    <p:handoutMasterId r:id="rId16"/>
   </p:handoutMasterIdLst>
   <p:sldIdLst>
     <p:sldId id="265" r:id="rId5"/>
     <p:sldId id="270" r:id="rId6"/>
     <p:sldId id="267" r:id="rId7"/>
     <p:sldId id="266" r:id="rId8"/>
-    <p:sldId id="268" r:id="rId9"/>
-    <p:sldId id="269" r:id="rId10"/>
-    <p:sldId id="271" r:id="rId11"/>
-    <p:sldId id="272" r:id="rId12"/>
+    <p:sldId id="273" r:id="rId9"/>
+    <p:sldId id="268" r:id="rId10"/>
+    <p:sldId id="269" r:id="rId11"/>
+    <p:sldId id="271" r:id="rId12"/>
+    <p:sldId id="274" r:id="rId13"/>
+    <p:sldId id="272" r:id="rId14"/>
   </p:sldIdLst>
   <p:sldSz cx="12188825" cy="6858000"/>
   <p:notesSz cx="6858000" cy="9144000"/>
   <p:custDataLst>
-    <p:tags r:id="rId15"/>
+    <p:tags r:id="rId17"/>
   </p:custDataLst>
   <p:defaultTextStyle>
     <a:defPPr>
@@ -224,7 +226,7 @@
           <a:p>
             <a:fld id="{59088EAF-6ECA-4616-85EF-35AA19C641F3}" type="datetimeFigureOut">
               <a:rPr lang="en-US"/>
-              <a:t>3/22/2017</a:t>
+              <a:t>3/23/2017</a:t>
             </a:fld>
             <a:endParaRPr/>
           </a:p>
@@ -6923,6 +6925,93 @@
 </p:sld>
 </file>
 
+<file path=ppt/slides/slide10.xml><?xml version="1.0" encoding="utf-8"?>
+<p:sld xmlns:a="http://schemas.openxmlformats.org/drawingml/2006/main" xmlns:r="http://schemas.openxmlformats.org/officeDocument/2006/relationships" xmlns:p="http://schemas.openxmlformats.org/presentationml/2006/main">
+  <p:cSld>
+    <p:spTree>
+      <p:nvGrpSpPr>
+        <p:cNvPr id="1" name=""/>
+        <p:cNvGrpSpPr/>
+        <p:nvPr/>
+      </p:nvGrpSpPr>
+      <p:grpSpPr>
+        <a:xfrm>
+          <a:off x="0" y="0"/>
+          <a:ext cx="0" cy="0"/>
+          <a:chOff x="0" y="0"/>
+          <a:chExt cx="0" cy="0"/>
+        </a:xfrm>
+      </p:grpSpPr>
+      <p:sp>
+        <p:nvSpPr>
+          <p:cNvPr id="2" name="Title 1"/>
+          <p:cNvSpPr>
+            <a:spLocks noGrp="1"/>
+          </p:cNvSpPr>
+          <p:nvPr>
+            <p:ph type="title"/>
+          </p:nvPr>
+        </p:nvSpPr>
+        <p:spPr/>
+        <p:txBody>
+          <a:bodyPr/>
+          <a:lstStyle/>
+          <a:p>
+            <a:r>
+              <a:rPr lang="en-US" dirty="0" err="1"/>
+              <a:t>PyQT</a:t>
+            </a:r>
+            <a:r>
+              <a:rPr lang="en-US" dirty="0"/>
+              <a:t> - GUI</a:t>
+            </a:r>
+          </a:p>
+        </p:txBody>
+      </p:sp>
+      <p:sp>
+        <p:nvSpPr>
+          <p:cNvPr id="3" name="Content Placeholder 2"/>
+          <p:cNvSpPr>
+            <a:spLocks noGrp="1"/>
+          </p:cNvSpPr>
+          <p:nvPr>
+            <p:ph idx="1"/>
+          </p:nvPr>
+        </p:nvSpPr>
+        <p:spPr/>
+        <p:txBody>
+          <a:bodyPr/>
+          <a:lstStyle/>
+          <a:p>
+            <a:endParaRPr lang="en-US" dirty="0"/>
+          </a:p>
+        </p:txBody>
+      </p:sp>
+    </p:spTree>
+    <p:extLst>
+      <p:ext uri="{BB962C8B-B14F-4D97-AF65-F5344CB8AC3E}">
+        <p14:creationId xmlns:p14="http://schemas.microsoft.com/office/powerpoint/2010/main" val="356333825"/>
+      </p:ext>
+    </p:extLst>
+  </p:cSld>
+  <p:clrMapOvr>
+    <a:masterClrMapping/>
+  </p:clrMapOvr>
+  <mc:AlternateContent xmlns:mc="http://schemas.openxmlformats.org/markup-compatibility/2006" xmlns:p14="http://schemas.microsoft.com/office/powerpoint/2010/main">
+    <mc:Choice Requires="p14">
+      <p:transition spd="med" p14:dur="700">
+        <p:fade/>
+      </p:transition>
+    </mc:Choice>
+    <mc:Fallback xmlns="">
+      <p:transition spd="med">
+        <p:fade/>
+      </p:transition>
+    </mc:Fallback>
+  </mc:AlternateContent>
+</p:sld>
+</file>
+
 <file path=ppt/slides/slide2.xml><?xml version="1.0" encoding="utf-8"?>
 <p:sld xmlns:a="http://schemas.openxmlformats.org/drawingml/2006/main" xmlns:r="http://schemas.openxmlformats.org/officeDocument/2006/relationships" xmlns:p="http://schemas.openxmlformats.org/presentationml/2006/main">
   <p:cSld>
@@ -7323,7 +7412,7 @@
           <a:p>
             <a:r>
               <a:rPr lang="en-US" dirty="0"/>
-              <a:t>Reinforcement Learning</a:t>
+              <a:t>Environment</a:t>
             </a:r>
           </a:p>
         </p:txBody>
@@ -7340,12 +7429,44 @@
         </p:nvSpPr>
         <p:spPr/>
         <p:txBody>
-          <a:bodyPr/>
+          <a:bodyPr>
+            <a:normAutofit/>
+          </a:bodyPr>
           <a:lstStyle/>
           <a:p>
             <a:r>
               <a:rPr lang="en-US" dirty="0"/>
-              <a:t>Talk about what Reinforcement learning is and why we chose it over supervised and unsupervised.</a:t>
+              <a:t>Partially Observable through the game’s RAM</a:t>
+            </a:r>
+          </a:p>
+          <a:p>
+            <a:r>
+              <a:rPr lang="en-US" dirty="0"/>
+              <a:t>Deterministic not Stochastic</a:t>
+            </a:r>
+          </a:p>
+          <a:p>
+            <a:r>
+              <a:rPr lang="en-US" dirty="0"/>
+              <a:t>Multiple Agents</a:t>
+            </a:r>
+          </a:p>
+          <a:p>
+            <a:r>
+              <a:rPr lang="en-US" dirty="0"/>
+              <a:t>Sequential not Episodic</a:t>
+            </a:r>
+          </a:p>
+          <a:p>
+            <a:r>
+              <a:rPr lang="en-US" dirty="0"/>
+              <a:t>Dynamic not Static</a:t>
+            </a:r>
+          </a:p>
+          <a:p>
+            <a:r>
+              <a:rPr lang="en-US" dirty="0"/>
+              <a:t>Unknown physics</a:t>
             </a:r>
           </a:p>
         </p:txBody>
@@ -7353,7 +7474,7 @@
     </p:spTree>
     <p:extLst>
       <p:ext uri="{BB962C8B-B14F-4D97-AF65-F5344CB8AC3E}">
-        <p14:creationId xmlns:p14="http://schemas.microsoft.com/office/powerpoint/2010/main" val="2854175971"/>
+        <p14:creationId xmlns:p14="http://schemas.microsoft.com/office/powerpoint/2010/main" val="1283098322"/>
       </p:ext>
     </p:extLst>
   </p:cSld>
@@ -7409,7 +7530,7 @@
           <a:p>
             <a:r>
               <a:rPr lang="en-US" dirty="0"/>
-              <a:t>Asynchronous Advantage Actor Critic (A3C)</a:t>
+              <a:t>Reinforcement Learning</a:t>
             </a:r>
           </a:p>
         </p:txBody>
@@ -7431,7 +7552,7 @@
           <a:p>
             <a:r>
               <a:rPr lang="en-US" dirty="0"/>
-              <a:t>After this slide I think we should show videos of the bots progression while learning. One of it before learning, one after a day or two, and one after a few weeks. We should also put in two or three clips of the bot running with an ally bot to show off A3C’s use with multiple agents.</a:t>
+              <a:t>Talk about what Reinforcement learning is and why we chose it over supervised and unsupervised.</a:t>
             </a:r>
           </a:p>
         </p:txBody>
@@ -7439,7 +7560,7 @@
     </p:spTree>
     <p:extLst>
       <p:ext uri="{BB962C8B-B14F-4D97-AF65-F5344CB8AC3E}">
-        <p14:creationId xmlns:p14="http://schemas.microsoft.com/office/powerpoint/2010/main" val="229318570"/>
+        <p14:creationId xmlns:p14="http://schemas.microsoft.com/office/powerpoint/2010/main" val="2854175971"/>
       </p:ext>
     </p:extLst>
   </p:cSld>
@@ -7495,7 +7616,7 @@
           <a:p>
             <a:r>
               <a:rPr lang="en-US" dirty="0"/>
-              <a:t>Reward System</a:t>
+              <a:t>Asynchronous Advantage Actor Critic (A3C)</a:t>
             </a:r>
           </a:p>
         </p:txBody>
@@ -7515,14 +7636,17 @@
           <a:bodyPr/>
           <a:lstStyle/>
           <a:p>
-            <a:endParaRPr lang="en-US"/>
+            <a:r>
+              <a:rPr lang="en-US" dirty="0"/>
+              <a:t>After this slide I think we should show videos of the bots progression while learning. One of it before learning, one after a day or two, and one after a few weeks. We should also put in two or three clips of the bot running with an ally bot to show off A3C’s use with multiple agents.</a:t>
+            </a:r>
           </a:p>
         </p:txBody>
       </p:sp>
     </p:spTree>
     <p:extLst>
       <p:ext uri="{BB962C8B-B14F-4D97-AF65-F5344CB8AC3E}">
-        <p14:creationId xmlns:p14="http://schemas.microsoft.com/office/powerpoint/2010/main" val="198296853"/>
+        <p14:creationId xmlns:p14="http://schemas.microsoft.com/office/powerpoint/2010/main" val="229318570"/>
       </p:ext>
     </p:extLst>
   </p:cSld>
@@ -7577,12 +7701,8 @@
           <a:lstStyle/>
           <a:p>
             <a:r>
-              <a:rPr lang="en-US" dirty="0" err="1"/>
-              <a:t>PyQT</a:t>
-            </a:r>
-            <a:r>
               <a:rPr lang="en-US" dirty="0"/>
-              <a:t> - GUI</a:t>
+              <a:t>Reward System</a:t>
             </a:r>
           </a:p>
         </p:txBody>
@@ -7602,14 +7722,97 @@
           <a:bodyPr/>
           <a:lstStyle/>
           <a:p>
-            <a:endParaRPr lang="en-US" dirty="0"/>
+            <a:endParaRPr lang="en-US"/>
           </a:p>
         </p:txBody>
       </p:sp>
     </p:spTree>
     <p:extLst>
       <p:ext uri="{BB962C8B-B14F-4D97-AF65-F5344CB8AC3E}">
-        <p14:creationId xmlns:p14="http://schemas.microsoft.com/office/powerpoint/2010/main" val="356333825"/>
+        <p14:creationId xmlns:p14="http://schemas.microsoft.com/office/powerpoint/2010/main" val="198296853"/>
+      </p:ext>
+    </p:extLst>
+  </p:cSld>
+  <p:clrMapOvr>
+    <a:masterClrMapping/>
+  </p:clrMapOvr>
+  <mc:AlternateContent xmlns:mc="http://schemas.openxmlformats.org/markup-compatibility/2006" xmlns:p14="http://schemas.microsoft.com/office/powerpoint/2010/main">
+    <mc:Choice Requires="p14">
+      <p:transition spd="med" p14:dur="700">
+        <p:fade/>
+      </p:transition>
+    </mc:Choice>
+    <mc:Fallback xmlns="">
+      <p:transition spd="med">
+        <p:fade/>
+      </p:transition>
+    </mc:Fallback>
+  </mc:AlternateContent>
+</p:sld>
+</file>
+
+<file path=ppt/slides/slide9.xml><?xml version="1.0" encoding="utf-8"?>
+<p:sld xmlns:a="http://schemas.openxmlformats.org/drawingml/2006/main" xmlns:r="http://schemas.openxmlformats.org/officeDocument/2006/relationships" xmlns:p="http://schemas.openxmlformats.org/presentationml/2006/main">
+  <p:cSld>
+    <p:spTree>
+      <p:nvGrpSpPr>
+        <p:cNvPr id="1" name=""/>
+        <p:cNvGrpSpPr/>
+        <p:nvPr/>
+      </p:nvGrpSpPr>
+      <p:grpSpPr>
+        <a:xfrm>
+          <a:off x="0" y="0"/>
+          <a:ext cx="0" cy="0"/>
+          <a:chOff x="0" y="0"/>
+          <a:chExt cx="0" cy="0"/>
+        </a:xfrm>
+      </p:grpSpPr>
+      <p:sp>
+        <p:nvSpPr>
+          <p:cNvPr id="2" name="Title 1"/>
+          <p:cNvSpPr>
+            <a:spLocks noGrp="1"/>
+          </p:cNvSpPr>
+          <p:nvPr>
+            <p:ph type="title"/>
+          </p:nvPr>
+        </p:nvSpPr>
+        <p:spPr/>
+        <p:txBody>
+          <a:bodyPr/>
+          <a:lstStyle/>
+          <a:p>
+            <a:r>
+              <a:rPr lang="en-US" dirty="0"/>
+              <a:t>Training</a:t>
+            </a:r>
+          </a:p>
+        </p:txBody>
+      </p:sp>
+      <p:sp>
+        <p:nvSpPr>
+          <p:cNvPr id="3" name="Content Placeholder 2"/>
+          <p:cNvSpPr>
+            <a:spLocks noGrp="1"/>
+          </p:cNvSpPr>
+          <p:nvPr>
+            <p:ph idx="1"/>
+          </p:nvPr>
+        </p:nvSpPr>
+        <p:spPr/>
+        <p:txBody>
+          <a:bodyPr/>
+          <a:lstStyle/>
+          <a:p>
+            <a:endParaRPr lang="en-US"/>
+          </a:p>
+        </p:txBody>
+      </p:sp>
+    </p:spTree>
+    <p:extLst>
+      <p:ext uri="{BB962C8B-B14F-4D97-AF65-F5344CB8AC3E}">
+        <p14:creationId xmlns:p14="http://schemas.microsoft.com/office/powerpoint/2010/main" val="4159471737"/>
       </p:ext>
     </p:extLst>
   </p:cSld>
@@ -9446,6 +9649,15 @@
 </file>
 
 <file path=customXml/item2.xml><?xml version="1.0" encoding="utf-8"?>
+<?mso-contentType ?>
+<FormTemplates xmlns="http://schemas.microsoft.com/sharepoint/v3/contenttype/forms">
+  <Display>DocumentLibraryForm</Display>
+  <Edit>AssetEditForm</Edit>
+  <New>DocumentLibraryForm</New>
+</FormTemplates>
+</file>
+
+<file path=customXml/item3.xml><?xml version="1.0" encoding="utf-8"?>
 <p:properties xmlns:p="http://schemas.microsoft.com/office/2006/metadata/properties" xmlns:xsi="http://www.w3.org/2001/XMLSchema-instance" xmlns:pc="http://schemas.microsoft.com/office/infopath/2007/PartnerControls">
   <documentManagement>
     <DirectSourceMarket xmlns="4873beb7-5857-4685-be1f-d57550cc96cc" xsi:nil="true"/>
@@ -9572,15 +9784,6 @@
 </p:properties>
 </file>
 
-<file path=customXml/item3.xml><?xml version="1.0" encoding="utf-8"?>
-<?mso-contentType ?>
-<FormTemplates xmlns="http://schemas.microsoft.com/sharepoint/v3/contenttype/forms">
-  <Display>DocumentLibraryForm</Display>
-  <Edit>AssetEditForm</Edit>
-  <New>DocumentLibraryForm</New>
-</FormTemplates>
-</file>
-
 <file path=customXml/itemProps1.xml><?xml version="1.0" encoding="utf-8"?>
 <ds:datastoreItem xmlns:ds="http://schemas.openxmlformats.org/officeDocument/2006/customXml" ds:itemID="{22CCB507-0646-4A50-A4F7-7F385079D589}">
   <ds:schemaRefs>
@@ -9600,6 +9803,14 @@
 </file>
 
 <file path=customXml/itemProps2.xml><?xml version="1.0" encoding="utf-8"?>
+<ds:datastoreItem xmlns:ds="http://schemas.openxmlformats.org/officeDocument/2006/customXml" ds:itemID="{74228E6B-D70C-44BB-A81F-A245495F612B}">
+  <ds:schemaRefs>
+    <ds:schemaRef ds:uri="http://schemas.microsoft.com/sharepoint/v3/contenttype/forms"/>
+  </ds:schemaRefs>
+</ds:datastoreItem>
+</file>
+
+<file path=customXml/itemProps3.xml><?xml version="1.0" encoding="utf-8"?>
 <ds:datastoreItem xmlns:ds="http://schemas.openxmlformats.org/officeDocument/2006/customXml" ds:itemID="{00E41224-0370-4595-877C-23316CD80004}">
   <ds:schemaRefs>
     <ds:schemaRef ds:uri="http://schemas.openxmlformats.org/package/2006/metadata/core-properties"/>
@@ -9613,12 +9824,4 @@
     <ds:schemaRef ds:uri="http://purl.org/dc/dcmitype/"/>
   </ds:schemaRefs>
 </ds:datastoreItem>
-</file>
-
-<file path=customXml/itemProps3.xml><?xml version="1.0" encoding="utf-8"?>
-<ds:datastoreItem xmlns:ds="http://schemas.openxmlformats.org/officeDocument/2006/customXml" ds:itemID="{74228E6B-D70C-44BB-A81F-A245495F612B}">
-  <ds:schemaRefs>
-    <ds:schemaRef ds:uri="http://schemas.microsoft.com/sharepoint/v3/contenttype/forms"/>
-  </ds:schemaRefs>
-</ds:datastoreItem>
 </file>
--- a/Documents/ProjectPresentation.pptx
+++ b/Documents/ProjectPresentation.pptx
@@ -226,7 +226,7 @@
           <a:p>
             <a:fld id="{59088EAF-6ECA-4616-85EF-35AA19C641F3}" type="datetimeFigureOut">
               <a:rPr lang="en-US"/>
-              <a:t>3/23/2017</a:t>
+              <a:t>3/24/2017</a:t>
             </a:fld>
             <a:endParaRPr/>
           </a:p>
@@ -391,7 +391,7 @@
           <a:p>
             <a:fld id="{3ABD2D7A-D230-4F91-BD59-0A39C2703BA8}" type="datetimeFigureOut">
               <a:rPr lang="en-US"/>
-              <a:t>3/22/2017</a:t>
+              <a:t>3/24/2017</a:t>
             </a:fld>
             <a:endParaRPr/>
           </a:p>
@@ -1155,7 +1155,7 @@
           <a:p>
             <a:fld id="{48A87A34-81AB-432B-8DAE-1953F412C126}" type="datetimeFigureOut">
               <a:rPr lang="en-US" smtClean="0"/>
-              <a:t>3/22/2017</a:t>
+              <a:t>3/24/2017</a:t>
             </a:fld>
             <a:endParaRPr lang="en-US" dirty="0"/>
           </a:p>
@@ -1464,7 +1464,7 @@
             <a:fld id="{03F41C87-7AD9-4845-A077-840E4A0F3F06}" type="datetimeFigureOut">
               <a:rPr lang="en-US" smtClean="0"/>
               <a:pPr/>
-              <a:t>3/22/2017</a:t>
+              <a:t>3/24/2017</a:t>
             </a:fld>
             <a:endParaRPr lang="en-US"/>
           </a:p>
@@ -1714,7 +1714,7 @@
             <a:fld id="{03F41C87-7AD9-4845-A077-840E4A0F3F06}" type="datetimeFigureOut">
               <a:rPr lang="en-US" smtClean="0"/>
               <a:pPr/>
-              <a:t>3/22/2017</a:t>
+              <a:t>3/24/2017</a:t>
             </a:fld>
             <a:endParaRPr lang="en-US"/>
           </a:p>
@@ -2256,7 +2256,7 @@
             <a:fld id="{03F41C87-7AD9-4845-A077-840E4A0F3F06}" type="datetimeFigureOut">
               <a:rPr lang="en-US" smtClean="0"/>
               <a:pPr/>
-              <a:t>3/22/2017</a:t>
+              <a:t>3/24/2017</a:t>
             </a:fld>
             <a:endParaRPr lang="en-US"/>
           </a:p>
@@ -2506,7 +2506,7 @@
             <a:fld id="{03F41C87-7AD9-4845-A077-840E4A0F3F06}" type="datetimeFigureOut">
               <a:rPr lang="en-US" smtClean="0"/>
               <a:pPr/>
-              <a:t>3/22/2017</a:t>
+              <a:t>3/24/2017</a:t>
             </a:fld>
             <a:endParaRPr lang="en-US"/>
           </a:p>
@@ -3040,7 +3040,7 @@
             <a:fld id="{03F41C87-7AD9-4845-A077-840E4A0F3F06}" type="datetimeFigureOut">
               <a:rPr lang="en-US" smtClean="0"/>
               <a:pPr/>
-              <a:t>3/22/2017</a:t>
+              <a:t>3/24/2017</a:t>
             </a:fld>
             <a:endParaRPr lang="en-US"/>
           </a:p>
@@ -3339,7 +3339,7 @@
             <a:fld id="{03F41C87-7AD9-4845-A077-840E4A0F3F06}" type="datetimeFigureOut">
               <a:rPr lang="en-US" smtClean="0"/>
               <a:pPr/>
-              <a:t>3/22/2017</a:t>
+              <a:t>3/24/2017</a:t>
             </a:fld>
             <a:endParaRPr lang="en-US"/>
           </a:p>
@@ -3514,7 +3514,7 @@
           <a:p>
             <a:fld id="{03F41C87-7AD9-4845-A077-840E4A0F3F06}" type="datetimeFigureOut">
               <a:rPr lang="en-US" smtClean="0"/>
-              <a:t>3/22/2017</a:t>
+              <a:t>3/24/2017</a:t>
             </a:fld>
             <a:endParaRPr lang="en-US"/>
           </a:p>
@@ -3706,7 +3706,7 @@
           <a:p>
             <a:fld id="{03F41C87-7AD9-4845-A077-840E4A0F3F06}" type="datetimeFigureOut">
               <a:rPr lang="en-US" smtClean="0"/>
-              <a:t>3/22/2017</a:t>
+              <a:t>3/24/2017</a:t>
             </a:fld>
             <a:endParaRPr lang="en-US"/>
           </a:p>
@@ -3888,7 +3888,7 @@
           <a:p>
             <a:fld id="{03F41C87-7AD9-4845-A077-840E4A0F3F06}" type="datetimeFigureOut">
               <a:rPr lang="en-US" smtClean="0"/>
-              <a:t>3/22/2017</a:t>
+              <a:t>3/24/2017</a:t>
             </a:fld>
             <a:endParaRPr lang="en-US"/>
           </a:p>
@@ -4151,7 +4151,7 @@
           <a:p>
             <a:fld id="{03F41C87-7AD9-4845-A077-840E4A0F3F06}" type="datetimeFigureOut">
               <a:rPr lang="en-US" smtClean="0"/>
-              <a:t>3/22/2017</a:t>
+              <a:t>3/24/2017</a:t>
             </a:fld>
             <a:endParaRPr lang="en-US"/>
           </a:p>
@@ -4460,7 +4460,7 @@
           <a:p>
             <a:fld id="{03F41C87-7AD9-4845-A077-840E4A0F3F06}" type="datetimeFigureOut">
               <a:rPr lang="en-US" smtClean="0"/>
-              <a:t>3/22/2017</a:t>
+              <a:t>3/24/2017</a:t>
             </a:fld>
             <a:endParaRPr lang="en-US"/>
           </a:p>
@@ -4914,7 +4914,7 @@
           <a:p>
             <a:fld id="{03F41C87-7AD9-4845-A077-840E4A0F3F06}" type="datetimeFigureOut">
               <a:rPr lang="en-US" smtClean="0"/>
-              <a:t>3/22/2017</a:t>
+              <a:t>3/24/2017</a:t>
             </a:fld>
             <a:endParaRPr lang="en-US"/>
           </a:p>
@@ -5044,7 +5044,7 @@
           <a:p>
             <a:fld id="{03F41C87-7AD9-4845-A077-840E4A0F3F06}" type="datetimeFigureOut">
               <a:rPr lang="en-US" smtClean="0"/>
-              <a:t>3/22/2017</a:t>
+              <a:t>3/24/2017</a:t>
             </a:fld>
             <a:endParaRPr lang="en-US"/>
           </a:p>
@@ -5151,7 +5151,7 @@
           <a:p>
             <a:fld id="{03F41C87-7AD9-4845-A077-840E4A0F3F06}" type="datetimeFigureOut">
               <a:rPr lang="en-US" smtClean="0"/>
-              <a:t>3/22/2017</a:t>
+              <a:t>3/24/2017</a:t>
             </a:fld>
             <a:endParaRPr lang="en-US"/>
           </a:p>
@@ -5446,7 +5446,7 @@
           <a:p>
             <a:fld id="{03F41C87-7AD9-4845-A077-840E4A0F3F06}" type="datetimeFigureOut">
               <a:rPr lang="en-US" smtClean="0"/>
-              <a:t>3/22/2017</a:t>
+              <a:t>3/24/2017</a:t>
             </a:fld>
             <a:endParaRPr lang="en-US"/>
           </a:p>
@@ -5750,7 +5750,7 @@
             <a:fld id="{03F41C87-7AD9-4845-A077-840E4A0F3F06}" type="datetimeFigureOut">
               <a:rPr lang="en-US" smtClean="0"/>
               <a:pPr/>
-              <a:t>3/22/2017</a:t>
+              <a:t>3/24/2017</a:t>
             </a:fld>
             <a:endParaRPr lang="en-US"/>
           </a:p>
@@ -6294,7 +6294,7 @@
             <a:fld id="{03F41C87-7AD9-4845-A077-840E4A0F3F06}" type="datetimeFigureOut">
               <a:rPr lang="en-US" smtClean="0"/>
               <a:pPr/>
-              <a:t>3/22/2017</a:t>
+              <a:t>3/24/2017</a:t>
             </a:fld>
             <a:endParaRPr lang="en-US"/>
           </a:p>
@@ -7430,7 +7430,7 @@
         <p:spPr/>
         <p:txBody>
           <a:bodyPr>
-            <a:normAutofit/>
+            <a:normAutofit fontScale="92500" lnSpcReduction="10000"/>
           </a:bodyPr>
           <a:lstStyle/>
           <a:p>
@@ -7467,6 +7467,12 @@
             <a:r>
               <a:rPr lang="en-US" dirty="0"/>
               <a:t>Unknown physics</a:t>
+            </a:r>
+          </a:p>
+          <a:p>
+            <a:r>
+              <a:rPr lang="en-US" dirty="0"/>
+              <a:t>Discrete not continuous</a:t>
             </a:r>
           </a:p>
         </p:txBody>
@@ -9649,15 +9655,6 @@
 </file>
 
 <file path=customXml/item2.xml><?xml version="1.0" encoding="utf-8"?>
-<?mso-contentType ?>
-<FormTemplates xmlns="http://schemas.microsoft.com/sharepoint/v3/contenttype/forms">
-  <Display>DocumentLibraryForm</Display>
-  <Edit>AssetEditForm</Edit>
-  <New>DocumentLibraryForm</New>
-</FormTemplates>
-</file>
-
-<file path=customXml/item3.xml><?xml version="1.0" encoding="utf-8"?>
 <p:properties xmlns:p="http://schemas.microsoft.com/office/2006/metadata/properties" xmlns:xsi="http://www.w3.org/2001/XMLSchema-instance" xmlns:pc="http://schemas.microsoft.com/office/infopath/2007/PartnerControls">
   <documentManagement>
     <DirectSourceMarket xmlns="4873beb7-5857-4685-be1f-d57550cc96cc" xsi:nil="true"/>
@@ -9784,6 +9781,15 @@
 </p:properties>
 </file>
 
+<file path=customXml/item3.xml><?xml version="1.0" encoding="utf-8"?>
+<?mso-contentType ?>
+<FormTemplates xmlns="http://schemas.microsoft.com/sharepoint/v3/contenttype/forms">
+  <Display>DocumentLibraryForm</Display>
+  <Edit>AssetEditForm</Edit>
+  <New>DocumentLibraryForm</New>
+</FormTemplates>
+</file>
+
 <file path=customXml/itemProps1.xml><?xml version="1.0" encoding="utf-8"?>
 <ds:datastoreItem xmlns:ds="http://schemas.openxmlformats.org/officeDocument/2006/customXml" ds:itemID="{22CCB507-0646-4A50-A4F7-7F385079D589}">
   <ds:schemaRefs>
@@ -9803,14 +9809,6 @@
 </file>
 
 <file path=customXml/itemProps2.xml><?xml version="1.0" encoding="utf-8"?>
-<ds:datastoreItem xmlns:ds="http://schemas.openxmlformats.org/officeDocument/2006/customXml" ds:itemID="{74228E6B-D70C-44BB-A81F-A245495F612B}">
-  <ds:schemaRefs>
-    <ds:schemaRef ds:uri="http://schemas.microsoft.com/sharepoint/v3/contenttype/forms"/>
-  </ds:schemaRefs>
-</ds:datastoreItem>
-</file>
-
-<file path=customXml/itemProps3.xml><?xml version="1.0" encoding="utf-8"?>
 <ds:datastoreItem xmlns:ds="http://schemas.openxmlformats.org/officeDocument/2006/customXml" ds:itemID="{00E41224-0370-4595-877C-23316CD80004}">
   <ds:schemaRefs>
     <ds:schemaRef ds:uri="http://schemas.openxmlformats.org/package/2006/metadata/core-properties"/>
@@ -9824,4 +9822,12 @@
     <ds:schemaRef ds:uri="http://purl.org/dc/dcmitype/"/>
   </ds:schemaRefs>
 </ds:datastoreItem>
+</file>
+
+<file path=customXml/itemProps3.xml><?xml version="1.0" encoding="utf-8"?>
+<ds:datastoreItem xmlns:ds="http://schemas.openxmlformats.org/officeDocument/2006/customXml" ds:itemID="{74228E6B-D70C-44BB-A81F-A245495F612B}">
+  <ds:schemaRefs>
+    <ds:schemaRef ds:uri="http://schemas.microsoft.com/sharepoint/v3/contenttype/forms"/>
+  </ds:schemaRefs>
+</ds:datastoreItem>
 </file>
--- a/Documents/ProjectPresentation.pptx
+++ b/Documents/ProjectPresentation.pptx
@@ -14,13 +14,13 @@
     <p:sldId id="265" r:id="rId5"/>
     <p:sldId id="270" r:id="rId6"/>
     <p:sldId id="267" r:id="rId7"/>
-    <p:sldId id="266" r:id="rId8"/>
-    <p:sldId id="273" r:id="rId9"/>
-    <p:sldId id="268" r:id="rId10"/>
-    <p:sldId id="269" r:id="rId11"/>
-    <p:sldId id="271" r:id="rId12"/>
-    <p:sldId id="274" r:id="rId13"/>
-    <p:sldId id="272" r:id="rId14"/>
+    <p:sldId id="268" r:id="rId8"/>
+    <p:sldId id="269" r:id="rId9"/>
+    <p:sldId id="271" r:id="rId10"/>
+    <p:sldId id="273" r:id="rId11"/>
+    <p:sldId id="274" r:id="rId12"/>
+    <p:sldId id="272" r:id="rId13"/>
+    <p:sldId id="275" r:id="rId14"/>
   </p:sldIdLst>
   <p:sldSz cx="12188825" cy="6858000"/>
   <p:notesSz cx="6858000" cy="9144000"/>
@@ -226,7 +226,7 @@
           <a:p>
             <a:fld id="{59088EAF-6ECA-4616-85EF-35AA19C641F3}" type="datetimeFigureOut">
               <a:rPr lang="en-US"/>
-              <a:t>3/24/2017</a:t>
+              <a:t>3/28/2017</a:t>
             </a:fld>
             <a:endParaRPr/>
           </a:p>
@@ -391,7 +391,7 @@
           <a:p>
             <a:fld id="{3ABD2D7A-D230-4F91-BD59-0A39C2703BA8}" type="datetimeFigureOut">
               <a:rPr lang="en-US"/>
-              <a:t>3/24/2017</a:t>
+              <a:t>3/28/2017</a:t>
             </a:fld>
             <a:endParaRPr/>
           </a:p>
@@ -1155,7 +1155,7 @@
           <a:p>
             <a:fld id="{48A87A34-81AB-432B-8DAE-1953F412C126}" type="datetimeFigureOut">
               <a:rPr lang="en-US" smtClean="0"/>
-              <a:t>3/24/2017</a:t>
+              <a:t>3/28/2017</a:t>
             </a:fld>
             <a:endParaRPr lang="en-US" dirty="0"/>
           </a:p>
@@ -1464,7 +1464,7 @@
             <a:fld id="{03F41C87-7AD9-4845-A077-840E4A0F3F06}" type="datetimeFigureOut">
               <a:rPr lang="en-US" smtClean="0"/>
               <a:pPr/>
-              <a:t>3/24/2017</a:t>
+              <a:t>3/28/2017</a:t>
             </a:fld>
             <a:endParaRPr lang="en-US"/>
           </a:p>
@@ -1714,7 +1714,7 @@
             <a:fld id="{03F41C87-7AD9-4845-A077-840E4A0F3F06}" type="datetimeFigureOut">
               <a:rPr lang="en-US" smtClean="0"/>
               <a:pPr/>
-              <a:t>3/24/2017</a:t>
+              <a:t>3/28/2017</a:t>
             </a:fld>
             <a:endParaRPr lang="en-US"/>
           </a:p>
@@ -2256,7 +2256,7 @@
             <a:fld id="{03F41C87-7AD9-4845-A077-840E4A0F3F06}" type="datetimeFigureOut">
               <a:rPr lang="en-US" smtClean="0"/>
               <a:pPr/>
-              <a:t>3/24/2017</a:t>
+              <a:t>3/28/2017</a:t>
             </a:fld>
             <a:endParaRPr lang="en-US"/>
           </a:p>
@@ -2506,7 +2506,7 @@
             <a:fld id="{03F41C87-7AD9-4845-A077-840E4A0F3F06}" type="datetimeFigureOut">
               <a:rPr lang="en-US" smtClean="0"/>
               <a:pPr/>
-              <a:t>3/24/2017</a:t>
+              <a:t>3/28/2017</a:t>
             </a:fld>
             <a:endParaRPr lang="en-US"/>
           </a:p>
@@ -3040,7 +3040,7 @@
             <a:fld id="{03F41C87-7AD9-4845-A077-840E4A0F3F06}" type="datetimeFigureOut">
               <a:rPr lang="en-US" smtClean="0"/>
               <a:pPr/>
-              <a:t>3/24/2017</a:t>
+              <a:t>3/28/2017</a:t>
             </a:fld>
             <a:endParaRPr lang="en-US"/>
           </a:p>
@@ -3339,7 +3339,7 @@
             <a:fld id="{03F41C87-7AD9-4845-A077-840E4A0F3F06}" type="datetimeFigureOut">
               <a:rPr lang="en-US" smtClean="0"/>
               <a:pPr/>
-              <a:t>3/24/2017</a:t>
+              <a:t>3/28/2017</a:t>
             </a:fld>
             <a:endParaRPr lang="en-US"/>
           </a:p>
@@ -3514,7 +3514,7 @@
           <a:p>
             <a:fld id="{03F41C87-7AD9-4845-A077-840E4A0F3F06}" type="datetimeFigureOut">
               <a:rPr lang="en-US" smtClean="0"/>
-              <a:t>3/24/2017</a:t>
+              <a:t>3/28/2017</a:t>
             </a:fld>
             <a:endParaRPr lang="en-US"/>
           </a:p>
@@ -3706,7 +3706,7 @@
           <a:p>
             <a:fld id="{03F41C87-7AD9-4845-A077-840E4A0F3F06}" type="datetimeFigureOut">
               <a:rPr lang="en-US" smtClean="0"/>
-              <a:t>3/24/2017</a:t>
+              <a:t>3/28/2017</a:t>
             </a:fld>
             <a:endParaRPr lang="en-US"/>
           </a:p>
@@ -3888,7 +3888,7 @@
           <a:p>
             <a:fld id="{03F41C87-7AD9-4845-A077-840E4A0F3F06}" type="datetimeFigureOut">
               <a:rPr lang="en-US" smtClean="0"/>
-              <a:t>3/24/2017</a:t>
+              <a:t>3/28/2017</a:t>
             </a:fld>
             <a:endParaRPr lang="en-US"/>
           </a:p>
@@ -4151,7 +4151,7 @@
           <a:p>
             <a:fld id="{03F41C87-7AD9-4845-A077-840E4A0F3F06}" type="datetimeFigureOut">
               <a:rPr lang="en-US" smtClean="0"/>
-              <a:t>3/24/2017</a:t>
+              <a:t>3/28/2017</a:t>
             </a:fld>
             <a:endParaRPr lang="en-US"/>
           </a:p>
@@ -4460,7 +4460,7 @@
           <a:p>
             <a:fld id="{03F41C87-7AD9-4845-A077-840E4A0F3F06}" type="datetimeFigureOut">
               <a:rPr lang="en-US" smtClean="0"/>
-              <a:t>3/24/2017</a:t>
+              <a:t>3/28/2017</a:t>
             </a:fld>
             <a:endParaRPr lang="en-US"/>
           </a:p>
@@ -4914,7 +4914,7 @@
           <a:p>
             <a:fld id="{03F41C87-7AD9-4845-A077-840E4A0F3F06}" type="datetimeFigureOut">
               <a:rPr lang="en-US" smtClean="0"/>
-              <a:t>3/24/2017</a:t>
+              <a:t>3/28/2017</a:t>
             </a:fld>
             <a:endParaRPr lang="en-US"/>
           </a:p>
@@ -5044,7 +5044,7 @@
           <a:p>
             <a:fld id="{03F41C87-7AD9-4845-A077-840E4A0F3F06}" type="datetimeFigureOut">
               <a:rPr lang="en-US" smtClean="0"/>
-              <a:t>3/24/2017</a:t>
+              <a:t>3/28/2017</a:t>
             </a:fld>
             <a:endParaRPr lang="en-US"/>
           </a:p>
@@ -5151,7 +5151,7 @@
           <a:p>
             <a:fld id="{03F41C87-7AD9-4845-A077-840E4A0F3F06}" type="datetimeFigureOut">
               <a:rPr lang="en-US" smtClean="0"/>
-              <a:t>3/24/2017</a:t>
+              <a:t>3/28/2017</a:t>
             </a:fld>
             <a:endParaRPr lang="en-US"/>
           </a:p>
@@ -5446,7 +5446,7 @@
           <a:p>
             <a:fld id="{03F41C87-7AD9-4845-A077-840E4A0F3F06}" type="datetimeFigureOut">
               <a:rPr lang="en-US" smtClean="0"/>
-              <a:t>3/24/2017</a:t>
+              <a:t>3/28/2017</a:t>
             </a:fld>
             <a:endParaRPr lang="en-US"/>
           </a:p>
@@ -5750,7 +5750,7 @@
             <a:fld id="{03F41C87-7AD9-4845-A077-840E4A0F3F06}" type="datetimeFigureOut">
               <a:rPr lang="en-US" smtClean="0"/>
               <a:pPr/>
-              <a:t>3/24/2017</a:t>
+              <a:t>3/28/2017</a:t>
             </a:fld>
             <a:endParaRPr lang="en-US"/>
           </a:p>
@@ -6294,7 +6294,7 @@
             <a:fld id="{03F41C87-7AD9-4845-A077-840E4A0F3F06}" type="datetimeFigureOut">
               <a:rPr lang="en-US" smtClean="0"/>
               <a:pPr/>
-              <a:t>3/24/2017</a:t>
+              <a:t>3/28/2017</a:t>
             </a:fld>
             <a:endParaRPr lang="en-US"/>
           </a:p>
@@ -6958,12 +6958,8 @@
           <a:lstStyle/>
           <a:p>
             <a:r>
-              <a:rPr lang="en-US" dirty="0" err="1"/>
-              <a:t>PyQT</a:t>
-            </a:r>
-            <a:r>
               <a:rPr lang="en-US" dirty="0"/>
-              <a:t> - GUI</a:t>
+              <a:t>Applications (Jordan)</a:t>
             </a:r>
           </a:p>
         </p:txBody>
@@ -6983,14 +6979,14 @@
           <a:bodyPr/>
           <a:lstStyle/>
           <a:p>
-            <a:endParaRPr lang="en-US" dirty="0"/>
+            <a:endParaRPr lang="en-US"/>
           </a:p>
         </p:txBody>
       </p:sp>
     </p:spTree>
     <p:extLst>
       <p:ext uri="{BB962C8B-B14F-4D97-AF65-F5344CB8AC3E}">
-        <p14:creationId xmlns:p14="http://schemas.microsoft.com/office/powerpoint/2010/main" val="356333825"/>
+        <p14:creationId xmlns:p14="http://schemas.microsoft.com/office/powerpoint/2010/main" val="755175350"/>
       </p:ext>
     </p:extLst>
   </p:cSld>
@@ -7046,7 +7042,7 @@
           <a:p>
             <a:r>
               <a:rPr lang="en-US" dirty="0"/>
-              <a:t>Super Smash Brothers Melee (SSBM)</a:t>
+              <a:t>Super Smash Brothers Melee (SSBM) (Brant)</a:t>
             </a:r>
           </a:p>
         </p:txBody>
@@ -7196,7 +7192,7 @@
           <a:p>
             <a:r>
               <a:rPr lang="en-US" dirty="0"/>
-              <a:t>Problem</a:t>
+              <a:t>Problem (Brant)</a:t>
             </a:r>
           </a:p>
         </p:txBody>
@@ -7323,7 +7319,7 @@
           <a:p>
             <a:r>
               <a:rPr lang="en-US" dirty="0"/>
-              <a:t>Fixing the problem</a:t>
+              <a:t>Fixing the Problem (Kegan)</a:t>
             </a:r>
           </a:p>
         </p:txBody>
@@ -7343,12 +7339,9 @@
           <a:bodyPr/>
           <a:lstStyle/>
           <a:p>
-            <a:pPr marL="0" indent="0">
-              <a:buNone/>
-            </a:pPr>
             <a:r>
               <a:rPr lang="en-US" dirty="0"/>
-              <a:t>Machine Learning</a:t>
+              <a:t>Talk about what Reinforcement learning is and why we chose it over supervised and unsupervised.</a:t>
             </a:r>
           </a:p>
         </p:txBody>
@@ -7356,7 +7349,7 @@
     </p:spTree>
     <p:extLst>
       <p:ext uri="{BB962C8B-B14F-4D97-AF65-F5344CB8AC3E}">
-        <p14:creationId xmlns:p14="http://schemas.microsoft.com/office/powerpoint/2010/main" val="2617607715"/>
+        <p14:creationId xmlns:p14="http://schemas.microsoft.com/office/powerpoint/2010/main" val="2854175971"/>
       </p:ext>
     </p:extLst>
   </p:cSld>
@@ -7412,7 +7405,7 @@
           <a:p>
             <a:r>
               <a:rPr lang="en-US" dirty="0"/>
-              <a:t>Environment</a:t>
+              <a:t>Asynchronous Advantage Actor Critic (A3C) (Kegan)</a:t>
             </a:r>
           </a:p>
         </p:txBody>
@@ -7429,50 +7422,12 @@
         </p:nvSpPr>
         <p:spPr/>
         <p:txBody>
-          <a:bodyPr>
-            <a:normAutofit fontScale="92500" lnSpcReduction="10000"/>
-          </a:bodyPr>
+          <a:bodyPr/>
           <a:lstStyle/>
           <a:p>
             <a:r>
               <a:rPr lang="en-US" dirty="0"/>
-              <a:t>Partially Observable through the game’s RAM</a:t>
-            </a:r>
-          </a:p>
-          <a:p>
-            <a:r>
-              <a:rPr lang="en-US" dirty="0"/>
-              <a:t>Deterministic not Stochastic</a:t>
-            </a:r>
-          </a:p>
-          <a:p>
-            <a:r>
-              <a:rPr lang="en-US" dirty="0"/>
-              <a:t>Multiple Agents</a:t>
-            </a:r>
-          </a:p>
-          <a:p>
-            <a:r>
-              <a:rPr lang="en-US" dirty="0"/>
-              <a:t>Sequential not Episodic</a:t>
-            </a:r>
-          </a:p>
-          <a:p>
-            <a:r>
-              <a:rPr lang="en-US" dirty="0"/>
-              <a:t>Dynamic not Static</a:t>
-            </a:r>
-          </a:p>
-          <a:p>
-            <a:r>
-              <a:rPr lang="en-US" dirty="0"/>
-              <a:t>Unknown physics</a:t>
-            </a:r>
-          </a:p>
-          <a:p>
-            <a:r>
-              <a:rPr lang="en-US" dirty="0"/>
-              <a:t>Discrete not continuous</a:t>
+              <a:t>After this slide I think we should show videos of the bots progression while learning. One of it before learning, one after a day or two, and one after a few weeks. We should also put in two or three clips of the bot running with an ally bot to show off A3C’s use with multiple agents.</a:t>
             </a:r>
           </a:p>
         </p:txBody>
@@ -7480,7 +7435,7 @@
     </p:spTree>
     <p:extLst>
       <p:ext uri="{BB962C8B-B14F-4D97-AF65-F5344CB8AC3E}">
-        <p14:creationId xmlns:p14="http://schemas.microsoft.com/office/powerpoint/2010/main" val="1283098322"/>
+        <p14:creationId xmlns:p14="http://schemas.microsoft.com/office/powerpoint/2010/main" val="229318570"/>
       </p:ext>
     </p:extLst>
   </p:cSld>
@@ -7536,7 +7491,7 @@
           <a:p>
             <a:r>
               <a:rPr lang="en-US" dirty="0"/>
-              <a:t>Reinforcement Learning</a:t>
+              <a:t>Reward System (Jay)</a:t>
             </a:r>
           </a:p>
         </p:txBody>
@@ -7556,17 +7511,14 @@
           <a:bodyPr/>
           <a:lstStyle/>
           <a:p>
-            <a:r>
-              <a:rPr lang="en-US" dirty="0"/>
-              <a:t>Talk about what Reinforcement learning is and why we chose it over supervised and unsupervised.</a:t>
-            </a:r>
+            <a:endParaRPr lang="en-US"/>
           </a:p>
         </p:txBody>
       </p:sp>
     </p:spTree>
     <p:extLst>
       <p:ext uri="{BB962C8B-B14F-4D97-AF65-F5344CB8AC3E}">
-        <p14:creationId xmlns:p14="http://schemas.microsoft.com/office/powerpoint/2010/main" val="2854175971"/>
+        <p14:creationId xmlns:p14="http://schemas.microsoft.com/office/powerpoint/2010/main" val="198296853"/>
       </p:ext>
     </p:extLst>
   </p:cSld>
@@ -7622,7 +7574,7 @@
           <a:p>
             <a:r>
               <a:rPr lang="en-US" dirty="0"/>
-              <a:t>Asynchronous Advantage Actor Critic (A3C)</a:t>
+              <a:t>Environment (Jay)</a:t>
             </a:r>
           </a:p>
         </p:txBody>
@@ -7639,12 +7591,50 @@
         </p:nvSpPr>
         <p:spPr/>
         <p:txBody>
-          <a:bodyPr/>
+          <a:bodyPr>
+            <a:normAutofit fontScale="92500" lnSpcReduction="10000"/>
+          </a:bodyPr>
           <a:lstStyle/>
           <a:p>
             <a:r>
               <a:rPr lang="en-US" dirty="0"/>
-              <a:t>After this slide I think we should show videos of the bots progression while learning. One of it before learning, one after a day or two, and one after a few weeks. We should also put in two or three clips of the bot running with an ally bot to show off A3C’s use with multiple agents.</a:t>
+              <a:t>Partially Observable through the game’s RAM</a:t>
+            </a:r>
+          </a:p>
+          <a:p>
+            <a:r>
+              <a:rPr lang="en-US" dirty="0"/>
+              <a:t>Deterministic not Stochastic</a:t>
+            </a:r>
+          </a:p>
+          <a:p>
+            <a:r>
+              <a:rPr lang="en-US" dirty="0"/>
+              <a:t>Multiple Agents</a:t>
+            </a:r>
+          </a:p>
+          <a:p>
+            <a:r>
+              <a:rPr lang="en-US" dirty="0"/>
+              <a:t>Sequential not Episodic</a:t>
+            </a:r>
+          </a:p>
+          <a:p>
+            <a:r>
+              <a:rPr lang="en-US" dirty="0"/>
+              <a:t>Dynamic not Static</a:t>
+            </a:r>
+          </a:p>
+          <a:p>
+            <a:r>
+              <a:rPr lang="en-US" dirty="0"/>
+              <a:t>Unknown physics</a:t>
+            </a:r>
+          </a:p>
+          <a:p>
+            <a:r>
+              <a:rPr lang="en-US" dirty="0"/>
+              <a:t>Discrete not continuous</a:t>
             </a:r>
           </a:p>
         </p:txBody>
@@ -7652,7 +7642,7 @@
     </p:spTree>
     <p:extLst>
       <p:ext uri="{BB962C8B-B14F-4D97-AF65-F5344CB8AC3E}">
-        <p14:creationId xmlns:p14="http://schemas.microsoft.com/office/powerpoint/2010/main" val="229318570"/>
+        <p14:creationId xmlns:p14="http://schemas.microsoft.com/office/powerpoint/2010/main" val="1283098322"/>
       </p:ext>
     </p:extLst>
   </p:cSld>
@@ -7708,7 +7698,7 @@
           <a:p>
             <a:r>
               <a:rPr lang="en-US" dirty="0"/>
-              <a:t>Reward System</a:t>
+              <a:t>Training (Jay)</a:t>
             </a:r>
           </a:p>
         </p:txBody>
@@ -7735,7 +7725,7 @@
     </p:spTree>
     <p:extLst>
       <p:ext uri="{BB962C8B-B14F-4D97-AF65-F5344CB8AC3E}">
-        <p14:creationId xmlns:p14="http://schemas.microsoft.com/office/powerpoint/2010/main" val="198296853"/>
+        <p14:creationId xmlns:p14="http://schemas.microsoft.com/office/powerpoint/2010/main" val="4159471737"/>
       </p:ext>
     </p:extLst>
   </p:cSld>
@@ -7790,8 +7780,12 @@
           <a:lstStyle/>
           <a:p>
             <a:r>
+              <a:rPr lang="en-US" dirty="0" err="1"/>
+              <a:t>PyQT</a:t>
+            </a:r>
+            <a:r>
               <a:rPr lang="en-US" dirty="0"/>
-              <a:t>Training</a:t>
+              <a:t> – GUI (Jordan)</a:t>
             </a:r>
           </a:p>
         </p:txBody>
@@ -7811,14 +7805,14 @@
           <a:bodyPr/>
           <a:lstStyle/>
           <a:p>
-            <a:endParaRPr lang="en-US"/>
+            <a:endParaRPr lang="en-US" dirty="0"/>
           </a:p>
         </p:txBody>
       </p:sp>
     </p:spTree>
     <p:extLst>
       <p:ext uri="{BB962C8B-B14F-4D97-AF65-F5344CB8AC3E}">
-        <p14:creationId xmlns:p14="http://schemas.microsoft.com/office/powerpoint/2010/main" val="4159471737"/>
+        <p14:creationId xmlns:p14="http://schemas.microsoft.com/office/powerpoint/2010/main" val="356333825"/>
       </p:ext>
     </p:extLst>
   </p:cSld>
@@ -9655,6 +9649,15 @@
 </file>
 
 <file path=customXml/item2.xml><?xml version="1.0" encoding="utf-8"?>
+<?mso-contentType ?>
+<FormTemplates xmlns="http://schemas.microsoft.com/sharepoint/v3/contenttype/forms">
+  <Display>DocumentLibraryForm</Display>
+  <Edit>AssetEditForm</Edit>
+  <New>DocumentLibraryForm</New>
+</FormTemplates>
+</file>
+
+<file path=customXml/item3.xml><?xml version="1.0" encoding="utf-8"?>
 <p:properties xmlns:p="http://schemas.microsoft.com/office/2006/metadata/properties" xmlns:xsi="http://www.w3.org/2001/XMLSchema-instance" xmlns:pc="http://schemas.microsoft.com/office/infopath/2007/PartnerControls">
   <documentManagement>
     <DirectSourceMarket xmlns="4873beb7-5857-4685-be1f-d57550cc96cc" xsi:nil="true"/>
@@ -9781,15 +9784,6 @@
 </p:properties>
 </file>
 
-<file path=customXml/item3.xml><?xml version="1.0" encoding="utf-8"?>
-<?mso-contentType ?>
-<FormTemplates xmlns="http://schemas.microsoft.com/sharepoint/v3/contenttype/forms">
-  <Display>DocumentLibraryForm</Display>
-  <Edit>AssetEditForm</Edit>
-  <New>DocumentLibraryForm</New>
-</FormTemplates>
-</file>
-
 <file path=customXml/itemProps1.xml><?xml version="1.0" encoding="utf-8"?>
 <ds:datastoreItem xmlns:ds="http://schemas.openxmlformats.org/officeDocument/2006/customXml" ds:itemID="{22CCB507-0646-4A50-A4F7-7F385079D589}">
   <ds:schemaRefs>
@@ -9809,6 +9803,14 @@
 </file>
 
 <file path=customXml/itemProps2.xml><?xml version="1.0" encoding="utf-8"?>
+<ds:datastoreItem xmlns:ds="http://schemas.openxmlformats.org/officeDocument/2006/customXml" ds:itemID="{74228E6B-D70C-44BB-A81F-A245495F612B}">
+  <ds:schemaRefs>
+    <ds:schemaRef ds:uri="http://schemas.microsoft.com/sharepoint/v3/contenttype/forms"/>
+  </ds:schemaRefs>
+</ds:datastoreItem>
+</file>
+
+<file path=customXml/itemProps3.xml><?xml version="1.0" encoding="utf-8"?>
 <ds:datastoreItem xmlns:ds="http://schemas.openxmlformats.org/officeDocument/2006/customXml" ds:itemID="{00E41224-0370-4595-877C-23316CD80004}">
   <ds:schemaRefs>
     <ds:schemaRef ds:uri="http://schemas.openxmlformats.org/package/2006/metadata/core-properties"/>
@@ -9822,12 +9824,4 @@
     <ds:schemaRef ds:uri="http://purl.org/dc/dcmitype/"/>
   </ds:schemaRefs>
 </ds:datastoreItem>
-</file>
-
-<file path=customXml/itemProps3.xml><?xml version="1.0" encoding="utf-8"?>
-<ds:datastoreItem xmlns:ds="http://schemas.openxmlformats.org/officeDocument/2006/customXml" ds:itemID="{74228E6B-D70C-44BB-A81F-A245495F612B}">
-  <ds:schemaRefs>
-    <ds:schemaRef ds:uri="http://schemas.microsoft.com/sharepoint/v3/contenttype/forms"/>
-  </ds:schemaRefs>
-</ds:datastoreItem>
 </file>
--- a/Documents/ProjectPresentation.pptx
+++ b/Documents/ProjectPresentation.pptx
@@ -16,8 +16,8 @@
     <p:sldId id="267" r:id="rId7"/>
     <p:sldId id="268" r:id="rId8"/>
     <p:sldId id="269" r:id="rId9"/>
-    <p:sldId id="271" r:id="rId10"/>
-    <p:sldId id="273" r:id="rId11"/>
+    <p:sldId id="273" r:id="rId10"/>
+    <p:sldId id="271" r:id="rId11"/>
     <p:sldId id="274" r:id="rId12"/>
     <p:sldId id="272" r:id="rId13"/>
     <p:sldId id="275" r:id="rId14"/>
@@ -7491,7 +7491,7 @@
           <a:p>
             <a:r>
               <a:rPr lang="en-US" dirty="0"/>
-              <a:t>Reward System (Jay)</a:t>
+              <a:t>Environment (Jay)</a:t>
             </a:r>
           </a:p>
         </p:txBody>
@@ -7508,17 +7508,58 @@
         </p:nvSpPr>
         <p:spPr/>
         <p:txBody>
-          <a:bodyPr/>
+          <a:bodyPr>
+            <a:normAutofit fontScale="92500" lnSpcReduction="10000"/>
+          </a:bodyPr>
           <a:lstStyle/>
           <a:p>
-            <a:endParaRPr lang="en-US"/>
+            <a:r>
+              <a:rPr lang="en-US" dirty="0"/>
+              <a:t>Partially Observable through the game’s RAM</a:t>
+            </a:r>
+          </a:p>
+          <a:p>
+            <a:r>
+              <a:rPr lang="en-US" dirty="0"/>
+              <a:t>Deterministic not Stochastic</a:t>
+            </a:r>
+          </a:p>
+          <a:p>
+            <a:r>
+              <a:rPr lang="en-US" dirty="0"/>
+              <a:t>Multiple Agents</a:t>
+            </a:r>
+          </a:p>
+          <a:p>
+            <a:r>
+              <a:rPr lang="en-US" dirty="0"/>
+              <a:t>Sequential not Episodic</a:t>
+            </a:r>
+          </a:p>
+          <a:p>
+            <a:r>
+              <a:rPr lang="en-US" dirty="0"/>
+              <a:t>Dynamic not Static</a:t>
+            </a:r>
+          </a:p>
+          <a:p>
+            <a:r>
+              <a:rPr lang="en-US" dirty="0"/>
+              <a:t>Unknown physics</a:t>
+            </a:r>
+          </a:p>
+          <a:p>
+            <a:r>
+              <a:rPr lang="en-US" dirty="0"/>
+              <a:t>Discrete not continuous</a:t>
+            </a:r>
           </a:p>
         </p:txBody>
       </p:sp>
     </p:spTree>
     <p:extLst>
       <p:ext uri="{BB962C8B-B14F-4D97-AF65-F5344CB8AC3E}">
-        <p14:creationId xmlns:p14="http://schemas.microsoft.com/office/powerpoint/2010/main" val="198296853"/>
+        <p14:creationId xmlns:p14="http://schemas.microsoft.com/office/powerpoint/2010/main" val="1283098322"/>
       </p:ext>
     </p:extLst>
   </p:cSld>
@@ -7574,7 +7615,7 @@
           <a:p>
             <a:r>
               <a:rPr lang="en-US" dirty="0"/>
-              <a:t>Environment (Jay)</a:t>
+              <a:t>Reward System (Jay)</a:t>
             </a:r>
           </a:p>
         </p:txBody>
@@ -7591,58 +7632,41 @@
         </p:nvSpPr>
         <p:spPr/>
         <p:txBody>
-          <a:bodyPr>
-            <a:normAutofit fontScale="92500" lnSpcReduction="10000"/>
-          </a:bodyPr>
+          <a:bodyPr/>
           <a:lstStyle/>
           <a:p>
             <a:r>
               <a:rPr lang="en-US" dirty="0"/>
-              <a:t>Partially Observable through the game’s RAM</a:t>
+              <a:t>Used to let the bot know how it is doing</a:t>
             </a:r>
           </a:p>
           <a:p>
             <a:r>
               <a:rPr lang="en-US" dirty="0"/>
-              <a:t>Deterministic not Stochastic</a:t>
+              <a:t>Bot awarded a point for each time an opponent dies; Loses a point for dying</a:t>
             </a:r>
           </a:p>
           <a:p>
             <a:r>
               <a:rPr lang="en-US" dirty="0"/>
-              <a:t>Multiple Agents</a:t>
+              <a:t>Bot is awarded 0.01 points for each percent of damage inflicted on opponents and loses 0.01 for each percent of damage it takes</a:t>
             </a:r>
           </a:p>
           <a:p>
             <a:r>
               <a:rPr lang="en-US" dirty="0"/>
-              <a:t>Sequential not Episodic</a:t>
-            </a:r>
-          </a:p>
-          <a:p>
-            <a:r>
-              <a:rPr lang="en-US" dirty="0"/>
-              <a:t>Dynamic not Static</a:t>
-            </a:r>
-          </a:p>
-          <a:p>
-            <a:r>
-              <a:rPr lang="en-US" dirty="0"/>
-              <a:t>Unknown physics</a:t>
-            </a:r>
-          </a:p>
-          <a:p>
-            <a:r>
-              <a:rPr lang="en-US" dirty="0"/>
-              <a:t>Discrete not continuous</a:t>
-            </a:r>
+              <a:t>Bot also loses points at a reduced rate (20%) for their allies dying or sustaining damage</a:t>
+            </a:r>
+          </a:p>
+          <a:p>
+            <a:endParaRPr lang="en-US" dirty="0"/>
           </a:p>
         </p:txBody>
       </p:sp>
     </p:spTree>
     <p:extLst>
       <p:ext uri="{BB962C8B-B14F-4D97-AF65-F5344CB8AC3E}">
-        <p14:creationId xmlns:p14="http://schemas.microsoft.com/office/powerpoint/2010/main" val="1283098322"/>
+        <p14:creationId xmlns:p14="http://schemas.microsoft.com/office/powerpoint/2010/main" val="198296853"/>
       </p:ext>
     </p:extLst>
   </p:cSld>
@@ -7713,12 +7737,65 @@
             <p:ph idx="1"/>
           </p:nvPr>
         </p:nvSpPr>
-        <p:spPr/>
-        <p:txBody>
-          <a:bodyPr/>
+        <p:spPr>
+          <a:xfrm>
+            <a:off x="1483924" y="2362200"/>
+            <a:ext cx="10016104" cy="3429001"/>
+          </a:xfrm>
+        </p:spPr>
+        <p:txBody>
+          <a:bodyPr>
+            <a:normAutofit fontScale="92500" lnSpcReduction="10000"/>
+          </a:bodyPr>
           <a:lstStyle/>
           <a:p>
-            <a:endParaRPr lang="en-US"/>
+            <a:pPr marL="0" indent="0">
+              <a:buNone/>
+            </a:pPr>
+            <a:endParaRPr lang="en-US" dirty="0"/>
+          </a:p>
+          <a:p>
+            <a:r>
+              <a:rPr lang="en-US" dirty="0"/>
+              <a:t>Area in which the most problems we had arose</a:t>
+            </a:r>
+          </a:p>
+          <a:p>
+            <a:pPr lvl="1"/>
+            <a:r>
+              <a:rPr lang="en-US" dirty="0"/>
+              <a:t>Difficult to debug</a:t>
+            </a:r>
+          </a:p>
+          <a:p>
+            <a:pPr lvl="1"/>
+            <a:r>
+              <a:rPr lang="en-US" dirty="0"/>
+              <a:t>Had to reset our training on multiple occasions</a:t>
+            </a:r>
+          </a:p>
+          <a:p>
+            <a:pPr lvl="1"/>
+            <a:r>
+              <a:rPr lang="en-US" dirty="0"/>
+              <a:t>Can lead to overfitting if done incorrectly</a:t>
+            </a:r>
+          </a:p>
+          <a:p>
+            <a:r>
+              <a:rPr lang="en-US" dirty="0"/>
+              <a:t>Began training our bot against a single in-game level 5 opponent</a:t>
+            </a:r>
+          </a:p>
+          <a:p>
+            <a:r>
+              <a:rPr lang="en-US" dirty="0"/>
+              <a:t>Ended up using A3C’s shared network to speed up training by having two teams of two bots training with each other constantly.</a:t>
+            </a:r>
+          </a:p>
+          <a:p>
+            <a:pPr lvl="1"/>
+            <a:endParaRPr lang="en-US" dirty="0"/>
           </a:p>
         </p:txBody>
       </p:sp>
@@ -9649,15 +9726,6 @@
 </file>
 
 <file path=customXml/item2.xml><?xml version="1.0" encoding="utf-8"?>
-<?mso-contentType ?>
-<FormTemplates xmlns="http://schemas.microsoft.com/sharepoint/v3/contenttype/forms">
-  <Display>DocumentLibraryForm</Display>
-  <Edit>AssetEditForm</Edit>
-  <New>DocumentLibraryForm</New>
-</FormTemplates>
-</file>
-
-<file path=customXml/item3.xml><?xml version="1.0" encoding="utf-8"?>
 <p:properties xmlns:p="http://schemas.microsoft.com/office/2006/metadata/properties" xmlns:xsi="http://www.w3.org/2001/XMLSchema-instance" xmlns:pc="http://schemas.microsoft.com/office/infopath/2007/PartnerControls">
   <documentManagement>
     <DirectSourceMarket xmlns="4873beb7-5857-4685-be1f-d57550cc96cc" xsi:nil="true"/>
@@ -9784,6 +9852,15 @@
 </p:properties>
 </file>
 
+<file path=customXml/item3.xml><?xml version="1.0" encoding="utf-8"?>
+<?mso-contentType ?>
+<FormTemplates xmlns="http://schemas.microsoft.com/sharepoint/v3/contenttype/forms">
+  <Display>DocumentLibraryForm</Display>
+  <Edit>AssetEditForm</Edit>
+  <New>DocumentLibraryForm</New>
+</FormTemplates>
+</file>
+
 <file path=customXml/itemProps1.xml><?xml version="1.0" encoding="utf-8"?>
 <ds:datastoreItem xmlns:ds="http://schemas.openxmlformats.org/officeDocument/2006/customXml" ds:itemID="{22CCB507-0646-4A50-A4F7-7F385079D589}">
   <ds:schemaRefs>
@@ -9803,14 +9880,6 @@
 </file>
 
 <file path=customXml/itemProps2.xml><?xml version="1.0" encoding="utf-8"?>
-<ds:datastoreItem xmlns:ds="http://schemas.openxmlformats.org/officeDocument/2006/customXml" ds:itemID="{74228E6B-D70C-44BB-A81F-A245495F612B}">
-  <ds:schemaRefs>
-    <ds:schemaRef ds:uri="http://schemas.microsoft.com/sharepoint/v3/contenttype/forms"/>
-  </ds:schemaRefs>
-</ds:datastoreItem>
-</file>
-
-<file path=customXml/itemProps3.xml><?xml version="1.0" encoding="utf-8"?>
 <ds:datastoreItem xmlns:ds="http://schemas.openxmlformats.org/officeDocument/2006/customXml" ds:itemID="{00E41224-0370-4595-877C-23316CD80004}">
   <ds:schemaRefs>
     <ds:schemaRef ds:uri="http://schemas.openxmlformats.org/package/2006/metadata/core-properties"/>
@@ -9824,4 +9893,12 @@
     <ds:schemaRef ds:uri="http://purl.org/dc/dcmitype/"/>
   </ds:schemaRefs>
 </ds:datastoreItem>
+</file>
+
+<file path=customXml/itemProps3.xml><?xml version="1.0" encoding="utf-8"?>
+<ds:datastoreItem xmlns:ds="http://schemas.openxmlformats.org/officeDocument/2006/customXml" ds:itemID="{74228E6B-D70C-44BB-A81F-A245495F612B}">
+  <ds:schemaRefs>
+    <ds:schemaRef ds:uri="http://schemas.microsoft.com/sharepoint/v3/contenttype/forms"/>
+  </ds:schemaRefs>
+</ds:datastoreItem>
 </file>
--- a/Documents/ProjectPresentation.pptx
+++ b/Documents/ProjectPresentation.pptx
@@ -7319,7 +7319,7 @@
           <a:p>
             <a:r>
               <a:rPr lang="en-US" dirty="0"/>
-              <a:t>Fixing the Problem (Kegan)</a:t>
+              <a:t>Our Solution</a:t>
             </a:r>
           </a:p>
         </p:txBody>
@@ -7341,8 +7341,17 @@
           <a:p>
             <a:r>
               <a:rPr lang="en-US" dirty="0"/>
-              <a:t>Talk about what Reinforcement learning is and why we chose it over supervised and unsupervised.</a:t>
-            </a:r>
+              <a:t>Give the players a better AI to train against</a:t>
+            </a:r>
+          </a:p>
+          <a:p>
+            <a:r>
+              <a:rPr lang="en-US" dirty="0"/>
+              <a:t>Implement a reinforcement learning algorithm that will learn to play better than the players</a:t>
+            </a:r>
+          </a:p>
+          <a:p>
+            <a:endParaRPr lang="en-US" dirty="0"/>
           </a:p>
         </p:txBody>
       </p:sp>
@@ -7405,7 +7414,7 @@
           <a:p>
             <a:r>
               <a:rPr lang="en-US" dirty="0"/>
-              <a:t>Asynchronous Advantage Actor Critic (A3C) (Kegan)</a:t>
+              <a:t>Asynchronous Advantage Actor-Critic (A3C)</a:t>
             </a:r>
           </a:p>
         </p:txBody>
@@ -7422,13 +7431,56 @@
         </p:nvSpPr>
         <p:spPr/>
         <p:txBody>
-          <a:bodyPr/>
+          <a:bodyPr>
+            <a:normAutofit fontScale="92500" lnSpcReduction="10000"/>
+          </a:bodyPr>
           <a:lstStyle/>
           <a:p>
             <a:r>
               <a:rPr lang="en-US" dirty="0"/>
-              <a:t>After this slide I think we should show videos of the bots progression while learning. One of it before learning, one after a day or two, and one after a few weeks. We should also put in two or three clips of the bot running with an ally bot to show off A3C’s use with multiple agents.</a:t>
-            </a:r>
+              <a:t>A3C is a reinforcement learning algorithm</a:t>
+            </a:r>
+          </a:p>
+          <a:p>
+            <a:r>
+              <a:rPr lang="en-US" dirty="0"/>
+              <a:t>There is one global neural network</a:t>
+            </a:r>
+          </a:p>
+          <a:p>
+            <a:r>
+              <a:rPr lang="en-US" dirty="0"/>
+              <a:t>Each character controlled by our program has a local neural network</a:t>
+            </a:r>
+          </a:p>
+          <a:p>
+            <a:r>
+              <a:rPr lang="en-US" dirty="0"/>
+              <a:t>Before training, the global network is copied to all </a:t>
+            </a:r>
+            <a:r>
+              <a:rPr lang="en-US"/>
+              <a:t>local networks</a:t>
+            </a:r>
+            <a:endParaRPr lang="en-US" dirty="0"/>
+          </a:p>
+          <a:p>
+            <a:r>
+              <a:rPr lang="en-US" dirty="0"/>
+              <a:t>When updates are calculated for a character’s network, the updates are applied to the global network</a:t>
+            </a:r>
+          </a:p>
+          <a:p>
+            <a:r>
+              <a:rPr lang="en-US" dirty="0"/>
+              <a:t>The global network is then copied to the local network and training continues</a:t>
+            </a:r>
+          </a:p>
+          <a:p>
+            <a:endParaRPr lang="en-US" dirty="0"/>
+          </a:p>
+          <a:p>
+            <a:endParaRPr lang="en-US" dirty="0"/>
           </a:p>
         </p:txBody>
       </p:sp>
@@ -9726,6 +9778,15 @@
 </file>
 
 <file path=customXml/item2.xml><?xml version="1.0" encoding="utf-8"?>
+<?mso-contentType ?>
+<FormTemplates xmlns="http://schemas.microsoft.com/sharepoint/v3/contenttype/forms">
+  <Display>DocumentLibraryForm</Display>
+  <Edit>AssetEditForm</Edit>
+  <New>DocumentLibraryForm</New>
+</FormTemplates>
+</file>
+
+<file path=customXml/item3.xml><?xml version="1.0" encoding="utf-8"?>
 <p:properties xmlns:p="http://schemas.microsoft.com/office/2006/metadata/properties" xmlns:xsi="http://www.w3.org/2001/XMLSchema-instance" xmlns:pc="http://schemas.microsoft.com/office/infopath/2007/PartnerControls">
   <documentManagement>
     <DirectSourceMarket xmlns="4873beb7-5857-4685-be1f-d57550cc96cc" xsi:nil="true"/>
@@ -9852,15 +9913,6 @@
 </p:properties>
 </file>
 
-<file path=customXml/item3.xml><?xml version="1.0" encoding="utf-8"?>
-<?mso-contentType ?>
-<FormTemplates xmlns="http://schemas.microsoft.com/sharepoint/v3/contenttype/forms">
-  <Display>DocumentLibraryForm</Display>
-  <Edit>AssetEditForm</Edit>
-  <New>DocumentLibraryForm</New>
-</FormTemplates>
-</file>
-
 <file path=customXml/itemProps1.xml><?xml version="1.0" encoding="utf-8"?>
 <ds:datastoreItem xmlns:ds="http://schemas.openxmlformats.org/officeDocument/2006/customXml" ds:itemID="{22CCB507-0646-4A50-A4F7-7F385079D589}">
   <ds:schemaRefs>
@@ -9880,6 +9932,14 @@
 </file>
 
 <file path=customXml/itemProps2.xml><?xml version="1.0" encoding="utf-8"?>
+<ds:datastoreItem xmlns:ds="http://schemas.openxmlformats.org/officeDocument/2006/customXml" ds:itemID="{74228E6B-D70C-44BB-A81F-A245495F612B}">
+  <ds:schemaRefs>
+    <ds:schemaRef ds:uri="http://schemas.microsoft.com/sharepoint/v3/contenttype/forms"/>
+  </ds:schemaRefs>
+</ds:datastoreItem>
+</file>
+
+<file path=customXml/itemProps3.xml><?xml version="1.0" encoding="utf-8"?>
 <ds:datastoreItem xmlns:ds="http://schemas.openxmlformats.org/officeDocument/2006/customXml" ds:itemID="{00E41224-0370-4595-877C-23316CD80004}">
   <ds:schemaRefs>
     <ds:schemaRef ds:uri="http://schemas.openxmlformats.org/package/2006/metadata/core-properties"/>
@@ -9893,12 +9953,4 @@
     <ds:schemaRef ds:uri="http://purl.org/dc/dcmitype/"/>
   </ds:schemaRefs>
 </ds:datastoreItem>
-</file>
-
-<file path=customXml/itemProps3.xml><?xml version="1.0" encoding="utf-8"?>
-<ds:datastoreItem xmlns:ds="http://schemas.openxmlformats.org/officeDocument/2006/customXml" ds:itemID="{74228E6B-D70C-44BB-A81F-A245495F612B}">
-  <ds:schemaRefs>
-    <ds:schemaRef ds:uri="http://schemas.microsoft.com/sharepoint/v3/contenttype/forms"/>
-  </ds:schemaRefs>
-</ds:datastoreItem>
 </file>
--- a/Documents/ProjectPresentation.pptx
+++ b/Documents/ProjectPresentation.pptx
@@ -7543,7 +7543,7 @@
           <a:p>
             <a:r>
               <a:rPr lang="en-US" dirty="0"/>
-              <a:t>Environment (Jay)</a:t>
+              <a:t>Environment</a:t>
             </a:r>
           </a:p>
         </p:txBody>
@@ -7667,7 +7667,7 @@
           <a:p>
             <a:r>
               <a:rPr lang="en-US" dirty="0"/>
-              <a:t>Reward System (Jay)</a:t>
+              <a:t>Reward System</a:t>
             </a:r>
           </a:p>
         </p:txBody>
@@ -7774,7 +7774,7 @@
           <a:p>
             <a:r>
               <a:rPr lang="en-US" dirty="0"/>
-              <a:t>Training (Jay)</a:t>
+              <a:t>Training</a:t>
             </a:r>
           </a:p>
         </p:txBody>
@@ -9778,15 +9778,6 @@
 </file>
 
 <file path=customXml/item2.xml><?xml version="1.0" encoding="utf-8"?>
-<?mso-contentType ?>
-<FormTemplates xmlns="http://schemas.microsoft.com/sharepoint/v3/contenttype/forms">
-  <Display>DocumentLibraryForm</Display>
-  <Edit>AssetEditForm</Edit>
-  <New>DocumentLibraryForm</New>
-</FormTemplates>
-</file>
-
-<file path=customXml/item3.xml><?xml version="1.0" encoding="utf-8"?>
 <p:properties xmlns:p="http://schemas.microsoft.com/office/2006/metadata/properties" xmlns:xsi="http://www.w3.org/2001/XMLSchema-instance" xmlns:pc="http://schemas.microsoft.com/office/infopath/2007/PartnerControls">
   <documentManagement>
     <DirectSourceMarket xmlns="4873beb7-5857-4685-be1f-d57550cc96cc" xsi:nil="true"/>
@@ -9913,6 +9904,15 @@
 </p:properties>
 </file>
 
+<file path=customXml/item3.xml><?xml version="1.0" encoding="utf-8"?>
+<?mso-contentType ?>
+<FormTemplates xmlns="http://schemas.microsoft.com/sharepoint/v3/contenttype/forms">
+  <Display>DocumentLibraryForm</Display>
+  <Edit>AssetEditForm</Edit>
+  <New>DocumentLibraryForm</New>
+</FormTemplates>
+</file>
+
 <file path=customXml/itemProps1.xml><?xml version="1.0" encoding="utf-8"?>
 <ds:datastoreItem xmlns:ds="http://schemas.openxmlformats.org/officeDocument/2006/customXml" ds:itemID="{22CCB507-0646-4A50-A4F7-7F385079D589}">
   <ds:schemaRefs>
@@ -9932,14 +9932,6 @@
 </file>
 
 <file path=customXml/itemProps2.xml><?xml version="1.0" encoding="utf-8"?>
-<ds:datastoreItem xmlns:ds="http://schemas.openxmlformats.org/officeDocument/2006/customXml" ds:itemID="{74228E6B-D70C-44BB-A81F-A245495F612B}">
-  <ds:schemaRefs>
-    <ds:schemaRef ds:uri="http://schemas.microsoft.com/sharepoint/v3/contenttype/forms"/>
-  </ds:schemaRefs>
-</ds:datastoreItem>
-</file>
-
-<file path=customXml/itemProps3.xml><?xml version="1.0" encoding="utf-8"?>
 <ds:datastoreItem xmlns:ds="http://schemas.openxmlformats.org/officeDocument/2006/customXml" ds:itemID="{00E41224-0370-4595-877C-23316CD80004}">
   <ds:schemaRefs>
     <ds:schemaRef ds:uri="http://schemas.openxmlformats.org/package/2006/metadata/core-properties"/>
@@ -9953,4 +9945,12 @@
     <ds:schemaRef ds:uri="http://purl.org/dc/dcmitype/"/>
   </ds:schemaRefs>
 </ds:datastoreItem>
+</file>
+
+<file path=customXml/itemProps3.xml><?xml version="1.0" encoding="utf-8"?>
+<ds:datastoreItem xmlns:ds="http://schemas.openxmlformats.org/officeDocument/2006/customXml" ds:itemID="{74228E6B-D70C-44BB-A81F-A245495F612B}">
+  <ds:schemaRefs>
+    <ds:schemaRef ds:uri="http://schemas.microsoft.com/sharepoint/v3/contenttype/forms"/>
+  </ds:schemaRefs>
+</ds:datastoreItem>
 </file>
--- a/Documents/ProjectPresentation.pptx
+++ b/Documents/ProjectPresentation.pptx
@@ -5,10 +5,10 @@
     <p:sldMasterId id="2147483876" r:id="rId4"/>
   </p:sldMasterIdLst>
   <p:notesMasterIdLst>
-    <p:notesMasterId r:id="rId15"/>
+    <p:notesMasterId r:id="rId14"/>
   </p:notesMasterIdLst>
   <p:handoutMasterIdLst>
-    <p:handoutMasterId r:id="rId16"/>
+    <p:handoutMasterId r:id="rId15"/>
   </p:handoutMasterIdLst>
   <p:sldIdLst>
     <p:sldId id="265" r:id="rId5"/>
@@ -16,16 +16,15 @@
     <p:sldId id="267" r:id="rId7"/>
     <p:sldId id="268" r:id="rId8"/>
     <p:sldId id="269" r:id="rId9"/>
-    <p:sldId id="273" r:id="rId10"/>
-    <p:sldId id="271" r:id="rId11"/>
-    <p:sldId id="274" r:id="rId12"/>
-    <p:sldId id="272" r:id="rId13"/>
-    <p:sldId id="275" r:id="rId14"/>
+    <p:sldId id="271" r:id="rId10"/>
+    <p:sldId id="274" r:id="rId11"/>
+    <p:sldId id="272" r:id="rId12"/>
+    <p:sldId id="275" r:id="rId13"/>
   </p:sldIdLst>
   <p:sldSz cx="12188825" cy="6858000"/>
   <p:notesSz cx="6858000" cy="9144000"/>
   <p:custDataLst>
-    <p:tags r:id="rId17"/>
+    <p:tags r:id="rId16"/>
   </p:custDataLst>
   <p:defaultTextStyle>
     <a:defPPr>
@@ -6925,89 +6924,6 @@
 </p:sld>
 </file>
 
-<file path=ppt/slides/slide10.xml><?xml version="1.0" encoding="utf-8"?>
-<p:sld xmlns:a="http://schemas.openxmlformats.org/drawingml/2006/main" xmlns:r="http://schemas.openxmlformats.org/officeDocument/2006/relationships" xmlns:p="http://schemas.openxmlformats.org/presentationml/2006/main">
-  <p:cSld>
-    <p:spTree>
-      <p:nvGrpSpPr>
-        <p:cNvPr id="1" name=""/>
-        <p:cNvGrpSpPr/>
-        <p:nvPr/>
-      </p:nvGrpSpPr>
-      <p:grpSpPr>
-        <a:xfrm>
-          <a:off x="0" y="0"/>
-          <a:ext cx="0" cy="0"/>
-          <a:chOff x="0" y="0"/>
-          <a:chExt cx="0" cy="0"/>
-        </a:xfrm>
-      </p:grpSpPr>
-      <p:sp>
-        <p:nvSpPr>
-          <p:cNvPr id="2" name="Title 1"/>
-          <p:cNvSpPr>
-            <a:spLocks noGrp="1"/>
-          </p:cNvSpPr>
-          <p:nvPr>
-            <p:ph type="title"/>
-          </p:nvPr>
-        </p:nvSpPr>
-        <p:spPr/>
-        <p:txBody>
-          <a:bodyPr/>
-          <a:lstStyle/>
-          <a:p>
-            <a:r>
-              <a:rPr lang="en-US" dirty="0"/>
-              <a:t>Applications (Jordan)</a:t>
-            </a:r>
-          </a:p>
-        </p:txBody>
-      </p:sp>
-      <p:sp>
-        <p:nvSpPr>
-          <p:cNvPr id="3" name="Content Placeholder 2"/>
-          <p:cNvSpPr>
-            <a:spLocks noGrp="1"/>
-          </p:cNvSpPr>
-          <p:nvPr>
-            <p:ph idx="1"/>
-          </p:nvPr>
-        </p:nvSpPr>
-        <p:spPr/>
-        <p:txBody>
-          <a:bodyPr/>
-          <a:lstStyle/>
-          <a:p>
-            <a:endParaRPr lang="en-US"/>
-          </a:p>
-        </p:txBody>
-      </p:sp>
-    </p:spTree>
-    <p:extLst>
-      <p:ext uri="{BB962C8B-B14F-4D97-AF65-F5344CB8AC3E}">
-        <p14:creationId xmlns:p14="http://schemas.microsoft.com/office/powerpoint/2010/main" val="755175350"/>
-      </p:ext>
-    </p:extLst>
-  </p:cSld>
-  <p:clrMapOvr>
-    <a:masterClrMapping/>
-  </p:clrMapOvr>
-  <mc:AlternateContent xmlns:mc="http://schemas.openxmlformats.org/markup-compatibility/2006" xmlns:p14="http://schemas.microsoft.com/office/powerpoint/2010/main">
-    <mc:Choice Requires="p14">
-      <p:transition spd="med" p14:dur="700">
-        <p:fade/>
-      </p:transition>
-    </mc:Choice>
-    <mc:Fallback xmlns="">
-      <p:transition spd="med">
-        <p:fade/>
-      </p:transition>
-    </mc:Fallback>
-  </mc:AlternateContent>
-</p:sld>
-</file>
-
 <file path=ppt/slides/slide2.xml><?xml version="1.0" encoding="utf-8"?>
 <p:sld xmlns:a="http://schemas.openxmlformats.org/drawingml/2006/main" xmlns:r="http://schemas.openxmlformats.org/officeDocument/2006/relationships" xmlns:p="http://schemas.openxmlformats.org/presentationml/2006/main">
   <p:cSld>
@@ -7543,7 +7459,7 @@
           <a:p>
             <a:r>
               <a:rPr lang="en-US" dirty="0"/>
-              <a:t>Environment</a:t>
+              <a:t>Reward System</a:t>
             </a:r>
           </a:p>
         </p:txBody>
@@ -7560,58 +7476,41 @@
         </p:nvSpPr>
         <p:spPr/>
         <p:txBody>
-          <a:bodyPr>
-            <a:normAutofit fontScale="92500" lnSpcReduction="10000"/>
-          </a:bodyPr>
+          <a:bodyPr/>
           <a:lstStyle/>
           <a:p>
             <a:r>
               <a:rPr lang="en-US" dirty="0"/>
-              <a:t>Partially Observable through the game’s RAM</a:t>
+              <a:t>Used to let the bot know how it is doing and adjust to seek higher rewards</a:t>
             </a:r>
           </a:p>
           <a:p>
             <a:r>
               <a:rPr lang="en-US" dirty="0"/>
-              <a:t>Deterministic not Stochastic</a:t>
+              <a:t>Bot awarded a point for each time an opponent dies; Loses a point for dying</a:t>
             </a:r>
           </a:p>
           <a:p>
             <a:r>
               <a:rPr lang="en-US" dirty="0"/>
-              <a:t>Multiple Agents</a:t>
+              <a:t>Bot is awarded 0.01 points for each percent of damage inflicted on opponents and loses 0.01 for each percent of damage it takes</a:t>
             </a:r>
           </a:p>
           <a:p>
             <a:r>
               <a:rPr lang="en-US" dirty="0"/>
-              <a:t>Sequential not Episodic</a:t>
-            </a:r>
-          </a:p>
-          <a:p>
-            <a:r>
-              <a:rPr lang="en-US" dirty="0"/>
-              <a:t>Dynamic not Static</a:t>
-            </a:r>
-          </a:p>
-          <a:p>
-            <a:r>
-              <a:rPr lang="en-US" dirty="0"/>
-              <a:t>Unknown physics</a:t>
-            </a:r>
-          </a:p>
-          <a:p>
-            <a:r>
-              <a:rPr lang="en-US" dirty="0"/>
-              <a:t>Discrete not continuous</a:t>
-            </a:r>
+              <a:t>Bot also loses points at a reduced rate (20%) for their allies dying or sustaining damage</a:t>
+            </a:r>
+          </a:p>
+          <a:p>
+            <a:endParaRPr lang="en-US" dirty="0"/>
           </a:p>
         </p:txBody>
       </p:sp>
     </p:spTree>
     <p:extLst>
       <p:ext uri="{BB962C8B-B14F-4D97-AF65-F5344CB8AC3E}">
-        <p14:creationId xmlns:p14="http://schemas.microsoft.com/office/powerpoint/2010/main" val="1283098322"/>
+        <p14:creationId xmlns:p14="http://schemas.microsoft.com/office/powerpoint/2010/main" val="198296853"/>
       </p:ext>
     </p:extLst>
   </p:cSld>
@@ -7667,7 +7566,7 @@
           <a:p>
             <a:r>
               <a:rPr lang="en-US" dirty="0"/>
-              <a:t>Reward System</a:t>
+              <a:t>Training</a:t>
             </a:r>
           </a:p>
         </p:txBody>
@@ -7682,35 +7581,64 @@
             <p:ph idx="1"/>
           </p:nvPr>
         </p:nvSpPr>
-        <p:spPr/>
-        <p:txBody>
-          <a:bodyPr/>
+        <p:spPr>
+          <a:xfrm>
+            <a:off x="1483924" y="2362200"/>
+            <a:ext cx="10016104" cy="3429001"/>
+          </a:xfrm>
+        </p:spPr>
+        <p:txBody>
+          <a:bodyPr>
+            <a:normAutofit fontScale="92500" lnSpcReduction="10000"/>
+          </a:bodyPr>
           <a:lstStyle/>
           <a:p>
+            <a:pPr marL="0" indent="0">
+              <a:buNone/>
+            </a:pPr>
+            <a:endParaRPr lang="en-US" dirty="0"/>
+          </a:p>
+          <a:p>
             <a:r>
               <a:rPr lang="en-US" dirty="0"/>
-              <a:t>Used to let the bot know how it is doing</a:t>
-            </a:r>
-          </a:p>
-          <a:p>
+              <a:t>Area in which the most problems we had arose</a:t>
+            </a:r>
+          </a:p>
+          <a:p>
+            <a:pPr lvl="1"/>
             <a:r>
               <a:rPr lang="en-US" dirty="0"/>
-              <a:t>Bot awarded a point for each time an opponent dies; Loses a point for dying</a:t>
-            </a:r>
-          </a:p>
-          <a:p>
+              <a:t>Difficult to debug</a:t>
+            </a:r>
+          </a:p>
+          <a:p>
+            <a:pPr lvl="1"/>
             <a:r>
               <a:rPr lang="en-US" dirty="0"/>
-              <a:t>Bot is awarded 0.01 points for each percent of damage inflicted on opponents and loses 0.01 for each percent of damage it takes</a:t>
-            </a:r>
-          </a:p>
-          <a:p>
+              <a:t>Had to reset our training on multiple occasions</a:t>
+            </a:r>
+          </a:p>
+          <a:p>
+            <a:pPr lvl="1"/>
             <a:r>
               <a:rPr lang="en-US" dirty="0"/>
-              <a:t>Bot also loses points at a reduced rate (20%) for their allies dying or sustaining damage</a:t>
-            </a:r>
-          </a:p>
-          <a:p>
+              <a:t>Can lead to overfitting if done incorrectly</a:t>
+            </a:r>
+          </a:p>
+          <a:p>
+            <a:r>
+              <a:rPr lang="en-US" dirty="0"/>
+              <a:t>Began training our bot against a single in-game level 5 opponent</a:t>
+            </a:r>
+          </a:p>
+          <a:p>
+            <a:r>
+              <a:rPr lang="en-US" dirty="0"/>
+              <a:t>Ended up using A3C’s shared network to speed up training by having two teams of two bots training with each other constantly.</a:t>
+            </a:r>
+          </a:p>
+          <a:p>
+            <a:pPr lvl="1"/>
             <a:endParaRPr lang="en-US" dirty="0"/>
           </a:p>
         </p:txBody>
@@ -7718,7 +7646,7 @@
     </p:spTree>
     <p:extLst>
       <p:ext uri="{BB962C8B-B14F-4D97-AF65-F5344CB8AC3E}">
-        <p14:creationId xmlns:p14="http://schemas.microsoft.com/office/powerpoint/2010/main" val="198296853"/>
+        <p14:creationId xmlns:p14="http://schemas.microsoft.com/office/powerpoint/2010/main" val="4159471737"/>
       </p:ext>
     </p:extLst>
   </p:cSld>
@@ -7773,8 +7701,12 @@
           <a:lstStyle/>
           <a:p>
             <a:r>
+              <a:rPr lang="en-US" dirty="0" err="1"/>
+              <a:t>PyQT</a:t>
+            </a:r>
+            <a:r>
               <a:rPr lang="en-US" dirty="0"/>
-              <a:t>Training</a:t>
+              <a:t> – GUI (Jordan)</a:t>
             </a:r>
           </a:p>
         </p:txBody>
@@ -7789,64 +7721,11 @@
             <p:ph idx="1"/>
           </p:nvPr>
         </p:nvSpPr>
-        <p:spPr>
-          <a:xfrm>
-            <a:off x="1483924" y="2362200"/>
-            <a:ext cx="10016104" cy="3429001"/>
-          </a:xfrm>
-        </p:spPr>
-        <p:txBody>
-          <a:bodyPr>
-            <a:normAutofit fontScale="92500" lnSpcReduction="10000"/>
-          </a:bodyPr>
+        <p:spPr/>
+        <p:txBody>
+          <a:bodyPr/>
           <a:lstStyle/>
           <a:p>
-            <a:pPr marL="0" indent="0">
-              <a:buNone/>
-            </a:pPr>
-            <a:endParaRPr lang="en-US" dirty="0"/>
-          </a:p>
-          <a:p>
-            <a:r>
-              <a:rPr lang="en-US" dirty="0"/>
-              <a:t>Area in which the most problems we had arose</a:t>
-            </a:r>
-          </a:p>
-          <a:p>
-            <a:pPr lvl="1"/>
-            <a:r>
-              <a:rPr lang="en-US" dirty="0"/>
-              <a:t>Difficult to debug</a:t>
-            </a:r>
-          </a:p>
-          <a:p>
-            <a:pPr lvl="1"/>
-            <a:r>
-              <a:rPr lang="en-US" dirty="0"/>
-              <a:t>Had to reset our training on multiple occasions</a:t>
-            </a:r>
-          </a:p>
-          <a:p>
-            <a:pPr lvl="1"/>
-            <a:r>
-              <a:rPr lang="en-US" dirty="0"/>
-              <a:t>Can lead to overfitting if done incorrectly</a:t>
-            </a:r>
-          </a:p>
-          <a:p>
-            <a:r>
-              <a:rPr lang="en-US" dirty="0"/>
-              <a:t>Began training our bot against a single in-game level 5 opponent</a:t>
-            </a:r>
-          </a:p>
-          <a:p>
-            <a:r>
-              <a:rPr lang="en-US" dirty="0"/>
-              <a:t>Ended up using A3C’s shared network to speed up training by having two teams of two bots training with each other constantly.</a:t>
-            </a:r>
-          </a:p>
-          <a:p>
-            <a:pPr lvl="1"/>
             <a:endParaRPr lang="en-US" dirty="0"/>
           </a:p>
         </p:txBody>
@@ -7854,7 +7733,7 @@
     </p:spTree>
     <p:extLst>
       <p:ext uri="{BB962C8B-B14F-4D97-AF65-F5344CB8AC3E}">
-        <p14:creationId xmlns:p14="http://schemas.microsoft.com/office/powerpoint/2010/main" val="4159471737"/>
+        <p14:creationId xmlns:p14="http://schemas.microsoft.com/office/powerpoint/2010/main" val="356333825"/>
       </p:ext>
     </p:extLst>
   </p:cSld>
@@ -7909,12 +7788,8 @@
           <a:lstStyle/>
           <a:p>
             <a:r>
-              <a:rPr lang="en-US" dirty="0" err="1"/>
-              <a:t>PyQT</a:t>
-            </a:r>
-            <a:r>
               <a:rPr lang="en-US" dirty="0"/>
-              <a:t> – GUI (Jordan)</a:t>
+              <a:t>Applications (Jordan)</a:t>
             </a:r>
           </a:p>
         </p:txBody>
@@ -7934,14 +7809,14 @@
           <a:bodyPr/>
           <a:lstStyle/>
           <a:p>
-            <a:endParaRPr lang="en-US" dirty="0"/>
+            <a:endParaRPr lang="en-US"/>
           </a:p>
         </p:txBody>
       </p:sp>
     </p:spTree>
     <p:extLst>
       <p:ext uri="{BB962C8B-B14F-4D97-AF65-F5344CB8AC3E}">
-        <p14:creationId xmlns:p14="http://schemas.microsoft.com/office/powerpoint/2010/main" val="356333825"/>
+        <p14:creationId xmlns:p14="http://schemas.microsoft.com/office/powerpoint/2010/main" val="755175350"/>
       </p:ext>
     </p:extLst>
   </p:cSld>
@@ -9778,6 +9653,15 @@
 </file>
 
 <file path=customXml/item2.xml><?xml version="1.0" encoding="utf-8"?>
+<?mso-contentType ?>
+<FormTemplates xmlns="http://schemas.microsoft.com/sharepoint/v3/contenttype/forms">
+  <Display>DocumentLibraryForm</Display>
+  <Edit>AssetEditForm</Edit>
+  <New>DocumentLibraryForm</New>
+</FormTemplates>
+</file>
+
+<file path=customXml/item3.xml><?xml version="1.0" encoding="utf-8"?>
 <p:properties xmlns:p="http://schemas.microsoft.com/office/2006/metadata/properties" xmlns:xsi="http://www.w3.org/2001/XMLSchema-instance" xmlns:pc="http://schemas.microsoft.com/office/infopath/2007/PartnerControls">
   <documentManagement>
     <DirectSourceMarket xmlns="4873beb7-5857-4685-be1f-d57550cc96cc" xsi:nil="true"/>
@@ -9904,15 +9788,6 @@
 </p:properties>
 </file>
 
-<file path=customXml/item3.xml><?xml version="1.0" encoding="utf-8"?>
-<?mso-contentType ?>
-<FormTemplates xmlns="http://schemas.microsoft.com/sharepoint/v3/contenttype/forms">
-  <Display>DocumentLibraryForm</Display>
-  <Edit>AssetEditForm</Edit>
-  <New>DocumentLibraryForm</New>
-</FormTemplates>
-</file>
-
 <file path=customXml/itemProps1.xml><?xml version="1.0" encoding="utf-8"?>
 <ds:datastoreItem xmlns:ds="http://schemas.openxmlformats.org/officeDocument/2006/customXml" ds:itemID="{22CCB507-0646-4A50-A4F7-7F385079D589}">
   <ds:schemaRefs>
@@ -9932,6 +9807,14 @@
 </file>
 
 <file path=customXml/itemProps2.xml><?xml version="1.0" encoding="utf-8"?>
+<ds:datastoreItem xmlns:ds="http://schemas.openxmlformats.org/officeDocument/2006/customXml" ds:itemID="{74228E6B-D70C-44BB-A81F-A245495F612B}">
+  <ds:schemaRefs>
+    <ds:schemaRef ds:uri="http://schemas.microsoft.com/sharepoint/v3/contenttype/forms"/>
+  </ds:schemaRefs>
+</ds:datastoreItem>
+</file>
+
+<file path=customXml/itemProps3.xml><?xml version="1.0" encoding="utf-8"?>
 <ds:datastoreItem xmlns:ds="http://schemas.openxmlformats.org/officeDocument/2006/customXml" ds:itemID="{00E41224-0370-4595-877C-23316CD80004}">
   <ds:schemaRefs>
     <ds:schemaRef ds:uri="http://schemas.openxmlformats.org/package/2006/metadata/core-properties"/>
@@ -9945,12 +9828,4 @@
     <ds:schemaRef ds:uri="http://purl.org/dc/dcmitype/"/>
   </ds:schemaRefs>
 </ds:datastoreItem>
-</file>
-
-<file path=customXml/itemProps3.xml><?xml version="1.0" encoding="utf-8"?>
-<ds:datastoreItem xmlns:ds="http://schemas.openxmlformats.org/officeDocument/2006/customXml" ds:itemID="{74228E6B-D70C-44BB-A81F-A245495F612B}">
-  <ds:schemaRefs>
-    <ds:schemaRef ds:uri="http://schemas.microsoft.com/sharepoint/v3/contenttype/forms"/>
-  </ds:schemaRefs>
-</ds:datastoreItem>
 </file>
--- a/Documents/ProjectPresentation.pptx
+++ b/Documents/ProjectPresentation.pptx
@@ -14,13 +14,13 @@
     <p:sldId id="265" r:id="rId5"/>
     <p:sldId id="270" r:id="rId6"/>
     <p:sldId id="267" r:id="rId7"/>
-    <p:sldId id="266" r:id="rId8"/>
-    <p:sldId id="273" r:id="rId9"/>
-    <p:sldId id="268" r:id="rId10"/>
-    <p:sldId id="269" r:id="rId11"/>
-    <p:sldId id="271" r:id="rId12"/>
-    <p:sldId id="274" r:id="rId13"/>
-    <p:sldId id="272" r:id="rId14"/>
+    <p:sldId id="268" r:id="rId8"/>
+    <p:sldId id="269" r:id="rId9"/>
+    <p:sldId id="273" r:id="rId10"/>
+    <p:sldId id="271" r:id="rId11"/>
+    <p:sldId id="274" r:id="rId12"/>
+    <p:sldId id="272" r:id="rId13"/>
+    <p:sldId id="275" r:id="rId14"/>
   </p:sldIdLst>
   <p:sldSz cx="12188825" cy="6858000"/>
   <p:notesSz cx="6858000" cy="9144000"/>
@@ -226,7 +226,7 @@
           <a:p>
             <a:fld id="{59088EAF-6ECA-4616-85EF-35AA19C641F3}" type="datetimeFigureOut">
               <a:rPr lang="en-US"/>
-              <a:t>3/24/2017</a:t>
+              <a:t>3/29/2017</a:t>
             </a:fld>
             <a:endParaRPr/>
           </a:p>
@@ -391,7 +391,7 @@
           <a:p>
             <a:fld id="{3ABD2D7A-D230-4F91-BD59-0A39C2703BA8}" type="datetimeFigureOut">
               <a:rPr lang="en-US"/>
-              <a:t>3/24/2017</a:t>
+              <a:t>3/29/2017</a:t>
             </a:fld>
             <a:endParaRPr/>
           </a:p>
@@ -1155,7 +1155,7 @@
           <a:p>
             <a:fld id="{48A87A34-81AB-432B-8DAE-1953F412C126}" type="datetimeFigureOut">
               <a:rPr lang="en-US" smtClean="0"/>
-              <a:t>3/24/2017</a:t>
+              <a:t>3/29/2017</a:t>
             </a:fld>
             <a:endParaRPr lang="en-US" dirty="0"/>
           </a:p>
@@ -1464,7 +1464,7 @@
             <a:fld id="{03F41C87-7AD9-4845-A077-840E4A0F3F06}" type="datetimeFigureOut">
               <a:rPr lang="en-US" smtClean="0"/>
               <a:pPr/>
-              <a:t>3/24/2017</a:t>
+              <a:t>3/29/2017</a:t>
             </a:fld>
             <a:endParaRPr lang="en-US"/>
           </a:p>
@@ -1714,7 +1714,7 @@
             <a:fld id="{03F41C87-7AD9-4845-A077-840E4A0F3F06}" type="datetimeFigureOut">
               <a:rPr lang="en-US" smtClean="0"/>
               <a:pPr/>
-              <a:t>3/24/2017</a:t>
+              <a:t>3/29/2017</a:t>
             </a:fld>
             <a:endParaRPr lang="en-US"/>
           </a:p>
@@ -2256,7 +2256,7 @@
             <a:fld id="{03F41C87-7AD9-4845-A077-840E4A0F3F06}" type="datetimeFigureOut">
               <a:rPr lang="en-US" smtClean="0"/>
               <a:pPr/>
-              <a:t>3/24/2017</a:t>
+              <a:t>3/29/2017</a:t>
             </a:fld>
             <a:endParaRPr lang="en-US"/>
           </a:p>
@@ -2506,7 +2506,7 @@
             <a:fld id="{03F41C87-7AD9-4845-A077-840E4A0F3F06}" type="datetimeFigureOut">
               <a:rPr lang="en-US" smtClean="0"/>
               <a:pPr/>
-              <a:t>3/24/2017</a:t>
+              <a:t>3/29/2017</a:t>
             </a:fld>
             <a:endParaRPr lang="en-US"/>
           </a:p>
@@ -3040,7 +3040,7 @@
             <a:fld id="{03F41C87-7AD9-4845-A077-840E4A0F3F06}" type="datetimeFigureOut">
               <a:rPr lang="en-US" smtClean="0"/>
               <a:pPr/>
-              <a:t>3/24/2017</a:t>
+              <a:t>3/29/2017</a:t>
             </a:fld>
             <a:endParaRPr lang="en-US"/>
           </a:p>
@@ -3339,7 +3339,7 @@
             <a:fld id="{03F41C87-7AD9-4845-A077-840E4A0F3F06}" type="datetimeFigureOut">
               <a:rPr lang="en-US" smtClean="0"/>
               <a:pPr/>
-              <a:t>3/24/2017</a:t>
+              <a:t>3/29/2017</a:t>
             </a:fld>
             <a:endParaRPr lang="en-US"/>
           </a:p>
@@ -3514,7 +3514,7 @@
           <a:p>
             <a:fld id="{03F41C87-7AD9-4845-A077-840E4A0F3F06}" type="datetimeFigureOut">
               <a:rPr lang="en-US" smtClean="0"/>
-              <a:t>3/24/2017</a:t>
+              <a:t>3/29/2017</a:t>
             </a:fld>
             <a:endParaRPr lang="en-US"/>
           </a:p>
@@ -3706,7 +3706,7 @@
           <a:p>
             <a:fld id="{03F41C87-7AD9-4845-A077-840E4A0F3F06}" type="datetimeFigureOut">
               <a:rPr lang="en-US" smtClean="0"/>
-              <a:t>3/24/2017</a:t>
+              <a:t>3/29/2017</a:t>
             </a:fld>
             <a:endParaRPr lang="en-US"/>
           </a:p>
@@ -3888,7 +3888,7 @@
           <a:p>
             <a:fld id="{03F41C87-7AD9-4845-A077-840E4A0F3F06}" type="datetimeFigureOut">
               <a:rPr lang="en-US" smtClean="0"/>
-              <a:t>3/24/2017</a:t>
+              <a:t>3/29/2017</a:t>
             </a:fld>
             <a:endParaRPr lang="en-US"/>
           </a:p>
@@ -4151,7 +4151,7 @@
           <a:p>
             <a:fld id="{03F41C87-7AD9-4845-A077-840E4A0F3F06}" type="datetimeFigureOut">
               <a:rPr lang="en-US" smtClean="0"/>
-              <a:t>3/24/2017</a:t>
+              <a:t>3/29/2017</a:t>
             </a:fld>
             <a:endParaRPr lang="en-US"/>
           </a:p>
@@ -4460,7 +4460,7 @@
           <a:p>
             <a:fld id="{03F41C87-7AD9-4845-A077-840E4A0F3F06}" type="datetimeFigureOut">
               <a:rPr lang="en-US" smtClean="0"/>
-              <a:t>3/24/2017</a:t>
+              <a:t>3/29/2017</a:t>
             </a:fld>
             <a:endParaRPr lang="en-US"/>
           </a:p>
@@ -4914,7 +4914,7 @@
           <a:p>
             <a:fld id="{03F41C87-7AD9-4845-A077-840E4A0F3F06}" type="datetimeFigureOut">
               <a:rPr lang="en-US" smtClean="0"/>
-              <a:t>3/24/2017</a:t>
+              <a:t>3/29/2017</a:t>
             </a:fld>
             <a:endParaRPr lang="en-US"/>
           </a:p>
@@ -5044,7 +5044,7 @@
           <a:p>
             <a:fld id="{03F41C87-7AD9-4845-A077-840E4A0F3F06}" type="datetimeFigureOut">
               <a:rPr lang="en-US" smtClean="0"/>
-              <a:t>3/24/2017</a:t>
+              <a:t>3/29/2017</a:t>
             </a:fld>
             <a:endParaRPr lang="en-US"/>
           </a:p>
@@ -5151,7 +5151,7 @@
           <a:p>
             <a:fld id="{03F41C87-7AD9-4845-A077-840E4A0F3F06}" type="datetimeFigureOut">
               <a:rPr lang="en-US" smtClean="0"/>
-              <a:t>3/24/2017</a:t>
+              <a:t>3/29/2017</a:t>
             </a:fld>
             <a:endParaRPr lang="en-US"/>
           </a:p>
@@ -5446,7 +5446,7 @@
           <a:p>
             <a:fld id="{03F41C87-7AD9-4845-A077-840E4A0F3F06}" type="datetimeFigureOut">
               <a:rPr lang="en-US" smtClean="0"/>
-              <a:t>3/24/2017</a:t>
+              <a:t>3/29/2017</a:t>
             </a:fld>
             <a:endParaRPr lang="en-US"/>
           </a:p>
@@ -5750,7 +5750,7 @@
             <a:fld id="{03F41C87-7AD9-4845-A077-840E4A0F3F06}" type="datetimeFigureOut">
               <a:rPr lang="en-US" smtClean="0"/>
               <a:pPr/>
-              <a:t>3/24/2017</a:t>
+              <a:t>3/29/2017</a:t>
             </a:fld>
             <a:endParaRPr lang="en-US"/>
           </a:p>
@@ -6294,7 +6294,7 @@
             <a:fld id="{03F41C87-7AD9-4845-A077-840E4A0F3F06}" type="datetimeFigureOut">
               <a:rPr lang="en-US" smtClean="0"/>
               <a:pPr/>
-              <a:t>3/24/2017</a:t>
+              <a:t>3/29/2017</a:t>
             </a:fld>
             <a:endParaRPr lang="en-US"/>
           </a:p>
@@ -6958,12 +6958,8 @@
           <a:lstStyle/>
           <a:p>
             <a:r>
-              <a:rPr lang="en-US" dirty="0" err="1"/>
-              <a:t>PyQT</a:t>
-            </a:r>
-            <a:r>
               <a:rPr lang="en-US" dirty="0"/>
-              <a:t> - GUI</a:t>
+              <a:t>Applications (Jordan)</a:t>
             </a:r>
           </a:p>
         </p:txBody>
@@ -6983,6 +6979,20 @@
           <a:bodyPr/>
           <a:lstStyle/>
           <a:p>
+            <a:r>
+              <a:rPr lang="en-US" dirty="0" smtClean="0"/>
+              <a:t>Play against Melee bots</a:t>
+            </a:r>
+          </a:p>
+          <a:p>
+            <a:pPr lvl="1"/>
+            <a:r>
+              <a:rPr lang="en-US" dirty="0" smtClean="0"/>
+              <a:t>CPU bots can be too easy</a:t>
+            </a:r>
+          </a:p>
+          <a:p>
+            <a:pPr lvl="1"/>
             <a:endParaRPr lang="en-US" dirty="0"/>
           </a:p>
         </p:txBody>
@@ -6990,7 +7000,7 @@
     </p:spTree>
     <p:extLst>
       <p:ext uri="{BB962C8B-B14F-4D97-AF65-F5344CB8AC3E}">
-        <p14:creationId xmlns:p14="http://schemas.microsoft.com/office/powerpoint/2010/main" val="356333825"/>
+        <p14:creationId xmlns:p14="http://schemas.microsoft.com/office/powerpoint/2010/main" val="755175350"/>
       </p:ext>
     </p:extLst>
   </p:cSld>
@@ -7046,7 +7056,7 @@
           <a:p>
             <a:r>
               <a:rPr lang="en-US" dirty="0"/>
-              <a:t>Super Smash Brothers Melee (SSBM)</a:t>
+              <a:t>Super Smash Brothers Melee (SSBM) (Brant)</a:t>
             </a:r>
           </a:p>
         </p:txBody>
@@ -7196,7 +7206,7 @@
           <a:p>
             <a:r>
               <a:rPr lang="en-US" dirty="0"/>
-              <a:t>Problem</a:t>
+              <a:t>Problem (Brant)</a:t>
             </a:r>
           </a:p>
         </p:txBody>
@@ -7323,7 +7333,7 @@
           <a:p>
             <a:r>
               <a:rPr lang="en-US" dirty="0"/>
-              <a:t>Fixing the problem</a:t>
+              <a:t>Our Solution</a:t>
             </a:r>
           </a:p>
         </p:txBody>
@@ -7343,20 +7353,26 @@
           <a:bodyPr/>
           <a:lstStyle/>
           <a:p>
-            <a:pPr marL="0" indent="0">
-              <a:buNone/>
-            </a:pPr>
             <a:r>
               <a:rPr lang="en-US" dirty="0"/>
-              <a:t>Machine Learning</a:t>
-            </a:r>
+              <a:t>Give the players a better AI to train against</a:t>
+            </a:r>
+          </a:p>
+          <a:p>
+            <a:r>
+              <a:rPr lang="en-US" dirty="0"/>
+              <a:t>Implement a reinforcement learning algorithm that will learn to play better than the players</a:t>
+            </a:r>
+          </a:p>
+          <a:p>
+            <a:endParaRPr lang="en-US" dirty="0"/>
           </a:p>
         </p:txBody>
       </p:sp>
     </p:spTree>
     <p:extLst>
       <p:ext uri="{BB962C8B-B14F-4D97-AF65-F5344CB8AC3E}">
-        <p14:creationId xmlns:p14="http://schemas.microsoft.com/office/powerpoint/2010/main" val="2617607715"/>
+        <p14:creationId xmlns:p14="http://schemas.microsoft.com/office/powerpoint/2010/main" val="2854175971"/>
       </p:ext>
     </p:extLst>
   </p:cSld>
@@ -7412,7 +7428,7 @@
           <a:p>
             <a:r>
               <a:rPr lang="en-US" dirty="0"/>
-              <a:t>Environment</a:t>
+              <a:t>Asynchronous Advantage Actor-Critic (A3C)</a:t>
             </a:r>
           </a:p>
         </p:txBody>
@@ -7436,51 +7452,56 @@
           <a:p>
             <a:r>
               <a:rPr lang="en-US" dirty="0"/>
-              <a:t>Partially Observable through the game’s RAM</a:t>
+              <a:t>A3C is a reinforcement learning algorithm</a:t>
             </a:r>
           </a:p>
           <a:p>
             <a:r>
               <a:rPr lang="en-US" dirty="0"/>
-              <a:t>Deterministic not Stochastic</a:t>
+              <a:t>There is one global neural network</a:t>
             </a:r>
           </a:p>
           <a:p>
             <a:r>
               <a:rPr lang="en-US" dirty="0"/>
-              <a:t>Multiple Agents</a:t>
+              <a:t>Each character controlled by our program has a local neural network</a:t>
             </a:r>
           </a:p>
           <a:p>
             <a:r>
               <a:rPr lang="en-US" dirty="0"/>
-              <a:t>Sequential not Episodic</a:t>
-            </a:r>
+              <a:t>Before training, the global network is copied to all </a:t>
+            </a:r>
+            <a:r>
+              <a:rPr lang="en-US"/>
+              <a:t>local networks</a:t>
+            </a:r>
+            <a:endParaRPr lang="en-US" dirty="0"/>
           </a:p>
           <a:p>
             <a:r>
               <a:rPr lang="en-US" dirty="0"/>
-              <a:t>Dynamic not Static</a:t>
+              <a:t>When updates are calculated for a character’s network, the updates are applied to the global network</a:t>
             </a:r>
           </a:p>
           <a:p>
             <a:r>
               <a:rPr lang="en-US" dirty="0"/>
-              <a:t>Unknown physics</a:t>
-            </a:r>
-          </a:p>
-          <a:p>
-            <a:r>
-              <a:rPr lang="en-US" dirty="0"/>
-              <a:t>Discrete not continuous</a:t>
-            </a:r>
+              <a:t>The global network is then copied to the local network and training continues</a:t>
+            </a:r>
+          </a:p>
+          <a:p>
+            <a:endParaRPr lang="en-US" dirty="0"/>
+          </a:p>
+          <a:p>
+            <a:endParaRPr lang="en-US" dirty="0"/>
           </a:p>
         </p:txBody>
       </p:sp>
     </p:spTree>
     <p:extLst>
       <p:ext uri="{BB962C8B-B14F-4D97-AF65-F5344CB8AC3E}">
-        <p14:creationId xmlns:p14="http://schemas.microsoft.com/office/powerpoint/2010/main" val="1283098322"/>
+        <p14:creationId xmlns:p14="http://schemas.microsoft.com/office/powerpoint/2010/main" val="229318570"/>
       </p:ext>
     </p:extLst>
   </p:cSld>
@@ -7536,7 +7557,7 @@
           <a:p>
             <a:r>
               <a:rPr lang="en-US" dirty="0"/>
-              <a:t>Reinforcement Learning</a:t>
+              <a:t>Environment</a:t>
             </a:r>
           </a:p>
         </p:txBody>
@@ -7553,12 +7574,50 @@
         </p:nvSpPr>
         <p:spPr/>
         <p:txBody>
-          <a:bodyPr/>
+          <a:bodyPr>
+            <a:normAutofit fontScale="92500" lnSpcReduction="10000"/>
+          </a:bodyPr>
           <a:lstStyle/>
           <a:p>
             <a:r>
               <a:rPr lang="en-US" dirty="0"/>
-              <a:t>Talk about what Reinforcement learning is and why we chose it over supervised and unsupervised.</a:t>
+              <a:t>Partially Observable through the game’s RAM</a:t>
+            </a:r>
+          </a:p>
+          <a:p>
+            <a:r>
+              <a:rPr lang="en-US" dirty="0"/>
+              <a:t>Deterministic not Stochastic</a:t>
+            </a:r>
+          </a:p>
+          <a:p>
+            <a:r>
+              <a:rPr lang="en-US" dirty="0"/>
+              <a:t>Multiple Agents</a:t>
+            </a:r>
+          </a:p>
+          <a:p>
+            <a:r>
+              <a:rPr lang="en-US" dirty="0"/>
+              <a:t>Sequential not Episodic</a:t>
+            </a:r>
+          </a:p>
+          <a:p>
+            <a:r>
+              <a:rPr lang="en-US" dirty="0"/>
+              <a:t>Dynamic not Static</a:t>
+            </a:r>
+          </a:p>
+          <a:p>
+            <a:r>
+              <a:rPr lang="en-US" dirty="0"/>
+              <a:t>Unknown physics</a:t>
+            </a:r>
+          </a:p>
+          <a:p>
+            <a:r>
+              <a:rPr lang="en-US" dirty="0"/>
+              <a:t>Discrete not continuous</a:t>
             </a:r>
           </a:p>
         </p:txBody>
@@ -7566,7 +7625,7 @@
     </p:spTree>
     <p:extLst>
       <p:ext uri="{BB962C8B-B14F-4D97-AF65-F5344CB8AC3E}">
-        <p14:creationId xmlns:p14="http://schemas.microsoft.com/office/powerpoint/2010/main" val="2854175971"/>
+        <p14:creationId xmlns:p14="http://schemas.microsoft.com/office/powerpoint/2010/main" val="1283098322"/>
       </p:ext>
     </p:extLst>
   </p:cSld>
@@ -7622,7 +7681,7 @@
           <a:p>
             <a:r>
               <a:rPr lang="en-US" dirty="0"/>
-              <a:t>Asynchronous Advantage Actor Critic (A3C)</a:t>
+              <a:t>Reward System</a:t>
             </a:r>
           </a:p>
         </p:txBody>
@@ -7644,15 +7703,36 @@
           <a:p>
             <a:r>
               <a:rPr lang="en-US" dirty="0"/>
-              <a:t>After this slide I think we should show videos of the bots progression while learning. One of it before learning, one after a day or two, and one after a few weeks. We should also put in two or three clips of the bot running with an ally bot to show off A3C’s use with multiple agents.</a:t>
-            </a:r>
+              <a:t>Used to let the bot know how it is doing</a:t>
+            </a:r>
+          </a:p>
+          <a:p>
+            <a:r>
+              <a:rPr lang="en-US" dirty="0"/>
+              <a:t>Bot awarded a point for each time an opponent dies; Loses a point for dying</a:t>
+            </a:r>
+          </a:p>
+          <a:p>
+            <a:r>
+              <a:rPr lang="en-US" dirty="0"/>
+              <a:t>Bot is awarded 0.01 points for each percent of damage inflicted on opponents and loses 0.01 for each percent of damage it takes</a:t>
+            </a:r>
+          </a:p>
+          <a:p>
+            <a:r>
+              <a:rPr lang="en-US" dirty="0"/>
+              <a:t>Bot also loses points at a reduced rate (20%) for their allies dying or sustaining damage</a:t>
+            </a:r>
+          </a:p>
+          <a:p>
+            <a:endParaRPr lang="en-US" dirty="0"/>
           </a:p>
         </p:txBody>
       </p:sp>
     </p:spTree>
     <p:extLst>
       <p:ext uri="{BB962C8B-B14F-4D97-AF65-F5344CB8AC3E}">
-        <p14:creationId xmlns:p14="http://schemas.microsoft.com/office/powerpoint/2010/main" val="229318570"/>
+        <p14:creationId xmlns:p14="http://schemas.microsoft.com/office/powerpoint/2010/main" val="198296853"/>
       </p:ext>
     </p:extLst>
   </p:cSld>
@@ -7708,7 +7788,7 @@
           <a:p>
             <a:r>
               <a:rPr lang="en-US" dirty="0"/>
-              <a:t>Reward System</a:t>
+              <a:t>Training</a:t>
             </a:r>
           </a:p>
         </p:txBody>
@@ -7723,19 +7803,72 @@
             <p:ph idx="1"/>
           </p:nvPr>
         </p:nvSpPr>
-        <p:spPr/>
-        <p:txBody>
-          <a:bodyPr/>
+        <p:spPr>
+          <a:xfrm>
+            <a:off x="1483924" y="2362200"/>
+            <a:ext cx="10016104" cy="3429001"/>
+          </a:xfrm>
+        </p:spPr>
+        <p:txBody>
+          <a:bodyPr>
+            <a:normAutofit fontScale="92500" lnSpcReduction="10000"/>
+          </a:bodyPr>
           <a:lstStyle/>
           <a:p>
-            <a:endParaRPr lang="en-US"/>
+            <a:pPr marL="0" indent="0">
+              <a:buNone/>
+            </a:pPr>
+            <a:endParaRPr lang="en-US" dirty="0"/>
+          </a:p>
+          <a:p>
+            <a:r>
+              <a:rPr lang="en-US" dirty="0"/>
+              <a:t>Area in which the most problems we had arose</a:t>
+            </a:r>
+          </a:p>
+          <a:p>
+            <a:pPr lvl="1"/>
+            <a:r>
+              <a:rPr lang="en-US" dirty="0"/>
+              <a:t>Difficult to debug</a:t>
+            </a:r>
+          </a:p>
+          <a:p>
+            <a:pPr lvl="1"/>
+            <a:r>
+              <a:rPr lang="en-US" dirty="0"/>
+              <a:t>Had to reset our training on multiple occasions</a:t>
+            </a:r>
+          </a:p>
+          <a:p>
+            <a:pPr lvl="1"/>
+            <a:r>
+              <a:rPr lang="en-US" dirty="0"/>
+              <a:t>Can lead to overfitting if done incorrectly</a:t>
+            </a:r>
+          </a:p>
+          <a:p>
+            <a:r>
+              <a:rPr lang="en-US" dirty="0"/>
+              <a:t>Began training our bot against a single in-game level 5 opponent</a:t>
+            </a:r>
+          </a:p>
+          <a:p>
+            <a:r>
+              <a:rPr lang="en-US" dirty="0"/>
+              <a:t>Ended up using A3C’s shared network to speed up training by having two teams of two bots training with each other constantly.</a:t>
+            </a:r>
+          </a:p>
+          <a:p>
+            <a:pPr lvl="1"/>
+            <a:endParaRPr lang="en-US" dirty="0"/>
           </a:p>
         </p:txBody>
       </p:sp>
     </p:spTree>
     <p:extLst>
       <p:ext uri="{BB962C8B-B14F-4D97-AF65-F5344CB8AC3E}">
-        <p14:creationId xmlns:p14="http://schemas.microsoft.com/office/powerpoint/2010/main" val="198296853"/>
+        <p14:creationId xmlns:p14="http://schemas.microsoft.com/office/powerpoint/2010/main" val="4159471737"/>
       </p:ext>
     </p:extLst>
   </p:cSld>
@@ -7790,8 +7923,12 @@
           <a:lstStyle/>
           <a:p>
             <a:r>
+              <a:rPr lang="en-US" dirty="0" err="1"/>
+              <a:t>PyQT</a:t>
+            </a:r>
+            <a:r>
               <a:rPr lang="en-US" dirty="0"/>
-              <a:t>Training</a:t>
+              <a:t> – GUI (Jordan)</a:t>
             </a:r>
           </a:p>
         </p:txBody>
@@ -7811,14 +7948,14 @@
           <a:bodyPr/>
           <a:lstStyle/>
           <a:p>
-            <a:endParaRPr lang="en-US"/>
+            <a:endParaRPr lang="en-US" dirty="0"/>
           </a:p>
         </p:txBody>
       </p:sp>
     </p:spTree>
     <p:extLst>
       <p:ext uri="{BB962C8B-B14F-4D97-AF65-F5344CB8AC3E}">
-        <p14:creationId xmlns:p14="http://schemas.microsoft.com/office/powerpoint/2010/main" val="4159471737"/>
+        <p14:creationId xmlns:p14="http://schemas.microsoft.com/office/powerpoint/2010/main" val="356333825"/>
       </p:ext>
     </p:extLst>
   </p:cSld>
@@ -9655,6 +9792,15 @@
 </file>
 
 <file path=customXml/item2.xml><?xml version="1.0" encoding="utf-8"?>
+<?mso-contentType ?>
+<FormTemplates xmlns="http://schemas.microsoft.com/sharepoint/v3/contenttype/forms">
+  <Display>DocumentLibraryForm</Display>
+  <Edit>AssetEditForm</Edit>
+  <New>DocumentLibraryForm</New>
+</FormTemplates>
+</file>
+
+<file path=customXml/item3.xml><?xml version="1.0" encoding="utf-8"?>
 <p:properties xmlns:p="http://schemas.microsoft.com/office/2006/metadata/properties" xmlns:xsi="http://www.w3.org/2001/XMLSchema-instance" xmlns:pc="http://schemas.microsoft.com/office/infopath/2007/PartnerControls">
   <documentManagement>
     <DirectSourceMarket xmlns="4873beb7-5857-4685-be1f-d57550cc96cc" xsi:nil="true"/>
@@ -9781,15 +9927,6 @@
 </p:properties>
 </file>
 
-<file path=customXml/item3.xml><?xml version="1.0" encoding="utf-8"?>
-<?mso-contentType ?>
-<FormTemplates xmlns="http://schemas.microsoft.com/sharepoint/v3/contenttype/forms">
-  <Display>DocumentLibraryForm</Display>
-  <Edit>AssetEditForm</Edit>
-  <New>DocumentLibraryForm</New>
-</FormTemplates>
-</file>
-
 <file path=customXml/itemProps1.xml><?xml version="1.0" encoding="utf-8"?>
 <ds:datastoreItem xmlns:ds="http://schemas.openxmlformats.org/officeDocument/2006/customXml" ds:itemID="{22CCB507-0646-4A50-A4F7-7F385079D589}">
   <ds:schemaRefs>
@@ -9809,6 +9946,14 @@
 </file>
 
 <file path=customXml/itemProps2.xml><?xml version="1.0" encoding="utf-8"?>
+<ds:datastoreItem xmlns:ds="http://schemas.openxmlformats.org/officeDocument/2006/customXml" ds:itemID="{74228E6B-D70C-44BB-A81F-A245495F612B}">
+  <ds:schemaRefs>
+    <ds:schemaRef ds:uri="http://schemas.microsoft.com/sharepoint/v3/contenttype/forms"/>
+  </ds:schemaRefs>
+</ds:datastoreItem>
+</file>
+
+<file path=customXml/itemProps3.xml><?xml version="1.0" encoding="utf-8"?>
 <ds:datastoreItem xmlns:ds="http://schemas.openxmlformats.org/officeDocument/2006/customXml" ds:itemID="{00E41224-0370-4595-877C-23316CD80004}">
   <ds:schemaRefs>
     <ds:schemaRef ds:uri="http://schemas.openxmlformats.org/package/2006/metadata/core-properties"/>
@@ -9822,12 +9967,4 @@
     <ds:schemaRef ds:uri="http://purl.org/dc/dcmitype/"/>
   </ds:schemaRefs>
 </ds:datastoreItem>
-</file>
-
-<file path=customXml/itemProps3.xml><?xml version="1.0" encoding="utf-8"?>
-<ds:datastoreItem xmlns:ds="http://schemas.openxmlformats.org/officeDocument/2006/customXml" ds:itemID="{74228E6B-D70C-44BB-A81F-A245495F612B}">
-  <ds:schemaRefs>
-    <ds:schemaRef ds:uri="http://schemas.microsoft.com/sharepoint/v3/contenttype/forms"/>
-  </ds:schemaRefs>
-</ds:datastoreItem>
 </file>
--- a/Documents/ProjectPresentation.pptx
+++ b/Documents/ProjectPresentation.pptx
@@ -6981,7 +6981,7 @@
           <a:p>
             <a:r>
               <a:rPr lang="en-US" dirty="0" smtClean="0"/>
-              <a:t>Play against Melee bots</a:t>
+              <a:t>Play against deep learning bots</a:t>
             </a:r>
           </a:p>
           <a:p>
@@ -6989,6 +6989,33 @@
             <a:r>
               <a:rPr lang="en-US" dirty="0" smtClean="0"/>
               <a:t>CPU bots can be too easy</a:t>
+            </a:r>
+          </a:p>
+          <a:p>
+            <a:pPr lvl="1"/>
+            <a:r>
+              <a:rPr lang="en-US" dirty="0" smtClean="0"/>
+              <a:t>Deep learning bots have the potential to be very good</a:t>
+            </a:r>
+          </a:p>
+          <a:p>
+            <a:r>
+              <a:rPr lang="en-US" dirty="0" smtClean="0"/>
+              <a:t>Neural network can be applied to other games</a:t>
+            </a:r>
+          </a:p>
+          <a:p>
+            <a:pPr lvl="1"/>
+            <a:r>
+              <a:rPr lang="en-US" dirty="0" smtClean="0"/>
+              <a:t>Retrain on other games</a:t>
+            </a:r>
+          </a:p>
+          <a:p>
+            <a:pPr lvl="1"/>
+            <a:r>
+              <a:rPr lang="en-US" dirty="0" smtClean="0"/>
+              <a:t>Create new reward system</a:t>
             </a:r>
           </a:p>
           <a:p>
